--- a/slides/Angular Slides Day 2.pptx
+++ b/slides/Angular Slides Day 2.pptx
@@ -6,32 +6,39 @@
   </p:sldMasterIdLst>
   <p:sldIdLst>
     <p:sldId id="256" r:id="rId2"/>
-    <p:sldId id="258" r:id="rId3"/>
-    <p:sldId id="283" r:id="rId4"/>
-    <p:sldId id="259" r:id="rId5"/>
-    <p:sldId id="260" r:id="rId6"/>
-    <p:sldId id="261" r:id="rId7"/>
-    <p:sldId id="262" r:id="rId8"/>
-    <p:sldId id="263" r:id="rId9"/>
-    <p:sldId id="264" r:id="rId10"/>
-    <p:sldId id="265" r:id="rId11"/>
-    <p:sldId id="266" r:id="rId12"/>
-    <p:sldId id="267" r:id="rId13"/>
-    <p:sldId id="268" r:id="rId14"/>
-    <p:sldId id="269" r:id="rId15"/>
-    <p:sldId id="270" r:id="rId16"/>
-    <p:sldId id="271" r:id="rId17"/>
-    <p:sldId id="272" r:id="rId18"/>
-    <p:sldId id="273" r:id="rId19"/>
-    <p:sldId id="274" r:id="rId20"/>
-    <p:sldId id="275" r:id="rId21"/>
-    <p:sldId id="276" r:id="rId22"/>
-    <p:sldId id="277" r:id="rId23"/>
-    <p:sldId id="278" r:id="rId24"/>
-    <p:sldId id="279" r:id="rId25"/>
-    <p:sldId id="280" r:id="rId26"/>
-    <p:sldId id="281" r:id="rId27"/>
-    <p:sldId id="282" r:id="rId28"/>
+    <p:sldId id="289" r:id="rId3"/>
+    <p:sldId id="284" r:id="rId4"/>
+    <p:sldId id="285" r:id="rId5"/>
+    <p:sldId id="286" r:id="rId6"/>
+    <p:sldId id="287" r:id="rId7"/>
+    <p:sldId id="288" r:id="rId8"/>
+    <p:sldId id="293" r:id="rId9"/>
+    <p:sldId id="294" r:id="rId10"/>
+    <p:sldId id="291" r:id="rId11"/>
+    <p:sldId id="283" r:id="rId12"/>
+    <p:sldId id="259" r:id="rId13"/>
+    <p:sldId id="260" r:id="rId14"/>
+    <p:sldId id="261" r:id="rId15"/>
+    <p:sldId id="262" r:id="rId16"/>
+    <p:sldId id="263" r:id="rId17"/>
+    <p:sldId id="264" r:id="rId18"/>
+    <p:sldId id="265" r:id="rId19"/>
+    <p:sldId id="266" r:id="rId20"/>
+    <p:sldId id="267" r:id="rId21"/>
+    <p:sldId id="269" r:id="rId22"/>
+    <p:sldId id="270" r:id="rId23"/>
+    <p:sldId id="271" r:id="rId24"/>
+    <p:sldId id="272" r:id="rId25"/>
+    <p:sldId id="273" r:id="rId26"/>
+    <p:sldId id="274" r:id="rId27"/>
+    <p:sldId id="275" r:id="rId28"/>
+    <p:sldId id="276" r:id="rId29"/>
+    <p:sldId id="277" r:id="rId30"/>
+    <p:sldId id="278" r:id="rId31"/>
+    <p:sldId id="279" r:id="rId32"/>
+    <p:sldId id="280" r:id="rId33"/>
+    <p:sldId id="281" r:id="rId34"/>
+    <p:sldId id="282" r:id="rId35"/>
   </p:sldIdLst>
   <p:sldSz cx="9144000" cy="6858000" type="screen4x3"/>
   <p:notesSz cx="6858000" cy="9144000"/>
@@ -314,7 +321,7 @@
           <a:p>
             <a:fld id="{6BFECD78-3C8E-49F2-8FAB-59489D168ABB}" type="datetimeFigureOut">
               <a:rPr lang="en-US" smtClean="0"/>
-              <a:t>5/29/16</a:t>
+              <a:t>10/5/16</a:t>
             </a:fld>
             <a:endParaRPr lang="en-US"/>
           </a:p>
@@ -484,7 +491,7 @@
           <a:p>
             <a:fld id="{6BFECD78-3C8E-49F2-8FAB-59489D168ABB}" type="datetimeFigureOut">
               <a:rPr lang="en-US" smtClean="0"/>
-              <a:t>5/29/16</a:t>
+              <a:t>10/5/16</a:t>
             </a:fld>
             <a:endParaRPr lang="en-US"/>
           </a:p>
@@ -664,7 +671,7 @@
           <a:p>
             <a:fld id="{6BFECD78-3C8E-49F2-8FAB-59489D168ABB}" type="datetimeFigureOut">
               <a:rPr lang="en-US" smtClean="0"/>
-              <a:t>5/29/16</a:t>
+              <a:t>10/5/16</a:t>
             </a:fld>
             <a:endParaRPr lang="en-US"/>
           </a:p>
@@ -834,7 +841,7 @@
           <a:p>
             <a:fld id="{6BFECD78-3C8E-49F2-8FAB-59489D168ABB}" type="datetimeFigureOut">
               <a:rPr lang="en-US" smtClean="0"/>
-              <a:t>5/29/16</a:t>
+              <a:t>10/5/16</a:t>
             </a:fld>
             <a:endParaRPr lang="en-US"/>
           </a:p>
@@ -1080,7 +1087,7 @@
           <a:p>
             <a:fld id="{6BFECD78-3C8E-49F2-8FAB-59489D168ABB}" type="datetimeFigureOut">
               <a:rPr lang="en-US" smtClean="0"/>
-              <a:t>5/29/16</a:t>
+              <a:t>10/5/16</a:t>
             </a:fld>
             <a:endParaRPr lang="en-US"/>
           </a:p>
@@ -1368,7 +1375,7 @@
           <a:p>
             <a:fld id="{6BFECD78-3C8E-49F2-8FAB-59489D168ABB}" type="datetimeFigureOut">
               <a:rPr lang="en-US" smtClean="0"/>
-              <a:t>5/29/16</a:t>
+              <a:t>10/5/16</a:t>
             </a:fld>
             <a:endParaRPr lang="en-US"/>
           </a:p>
@@ -1790,7 +1797,7 @@
           <a:p>
             <a:fld id="{6BFECD78-3C8E-49F2-8FAB-59489D168ABB}" type="datetimeFigureOut">
               <a:rPr lang="en-US" smtClean="0"/>
-              <a:t>5/29/16</a:t>
+              <a:t>10/5/16</a:t>
             </a:fld>
             <a:endParaRPr lang="en-US"/>
           </a:p>
@@ -1908,7 +1915,7 @@
           <a:p>
             <a:fld id="{6BFECD78-3C8E-49F2-8FAB-59489D168ABB}" type="datetimeFigureOut">
               <a:rPr lang="en-US" smtClean="0"/>
-              <a:t>5/29/16</a:t>
+              <a:t>10/5/16</a:t>
             </a:fld>
             <a:endParaRPr lang="en-US"/>
           </a:p>
@@ -2003,7 +2010,7 @@
           <a:p>
             <a:fld id="{6BFECD78-3C8E-49F2-8FAB-59489D168ABB}" type="datetimeFigureOut">
               <a:rPr lang="en-US" smtClean="0"/>
-              <a:t>5/29/16</a:t>
+              <a:t>10/5/16</a:t>
             </a:fld>
             <a:endParaRPr lang="en-US"/>
           </a:p>
@@ -2280,7 +2287,7 @@
           <a:p>
             <a:fld id="{6BFECD78-3C8E-49F2-8FAB-59489D168ABB}" type="datetimeFigureOut">
               <a:rPr lang="en-US" smtClean="0"/>
-              <a:t>5/29/16</a:t>
+              <a:t>10/5/16</a:t>
             </a:fld>
             <a:endParaRPr lang="en-US"/>
           </a:p>
@@ -2537,7 +2544,7 @@
           <a:p>
             <a:fld id="{6BFECD78-3C8E-49F2-8FAB-59489D168ABB}" type="datetimeFigureOut">
               <a:rPr lang="en-US" smtClean="0"/>
-              <a:t>5/29/16</a:t>
+              <a:t>10/5/16</a:t>
             </a:fld>
             <a:endParaRPr lang="en-US"/>
           </a:p>
@@ -2750,7 +2757,7 @@
           <a:p>
             <a:fld id="{6BFECD78-3C8E-49F2-8FAB-59489D168ABB}" type="datetimeFigureOut">
               <a:rPr lang="en-US" smtClean="0"/>
-              <a:t>5/29/16</a:t>
+              <a:t>10/5/16</a:t>
             </a:fld>
             <a:endParaRPr lang="en-US"/>
           </a:p>
@@ -3239,22 +3246,17 @@
             <a:spLocks noGrp="1"/>
           </p:cNvSpPr>
           <p:nvPr>
-            <p:ph type="ctrTitle"/>
-          </p:nvPr>
-        </p:nvSpPr>
-        <p:spPr>
-          <a:xfrm>
-            <a:off x="685800" y="160685"/>
-            <a:ext cx="7772400" cy="1470025"/>
-          </a:xfrm>
-        </p:spPr>
+            <p:ph type="title"/>
+          </p:nvPr>
+        </p:nvSpPr>
+        <p:spPr/>
         <p:txBody>
           <a:bodyPr/>
           <a:lstStyle/>
           <a:p>
             <a:r>
-              <a:rPr lang="en-US" dirty="0"/>
-              <a:t>Factories</a:t>
+              <a:rPr lang="en-US" dirty="0" smtClean="0"/>
+              <a:t>Providers/Services</a:t>
             </a:r>
             <a:endParaRPr lang="en-US" dirty="0"/>
           </a:p>
@@ -3262,205 +3264,33 @@
       </p:sp>
       <p:sp>
         <p:nvSpPr>
-          <p:cNvPr id="3" name="Subtitle 2"/>
-          <p:cNvSpPr>
-            <a:spLocks noGrp="1"/>
-          </p:cNvSpPr>
-          <p:nvPr>
-            <p:ph type="subTitle" idx="1"/>
-          </p:nvPr>
-        </p:nvSpPr>
-        <p:spPr>
-          <a:xfrm>
-            <a:off x="454651" y="1630710"/>
-            <a:ext cx="8371875" cy="4609893"/>
-          </a:xfrm>
-        </p:spPr>
-        <p:txBody>
-          <a:bodyPr>
-            <a:normAutofit/>
-          </a:bodyPr>
-          <a:lstStyle/>
-          <a:p>
-            <a:pPr marL="342900" indent="-342900" algn="l">
-              <a:buFont typeface="Arial"/>
-              <a:buChar char="•"/>
-            </a:pPr>
-            <a:r>
-              <a:rPr lang="en-US" sz="2000" dirty="0" smtClean="0"/>
-              <a:t>Factories </a:t>
-            </a:r>
-            <a:r>
-              <a:rPr lang="en-US" sz="2000" dirty="0"/>
-              <a:t>combine the flexibility of Providers with a simpler syntax</a:t>
-            </a:r>
-          </a:p>
-          <a:p>
-            <a:pPr marL="342900" indent="-342900" algn="l">
-              <a:buFont typeface="Arial"/>
-              <a:buChar char="•"/>
-            </a:pPr>
-            <a:r>
-              <a:rPr lang="en-US" sz="2000" dirty="0" smtClean="0"/>
-              <a:t>recipe </a:t>
-            </a:r>
-            <a:r>
-              <a:rPr lang="en-US" sz="2000" dirty="0"/>
-              <a:t>passes a function as the $get method of provider_</a:t>
-            </a:r>
-          </a:p>
-          <a:p>
-            <a:pPr marL="342900" indent="-342900" algn="l">
-              <a:buFont typeface="Arial"/>
-              <a:buChar char="•"/>
-            </a:pPr>
-            <a:r>
-              <a:rPr lang="en-US" sz="2000" dirty="0" smtClean="0"/>
-              <a:t>.</a:t>
-            </a:r>
-            <a:r>
-              <a:rPr lang="en-US" sz="2000" dirty="0"/>
-              <a:t>factory('</a:t>
-            </a:r>
-            <a:r>
-              <a:rPr lang="en-US" sz="2000" dirty="0" err="1"/>
-              <a:t>factoryName</a:t>
-            </a:r>
-            <a:r>
-              <a:rPr lang="en-US" sz="2000" dirty="0"/>
-              <a:t>', </a:t>
-            </a:r>
-            <a:r>
-              <a:rPr lang="en-US" sz="2000" dirty="0" err="1"/>
-              <a:t>inlineArrayNotationOrInitFunction</a:t>
-            </a:r>
-            <a:r>
-              <a:rPr lang="en-US" sz="2000" dirty="0"/>
-              <a:t>)</a:t>
-            </a:r>
-          </a:p>
-          <a:p>
-            <a:pPr marL="342900" indent="-342900" algn="l">
-              <a:buFont typeface="Arial"/>
-              <a:buChar char="•"/>
-            </a:pPr>
-            <a:r>
-              <a:rPr lang="en-US" sz="2000" dirty="0" smtClean="0"/>
-              <a:t>That </a:t>
-            </a:r>
-            <a:r>
-              <a:rPr lang="en-US" sz="2000" dirty="0"/>
-              <a:t>function gets invoked during provider creation</a:t>
-            </a:r>
-          </a:p>
-          <a:p>
-            <a:pPr marL="342900" indent="-342900" algn="l">
-              <a:buFont typeface="Arial"/>
-              <a:buChar char="•"/>
-            </a:pPr>
-            <a:r>
-              <a:rPr lang="en-US" sz="2000" dirty="0" smtClean="0"/>
-              <a:t>Example </a:t>
-            </a:r>
-            <a:r>
-              <a:rPr lang="en-US" sz="2000" dirty="0"/>
-              <a:t>above becomes: .provider('</a:t>
-            </a:r>
-            <a:r>
-              <a:rPr lang="en-US" sz="2000" dirty="0" err="1"/>
-              <a:t>factoryName</a:t>
-            </a:r>
-            <a:r>
-              <a:rPr lang="en-US" sz="2000" dirty="0"/>
-              <a:t>', { $get: </a:t>
-            </a:r>
-            <a:r>
-              <a:rPr lang="en-US" sz="2000" dirty="0" err="1"/>
-              <a:t>inlineArrayNotationOr</a:t>
-            </a:r>
-            <a:r>
-              <a:rPr lang="en-US" sz="2000" dirty="0"/>
-              <a:t>... })</a:t>
-            </a:r>
-          </a:p>
-          <a:p>
-            <a:pPr marL="342900" indent="-342900" algn="l">
-              <a:buFont typeface="Arial"/>
-              <a:buChar char="•"/>
-            </a:pPr>
-            <a:r>
-              <a:rPr lang="en-US" sz="2000" dirty="0" smtClean="0"/>
-              <a:t>The </a:t>
-            </a:r>
-            <a:r>
-              <a:rPr lang="en-US" sz="2000" dirty="0"/>
-              <a:t>return value of </a:t>
-            </a:r>
-            <a:r>
-              <a:rPr lang="en-US" sz="2000" dirty="0" err="1"/>
-              <a:t>inlineArrayNotationOr</a:t>
-            </a:r>
-            <a:r>
-              <a:rPr lang="en-US" sz="2000" dirty="0"/>
-              <a:t>... is what gets elsewhere</a:t>
-            </a:r>
-          </a:p>
-          <a:p>
-            <a:pPr marL="800100" lvl="1" indent="-342900" algn="l">
-              <a:buFont typeface="Arial"/>
-              <a:buChar char="•"/>
-            </a:pPr>
-            <a:r>
-              <a:rPr lang="en-US" sz="1600" dirty="0" smtClean="0"/>
-              <a:t>Can </a:t>
-            </a:r>
-            <a:r>
-              <a:rPr lang="en-US" sz="1600" dirty="0"/>
-              <a:t>be any value - a primitive, object or function</a:t>
-            </a:r>
-          </a:p>
-          <a:p>
-            <a:pPr marL="800100" lvl="1" indent="-342900" algn="l">
-              <a:buFont typeface="Arial"/>
-              <a:buChar char="•"/>
-            </a:pPr>
-            <a:r>
-              <a:rPr lang="en-US" sz="1600" dirty="0" smtClean="0"/>
-              <a:t>The </a:t>
-            </a:r>
-            <a:r>
-              <a:rPr lang="en-US" sz="1600" dirty="0"/>
-              <a:t>revealing module pattern can be used to simulate private </a:t>
-            </a:r>
-            <a:r>
-              <a:rPr lang="en-US" sz="1600" dirty="0" err="1"/>
-              <a:t>vars</a:t>
-            </a:r>
-            <a:r>
-              <a:rPr lang="en-US" sz="1600" dirty="0"/>
-              <a:t> and methods</a:t>
-            </a:r>
-            <a:endParaRPr lang="en-US" sz="1200" dirty="0"/>
+          <p:cNvPr id="3" name="Content Placeholder 2"/>
+          <p:cNvSpPr>
+            <a:spLocks noGrp="1"/>
+          </p:cNvSpPr>
+          <p:nvPr>
+            <p:ph idx="1"/>
+          </p:nvPr>
+        </p:nvSpPr>
+        <p:spPr/>
+        <p:txBody>
+          <a:bodyPr/>
+          <a:lstStyle/>
+          <a:p>
+            <a:endParaRPr lang="en-US"/>
           </a:p>
         </p:txBody>
       </p:sp>
     </p:spTree>
     <p:extLst>
       <p:ext uri="{BB962C8B-B14F-4D97-AF65-F5344CB8AC3E}">
-        <p14:creationId xmlns:p14="http://schemas.microsoft.com/office/powerpoint/2010/main" val="3435812319"/>
+        <p14:creationId xmlns:p14="http://schemas.microsoft.com/office/powerpoint/2010/main" val="3697748551"/>
       </p:ext>
     </p:extLst>
   </p:cSld>
   <p:clrMapOvr>
     <a:masterClrMapping/>
   </p:clrMapOvr>
-  <p:timing>
-    <p:tnLst>
-      <p:par>
-        <p:cTn xmlns:p14="http://schemas.microsoft.com/office/powerpoint/2010/main" id="1" dur="indefinite" restart="never" nodeType="tmRoot"/>
-      </p:par>
-    </p:tnLst>
-  </p:timing>
 </p:sld>
 </file>
 
@@ -3503,7 +3333,11 @@
           <a:p>
             <a:r>
               <a:rPr lang="en-US" dirty="0"/>
-              <a:t>Services</a:t>
+              <a:t>Dependency </a:t>
+            </a:r>
+            <a:r>
+              <a:rPr lang="en-US" dirty="0" smtClean="0"/>
+              <a:t>Injection</a:t>
             </a:r>
             <a:endParaRPr lang="en-US" dirty="0"/>
           </a:p>
@@ -3527,7 +3361,7 @@
         </p:spPr>
         <p:txBody>
           <a:bodyPr>
-            <a:normAutofit/>
+            <a:normAutofit fontScale="85000" lnSpcReduction="10000"/>
           </a:bodyPr>
           <a:lstStyle/>
           <a:p>
@@ -3536,78 +3370,146 @@
               <a:buChar char="•"/>
             </a:pPr>
             <a:r>
-              <a:rPr lang="en-US" sz="2000" dirty="0" smtClean="0"/>
-              <a:t>Instead </a:t>
-            </a:r>
-            <a:r>
-              <a:rPr lang="en-US" sz="2000" dirty="0"/>
-              <a:t>of invoking the target function, Services apply the "new" keyword</a:t>
-            </a:r>
-          </a:p>
-          <a:p>
-            <a:pPr marL="342900" indent="-342900" algn="l">
-              <a:buFont typeface="Arial"/>
-              <a:buChar char="•"/>
-            </a:pPr>
-            <a:r>
-              <a:rPr lang="en-US" sz="2000" dirty="0" smtClean="0"/>
-              <a:t>Inside </a:t>
-            </a:r>
-            <a:r>
-              <a:rPr lang="en-US" sz="2000" dirty="0"/>
-              <a:t>the service recipe function, use "this"</a:t>
-            </a:r>
-          </a:p>
-          <a:p>
-            <a:pPr marL="342900" indent="-342900" algn="l">
-              <a:buFont typeface="Arial"/>
-              <a:buChar char="•"/>
-            </a:pPr>
-            <a:r>
-              <a:rPr lang="en-US" sz="2000" dirty="0" smtClean="0"/>
-              <a:t>.</a:t>
-            </a:r>
-            <a:r>
-              <a:rPr lang="en-US" sz="2000" dirty="0"/>
-              <a:t>service('</a:t>
+              <a:rPr lang="en-US" sz="2400" dirty="0" smtClean="0"/>
+              <a:t>DI </a:t>
+            </a:r>
+            <a:r>
+              <a:rPr lang="en-US" sz="2400" dirty="0"/>
+              <a:t>is a design pattern which implements a principle named Inversion Of Control</a:t>
+            </a:r>
+          </a:p>
+          <a:p>
+            <a:pPr marL="342900" indent="-342900" algn="l">
+              <a:buFont typeface="Arial"/>
+              <a:buChar char="•"/>
+            </a:pPr>
+            <a:r>
+              <a:rPr lang="en-US" sz="2400" dirty="0" err="1" smtClean="0"/>
+              <a:t>IoC</a:t>
+            </a:r>
+            <a:r>
+              <a:rPr lang="en-US" sz="2400" dirty="0" smtClean="0"/>
+              <a:t> </a:t>
+            </a:r>
+            <a:r>
+              <a:rPr lang="en-US" sz="2400" dirty="0"/>
+              <a:t>means this code knows as little as possible about code it calls. Instead,</a:t>
+            </a:r>
+          </a:p>
+          <a:p>
+            <a:pPr marL="800100" lvl="1" indent="-342900" algn="l">
+              <a:buFont typeface="Arial"/>
+              <a:buChar char="•"/>
+            </a:pPr>
+            <a:r>
+              <a:rPr lang="en-US" sz="2000" dirty="0" smtClean="0"/>
+              <a:t>this </a:t>
+            </a:r>
+            <a:r>
+              <a:rPr lang="en-US" sz="2000" dirty="0"/>
+              <a:t>code states its dependencies</a:t>
+            </a:r>
+          </a:p>
+          <a:p>
+            <a:pPr marL="800100" lvl="1" indent="-342900" algn="l">
+              <a:buFont typeface="Arial"/>
+              <a:buChar char="•"/>
+            </a:pPr>
+            <a:r>
+              <a:rPr lang="en-US" sz="2000" dirty="0" smtClean="0"/>
+              <a:t>the </a:t>
+            </a:r>
+            <a:r>
+              <a:rPr lang="en-US" sz="2000" dirty="0"/>
+              <a:t>"injector" is responsible for "providing" them</a:t>
+            </a:r>
+          </a:p>
+          <a:p>
+            <a:pPr marL="800100" lvl="1" indent="-342900" algn="l">
+              <a:buFont typeface="Arial"/>
+              <a:buChar char="•"/>
+            </a:pPr>
+            <a:r>
+              <a:rPr lang="en-US" sz="2000" dirty="0" smtClean="0"/>
+              <a:t>injector </a:t>
+            </a:r>
+            <a:r>
+              <a:rPr lang="en-US" sz="2000" dirty="0"/>
+              <a:t>handles </a:t>
             </a:r>
             <a:r>
               <a:rPr lang="en-US" sz="2000" dirty="0" err="1"/>
-              <a:t>serviceName</a:t>
-            </a:r>
-            <a:r>
-              <a:rPr lang="en-US" sz="2000" dirty="0"/>
-              <a:t>', function () { </a:t>
+              <a:t>init</a:t>
+            </a:r>
+            <a:r>
+              <a:rPr lang="en-US" sz="2000" dirty="0"/>
+              <a:t>, waiting for load, </a:t>
             </a:r>
             <a:r>
               <a:rPr lang="en-US" sz="2000" dirty="0" err="1"/>
-              <a:t>this.externalFn</a:t>
-            </a:r>
-            <a:r>
-              <a:rPr lang="en-US" sz="2000" dirty="0"/>
-              <a:t> = function () {...}}</a:t>
-            </a:r>
-          </a:p>
-          <a:p>
-            <a:pPr marL="342900" indent="-342900" algn="l">
-              <a:buFont typeface="Arial"/>
-              <a:buChar char="•"/>
-            </a:pPr>
-            <a:r>
-              <a:rPr lang="en-US" sz="2000" dirty="0" smtClean="0"/>
-              <a:t>Gotcha</a:t>
-            </a:r>
-            <a:r>
-              <a:rPr lang="en-US" sz="2000" dirty="0"/>
-              <a:t>: blog posts etc. sometimes refer to Services as "classes" - </a:t>
+              <a:t>etc</a:t>
+            </a:r>
+            <a:endParaRPr lang="en-US" sz="2000" dirty="0"/>
+          </a:p>
+          <a:p>
+            <a:pPr marL="800100" lvl="1" indent="-342900" algn="l">
+              <a:buFont typeface="Arial"/>
+              <a:buChar char="•"/>
+            </a:pPr>
+            <a:r>
+              <a:rPr lang="en-US" sz="2000" dirty="0" smtClean="0"/>
+              <a:t>this </a:t>
+            </a:r>
+            <a:r>
+              <a:rPr lang="en-US" sz="2000" dirty="0"/>
+              <a:t>code just uses dependency without knowing any details</a:t>
+            </a:r>
+          </a:p>
+          <a:p>
+            <a:pPr marL="342900" indent="-342900" algn="l">
+              <a:buFont typeface="Arial"/>
+              <a:buChar char="•"/>
+            </a:pPr>
+            <a:r>
+              <a:rPr lang="en-US" sz="2400" dirty="0" smtClean="0"/>
+              <a:t>Benefits</a:t>
+            </a:r>
+            <a:endParaRPr lang="en-US" sz="2400" dirty="0"/>
+          </a:p>
+          <a:p>
+            <a:pPr marL="800100" lvl="1" indent="-342900" algn="l">
+              <a:buFont typeface="Arial"/>
+              <a:buChar char="•"/>
+            </a:pPr>
+            <a:r>
+              <a:rPr lang="en-US" sz="2000" dirty="0" smtClean="0"/>
+              <a:t>Promotes </a:t>
+            </a:r>
+            <a:r>
+              <a:rPr lang="en-US" sz="2000" dirty="0"/>
+              <a:t>lots of architecture best practices</a:t>
+            </a:r>
+          </a:p>
+          <a:p>
+            <a:pPr marL="800100" lvl="1" indent="-342900" algn="l">
+              <a:buFont typeface="Arial"/>
+              <a:buChar char="•"/>
+            </a:pPr>
+            <a:r>
+              <a:rPr lang="en-US" sz="2000" dirty="0" smtClean="0"/>
+              <a:t>Provide </a:t>
+            </a:r>
+            <a:r>
+              <a:rPr lang="en-US" sz="2000" dirty="0"/>
+              <a:t>can be just-in-time: </a:t>
             </a:r>
             <a:r>
               <a:rPr lang="en-US" sz="2000" dirty="0" err="1"/>
-              <a:t>thats</a:t>
-            </a:r>
-            <a:r>
-              <a:rPr lang="en-US" sz="2000" dirty="0"/>
-              <a:t> a stretch</a:t>
+              <a:t>dont</a:t>
+            </a:r>
+            <a:r>
+              <a:rPr lang="en-US" sz="2000" dirty="0"/>
+              <a:t> have to load all dependencies initially</a:t>
             </a:r>
           </a:p>
           <a:p>
@@ -3616,12 +3518,12 @@
               <a:buChar char="•"/>
             </a:pPr>
             <a:r>
-              <a:rPr lang="en-US" sz="1600" dirty="0" smtClean="0"/>
-              <a:t>Remember </a:t>
-            </a:r>
-            <a:r>
-              <a:rPr lang="en-US" sz="1600" dirty="0"/>
-              <a:t>the service itself is a singleton</a:t>
+              <a:rPr lang="en-US" sz="2000" dirty="0" smtClean="0"/>
+              <a:t>Swappable </a:t>
+            </a:r>
+            <a:r>
+              <a:rPr lang="en-US" sz="2000" dirty="0"/>
+              <a:t>with a mock object at test time</a:t>
             </a:r>
           </a:p>
           <a:p>
@@ -3630,21 +3532,32 @@
               <a:buChar char="•"/>
             </a:pPr>
             <a:r>
-              <a:rPr lang="en-US" sz="1600" dirty="0" smtClean="0"/>
-              <a:t>Even </a:t>
-            </a:r>
-            <a:r>
-              <a:rPr lang="en-US" sz="1600" dirty="0"/>
-              <a:t>though it gets </a:t>
-            </a:r>
-            <a:r>
-              <a:rPr lang="en-US" sz="1600" dirty="0" err="1"/>
-              <a:t>newed</a:t>
-            </a:r>
-            <a:r>
-              <a:rPr lang="en-US" sz="1600" dirty="0"/>
-              <a:t> during injection, the result gets cached</a:t>
-            </a:r>
+              <a:rPr lang="en-US" sz="2000" dirty="0" smtClean="0"/>
+              <a:t>Excellent </a:t>
+            </a:r>
+            <a:r>
+              <a:rPr lang="en-US" sz="2000" dirty="0"/>
+              <a:t>solution for </a:t>
+            </a:r>
+            <a:r>
+              <a:rPr lang="en-US" sz="2000" dirty="0" err="1"/>
+              <a:t>async</a:t>
+            </a:r>
+            <a:r>
+              <a:rPr lang="en-US" sz="2000" dirty="0"/>
+              <a:t> environment like browser</a:t>
+            </a:r>
+          </a:p>
+          <a:p>
+            <a:pPr marL="342900" indent="-342900" algn="l">
+              <a:buFont typeface="Arial"/>
+              <a:buChar char="•"/>
+            </a:pPr>
+            <a:r>
+              <a:rPr lang="en-US" sz="2400" dirty="0" smtClean="0"/>
+              <a:t>Drawbacks</a:t>
+            </a:r>
+            <a:endParaRPr lang="en-US" sz="2400" dirty="0"/>
           </a:p>
           <a:p>
             <a:pPr marL="800100" lvl="1" indent="-342900" algn="l">
@@ -3652,12 +3565,20 @@
               <a:buChar char="•"/>
             </a:pPr>
             <a:r>
-              <a:rPr lang="en-US" sz="1600" dirty="0" smtClean="0"/>
-              <a:t>Therefore </a:t>
-            </a:r>
-            <a:r>
-              <a:rPr lang="en-US" sz="1600" dirty="0"/>
-              <a:t>its misleading to label the Service itself as a class</a:t>
+              <a:rPr lang="en-US" sz="2000" dirty="0" smtClean="0"/>
+              <a:t>Debugging </a:t>
+            </a:r>
+            <a:r>
+              <a:rPr lang="en-US" sz="2000" dirty="0"/>
+              <a:t>context: breakpoint or </a:t>
+            </a:r>
+            <a:r>
+              <a:rPr lang="en-US" sz="2000" dirty="0" err="1"/>
+              <a:t>console.log</a:t>
+            </a:r>
+            <a:r>
+              <a:rPr lang="en-US" sz="2000" dirty="0"/>
+              <a:t> can be deeply nested in injectors</a:t>
             </a:r>
           </a:p>
           <a:p>
@@ -3666,35 +3587,29 @@
               <a:buChar char="•"/>
             </a:pPr>
             <a:r>
-              <a:rPr lang="en-US" sz="1600" dirty="0" smtClean="0"/>
-              <a:t>The </a:t>
-            </a:r>
-            <a:r>
-              <a:rPr lang="en-US" sz="1600" dirty="0"/>
-              <a:t>Service could contain a class-like method used to produce POJOs</a:t>
-            </a:r>
-          </a:p>
-          <a:p>
-            <a:pPr marL="800100" lvl="1" indent="-342900" algn="l">
-              <a:buFont typeface="Arial"/>
-              <a:buChar char="•"/>
-            </a:pPr>
-            <a:r>
-              <a:rPr lang="en-US" sz="1600" dirty="0" smtClean="0"/>
-              <a:t>But </a:t>
-            </a:r>
-            <a:r>
-              <a:rPr lang="en-US" sz="1600" dirty="0"/>
-              <a:t>remember you should not "new" inside controllers</a:t>
-            </a:r>
-            <a:endParaRPr lang="en-US" sz="800" dirty="0"/>
+              <a:rPr lang="en-US" sz="2000" dirty="0" smtClean="0"/>
+              <a:t>Syntax</a:t>
+            </a:r>
+            <a:r>
+              <a:rPr lang="en-US" sz="2000" dirty="0"/>
+              <a:t>/implementation can be </a:t>
+            </a:r>
+            <a:r>
+              <a:rPr lang="en-US" sz="2000" dirty="0" err="1"/>
+              <a:t>automagical</a:t>
+            </a:r>
+            <a:r>
+              <a:rPr lang="en-US" sz="2000" dirty="0"/>
+              <a:t>: injector is a black box</a:t>
+            </a:r>
+            <a:endParaRPr lang="en-US" sz="1600" dirty="0"/>
           </a:p>
         </p:txBody>
       </p:sp>
     </p:spTree>
     <p:extLst>
       <p:ext uri="{BB962C8B-B14F-4D97-AF65-F5344CB8AC3E}">
-        <p14:creationId xmlns:p14="http://schemas.microsoft.com/office/powerpoint/2010/main" val="2580942705"/>
+        <p14:creationId xmlns:p14="http://schemas.microsoft.com/office/powerpoint/2010/main" val="4200027496"/>
       </p:ext>
     </p:extLst>
   </p:cSld>
@@ -3750,11 +3665,11 @@
           <a:p>
             <a:r>
               <a:rPr lang="en-US" dirty="0"/>
-              <a:t>Factories versus </a:t>
+              <a:t>Dependency </a:t>
             </a:r>
             <a:r>
               <a:rPr lang="en-US" dirty="0" smtClean="0"/>
-              <a:t>Services</a:t>
+              <a:t>Injection</a:t>
             </a:r>
             <a:endParaRPr lang="en-US" dirty="0"/>
           </a:p>
@@ -3788,47 +3703,7 @@
             </a:pPr>
             <a:r>
               <a:rPr lang="en-US" sz="2000" dirty="0" smtClean="0"/>
-              <a:t>If </a:t>
-            </a:r>
-            <a:r>
-              <a:rPr lang="en-US" sz="2000" dirty="0"/>
-              <a:t>you manually add "new" inside a </a:t>
-            </a:r>
-            <a:r>
-              <a:rPr lang="en-US" sz="2000" dirty="0" err="1"/>
-              <a:t>factoryFn</a:t>
-            </a:r>
-            <a:r>
-              <a:rPr lang="en-US" sz="2000" dirty="0"/>
-              <a:t>, it behaves exactly like Service</a:t>
-            </a:r>
-          </a:p>
-          <a:p>
-            <a:pPr marL="342900" indent="-342900" algn="l">
-              <a:buFont typeface="Arial"/>
-              <a:buChar char="•"/>
-            </a:pPr>
-            <a:r>
-              <a:rPr lang="en-US" sz="2000" dirty="0" smtClean="0"/>
-              <a:t>Service </a:t>
-            </a:r>
-            <a:r>
-              <a:rPr lang="en-US" sz="2000" dirty="0"/>
-              <a:t>is nothing more than sugar on top of Factory</a:t>
-            </a:r>
-          </a:p>
-          <a:p>
-            <a:pPr marL="342900" indent="-342900" algn="l">
-              <a:buFont typeface="Arial"/>
-              <a:buChar char="•"/>
-            </a:pPr>
-            <a:r>
-              <a:rPr lang="en-US" sz="2000" dirty="0" smtClean="0"/>
-              <a:t>Why </a:t>
-            </a:r>
-            <a:r>
-              <a:rPr lang="en-US" sz="2000" dirty="0"/>
-              <a:t>does it exist then?</a:t>
+              <a:t>Analogy </a:t>
             </a:r>
           </a:p>
           <a:p>
@@ -3837,20 +3712,30 @@
               <a:buChar char="•"/>
             </a:pPr>
             <a:r>
+              <a:rPr lang="en-US" sz="1600" dirty="0" err="1" smtClean="0"/>
+              <a:t>Javascript</a:t>
+            </a:r>
+            <a:r>
               <a:rPr lang="en-US" sz="1600" dirty="0" smtClean="0"/>
-              <a:t>New</a:t>
+              <a:t> </a:t>
             </a:r>
             <a:r>
               <a:rPr lang="en-US" sz="1600" dirty="0"/>
-              <a:t>-</a:t>
-            </a:r>
-            <a:r>
-              <a:rPr lang="en-US" sz="1600" dirty="0" err="1"/>
-              <a:t>ing</a:t>
+              <a:t>has two phases: interpretation and execution</a:t>
+            </a:r>
+          </a:p>
+          <a:p>
+            <a:pPr marL="800100" lvl="1" indent="-342900" algn="l">
+              <a:buFont typeface="Arial"/>
+              <a:buChar char="•"/>
+            </a:pPr>
+            <a:r>
+              <a:rPr lang="en-US" sz="1600" dirty="0" smtClean="0"/>
+              <a:t>Interpretation </a:t>
             </a:r>
             <a:r>
               <a:rPr lang="en-US" sz="1600" dirty="0"/>
-              <a:t> objects inside controllers is strongly discouraged</a:t>
+              <a:t>verifies syntax and produces executable</a:t>
             </a:r>
           </a:p>
           <a:p>
@@ -3860,19 +3745,39 @@
             </a:pPr>
             <a:r>
               <a:rPr lang="en-US" sz="1600" dirty="0" smtClean="0"/>
-              <a:t>.</a:t>
+              <a:t>Execution </a:t>
             </a:r>
             <a:r>
               <a:rPr lang="en-US" sz="1600" dirty="0"/>
-              <a:t>injector handles new-</a:t>
-            </a:r>
-            <a:r>
-              <a:rPr lang="en-US" sz="1600" dirty="0" err="1"/>
-              <a:t>ing</a:t>
+              <a:t>actually runs and attempts to resolve symbols</a:t>
+            </a:r>
+          </a:p>
+          <a:p>
+            <a:pPr marL="342900" indent="-342900" algn="l">
+              <a:buFont typeface="Arial"/>
+              <a:buChar char="•"/>
+            </a:pPr>
+            <a:r>
+              <a:rPr lang="en-US" sz="2000" dirty="0" smtClean="0"/>
+              <a:t>DI </a:t>
+            </a:r>
+            <a:r>
+              <a:rPr lang="en-US" sz="2000" dirty="0"/>
+              <a:t>systems have two phases</a:t>
+            </a:r>
+          </a:p>
+          <a:p>
+            <a:pPr marL="800100" lvl="1" indent="-342900" algn="l">
+              <a:buFont typeface="Arial"/>
+              <a:buChar char="•"/>
+            </a:pPr>
+            <a:r>
+              <a:rPr lang="en-US" sz="1600" dirty="0" smtClean="0"/>
+              <a:t>Registration </a:t>
             </a:r>
             <a:r>
               <a:rPr lang="en-US" sz="1600" dirty="0"/>
-              <a:t> for you</a:t>
+              <a:t>of dependencies</a:t>
             </a:r>
           </a:p>
           <a:p>
@@ -3882,20 +3787,34 @@
             </a:pPr>
             <a:r>
               <a:rPr lang="en-US" sz="1600" dirty="0" smtClean="0"/>
-              <a:t>If </a:t>
+              <a:t>Execution </a:t>
             </a:r>
             <a:r>
               <a:rPr lang="en-US" sz="1600" dirty="0"/>
-              <a:t>you need to use prototypal construction, .service saves boilerplate</a:t>
-            </a:r>
-            <a:endParaRPr lang="en-US" sz="400" dirty="0"/>
+              <a:t>once all dependencies are available</a:t>
+            </a:r>
+          </a:p>
+          <a:p>
+            <a:pPr marL="800100" lvl="1" indent="-342900" algn="l">
+              <a:buFont typeface="Arial"/>
+              <a:buChar char="•"/>
+            </a:pPr>
+            <a:r>
+              <a:rPr lang="en-US" sz="1600" dirty="0" smtClean="0"/>
+              <a:t>DI </a:t>
+            </a:r>
+            <a:r>
+              <a:rPr lang="en-US" sz="1600" dirty="0"/>
+              <a:t>code will therefore also have two corresponding parts</a:t>
+            </a:r>
+            <a:endParaRPr lang="en-US" sz="1200" dirty="0"/>
           </a:p>
         </p:txBody>
       </p:sp>
     </p:spTree>
     <p:extLst>
       <p:ext uri="{BB962C8B-B14F-4D97-AF65-F5344CB8AC3E}">
-        <p14:creationId xmlns:p14="http://schemas.microsoft.com/office/powerpoint/2010/main" val="3766355489"/>
+        <p14:creationId xmlns:p14="http://schemas.microsoft.com/office/powerpoint/2010/main" val="2632643855"/>
       </p:ext>
     </p:extLst>
   </p:cSld>
@@ -3951,11 +3870,11 @@
           <a:p>
             <a:r>
               <a:rPr lang="en-US" dirty="0"/>
-              <a:t>Factories versus </a:t>
+              <a:t>Dependency </a:t>
             </a:r>
             <a:r>
               <a:rPr lang="en-US" dirty="0" smtClean="0"/>
-              <a:t>Services</a:t>
+              <a:t>Injection</a:t>
             </a:r>
             <a:endParaRPr lang="en-US" dirty="0"/>
           </a:p>
@@ -3983,41 +3902,24 @@
           </a:bodyPr>
           <a:lstStyle/>
           <a:p>
-            <a:pPr marL="342900" indent="-342900" algn="l">
-              <a:buFont typeface="Arial"/>
-              <a:buChar char="•"/>
-            </a:pPr>
-            <a:r>
-              <a:rPr lang="en-US" sz="2000" dirty="0"/>
-              <a:t>Remember all Provider types are singletons</a:t>
-            </a:r>
-          </a:p>
-          <a:p>
-            <a:pPr marL="342900" indent="-342900" algn="l">
-              <a:buFont typeface="Arial"/>
-              <a:buChar char="•"/>
-            </a:pPr>
-            <a:r>
-              <a:rPr lang="en-US" sz="2000" dirty="0" smtClean="0"/>
-              <a:t>Angular </a:t>
-            </a:r>
-            <a:r>
-              <a:rPr lang="en-US" sz="2000" dirty="0"/>
-              <a:t>injector always caches the return value</a:t>
-            </a:r>
-          </a:p>
-          <a:p>
-            <a:pPr marL="342900" indent="-342900" algn="l">
-              <a:buFont typeface="Arial"/>
-              <a:buChar char="•"/>
-            </a:pPr>
-            <a:r>
-              <a:rPr lang="en-US" sz="2000" dirty="0" smtClean="0"/>
-              <a:t>So </a:t>
-            </a:r>
-            <a:r>
-              <a:rPr lang="en-US" sz="2000" dirty="0"/>
-              <a:t>in practice, when using these declarations...</a:t>
+            <a:pPr algn="l"/>
+            <a:r>
+              <a:rPr lang="en-US" sz="2000" dirty="0"/>
+              <a:t>Angular conventions</a:t>
+            </a:r>
+          </a:p>
+          <a:p>
+            <a:pPr marL="342900" indent="-342900" algn="l">
+              <a:buFont typeface="Arial"/>
+              <a:buChar char="•"/>
+            </a:pPr>
+            <a:r>
+              <a:rPr lang="en-US" sz="2000" dirty="0" smtClean="0"/>
+              <a:t>Inline </a:t>
+            </a:r>
+            <a:r>
+              <a:rPr lang="en-US" sz="2000" dirty="0"/>
+              <a:t>Annotation Array</a:t>
             </a:r>
           </a:p>
           <a:p>
@@ -4026,12 +3928,44 @@
               <a:buChar char="•"/>
             </a:pPr>
             <a:r>
-              <a:rPr lang="is-IS" sz="1600" dirty="0" smtClean="0"/>
-              <a:t>app.factory</a:t>
-            </a:r>
-            <a:r>
-              <a:rPr lang="is-IS" sz="1600" dirty="0"/>
-              <a:t>('fact', fn);</a:t>
+              <a:rPr lang="en-US" sz="1600" dirty="0" smtClean="0"/>
+              <a:t>[</a:t>
+            </a:r>
+            <a:r>
+              <a:rPr lang="en-US" sz="1600" dirty="0"/>
+              <a:t>'$</a:t>
+            </a:r>
+            <a:r>
+              <a:rPr lang="en-US" sz="1600" dirty="0" err="1"/>
+              <a:t>ngBuiltIn</a:t>
+            </a:r>
+            <a:r>
+              <a:rPr lang="en-US" sz="1600" dirty="0"/>
+              <a:t>', '</a:t>
+            </a:r>
+            <a:r>
+              <a:rPr lang="en-US" sz="1600" dirty="0" err="1"/>
+              <a:t>myDep</a:t>
+            </a:r>
+            <a:r>
+              <a:rPr lang="en-US" sz="1600" dirty="0"/>
+              <a:t>', function (</a:t>
+            </a:r>
+            <a:r>
+              <a:rPr lang="en-US" sz="1600" dirty="0" err="1"/>
+              <a:t>builtIn</a:t>
+            </a:r>
+            <a:r>
+              <a:rPr lang="en-US" sz="1600" dirty="0"/>
+              <a:t>, </a:t>
+            </a:r>
+            <a:r>
+              <a:rPr lang="en-US" sz="1600" dirty="0" err="1"/>
+              <a:t>myDep</a:t>
+            </a:r>
+            <a:r>
+              <a:rPr lang="en-US" sz="1600" dirty="0"/>
+              <a:t>) {...}]</a:t>
             </a:r>
           </a:p>
           <a:p>
@@ -4040,12 +3974,12 @@
               <a:buChar char="•"/>
             </a:pPr>
             <a:r>
-              <a:rPr lang="is-IS" sz="1600" dirty="0" smtClean="0"/>
-              <a:t>app.service</a:t>
-            </a:r>
-            <a:r>
-              <a:rPr lang="is-IS" sz="1600" dirty="0"/>
-              <a:t>('serv', fn);</a:t>
+              <a:rPr lang="en-US" sz="1600" dirty="0" smtClean="0"/>
+              <a:t>First </a:t>
+            </a:r>
+            <a:r>
+              <a:rPr lang="en-US" sz="1600" dirty="0"/>
+              <a:t>n...elements in array declare dependencies</a:t>
             </a:r>
           </a:p>
           <a:p>
@@ -4054,42 +3988,108 @@
               <a:buChar char="•"/>
             </a:pPr>
             <a:r>
+              <a:rPr lang="en-US" sz="1600" dirty="0" smtClean="0"/>
+              <a:t>Last </a:t>
+            </a:r>
+            <a:r>
+              <a:rPr lang="en-US" sz="1600" dirty="0" err="1"/>
+              <a:t>arg</a:t>
+            </a:r>
+            <a:r>
+              <a:rPr lang="en-US" sz="1600" dirty="0"/>
+              <a:t> is the function to execute once </a:t>
+            </a:r>
+            <a:r>
+              <a:rPr lang="en-US" sz="1600" dirty="0" err="1"/>
+              <a:t>deps</a:t>
+            </a:r>
+            <a:r>
+              <a:rPr lang="en-US" sz="1600" dirty="0"/>
+              <a:t> are ready</a:t>
+            </a:r>
+          </a:p>
+          <a:p>
+            <a:pPr marL="800100" lvl="1" indent="-342900" algn="l">
+              <a:buFont typeface="Arial"/>
+              <a:buChar char="•"/>
+            </a:pPr>
+            <a:r>
+              <a:rPr lang="en-US" sz="1600" dirty="0" smtClean="0"/>
+              <a:t>Function </a:t>
+            </a:r>
+            <a:r>
+              <a:rPr lang="en-US" sz="1600" dirty="0" err="1"/>
+              <a:t>arg</a:t>
+            </a:r>
+            <a:r>
+              <a:rPr lang="en-US" sz="1600" dirty="0"/>
+              <a:t> names are arbitrary, </a:t>
+            </a:r>
+            <a:r>
+              <a:rPr lang="en-US" sz="1600" dirty="0" err="1"/>
+              <a:t>deps</a:t>
+            </a:r>
+            <a:r>
+              <a:rPr lang="en-US" sz="1600" dirty="0"/>
+              <a:t> passed in order</a:t>
+            </a:r>
+          </a:p>
+          <a:p>
+            <a:pPr marL="342900" indent="-342900" algn="l">
+              <a:buFont typeface="Arial"/>
+              <a:buChar char="•"/>
+            </a:pPr>
+            <a:r>
+              <a:rPr lang="en-US" sz="2000" dirty="0" smtClean="0"/>
+              <a:t>Implicit </a:t>
+            </a:r>
+            <a:r>
+              <a:rPr lang="en-US" sz="2000" dirty="0"/>
+              <a:t>annotation</a:t>
+            </a:r>
+          </a:p>
+          <a:p>
+            <a:pPr marL="800100" lvl="1" indent="-342900" algn="l">
+              <a:buFont typeface="Arial"/>
+              <a:buChar char="•"/>
+            </a:pPr>
+            <a:r>
               <a:rPr lang="en-US" sz="1600" dirty="0" err="1" smtClean="0"/>
-              <a:t>app.provider</a:t>
+              <a:t>Injectables</a:t>
             </a:r>
             <a:r>
               <a:rPr lang="en-US" sz="1600" dirty="0"/>
-              <a:t>('</a:t>
+              <a:t>: register first, use later</a:t>
+            </a:r>
+          </a:p>
+          <a:p>
+            <a:pPr marL="800100" lvl="1" indent="-342900" algn="l">
+              <a:buFont typeface="Arial"/>
+              <a:buChar char="•"/>
+            </a:pPr>
+            <a:r>
+              <a:rPr lang="en-US" sz="1600" dirty="0" smtClean="0"/>
+              <a:t>.</a:t>
+            </a:r>
+            <a:r>
+              <a:rPr lang="en-US" sz="1600" dirty="0"/>
+              <a:t>controller('</a:t>
             </a:r>
             <a:r>
               <a:rPr lang="en-US" sz="1600" dirty="0" err="1"/>
-              <a:t>prov</a:t>
+              <a:t>cntrName</a:t>
             </a:r>
             <a:r>
               <a:rPr lang="en-US" sz="1600" dirty="0"/>
-              <a:t>', </a:t>
+              <a:t>', function ($scope, </a:t>
             </a:r>
             <a:r>
               <a:rPr lang="en-US" sz="1600" dirty="0" err="1"/>
-              <a:t>fn</a:t>
+              <a:t>myInjectable</a:t>
             </a:r>
             <a:r>
               <a:rPr lang="en-US" sz="1600" dirty="0"/>
-              <a:t>);</a:t>
-            </a:r>
-          </a:p>
-          <a:p>
-            <a:pPr marL="342900" indent="-342900" algn="l">
-              <a:buFont typeface="Arial"/>
-              <a:buChar char="•"/>
-            </a:pPr>
-            <a:r>
-              <a:rPr lang="en-US" sz="2000" dirty="0" smtClean="0"/>
-              <a:t>.</a:t>
-            </a:r>
-            <a:r>
-              <a:rPr lang="en-US" sz="2000" dirty="0"/>
-              <a:t>..the injector internally handles it like this</a:t>
+              <a:t>) {...})</a:t>
             </a:r>
           </a:p>
           <a:p>
@@ -4098,78 +4098,77 @@
               <a:buChar char="•"/>
             </a:pPr>
             <a:r>
+              <a:rPr lang="en-US" sz="1600" dirty="0" err="1" smtClean="0"/>
+              <a:t>nG</a:t>
+            </a:r>
+            <a:r>
+              <a:rPr lang="en-US" sz="1600" dirty="0" smtClean="0"/>
+              <a:t> </a:t>
+            </a:r>
+            <a:r>
+              <a:rPr lang="en-US" sz="1600" dirty="0"/>
+              <a:t>knows how to provide built-in $scope</a:t>
+            </a:r>
+          </a:p>
+          <a:p>
+            <a:pPr marL="800100" lvl="1" indent="-342900" algn="l">
+              <a:buFont typeface="Arial"/>
+              <a:buChar char="•"/>
+            </a:pPr>
+            <a:r>
+              <a:rPr lang="en-US" sz="1600" dirty="0" smtClean="0"/>
+              <a:t>We </a:t>
+            </a:r>
+            <a:r>
+              <a:rPr lang="en-US" sz="1600" dirty="0"/>
+              <a:t>have to register </a:t>
+            </a:r>
+            <a:r>
               <a:rPr lang="en-US" sz="1600" dirty="0" err="1"/>
-              <a:t>cache.fact</a:t>
+              <a:t>myInjectable</a:t>
             </a:r>
             <a:r>
               <a:rPr lang="en-US" sz="1600" dirty="0"/>
-              <a:t> = </a:t>
+              <a:t> via </a:t>
             </a:r>
             <a:r>
               <a:rPr lang="en-US" sz="1600" dirty="0" err="1"/>
-              <a:t>fn</a:t>
+              <a:t>nG</a:t>
             </a:r>
             <a:r>
               <a:rPr lang="en-US" sz="1600" dirty="0"/>
-              <a:t>(</a:t>
-            </a:r>
+              <a:t> Provider</a:t>
+            </a:r>
+          </a:p>
+          <a:p>
+            <a:pPr marL="800100" lvl="1" indent="-342900" algn="l">
+              <a:buFont typeface="Arial"/>
+              <a:buChar char="•"/>
+            </a:pPr>
             <a:r>
               <a:rPr lang="en-US" sz="1600" dirty="0" smtClean="0"/>
-              <a:t>)</a:t>
-            </a:r>
-          </a:p>
-          <a:p>
-            <a:pPr marL="800100" lvl="1" indent="-342900" algn="l">
-              <a:buFont typeface="Arial"/>
-              <a:buChar char="•"/>
-            </a:pPr>
+              <a:t>Gotcha</a:t>
+            </a:r>
+            <a:r>
+              <a:rPr lang="en-US" sz="1600" dirty="0"/>
+              <a:t>: minimization can break DI - </a:t>
+            </a:r>
             <a:r>
               <a:rPr lang="en-US" sz="1600" dirty="0" err="1"/>
-              <a:t>cache.serv</a:t>
+              <a:t>args</a:t>
             </a:r>
             <a:r>
               <a:rPr lang="en-US" sz="1600" dirty="0"/>
-              <a:t> = new </a:t>
-            </a:r>
-            <a:r>
-              <a:rPr lang="en-US" sz="1600" dirty="0" err="1"/>
-              <a:t>fn</a:t>
-            </a:r>
-            <a:r>
-              <a:rPr lang="en-US" sz="1600" dirty="0"/>
-              <a:t>()</a:t>
-            </a:r>
-            <a:endParaRPr lang="en-US" sz="1600" dirty="0" smtClean="0"/>
-          </a:p>
-          <a:p>
-            <a:pPr marL="800100" lvl="1" indent="-342900" algn="l">
-              <a:buFont typeface="Arial"/>
-              <a:buChar char="•"/>
-            </a:pPr>
-            <a:r>
-              <a:rPr lang="en-US" sz="1600" dirty="0" err="1"/>
-              <a:t>cache.prov</a:t>
-            </a:r>
-            <a:r>
-              <a:rPr lang="en-US" sz="1600" dirty="0"/>
-              <a:t> = (new </a:t>
-            </a:r>
-            <a:r>
-              <a:rPr lang="en-US" sz="1600" dirty="0" err="1"/>
-              <a:t>fn</a:t>
-            </a:r>
-            <a:r>
-              <a:rPr lang="en-US" sz="1600" dirty="0"/>
-              <a:t>()).$get()</a:t>
-            </a:r>
-            <a:endParaRPr lang="is-IS" sz="1600" dirty="0"/>
+              <a:t> get turned into (a, b)</a:t>
+            </a:r>
+            <a:endParaRPr lang="en-US" sz="800" dirty="0"/>
           </a:p>
         </p:txBody>
       </p:sp>
     </p:spTree>
     <p:extLst>
       <p:ext uri="{BB962C8B-B14F-4D97-AF65-F5344CB8AC3E}">
-        <p14:creationId xmlns:p14="http://schemas.microsoft.com/office/powerpoint/2010/main" val="3780527014"/>
+        <p14:creationId xmlns:p14="http://schemas.microsoft.com/office/powerpoint/2010/main" val="1639917623"/>
       </p:ext>
     </p:extLst>
   </p:cSld>
@@ -4225,9 +4224,8 @@
           <a:p>
             <a:r>
               <a:rPr lang="en-US" dirty="0"/>
-              <a:t>Values and Constants</a:t>
-            </a:r>
-            <a:endParaRPr lang="en-US" dirty="0"/>
+              <a:t>Providers</a:t>
+            </a:r>
           </a:p>
         </p:txBody>
       </p:sp>
@@ -4259,143 +4257,52 @@
             </a:pPr>
             <a:r>
               <a:rPr lang="en-US" sz="2000" dirty="0" smtClean="0"/>
-              <a:t>More </a:t>
-            </a:r>
-            <a:r>
-              <a:rPr lang="en-US" sz="2000" dirty="0"/>
-              <a:t>sugar - a provider that does nothing but return a value</a:t>
-            </a:r>
-          </a:p>
-          <a:p>
-            <a:pPr marL="342900" indent="-342900" algn="l">
-              <a:buFont typeface="Arial"/>
-              <a:buChar char="•"/>
-            </a:pPr>
-            <a:r>
-              <a:rPr lang="en-US" sz="2000" dirty="0" smtClean="0"/>
-              <a:t>.</a:t>
-            </a:r>
-            <a:r>
-              <a:rPr lang="en-US" sz="2000" dirty="0"/>
-              <a:t>value('</a:t>
+              <a:t>Angular </a:t>
+            </a:r>
+            <a:r>
+              <a:rPr lang="en-US" sz="2000" dirty="0"/>
+              <a:t>itself is built using the Provider pattern</a:t>
+            </a:r>
+          </a:p>
+          <a:p>
+            <a:pPr marL="342900" indent="-342900" algn="l">
+              <a:buFont typeface="Arial"/>
+              <a:buChar char="•"/>
+            </a:pPr>
+            <a:r>
+              <a:rPr lang="en-US" sz="2000" dirty="0" smtClean="0"/>
+              <a:t>When </a:t>
+            </a:r>
+            <a:r>
+              <a:rPr lang="en-US" sz="2000" dirty="0"/>
+              <a:t>we used .controller(), </a:t>
             </a:r>
             <a:r>
               <a:rPr lang="en-US" sz="2000" dirty="0" err="1"/>
-              <a:t>valueName</a:t>
-            </a:r>
-            <a:r>
-              <a:rPr lang="en-US" sz="2000" dirty="0"/>
-              <a:t>', </a:t>
+              <a:t>nG</a:t>
+            </a:r>
+            <a:r>
+              <a:rPr lang="en-US" sz="2000" dirty="0"/>
+              <a:t> created </a:t>
             </a:r>
             <a:r>
               <a:rPr lang="en-US" sz="2000" dirty="0" err="1"/>
-              <a:t>valueValue</a:t>
-            </a:r>
-            <a:r>
-              <a:rPr lang="en-US" sz="2000" dirty="0"/>
-              <a:t>).constant('</a:t>
-            </a:r>
-            <a:r>
-              <a:rPr lang="en-US" sz="2000" dirty="0" err="1"/>
-              <a:t>constantName</a:t>
-            </a:r>
-            <a:r>
-              <a:rPr lang="en-US" sz="2000" dirty="0"/>
-              <a:t>', </a:t>
-            </a:r>
-            <a:r>
-              <a:rPr lang="en-US" sz="2000" dirty="0" err="1"/>
-              <a:t>constantValue</a:t>
-            </a:r>
-            <a:r>
-              <a:rPr lang="en-US" sz="2000" dirty="0"/>
-              <a:t>)</a:t>
-            </a:r>
-          </a:p>
-          <a:p>
-            <a:pPr marL="342900" indent="-342900" algn="l">
-              <a:buFont typeface="Arial"/>
-              <a:buChar char="•"/>
-            </a:pPr>
-            <a:r>
-              <a:rPr lang="en-US" sz="2000" dirty="0" smtClean="0"/>
-              <a:t>The </a:t>
-            </a:r>
-            <a:r>
-              <a:rPr lang="en-US" sz="2000" dirty="0"/>
-              <a:t>second argument can be any data type, including objects and functions</a:t>
-            </a:r>
-          </a:p>
-          <a:p>
-            <a:pPr marL="342900" indent="-342900" algn="l">
-              <a:buFont typeface="Arial"/>
-              <a:buChar char="•"/>
-            </a:pPr>
-            <a:r>
-              <a:rPr lang="en-US" sz="2000" dirty="0" smtClean="0"/>
-              <a:t>Functions </a:t>
-            </a:r>
-            <a:r>
-              <a:rPr lang="en-US" sz="2000" dirty="0"/>
-              <a:t>are not invoked or </a:t>
-            </a:r>
-            <a:r>
-              <a:rPr lang="en-US" sz="2000" dirty="0" err="1"/>
-              <a:t>newed</a:t>
-            </a:r>
-            <a:r>
-              <a:rPr lang="en-US" sz="2000" dirty="0"/>
-              <a:t>, just returned. Therefore </a:t>
-            </a:r>
-            <a:r>
-              <a:rPr lang="en-US" sz="2000" dirty="0" err="1"/>
-              <a:t>theyre</a:t>
-            </a:r>
-            <a:r>
-              <a:rPr lang="en-US" sz="2000" dirty="0"/>
-              <a:t> not injectable</a:t>
-            </a:r>
-          </a:p>
-          <a:p>
-            <a:pPr marL="342900" indent="-342900" algn="l">
-              <a:buFont typeface="Arial"/>
-              <a:buChar char="•"/>
-            </a:pPr>
-            <a:r>
-              <a:rPr lang="en-US" sz="2000" dirty="0" smtClean="0"/>
-              <a:t>Use </a:t>
-            </a:r>
-            <a:r>
-              <a:rPr lang="en-US" sz="2000" dirty="0"/>
-              <a:t>it to share data, and even code, in the form of functions</a:t>
-            </a:r>
-          </a:p>
-          <a:p>
-            <a:pPr marL="342900" indent="-342900" algn="l">
-              <a:buFont typeface="Arial"/>
-              <a:buChar char="•"/>
-            </a:pPr>
-            <a:r>
-              <a:rPr lang="en-US" sz="2000" dirty="0" smtClean="0"/>
-              <a:t>(</a:t>
-            </a:r>
-            <a:r>
-              <a:rPr lang="en-US" sz="2000" dirty="0"/>
-              <a:t>remember not to "new" the result though - will complicate testing)</a:t>
-            </a:r>
-          </a:p>
-          <a:p>
-            <a:pPr marL="342900" indent="-342900" algn="l">
-              <a:buFont typeface="Arial"/>
-              <a:buChar char="•"/>
-            </a:pPr>
-            <a:r>
-              <a:rPr lang="en-US" sz="2000" dirty="0" smtClean="0"/>
-              <a:t>Only </a:t>
-            </a:r>
-            <a:r>
-              <a:rPr lang="en-US" sz="2000" dirty="0"/>
-              <a:t>Constants are available during </a:t>
+              <a:t>controllerProvider</a:t>
+            </a:r>
+            <a:endParaRPr lang="en-US" sz="2000" dirty="0"/>
+          </a:p>
+          <a:p>
+            <a:pPr marL="342900" indent="-342900" algn="l">
+              <a:buFont typeface="Arial"/>
+              <a:buChar char="•"/>
+            </a:pPr>
+            <a:r>
+              <a:rPr lang="en-US" sz="2000" dirty="0" smtClean="0"/>
+              <a:t>Providers </a:t>
+            </a:r>
+            <a:r>
+              <a:rPr lang="en-US" sz="2000" dirty="0"/>
+              <a:t>are registered at </a:t>
             </a:r>
             <a:r>
               <a:rPr lang="en-US" sz="2000" dirty="0" err="1"/>
@@ -4403,8 +4310,35 @@
             </a:r>
             <a:r>
               <a:rPr lang="en-US" sz="2000" dirty="0"/>
-              <a:t> (bootstrap)</a:t>
-            </a:r>
+              <a:t> time and </a:t>
+            </a:r>
+            <a:r>
+              <a:rPr lang="en-US" sz="2000" dirty="0" err="1"/>
+              <a:t>initted</a:t>
+            </a:r>
+            <a:r>
+              <a:rPr lang="en-US" sz="2000" dirty="0"/>
+              <a:t>/injected at run time</a:t>
+            </a:r>
+          </a:p>
+          <a:p>
+            <a:pPr marL="342900" indent="-342900" algn="l">
+              <a:buFont typeface="Arial"/>
+              <a:buChar char="•"/>
+            </a:pPr>
+            <a:r>
+              <a:rPr lang="en-US" sz="2000" dirty="0" smtClean="0"/>
+              <a:t>Angular </a:t>
+            </a:r>
+            <a:r>
+              <a:rPr lang="en-US" sz="2000" dirty="0"/>
+              <a:t>built-in providers include $http, $window, $route, $</a:t>
+            </a:r>
+            <a:r>
+              <a:rPr lang="en-US" sz="2000" dirty="0" err="1"/>
+              <a:t>rootScope</a:t>
+            </a:r>
+            <a:endParaRPr lang="en-US" sz="2000" dirty="0"/>
           </a:p>
           <a:p>
             <a:pPr marL="342900" indent="-342900" algn="l">
@@ -4413,44 +4347,66 @@
             </a:pPr>
             <a:r>
               <a:rPr lang="en-US" sz="2000" dirty="0" err="1" smtClean="0"/>
-              <a:t>app.config</a:t>
-            </a:r>
-            <a:r>
-              <a:rPr lang="en-US" sz="2000" dirty="0"/>
-              <a:t>(function(</a:t>
-            </a:r>
-            <a:r>
-              <a:rPr lang="en-US" sz="2000" dirty="0" err="1"/>
-              <a:t>valueName</a:t>
-            </a:r>
-            <a:r>
-              <a:rPr lang="en-US" sz="2000" dirty="0"/>
-              <a:t>, </a:t>
-            </a:r>
-            <a:r>
-              <a:rPr lang="en-US" sz="2000" dirty="0" err="1"/>
-              <a:t>constantName</a:t>
-            </a:r>
-            <a:r>
-              <a:rPr lang="en-US" sz="2000" dirty="0"/>
-              <a:t>) { errors 'unknown provider </a:t>
-            </a:r>
-            <a:r>
-              <a:rPr lang="en-US" sz="2000" dirty="0" err="1"/>
-              <a:t>valueName</a:t>
-            </a:r>
-            <a:r>
-              <a:rPr lang="en-US" sz="2000" dirty="0"/>
-              <a:t>' })</a:t>
-            </a:r>
-            <a:endParaRPr lang="is-IS" sz="1600" dirty="0"/>
+              <a:t>angular.injector</a:t>
+            </a:r>
+            <a:r>
+              <a:rPr lang="en-US" sz="2000" dirty="0" smtClean="0"/>
+              <a:t> </a:t>
+            </a:r>
+            <a:r>
+              <a:rPr lang="en-US" sz="2000" dirty="0"/>
+              <a:t>handles injection mechanics, often automatically</a:t>
+            </a:r>
+          </a:p>
+          <a:p>
+            <a:pPr marL="342900" indent="-342900" algn="l">
+              <a:buFont typeface="Arial"/>
+              <a:buChar char="•"/>
+            </a:pPr>
+            <a:r>
+              <a:rPr lang="en-US" sz="2000" dirty="0" smtClean="0"/>
+              <a:t>Use </a:t>
+            </a:r>
+            <a:r>
+              <a:rPr lang="en-US" sz="2000" dirty="0"/>
+              <a:t>a provider or subtype when you want code to be</a:t>
+            </a:r>
+          </a:p>
+          <a:p>
+            <a:pPr marL="800100" lvl="1" indent="-342900" algn="l">
+              <a:buFont typeface="Arial"/>
+              <a:buChar char="•"/>
+            </a:pPr>
+            <a:r>
+              <a:rPr lang="en-US" sz="1600" dirty="0" smtClean="0"/>
+              <a:t>reused </a:t>
+            </a:r>
+            <a:r>
+              <a:rPr lang="en-US" sz="1600" dirty="0"/>
+              <a:t>across controllers</a:t>
+            </a:r>
+          </a:p>
+          <a:p>
+            <a:pPr marL="800100" lvl="1" indent="-342900" algn="l">
+              <a:buFont typeface="Arial"/>
+              <a:buChar char="•"/>
+            </a:pPr>
+            <a:r>
+              <a:rPr lang="en-US" sz="1600" dirty="0" smtClean="0"/>
+              <a:t>a </a:t>
+            </a:r>
+            <a:r>
+              <a:rPr lang="en-US" sz="1600" dirty="0"/>
+              <a:t>singleton instance shared by all callers</a:t>
+            </a:r>
+            <a:endParaRPr lang="en-US" sz="400" dirty="0"/>
           </a:p>
         </p:txBody>
       </p:sp>
     </p:spTree>
     <p:extLst>
       <p:ext uri="{BB962C8B-B14F-4D97-AF65-F5344CB8AC3E}">
-        <p14:creationId xmlns:p14="http://schemas.microsoft.com/office/powerpoint/2010/main" val="2330169569"/>
+        <p14:creationId xmlns:p14="http://schemas.microsoft.com/office/powerpoint/2010/main" val="3135721597"/>
       </p:ext>
     </p:extLst>
   </p:cSld>
@@ -4506,9 +4462,8 @@
           <a:p>
             <a:r>
               <a:rPr lang="en-US" dirty="0"/>
-              <a:t>Recap</a:t>
-            </a:r>
-            <a:endParaRPr lang="en-US" dirty="0"/>
+              <a:t>Provider recipe syntax</a:t>
+            </a:r>
           </a:p>
         </p:txBody>
       </p:sp>
@@ -4540,11 +4495,33 @@
             </a:pPr>
             <a:r>
               <a:rPr lang="en-US" sz="2000" dirty="0" smtClean="0"/>
-              <a:t>Use </a:t>
-            </a:r>
-            <a:r>
-              <a:rPr lang="en-US" sz="2000" dirty="0"/>
-              <a:t>singleton Providers to share data across the app</a:t>
+              <a:t>Recipe</a:t>
+            </a:r>
+            <a:r>
+              <a:rPr lang="en-US" sz="2000" dirty="0"/>
+              <a:t>: .provider('</a:t>
+            </a:r>
+            <a:r>
+              <a:rPr lang="en-US" sz="2000" dirty="0" err="1"/>
+              <a:t>providerName</a:t>
+            </a:r>
+            <a:r>
+              <a:rPr lang="en-US" sz="2000" dirty="0"/>
+              <a:t>', provider_)</a:t>
+            </a:r>
+          </a:p>
+          <a:p>
+            <a:pPr marL="342900" indent="-342900" algn="l">
+              <a:buFont typeface="Arial"/>
+              <a:buChar char="•"/>
+            </a:pPr>
+            <a:r>
+              <a:rPr lang="en-US" sz="2000" dirty="0" smtClean="0"/>
+              <a:t>provider_ </a:t>
+            </a:r>
+            <a:r>
+              <a:rPr lang="en-US" sz="2000" dirty="0"/>
+              <a:t>can be:</a:t>
             </a:r>
           </a:p>
           <a:p>
@@ -4554,11 +4531,11 @@
             </a:pPr>
             <a:r>
               <a:rPr lang="en-US" sz="1600" dirty="0" smtClean="0"/>
-              <a:t>Factory </a:t>
+              <a:t>Any </a:t>
             </a:r>
             <a:r>
               <a:rPr lang="en-US" sz="1600" dirty="0"/>
-              <a:t>=&gt; function</a:t>
+              <a:t>object that has a $get method</a:t>
             </a:r>
           </a:p>
           <a:p>
@@ -4568,11 +4545,11 @@
             </a:pPr>
             <a:r>
               <a:rPr lang="en-US" sz="1600" dirty="0" smtClean="0"/>
-              <a:t>Service </a:t>
+              <a:t>A </a:t>
             </a:r>
             <a:r>
               <a:rPr lang="en-US" sz="1600" dirty="0"/>
-              <a:t>=&gt; new</a:t>
+              <a:t>function that returns an object with a $get method</a:t>
             </a:r>
           </a:p>
           <a:p>
@@ -4581,48 +4558,35 @@
               <a:buChar char="•"/>
             </a:pPr>
             <a:r>
-              <a:rPr lang="fi-FI" sz="1600" dirty="0" smtClean="0"/>
-              <a:t>Value </a:t>
-            </a:r>
-            <a:r>
-              <a:rPr lang="fi-FI" sz="1600" dirty="0"/>
-              <a:t>=&gt; </a:t>
-            </a:r>
-            <a:r>
-              <a:rPr lang="fi-FI" sz="1600" dirty="0" err="1"/>
-              <a:t>simple</a:t>
-            </a:r>
-            <a:endParaRPr lang="fi-FI" sz="1600" dirty="0"/>
-          </a:p>
-          <a:p>
-            <a:pPr marL="800100" lvl="1" indent="-342900" algn="l">
-              <a:buFont typeface="Arial"/>
-              <a:buChar char="•"/>
-            </a:pPr>
-            <a:r>
-              <a:rPr lang="fi-FI" sz="1600" dirty="0" err="1" smtClean="0"/>
-              <a:t>Constant</a:t>
-            </a:r>
-            <a:r>
-              <a:rPr lang="fi-FI" sz="1600" dirty="0" smtClean="0"/>
-              <a:t> </a:t>
-            </a:r>
-            <a:r>
-              <a:rPr lang="fi-FI" sz="1600" dirty="0"/>
-              <a:t>=&gt; </a:t>
-            </a:r>
-            <a:r>
-              <a:rPr lang="fi-FI" sz="1600" dirty="0" err="1"/>
-              <a:t>config</a:t>
-            </a:r>
-            <a:endParaRPr lang="is-IS" sz="1200" dirty="0"/>
+              <a:rPr lang="en-US" sz="1600" dirty="0" smtClean="0"/>
+              <a:t>An </a:t>
+            </a:r>
+            <a:r>
+              <a:rPr lang="en-US" sz="1600" dirty="0"/>
+              <a:t>Inline Annotation array that returns an object with a $get method</a:t>
+            </a:r>
+          </a:p>
+          <a:p>
+            <a:pPr marL="342900" indent="-342900" algn="l">
+              <a:buFont typeface="Arial"/>
+              <a:buChar char="•"/>
+            </a:pPr>
+            <a:r>
+              <a:rPr lang="en-US" sz="2000" dirty="0" smtClean="0"/>
+              <a:t>In </a:t>
+            </a:r>
+            <a:r>
+              <a:rPr lang="en-US" sz="2000" dirty="0"/>
+              <a:t>practice, raw Providers are rare compared to their subtypes</a:t>
+            </a:r>
+            <a:endParaRPr lang="en-US" sz="400" dirty="0"/>
           </a:p>
         </p:txBody>
       </p:sp>
     </p:spTree>
     <p:extLst>
       <p:ext uri="{BB962C8B-B14F-4D97-AF65-F5344CB8AC3E}">
-        <p14:creationId xmlns:p14="http://schemas.microsoft.com/office/powerpoint/2010/main" val="682079899"/>
+        <p14:creationId xmlns:p14="http://schemas.microsoft.com/office/powerpoint/2010/main" val="3380360674"/>
       </p:ext>
     </p:extLst>
   </p:cSld>
@@ -4678,9 +4642,8 @@
           <a:p>
             <a:r>
               <a:rPr lang="en-US" dirty="0"/>
-              <a:t>$http Lab</a:t>
-            </a:r>
-            <a:endParaRPr lang="en-US" dirty="0"/>
+              <a:t>Providers in practice</a:t>
+            </a:r>
           </a:p>
         </p:txBody>
       </p:sp>
@@ -4712,123 +4675,112 @@
             </a:pPr>
             <a:r>
               <a:rPr lang="en-US" sz="2000" dirty="0" smtClean="0"/>
-              <a:t>Create </a:t>
-            </a:r>
-            <a:r>
-              <a:rPr lang="en-US" sz="2000" dirty="0"/>
-              <a:t>a value named </a:t>
+              <a:t>Declare </a:t>
+            </a:r>
+            <a:r>
+              <a:rPr lang="en-US" sz="2000" dirty="0"/>
+              <a:t>a provider/subtype</a:t>
+            </a:r>
+          </a:p>
+          <a:p>
+            <a:pPr marL="342900" indent="-342900" algn="l">
+              <a:buFont typeface="Arial"/>
+              <a:buChar char="•"/>
+            </a:pPr>
+            <a:r>
+              <a:rPr lang="en-US" sz="2000" dirty="0" smtClean="0"/>
+              <a:t>Elsewhere</a:t>
+            </a:r>
+            <a:r>
+              <a:rPr lang="en-US" sz="2000" dirty="0"/>
+              <a:t>, require the provider via dependency injection</a:t>
+            </a:r>
+          </a:p>
+          <a:p>
+            <a:pPr marL="342900" indent="-342900" algn="l">
+              <a:buFont typeface="Arial"/>
+              <a:buChar char="•"/>
+            </a:pPr>
+            <a:r>
+              <a:rPr lang="en-US" sz="2000" dirty="0" smtClean="0"/>
+              <a:t>.</a:t>
+            </a:r>
+            <a:r>
+              <a:rPr lang="en-US" sz="2000" dirty="0"/>
+              <a:t>controller('</a:t>
             </a:r>
             <a:r>
               <a:rPr lang="en-US" sz="2000" dirty="0" err="1"/>
-              <a:t>songsUrl</a:t>
-            </a:r>
-            <a:endParaRPr lang="en-US" sz="2000" dirty="0"/>
-          </a:p>
-          <a:p>
-            <a:pPr marL="342900" indent="-342900" algn="l">
-              <a:buFont typeface="Arial"/>
-              <a:buChar char="•"/>
-            </a:pPr>
-            <a:r>
-              <a:rPr lang="en-US" sz="2000" dirty="0" smtClean="0"/>
-              <a:t>Create </a:t>
-            </a:r>
-            <a:r>
-              <a:rPr lang="en-US" sz="2000" dirty="0"/>
-              <a:t>a service named </a:t>
+              <a:t>controllerName</a:t>
+            </a:r>
+            <a:r>
+              <a:rPr lang="en-US" sz="2000" dirty="0"/>
+              <a:t>', ['</a:t>
+            </a:r>
+            <a:r>
+              <a:rPr lang="en-US" sz="2000" dirty="0" err="1" smtClean="0"/>
+              <a:t>providerName</a:t>
+            </a:r>
+            <a:r>
+              <a:rPr lang="en-US" sz="2000" dirty="0" smtClean="0"/>
+              <a:t>’, </a:t>
+            </a:r>
+            <a:r>
+              <a:rPr lang="en-US" sz="2000" dirty="0"/>
+              <a:t>function </a:t>
+            </a:r>
+            <a:r>
+              <a:rPr lang="en-US" sz="2000" dirty="0" smtClean="0"/>
+              <a:t>(</a:t>
             </a:r>
             <a:r>
               <a:rPr lang="en-US" sz="2000" dirty="0" err="1"/>
-              <a:t>songsAjax</a:t>
-            </a:r>
-            <a:endParaRPr lang="en-US" sz="2000" dirty="0"/>
-          </a:p>
-          <a:p>
-            <a:pPr marL="800100" lvl="1" indent="-342900" algn="l">
-              <a:buFont typeface="Arial"/>
-              <a:buChar char="•"/>
-            </a:pPr>
-            <a:r>
-              <a:rPr lang="en-US" sz="1600" dirty="0" smtClean="0"/>
-              <a:t>Depends </a:t>
-            </a:r>
-            <a:r>
-              <a:rPr lang="en-US" sz="1600" dirty="0"/>
-              <a:t>on $http and </a:t>
-            </a:r>
-            <a:r>
-              <a:rPr lang="en-US" sz="1600" dirty="0" err="1"/>
-              <a:t>songsUrl</a:t>
-            </a:r>
-            <a:endParaRPr lang="en-US" sz="1600" dirty="0"/>
-          </a:p>
-          <a:p>
-            <a:pPr marL="800100" lvl="1" indent="-342900" algn="l">
-              <a:buFont typeface="Arial"/>
-              <a:buChar char="•"/>
-            </a:pPr>
-            <a:r>
-              <a:rPr lang="en-US" sz="1600" dirty="0" smtClean="0"/>
-              <a:t>Returns </a:t>
-            </a:r>
-            <a:r>
-              <a:rPr lang="en-US" sz="1600" dirty="0"/>
-              <a:t>a public interface method </a:t>
-            </a:r>
-            <a:r>
-              <a:rPr lang="en-US" sz="1600" dirty="0" err="1"/>
-              <a:t>getSongs</a:t>
-            </a:r>
-            <a:endParaRPr lang="en-US" sz="1600" dirty="0"/>
-          </a:p>
-          <a:p>
-            <a:pPr marL="342900" indent="-342900" algn="l">
-              <a:buFont typeface="Arial"/>
-              <a:buChar char="•"/>
-            </a:pPr>
-            <a:r>
-              <a:rPr lang="en-US" sz="2000" dirty="0" smtClean="0"/>
-              <a:t>Inject </a:t>
+              <a:t>prvdrName</a:t>
+            </a:r>
+            <a:r>
+              <a:rPr lang="en-US" sz="2000" dirty="0"/>
+              <a:t>) {...})</a:t>
+            </a:r>
+          </a:p>
+          <a:p>
+            <a:pPr marL="342900" indent="-342900" algn="l">
+              <a:buFont typeface="Arial"/>
+              <a:buChar char="•"/>
+            </a:pPr>
+            <a:r>
+              <a:rPr lang="en-US" sz="2000" dirty="0" smtClean="0"/>
+              <a:t>Angular </a:t>
             </a:r>
             <a:r>
               <a:rPr lang="en-US" sz="2000" dirty="0" err="1"/>
-              <a:t>songsAjax</a:t>
-            </a:r>
-            <a:r>
-              <a:rPr lang="en-US" sz="2000" dirty="0"/>
-              <a:t> into </a:t>
-            </a:r>
-            <a:r>
-              <a:rPr lang="en-US" sz="2000" dirty="0" err="1"/>
-              <a:t>JukeboxUiController</a:t>
-            </a:r>
-            <a:endParaRPr lang="en-US" sz="2000" dirty="0"/>
-          </a:p>
-          <a:p>
-            <a:pPr marL="342900" indent="-342900" algn="l">
-              <a:buFont typeface="Arial"/>
-              <a:buChar char="•"/>
-            </a:pPr>
-            <a:r>
-              <a:rPr lang="en-US" sz="2000" dirty="0" smtClean="0"/>
-              <a:t>Call </a:t>
-            </a:r>
-            <a:r>
-              <a:rPr lang="en-US" sz="2000" dirty="0" err="1"/>
-              <a:t>getSongs</a:t>
-            </a:r>
-            <a:r>
-              <a:rPr lang="en-US" sz="2000" dirty="0"/>
-              <a:t> and display results in a template</a:t>
-            </a:r>
-            <a:endParaRPr lang="is-IS" sz="1200" dirty="0"/>
+              <a:t>inits</a:t>
+            </a:r>
+            <a:r>
+              <a:rPr lang="en-US" sz="2000" dirty="0"/>
+              <a:t> the provider on startup and injects the cached result</a:t>
+            </a:r>
+          </a:p>
+          <a:p>
+            <a:pPr marL="342900" indent="-342900" algn="l">
+              <a:buFont typeface="Arial"/>
+              <a:buChar char="•"/>
+            </a:pPr>
+            <a:r>
+              <a:rPr lang="en-US" sz="2000" dirty="0" smtClean="0"/>
+              <a:t>Gotcha: injected </a:t>
+            </a:r>
+            <a:r>
+              <a:rPr lang="en-US" sz="2000" dirty="0"/>
+              <a:t>results of Providers are always singletons</a:t>
+            </a:r>
+            <a:endParaRPr lang="en-US" sz="400" dirty="0"/>
           </a:p>
         </p:txBody>
       </p:sp>
     </p:spTree>
     <p:extLst>
       <p:ext uri="{BB962C8B-B14F-4D97-AF65-F5344CB8AC3E}">
-        <p14:creationId xmlns:p14="http://schemas.microsoft.com/office/powerpoint/2010/main" val="1276718030"/>
+        <p14:creationId xmlns:p14="http://schemas.microsoft.com/office/powerpoint/2010/main" val="4264681760"/>
       </p:ext>
     </p:extLst>
   </p:cSld>
@@ -4884,9 +4836,8 @@
           <a:p>
             <a:r>
               <a:rPr lang="en-US" dirty="0"/>
-              <a:t>Angular Material</a:t>
-            </a:r>
-            <a:endParaRPr lang="en-US" dirty="0"/>
+              <a:t>Services, Factories, Values and Constants, oh my!</a:t>
+            </a:r>
           </a:p>
         </p:txBody>
       </p:sp>
@@ -4918,136 +4869,33 @@
             </a:pPr>
             <a:r>
               <a:rPr lang="en-US" sz="2000" dirty="0" smtClean="0"/>
-              <a:t>Material </a:t>
-            </a:r>
-            <a:r>
-              <a:rPr lang="en-US" sz="2000" dirty="0"/>
-              <a:t>is </a:t>
-            </a:r>
-            <a:r>
-              <a:rPr lang="en-US" sz="2000" dirty="0" err="1"/>
-              <a:t>Googles</a:t>
-            </a:r>
-            <a:r>
-              <a:rPr lang="en-US" sz="2000" dirty="0"/>
-              <a:t> UI "visual language" behind Android</a:t>
-            </a:r>
-          </a:p>
-          <a:p>
-            <a:pPr marL="342900" indent="-342900" algn="l">
-              <a:buFont typeface="Arial"/>
-              <a:buChar char="•"/>
-            </a:pPr>
-            <a:r>
-              <a:rPr lang="en-US" sz="2000" dirty="0" smtClean="0"/>
-              <a:t>Emphasizes </a:t>
-            </a:r>
-            <a:r>
-              <a:rPr lang="en-US" sz="2000" dirty="0"/>
-              <a:t>unified experience, usability &amp; accessibility, graceful degradation</a:t>
-            </a:r>
-          </a:p>
-          <a:p>
-            <a:pPr marL="342900" indent="-342900" algn="l">
-              <a:buFont typeface="Arial"/>
-              <a:buChar char="•"/>
-            </a:pPr>
-            <a:r>
-              <a:rPr lang="en-US" sz="2000" dirty="0" smtClean="0"/>
-              <a:t>"</a:t>
-            </a:r>
-            <a:r>
-              <a:rPr lang="en-US" sz="2000" dirty="0"/>
-              <a:t>Material is the metaphor" - paper, ink, surface edges. "Motion provides meaning"</a:t>
-            </a:r>
-          </a:p>
-          <a:p>
-            <a:pPr marL="342900" indent="-342900" algn="l">
-              <a:buFont typeface="Arial"/>
-              <a:buChar char="•"/>
-            </a:pPr>
-            <a:r>
-              <a:rPr lang="en-US" sz="2000" dirty="0" smtClean="0"/>
-              <a:t>Angular </a:t>
-            </a:r>
-            <a:r>
-              <a:rPr lang="en-US" sz="2000" dirty="0"/>
-              <a:t>Material is one implementation - Material Design Lite is another</a:t>
-            </a:r>
-          </a:p>
-          <a:p>
-            <a:pPr marL="342900" indent="-342900" algn="l">
-              <a:buFont typeface="Arial"/>
-              <a:buChar char="•"/>
-            </a:pPr>
-            <a:r>
-              <a:rPr lang="en-US" sz="2000" dirty="0" smtClean="0"/>
-              <a:t>AM </a:t>
-            </a:r>
-            <a:r>
-              <a:rPr lang="en-US" sz="2000" dirty="0"/>
-              <a:t>depends on </a:t>
-            </a:r>
-            <a:r>
-              <a:rPr lang="en-US" sz="2000" dirty="0" err="1"/>
-              <a:t>nG</a:t>
-            </a:r>
-            <a:r>
-              <a:rPr lang="en-US" sz="2000" dirty="0"/>
-              <a:t>, </a:t>
-            </a:r>
-            <a:r>
-              <a:rPr lang="en-US" sz="2000" dirty="0" err="1"/>
-              <a:t>ngAnimate</a:t>
-            </a:r>
-            <a:r>
-              <a:rPr lang="en-US" sz="2000" dirty="0"/>
-              <a:t>, </a:t>
-            </a:r>
-            <a:r>
-              <a:rPr lang="en-US" sz="2000" dirty="0" err="1"/>
-              <a:t>ngAria</a:t>
-            </a:r>
-            <a:r>
-              <a:rPr lang="en-US" sz="2000" dirty="0"/>
-              <a:t>. MDL has no dependencies but less features</a:t>
-            </a:r>
-          </a:p>
-          <a:p>
-            <a:pPr marL="342900" indent="-342900" algn="l">
-              <a:buFont typeface="Arial"/>
-              <a:buChar char="•"/>
-            </a:pPr>
-            <a:r>
-              <a:rPr lang="en-US" sz="2000" dirty="0" smtClean="0"/>
-              <a:t>AM </a:t>
-            </a:r>
-            <a:r>
-              <a:rPr lang="en-US" sz="2000" dirty="0"/>
-              <a:t>provides directives/components, MDL depends on classes + JS</a:t>
-            </a:r>
-          </a:p>
-          <a:p>
-            <a:pPr marL="342900" indent="-342900" algn="l">
-              <a:buFont typeface="Arial"/>
-              <a:buChar char="•"/>
-            </a:pPr>
-            <a:r>
-              <a:rPr lang="en-US" sz="2000" dirty="0" smtClean="0"/>
-              <a:t>Both </a:t>
-            </a:r>
-            <a:r>
-              <a:rPr lang="en-US" sz="2000" dirty="0"/>
-              <a:t>provide grid system + widgets like dialogs, badges, tabs, autocomplete</a:t>
-            </a:r>
-            <a:endParaRPr lang="is-IS" sz="1200" dirty="0"/>
+              <a:t>All </a:t>
+            </a:r>
+            <a:r>
+              <a:rPr lang="en-US" sz="2000" dirty="0"/>
+              <a:t>of these are syntactic sugar on top of Provider</a:t>
+            </a:r>
+          </a:p>
+          <a:p>
+            <a:pPr marL="342900" indent="-342900" algn="l">
+              <a:buFont typeface="Arial"/>
+              <a:buChar char="•"/>
+            </a:pPr>
+            <a:r>
+              <a:rPr lang="en-US" sz="2000" dirty="0" smtClean="0"/>
+              <a:t>Gotcha</a:t>
+            </a:r>
+            <a:r>
+              <a:rPr lang="en-US" sz="2000" dirty="0"/>
+              <a:t>: all these subtypes are commonly referred to as "services"</a:t>
+            </a:r>
           </a:p>
         </p:txBody>
       </p:sp>
     </p:spTree>
     <p:extLst>
       <p:ext uri="{BB962C8B-B14F-4D97-AF65-F5344CB8AC3E}">
-        <p14:creationId xmlns:p14="http://schemas.microsoft.com/office/powerpoint/2010/main" val="3815891390"/>
+        <p14:creationId xmlns:p14="http://schemas.microsoft.com/office/powerpoint/2010/main" val="1300405023"/>
       </p:ext>
     </p:extLst>
   </p:cSld>
@@ -5103,9 +4951,8 @@
           <a:p>
             <a:r>
               <a:rPr lang="en-US" dirty="0"/>
-              <a:t>Material in practice</a:t>
-            </a:r>
-            <a:endParaRPr lang="en-US" dirty="0"/>
+              <a:t>Factories</a:t>
+            </a:r>
           </a:p>
         </p:txBody>
       </p:sp>
@@ -5137,94 +4984,166 @@
             </a:pPr>
             <a:r>
               <a:rPr lang="en-US" sz="2000" dirty="0" smtClean="0"/>
-              <a:t>Provide </a:t>
-            </a:r>
-            <a:r>
-              <a:rPr lang="en-US" sz="2000" dirty="0"/>
-              <a:t>resources via link/script tags, module loader, </a:t>
+              <a:t>Factories </a:t>
+            </a:r>
+            <a:r>
+              <a:rPr lang="en-US" sz="2000" dirty="0"/>
+              <a:t>combine the flexibility of Providers with a simpler syntax</a:t>
+            </a:r>
+          </a:p>
+          <a:p>
+            <a:pPr marL="342900" indent="-342900" algn="l">
+              <a:buFont typeface="Arial"/>
+              <a:buChar char="•"/>
+            </a:pPr>
+            <a:r>
+              <a:rPr lang="en-US" sz="2000" dirty="0" smtClean="0"/>
+              <a:t>recipe </a:t>
+            </a:r>
+            <a:r>
+              <a:rPr lang="en-US" sz="2000" dirty="0"/>
+              <a:t>passes a function as the $get method of provider_</a:t>
+            </a:r>
+          </a:p>
+          <a:p>
+            <a:pPr marL="342900" indent="-342900" algn="l">
+              <a:buFont typeface="Arial"/>
+              <a:buChar char="•"/>
+            </a:pPr>
+            <a:r>
+              <a:rPr lang="en-US" sz="2000" dirty="0" smtClean="0"/>
+              <a:t>.</a:t>
+            </a:r>
+            <a:r>
+              <a:rPr lang="en-US" sz="2000" dirty="0"/>
+              <a:t>factory('</a:t>
             </a:r>
             <a:r>
               <a:rPr lang="en-US" sz="2000" dirty="0" err="1"/>
-              <a:t>npm</a:t>
-            </a:r>
-            <a:r>
-              <a:rPr lang="en-US" sz="2000" dirty="0"/>
-              <a:t> install or whatever</a:t>
-            </a:r>
-          </a:p>
-          <a:p>
-            <a:pPr marL="342900" indent="-342900" algn="l">
-              <a:buFont typeface="Arial"/>
-              <a:buChar char="•"/>
-            </a:pPr>
-            <a:r>
-              <a:rPr lang="en-US" sz="2000" dirty="0" smtClean="0"/>
-              <a:t>Add </a:t>
-            </a:r>
-            <a:r>
-              <a:rPr lang="en-US" sz="2000" dirty="0"/>
-              <a:t>'</a:t>
+              <a:t>factoryName</a:t>
+            </a:r>
+            <a:r>
+              <a:rPr lang="en-US" sz="2000" dirty="0"/>
+              <a:t>', </a:t>
             </a:r>
             <a:r>
               <a:rPr lang="en-US" sz="2000" dirty="0" err="1"/>
-              <a:t>ngMaterial</a:t>
-            </a:r>
-            <a:r>
-              <a:rPr lang="en-US" sz="2000" dirty="0"/>
-              <a:t>' as a dependency to the module declaration</a:t>
-            </a:r>
-          </a:p>
-          <a:p>
-            <a:pPr marL="342900" indent="-342900" algn="l">
-              <a:buFont typeface="Arial"/>
-              <a:buChar char="•"/>
-            </a:pPr>
-            <a:r>
-              <a:rPr lang="en-US" sz="2000" dirty="0" err="1" smtClean="0"/>
-              <a:t>Angular.module</a:t>
-            </a:r>
-            <a:r>
-              <a:rPr lang="en-US" sz="2000" dirty="0"/>
-              <a:t>('</a:t>
+              <a:t>inlineArrayNotationOrInitFunction</a:t>
+            </a:r>
+            <a:r>
+              <a:rPr lang="en-US" sz="2000" dirty="0"/>
+              <a:t>)</a:t>
+            </a:r>
+          </a:p>
+          <a:p>
+            <a:pPr marL="342900" indent="-342900" algn="l">
+              <a:buFont typeface="Arial"/>
+              <a:buChar char="•"/>
+            </a:pPr>
+            <a:r>
+              <a:rPr lang="en-US" sz="2000" dirty="0" smtClean="0"/>
+              <a:t>That </a:t>
+            </a:r>
+            <a:r>
+              <a:rPr lang="en-US" sz="2000" dirty="0"/>
+              <a:t>function gets invoked during provider creation</a:t>
+            </a:r>
+          </a:p>
+          <a:p>
+            <a:pPr marL="342900" indent="-342900" algn="l">
+              <a:buFont typeface="Arial"/>
+              <a:buChar char="•"/>
+            </a:pPr>
+            <a:r>
+              <a:rPr lang="en-US" sz="2000" dirty="0" smtClean="0"/>
+              <a:t>Example </a:t>
+            </a:r>
+            <a:r>
+              <a:rPr lang="en-US" sz="2000" dirty="0"/>
+              <a:t>above becomes: .provider('</a:t>
             </a:r>
             <a:r>
               <a:rPr lang="en-US" sz="2000" dirty="0" err="1"/>
-              <a:t>sbuxJukebox</a:t>
-            </a:r>
-            <a:r>
-              <a:rPr lang="en-US" sz="2000" dirty="0"/>
-              <a:t>', ['</a:t>
+              <a:t>factoryName</a:t>
+            </a:r>
+            <a:r>
+              <a:rPr lang="en-US" sz="2000" dirty="0"/>
+              <a:t>', { $get: </a:t>
             </a:r>
             <a:r>
               <a:rPr lang="en-US" sz="2000" dirty="0" err="1"/>
-              <a:t>ngMaterial</a:t>
-            </a:r>
-            <a:r>
-              <a:rPr lang="en-US" sz="2000" dirty="0"/>
-              <a:t>']);</a:t>
-            </a:r>
-          </a:p>
-          <a:p>
-            <a:pPr marL="342900" indent="-342900" algn="l">
-              <a:buFont typeface="Arial"/>
-              <a:buChar char="•"/>
-            </a:pPr>
-            <a:r>
-              <a:rPr lang="en-US" sz="2000" dirty="0" smtClean="0"/>
-              <a:t>Various </a:t>
-            </a:r>
-            <a:r>
-              <a:rPr lang="en-US" sz="2000" dirty="0"/>
-              <a:t>md- prefixed directives are now available</a:t>
-            </a:r>
-            <a:endParaRPr lang="is-IS" sz="1200" dirty="0"/>
+              <a:t>inlineArrayNotationOr</a:t>
+            </a:r>
+            <a:r>
+              <a:rPr lang="en-US" sz="2000" dirty="0"/>
+              <a:t>... })</a:t>
+            </a:r>
+          </a:p>
+          <a:p>
+            <a:pPr marL="342900" indent="-342900" algn="l">
+              <a:buFont typeface="Arial"/>
+              <a:buChar char="•"/>
+            </a:pPr>
+            <a:r>
+              <a:rPr lang="en-US" sz="2000" dirty="0" smtClean="0"/>
+              <a:t>The </a:t>
+            </a:r>
+            <a:r>
+              <a:rPr lang="en-US" sz="2000" dirty="0"/>
+              <a:t>return value of </a:t>
+            </a:r>
+            <a:r>
+              <a:rPr lang="en-US" sz="2000" dirty="0" err="1"/>
+              <a:t>inlineArrayNotationOr</a:t>
+            </a:r>
+            <a:r>
+              <a:rPr lang="en-US" sz="2000" dirty="0"/>
+              <a:t>... is what gets elsewhere</a:t>
+            </a:r>
+          </a:p>
+          <a:p>
+            <a:pPr marL="800100" lvl="1" indent="-342900" algn="l">
+              <a:buFont typeface="Arial"/>
+              <a:buChar char="•"/>
+            </a:pPr>
+            <a:r>
+              <a:rPr lang="en-US" sz="1600" dirty="0" smtClean="0"/>
+              <a:t>Can </a:t>
+            </a:r>
+            <a:r>
+              <a:rPr lang="en-US" sz="1600" dirty="0"/>
+              <a:t>be any value - a primitive, object or function</a:t>
+            </a:r>
+          </a:p>
+          <a:p>
+            <a:pPr marL="800100" lvl="1" indent="-342900" algn="l">
+              <a:buFont typeface="Arial"/>
+              <a:buChar char="•"/>
+            </a:pPr>
+            <a:r>
+              <a:rPr lang="en-US" sz="1600" dirty="0" smtClean="0"/>
+              <a:t>The </a:t>
+            </a:r>
+            <a:r>
+              <a:rPr lang="en-US" sz="1600" dirty="0"/>
+              <a:t>revealing module pattern can be used to simulate private </a:t>
+            </a:r>
+            <a:r>
+              <a:rPr lang="en-US" sz="1600" dirty="0" err="1"/>
+              <a:t>vars</a:t>
+            </a:r>
+            <a:r>
+              <a:rPr lang="en-US" sz="1600" dirty="0"/>
+              <a:t> and methods</a:t>
+            </a:r>
+            <a:endParaRPr lang="en-US" sz="1200" dirty="0"/>
           </a:p>
         </p:txBody>
       </p:sp>
     </p:spTree>
     <p:extLst>
       <p:ext uri="{BB962C8B-B14F-4D97-AF65-F5344CB8AC3E}">
-        <p14:creationId xmlns:p14="http://schemas.microsoft.com/office/powerpoint/2010/main" val="2259782405"/>
+        <p14:creationId xmlns:p14="http://schemas.microsoft.com/office/powerpoint/2010/main" val="3435812319"/>
       </p:ext>
     </p:extLst>
   </p:cSld>
@@ -5280,9 +5199,8 @@
           <a:p>
             <a:r>
               <a:rPr lang="en-US" dirty="0"/>
-              <a:t>Material lab</a:t>
-            </a:r>
-            <a:endParaRPr lang="en-US" dirty="0"/>
+              <a:t>Services</a:t>
+            </a:r>
           </a:p>
         </p:txBody>
       </p:sp>
@@ -5314,70 +5232,164 @@
             </a:pPr>
             <a:r>
               <a:rPr lang="en-US" sz="2000" dirty="0" smtClean="0"/>
-              <a:t>Add </a:t>
-            </a:r>
-            <a:r>
-              <a:rPr lang="en-US" sz="2000" dirty="0"/>
-              <a:t>an md-toolbar to the top of the page</a:t>
-            </a:r>
-          </a:p>
-          <a:p>
-            <a:pPr marL="342900" indent="-342900" algn="l">
-              <a:buFont typeface="Arial"/>
-              <a:buChar char="•"/>
-            </a:pPr>
-            <a:r>
-              <a:rPr lang="en-US" sz="2000" dirty="0" smtClean="0"/>
-              <a:t>Use </a:t>
-            </a:r>
-            <a:r>
-              <a:rPr lang="en-US" sz="2000" dirty="0"/>
-              <a:t>md-tabs to break up the content area</a:t>
-            </a:r>
-          </a:p>
-          <a:p>
-            <a:pPr marL="342900" indent="-342900" algn="l">
-              <a:buFont typeface="Arial"/>
-              <a:buChar char="•"/>
-            </a:pPr>
-            <a:r>
-              <a:rPr lang="en-US" sz="2000" dirty="0" smtClean="0"/>
-              <a:t>Add </a:t>
-            </a:r>
-            <a:r>
-              <a:rPr lang="en-US" sz="2000" dirty="0"/>
-              <a:t>an md-autocomplete to one of the tabs</a:t>
-            </a:r>
-          </a:p>
-          <a:p>
-            <a:pPr marL="342900" indent="-342900" algn="l">
-              <a:buFont typeface="Arial"/>
-              <a:buChar char="•"/>
-            </a:pPr>
-            <a:r>
-              <a:rPr lang="en-US" sz="2000" dirty="0" smtClean="0"/>
-              <a:t>Hook </a:t>
-            </a:r>
-            <a:r>
-              <a:rPr lang="en-US" sz="2000" dirty="0"/>
-              <a:t>up the </a:t>
+              <a:t>Instead </a:t>
+            </a:r>
+            <a:r>
+              <a:rPr lang="en-US" sz="2000" dirty="0"/>
+              <a:t>of invoking the target function, Services apply the "new" keyword</a:t>
+            </a:r>
+          </a:p>
+          <a:p>
+            <a:pPr marL="342900" indent="-342900" algn="l">
+              <a:buFont typeface="Arial"/>
+              <a:buChar char="•"/>
+            </a:pPr>
+            <a:r>
+              <a:rPr lang="en-US" sz="2000" dirty="0" smtClean="0"/>
+              <a:t>Inside </a:t>
+            </a:r>
+            <a:r>
+              <a:rPr lang="en-US" sz="2000" dirty="0"/>
+              <a:t>the service recipe function, use "this"</a:t>
+            </a:r>
+          </a:p>
+          <a:p>
+            <a:pPr marL="342900" indent="-342900" algn="l">
+              <a:buFont typeface="Arial"/>
+              <a:buChar char="•"/>
+            </a:pPr>
+            <a:r>
+              <a:rPr lang="en-US" sz="2000" dirty="0" smtClean="0"/>
+              <a:t>.</a:t>
+            </a:r>
+            <a:r>
+              <a:rPr lang="en-US" sz="2000" dirty="0"/>
+              <a:t>service('</a:t>
             </a:r>
             <a:r>
               <a:rPr lang="en-US" sz="2000" dirty="0" err="1"/>
-              <a:t>songsAjax</a:t>
-            </a:r>
-            <a:r>
-              <a:rPr lang="en-US" sz="2000" dirty="0"/>
-              <a:t> service to the autocomplete</a:t>
-            </a:r>
-            <a:endParaRPr lang="is-IS" sz="1200" dirty="0"/>
+              <a:t>serviceName</a:t>
+            </a:r>
+            <a:r>
+              <a:rPr lang="en-US" sz="2000" dirty="0"/>
+              <a:t>', function () { </a:t>
+            </a:r>
+            <a:r>
+              <a:rPr lang="en-US" sz="2000" dirty="0" err="1"/>
+              <a:t>this.externalFn</a:t>
+            </a:r>
+            <a:r>
+              <a:rPr lang="en-US" sz="2000" dirty="0"/>
+              <a:t> = function () {...}}</a:t>
+            </a:r>
+          </a:p>
+          <a:p>
+            <a:pPr marL="342900" indent="-342900" algn="l">
+              <a:buFont typeface="Arial"/>
+              <a:buChar char="•"/>
+            </a:pPr>
+            <a:r>
+              <a:rPr lang="en-US" sz="2000" dirty="0" smtClean="0"/>
+              <a:t>Gotcha</a:t>
+            </a:r>
+            <a:r>
+              <a:rPr lang="en-US" sz="2000" dirty="0"/>
+              <a:t>: blog posts etc. sometimes refer to Services as "classes" - </a:t>
+            </a:r>
+            <a:r>
+              <a:rPr lang="en-US" sz="2000" dirty="0" err="1"/>
+              <a:t>thats</a:t>
+            </a:r>
+            <a:r>
+              <a:rPr lang="en-US" sz="2000" dirty="0"/>
+              <a:t> a stretch</a:t>
+            </a:r>
+          </a:p>
+          <a:p>
+            <a:pPr marL="800100" lvl="1" indent="-342900" algn="l">
+              <a:buFont typeface="Arial"/>
+              <a:buChar char="•"/>
+            </a:pPr>
+            <a:r>
+              <a:rPr lang="en-US" sz="1600" dirty="0" smtClean="0"/>
+              <a:t>Remember </a:t>
+            </a:r>
+            <a:r>
+              <a:rPr lang="en-US" sz="1600" dirty="0"/>
+              <a:t>the service itself is a singleton</a:t>
+            </a:r>
+          </a:p>
+          <a:p>
+            <a:pPr marL="800100" lvl="1" indent="-342900" algn="l">
+              <a:buFont typeface="Arial"/>
+              <a:buChar char="•"/>
+            </a:pPr>
+            <a:r>
+              <a:rPr lang="en-US" sz="1600" dirty="0" smtClean="0"/>
+              <a:t>Even </a:t>
+            </a:r>
+            <a:r>
+              <a:rPr lang="en-US" sz="1600" dirty="0"/>
+              <a:t>though it gets </a:t>
+            </a:r>
+            <a:r>
+              <a:rPr lang="en-US" sz="1600" dirty="0" err="1"/>
+              <a:t>newed</a:t>
+            </a:r>
+            <a:r>
+              <a:rPr lang="en-US" sz="1600" dirty="0"/>
+              <a:t> during injection, the result gets cached</a:t>
+            </a:r>
+          </a:p>
+          <a:p>
+            <a:pPr marL="800100" lvl="1" indent="-342900" algn="l">
+              <a:buFont typeface="Arial"/>
+              <a:buChar char="•"/>
+            </a:pPr>
+            <a:r>
+              <a:rPr lang="en-US" sz="1600" dirty="0" smtClean="0"/>
+              <a:t>Therefore </a:t>
+            </a:r>
+            <a:r>
+              <a:rPr lang="en-US" sz="1600" dirty="0"/>
+              <a:t>its misleading to label the Service itself as a class</a:t>
+            </a:r>
+          </a:p>
+          <a:p>
+            <a:pPr marL="800100" lvl="1" indent="-342900" algn="l">
+              <a:buFont typeface="Arial"/>
+              <a:buChar char="•"/>
+            </a:pPr>
+            <a:r>
+              <a:rPr lang="en-US" sz="1600" dirty="0" smtClean="0"/>
+              <a:t>The </a:t>
+            </a:r>
+            <a:r>
+              <a:rPr lang="en-US" sz="1600" dirty="0"/>
+              <a:t>Service could contain a class-like method used to produce POJOs</a:t>
+            </a:r>
+          </a:p>
+          <a:p>
+            <a:pPr marL="800100" lvl="1" indent="-342900" algn="l">
+              <a:buFont typeface="Arial"/>
+              <a:buChar char="•"/>
+            </a:pPr>
+            <a:r>
+              <a:rPr lang="en-US" sz="1600" dirty="0" smtClean="0"/>
+              <a:t>But </a:t>
+            </a:r>
+            <a:r>
+              <a:rPr lang="en-US" sz="1600" dirty="0"/>
+              <a:t>remember you should not "new" inside controllers</a:t>
+            </a:r>
+            <a:endParaRPr lang="en-US" sz="800" dirty="0"/>
           </a:p>
         </p:txBody>
       </p:sp>
     </p:spTree>
     <p:extLst>
       <p:ext uri="{BB962C8B-B14F-4D97-AF65-F5344CB8AC3E}">
-        <p14:creationId xmlns:p14="http://schemas.microsoft.com/office/powerpoint/2010/main" val="2829940313"/>
+        <p14:creationId xmlns:p14="http://schemas.microsoft.com/office/powerpoint/2010/main" val="2580942705"/>
       </p:ext>
     </p:extLst>
   </p:cSld>
@@ -5433,7 +5445,15 @@
           <a:p>
             <a:r>
               <a:rPr lang="en-US" dirty="0" smtClean="0"/>
-              <a:t>Schedule</a:t>
+              <a:t>Day </a:t>
+            </a:r>
+            <a:r>
+              <a:rPr lang="en-US" dirty="0"/>
+              <a:t>2</a:t>
+            </a:r>
+            <a:r>
+              <a:rPr lang="en-US" dirty="0" smtClean="0"/>
+              <a:t> Schedule</a:t>
             </a:r>
             <a:endParaRPr lang="en-US" dirty="0"/>
           </a:p>
@@ -5451,8 +5471,8 @@
         </p:nvSpPr>
         <p:spPr>
           <a:xfrm>
-            <a:off x="454651" y="1630710"/>
-            <a:ext cx="8371875" cy="4609893"/>
+            <a:off x="498867" y="1630710"/>
+            <a:ext cx="8231300" cy="4609893"/>
           </a:xfrm>
         </p:spPr>
         <p:txBody>
@@ -5461,88 +5481,43 @@
           </a:bodyPr>
           <a:lstStyle/>
           <a:p>
-            <a:pPr marL="342900" indent="-342900" algn="l">
-              <a:buFont typeface="Arial"/>
-              <a:buChar char="•"/>
-            </a:pPr>
-            <a:r>
-              <a:rPr lang="en-US" sz="1600" dirty="0" smtClean="0"/>
-              <a:t>Dependency Injection</a:t>
-            </a:r>
-          </a:p>
-          <a:p>
-            <a:pPr marL="342900" indent="-342900" algn="l">
-              <a:buFont typeface="Arial"/>
-              <a:buChar char="•"/>
-            </a:pPr>
-            <a:r>
-              <a:rPr lang="en-US" sz="1600" dirty="0" smtClean="0"/>
-              <a:t>Providers /Services</a:t>
-            </a:r>
-          </a:p>
-          <a:p>
-            <a:pPr marL="342900" indent="-342900" algn="l">
-              <a:buFont typeface="Arial"/>
-              <a:buChar char="•"/>
-            </a:pPr>
-            <a:r>
-              <a:rPr lang="en-US" sz="1600" dirty="0" smtClean="0"/>
-              <a:t>Material Design</a:t>
-            </a:r>
-          </a:p>
-          <a:p>
-            <a:pPr marL="342900" indent="-342900" algn="l">
-              <a:buFont typeface="Arial"/>
-              <a:buChar char="•"/>
-            </a:pPr>
-            <a:r>
-              <a:rPr lang="en-US" sz="1600" dirty="0"/>
-              <a:t>Intro to Angular </a:t>
-            </a:r>
-            <a:r>
-              <a:rPr lang="en-US" sz="1600" dirty="0" smtClean="0"/>
-              <a:t>2</a:t>
-            </a:r>
-          </a:p>
-          <a:p>
-            <a:pPr marL="342900" indent="-342900" algn="l">
-              <a:buFont typeface="Arial"/>
-              <a:buChar char="•"/>
-            </a:pPr>
-            <a:r>
-              <a:rPr lang="en-US" sz="1600" dirty="0" err="1" smtClean="0"/>
-              <a:t>TypeScript</a:t>
-            </a:r>
-            <a:endParaRPr lang="en-US" sz="1600" dirty="0" smtClean="0"/>
-          </a:p>
-          <a:p>
-            <a:pPr marL="342900" indent="-342900" algn="l">
-              <a:buFont typeface="Arial"/>
-              <a:buChar char="•"/>
-            </a:pPr>
-            <a:r>
-              <a:rPr lang="en-US" sz="1600" dirty="0" smtClean="0"/>
-              <a:t>Lab: Get started with Angular 2</a:t>
-            </a:r>
-          </a:p>
-          <a:p>
-            <a:pPr marL="342900" indent="-342900" algn="l">
-              <a:buFont typeface="Arial"/>
-              <a:buChar char="•"/>
-            </a:pPr>
-            <a:r>
-              <a:rPr lang="en-US" sz="1600" dirty="0" smtClean="0"/>
-              <a:t>Angular 2 Components</a:t>
-            </a:r>
-          </a:p>
-          <a:p>
-            <a:pPr marL="342900" indent="-342900" algn="l">
-              <a:buFont typeface="Arial"/>
-              <a:buChar char="•"/>
-            </a:pPr>
-            <a:r>
-              <a:rPr lang="en-US" sz="1600" dirty="0" smtClean="0"/>
-              <a:t>Components Lab</a:t>
+            <a:pPr marL="457200" indent="-457200" algn="l">
+              <a:buFont typeface="Arial"/>
+              <a:buChar char="•"/>
+            </a:pPr>
+            <a:r>
+              <a:rPr lang="en-US" dirty="0"/>
+              <a:t>Controllers and Scope</a:t>
+            </a:r>
+          </a:p>
+          <a:p>
+            <a:pPr marL="457200" indent="-457200" algn="l">
+              <a:buFont typeface="Arial"/>
+              <a:buChar char="•"/>
+            </a:pPr>
+            <a:r>
+              <a:rPr lang="en-US" dirty="0"/>
+              <a:t>Looping</a:t>
+            </a:r>
+          </a:p>
+          <a:p>
+            <a:pPr marL="457200" indent="-457200" algn="l">
+              <a:buFont typeface="Arial"/>
+              <a:buChar char="•"/>
+            </a:pPr>
+            <a:r>
+              <a:rPr lang="en-US" dirty="0"/>
+              <a:t>Forms</a:t>
+            </a:r>
+          </a:p>
+          <a:p>
+            <a:pPr marL="457200" indent="-457200" algn="l">
+              <a:buFont typeface="Arial"/>
+              <a:buChar char="•"/>
+            </a:pPr>
+            <a:r>
+              <a:rPr lang="en-US" dirty="0"/>
+              <a:t>Providers, Services, Factories &amp; more</a:t>
             </a:r>
           </a:p>
         </p:txBody>
@@ -5550,20 +5525,13 @@
     </p:spTree>
     <p:extLst>
       <p:ext uri="{BB962C8B-B14F-4D97-AF65-F5344CB8AC3E}">
-        <p14:creationId xmlns:p14="http://schemas.microsoft.com/office/powerpoint/2010/main" val="1184490946"/>
+        <p14:creationId xmlns:p14="http://schemas.microsoft.com/office/powerpoint/2010/main" val="2589481465"/>
       </p:ext>
     </p:extLst>
   </p:cSld>
   <p:clrMapOvr>
     <a:masterClrMapping/>
   </p:clrMapOvr>
-  <p:timing>
-    <p:tnLst>
-      <p:par>
-        <p:cTn xmlns:p14="http://schemas.microsoft.com/office/powerpoint/2010/main" id="1" dur="indefinite" restart="never" nodeType="tmRoot"/>
-      </p:par>
-    </p:tnLst>
-  </p:timing>
 </p:sld>
 </file>
 
@@ -5606,7 +5574,11 @@
           <a:p>
             <a:r>
               <a:rPr lang="en-US" dirty="0"/>
-              <a:t>Intro to Angular 2</a:t>
+              <a:t>Factories versus </a:t>
+            </a:r>
+            <a:r>
+              <a:rPr lang="en-US" dirty="0" smtClean="0"/>
+              <a:t>Services</a:t>
             </a:r>
             <a:endParaRPr lang="en-US" dirty="0"/>
           </a:p>
@@ -5640,70 +5612,114 @@
             </a:pPr>
             <a:r>
               <a:rPr lang="en-US" sz="2000" dirty="0" smtClean="0"/>
-              <a:t>Targets </a:t>
-            </a:r>
-            <a:r>
-              <a:rPr lang="en-US" sz="2000" dirty="0"/>
-              <a:t>"evergreen" browsers - no legacy support (IE9+)</a:t>
-            </a:r>
-          </a:p>
-          <a:p>
-            <a:pPr marL="342900" indent="-342900" algn="l">
-              <a:buFont typeface="Arial"/>
-              <a:buChar char="•"/>
-            </a:pPr>
-            <a:r>
-              <a:rPr lang="en-US" sz="2000" dirty="0" err="1" smtClean="0"/>
-              <a:t>nG</a:t>
-            </a:r>
-            <a:r>
-              <a:rPr lang="en-US" sz="2000" dirty="0" smtClean="0"/>
-              <a:t> </a:t>
-            </a:r>
-            <a:r>
-              <a:rPr lang="en-US" sz="2000" dirty="0"/>
-              <a:t>2 is a major redesign, with many breaking changes</a:t>
-            </a:r>
-          </a:p>
-          <a:p>
-            <a:pPr marL="342900" indent="-342900" algn="l">
-              <a:buFont typeface="Arial"/>
-              <a:buChar char="•"/>
-            </a:pPr>
-            <a:r>
-              <a:rPr lang="en-US" sz="2000" dirty="0" smtClean="0"/>
-              <a:t>Emphasis </a:t>
-            </a:r>
-            <a:r>
-              <a:rPr lang="en-US" sz="2000" dirty="0"/>
-              <a:t>on moving towards HTML5 web components</a:t>
-            </a:r>
-          </a:p>
-          <a:p>
-            <a:pPr marL="342900" indent="-342900" algn="l">
-              <a:buFont typeface="Arial"/>
-              <a:buChar char="•"/>
-            </a:pPr>
-            <a:r>
-              <a:rPr lang="en-US" sz="2000" dirty="0" err="1" smtClean="0"/>
-              <a:t>TypeScript</a:t>
-            </a:r>
-            <a:r>
-              <a:rPr lang="en-US" sz="2000" dirty="0" smtClean="0"/>
-              <a:t> </a:t>
-            </a:r>
-            <a:r>
-              <a:rPr lang="en-US" sz="2000" dirty="0"/>
-              <a:t>recommended</a:t>
-            </a:r>
-            <a:endParaRPr lang="is-IS" sz="1200" dirty="0"/>
+              <a:t>If </a:t>
+            </a:r>
+            <a:r>
+              <a:rPr lang="en-US" sz="2000" dirty="0"/>
+              <a:t>you manually add "new" inside a </a:t>
+            </a:r>
+            <a:r>
+              <a:rPr lang="en-US" sz="2000" dirty="0" err="1"/>
+              <a:t>factoryFn</a:t>
+            </a:r>
+            <a:r>
+              <a:rPr lang="en-US" sz="2000" dirty="0"/>
+              <a:t>, it behaves exactly like Service</a:t>
+            </a:r>
+          </a:p>
+          <a:p>
+            <a:pPr marL="342900" indent="-342900" algn="l">
+              <a:buFont typeface="Arial"/>
+              <a:buChar char="•"/>
+            </a:pPr>
+            <a:r>
+              <a:rPr lang="en-US" sz="2000" dirty="0" smtClean="0"/>
+              <a:t>Service </a:t>
+            </a:r>
+            <a:r>
+              <a:rPr lang="en-US" sz="2000" dirty="0"/>
+              <a:t>is nothing more than sugar on top of Factory</a:t>
+            </a:r>
+          </a:p>
+          <a:p>
+            <a:pPr marL="342900" indent="-342900" algn="l">
+              <a:buFont typeface="Arial"/>
+              <a:buChar char="•"/>
+            </a:pPr>
+            <a:r>
+              <a:rPr lang="en-US" sz="2000" dirty="0" smtClean="0"/>
+              <a:t>Why </a:t>
+            </a:r>
+            <a:r>
+              <a:rPr lang="en-US" sz="2000" dirty="0"/>
+              <a:t>does it exist then?</a:t>
+            </a:r>
+          </a:p>
+          <a:p>
+            <a:pPr marL="800100" lvl="1" indent="-342900" algn="l">
+              <a:buFont typeface="Arial"/>
+              <a:buChar char="•"/>
+            </a:pPr>
+            <a:r>
+              <a:rPr lang="en-US" sz="1600" dirty="0" smtClean="0"/>
+              <a:t>New</a:t>
+            </a:r>
+            <a:r>
+              <a:rPr lang="en-US" sz="1600" dirty="0"/>
+              <a:t>-</a:t>
+            </a:r>
+            <a:r>
+              <a:rPr lang="en-US" sz="1600" dirty="0" err="1"/>
+              <a:t>ing</a:t>
+            </a:r>
+            <a:r>
+              <a:rPr lang="en-US" sz="1600" dirty="0"/>
+              <a:t> objects inside controllers is strongly discouraged</a:t>
+            </a:r>
+          </a:p>
+          <a:p>
+            <a:pPr marL="800100" lvl="1" indent="-342900" algn="l">
+              <a:buFont typeface="Arial"/>
+              <a:buChar char="•"/>
+            </a:pPr>
+            <a:r>
+              <a:rPr lang="en-US" sz="1600" dirty="0" smtClean="0"/>
+              <a:t>.</a:t>
+            </a:r>
+            <a:r>
+              <a:rPr lang="en-US" sz="1600" dirty="0"/>
+              <a:t>injector handles new-</a:t>
+            </a:r>
+            <a:r>
+              <a:rPr lang="en-US" sz="1600" dirty="0" err="1"/>
+              <a:t>ing</a:t>
+            </a:r>
+            <a:r>
+              <a:rPr lang="en-US" sz="1600" dirty="0"/>
+              <a:t> for you</a:t>
+            </a:r>
+          </a:p>
+          <a:p>
+            <a:pPr marL="800100" lvl="1" indent="-342900" algn="l">
+              <a:buFont typeface="Arial"/>
+              <a:buChar char="•"/>
+            </a:pPr>
+            <a:r>
+              <a:rPr lang="en-US" sz="1600" dirty="0" smtClean="0"/>
+              <a:t>If </a:t>
+            </a:r>
+            <a:r>
+              <a:rPr lang="en-US" sz="1600" dirty="0"/>
+              <a:t>you need to use prototypal construction, .service saves boilerplate</a:t>
+            </a:r>
+            <a:endParaRPr lang="en-US" sz="400" dirty="0"/>
           </a:p>
         </p:txBody>
       </p:sp>
     </p:spTree>
     <p:extLst>
       <p:ext uri="{BB962C8B-B14F-4D97-AF65-F5344CB8AC3E}">
-        <p14:creationId xmlns:p14="http://schemas.microsoft.com/office/powerpoint/2010/main" val="1085034615"/>
+        <p14:creationId xmlns:p14="http://schemas.microsoft.com/office/powerpoint/2010/main" val="3766355489"/>
       </p:ext>
     </p:extLst>
   </p:cSld>
@@ -5759,9 +5775,8 @@
           <a:p>
             <a:r>
               <a:rPr lang="en-US" dirty="0"/>
-              <a:t>Major changes</a:t>
-            </a:r>
-            <a:endParaRPr lang="en-US" dirty="0"/>
+              <a:t>Values and Constants</a:t>
+            </a:r>
           </a:p>
         </p:txBody>
       </p:sp>
@@ -5797,7 +5812,53 @@
             </a:r>
             <a:r>
               <a:rPr lang="en-US" sz="2000" dirty="0"/>
-              <a:t>like a reboot</a:t>
+              <a:t>sugar - a provider that does nothing but return a value</a:t>
+            </a:r>
+          </a:p>
+          <a:p>
+            <a:pPr marL="342900" indent="-342900" algn="l">
+              <a:buFont typeface="Arial"/>
+              <a:buChar char="•"/>
+            </a:pPr>
+            <a:r>
+              <a:rPr lang="en-US" sz="2000" dirty="0" smtClean="0"/>
+              <a:t>.</a:t>
+            </a:r>
+            <a:r>
+              <a:rPr lang="en-US" sz="2000" dirty="0"/>
+              <a:t>value('</a:t>
+            </a:r>
+            <a:r>
+              <a:rPr lang="en-US" sz="2000" dirty="0" err="1"/>
+              <a:t>valueName</a:t>
+            </a:r>
+            <a:r>
+              <a:rPr lang="en-US" sz="2000" dirty="0"/>
+              <a:t>', </a:t>
+            </a:r>
+            <a:r>
+              <a:rPr lang="en-US" sz="2000" dirty="0" err="1"/>
+              <a:t>valueValue</a:t>
+            </a:r>
+            <a:r>
+              <a:rPr lang="en-US" sz="2000" dirty="0"/>
+              <a:t>).constant('</a:t>
+            </a:r>
+            <a:r>
+              <a:rPr lang="en-US" sz="2000" dirty="0" err="1"/>
+              <a:t>constantName</a:t>
+            </a:r>
+            <a:r>
+              <a:rPr lang="en-US" sz="2000" dirty="0"/>
+              <a:t>', </a:t>
+            </a:r>
+            <a:r>
+              <a:rPr lang="en-US" sz="2000" dirty="0" err="1"/>
+              <a:t>constantValue</a:t>
+            </a:r>
+            <a:r>
+              <a:rPr lang="en-US" sz="2000" dirty="0"/>
+              <a:t>)</a:t>
             </a:r>
           </a:p>
           <a:p>
@@ -5811,122 +5872,134 @@
             </a:r>
             <a:r>
               <a:rPr lang="en-US" sz="2000" dirty="0"/>
-              <a:t>central API is now Components</a:t>
-            </a:r>
-          </a:p>
-          <a:p>
-            <a:pPr marL="342900" indent="-342900" algn="l">
-              <a:buFont typeface="Arial"/>
-              <a:buChar char="•"/>
-            </a:pPr>
-            <a:r>
-              <a:rPr lang="en-US" sz="2000" dirty="0" smtClean="0"/>
-              <a:t>Components </a:t>
-            </a:r>
-            <a:r>
-              <a:rPr lang="en-US" sz="2000" dirty="0"/>
-              <a:t>are a type of Directive, those are still around</a:t>
-            </a:r>
-          </a:p>
-          <a:p>
-            <a:pPr marL="342900" indent="-342900" algn="l">
-              <a:buFont typeface="Arial"/>
-              <a:buChar char="•"/>
-            </a:pPr>
-            <a:r>
-              <a:rPr lang="en-US" sz="2000" dirty="0" smtClean="0"/>
-              <a:t>Providers </a:t>
-            </a:r>
-            <a:r>
-              <a:rPr lang="en-US" sz="2000" dirty="0"/>
-              <a:t>are still around, but their sugar/subtypes have been removed</a:t>
-            </a:r>
-          </a:p>
-          <a:p>
-            <a:pPr marL="342900" indent="-342900" algn="l">
-              <a:buFont typeface="Arial"/>
-              <a:buChar char="•"/>
-            </a:pPr>
-            <a:r>
-              <a:rPr lang="en-US" sz="2000" dirty="0" smtClean="0"/>
-              <a:t>Large </a:t>
-            </a:r>
-            <a:r>
-              <a:rPr lang="en-US" sz="2000" dirty="0"/>
-              <a:t>portions of the API have been removed:</a:t>
-            </a:r>
-          </a:p>
-          <a:p>
-            <a:pPr marL="800100" lvl="1" indent="-342900" algn="l">
-              <a:buFont typeface="Arial"/>
-              <a:buChar char="•"/>
-            </a:pPr>
-            <a:r>
-              <a:rPr lang="en-US" sz="1600" dirty="0" err="1" smtClean="0"/>
-              <a:t>angular.module</a:t>
-            </a:r>
-            <a:r>
-              <a:rPr lang="en-US" sz="1600" dirty="0"/>
-              <a:t>, scope, controllers, filters, </a:t>
-            </a:r>
-            <a:r>
-              <a:rPr lang="en-US" sz="1600" dirty="0" err="1"/>
-              <a:t>ng</a:t>
-            </a:r>
-            <a:r>
-              <a:rPr lang="en-US" sz="1600" dirty="0"/>
-              <a:t>-app</a:t>
-            </a:r>
-          </a:p>
-          <a:p>
-            <a:pPr marL="342900" indent="-342900" algn="l">
-              <a:buFont typeface="Arial"/>
-              <a:buChar char="•"/>
-            </a:pPr>
-            <a:r>
-              <a:rPr lang="en-US" sz="2000" dirty="0" smtClean="0"/>
-              <a:t>Greater </a:t>
-            </a:r>
-            <a:r>
-              <a:rPr lang="en-US" sz="2000" dirty="0"/>
-              <a:t>reliance on dependency injection</a:t>
-            </a:r>
-          </a:p>
-          <a:p>
-            <a:pPr marL="800100" lvl="1" indent="-342900" algn="l">
-              <a:buFont typeface="Arial"/>
-              <a:buChar char="•"/>
-            </a:pPr>
-            <a:r>
-              <a:rPr lang="en-US" sz="1600" dirty="0" smtClean="0"/>
-              <a:t>nG2 </a:t>
-            </a:r>
-            <a:r>
-              <a:rPr lang="en-US" sz="1600" dirty="0"/>
-              <a:t>only includes minimum functionality by default</a:t>
-            </a:r>
-          </a:p>
-          <a:p>
-            <a:pPr marL="800100" lvl="1" indent="-342900" algn="l">
-              <a:buFont typeface="Arial"/>
-              <a:buChar char="•"/>
-            </a:pPr>
-            <a:r>
-              <a:rPr lang="en-US" sz="1600" dirty="0" smtClean="0"/>
-              <a:t>Gotcha</a:t>
-            </a:r>
-            <a:r>
-              <a:rPr lang="en-US" sz="1600" dirty="0"/>
-              <a:t>: common "undefined" or "not a function" errors when you forget an import</a:t>
-            </a:r>
-            <a:endParaRPr lang="is-IS" sz="800" dirty="0"/>
+              <a:t>second argument can be any data type, including objects and functions</a:t>
+            </a:r>
+          </a:p>
+          <a:p>
+            <a:pPr marL="342900" indent="-342900" algn="l">
+              <a:buFont typeface="Arial"/>
+              <a:buChar char="•"/>
+            </a:pPr>
+            <a:r>
+              <a:rPr lang="en-US" sz="2000" dirty="0" smtClean="0"/>
+              <a:t>Functions </a:t>
+            </a:r>
+            <a:r>
+              <a:rPr lang="en-US" sz="2000" dirty="0"/>
+              <a:t>are not invoked or </a:t>
+            </a:r>
+            <a:r>
+              <a:rPr lang="en-US" sz="2000" dirty="0" err="1"/>
+              <a:t>newed</a:t>
+            </a:r>
+            <a:r>
+              <a:rPr lang="en-US" sz="2000" dirty="0"/>
+              <a:t>, just returned. Therefore </a:t>
+            </a:r>
+            <a:r>
+              <a:rPr lang="en-US" sz="2000" dirty="0" err="1"/>
+              <a:t>theyre</a:t>
+            </a:r>
+            <a:r>
+              <a:rPr lang="en-US" sz="2000" dirty="0"/>
+              <a:t> not injectable</a:t>
+            </a:r>
+          </a:p>
+          <a:p>
+            <a:pPr marL="342900" indent="-342900" algn="l">
+              <a:buFont typeface="Arial"/>
+              <a:buChar char="•"/>
+            </a:pPr>
+            <a:r>
+              <a:rPr lang="en-US" sz="2000" dirty="0" smtClean="0"/>
+              <a:t>Use </a:t>
+            </a:r>
+            <a:r>
+              <a:rPr lang="en-US" sz="2000" dirty="0"/>
+              <a:t>it to share data, and even code, in the form of functions</a:t>
+            </a:r>
+          </a:p>
+          <a:p>
+            <a:pPr marL="342900" indent="-342900" algn="l">
+              <a:buFont typeface="Arial"/>
+              <a:buChar char="•"/>
+            </a:pPr>
+            <a:r>
+              <a:rPr lang="en-US" sz="2000" dirty="0" smtClean="0"/>
+              <a:t>(</a:t>
+            </a:r>
+            <a:r>
+              <a:rPr lang="en-US" sz="2000" dirty="0"/>
+              <a:t>remember not to "new" the result though - will complicate testing)</a:t>
+            </a:r>
+          </a:p>
+          <a:p>
+            <a:pPr marL="342900" indent="-342900" algn="l">
+              <a:buFont typeface="Arial"/>
+              <a:buChar char="•"/>
+            </a:pPr>
+            <a:r>
+              <a:rPr lang="en-US" sz="2000" dirty="0" smtClean="0"/>
+              <a:t>Only </a:t>
+            </a:r>
+            <a:r>
+              <a:rPr lang="en-US" sz="2000" dirty="0"/>
+              <a:t>Constants are available during </a:t>
+            </a:r>
+            <a:r>
+              <a:rPr lang="en-US" sz="2000" dirty="0" err="1"/>
+              <a:t>config</a:t>
+            </a:r>
+            <a:r>
+              <a:rPr lang="en-US" sz="2000" dirty="0"/>
+              <a:t> (bootstrap)</a:t>
+            </a:r>
+          </a:p>
+          <a:p>
+            <a:pPr marL="342900" indent="-342900" algn="l">
+              <a:buFont typeface="Arial"/>
+              <a:buChar char="•"/>
+            </a:pPr>
+            <a:r>
+              <a:rPr lang="en-US" sz="2000" dirty="0" err="1" smtClean="0"/>
+              <a:t>app.config</a:t>
+            </a:r>
+            <a:r>
+              <a:rPr lang="en-US" sz="2000" dirty="0"/>
+              <a:t>(function(</a:t>
+            </a:r>
+            <a:r>
+              <a:rPr lang="en-US" sz="2000" dirty="0" err="1"/>
+              <a:t>valueName</a:t>
+            </a:r>
+            <a:r>
+              <a:rPr lang="en-US" sz="2000" dirty="0"/>
+              <a:t>, </a:t>
+            </a:r>
+            <a:r>
+              <a:rPr lang="en-US" sz="2000" dirty="0" err="1"/>
+              <a:t>constantName</a:t>
+            </a:r>
+            <a:r>
+              <a:rPr lang="en-US" sz="2000" dirty="0"/>
+              <a:t>) { errors 'unknown provider </a:t>
+            </a:r>
+            <a:r>
+              <a:rPr lang="en-US" sz="2000" dirty="0" err="1"/>
+              <a:t>valueName</a:t>
+            </a:r>
+            <a:r>
+              <a:rPr lang="en-US" sz="2000" dirty="0"/>
+              <a:t>' })</a:t>
+            </a:r>
+            <a:endParaRPr lang="is-IS" sz="1600" dirty="0"/>
           </a:p>
         </p:txBody>
       </p:sp>
     </p:spTree>
     <p:extLst>
       <p:ext uri="{BB962C8B-B14F-4D97-AF65-F5344CB8AC3E}">
-        <p14:creationId xmlns:p14="http://schemas.microsoft.com/office/powerpoint/2010/main" val="2746077353"/>
+        <p14:creationId xmlns:p14="http://schemas.microsoft.com/office/powerpoint/2010/main" val="2330169569"/>
       </p:ext>
     </p:extLst>
   </p:cSld>
@@ -5982,13 +6055,8 @@
           <a:p>
             <a:r>
               <a:rPr lang="en-US" dirty="0"/>
-              <a:t>Advantages </a:t>
-            </a:r>
-            <a:r>
-              <a:rPr lang="en-US" dirty="0" smtClean="0"/>
-              <a:t>gained</a:t>
-            </a:r>
-            <a:endParaRPr lang="en-US" dirty="0"/>
+              <a:t>Recap</a:t>
+            </a:r>
           </a:p>
         </p:txBody>
       </p:sp>
@@ -6020,76 +6088,89 @@
             </a:pPr>
             <a:r>
               <a:rPr lang="en-US" sz="2000" dirty="0" smtClean="0"/>
-              <a:t>Smaller</a:t>
-            </a:r>
-            <a:r>
-              <a:rPr lang="en-US" sz="2000" dirty="0"/>
-              <a:t>, more consistent API</a:t>
-            </a:r>
-          </a:p>
-          <a:p>
-            <a:pPr marL="342900" indent="-342900" algn="l">
-              <a:buFont typeface="Arial"/>
-              <a:buChar char="•"/>
-            </a:pPr>
-            <a:r>
-              <a:rPr lang="en-US" sz="2000" dirty="0" smtClean="0"/>
-              <a:t>Greater </a:t>
-            </a:r>
-            <a:r>
-              <a:rPr lang="en-US" sz="2000" dirty="0"/>
-              <a:t>modularity/DI - import only what you need means smaller downloads</a:t>
-            </a:r>
-          </a:p>
-          <a:p>
-            <a:pPr marL="342900" indent="-342900" algn="l">
-              <a:buFont typeface="Arial"/>
-              <a:buChar char="•"/>
-            </a:pPr>
-            <a:r>
-              <a:rPr lang="en-US" sz="2000" dirty="0" smtClean="0"/>
-              <a:t>Greater </a:t>
-            </a:r>
-            <a:r>
-              <a:rPr lang="en-US" sz="2000" dirty="0"/>
-              <a:t>separation from DOM - testing, IDE support</a:t>
-            </a:r>
-          </a:p>
-          <a:p>
-            <a:pPr marL="342900" indent="-342900" algn="l">
-              <a:buFont typeface="Arial"/>
-              <a:buChar char="•"/>
-            </a:pPr>
-            <a:r>
-              <a:rPr lang="en-US" sz="2000" dirty="0" smtClean="0"/>
-              <a:t>Performance </a:t>
-            </a:r>
-            <a:r>
-              <a:rPr lang="en-US" sz="2000" dirty="0"/>
-              <a:t>speedups primarily due to jettisoning digest checking</a:t>
-            </a:r>
-          </a:p>
-          <a:p>
-            <a:pPr marL="342900" indent="-342900" algn="l">
-              <a:buFont typeface="Arial"/>
-              <a:buChar char="•"/>
-            </a:pPr>
-            <a:r>
-              <a:rPr lang="en-US" sz="2000" dirty="0" smtClean="0"/>
-              <a:t>Aligns </a:t>
-            </a:r>
-            <a:r>
-              <a:rPr lang="en-US" sz="2000" dirty="0"/>
-              <a:t>closer with the future of web components</a:t>
-            </a:r>
-            <a:endParaRPr lang="is-IS" sz="800" dirty="0"/>
+              <a:t>Use </a:t>
+            </a:r>
+            <a:r>
+              <a:rPr lang="en-US" sz="2000" dirty="0"/>
+              <a:t>singleton Providers to share data across the app</a:t>
+            </a:r>
+          </a:p>
+          <a:p>
+            <a:pPr marL="800100" lvl="1" indent="-342900" algn="l">
+              <a:buFont typeface="Arial"/>
+              <a:buChar char="•"/>
+            </a:pPr>
+            <a:r>
+              <a:rPr lang="en-US" sz="1600" dirty="0" smtClean="0"/>
+              <a:t>Factory </a:t>
+            </a:r>
+            <a:r>
+              <a:rPr lang="en-US" sz="1600" dirty="0"/>
+              <a:t>=&gt; function</a:t>
+            </a:r>
+          </a:p>
+          <a:p>
+            <a:pPr marL="800100" lvl="1" indent="-342900" algn="l">
+              <a:buFont typeface="Arial"/>
+              <a:buChar char="•"/>
+            </a:pPr>
+            <a:r>
+              <a:rPr lang="en-US" sz="1600" dirty="0" smtClean="0"/>
+              <a:t>Service </a:t>
+            </a:r>
+            <a:r>
+              <a:rPr lang="en-US" sz="1600" dirty="0"/>
+              <a:t>=&gt; new</a:t>
+            </a:r>
+          </a:p>
+          <a:p>
+            <a:pPr marL="800100" lvl="1" indent="-342900" algn="l">
+              <a:buFont typeface="Arial"/>
+              <a:buChar char="•"/>
+            </a:pPr>
+            <a:r>
+              <a:rPr lang="fi-FI" sz="1600" dirty="0" smtClean="0"/>
+              <a:t>Value </a:t>
+            </a:r>
+            <a:r>
+              <a:rPr lang="fi-FI" sz="1600" dirty="0"/>
+              <a:t>=&gt; </a:t>
+            </a:r>
+            <a:r>
+              <a:rPr lang="fi-FI" sz="1600" dirty="0" err="1"/>
+              <a:t>simple</a:t>
+            </a:r>
+            <a:endParaRPr lang="fi-FI" sz="1600" dirty="0"/>
+          </a:p>
+          <a:p>
+            <a:pPr marL="800100" lvl="1" indent="-342900" algn="l">
+              <a:buFont typeface="Arial"/>
+              <a:buChar char="•"/>
+            </a:pPr>
+            <a:r>
+              <a:rPr lang="fi-FI" sz="1600" dirty="0" err="1" smtClean="0"/>
+              <a:t>Constant</a:t>
+            </a:r>
+            <a:r>
+              <a:rPr lang="fi-FI" sz="1600" dirty="0" smtClean="0"/>
+              <a:t> </a:t>
+            </a:r>
+            <a:r>
+              <a:rPr lang="fi-FI" sz="1600" dirty="0"/>
+              <a:t>=&gt; </a:t>
+            </a:r>
+            <a:r>
+              <a:rPr lang="fi-FI" sz="1600" dirty="0" err="1"/>
+              <a:t>config</a:t>
+            </a:r>
+            <a:endParaRPr lang="is-IS" sz="1200" dirty="0"/>
           </a:p>
         </p:txBody>
       </p:sp>
     </p:spTree>
     <p:extLst>
       <p:ext uri="{BB962C8B-B14F-4D97-AF65-F5344CB8AC3E}">
-        <p14:creationId xmlns:p14="http://schemas.microsoft.com/office/powerpoint/2010/main" val="3749434534"/>
+        <p14:creationId xmlns:p14="http://schemas.microsoft.com/office/powerpoint/2010/main" val="682079899"/>
       </p:ext>
     </p:extLst>
   </p:cSld>
@@ -6145,9 +6226,8 @@
           <a:p>
             <a:r>
               <a:rPr lang="en-US" dirty="0"/>
-              <a:t>A word of caution</a:t>
-            </a:r>
-            <a:endParaRPr lang="en-US" dirty="0"/>
+              <a:t>$http Lab</a:t>
+            </a:r>
           </a:p>
         </p:txBody>
       </p:sp>
@@ -6178,84 +6258,16 @@
               <a:buChar char="•"/>
             </a:pPr>
             <a:r>
-              <a:rPr lang="en-US" sz="2000" dirty="0" err="1" smtClean="0"/>
-              <a:t>nG</a:t>
-            </a:r>
-            <a:r>
-              <a:rPr lang="en-US" sz="2000" dirty="0" smtClean="0"/>
-              <a:t> </a:t>
-            </a:r>
-            <a:r>
-              <a:rPr lang="en-US" sz="2000" dirty="0"/>
-              <a:t>2 </a:t>
-            </a:r>
-            <a:r>
-              <a:rPr lang="en-US" sz="2000" dirty="0" smtClean="0"/>
-              <a:t>is officially in beta. </a:t>
-            </a:r>
-            <a:r>
-              <a:rPr lang="en-US" sz="2000" dirty="0"/>
-              <a:t>What does beta mean?</a:t>
-            </a:r>
-          </a:p>
-          <a:p>
-            <a:pPr marL="342900" indent="-342900" algn="l">
-              <a:buFont typeface="Arial"/>
-              <a:buChar char="•"/>
-            </a:pPr>
-            <a:r>
-              <a:rPr lang="en-US" sz="2000" dirty="0" smtClean="0"/>
-              <a:t>"</a:t>
-            </a:r>
-            <a:r>
-              <a:rPr lang="en-US" sz="2000" dirty="0"/>
-              <a:t>we're now confident that most developers can be successful building large applications"</a:t>
-            </a:r>
-          </a:p>
-          <a:p>
-            <a:pPr marL="342900" indent="-342900" algn="l">
-              <a:buFont typeface="Arial"/>
-              <a:buChar char="•"/>
-            </a:pPr>
-            <a:r>
-              <a:rPr lang="en-US" sz="2000" dirty="0" smtClean="0"/>
-              <a:t>A </a:t>
-            </a:r>
-            <a:r>
-              <a:rPr lang="en-US" sz="2000" dirty="0"/>
-              <a:t>platform is not just its code though, also its ecosystem</a:t>
-            </a:r>
-          </a:p>
-          <a:p>
-            <a:pPr marL="342900" indent="-342900" algn="l">
-              <a:buFont typeface="Arial"/>
-              <a:buChar char="•"/>
-            </a:pPr>
-            <a:r>
-              <a:rPr lang="en-US" sz="2000" dirty="0"/>
-              <a:t>  </a:t>
-            </a:r>
-            <a:r>
-              <a:rPr lang="en-US" sz="2000" dirty="0" smtClean="0"/>
-              <a:t>Tooling </a:t>
-            </a:r>
-            <a:r>
-              <a:rPr lang="en-US" sz="2000" dirty="0"/>
-              <a:t>&amp; 3rd party library support</a:t>
-            </a:r>
-          </a:p>
-          <a:p>
-            <a:pPr marL="342900" indent="-342900" algn="l">
-              <a:buFont typeface="Arial"/>
-              <a:buChar char="•"/>
-            </a:pPr>
-            <a:r>
-              <a:rPr lang="en-US" sz="2000" dirty="0"/>
-              <a:t>  </a:t>
-            </a:r>
-            <a:r>
-              <a:rPr lang="en-US" sz="2000" dirty="0" smtClean="0"/>
-              <a:t>Documentation</a:t>
+              <a:rPr lang="en-US" sz="2000" dirty="0" smtClean="0"/>
+              <a:t>Create </a:t>
+            </a:r>
+            <a:r>
+              <a:rPr lang="en-US" sz="2000" dirty="0"/>
+              <a:t>a value named </a:t>
+            </a:r>
+            <a:r>
+              <a:rPr lang="en-US" sz="2000" dirty="0" err="1"/>
+              <a:t>songsUrl</a:t>
             </a:r>
             <a:endParaRPr lang="en-US" sz="2000" dirty="0"/>
           </a:p>
@@ -6265,45 +6277,18 @@
               <a:buChar char="•"/>
             </a:pPr>
             <a:r>
-              <a:rPr lang="en-US" sz="2000" dirty="0"/>
-              <a:t>  </a:t>
-            </a:r>
-            <a:r>
-              <a:rPr lang="en-US" sz="2000" dirty="0" smtClean="0"/>
-              <a:t>Error </a:t>
-            </a:r>
-            <a:r>
-              <a:rPr lang="en-US" sz="2000" dirty="0"/>
-              <a:t>handling messages</a:t>
-            </a:r>
-          </a:p>
-          <a:p>
-            <a:pPr marL="342900" indent="-342900" algn="l">
-              <a:buFont typeface="Arial"/>
-              <a:buChar char="•"/>
-            </a:pPr>
-            <a:r>
-              <a:rPr lang="en-US" sz="2000" dirty="0"/>
-              <a:t>  </a:t>
-            </a:r>
-            <a:r>
-              <a:rPr lang="en-US" sz="2000" dirty="0" smtClean="0"/>
-              <a:t>Community </a:t>
-            </a:r>
-            <a:r>
-              <a:rPr lang="en-US" sz="2000" dirty="0"/>
-              <a:t>support</a:t>
-            </a:r>
-          </a:p>
-          <a:p>
-            <a:pPr marL="342900" indent="-342900" algn="l">
-              <a:buFont typeface="Arial"/>
-              <a:buChar char="•"/>
-            </a:pPr>
-            <a:r>
-              <a:rPr lang="en-US" sz="2000" dirty="0" smtClean="0"/>
-              <a:t>IMO, nG2 ecosystem is not mature yet</a:t>
-            </a:r>
+              <a:rPr lang="en-US" sz="2000" dirty="0" smtClean="0"/>
+              <a:t>Create </a:t>
+            </a:r>
+            <a:r>
+              <a:rPr lang="en-US" sz="2000" dirty="0"/>
+              <a:t>a service named </a:t>
+            </a:r>
+            <a:r>
+              <a:rPr lang="en-US" sz="2000" dirty="0" err="1"/>
+              <a:t>songsAjax</a:t>
+            </a:r>
+            <a:endParaRPr lang="en-US" sz="2000" dirty="0"/>
           </a:p>
           <a:p>
             <a:pPr marL="800100" lvl="1" indent="-342900" algn="l">
@@ -6311,42 +6296,86 @@
               <a:buChar char="•"/>
             </a:pPr>
             <a:r>
+              <a:rPr lang="en-US" sz="1600" dirty="0" smtClean="0"/>
+              <a:t>Depends </a:t>
+            </a:r>
+            <a:r>
               <a:rPr lang="en-US" sz="1600" dirty="0"/>
-              <a:t>Official documentation is </a:t>
-            </a:r>
+              <a:t>on $http and </a:t>
+            </a:r>
+            <a:r>
+              <a:rPr lang="en-US" sz="1600" dirty="0" err="1"/>
+              <a:t>songsUrl</a:t>
+            </a:r>
+            <a:endParaRPr lang="en-US" sz="1600" dirty="0"/>
+          </a:p>
+          <a:p>
+            <a:pPr marL="800100" lvl="1" indent="-342900" algn="l">
+              <a:buFont typeface="Arial"/>
+              <a:buChar char="•"/>
+            </a:pPr>
             <a:r>
               <a:rPr lang="en-US" sz="1600" dirty="0" smtClean="0"/>
-              <a:t>intentionally complete</a:t>
-            </a:r>
-            <a:endParaRPr lang="is-IS" sz="400" dirty="0"/>
-          </a:p>
-          <a:p>
-            <a:pPr marL="800100" lvl="1" indent="-342900" algn="l">
-              <a:buFont typeface="Arial"/>
-              <a:buChar char="•"/>
-            </a:pPr>
-            <a:r>
-              <a:rPr lang="en-US" sz="1600" dirty="0" smtClean="0"/>
-              <a:t>Many syntax changes make older articles unreliable</a:t>
-            </a:r>
-          </a:p>
-          <a:p>
-            <a:pPr marL="800100" lvl="1" indent="-342900" algn="l">
-              <a:buFont typeface="Arial"/>
-              <a:buChar char="•"/>
-            </a:pPr>
-            <a:r>
-              <a:rPr lang="en-US" sz="1600" dirty="0" smtClean="0"/>
-              <a:t>TSC compilation issues</a:t>
-            </a:r>
-            <a:endParaRPr lang="is-IS" sz="400" dirty="0"/>
+              <a:t>Returns </a:t>
+            </a:r>
+            <a:r>
+              <a:rPr lang="en-US" sz="1600" dirty="0"/>
+              <a:t>a public interface method </a:t>
+            </a:r>
+            <a:r>
+              <a:rPr lang="en-US" sz="1600" dirty="0" err="1"/>
+              <a:t>getSongs</a:t>
+            </a:r>
+            <a:endParaRPr lang="en-US" sz="1600" dirty="0"/>
+          </a:p>
+          <a:p>
+            <a:pPr marL="342900" indent="-342900" algn="l">
+              <a:buFont typeface="Arial"/>
+              <a:buChar char="•"/>
+            </a:pPr>
+            <a:r>
+              <a:rPr lang="en-US" sz="2000" dirty="0" smtClean="0"/>
+              <a:t>Inject </a:t>
+            </a:r>
+            <a:r>
+              <a:rPr lang="en-US" sz="2000" dirty="0" err="1"/>
+              <a:t>songsAjax</a:t>
+            </a:r>
+            <a:r>
+              <a:rPr lang="en-US" sz="2000" dirty="0"/>
+              <a:t> into </a:t>
+            </a:r>
+            <a:r>
+              <a:rPr lang="en-US" sz="2000" dirty="0" err="1"/>
+              <a:t>JukeboxUiController</a:t>
+            </a:r>
+            <a:endParaRPr lang="en-US" sz="2000" dirty="0"/>
+          </a:p>
+          <a:p>
+            <a:pPr marL="342900" indent="-342900" algn="l">
+              <a:buFont typeface="Arial"/>
+              <a:buChar char="•"/>
+            </a:pPr>
+            <a:r>
+              <a:rPr lang="en-US" sz="2000" dirty="0" smtClean="0"/>
+              <a:t>Call </a:t>
+            </a:r>
+            <a:r>
+              <a:rPr lang="en-US" sz="2000" dirty="0" err="1"/>
+              <a:t>getSongs</a:t>
+            </a:r>
+            <a:r>
+              <a:rPr lang="en-US" sz="2000" dirty="0"/>
+              <a:t> and display results in a template</a:t>
+            </a:r>
+            <a:endParaRPr lang="is-IS" sz="1200" dirty="0"/>
           </a:p>
         </p:txBody>
       </p:sp>
     </p:spTree>
     <p:extLst>
       <p:ext uri="{BB962C8B-B14F-4D97-AF65-F5344CB8AC3E}">
-        <p14:creationId xmlns:p14="http://schemas.microsoft.com/office/powerpoint/2010/main" val="1644634512"/>
+        <p14:creationId xmlns:p14="http://schemas.microsoft.com/office/powerpoint/2010/main" val="1276718030"/>
       </p:ext>
     </p:extLst>
   </p:cSld>
@@ -6402,9 +6431,8 @@
           <a:p>
             <a:r>
               <a:rPr lang="en-US" dirty="0"/>
-              <a:t>A word of caution</a:t>
-            </a:r>
-            <a:endParaRPr lang="en-US" dirty="0"/>
+              <a:t>Angular Material</a:t>
+            </a:r>
           </a:p>
         </p:txBody>
       </p:sp>
@@ -6435,200 +6463,137 @@
               <a:buChar char="•"/>
             </a:pPr>
             <a:r>
-              <a:rPr lang="en-US" sz="2000" dirty="0" err="1" smtClean="0"/>
+              <a:rPr lang="en-US" sz="2000" dirty="0" smtClean="0"/>
+              <a:t>Material </a:t>
+            </a:r>
+            <a:r>
+              <a:rPr lang="en-US" sz="2000" dirty="0"/>
+              <a:t>is </a:t>
+            </a:r>
+            <a:r>
+              <a:rPr lang="en-US" sz="2000" dirty="0" err="1"/>
+              <a:t>Googles</a:t>
+            </a:r>
+            <a:r>
+              <a:rPr lang="en-US" sz="2000" dirty="0"/>
+              <a:t> UI "visual language" behind Android</a:t>
+            </a:r>
+          </a:p>
+          <a:p>
+            <a:pPr marL="342900" indent="-342900" algn="l">
+              <a:buFont typeface="Arial"/>
+              <a:buChar char="•"/>
+            </a:pPr>
+            <a:r>
+              <a:rPr lang="en-US" sz="2000" dirty="0" smtClean="0"/>
+              <a:t>Emphasizes </a:t>
+            </a:r>
+            <a:r>
+              <a:rPr lang="en-US" sz="2000" dirty="0"/>
+              <a:t>unified experience, usability &amp; accessibility, graceful degradation</a:t>
+            </a:r>
+          </a:p>
+          <a:p>
+            <a:pPr marL="342900" indent="-342900" algn="l">
+              <a:buFont typeface="Arial"/>
+              <a:buChar char="•"/>
+            </a:pPr>
+            <a:r>
+              <a:rPr lang="en-US" sz="2000" dirty="0" smtClean="0"/>
+              <a:t>"</a:t>
+            </a:r>
+            <a:r>
+              <a:rPr lang="en-US" sz="2000" dirty="0"/>
+              <a:t>Material is the metaphor" - paper, ink, surface edges. "Motion provides meaning"</a:t>
+            </a:r>
+          </a:p>
+          <a:p>
+            <a:pPr marL="342900" indent="-342900" algn="l">
+              <a:buFont typeface="Arial"/>
+              <a:buChar char="•"/>
+            </a:pPr>
+            <a:r>
+              <a:rPr lang="en-US" sz="2000" dirty="0" smtClean="0"/>
+              <a:t>Angular </a:t>
+            </a:r>
+            <a:r>
+              <a:rPr lang="en-US" sz="2000" dirty="0"/>
+              <a:t>Material is one implementation - Material Design Lite is another</a:t>
+            </a:r>
+          </a:p>
+          <a:p>
+            <a:pPr marL="342900" indent="-342900" algn="l">
+              <a:buFont typeface="Arial"/>
+              <a:buChar char="•"/>
+            </a:pPr>
+            <a:r>
+              <a:rPr lang="en-US" sz="2000" dirty="0" smtClean="0"/>
+              <a:t>AM </a:t>
+            </a:r>
+            <a:r>
+              <a:rPr lang="en-US" sz="2000" dirty="0"/>
+              <a:t>depends on </a:t>
+            </a:r>
+            <a:r>
+              <a:rPr lang="en-US" sz="2000" dirty="0" err="1"/>
               <a:t>nG</a:t>
             </a:r>
             <a:r>
-              <a:rPr lang="en-US" sz="2000" dirty="0" smtClean="0"/>
-              <a:t> </a:t>
-            </a:r>
-            <a:r>
-              <a:rPr lang="en-US" sz="2000" dirty="0"/>
-              <a:t>2 </a:t>
-            </a:r>
-            <a:r>
-              <a:rPr lang="en-US" sz="2000" dirty="0" smtClean="0"/>
-              <a:t>is officially in beta. </a:t>
-            </a:r>
-            <a:r>
-              <a:rPr lang="en-US" sz="2000" dirty="0"/>
-              <a:t>What does beta mean?</a:t>
-            </a:r>
-          </a:p>
-          <a:p>
-            <a:pPr marL="342900" indent="-342900" algn="l">
-              <a:buFont typeface="Arial"/>
-              <a:buChar char="•"/>
-            </a:pPr>
-            <a:r>
-              <a:rPr lang="en-US" sz="2000" dirty="0" smtClean="0"/>
-              <a:t>"</a:t>
-            </a:r>
-            <a:r>
-              <a:rPr lang="en-US" sz="2000" dirty="0"/>
-              <a:t>we're now confident that most developers can be successful building large applications"</a:t>
-            </a:r>
-          </a:p>
-          <a:p>
-            <a:pPr marL="342900" indent="-342900" algn="l">
-              <a:buFont typeface="Arial"/>
-              <a:buChar char="•"/>
-            </a:pPr>
-            <a:r>
-              <a:rPr lang="en-US" sz="2000" dirty="0" smtClean="0"/>
-              <a:t>A </a:t>
-            </a:r>
-            <a:r>
-              <a:rPr lang="en-US" sz="2000" dirty="0"/>
-              <a:t>platform is not just its code though, also its ecosystem</a:t>
-            </a:r>
-          </a:p>
-          <a:p>
-            <a:pPr marL="342900" indent="-342900" algn="l">
-              <a:buFont typeface="Arial"/>
-              <a:buChar char="•"/>
-            </a:pPr>
-            <a:r>
-              <a:rPr lang="en-US" sz="2000" dirty="0"/>
-              <a:t>  </a:t>
-            </a:r>
-            <a:r>
-              <a:rPr lang="en-US" sz="2000" dirty="0" smtClean="0"/>
-              <a:t>Tooling </a:t>
-            </a:r>
-            <a:r>
-              <a:rPr lang="en-US" sz="2000" dirty="0"/>
-              <a:t>&amp; 3rd party library support</a:t>
-            </a:r>
-          </a:p>
-          <a:p>
-            <a:pPr marL="342900" indent="-342900" algn="l">
-              <a:buFont typeface="Arial"/>
-              <a:buChar char="•"/>
-            </a:pPr>
-            <a:r>
-              <a:rPr lang="en-US" sz="2000" dirty="0"/>
-              <a:t>  </a:t>
-            </a:r>
-            <a:r>
-              <a:rPr lang="en-US" sz="2000" dirty="0" smtClean="0"/>
-              <a:t>Documentation</a:t>
-            </a:r>
-            <a:endParaRPr lang="en-US" sz="2000" dirty="0"/>
-          </a:p>
-          <a:p>
-            <a:pPr marL="342900" indent="-342900" algn="l">
-              <a:buFont typeface="Arial"/>
-              <a:buChar char="•"/>
-            </a:pPr>
-            <a:r>
-              <a:rPr lang="en-US" sz="2000" dirty="0"/>
-              <a:t>  </a:t>
-            </a:r>
-            <a:r>
-              <a:rPr lang="en-US" sz="2000" dirty="0" smtClean="0"/>
-              <a:t>Error </a:t>
-            </a:r>
-            <a:r>
-              <a:rPr lang="en-US" sz="2000" dirty="0"/>
-              <a:t>handling messages</a:t>
-            </a:r>
-          </a:p>
-          <a:p>
-            <a:pPr marL="342900" indent="-342900" algn="l">
-              <a:buFont typeface="Arial"/>
-              <a:buChar char="•"/>
-            </a:pPr>
-            <a:r>
-              <a:rPr lang="en-US" sz="2000" dirty="0"/>
-              <a:t>  </a:t>
-            </a:r>
-            <a:r>
-              <a:rPr lang="en-US" sz="2000" dirty="0" smtClean="0"/>
-              <a:t>Community </a:t>
-            </a:r>
-            <a:r>
-              <a:rPr lang="en-US" sz="2000" dirty="0"/>
-              <a:t>support</a:t>
-            </a:r>
-          </a:p>
-          <a:p>
-            <a:pPr marL="342900" indent="-342900" algn="l">
-              <a:buFont typeface="Arial"/>
-              <a:buChar char="•"/>
-            </a:pPr>
-            <a:r>
-              <a:rPr lang="en-US" sz="2000" dirty="0" smtClean="0"/>
-              <a:t>IMO, nG2 ecosystem is not mature yet</a:t>
-            </a:r>
-          </a:p>
-          <a:p>
-            <a:pPr marL="800100" lvl="1" indent="-342900" algn="l">
-              <a:buFont typeface="Arial"/>
-              <a:buChar char="•"/>
-            </a:pPr>
-            <a:r>
-              <a:rPr lang="en-US" sz="1600" dirty="0" smtClean="0"/>
-              <a:t>Official </a:t>
-            </a:r>
-            <a:r>
-              <a:rPr lang="en-US" sz="1600" dirty="0"/>
-              <a:t>documentation is </a:t>
-            </a:r>
-            <a:r>
-              <a:rPr lang="en-US" sz="1600" dirty="0" smtClean="0"/>
-              <a:t>intentionally complete</a:t>
-            </a:r>
-            <a:endParaRPr lang="is-IS" sz="400" dirty="0"/>
-          </a:p>
-          <a:p>
-            <a:pPr marL="800100" lvl="1" indent="-342900" algn="l">
-              <a:buFont typeface="Arial"/>
-              <a:buChar char="•"/>
-            </a:pPr>
-            <a:r>
-              <a:rPr lang="en-US" sz="1600" dirty="0" smtClean="0"/>
-              <a:t>Many syntax changes make older articles unreliable</a:t>
-            </a:r>
-          </a:p>
-          <a:p>
-            <a:pPr marL="800100" lvl="1" indent="-342900" algn="l">
-              <a:buFont typeface="Arial"/>
-              <a:buChar char="•"/>
-            </a:pPr>
-            <a:r>
-              <a:rPr lang="en-US" sz="1600" dirty="0" smtClean="0"/>
-              <a:t>TSC compilation issues</a:t>
-            </a:r>
-          </a:p>
-          <a:p>
-            <a:pPr marL="342900" indent="-342900" algn="l">
-              <a:buFont typeface="Arial"/>
-              <a:buChar char="•"/>
-            </a:pPr>
-            <a:r>
-              <a:rPr lang="en-US" sz="2000" dirty="0" smtClean="0"/>
-              <a:t>Proceed </a:t>
-            </a:r>
-            <a:r>
-              <a:rPr lang="en-US" sz="2000" dirty="0"/>
-              <a:t>with </a:t>
-            </a:r>
-            <a:r>
-              <a:rPr lang="en-US" sz="2000" dirty="0" smtClean="0"/>
-              <a:t>caution</a:t>
-            </a:r>
-          </a:p>
-          <a:p>
-            <a:pPr lvl="1" algn="l"/>
-            <a:endParaRPr lang="is-IS" sz="400" dirty="0"/>
+              <a:rPr lang="en-US" sz="2000" dirty="0"/>
+              <a:t>, </a:t>
+            </a:r>
+            <a:r>
+              <a:rPr lang="en-US" sz="2000" dirty="0" err="1"/>
+              <a:t>ngAnimate</a:t>
+            </a:r>
+            <a:r>
+              <a:rPr lang="en-US" sz="2000" dirty="0"/>
+              <a:t>, </a:t>
+            </a:r>
+            <a:r>
+              <a:rPr lang="en-US" sz="2000" dirty="0" err="1"/>
+              <a:t>ngAria</a:t>
+            </a:r>
+            <a:r>
+              <a:rPr lang="en-US" sz="2000" dirty="0"/>
+              <a:t>. MDL has no dependencies but less features</a:t>
+            </a:r>
+          </a:p>
+          <a:p>
+            <a:pPr marL="342900" indent="-342900" algn="l">
+              <a:buFont typeface="Arial"/>
+              <a:buChar char="•"/>
+            </a:pPr>
+            <a:r>
+              <a:rPr lang="en-US" sz="2000" dirty="0" smtClean="0"/>
+              <a:t>AM </a:t>
+            </a:r>
+            <a:r>
+              <a:rPr lang="en-US" sz="2000" dirty="0"/>
+              <a:t>provides directives/components, MDL depends on classes + JS</a:t>
+            </a:r>
+          </a:p>
+          <a:p>
+            <a:pPr marL="342900" indent="-342900" algn="l">
+              <a:buFont typeface="Arial"/>
+              <a:buChar char="•"/>
+            </a:pPr>
+            <a:r>
+              <a:rPr lang="en-US" sz="2000" dirty="0" smtClean="0"/>
+              <a:t>Both </a:t>
+            </a:r>
+            <a:r>
+              <a:rPr lang="en-US" sz="2000" dirty="0"/>
+              <a:t>provide grid system + widgets like dialogs, badges, tabs, autocomplete</a:t>
+            </a:r>
+            <a:endParaRPr lang="is-IS" sz="1200" dirty="0"/>
           </a:p>
         </p:txBody>
       </p:sp>
     </p:spTree>
     <p:extLst>
       <p:ext uri="{BB962C8B-B14F-4D97-AF65-F5344CB8AC3E}">
-        <p14:creationId xmlns:p14="http://schemas.microsoft.com/office/powerpoint/2010/main" val="1685966677"/>
+        <p14:creationId xmlns:p14="http://schemas.microsoft.com/office/powerpoint/2010/main" val="3815891390"/>
       </p:ext>
     </p:extLst>
   </p:cSld>
@@ -6683,10 +6648,9 @@
           <a:lstStyle/>
           <a:p>
             <a:r>
-              <a:rPr lang="en-US" dirty="0" err="1"/>
-              <a:t>TypeScript</a:t>
-            </a:r>
-            <a:endParaRPr lang="en-US" dirty="0"/>
+              <a:rPr lang="en-US" dirty="0"/>
+              <a:t>Material in practice</a:t>
+            </a:r>
           </a:p>
         </p:txBody>
       </p:sp>
@@ -6708,7 +6672,7 @@
         </p:spPr>
         <p:txBody>
           <a:bodyPr>
-            <a:normAutofit lnSpcReduction="10000"/>
+            <a:normAutofit/>
           </a:bodyPr>
           <a:lstStyle/>
           <a:p>
@@ -6718,238 +6682,94 @@
             </a:pPr>
             <a:r>
               <a:rPr lang="en-US" sz="2000" dirty="0" smtClean="0"/>
-              <a:t>From </a:t>
-            </a:r>
-            <a:r>
-              <a:rPr lang="en-US" sz="2000" dirty="0"/>
-              <a:t>Microsoft, a compiled superset of </a:t>
+              <a:t>Provide </a:t>
+            </a:r>
+            <a:r>
+              <a:rPr lang="en-US" sz="2000" dirty="0"/>
+              <a:t>resources via link/script tags, module loader, </a:t>
             </a:r>
             <a:r>
               <a:rPr lang="en-US" sz="2000" dirty="0" err="1"/>
-              <a:t>Javascript</a:t>
-            </a:r>
-            <a:endParaRPr lang="en-US" sz="2000" dirty="0"/>
-          </a:p>
-          <a:p>
-            <a:pPr marL="342900" indent="-342900" algn="l">
-              <a:buFont typeface="Arial"/>
-              <a:buChar char="•"/>
-            </a:pPr>
-            <a:r>
-              <a:rPr lang="en-US" sz="2000" dirty="0" smtClean="0"/>
-              <a:t>All </a:t>
-            </a:r>
-            <a:r>
-              <a:rPr lang="en-US" sz="2000" dirty="0"/>
-              <a:t>valid JS is valid TS (theoretically - in practice often requires tweaking)</a:t>
-            </a:r>
-          </a:p>
-          <a:p>
-            <a:pPr marL="342900" indent="-342900" algn="l">
-              <a:buFont typeface="Arial"/>
-              <a:buChar char="•"/>
-            </a:pPr>
-            <a:r>
-              <a:rPr lang="en-US" sz="2000" dirty="0" smtClean="0"/>
-              <a:t>Adds </a:t>
-            </a:r>
-            <a:r>
-              <a:rPr lang="en-US" sz="2000" dirty="0"/>
-              <a:t>support for static typing</a:t>
-            </a:r>
-          </a:p>
-          <a:p>
-            <a:pPr marL="800100" lvl="1" indent="-342900" algn="l">
-              <a:buFont typeface="Arial"/>
-              <a:buChar char="•"/>
-            </a:pPr>
-            <a:r>
-              <a:rPr lang="en-US" sz="1600" dirty="0" smtClean="0"/>
-              <a:t>Specify </a:t>
-            </a:r>
-            <a:r>
-              <a:rPr lang="en-US" sz="1600" dirty="0"/>
-              <a:t>type when declaring </a:t>
-            </a:r>
-            <a:r>
-              <a:rPr lang="en-US" sz="1600" dirty="0" err="1"/>
-              <a:t>vars</a:t>
-            </a:r>
-            <a:r>
-              <a:rPr lang="en-US" sz="1600" dirty="0"/>
-              <a:t>, function arguments and return values, </a:t>
-            </a:r>
-            <a:r>
-              <a:rPr lang="en-US" sz="1600" dirty="0" err="1"/>
-              <a:t>etc</a:t>
-            </a:r>
-            <a:endParaRPr lang="en-US" sz="1600" dirty="0"/>
-          </a:p>
-          <a:p>
-            <a:pPr marL="800100" lvl="1" indent="-342900" algn="l">
-              <a:buFont typeface="Arial"/>
-              <a:buChar char="•"/>
-            </a:pPr>
-            <a:r>
-              <a:rPr lang="en-US" sz="1600" dirty="0" smtClean="0"/>
-              <a:t>Describe </a:t>
-            </a:r>
-            <a:r>
-              <a:rPr lang="en-US" sz="1600" dirty="0"/>
-              <a:t>custom types with a "declaration" file - describe interface</a:t>
-            </a:r>
-          </a:p>
-          <a:p>
-            <a:pPr marL="342900" indent="-342900" algn="l">
-              <a:buFont typeface="Arial"/>
-              <a:buChar char="•"/>
-            </a:pPr>
-            <a:r>
-              <a:rPr lang="en-US" sz="2000" dirty="0" smtClean="0"/>
-              <a:t>Adds </a:t>
-            </a:r>
-            <a:r>
-              <a:rPr lang="en-US" sz="2000" dirty="0"/>
-              <a:t>the common ES6 features</a:t>
-            </a:r>
-          </a:p>
-          <a:p>
-            <a:pPr marL="800100" lvl="1" indent="-342900" algn="l">
-              <a:buFont typeface="Arial"/>
-              <a:buChar char="•"/>
-            </a:pPr>
-            <a:r>
-              <a:rPr lang="en-US" sz="1600" dirty="0" smtClean="0"/>
-              <a:t>arrow </a:t>
-            </a:r>
-            <a:r>
-              <a:rPr lang="en-US" sz="1600" dirty="0"/>
-              <a:t>functions, classes, modules, let keyword, Map, Promise</a:t>
-            </a:r>
-          </a:p>
-          <a:p>
-            <a:pPr marL="800100" lvl="1" indent="-342900" algn="l">
-              <a:buFont typeface="Arial"/>
-              <a:buChar char="•"/>
-            </a:pPr>
-            <a:r>
-              <a:rPr lang="en-US" sz="1600" dirty="0" smtClean="0"/>
-              <a:t>Compatibility </a:t>
-            </a:r>
-            <a:r>
-              <a:rPr lang="en-US" sz="1600" dirty="0"/>
-              <a:t>table: http://</a:t>
-            </a:r>
-            <a:r>
-              <a:rPr lang="en-US" sz="1600" dirty="0" err="1"/>
-              <a:t>kangax.github.io</a:t>
-            </a:r>
-            <a:r>
-              <a:rPr lang="en-US" sz="1600" dirty="0"/>
-              <a:t>/</a:t>
-            </a:r>
-            <a:r>
-              <a:rPr lang="en-US" sz="1600" dirty="0" err="1"/>
-              <a:t>compat</a:t>
-            </a:r>
-            <a:r>
-              <a:rPr lang="en-US" sz="1600" dirty="0"/>
-              <a:t>-table/es6/</a:t>
-            </a:r>
-          </a:p>
-          <a:p>
-            <a:pPr marL="342900" indent="-342900" algn="l">
-              <a:buFont typeface="Arial"/>
-              <a:buChar char="•"/>
-            </a:pPr>
-            <a:r>
-              <a:rPr lang="en-US" sz="2000" dirty="0" smtClean="0"/>
-              <a:t>And </a:t>
-            </a:r>
-            <a:r>
-              <a:rPr lang="en-US" sz="2000" dirty="0"/>
-              <a:t>some unique features</a:t>
-            </a:r>
-          </a:p>
-          <a:p>
-            <a:pPr marL="800100" lvl="1" indent="-342900" algn="l">
-              <a:buFont typeface="Arial"/>
-              <a:buChar char="•"/>
-            </a:pPr>
-            <a:r>
-              <a:rPr lang="en-US" sz="1600" dirty="0" smtClean="0"/>
-              <a:t>@ </a:t>
-            </a:r>
-            <a:r>
-              <a:rPr lang="en-US" sz="1600" dirty="0"/>
-              <a:t>Decorator syntax (often referred to as annotation)</a:t>
-            </a:r>
-          </a:p>
-          <a:p>
-            <a:pPr marL="800100" lvl="1" indent="-342900" algn="l">
-              <a:buFont typeface="Arial"/>
-              <a:buChar char="•"/>
-            </a:pPr>
-            <a:r>
-              <a:rPr lang="en-US" sz="1600" dirty="0" smtClean="0"/>
-              <a:t>inline </a:t>
-            </a:r>
-            <a:r>
-              <a:rPr lang="en-US" sz="1600" dirty="0"/>
-              <a:t>variable type specification</a:t>
-            </a:r>
-          </a:p>
-          <a:p>
-            <a:pPr marL="342900" indent="-342900" algn="l">
-              <a:buFont typeface="Arial"/>
-              <a:buChar char="•"/>
-            </a:pPr>
-            <a:r>
-              <a:rPr lang="en-US" sz="2000" dirty="0" smtClean="0"/>
-              <a:t>Tutorial</a:t>
-            </a:r>
-            <a:r>
-              <a:rPr lang="en-US" sz="2000" dirty="0"/>
-              <a:t>: https://</a:t>
+              <a:t>npm</a:t>
+            </a:r>
+            <a:r>
+              <a:rPr lang="en-US" sz="2000" dirty="0"/>
+              <a:t> install or whatever</a:t>
+            </a:r>
+          </a:p>
+          <a:p>
+            <a:pPr marL="342900" indent="-342900" algn="l">
+              <a:buFont typeface="Arial"/>
+              <a:buChar char="•"/>
+            </a:pPr>
+            <a:r>
+              <a:rPr lang="en-US" sz="2000" dirty="0" smtClean="0"/>
+              <a:t>Add </a:t>
+            </a:r>
+            <a:r>
+              <a:rPr lang="en-US" sz="2000" dirty="0"/>
+              <a:t>'</a:t>
             </a:r>
             <a:r>
               <a:rPr lang="en-US" sz="2000" dirty="0" err="1"/>
-              <a:t>johnpapa.net</a:t>
-            </a:r>
-            <a:r>
-              <a:rPr lang="en-US" sz="2000" dirty="0"/>
-              <a:t>/typescriptpost1/</a:t>
-            </a:r>
-          </a:p>
-          <a:p>
-            <a:pPr marL="342900" indent="-342900" algn="l">
-              <a:buFont typeface="Arial"/>
-              <a:buChar char="•"/>
-            </a:pPr>
-            <a:r>
-              <a:rPr lang="en-US" sz="2000" dirty="0" smtClean="0"/>
-              <a:t>Quick </a:t>
-            </a:r>
-            <a:r>
-              <a:rPr lang="en-US" sz="2000" dirty="0"/>
-              <a:t>syntax reference: https://</a:t>
+              <a:t>ngMaterial</a:t>
+            </a:r>
+            <a:r>
+              <a:rPr lang="en-US" sz="2000" dirty="0"/>
+              <a:t>' as a dependency to the module declaration</a:t>
+            </a:r>
+          </a:p>
+          <a:p>
+            <a:pPr marL="342900" indent="-342900" algn="l">
+              <a:buFont typeface="Arial"/>
+              <a:buChar char="•"/>
+            </a:pPr>
+            <a:r>
+              <a:rPr lang="en-US" sz="2000" dirty="0" err="1" smtClean="0"/>
+              <a:t>Angular.module</a:t>
+            </a:r>
+            <a:r>
+              <a:rPr lang="en-US" sz="2000" dirty="0"/>
+              <a:t>('</a:t>
             </a:r>
             <a:r>
               <a:rPr lang="en-US" sz="2000" dirty="0" err="1"/>
-              <a:t>quizlet.com</a:t>
-            </a:r>
-            <a:r>
-              <a:rPr lang="en-US" sz="2000" dirty="0"/>
-              <a:t>/134674527/typescript-syntax-flash-cards/</a:t>
-            </a:r>
-            <a:endParaRPr lang="is-IS" sz="400" dirty="0"/>
+              <a:t>sbuxJukebox</a:t>
+            </a:r>
+            <a:r>
+              <a:rPr lang="en-US" sz="2000" dirty="0"/>
+              <a:t>', ['</a:t>
+            </a:r>
+            <a:r>
+              <a:rPr lang="en-US" sz="2000" dirty="0" err="1"/>
+              <a:t>ngMaterial</a:t>
+            </a:r>
+            <a:r>
+              <a:rPr lang="en-US" sz="2000" dirty="0"/>
+              <a:t>']);</a:t>
+            </a:r>
+          </a:p>
+          <a:p>
+            <a:pPr marL="342900" indent="-342900" algn="l">
+              <a:buFont typeface="Arial"/>
+              <a:buChar char="•"/>
+            </a:pPr>
+            <a:r>
+              <a:rPr lang="en-US" sz="2000" dirty="0" smtClean="0"/>
+              <a:t>Various </a:t>
+            </a:r>
+            <a:r>
+              <a:rPr lang="en-US" sz="2000" dirty="0"/>
+              <a:t>md- prefixed directives are now available</a:t>
+            </a:r>
+            <a:endParaRPr lang="is-IS" sz="1200" dirty="0"/>
           </a:p>
         </p:txBody>
       </p:sp>
     </p:spTree>
     <p:extLst>
       <p:ext uri="{BB962C8B-B14F-4D97-AF65-F5344CB8AC3E}">
-        <p14:creationId xmlns:p14="http://schemas.microsoft.com/office/powerpoint/2010/main" val="3737063361"/>
+        <p14:creationId xmlns:p14="http://schemas.microsoft.com/office/powerpoint/2010/main" val="2259782405"/>
       </p:ext>
     </p:extLst>
   </p:cSld>
@@ -7005,9 +6825,8 @@
           <a:p>
             <a:r>
               <a:rPr lang="en-US" dirty="0"/>
-              <a:t>Lab: Get started with Angular 2</a:t>
-            </a:r>
-            <a:endParaRPr lang="en-US" dirty="0"/>
+              <a:t>Material lab</a:t>
+            </a:r>
           </a:p>
         </p:txBody>
       </p:sp>
@@ -7039,154 +6858,70 @@
             </a:pPr>
             <a:r>
               <a:rPr lang="en-US" sz="2000" dirty="0" smtClean="0"/>
-              <a:t>Component </a:t>
-            </a:r>
-            <a:r>
-              <a:rPr lang="en-US" sz="2000" dirty="0"/>
-              <a:t>always specifies at least one template (</a:t>
+              <a:t>Add </a:t>
+            </a:r>
+            <a:r>
+              <a:rPr lang="en-US" sz="2000" dirty="0"/>
+              <a:t>an md-toolbar to the top of the page</a:t>
+            </a:r>
+          </a:p>
+          <a:p>
+            <a:pPr marL="342900" indent="-342900" algn="l">
+              <a:buFont typeface="Arial"/>
+              <a:buChar char="•"/>
+            </a:pPr>
+            <a:r>
+              <a:rPr lang="en-US" sz="2000" dirty="0" smtClean="0"/>
+              <a:t>Use </a:t>
+            </a:r>
+            <a:r>
+              <a:rPr lang="en-US" sz="2000" dirty="0"/>
+              <a:t>md-tabs to break up the content area</a:t>
+            </a:r>
+          </a:p>
+          <a:p>
+            <a:pPr marL="342900" indent="-342900" algn="l">
+              <a:buFont typeface="Arial"/>
+              <a:buChar char="•"/>
+            </a:pPr>
+            <a:r>
+              <a:rPr lang="en-US" sz="2000" dirty="0" smtClean="0"/>
+              <a:t>Add </a:t>
+            </a:r>
+            <a:r>
+              <a:rPr lang="en-US" sz="2000" dirty="0"/>
+              <a:t>an md-autocomplete to one of the tabs</a:t>
+            </a:r>
+          </a:p>
+          <a:p>
+            <a:pPr marL="342900" indent="-342900" algn="l">
+              <a:buFont typeface="Arial"/>
+              <a:buChar char="•"/>
+            </a:pPr>
+            <a:r>
+              <a:rPr lang="en-US" sz="2000" dirty="0" smtClean="0"/>
+              <a:t>Hook </a:t>
+            </a:r>
+            <a:r>
+              <a:rPr lang="en-US" sz="2000" dirty="0"/>
+              <a:t>up the </a:t>
             </a:r>
             <a:r>
               <a:rPr lang="en-US" sz="2000" dirty="0" err="1"/>
-              <a:t>mulitple</a:t>
-            </a:r>
-            <a:r>
-              <a:rPr lang="en-US" sz="2000" dirty="0"/>
-              <a:t> based on media query)</a:t>
-            </a:r>
-          </a:p>
-          <a:p>
-            <a:pPr marL="342900" indent="-342900" algn="l">
-              <a:buFont typeface="Arial"/>
-              <a:buChar char="•"/>
-            </a:pPr>
-            <a:r>
-              <a:rPr lang="en-US" sz="2000" dirty="0"/>
-              <a:t>  </a:t>
-            </a:r>
-            <a:r>
-              <a:rPr lang="en-US" sz="2000" dirty="0" smtClean="0"/>
-              <a:t>New </a:t>
-            </a:r>
-            <a:r>
-              <a:rPr lang="en-US" sz="2000" dirty="0"/>
-              <a:t>template syntax</a:t>
-            </a:r>
-          </a:p>
-          <a:p>
-            <a:pPr marL="342900" indent="-342900" algn="l">
-              <a:buFont typeface="Arial"/>
-              <a:buChar char="•"/>
-            </a:pPr>
-            <a:r>
-              <a:rPr lang="en-US" sz="2000" dirty="0"/>
-              <a:t>  </a:t>
-            </a:r>
-            <a:r>
-              <a:rPr lang="en-US" sz="2000" dirty="0" smtClean="0"/>
-              <a:t>ES6 </a:t>
-            </a:r>
-            <a:r>
-              <a:rPr lang="en-US" sz="2000" dirty="0"/>
-              <a:t>Class with constructor replaces Controller</a:t>
-            </a:r>
-          </a:p>
-          <a:p>
-            <a:pPr marL="342900" indent="-342900" algn="l">
-              <a:buFont typeface="Arial"/>
-              <a:buChar char="•"/>
-            </a:pPr>
-            <a:r>
-              <a:rPr lang="en-US" sz="2000" dirty="0"/>
-              <a:t>  </a:t>
-            </a:r>
-            <a:r>
-              <a:rPr lang="en-US" sz="2000" dirty="0" smtClean="0"/>
-              <a:t>Scope </a:t>
-            </a:r>
-            <a:r>
-              <a:rPr lang="en-US" sz="2000" dirty="0"/>
-              <a:t>is gone - properties of the ES6 Class now represent Component data</a:t>
-            </a:r>
-          </a:p>
-          <a:p>
-            <a:pPr marL="342900" indent="-342900" algn="l">
-              <a:buFont typeface="Arial"/>
-              <a:buChar char="•"/>
-            </a:pPr>
-            <a:r>
-              <a:rPr lang="en-US" sz="2000" dirty="0"/>
-              <a:t>  </a:t>
-            </a:r>
-            <a:r>
-              <a:rPr lang="en-US" sz="2000" dirty="0" smtClean="0"/>
-              <a:t>Input </a:t>
-            </a:r>
-            <a:r>
-              <a:rPr lang="en-US" sz="2000" dirty="0"/>
-              <a:t>and Output properties</a:t>
-            </a:r>
-          </a:p>
-          <a:p>
-            <a:pPr marL="342900" indent="-342900" algn="l">
-              <a:buFont typeface="Arial"/>
-              <a:buChar char="•"/>
-            </a:pPr>
-            <a:r>
-              <a:rPr lang="en-US" sz="2000" dirty="0"/>
-              <a:t>    </a:t>
-            </a:r>
-            <a:r>
-              <a:rPr lang="en-US" sz="2000" dirty="0" smtClean="0"/>
-              <a:t>Public </a:t>
-            </a:r>
-            <a:r>
-              <a:rPr lang="en-US" sz="2000" dirty="0"/>
-              <a:t>API of the Component</a:t>
-            </a:r>
-          </a:p>
-          <a:p>
-            <a:pPr marL="342900" indent="-342900" algn="l">
-              <a:buFont typeface="Arial"/>
-              <a:buChar char="•"/>
-            </a:pPr>
-            <a:r>
-              <a:rPr lang="en-US" sz="2000" dirty="0"/>
-              <a:t>    </a:t>
-            </a:r>
-            <a:r>
-              <a:rPr lang="en-US" sz="2000" dirty="0" smtClean="0"/>
-              <a:t>Binding </a:t>
-            </a:r>
-            <a:r>
-              <a:rPr lang="en-US" sz="2000" dirty="0"/>
-              <a:t>to Inputs remains familiar</a:t>
-            </a:r>
-          </a:p>
-          <a:p>
-            <a:pPr marL="342900" indent="-342900" algn="l">
-              <a:buFont typeface="Arial"/>
-              <a:buChar char="•"/>
-            </a:pPr>
-            <a:r>
-              <a:rPr lang="en-US" sz="2000" dirty="0"/>
-              <a:t>    </a:t>
-            </a:r>
-            <a:r>
-              <a:rPr lang="en-US" sz="2000" dirty="0" smtClean="0"/>
-              <a:t>Subscribe </a:t>
-            </a:r>
-            <a:r>
-              <a:rPr lang="en-US" sz="2000" dirty="0"/>
-              <a:t>to events for Output</a:t>
-            </a:r>
-            <a:endParaRPr lang="is-IS" sz="1600" dirty="0"/>
+              <a:t>songsAjax</a:t>
+            </a:r>
+            <a:r>
+              <a:rPr lang="en-US" sz="2000" dirty="0"/>
+              <a:t> service to the autocomplete</a:t>
+            </a:r>
+            <a:endParaRPr lang="is-IS" sz="1200" dirty="0"/>
           </a:p>
         </p:txBody>
       </p:sp>
     </p:spTree>
     <p:extLst>
       <p:ext uri="{BB962C8B-B14F-4D97-AF65-F5344CB8AC3E}">
-        <p14:creationId xmlns:p14="http://schemas.microsoft.com/office/powerpoint/2010/main" val="983647590"/>
+        <p14:creationId xmlns:p14="http://schemas.microsoft.com/office/powerpoint/2010/main" val="2829940313"/>
       </p:ext>
     </p:extLst>
   </p:cSld>
@@ -7242,9 +6977,8 @@
           <a:p>
             <a:r>
               <a:rPr lang="en-US" dirty="0"/>
-              <a:t>Lab: Get started with Angular 2</a:t>
-            </a:r>
-            <a:endParaRPr lang="en-US" dirty="0"/>
+              <a:t>Intro to Angular 2</a:t>
+            </a:r>
           </a:p>
         </p:txBody>
       </p:sp>
@@ -7276,174 +7010,455 @@
             </a:pPr>
             <a:r>
               <a:rPr lang="en-US" sz="2000" dirty="0" smtClean="0"/>
-              <a:t>Like 1.x, valid HTML + script tag pointing to </a:t>
-            </a:r>
+              <a:t>Targets </a:t>
+            </a:r>
+            <a:r>
+              <a:rPr lang="en-US" sz="2000" dirty="0"/>
+              <a:t>"evergreen" browsers - no legacy support (IE9+)</a:t>
+            </a:r>
+          </a:p>
+          <a:p>
+            <a:pPr marL="342900" indent="-342900" algn="l">
+              <a:buFont typeface="Arial"/>
+              <a:buChar char="•"/>
+            </a:pPr>
             <a:r>
               <a:rPr lang="en-US" sz="2000" dirty="0" err="1" smtClean="0"/>
-              <a:t>angular.js</a:t>
-            </a:r>
-            <a:endParaRPr lang="en-US" sz="2000" dirty="0" smtClean="0"/>
-          </a:p>
-          <a:p>
-            <a:pPr marL="342900" indent="-342900" algn="l">
-              <a:buFont typeface="Arial"/>
-              <a:buChar char="•"/>
-            </a:pPr>
-            <a:r>
-              <a:rPr lang="en-US" sz="2000" dirty="0" smtClean="0"/>
-              <a:t>Core </a:t>
-            </a:r>
+              <a:t>nG</a:t>
+            </a:r>
+            <a:r>
+              <a:rPr lang="en-US" sz="2000" dirty="0" smtClean="0"/>
+              <a:t> </a:t>
+            </a:r>
+            <a:r>
+              <a:rPr lang="en-US" sz="2000" dirty="0"/>
+              <a:t>2 is a major redesign, with many breaking changes</a:t>
+            </a:r>
+          </a:p>
+          <a:p>
+            <a:pPr marL="342900" indent="-342900" algn="l">
+              <a:buFont typeface="Arial"/>
+              <a:buChar char="•"/>
+            </a:pPr>
+            <a:r>
+              <a:rPr lang="en-US" sz="2000" dirty="0" smtClean="0"/>
+              <a:t>Emphasis </a:t>
+            </a:r>
+            <a:r>
+              <a:rPr lang="en-US" sz="2000" dirty="0"/>
+              <a:t>on moving towards HTML5 web components</a:t>
+            </a:r>
+          </a:p>
+          <a:p>
+            <a:pPr marL="342900" indent="-342900" algn="l">
+              <a:buFont typeface="Arial"/>
+              <a:buChar char="•"/>
+            </a:pPr>
             <a:r>
               <a:rPr lang="en-US" sz="2000" dirty="0" err="1" smtClean="0"/>
-              <a:t>angular.js</a:t>
-            </a:r>
-            <a:r>
-              <a:rPr lang="en-US" sz="2000" dirty="0" smtClean="0"/>
-              <a:t> is super stripped down</a:t>
-            </a:r>
-          </a:p>
-          <a:p>
-            <a:pPr marL="342900" indent="-342900" algn="l">
-              <a:buFont typeface="Arial"/>
-              <a:buChar char="•"/>
-            </a:pPr>
-            <a:r>
-              <a:rPr lang="en-US" sz="2000" dirty="0" smtClean="0"/>
-              <a:t>More script tags to include what you need</a:t>
-            </a:r>
-          </a:p>
-          <a:p>
-            <a:pPr marL="342900" indent="-342900" algn="l">
-              <a:buFont typeface="Arial"/>
-              <a:buChar char="•"/>
-            </a:pPr>
-            <a:r>
-              <a:rPr lang="en-US" sz="2000" dirty="0" smtClean="0"/>
-              <a:t>Notes on </a:t>
-            </a:r>
-            <a:r>
-              <a:rPr lang="en-US" sz="2000" dirty="0" err="1"/>
-              <a:t>SystemJS</a:t>
-            </a:r>
-            <a:r>
-              <a:rPr lang="en-US" sz="2000" dirty="0"/>
+              <a:t>TypeScript</a:t>
+            </a:r>
+            <a:r>
+              <a:rPr lang="en-US" sz="2000" dirty="0" smtClean="0"/>
               <a:t> </a:t>
             </a:r>
-            <a:endParaRPr lang="en-US" sz="2000" dirty="0" smtClean="0"/>
-          </a:p>
-          <a:p>
-            <a:pPr marL="800100" lvl="1" indent="-342900" algn="l">
-              <a:buFont typeface="Arial"/>
-              <a:buChar char="•"/>
-            </a:pPr>
-            <a:r>
-              <a:rPr lang="en-US" sz="1600" dirty="0" smtClean="0"/>
-              <a:t>It is </a:t>
-            </a:r>
-            <a:r>
-              <a:rPr lang="en-US" sz="1600" dirty="0"/>
-              <a:t>optional - other module loaders such as </a:t>
-            </a:r>
-            <a:r>
-              <a:rPr lang="en-US" sz="1600" dirty="0" err="1"/>
-              <a:t>Webpack</a:t>
-            </a:r>
-            <a:endParaRPr lang="en-US" sz="1600" dirty="0"/>
-          </a:p>
-          <a:p>
-            <a:pPr marL="800100" lvl="1" indent="-342900" algn="l">
-              <a:buFont typeface="Arial"/>
-              <a:buChar char="•"/>
-            </a:pPr>
-            <a:r>
-              <a:rPr lang="en-US" sz="1600" dirty="0" err="1" smtClean="0"/>
-              <a:t>SystemJS</a:t>
-            </a:r>
-            <a:r>
-              <a:rPr lang="en-US" sz="1600" dirty="0" smtClean="0"/>
-              <a:t> </a:t>
-            </a:r>
-            <a:r>
-              <a:rPr lang="en-US" sz="1600" dirty="0"/>
-              <a:t>is capable of </a:t>
-            </a:r>
-            <a:r>
-              <a:rPr lang="en-US" sz="1600" dirty="0" err="1"/>
-              <a:t>transpiling</a:t>
-            </a:r>
-            <a:r>
-              <a:rPr lang="en-US" sz="1600" dirty="0"/>
-              <a:t> on the fly (client side)</a:t>
-            </a:r>
-          </a:p>
-          <a:p>
-            <a:pPr marL="800100" lvl="1" indent="-342900" algn="l">
-              <a:buFont typeface="Arial"/>
-              <a:buChar char="•"/>
-            </a:pPr>
-            <a:r>
-              <a:rPr lang="en-US" sz="1600" dirty="0" smtClean="0"/>
-              <a:t>Not officially recommended</a:t>
-            </a:r>
-            <a:endParaRPr lang="en-US" sz="1600" dirty="0"/>
-          </a:p>
-          <a:p>
-            <a:pPr marL="800100" lvl="1" indent="-342900" algn="l">
-              <a:buFont typeface="Arial"/>
-              <a:buChar char="•"/>
-            </a:pPr>
-            <a:r>
-              <a:rPr lang="en-US" sz="1600" dirty="0" smtClean="0"/>
-              <a:t>But it </a:t>
-            </a:r>
-            <a:r>
-              <a:rPr lang="en-US" sz="1600" dirty="0"/>
-              <a:t>is faster than waiting for a watcher to recompile</a:t>
-            </a:r>
-          </a:p>
-          <a:p>
-            <a:pPr marL="800100" lvl="1" indent="-342900" algn="l">
-              <a:buFont typeface="Arial"/>
-              <a:buChar char="•"/>
-            </a:pPr>
-            <a:r>
-              <a:rPr lang="en-US" sz="1600" dirty="0" smtClean="0"/>
-              <a:t>Also code </a:t>
-            </a:r>
-            <a:r>
-              <a:rPr lang="en-US" sz="1600" dirty="0"/>
-              <a:t>will sometimes run in browser when the TSC compiler </a:t>
-            </a:r>
-            <a:r>
-              <a:rPr lang="en-US" sz="1600" dirty="0" smtClean="0"/>
-              <a:t>errors</a:t>
-            </a:r>
-          </a:p>
-          <a:p>
-            <a:pPr marL="800100" lvl="1" indent="-342900" algn="l">
-              <a:buFont typeface="Arial"/>
-              <a:buChar char="•"/>
-            </a:pPr>
-            <a:r>
-              <a:rPr lang="en-US" sz="1600" dirty="0" err="1" smtClean="0"/>
-              <a:t>tsc</a:t>
-            </a:r>
-            <a:r>
-              <a:rPr lang="en-US" sz="1600" dirty="0" smtClean="0"/>
-              <a:t> </a:t>
-            </a:r>
-            <a:r>
-              <a:rPr lang="en-US" sz="1600" dirty="0"/>
-              <a:t>depends more on definition files to provide typing</a:t>
-            </a:r>
-            <a:endParaRPr lang="is-IS" sz="1600" dirty="0"/>
+            <a:r>
+              <a:rPr lang="en-US" sz="2000" dirty="0"/>
+              <a:t>recommended</a:t>
+            </a:r>
+            <a:endParaRPr lang="is-IS" sz="1200" dirty="0"/>
           </a:p>
         </p:txBody>
       </p:sp>
     </p:spTree>
     <p:extLst>
       <p:ext uri="{BB962C8B-B14F-4D97-AF65-F5344CB8AC3E}">
-        <p14:creationId xmlns:p14="http://schemas.microsoft.com/office/powerpoint/2010/main" val="4014897445"/>
+        <p14:creationId xmlns:p14="http://schemas.microsoft.com/office/powerpoint/2010/main" val="1085034615"/>
+      </p:ext>
+    </p:extLst>
+  </p:cSld>
+  <p:clrMapOvr>
+    <a:masterClrMapping/>
+  </p:clrMapOvr>
+  <p:timing>
+    <p:tnLst>
+      <p:par>
+        <p:cTn xmlns:p14="http://schemas.microsoft.com/office/powerpoint/2010/main" id="1" dur="indefinite" restart="never" nodeType="tmRoot"/>
+      </p:par>
+    </p:tnLst>
+  </p:timing>
+</p:sld>
+</file>
+
+<file path=ppt/slides/slide28.xml><?xml version="1.0" encoding="utf-8"?>
+<p:sld xmlns:a="http://schemas.openxmlformats.org/drawingml/2006/main" xmlns:r="http://schemas.openxmlformats.org/officeDocument/2006/relationships" xmlns:p="http://schemas.openxmlformats.org/presentationml/2006/main">
+  <p:cSld>
+    <p:spTree>
+      <p:nvGrpSpPr>
+        <p:cNvPr id="1" name=""/>
+        <p:cNvGrpSpPr/>
+        <p:nvPr/>
+      </p:nvGrpSpPr>
+      <p:grpSpPr>
+        <a:xfrm>
+          <a:off x="0" y="0"/>
+          <a:ext cx="0" cy="0"/>
+          <a:chOff x="0" y="0"/>
+          <a:chExt cx="0" cy="0"/>
+        </a:xfrm>
+      </p:grpSpPr>
+      <p:sp>
+        <p:nvSpPr>
+          <p:cNvPr id="2" name="Title 1"/>
+          <p:cNvSpPr>
+            <a:spLocks noGrp="1"/>
+          </p:cNvSpPr>
+          <p:nvPr>
+            <p:ph type="ctrTitle"/>
+          </p:nvPr>
+        </p:nvSpPr>
+        <p:spPr>
+          <a:xfrm>
+            <a:off x="685800" y="160685"/>
+            <a:ext cx="7772400" cy="1470025"/>
+          </a:xfrm>
+        </p:spPr>
+        <p:txBody>
+          <a:bodyPr/>
+          <a:lstStyle/>
+          <a:p>
+            <a:r>
+              <a:rPr lang="en-US" dirty="0"/>
+              <a:t>Major changes</a:t>
+            </a:r>
+          </a:p>
+        </p:txBody>
+      </p:sp>
+      <p:sp>
+        <p:nvSpPr>
+          <p:cNvPr id="3" name="Subtitle 2"/>
+          <p:cNvSpPr>
+            <a:spLocks noGrp="1"/>
+          </p:cNvSpPr>
+          <p:nvPr>
+            <p:ph type="subTitle" idx="1"/>
+          </p:nvPr>
+        </p:nvSpPr>
+        <p:spPr>
+          <a:xfrm>
+            <a:off x="454651" y="1630710"/>
+            <a:ext cx="8371875" cy="4609893"/>
+          </a:xfrm>
+        </p:spPr>
+        <p:txBody>
+          <a:bodyPr>
+            <a:normAutofit/>
+          </a:bodyPr>
+          <a:lstStyle/>
+          <a:p>
+            <a:pPr marL="342900" indent="-342900" algn="l">
+              <a:buFont typeface="Arial"/>
+              <a:buChar char="•"/>
+            </a:pPr>
+            <a:r>
+              <a:rPr lang="en-US" sz="2000" dirty="0" smtClean="0"/>
+              <a:t>More </a:t>
+            </a:r>
+            <a:r>
+              <a:rPr lang="en-US" sz="2000" dirty="0"/>
+              <a:t>like a reboot</a:t>
+            </a:r>
+          </a:p>
+          <a:p>
+            <a:pPr marL="342900" indent="-342900" algn="l">
+              <a:buFont typeface="Arial"/>
+              <a:buChar char="•"/>
+            </a:pPr>
+            <a:r>
+              <a:rPr lang="en-US" sz="2000" dirty="0" smtClean="0"/>
+              <a:t>The </a:t>
+            </a:r>
+            <a:r>
+              <a:rPr lang="en-US" sz="2000" dirty="0"/>
+              <a:t>central API is now Components</a:t>
+            </a:r>
+          </a:p>
+          <a:p>
+            <a:pPr marL="342900" indent="-342900" algn="l">
+              <a:buFont typeface="Arial"/>
+              <a:buChar char="•"/>
+            </a:pPr>
+            <a:r>
+              <a:rPr lang="en-US" sz="2000" dirty="0" smtClean="0"/>
+              <a:t>Components </a:t>
+            </a:r>
+            <a:r>
+              <a:rPr lang="en-US" sz="2000" dirty="0"/>
+              <a:t>are a type of Directive, those are still around</a:t>
+            </a:r>
+          </a:p>
+          <a:p>
+            <a:pPr marL="342900" indent="-342900" algn="l">
+              <a:buFont typeface="Arial"/>
+              <a:buChar char="•"/>
+            </a:pPr>
+            <a:r>
+              <a:rPr lang="en-US" sz="2000" dirty="0" smtClean="0"/>
+              <a:t>Providers </a:t>
+            </a:r>
+            <a:r>
+              <a:rPr lang="en-US" sz="2000" dirty="0"/>
+              <a:t>are still around, but their sugar/subtypes have been removed</a:t>
+            </a:r>
+          </a:p>
+          <a:p>
+            <a:pPr marL="342900" indent="-342900" algn="l">
+              <a:buFont typeface="Arial"/>
+              <a:buChar char="•"/>
+            </a:pPr>
+            <a:r>
+              <a:rPr lang="en-US" sz="2000" dirty="0" smtClean="0"/>
+              <a:t>Large </a:t>
+            </a:r>
+            <a:r>
+              <a:rPr lang="en-US" sz="2000" dirty="0"/>
+              <a:t>portions of the API have been removed:</a:t>
+            </a:r>
+          </a:p>
+          <a:p>
+            <a:pPr marL="800100" lvl="1" indent="-342900" algn="l">
+              <a:buFont typeface="Arial"/>
+              <a:buChar char="•"/>
+            </a:pPr>
+            <a:r>
+              <a:rPr lang="en-US" sz="1600" dirty="0" err="1" smtClean="0"/>
+              <a:t>angular.module</a:t>
+            </a:r>
+            <a:r>
+              <a:rPr lang="en-US" sz="1600" dirty="0"/>
+              <a:t>, scope, controllers, filters, </a:t>
+            </a:r>
+            <a:r>
+              <a:rPr lang="en-US" sz="1600" dirty="0" err="1"/>
+              <a:t>ng</a:t>
+            </a:r>
+            <a:r>
+              <a:rPr lang="en-US" sz="1600" dirty="0"/>
+              <a:t>-app</a:t>
+            </a:r>
+          </a:p>
+          <a:p>
+            <a:pPr marL="342900" indent="-342900" algn="l">
+              <a:buFont typeface="Arial"/>
+              <a:buChar char="•"/>
+            </a:pPr>
+            <a:r>
+              <a:rPr lang="en-US" sz="2000" dirty="0" smtClean="0"/>
+              <a:t>Greater </a:t>
+            </a:r>
+            <a:r>
+              <a:rPr lang="en-US" sz="2000" dirty="0"/>
+              <a:t>reliance on dependency injection</a:t>
+            </a:r>
+          </a:p>
+          <a:p>
+            <a:pPr marL="800100" lvl="1" indent="-342900" algn="l">
+              <a:buFont typeface="Arial"/>
+              <a:buChar char="•"/>
+            </a:pPr>
+            <a:r>
+              <a:rPr lang="en-US" sz="1600" dirty="0" smtClean="0"/>
+              <a:t>nG2 </a:t>
+            </a:r>
+            <a:r>
+              <a:rPr lang="en-US" sz="1600" dirty="0"/>
+              <a:t>only includes minimum functionality by default</a:t>
+            </a:r>
+          </a:p>
+          <a:p>
+            <a:pPr marL="800100" lvl="1" indent="-342900" algn="l">
+              <a:buFont typeface="Arial"/>
+              <a:buChar char="•"/>
+            </a:pPr>
+            <a:r>
+              <a:rPr lang="en-US" sz="1600" dirty="0" smtClean="0"/>
+              <a:t>Gotcha</a:t>
+            </a:r>
+            <a:r>
+              <a:rPr lang="en-US" sz="1600" dirty="0"/>
+              <a:t>: common "undefined" or "not a function" errors when you forget an import</a:t>
+            </a:r>
+            <a:endParaRPr lang="is-IS" sz="800" dirty="0"/>
+          </a:p>
+        </p:txBody>
+      </p:sp>
+    </p:spTree>
+    <p:extLst>
+      <p:ext uri="{BB962C8B-B14F-4D97-AF65-F5344CB8AC3E}">
+        <p14:creationId xmlns:p14="http://schemas.microsoft.com/office/powerpoint/2010/main" val="2746077353"/>
+      </p:ext>
+    </p:extLst>
+  </p:cSld>
+  <p:clrMapOvr>
+    <a:masterClrMapping/>
+  </p:clrMapOvr>
+  <p:timing>
+    <p:tnLst>
+      <p:par>
+        <p:cTn xmlns:p14="http://schemas.microsoft.com/office/powerpoint/2010/main" id="1" dur="indefinite" restart="never" nodeType="tmRoot"/>
+      </p:par>
+    </p:tnLst>
+  </p:timing>
+</p:sld>
+</file>
+
+<file path=ppt/slides/slide29.xml><?xml version="1.0" encoding="utf-8"?>
+<p:sld xmlns:a="http://schemas.openxmlformats.org/drawingml/2006/main" xmlns:r="http://schemas.openxmlformats.org/officeDocument/2006/relationships" xmlns:p="http://schemas.openxmlformats.org/presentationml/2006/main">
+  <p:cSld>
+    <p:spTree>
+      <p:nvGrpSpPr>
+        <p:cNvPr id="1" name=""/>
+        <p:cNvGrpSpPr/>
+        <p:nvPr/>
+      </p:nvGrpSpPr>
+      <p:grpSpPr>
+        <a:xfrm>
+          <a:off x="0" y="0"/>
+          <a:ext cx="0" cy="0"/>
+          <a:chOff x="0" y="0"/>
+          <a:chExt cx="0" cy="0"/>
+        </a:xfrm>
+      </p:grpSpPr>
+      <p:sp>
+        <p:nvSpPr>
+          <p:cNvPr id="2" name="Title 1"/>
+          <p:cNvSpPr>
+            <a:spLocks noGrp="1"/>
+          </p:cNvSpPr>
+          <p:nvPr>
+            <p:ph type="ctrTitle"/>
+          </p:nvPr>
+        </p:nvSpPr>
+        <p:spPr>
+          <a:xfrm>
+            <a:off x="685800" y="160685"/>
+            <a:ext cx="7772400" cy="1470025"/>
+          </a:xfrm>
+        </p:spPr>
+        <p:txBody>
+          <a:bodyPr/>
+          <a:lstStyle/>
+          <a:p>
+            <a:r>
+              <a:rPr lang="en-US" dirty="0"/>
+              <a:t>Advantages </a:t>
+            </a:r>
+            <a:r>
+              <a:rPr lang="en-US" dirty="0" smtClean="0"/>
+              <a:t>gained</a:t>
+            </a:r>
+            <a:endParaRPr lang="en-US" dirty="0"/>
+          </a:p>
+        </p:txBody>
+      </p:sp>
+      <p:sp>
+        <p:nvSpPr>
+          <p:cNvPr id="3" name="Subtitle 2"/>
+          <p:cNvSpPr>
+            <a:spLocks noGrp="1"/>
+          </p:cNvSpPr>
+          <p:nvPr>
+            <p:ph type="subTitle" idx="1"/>
+          </p:nvPr>
+        </p:nvSpPr>
+        <p:spPr>
+          <a:xfrm>
+            <a:off x="454651" y="1630710"/>
+            <a:ext cx="8371875" cy="4609893"/>
+          </a:xfrm>
+        </p:spPr>
+        <p:txBody>
+          <a:bodyPr>
+            <a:normAutofit/>
+          </a:bodyPr>
+          <a:lstStyle/>
+          <a:p>
+            <a:pPr marL="342900" indent="-342900" algn="l">
+              <a:buFont typeface="Arial"/>
+              <a:buChar char="•"/>
+            </a:pPr>
+            <a:r>
+              <a:rPr lang="en-US" sz="2000" dirty="0" smtClean="0"/>
+              <a:t>Smaller</a:t>
+            </a:r>
+            <a:r>
+              <a:rPr lang="en-US" sz="2000" dirty="0"/>
+              <a:t>, more consistent API</a:t>
+            </a:r>
+          </a:p>
+          <a:p>
+            <a:pPr marL="342900" indent="-342900" algn="l">
+              <a:buFont typeface="Arial"/>
+              <a:buChar char="•"/>
+            </a:pPr>
+            <a:r>
+              <a:rPr lang="en-US" sz="2000" dirty="0" smtClean="0"/>
+              <a:t>Greater </a:t>
+            </a:r>
+            <a:r>
+              <a:rPr lang="en-US" sz="2000" dirty="0"/>
+              <a:t>modularity/DI - import only what you need means smaller downloads</a:t>
+            </a:r>
+          </a:p>
+          <a:p>
+            <a:pPr marL="342900" indent="-342900" algn="l">
+              <a:buFont typeface="Arial"/>
+              <a:buChar char="•"/>
+            </a:pPr>
+            <a:r>
+              <a:rPr lang="en-US" sz="2000" dirty="0" smtClean="0"/>
+              <a:t>Greater </a:t>
+            </a:r>
+            <a:r>
+              <a:rPr lang="en-US" sz="2000" dirty="0"/>
+              <a:t>separation from DOM - testing, IDE support</a:t>
+            </a:r>
+          </a:p>
+          <a:p>
+            <a:pPr marL="342900" indent="-342900" algn="l">
+              <a:buFont typeface="Arial"/>
+              <a:buChar char="•"/>
+            </a:pPr>
+            <a:r>
+              <a:rPr lang="en-US" sz="2000" dirty="0" smtClean="0"/>
+              <a:t>Performance </a:t>
+            </a:r>
+            <a:r>
+              <a:rPr lang="en-US" sz="2000" dirty="0"/>
+              <a:t>speedups primarily due to jettisoning digest checking</a:t>
+            </a:r>
+          </a:p>
+          <a:p>
+            <a:pPr marL="342900" indent="-342900" algn="l">
+              <a:buFont typeface="Arial"/>
+              <a:buChar char="•"/>
+            </a:pPr>
+            <a:r>
+              <a:rPr lang="en-US" sz="2000" dirty="0" smtClean="0"/>
+              <a:t>Aligns </a:t>
+            </a:r>
+            <a:r>
+              <a:rPr lang="en-US" sz="2000" dirty="0"/>
+              <a:t>closer with the future of web components</a:t>
+            </a:r>
+            <a:endParaRPr lang="is-IS" sz="800" dirty="0"/>
+          </a:p>
+        </p:txBody>
+      </p:sp>
+    </p:spTree>
+    <p:extLst>
+      <p:ext uri="{BB962C8B-B14F-4D97-AF65-F5344CB8AC3E}">
+        <p14:creationId xmlns:p14="http://schemas.microsoft.com/office/powerpoint/2010/main" val="3749434534"/>
       </p:ext>
     </p:extLst>
   </p:cSld>
@@ -7499,9 +7514,8 @@
           <a:p>
             <a:r>
               <a:rPr lang="en-US" dirty="0"/>
-              <a:t>Dependency Injection - Overview</a:t>
-            </a:r>
-            <a:endParaRPr lang="en-US" dirty="0"/>
+              <a:t>Controllers</a:t>
+            </a:r>
           </a:p>
         </p:txBody>
       </p:sp>
@@ -7523,7 +7537,7 @@
         </p:spPr>
         <p:txBody>
           <a:bodyPr>
-            <a:normAutofit fontScale="85000" lnSpcReduction="10000"/>
+            <a:normAutofit/>
           </a:bodyPr>
           <a:lstStyle/>
           <a:p>
@@ -7533,30 +7547,17 @@
             </a:pPr>
             <a:r>
               <a:rPr lang="en-US" sz="2400" dirty="0" smtClean="0"/>
-              <a:t>DI </a:t>
+              <a:t>Recipe</a:t>
             </a:r>
             <a:r>
               <a:rPr lang="en-US" sz="2400" dirty="0"/>
-              <a:t>is a design pattern which implements a principle named Inversion Of Control</a:t>
-            </a:r>
-          </a:p>
-          <a:p>
-            <a:pPr marL="342900" indent="-342900" algn="l">
-              <a:buFont typeface="Arial"/>
-              <a:buChar char="•"/>
-            </a:pPr>
+              <a:t>: from reference to </a:t>
+            </a:r>
             <a:r>
               <a:rPr lang="en-US" sz="2400" dirty="0" err="1" smtClean="0"/>
-              <a:t>IoC</a:t>
-            </a:r>
-            <a:r>
-              <a:rPr lang="en-US" sz="2400" dirty="0" smtClean="0"/>
-              <a:t> </a:t>
-            </a:r>
-            <a:r>
-              <a:rPr lang="en-US" sz="2400" dirty="0"/>
-              <a:t>means this code knows as little as possible about code it calls. Instead,</a:t>
-            </a:r>
+              <a:t>angular.module</a:t>
+            </a:r>
+            <a:endParaRPr lang="en-US" sz="2400" dirty="0"/>
           </a:p>
           <a:p>
             <a:pPr marL="800100" lvl="1" indent="-342900" algn="l">
@@ -7565,39 +7566,19 @@
             </a:pPr>
             <a:r>
               <a:rPr lang="en-US" sz="2000" dirty="0" smtClean="0"/>
-              <a:t>this </a:t>
-            </a:r>
-            <a:r>
-              <a:rPr lang="en-US" sz="2000" dirty="0"/>
-              <a:t>code states its dependencies</a:t>
-            </a:r>
-          </a:p>
-          <a:p>
-            <a:pPr marL="800100" lvl="1" indent="-342900" algn="l">
-              <a:buFont typeface="Arial"/>
-              <a:buChar char="•"/>
-            </a:pPr>
-            <a:r>
-              <a:rPr lang="en-US" sz="2000" dirty="0" smtClean="0"/>
-              <a:t>the </a:t>
-            </a:r>
-            <a:r>
-              <a:rPr lang="en-US" sz="2000" dirty="0"/>
-              <a:t>"injector" is responsible for "providing" them</a:t>
-            </a:r>
-          </a:p>
-          <a:p>
-            <a:pPr marL="800100" lvl="1" indent="-342900" algn="l">
-              <a:buFont typeface="Arial"/>
-              <a:buChar char="•"/>
-            </a:pPr>
-            <a:r>
-              <a:rPr lang="en-US" sz="2000" dirty="0" smtClean="0"/>
-              <a:t>injector </a:t>
-            </a:r>
-            <a:r>
-              <a:rPr lang="en-US" sz="2000" dirty="0"/>
-              <a:t>handles </a:t>
+              <a:t>.</a:t>
+            </a:r>
+            <a:r>
+              <a:rPr lang="en-US" sz="2000" dirty="0"/>
+              <a:t>controller('</a:t>
+            </a:r>
+            <a:r>
+              <a:rPr lang="en-US" sz="2000" dirty="0" err="1"/>
+              <a:t>cntrlName</a:t>
+            </a:r>
+            <a:r>
+              <a:rPr lang="en-US" sz="2000" dirty="0"/>
+              <a:t>', function(dependencies) { ...</a:t>
             </a:r>
             <a:r>
               <a:rPr lang="en-US" sz="2000" dirty="0" err="1"/>
@@ -7605,173 +7586,1513 @@
             </a:r>
             <a:r>
               <a:rPr lang="en-US" sz="2000" dirty="0"/>
-              <a:t>, waiting for load, </a:t>
-            </a:r>
-            <a:r>
-              <a:rPr lang="en-US" sz="2000" dirty="0" err="1"/>
-              <a:t>etc</a:t>
+              <a:t> })</a:t>
+            </a:r>
+          </a:p>
+          <a:p>
+            <a:pPr marL="342900" indent="-342900" algn="l">
+              <a:buFont typeface="Arial"/>
+              <a:buChar char="•"/>
+            </a:pPr>
+            <a:r>
+              <a:rPr lang="en-US" sz="2400" dirty="0" smtClean="0"/>
+              <a:t>In </a:t>
+            </a:r>
+            <a:r>
+              <a:rPr lang="en-US" sz="2400" dirty="0"/>
+              <a:t>HTML, add </a:t>
+            </a:r>
+            <a:r>
+              <a:rPr lang="en-US" sz="2400" dirty="0" err="1"/>
+              <a:t>ng</a:t>
+            </a:r>
+            <a:r>
+              <a:rPr lang="en-US" sz="2400" dirty="0"/>
+              <a:t>-controller directive with name as the </a:t>
+            </a:r>
+            <a:r>
+              <a:rPr lang="en-US" sz="2400" dirty="0" smtClean="0"/>
+              <a:t>value:</a:t>
+            </a:r>
+            <a:endParaRPr lang="en-US" sz="2400" dirty="0"/>
+          </a:p>
+          <a:p>
+            <a:pPr marL="342900" indent="-342900" algn="l">
+              <a:buFont typeface="Arial"/>
+              <a:buChar char="•"/>
+            </a:pPr>
+            <a:r>
+              <a:rPr lang="en-US" sz="2400" dirty="0" smtClean="0"/>
+              <a:t>&lt;</a:t>
+            </a:r>
+            <a:r>
+              <a:rPr lang="en-US" sz="2400" dirty="0"/>
+              <a:t>p </a:t>
+            </a:r>
+            <a:r>
+              <a:rPr lang="en-US" sz="2400" dirty="0" err="1"/>
+              <a:t>ng</a:t>
+            </a:r>
+            <a:r>
+              <a:rPr lang="en-US" sz="2400" dirty="0"/>
+              <a:t>-controller="</a:t>
+            </a:r>
+            <a:r>
+              <a:rPr lang="en-US" sz="2400" dirty="0" err="1"/>
+              <a:t>cntrlName</a:t>
+            </a:r>
+            <a:r>
+              <a:rPr lang="en-US" sz="2400" dirty="0"/>
+              <a:t>"&gt;Controller owns </a:t>
+            </a:r>
+            <a:r>
+              <a:rPr lang="en-US" sz="2400" dirty="0" smtClean="0"/>
+              <a:t>this&lt;</a:t>
+            </a:r>
+            <a:r>
+              <a:rPr lang="en-US" sz="2400" dirty="0"/>
+              <a:t>/p&gt;</a:t>
+            </a:r>
+          </a:p>
+          <a:p>
+            <a:pPr marL="342900" indent="-342900" algn="l">
+              <a:buFont typeface="Arial"/>
+              <a:buChar char="•"/>
+            </a:pPr>
+            <a:r>
+              <a:rPr lang="en-US" sz="2400" dirty="0" err="1" smtClean="0"/>
+              <a:t>nG</a:t>
+            </a:r>
+            <a:r>
+              <a:rPr lang="en-US" sz="2400" dirty="0" smtClean="0"/>
+              <a:t> Controllers should be </a:t>
+            </a:r>
+            <a:r>
+              <a:rPr lang="en-US" sz="2400" dirty="0" err="1" smtClean="0"/>
+              <a:t>ViewModels</a:t>
+            </a:r>
+            <a:r>
+              <a:rPr lang="en-US" sz="2400" dirty="0" smtClean="0"/>
+              <a:t> (MVVM)</a:t>
+            </a:r>
+            <a:endParaRPr lang="en-US" sz="2400" dirty="0"/>
+          </a:p>
+          <a:p>
+            <a:pPr marL="800100" lvl="1" indent="-342900" algn="l">
+              <a:buFont typeface="Arial"/>
+              <a:buChar char="•"/>
+            </a:pPr>
+            <a:r>
+              <a:rPr lang="en-US" sz="2000" dirty="0" smtClean="0"/>
+              <a:t>Only </a:t>
+            </a:r>
+            <a:r>
+              <a:rPr lang="en-US" sz="2000" dirty="0"/>
+              <a:t>coordinate data flow between the </a:t>
+            </a:r>
+            <a:r>
+              <a:rPr lang="en-US" sz="2000" dirty="0" smtClean="0"/>
+              <a:t>model </a:t>
+            </a:r>
+            <a:r>
+              <a:rPr lang="en-US" sz="2000" dirty="0"/>
+              <a:t>and view</a:t>
+            </a:r>
+          </a:p>
+          <a:p>
+            <a:pPr marL="800100" lvl="1" indent="-342900" algn="l">
+              <a:buFont typeface="Arial"/>
+              <a:buChar char="•"/>
+            </a:pPr>
+            <a:r>
+              <a:rPr lang="en-US" sz="2000" dirty="0"/>
+              <a:t>More complex logic should live in a service</a:t>
+            </a:r>
+          </a:p>
+          <a:p>
+            <a:pPr marL="342900" indent="-342900" algn="l">
+              <a:buFont typeface="Arial"/>
+              <a:buChar char="•"/>
+            </a:pPr>
+            <a:r>
+              <a:rPr lang="en-US" sz="2400" dirty="0"/>
+              <a:t>Controllers should never reference </a:t>
+            </a:r>
+            <a:r>
+              <a:rPr lang="en-US" sz="2400" dirty="0" smtClean="0"/>
+              <a:t>DOM</a:t>
+            </a:r>
+          </a:p>
+          <a:p>
+            <a:pPr marL="800100" lvl="1" indent="-342900" algn="l">
+              <a:buFont typeface="Arial"/>
+              <a:buChar char="•"/>
+            </a:pPr>
+            <a:r>
+              <a:rPr lang="en-US" sz="2000" dirty="0" smtClean="0"/>
+              <a:t>Directives have single responsibility for DOM mods</a:t>
+            </a:r>
+          </a:p>
+          <a:p>
+            <a:pPr marL="800100" lvl="1" indent="-342900" algn="l">
+              <a:buFont typeface="Arial"/>
+              <a:buChar char="•"/>
+            </a:pPr>
+            <a:r>
+              <a:rPr lang="en-US" sz="2000" dirty="0" smtClean="0"/>
+              <a:t>Complicates testing</a:t>
             </a:r>
             <a:endParaRPr lang="en-US" sz="2000" dirty="0"/>
-          </a:p>
-          <a:p>
-            <a:pPr marL="800100" lvl="1" indent="-342900" algn="l">
-              <a:buFont typeface="Arial"/>
-              <a:buChar char="•"/>
-            </a:pPr>
-            <a:r>
-              <a:rPr lang="en-US" sz="2000" dirty="0" smtClean="0"/>
-              <a:t>this </a:t>
-            </a:r>
-            <a:r>
-              <a:rPr lang="en-US" sz="2000" dirty="0"/>
-              <a:t>code just uses dependency without knowing any details</a:t>
-            </a:r>
-          </a:p>
-          <a:p>
-            <a:pPr marL="342900" indent="-342900" algn="l">
-              <a:buFont typeface="Arial"/>
-              <a:buChar char="•"/>
-            </a:pPr>
-            <a:r>
-              <a:rPr lang="en-US" sz="2400" dirty="0" smtClean="0"/>
-              <a:t>Benefits</a:t>
-            </a:r>
-            <a:endParaRPr lang="en-US" sz="2400" dirty="0"/>
-          </a:p>
-          <a:p>
-            <a:pPr marL="800100" lvl="1" indent="-342900" algn="l">
-              <a:buFont typeface="Arial"/>
-              <a:buChar char="•"/>
-            </a:pPr>
-            <a:r>
-              <a:rPr lang="en-US" sz="2000" dirty="0" smtClean="0"/>
-              <a:t>Promotes </a:t>
-            </a:r>
-            <a:r>
-              <a:rPr lang="en-US" sz="2000" dirty="0"/>
-              <a:t>lots of architecture best practices</a:t>
-            </a:r>
-          </a:p>
-          <a:p>
-            <a:pPr marL="800100" lvl="1" indent="-342900" algn="l">
-              <a:buFont typeface="Arial"/>
-              <a:buChar char="•"/>
-            </a:pPr>
-            <a:r>
-              <a:rPr lang="en-US" sz="2000" dirty="0" smtClean="0"/>
-              <a:t>Provide </a:t>
-            </a:r>
-            <a:r>
-              <a:rPr lang="en-US" sz="2000" dirty="0"/>
-              <a:t>can be just-in-time: </a:t>
-            </a:r>
-            <a:r>
-              <a:rPr lang="en-US" sz="2000" dirty="0" err="1"/>
-              <a:t>dont</a:t>
-            </a:r>
-            <a:r>
-              <a:rPr lang="en-US" sz="2000" dirty="0"/>
-              <a:t> have to load all dependencies initially</a:t>
-            </a:r>
-          </a:p>
-          <a:p>
-            <a:pPr marL="800100" lvl="1" indent="-342900" algn="l">
-              <a:buFont typeface="Arial"/>
-              <a:buChar char="•"/>
-            </a:pPr>
-            <a:r>
-              <a:rPr lang="en-US" sz="2000" dirty="0" smtClean="0"/>
-              <a:t>Swappable </a:t>
-            </a:r>
-            <a:r>
-              <a:rPr lang="en-US" sz="2000" dirty="0"/>
-              <a:t>with a mock object at test time</a:t>
-            </a:r>
-          </a:p>
-          <a:p>
-            <a:pPr marL="800100" lvl="1" indent="-342900" algn="l">
-              <a:buFont typeface="Arial"/>
-              <a:buChar char="•"/>
-            </a:pPr>
-            <a:r>
-              <a:rPr lang="en-US" sz="2000" dirty="0" smtClean="0"/>
-              <a:t>Excellent </a:t>
-            </a:r>
-            <a:r>
-              <a:rPr lang="en-US" sz="2000" dirty="0"/>
-              <a:t>solution for </a:t>
-            </a:r>
-            <a:r>
-              <a:rPr lang="en-US" sz="2000" dirty="0" err="1"/>
-              <a:t>async</a:t>
-            </a:r>
-            <a:r>
-              <a:rPr lang="en-US" sz="2000" dirty="0"/>
-              <a:t> environment like browser</a:t>
-            </a:r>
-          </a:p>
-          <a:p>
-            <a:pPr marL="342900" indent="-342900" algn="l">
-              <a:buFont typeface="Arial"/>
-              <a:buChar char="•"/>
-            </a:pPr>
-            <a:r>
-              <a:rPr lang="en-US" sz="2400" dirty="0" smtClean="0"/>
-              <a:t>Drawbacks</a:t>
-            </a:r>
-            <a:endParaRPr lang="en-US" sz="2400" dirty="0"/>
-          </a:p>
-          <a:p>
-            <a:pPr marL="800100" lvl="1" indent="-342900" algn="l">
-              <a:buFont typeface="Arial"/>
-              <a:buChar char="•"/>
-            </a:pPr>
-            <a:r>
-              <a:rPr lang="en-US" sz="2000" dirty="0" smtClean="0"/>
-              <a:t>Debugging </a:t>
-            </a:r>
-            <a:r>
-              <a:rPr lang="en-US" sz="2000" dirty="0"/>
-              <a:t>context: breakpoint or </a:t>
-            </a:r>
-            <a:r>
-              <a:rPr lang="en-US" sz="2000" dirty="0" err="1"/>
-              <a:t>console.log</a:t>
-            </a:r>
-            <a:r>
-              <a:rPr lang="en-US" sz="2000" dirty="0"/>
-              <a:t> can be deeply nested in injectors</a:t>
-            </a:r>
-          </a:p>
-          <a:p>
-            <a:pPr marL="800100" lvl="1" indent="-342900" algn="l">
-              <a:buFont typeface="Arial"/>
-              <a:buChar char="•"/>
-            </a:pPr>
-            <a:r>
-              <a:rPr lang="en-US" sz="2000" dirty="0" smtClean="0"/>
-              <a:t>Syntax</a:t>
-            </a:r>
-            <a:r>
-              <a:rPr lang="en-US" sz="2000" dirty="0"/>
-              <a:t>/implementation can be </a:t>
-            </a:r>
-            <a:r>
-              <a:rPr lang="en-US" sz="2000" dirty="0" err="1"/>
-              <a:t>automagical</a:t>
-            </a:r>
-            <a:r>
-              <a:rPr lang="en-US" sz="2000" dirty="0"/>
-              <a:t>: injector is a black box</a:t>
-            </a:r>
-            <a:endParaRPr lang="en-US" sz="1600" dirty="0"/>
           </a:p>
         </p:txBody>
       </p:sp>
     </p:spTree>
     <p:extLst>
       <p:ext uri="{BB962C8B-B14F-4D97-AF65-F5344CB8AC3E}">
-        <p14:creationId xmlns:p14="http://schemas.microsoft.com/office/powerpoint/2010/main" val="4200027496"/>
+        <p14:creationId xmlns:p14="http://schemas.microsoft.com/office/powerpoint/2010/main" val="4272661832"/>
+      </p:ext>
+    </p:extLst>
+  </p:cSld>
+  <p:clrMapOvr>
+    <a:masterClrMapping/>
+  </p:clrMapOvr>
+</p:sld>
+</file>
+
+<file path=ppt/slides/slide30.xml><?xml version="1.0" encoding="utf-8"?>
+<p:sld xmlns:a="http://schemas.openxmlformats.org/drawingml/2006/main" xmlns:r="http://schemas.openxmlformats.org/officeDocument/2006/relationships" xmlns:p="http://schemas.openxmlformats.org/presentationml/2006/main">
+  <p:cSld>
+    <p:spTree>
+      <p:nvGrpSpPr>
+        <p:cNvPr id="1" name=""/>
+        <p:cNvGrpSpPr/>
+        <p:nvPr/>
+      </p:nvGrpSpPr>
+      <p:grpSpPr>
+        <a:xfrm>
+          <a:off x="0" y="0"/>
+          <a:ext cx="0" cy="0"/>
+          <a:chOff x="0" y="0"/>
+          <a:chExt cx="0" cy="0"/>
+        </a:xfrm>
+      </p:grpSpPr>
+      <p:sp>
+        <p:nvSpPr>
+          <p:cNvPr id="2" name="Title 1"/>
+          <p:cNvSpPr>
+            <a:spLocks noGrp="1"/>
+          </p:cNvSpPr>
+          <p:nvPr>
+            <p:ph type="ctrTitle"/>
+          </p:nvPr>
+        </p:nvSpPr>
+        <p:spPr>
+          <a:xfrm>
+            <a:off x="685800" y="160685"/>
+            <a:ext cx="7772400" cy="1470025"/>
+          </a:xfrm>
+        </p:spPr>
+        <p:txBody>
+          <a:bodyPr/>
+          <a:lstStyle/>
+          <a:p>
+            <a:r>
+              <a:rPr lang="en-US" dirty="0"/>
+              <a:t>A word of caution</a:t>
+            </a:r>
+          </a:p>
+        </p:txBody>
+      </p:sp>
+      <p:sp>
+        <p:nvSpPr>
+          <p:cNvPr id="3" name="Subtitle 2"/>
+          <p:cNvSpPr>
+            <a:spLocks noGrp="1"/>
+          </p:cNvSpPr>
+          <p:nvPr>
+            <p:ph type="subTitle" idx="1"/>
+          </p:nvPr>
+        </p:nvSpPr>
+        <p:spPr>
+          <a:xfrm>
+            <a:off x="454651" y="1630710"/>
+            <a:ext cx="8371875" cy="4609893"/>
+          </a:xfrm>
+        </p:spPr>
+        <p:txBody>
+          <a:bodyPr>
+            <a:normAutofit/>
+          </a:bodyPr>
+          <a:lstStyle/>
+          <a:p>
+            <a:pPr marL="342900" indent="-342900" algn="l">
+              <a:buFont typeface="Arial"/>
+              <a:buChar char="•"/>
+            </a:pPr>
+            <a:r>
+              <a:rPr lang="en-US" sz="2000" dirty="0" err="1" smtClean="0"/>
+              <a:t>nG</a:t>
+            </a:r>
+            <a:r>
+              <a:rPr lang="en-US" sz="2000" dirty="0" smtClean="0"/>
+              <a:t> </a:t>
+            </a:r>
+            <a:r>
+              <a:rPr lang="en-US" sz="2000" dirty="0"/>
+              <a:t>2 </a:t>
+            </a:r>
+            <a:r>
+              <a:rPr lang="en-US" sz="2000" dirty="0" smtClean="0"/>
+              <a:t>is officially in beta. </a:t>
+            </a:r>
+            <a:r>
+              <a:rPr lang="en-US" sz="2000" dirty="0"/>
+              <a:t>What does beta mean?</a:t>
+            </a:r>
+          </a:p>
+          <a:p>
+            <a:pPr marL="342900" indent="-342900" algn="l">
+              <a:buFont typeface="Arial"/>
+              <a:buChar char="•"/>
+            </a:pPr>
+            <a:r>
+              <a:rPr lang="en-US" sz="2000" dirty="0" smtClean="0"/>
+              <a:t>"</a:t>
+            </a:r>
+            <a:r>
+              <a:rPr lang="en-US" sz="2000" dirty="0"/>
+              <a:t>we're now confident that most developers can be successful building large applications"</a:t>
+            </a:r>
+          </a:p>
+          <a:p>
+            <a:pPr marL="342900" indent="-342900" algn="l">
+              <a:buFont typeface="Arial"/>
+              <a:buChar char="•"/>
+            </a:pPr>
+            <a:r>
+              <a:rPr lang="en-US" sz="2000" dirty="0" smtClean="0"/>
+              <a:t>A </a:t>
+            </a:r>
+            <a:r>
+              <a:rPr lang="en-US" sz="2000" dirty="0"/>
+              <a:t>platform is not just its code though, also its ecosystem</a:t>
+            </a:r>
+          </a:p>
+          <a:p>
+            <a:pPr marL="342900" indent="-342900" algn="l">
+              <a:buFont typeface="Arial"/>
+              <a:buChar char="•"/>
+            </a:pPr>
+            <a:r>
+              <a:rPr lang="en-US" sz="2000" dirty="0"/>
+              <a:t>  </a:t>
+            </a:r>
+            <a:r>
+              <a:rPr lang="en-US" sz="2000" dirty="0" smtClean="0"/>
+              <a:t>Tooling </a:t>
+            </a:r>
+            <a:r>
+              <a:rPr lang="en-US" sz="2000" dirty="0"/>
+              <a:t>&amp; 3rd party library support</a:t>
+            </a:r>
+          </a:p>
+          <a:p>
+            <a:pPr marL="342900" indent="-342900" algn="l">
+              <a:buFont typeface="Arial"/>
+              <a:buChar char="•"/>
+            </a:pPr>
+            <a:r>
+              <a:rPr lang="en-US" sz="2000" dirty="0"/>
+              <a:t>  </a:t>
+            </a:r>
+            <a:r>
+              <a:rPr lang="en-US" sz="2000" dirty="0" smtClean="0"/>
+              <a:t>Documentation</a:t>
+            </a:r>
+            <a:endParaRPr lang="en-US" sz="2000" dirty="0"/>
+          </a:p>
+          <a:p>
+            <a:pPr marL="342900" indent="-342900" algn="l">
+              <a:buFont typeface="Arial"/>
+              <a:buChar char="•"/>
+            </a:pPr>
+            <a:r>
+              <a:rPr lang="en-US" sz="2000" dirty="0"/>
+              <a:t>  </a:t>
+            </a:r>
+            <a:r>
+              <a:rPr lang="en-US" sz="2000" dirty="0" smtClean="0"/>
+              <a:t>Error </a:t>
+            </a:r>
+            <a:r>
+              <a:rPr lang="en-US" sz="2000" dirty="0"/>
+              <a:t>handling messages</a:t>
+            </a:r>
+          </a:p>
+          <a:p>
+            <a:pPr marL="342900" indent="-342900" algn="l">
+              <a:buFont typeface="Arial"/>
+              <a:buChar char="•"/>
+            </a:pPr>
+            <a:r>
+              <a:rPr lang="en-US" sz="2000" dirty="0"/>
+              <a:t>  </a:t>
+            </a:r>
+            <a:r>
+              <a:rPr lang="en-US" sz="2000" dirty="0" smtClean="0"/>
+              <a:t>Community </a:t>
+            </a:r>
+            <a:r>
+              <a:rPr lang="en-US" sz="2000" dirty="0"/>
+              <a:t>support</a:t>
+            </a:r>
+          </a:p>
+          <a:p>
+            <a:pPr marL="342900" indent="-342900" algn="l">
+              <a:buFont typeface="Arial"/>
+              <a:buChar char="•"/>
+            </a:pPr>
+            <a:r>
+              <a:rPr lang="en-US" sz="2000" dirty="0" smtClean="0"/>
+              <a:t>IMO, nG2 ecosystem is not mature yet</a:t>
+            </a:r>
+          </a:p>
+          <a:p>
+            <a:pPr marL="800100" lvl="1" indent="-342900" algn="l">
+              <a:buFont typeface="Arial"/>
+              <a:buChar char="•"/>
+            </a:pPr>
+            <a:r>
+              <a:rPr lang="en-US" sz="1600" dirty="0"/>
+              <a:t>Official documentation is </a:t>
+            </a:r>
+            <a:r>
+              <a:rPr lang="en-US" sz="1600" dirty="0" smtClean="0"/>
+              <a:t>intentionally complete</a:t>
+            </a:r>
+            <a:endParaRPr lang="is-IS" sz="400" dirty="0"/>
+          </a:p>
+          <a:p>
+            <a:pPr marL="800100" lvl="1" indent="-342900" algn="l">
+              <a:buFont typeface="Arial"/>
+              <a:buChar char="•"/>
+            </a:pPr>
+            <a:r>
+              <a:rPr lang="en-US" sz="1600" dirty="0" smtClean="0"/>
+              <a:t>Many syntax changes make older articles unreliable</a:t>
+            </a:r>
+          </a:p>
+          <a:p>
+            <a:pPr marL="800100" lvl="1" indent="-342900" algn="l">
+              <a:buFont typeface="Arial"/>
+              <a:buChar char="•"/>
+            </a:pPr>
+            <a:r>
+              <a:rPr lang="en-US" sz="1600" dirty="0" smtClean="0"/>
+              <a:t>TSC compilation issues</a:t>
+            </a:r>
+            <a:endParaRPr lang="is-IS" sz="400" dirty="0"/>
+          </a:p>
+        </p:txBody>
+      </p:sp>
+    </p:spTree>
+    <p:extLst>
+      <p:ext uri="{BB962C8B-B14F-4D97-AF65-F5344CB8AC3E}">
+        <p14:creationId xmlns:p14="http://schemas.microsoft.com/office/powerpoint/2010/main" val="1644634512"/>
+      </p:ext>
+    </p:extLst>
+  </p:cSld>
+  <p:clrMapOvr>
+    <a:masterClrMapping/>
+  </p:clrMapOvr>
+  <p:timing>
+    <p:tnLst>
+      <p:par>
+        <p:cTn xmlns:p14="http://schemas.microsoft.com/office/powerpoint/2010/main" id="1" dur="indefinite" restart="never" nodeType="tmRoot"/>
+      </p:par>
+    </p:tnLst>
+  </p:timing>
+</p:sld>
+</file>
+
+<file path=ppt/slides/slide31.xml><?xml version="1.0" encoding="utf-8"?>
+<p:sld xmlns:a="http://schemas.openxmlformats.org/drawingml/2006/main" xmlns:r="http://schemas.openxmlformats.org/officeDocument/2006/relationships" xmlns:p="http://schemas.openxmlformats.org/presentationml/2006/main">
+  <p:cSld>
+    <p:spTree>
+      <p:nvGrpSpPr>
+        <p:cNvPr id="1" name=""/>
+        <p:cNvGrpSpPr/>
+        <p:nvPr/>
+      </p:nvGrpSpPr>
+      <p:grpSpPr>
+        <a:xfrm>
+          <a:off x="0" y="0"/>
+          <a:ext cx="0" cy="0"/>
+          <a:chOff x="0" y="0"/>
+          <a:chExt cx="0" cy="0"/>
+        </a:xfrm>
+      </p:grpSpPr>
+      <p:sp>
+        <p:nvSpPr>
+          <p:cNvPr id="2" name="Title 1"/>
+          <p:cNvSpPr>
+            <a:spLocks noGrp="1"/>
+          </p:cNvSpPr>
+          <p:nvPr>
+            <p:ph type="ctrTitle"/>
+          </p:nvPr>
+        </p:nvSpPr>
+        <p:spPr>
+          <a:xfrm>
+            <a:off x="685800" y="160685"/>
+            <a:ext cx="7772400" cy="1470025"/>
+          </a:xfrm>
+        </p:spPr>
+        <p:txBody>
+          <a:bodyPr/>
+          <a:lstStyle/>
+          <a:p>
+            <a:r>
+              <a:rPr lang="en-US" dirty="0"/>
+              <a:t>A word of caution</a:t>
+            </a:r>
+          </a:p>
+        </p:txBody>
+      </p:sp>
+      <p:sp>
+        <p:nvSpPr>
+          <p:cNvPr id="3" name="Subtitle 2"/>
+          <p:cNvSpPr>
+            <a:spLocks noGrp="1"/>
+          </p:cNvSpPr>
+          <p:nvPr>
+            <p:ph type="subTitle" idx="1"/>
+          </p:nvPr>
+        </p:nvSpPr>
+        <p:spPr>
+          <a:xfrm>
+            <a:off x="454651" y="1630710"/>
+            <a:ext cx="8371875" cy="4609893"/>
+          </a:xfrm>
+        </p:spPr>
+        <p:txBody>
+          <a:bodyPr>
+            <a:normAutofit/>
+          </a:bodyPr>
+          <a:lstStyle/>
+          <a:p>
+            <a:pPr marL="342900" indent="-342900" algn="l">
+              <a:buFont typeface="Arial"/>
+              <a:buChar char="•"/>
+            </a:pPr>
+            <a:r>
+              <a:rPr lang="en-US" sz="2000" dirty="0" err="1" smtClean="0"/>
+              <a:t>nG</a:t>
+            </a:r>
+            <a:r>
+              <a:rPr lang="en-US" sz="2000" dirty="0" smtClean="0"/>
+              <a:t> </a:t>
+            </a:r>
+            <a:r>
+              <a:rPr lang="en-US" sz="2000" dirty="0"/>
+              <a:t>2 </a:t>
+            </a:r>
+            <a:r>
+              <a:rPr lang="en-US" sz="2000" dirty="0" smtClean="0"/>
+              <a:t>is officially in beta. </a:t>
+            </a:r>
+            <a:r>
+              <a:rPr lang="en-US" sz="2000" dirty="0"/>
+              <a:t>What does beta mean?</a:t>
+            </a:r>
+          </a:p>
+          <a:p>
+            <a:pPr marL="342900" indent="-342900" algn="l">
+              <a:buFont typeface="Arial"/>
+              <a:buChar char="•"/>
+            </a:pPr>
+            <a:r>
+              <a:rPr lang="en-US" sz="2000" dirty="0" smtClean="0"/>
+              <a:t>"</a:t>
+            </a:r>
+            <a:r>
+              <a:rPr lang="en-US" sz="2000" dirty="0"/>
+              <a:t>we're now confident that most developers can be successful building large applications"</a:t>
+            </a:r>
+          </a:p>
+          <a:p>
+            <a:pPr marL="342900" indent="-342900" algn="l">
+              <a:buFont typeface="Arial"/>
+              <a:buChar char="•"/>
+            </a:pPr>
+            <a:r>
+              <a:rPr lang="en-US" sz="2000" dirty="0" smtClean="0"/>
+              <a:t>A </a:t>
+            </a:r>
+            <a:r>
+              <a:rPr lang="en-US" sz="2000" dirty="0"/>
+              <a:t>platform is not just its code though, also its ecosystem</a:t>
+            </a:r>
+          </a:p>
+          <a:p>
+            <a:pPr marL="342900" indent="-342900" algn="l">
+              <a:buFont typeface="Arial"/>
+              <a:buChar char="•"/>
+            </a:pPr>
+            <a:r>
+              <a:rPr lang="en-US" sz="2000" dirty="0"/>
+              <a:t>  </a:t>
+            </a:r>
+            <a:r>
+              <a:rPr lang="en-US" sz="2000" dirty="0" smtClean="0"/>
+              <a:t>Tooling </a:t>
+            </a:r>
+            <a:r>
+              <a:rPr lang="en-US" sz="2000" dirty="0"/>
+              <a:t>&amp; 3rd party library support</a:t>
+            </a:r>
+          </a:p>
+          <a:p>
+            <a:pPr marL="342900" indent="-342900" algn="l">
+              <a:buFont typeface="Arial"/>
+              <a:buChar char="•"/>
+            </a:pPr>
+            <a:r>
+              <a:rPr lang="en-US" sz="2000" dirty="0"/>
+              <a:t>  </a:t>
+            </a:r>
+            <a:r>
+              <a:rPr lang="en-US" sz="2000" dirty="0" smtClean="0"/>
+              <a:t>Documentation</a:t>
+            </a:r>
+            <a:endParaRPr lang="en-US" sz="2000" dirty="0"/>
+          </a:p>
+          <a:p>
+            <a:pPr marL="342900" indent="-342900" algn="l">
+              <a:buFont typeface="Arial"/>
+              <a:buChar char="•"/>
+            </a:pPr>
+            <a:r>
+              <a:rPr lang="en-US" sz="2000" dirty="0"/>
+              <a:t>  </a:t>
+            </a:r>
+            <a:r>
+              <a:rPr lang="en-US" sz="2000" dirty="0" smtClean="0"/>
+              <a:t>Error </a:t>
+            </a:r>
+            <a:r>
+              <a:rPr lang="en-US" sz="2000" dirty="0"/>
+              <a:t>handling messages</a:t>
+            </a:r>
+          </a:p>
+          <a:p>
+            <a:pPr marL="342900" indent="-342900" algn="l">
+              <a:buFont typeface="Arial"/>
+              <a:buChar char="•"/>
+            </a:pPr>
+            <a:r>
+              <a:rPr lang="en-US" sz="2000" dirty="0"/>
+              <a:t>  </a:t>
+            </a:r>
+            <a:r>
+              <a:rPr lang="en-US" sz="2000" dirty="0" smtClean="0"/>
+              <a:t>Community </a:t>
+            </a:r>
+            <a:r>
+              <a:rPr lang="en-US" sz="2000" dirty="0"/>
+              <a:t>support</a:t>
+            </a:r>
+          </a:p>
+          <a:p>
+            <a:pPr marL="342900" indent="-342900" algn="l">
+              <a:buFont typeface="Arial"/>
+              <a:buChar char="•"/>
+            </a:pPr>
+            <a:r>
+              <a:rPr lang="en-US" sz="2000" dirty="0" smtClean="0"/>
+              <a:t>IMO, nG2 ecosystem is not mature yet</a:t>
+            </a:r>
+          </a:p>
+          <a:p>
+            <a:pPr marL="800100" lvl="1" indent="-342900" algn="l">
+              <a:buFont typeface="Arial"/>
+              <a:buChar char="•"/>
+            </a:pPr>
+            <a:r>
+              <a:rPr lang="en-US" sz="1600" dirty="0" smtClean="0"/>
+              <a:t>Official </a:t>
+            </a:r>
+            <a:r>
+              <a:rPr lang="en-US" sz="1600" dirty="0"/>
+              <a:t>documentation is </a:t>
+            </a:r>
+            <a:r>
+              <a:rPr lang="en-US" sz="1600" dirty="0" smtClean="0"/>
+              <a:t>intentionally complete</a:t>
+            </a:r>
+            <a:endParaRPr lang="is-IS" sz="400" dirty="0"/>
+          </a:p>
+          <a:p>
+            <a:pPr marL="800100" lvl="1" indent="-342900" algn="l">
+              <a:buFont typeface="Arial"/>
+              <a:buChar char="•"/>
+            </a:pPr>
+            <a:r>
+              <a:rPr lang="en-US" sz="1600" dirty="0" smtClean="0"/>
+              <a:t>Many syntax changes make older articles unreliable</a:t>
+            </a:r>
+          </a:p>
+          <a:p>
+            <a:pPr marL="800100" lvl="1" indent="-342900" algn="l">
+              <a:buFont typeface="Arial"/>
+              <a:buChar char="•"/>
+            </a:pPr>
+            <a:r>
+              <a:rPr lang="en-US" sz="1600" dirty="0" smtClean="0"/>
+              <a:t>TSC compilation issues</a:t>
+            </a:r>
+          </a:p>
+          <a:p>
+            <a:pPr marL="342900" indent="-342900" algn="l">
+              <a:buFont typeface="Arial"/>
+              <a:buChar char="•"/>
+            </a:pPr>
+            <a:r>
+              <a:rPr lang="en-US" sz="2000" dirty="0" smtClean="0"/>
+              <a:t>Proceed </a:t>
+            </a:r>
+            <a:r>
+              <a:rPr lang="en-US" sz="2000" dirty="0"/>
+              <a:t>with </a:t>
+            </a:r>
+            <a:r>
+              <a:rPr lang="en-US" sz="2000" dirty="0" smtClean="0"/>
+              <a:t>caution</a:t>
+            </a:r>
+          </a:p>
+          <a:p>
+            <a:pPr lvl="1" algn="l"/>
+            <a:endParaRPr lang="is-IS" sz="400" dirty="0"/>
+          </a:p>
+        </p:txBody>
+      </p:sp>
+    </p:spTree>
+    <p:extLst>
+      <p:ext uri="{BB962C8B-B14F-4D97-AF65-F5344CB8AC3E}">
+        <p14:creationId xmlns:p14="http://schemas.microsoft.com/office/powerpoint/2010/main" val="1685966677"/>
+      </p:ext>
+    </p:extLst>
+  </p:cSld>
+  <p:clrMapOvr>
+    <a:masterClrMapping/>
+  </p:clrMapOvr>
+  <p:timing>
+    <p:tnLst>
+      <p:par>
+        <p:cTn xmlns:p14="http://schemas.microsoft.com/office/powerpoint/2010/main" id="1" dur="indefinite" restart="never" nodeType="tmRoot"/>
+      </p:par>
+    </p:tnLst>
+  </p:timing>
+</p:sld>
+</file>
+
+<file path=ppt/slides/slide32.xml><?xml version="1.0" encoding="utf-8"?>
+<p:sld xmlns:a="http://schemas.openxmlformats.org/drawingml/2006/main" xmlns:r="http://schemas.openxmlformats.org/officeDocument/2006/relationships" xmlns:p="http://schemas.openxmlformats.org/presentationml/2006/main">
+  <p:cSld>
+    <p:spTree>
+      <p:nvGrpSpPr>
+        <p:cNvPr id="1" name=""/>
+        <p:cNvGrpSpPr/>
+        <p:nvPr/>
+      </p:nvGrpSpPr>
+      <p:grpSpPr>
+        <a:xfrm>
+          <a:off x="0" y="0"/>
+          <a:ext cx="0" cy="0"/>
+          <a:chOff x="0" y="0"/>
+          <a:chExt cx="0" cy="0"/>
+        </a:xfrm>
+      </p:grpSpPr>
+      <p:sp>
+        <p:nvSpPr>
+          <p:cNvPr id="2" name="Title 1"/>
+          <p:cNvSpPr>
+            <a:spLocks noGrp="1"/>
+          </p:cNvSpPr>
+          <p:nvPr>
+            <p:ph type="ctrTitle"/>
+          </p:nvPr>
+        </p:nvSpPr>
+        <p:spPr>
+          <a:xfrm>
+            <a:off x="685800" y="160685"/>
+            <a:ext cx="7772400" cy="1470025"/>
+          </a:xfrm>
+        </p:spPr>
+        <p:txBody>
+          <a:bodyPr/>
+          <a:lstStyle/>
+          <a:p>
+            <a:r>
+              <a:rPr lang="en-US" dirty="0" err="1"/>
+              <a:t>TypeScript</a:t>
+            </a:r>
+            <a:endParaRPr lang="en-US" dirty="0"/>
+          </a:p>
+        </p:txBody>
+      </p:sp>
+      <p:sp>
+        <p:nvSpPr>
+          <p:cNvPr id="3" name="Subtitle 2"/>
+          <p:cNvSpPr>
+            <a:spLocks noGrp="1"/>
+          </p:cNvSpPr>
+          <p:nvPr>
+            <p:ph type="subTitle" idx="1"/>
+          </p:nvPr>
+        </p:nvSpPr>
+        <p:spPr>
+          <a:xfrm>
+            <a:off x="454651" y="1630710"/>
+            <a:ext cx="8371875" cy="4609893"/>
+          </a:xfrm>
+        </p:spPr>
+        <p:txBody>
+          <a:bodyPr>
+            <a:normAutofit lnSpcReduction="10000"/>
+          </a:bodyPr>
+          <a:lstStyle/>
+          <a:p>
+            <a:pPr marL="342900" indent="-342900" algn="l">
+              <a:buFont typeface="Arial"/>
+              <a:buChar char="•"/>
+            </a:pPr>
+            <a:r>
+              <a:rPr lang="en-US" sz="2000" dirty="0" smtClean="0"/>
+              <a:t>From </a:t>
+            </a:r>
+            <a:r>
+              <a:rPr lang="en-US" sz="2000" dirty="0"/>
+              <a:t>Microsoft, a compiled superset of </a:t>
+            </a:r>
+            <a:r>
+              <a:rPr lang="en-US" sz="2000" dirty="0" err="1"/>
+              <a:t>Javascript</a:t>
+            </a:r>
+            <a:endParaRPr lang="en-US" sz="2000" dirty="0"/>
+          </a:p>
+          <a:p>
+            <a:pPr marL="342900" indent="-342900" algn="l">
+              <a:buFont typeface="Arial"/>
+              <a:buChar char="•"/>
+            </a:pPr>
+            <a:r>
+              <a:rPr lang="en-US" sz="2000" dirty="0" smtClean="0"/>
+              <a:t>All </a:t>
+            </a:r>
+            <a:r>
+              <a:rPr lang="en-US" sz="2000" dirty="0"/>
+              <a:t>valid JS is valid TS (theoretically - in practice often requires tweaking)</a:t>
+            </a:r>
+          </a:p>
+          <a:p>
+            <a:pPr marL="342900" indent="-342900" algn="l">
+              <a:buFont typeface="Arial"/>
+              <a:buChar char="•"/>
+            </a:pPr>
+            <a:r>
+              <a:rPr lang="en-US" sz="2000" dirty="0" smtClean="0"/>
+              <a:t>Adds </a:t>
+            </a:r>
+            <a:r>
+              <a:rPr lang="en-US" sz="2000" dirty="0"/>
+              <a:t>support for static typing</a:t>
+            </a:r>
+          </a:p>
+          <a:p>
+            <a:pPr marL="800100" lvl="1" indent="-342900" algn="l">
+              <a:buFont typeface="Arial"/>
+              <a:buChar char="•"/>
+            </a:pPr>
+            <a:r>
+              <a:rPr lang="en-US" sz="1600" dirty="0" smtClean="0"/>
+              <a:t>Specify </a:t>
+            </a:r>
+            <a:r>
+              <a:rPr lang="en-US" sz="1600" dirty="0"/>
+              <a:t>type when declaring </a:t>
+            </a:r>
+            <a:r>
+              <a:rPr lang="en-US" sz="1600" dirty="0" err="1"/>
+              <a:t>vars</a:t>
+            </a:r>
+            <a:r>
+              <a:rPr lang="en-US" sz="1600" dirty="0"/>
+              <a:t>, function arguments and return values, </a:t>
+            </a:r>
+            <a:r>
+              <a:rPr lang="en-US" sz="1600" dirty="0" err="1"/>
+              <a:t>etc</a:t>
+            </a:r>
+            <a:endParaRPr lang="en-US" sz="1600" dirty="0"/>
+          </a:p>
+          <a:p>
+            <a:pPr marL="800100" lvl="1" indent="-342900" algn="l">
+              <a:buFont typeface="Arial"/>
+              <a:buChar char="•"/>
+            </a:pPr>
+            <a:r>
+              <a:rPr lang="en-US" sz="1600" dirty="0" smtClean="0"/>
+              <a:t>Describe </a:t>
+            </a:r>
+            <a:r>
+              <a:rPr lang="en-US" sz="1600" dirty="0"/>
+              <a:t>custom types with a "declaration" file - describe interface</a:t>
+            </a:r>
+          </a:p>
+          <a:p>
+            <a:pPr marL="342900" indent="-342900" algn="l">
+              <a:buFont typeface="Arial"/>
+              <a:buChar char="•"/>
+            </a:pPr>
+            <a:r>
+              <a:rPr lang="en-US" sz="2000" dirty="0" smtClean="0"/>
+              <a:t>Adds </a:t>
+            </a:r>
+            <a:r>
+              <a:rPr lang="en-US" sz="2000" dirty="0"/>
+              <a:t>the common ES6 features</a:t>
+            </a:r>
+          </a:p>
+          <a:p>
+            <a:pPr marL="800100" lvl="1" indent="-342900" algn="l">
+              <a:buFont typeface="Arial"/>
+              <a:buChar char="•"/>
+            </a:pPr>
+            <a:r>
+              <a:rPr lang="en-US" sz="1600" dirty="0" smtClean="0"/>
+              <a:t>arrow </a:t>
+            </a:r>
+            <a:r>
+              <a:rPr lang="en-US" sz="1600" dirty="0"/>
+              <a:t>functions, classes, modules, let keyword, Map, Promise</a:t>
+            </a:r>
+          </a:p>
+          <a:p>
+            <a:pPr marL="800100" lvl="1" indent="-342900" algn="l">
+              <a:buFont typeface="Arial"/>
+              <a:buChar char="•"/>
+            </a:pPr>
+            <a:r>
+              <a:rPr lang="en-US" sz="1600" dirty="0" smtClean="0"/>
+              <a:t>Compatibility </a:t>
+            </a:r>
+            <a:r>
+              <a:rPr lang="en-US" sz="1600" dirty="0"/>
+              <a:t>table: http://</a:t>
+            </a:r>
+            <a:r>
+              <a:rPr lang="en-US" sz="1600" dirty="0" err="1"/>
+              <a:t>kangax.github.io</a:t>
+            </a:r>
+            <a:r>
+              <a:rPr lang="en-US" sz="1600" dirty="0"/>
+              <a:t>/</a:t>
+            </a:r>
+            <a:r>
+              <a:rPr lang="en-US" sz="1600" dirty="0" err="1"/>
+              <a:t>compat</a:t>
+            </a:r>
+            <a:r>
+              <a:rPr lang="en-US" sz="1600" dirty="0"/>
+              <a:t>-table/es6/</a:t>
+            </a:r>
+          </a:p>
+          <a:p>
+            <a:pPr marL="342900" indent="-342900" algn="l">
+              <a:buFont typeface="Arial"/>
+              <a:buChar char="•"/>
+            </a:pPr>
+            <a:r>
+              <a:rPr lang="en-US" sz="2000" dirty="0" smtClean="0"/>
+              <a:t>And </a:t>
+            </a:r>
+            <a:r>
+              <a:rPr lang="en-US" sz="2000" dirty="0"/>
+              <a:t>some unique features</a:t>
+            </a:r>
+          </a:p>
+          <a:p>
+            <a:pPr marL="800100" lvl="1" indent="-342900" algn="l">
+              <a:buFont typeface="Arial"/>
+              <a:buChar char="•"/>
+            </a:pPr>
+            <a:r>
+              <a:rPr lang="en-US" sz="1600" dirty="0" smtClean="0"/>
+              <a:t>@ </a:t>
+            </a:r>
+            <a:r>
+              <a:rPr lang="en-US" sz="1600" dirty="0"/>
+              <a:t>Decorator syntax (often referred to as annotation)</a:t>
+            </a:r>
+          </a:p>
+          <a:p>
+            <a:pPr marL="800100" lvl="1" indent="-342900" algn="l">
+              <a:buFont typeface="Arial"/>
+              <a:buChar char="•"/>
+            </a:pPr>
+            <a:r>
+              <a:rPr lang="en-US" sz="1600" dirty="0" smtClean="0"/>
+              <a:t>inline </a:t>
+            </a:r>
+            <a:r>
+              <a:rPr lang="en-US" sz="1600" dirty="0"/>
+              <a:t>variable type specification</a:t>
+            </a:r>
+          </a:p>
+          <a:p>
+            <a:pPr marL="342900" indent="-342900" algn="l">
+              <a:buFont typeface="Arial"/>
+              <a:buChar char="•"/>
+            </a:pPr>
+            <a:r>
+              <a:rPr lang="en-US" sz="2000" dirty="0" smtClean="0"/>
+              <a:t>Tutorial</a:t>
+            </a:r>
+            <a:r>
+              <a:rPr lang="en-US" sz="2000" dirty="0"/>
+              <a:t>: https://</a:t>
+            </a:r>
+            <a:r>
+              <a:rPr lang="en-US" sz="2000" dirty="0" err="1"/>
+              <a:t>johnpapa.net</a:t>
+            </a:r>
+            <a:r>
+              <a:rPr lang="en-US" sz="2000" dirty="0"/>
+              <a:t>/typescriptpost1/</a:t>
+            </a:r>
+          </a:p>
+          <a:p>
+            <a:pPr marL="342900" indent="-342900" algn="l">
+              <a:buFont typeface="Arial"/>
+              <a:buChar char="•"/>
+            </a:pPr>
+            <a:r>
+              <a:rPr lang="en-US" sz="2000" dirty="0" smtClean="0"/>
+              <a:t>Quick </a:t>
+            </a:r>
+            <a:r>
+              <a:rPr lang="en-US" sz="2000" dirty="0"/>
+              <a:t>syntax reference: https://</a:t>
+            </a:r>
+            <a:r>
+              <a:rPr lang="en-US" sz="2000" dirty="0" err="1"/>
+              <a:t>quizlet.com</a:t>
+            </a:r>
+            <a:r>
+              <a:rPr lang="en-US" sz="2000" dirty="0"/>
+              <a:t>/134674527/typescript-syntax-flash-cards/</a:t>
+            </a:r>
+            <a:endParaRPr lang="is-IS" sz="400" dirty="0"/>
+          </a:p>
+        </p:txBody>
+      </p:sp>
+    </p:spTree>
+    <p:extLst>
+      <p:ext uri="{BB962C8B-B14F-4D97-AF65-F5344CB8AC3E}">
+        <p14:creationId xmlns:p14="http://schemas.microsoft.com/office/powerpoint/2010/main" val="3737063361"/>
+      </p:ext>
+    </p:extLst>
+  </p:cSld>
+  <p:clrMapOvr>
+    <a:masterClrMapping/>
+  </p:clrMapOvr>
+  <p:timing>
+    <p:tnLst>
+      <p:par>
+        <p:cTn xmlns:p14="http://schemas.microsoft.com/office/powerpoint/2010/main" id="1" dur="indefinite" restart="never" nodeType="tmRoot"/>
+      </p:par>
+    </p:tnLst>
+  </p:timing>
+</p:sld>
+</file>
+
+<file path=ppt/slides/slide33.xml><?xml version="1.0" encoding="utf-8"?>
+<p:sld xmlns:a="http://schemas.openxmlformats.org/drawingml/2006/main" xmlns:r="http://schemas.openxmlformats.org/officeDocument/2006/relationships" xmlns:p="http://schemas.openxmlformats.org/presentationml/2006/main">
+  <p:cSld>
+    <p:spTree>
+      <p:nvGrpSpPr>
+        <p:cNvPr id="1" name=""/>
+        <p:cNvGrpSpPr/>
+        <p:nvPr/>
+      </p:nvGrpSpPr>
+      <p:grpSpPr>
+        <a:xfrm>
+          <a:off x="0" y="0"/>
+          <a:ext cx="0" cy="0"/>
+          <a:chOff x="0" y="0"/>
+          <a:chExt cx="0" cy="0"/>
+        </a:xfrm>
+      </p:grpSpPr>
+      <p:sp>
+        <p:nvSpPr>
+          <p:cNvPr id="2" name="Title 1"/>
+          <p:cNvSpPr>
+            <a:spLocks noGrp="1"/>
+          </p:cNvSpPr>
+          <p:nvPr>
+            <p:ph type="ctrTitle"/>
+          </p:nvPr>
+        </p:nvSpPr>
+        <p:spPr>
+          <a:xfrm>
+            <a:off x="685800" y="160685"/>
+            <a:ext cx="7772400" cy="1470025"/>
+          </a:xfrm>
+        </p:spPr>
+        <p:txBody>
+          <a:bodyPr/>
+          <a:lstStyle/>
+          <a:p>
+            <a:r>
+              <a:rPr lang="en-US" dirty="0"/>
+              <a:t>Lab: Get started with Angular 2</a:t>
+            </a:r>
+          </a:p>
+        </p:txBody>
+      </p:sp>
+      <p:sp>
+        <p:nvSpPr>
+          <p:cNvPr id="3" name="Subtitle 2"/>
+          <p:cNvSpPr>
+            <a:spLocks noGrp="1"/>
+          </p:cNvSpPr>
+          <p:nvPr>
+            <p:ph type="subTitle" idx="1"/>
+          </p:nvPr>
+        </p:nvSpPr>
+        <p:spPr>
+          <a:xfrm>
+            <a:off x="454651" y="1630710"/>
+            <a:ext cx="8371875" cy="4609893"/>
+          </a:xfrm>
+        </p:spPr>
+        <p:txBody>
+          <a:bodyPr>
+            <a:normAutofit/>
+          </a:bodyPr>
+          <a:lstStyle/>
+          <a:p>
+            <a:pPr marL="342900" indent="-342900" algn="l">
+              <a:buFont typeface="Arial"/>
+              <a:buChar char="•"/>
+            </a:pPr>
+            <a:r>
+              <a:rPr lang="en-US" sz="2000" dirty="0" smtClean="0"/>
+              <a:t>Component </a:t>
+            </a:r>
+            <a:r>
+              <a:rPr lang="en-US" sz="2000" dirty="0"/>
+              <a:t>always specifies at least one template (</a:t>
+            </a:r>
+            <a:r>
+              <a:rPr lang="en-US" sz="2000" dirty="0" err="1"/>
+              <a:t>mulitple</a:t>
+            </a:r>
+            <a:r>
+              <a:rPr lang="en-US" sz="2000" dirty="0"/>
+              <a:t> based on media query)</a:t>
+            </a:r>
+          </a:p>
+          <a:p>
+            <a:pPr marL="342900" indent="-342900" algn="l">
+              <a:buFont typeface="Arial"/>
+              <a:buChar char="•"/>
+            </a:pPr>
+            <a:r>
+              <a:rPr lang="en-US" sz="2000" dirty="0"/>
+              <a:t>  </a:t>
+            </a:r>
+            <a:r>
+              <a:rPr lang="en-US" sz="2000" dirty="0" smtClean="0"/>
+              <a:t>New </a:t>
+            </a:r>
+            <a:r>
+              <a:rPr lang="en-US" sz="2000" dirty="0"/>
+              <a:t>template syntax</a:t>
+            </a:r>
+          </a:p>
+          <a:p>
+            <a:pPr marL="342900" indent="-342900" algn="l">
+              <a:buFont typeface="Arial"/>
+              <a:buChar char="•"/>
+            </a:pPr>
+            <a:r>
+              <a:rPr lang="en-US" sz="2000" dirty="0"/>
+              <a:t>  </a:t>
+            </a:r>
+            <a:r>
+              <a:rPr lang="en-US" sz="2000" dirty="0" smtClean="0"/>
+              <a:t>ES6 </a:t>
+            </a:r>
+            <a:r>
+              <a:rPr lang="en-US" sz="2000" dirty="0"/>
+              <a:t>Class with constructor replaces Controller</a:t>
+            </a:r>
+          </a:p>
+          <a:p>
+            <a:pPr marL="342900" indent="-342900" algn="l">
+              <a:buFont typeface="Arial"/>
+              <a:buChar char="•"/>
+            </a:pPr>
+            <a:r>
+              <a:rPr lang="en-US" sz="2000" dirty="0"/>
+              <a:t>  </a:t>
+            </a:r>
+            <a:r>
+              <a:rPr lang="en-US" sz="2000" dirty="0" smtClean="0"/>
+              <a:t>Scope </a:t>
+            </a:r>
+            <a:r>
+              <a:rPr lang="en-US" sz="2000" dirty="0"/>
+              <a:t>is gone - properties of the ES6 Class now represent Component data</a:t>
+            </a:r>
+          </a:p>
+          <a:p>
+            <a:pPr marL="342900" indent="-342900" algn="l">
+              <a:buFont typeface="Arial"/>
+              <a:buChar char="•"/>
+            </a:pPr>
+            <a:r>
+              <a:rPr lang="en-US" sz="2000" dirty="0"/>
+              <a:t>  </a:t>
+            </a:r>
+            <a:r>
+              <a:rPr lang="en-US" sz="2000" dirty="0" smtClean="0"/>
+              <a:t>Input </a:t>
+            </a:r>
+            <a:r>
+              <a:rPr lang="en-US" sz="2000" dirty="0"/>
+              <a:t>and Output properties</a:t>
+            </a:r>
+          </a:p>
+          <a:p>
+            <a:pPr marL="342900" indent="-342900" algn="l">
+              <a:buFont typeface="Arial"/>
+              <a:buChar char="•"/>
+            </a:pPr>
+            <a:r>
+              <a:rPr lang="en-US" sz="2000" dirty="0"/>
+              <a:t>    </a:t>
+            </a:r>
+            <a:r>
+              <a:rPr lang="en-US" sz="2000" dirty="0" smtClean="0"/>
+              <a:t>Public </a:t>
+            </a:r>
+            <a:r>
+              <a:rPr lang="en-US" sz="2000" dirty="0"/>
+              <a:t>API of the Component</a:t>
+            </a:r>
+          </a:p>
+          <a:p>
+            <a:pPr marL="342900" indent="-342900" algn="l">
+              <a:buFont typeface="Arial"/>
+              <a:buChar char="•"/>
+            </a:pPr>
+            <a:r>
+              <a:rPr lang="en-US" sz="2000" dirty="0"/>
+              <a:t>    </a:t>
+            </a:r>
+            <a:r>
+              <a:rPr lang="en-US" sz="2000" dirty="0" smtClean="0"/>
+              <a:t>Binding </a:t>
+            </a:r>
+            <a:r>
+              <a:rPr lang="en-US" sz="2000" dirty="0"/>
+              <a:t>to Inputs remains familiar</a:t>
+            </a:r>
+          </a:p>
+          <a:p>
+            <a:pPr marL="342900" indent="-342900" algn="l">
+              <a:buFont typeface="Arial"/>
+              <a:buChar char="•"/>
+            </a:pPr>
+            <a:r>
+              <a:rPr lang="en-US" sz="2000" dirty="0"/>
+              <a:t>    </a:t>
+            </a:r>
+            <a:r>
+              <a:rPr lang="en-US" sz="2000" dirty="0" smtClean="0"/>
+              <a:t>Subscribe </a:t>
+            </a:r>
+            <a:r>
+              <a:rPr lang="en-US" sz="2000" dirty="0"/>
+              <a:t>to events for Output</a:t>
+            </a:r>
+            <a:endParaRPr lang="is-IS" sz="1600" dirty="0"/>
+          </a:p>
+        </p:txBody>
+      </p:sp>
+    </p:spTree>
+    <p:extLst>
+      <p:ext uri="{BB962C8B-B14F-4D97-AF65-F5344CB8AC3E}">
+        <p14:creationId xmlns:p14="http://schemas.microsoft.com/office/powerpoint/2010/main" val="983647590"/>
+      </p:ext>
+    </p:extLst>
+  </p:cSld>
+  <p:clrMapOvr>
+    <a:masterClrMapping/>
+  </p:clrMapOvr>
+  <p:timing>
+    <p:tnLst>
+      <p:par>
+        <p:cTn xmlns:p14="http://schemas.microsoft.com/office/powerpoint/2010/main" id="1" dur="indefinite" restart="never" nodeType="tmRoot"/>
+      </p:par>
+    </p:tnLst>
+  </p:timing>
+</p:sld>
+</file>
+
+<file path=ppt/slides/slide34.xml><?xml version="1.0" encoding="utf-8"?>
+<p:sld xmlns:a="http://schemas.openxmlformats.org/drawingml/2006/main" xmlns:r="http://schemas.openxmlformats.org/officeDocument/2006/relationships" xmlns:p="http://schemas.openxmlformats.org/presentationml/2006/main">
+  <p:cSld>
+    <p:spTree>
+      <p:nvGrpSpPr>
+        <p:cNvPr id="1" name=""/>
+        <p:cNvGrpSpPr/>
+        <p:nvPr/>
+      </p:nvGrpSpPr>
+      <p:grpSpPr>
+        <a:xfrm>
+          <a:off x="0" y="0"/>
+          <a:ext cx="0" cy="0"/>
+          <a:chOff x="0" y="0"/>
+          <a:chExt cx="0" cy="0"/>
+        </a:xfrm>
+      </p:grpSpPr>
+      <p:sp>
+        <p:nvSpPr>
+          <p:cNvPr id="2" name="Title 1"/>
+          <p:cNvSpPr>
+            <a:spLocks noGrp="1"/>
+          </p:cNvSpPr>
+          <p:nvPr>
+            <p:ph type="ctrTitle"/>
+          </p:nvPr>
+        </p:nvSpPr>
+        <p:spPr>
+          <a:xfrm>
+            <a:off x="685800" y="160685"/>
+            <a:ext cx="7772400" cy="1470025"/>
+          </a:xfrm>
+        </p:spPr>
+        <p:txBody>
+          <a:bodyPr/>
+          <a:lstStyle/>
+          <a:p>
+            <a:r>
+              <a:rPr lang="en-US" dirty="0"/>
+              <a:t>Lab: Get started with Angular 2</a:t>
+            </a:r>
+          </a:p>
+        </p:txBody>
+      </p:sp>
+      <p:sp>
+        <p:nvSpPr>
+          <p:cNvPr id="3" name="Subtitle 2"/>
+          <p:cNvSpPr>
+            <a:spLocks noGrp="1"/>
+          </p:cNvSpPr>
+          <p:nvPr>
+            <p:ph type="subTitle" idx="1"/>
+          </p:nvPr>
+        </p:nvSpPr>
+        <p:spPr>
+          <a:xfrm>
+            <a:off x="454651" y="1630710"/>
+            <a:ext cx="8371875" cy="4609893"/>
+          </a:xfrm>
+        </p:spPr>
+        <p:txBody>
+          <a:bodyPr>
+            <a:normAutofit/>
+          </a:bodyPr>
+          <a:lstStyle/>
+          <a:p>
+            <a:pPr marL="342900" indent="-342900" algn="l">
+              <a:buFont typeface="Arial"/>
+              <a:buChar char="•"/>
+            </a:pPr>
+            <a:r>
+              <a:rPr lang="en-US" sz="2000" dirty="0" smtClean="0"/>
+              <a:t>Like 1.x, valid HTML + script tag pointing to </a:t>
+            </a:r>
+            <a:r>
+              <a:rPr lang="en-US" sz="2000" dirty="0" err="1" smtClean="0"/>
+              <a:t>angular.js</a:t>
+            </a:r>
+            <a:endParaRPr lang="en-US" sz="2000" dirty="0" smtClean="0"/>
+          </a:p>
+          <a:p>
+            <a:pPr marL="342900" indent="-342900" algn="l">
+              <a:buFont typeface="Arial"/>
+              <a:buChar char="•"/>
+            </a:pPr>
+            <a:r>
+              <a:rPr lang="en-US" sz="2000" dirty="0" smtClean="0"/>
+              <a:t>Core </a:t>
+            </a:r>
+            <a:r>
+              <a:rPr lang="en-US" sz="2000" dirty="0" err="1" smtClean="0"/>
+              <a:t>angular.js</a:t>
+            </a:r>
+            <a:r>
+              <a:rPr lang="en-US" sz="2000" dirty="0" smtClean="0"/>
+              <a:t> is super stripped down</a:t>
+            </a:r>
+          </a:p>
+          <a:p>
+            <a:pPr marL="342900" indent="-342900" algn="l">
+              <a:buFont typeface="Arial"/>
+              <a:buChar char="•"/>
+            </a:pPr>
+            <a:r>
+              <a:rPr lang="en-US" sz="2000" dirty="0" smtClean="0"/>
+              <a:t>More script tags to include what you need</a:t>
+            </a:r>
+          </a:p>
+          <a:p>
+            <a:pPr marL="342900" indent="-342900" algn="l">
+              <a:buFont typeface="Arial"/>
+              <a:buChar char="•"/>
+            </a:pPr>
+            <a:r>
+              <a:rPr lang="en-US" sz="2000" dirty="0" smtClean="0"/>
+              <a:t>Notes on </a:t>
+            </a:r>
+            <a:r>
+              <a:rPr lang="en-US" sz="2000" dirty="0" err="1"/>
+              <a:t>SystemJS</a:t>
+            </a:r>
+            <a:r>
+              <a:rPr lang="en-US" sz="2000" dirty="0"/>
+              <a:t> </a:t>
+            </a:r>
+            <a:endParaRPr lang="en-US" sz="2000" dirty="0" smtClean="0"/>
+          </a:p>
+          <a:p>
+            <a:pPr marL="800100" lvl="1" indent="-342900" algn="l">
+              <a:buFont typeface="Arial"/>
+              <a:buChar char="•"/>
+            </a:pPr>
+            <a:r>
+              <a:rPr lang="en-US" sz="1600" dirty="0" smtClean="0"/>
+              <a:t>It is </a:t>
+            </a:r>
+            <a:r>
+              <a:rPr lang="en-US" sz="1600" dirty="0"/>
+              <a:t>optional - other module loaders such as </a:t>
+            </a:r>
+            <a:r>
+              <a:rPr lang="en-US" sz="1600" dirty="0" err="1"/>
+              <a:t>Webpack</a:t>
+            </a:r>
+            <a:endParaRPr lang="en-US" sz="1600" dirty="0"/>
+          </a:p>
+          <a:p>
+            <a:pPr marL="800100" lvl="1" indent="-342900" algn="l">
+              <a:buFont typeface="Arial"/>
+              <a:buChar char="•"/>
+            </a:pPr>
+            <a:r>
+              <a:rPr lang="en-US" sz="1600" dirty="0" err="1" smtClean="0"/>
+              <a:t>SystemJS</a:t>
+            </a:r>
+            <a:r>
+              <a:rPr lang="en-US" sz="1600" dirty="0" smtClean="0"/>
+              <a:t> </a:t>
+            </a:r>
+            <a:r>
+              <a:rPr lang="en-US" sz="1600" dirty="0"/>
+              <a:t>is capable of </a:t>
+            </a:r>
+            <a:r>
+              <a:rPr lang="en-US" sz="1600" dirty="0" err="1"/>
+              <a:t>transpiling</a:t>
+            </a:r>
+            <a:r>
+              <a:rPr lang="en-US" sz="1600" dirty="0"/>
+              <a:t> on the fly (client side)</a:t>
+            </a:r>
+          </a:p>
+          <a:p>
+            <a:pPr marL="800100" lvl="1" indent="-342900" algn="l">
+              <a:buFont typeface="Arial"/>
+              <a:buChar char="•"/>
+            </a:pPr>
+            <a:r>
+              <a:rPr lang="en-US" sz="1600" dirty="0" smtClean="0"/>
+              <a:t>Not officially recommended</a:t>
+            </a:r>
+            <a:endParaRPr lang="en-US" sz="1600" dirty="0"/>
+          </a:p>
+          <a:p>
+            <a:pPr marL="800100" lvl="1" indent="-342900" algn="l">
+              <a:buFont typeface="Arial"/>
+              <a:buChar char="•"/>
+            </a:pPr>
+            <a:r>
+              <a:rPr lang="en-US" sz="1600" dirty="0" smtClean="0"/>
+              <a:t>But it </a:t>
+            </a:r>
+            <a:r>
+              <a:rPr lang="en-US" sz="1600" dirty="0"/>
+              <a:t>is faster than waiting for a watcher to recompile</a:t>
+            </a:r>
+          </a:p>
+          <a:p>
+            <a:pPr marL="800100" lvl="1" indent="-342900" algn="l">
+              <a:buFont typeface="Arial"/>
+              <a:buChar char="•"/>
+            </a:pPr>
+            <a:r>
+              <a:rPr lang="en-US" sz="1600" dirty="0" smtClean="0"/>
+              <a:t>Also code </a:t>
+            </a:r>
+            <a:r>
+              <a:rPr lang="en-US" sz="1600" dirty="0"/>
+              <a:t>will sometimes run in browser when the TSC compiler </a:t>
+            </a:r>
+            <a:r>
+              <a:rPr lang="en-US" sz="1600" dirty="0" smtClean="0"/>
+              <a:t>errors</a:t>
+            </a:r>
+          </a:p>
+          <a:p>
+            <a:pPr marL="800100" lvl="1" indent="-342900" algn="l">
+              <a:buFont typeface="Arial"/>
+              <a:buChar char="•"/>
+            </a:pPr>
+            <a:r>
+              <a:rPr lang="en-US" sz="1600" dirty="0" err="1" smtClean="0"/>
+              <a:t>tsc</a:t>
+            </a:r>
+            <a:r>
+              <a:rPr lang="en-US" sz="1600" dirty="0" smtClean="0"/>
+              <a:t> </a:t>
+            </a:r>
+            <a:r>
+              <a:rPr lang="en-US" sz="1600" dirty="0"/>
+              <a:t>depends more on definition files to provide typing</a:t>
+            </a:r>
+            <a:endParaRPr lang="is-IS" sz="1600" dirty="0"/>
+          </a:p>
+        </p:txBody>
+      </p:sp>
+    </p:spTree>
+    <p:extLst>
+      <p:ext uri="{BB962C8B-B14F-4D97-AF65-F5344CB8AC3E}">
+        <p14:creationId xmlns:p14="http://schemas.microsoft.com/office/powerpoint/2010/main" val="4014897445"/>
       </p:ext>
     </p:extLst>
   </p:cSld>
@@ -7827,17 +9148,8 @@
           <a:p>
             <a:r>
               <a:rPr lang="en-US" dirty="0"/>
-              <a:t>Dependency </a:t>
-            </a:r>
-            <a:r>
-              <a:rPr lang="en-US" dirty="0" smtClean="0"/>
-              <a:t>Injection: </a:t>
-            </a:r>
-            <a:r>
-              <a:rPr lang="en-US" dirty="0"/>
-              <a:t>Mechanics</a:t>
-            </a:r>
-            <a:endParaRPr lang="en-US" dirty="0"/>
+              <a:t>Angular Scope</a:t>
+            </a:r>
           </a:p>
         </p:txBody>
       </p:sp>
@@ -7868,21 +9180,50 @@
               <a:buChar char="•"/>
             </a:pPr>
             <a:r>
-              <a:rPr lang="en-US" sz="2000" dirty="0" smtClean="0"/>
-              <a:t>Analogy</a:t>
-            </a:r>
-            <a:r>
-              <a:rPr lang="en-US" sz="2000" dirty="0"/>
-              <a:t>: </a:t>
-            </a:r>
-            <a:r>
-              <a:rPr lang="en-US" sz="2000" dirty="0" err="1"/>
-              <a:t>Javascript</a:t>
-            </a:r>
-            <a:r>
-              <a:rPr lang="en-US" sz="2000" dirty="0"/>
-              <a:t> has two phases: interpretation and execution</a:t>
-            </a:r>
+              <a:rPr lang="en-US" sz="2400" dirty="0" smtClean="0"/>
+              <a:t>Scope </a:t>
+            </a:r>
+            <a:r>
+              <a:rPr lang="en-US" sz="2400" dirty="0"/>
+              <a:t>is an object that refers to the application model</a:t>
+            </a:r>
+          </a:p>
+          <a:p>
+            <a:pPr marL="342900" indent="-342900" algn="l">
+              <a:buFont typeface="Arial"/>
+              <a:buChar char="•"/>
+            </a:pPr>
+            <a:r>
+              <a:rPr lang="en-US" sz="2400" dirty="0" smtClean="0"/>
+              <a:t>Provides </a:t>
+            </a:r>
+            <a:r>
+              <a:rPr lang="en-US" sz="2400" dirty="0"/>
+              <a:t>the execution context </a:t>
+            </a:r>
+            <a:r>
+              <a:rPr lang="en-US" sz="2400" dirty="0" smtClean="0"/>
+              <a:t>for template </a:t>
+            </a:r>
+            <a:r>
+              <a:rPr lang="en-US" sz="2400" dirty="0"/>
+              <a:t>expressions</a:t>
+            </a:r>
+          </a:p>
+          <a:p>
+            <a:pPr marL="342900" indent="-342900" algn="l">
+              <a:buFont typeface="Arial"/>
+              <a:buChar char="•"/>
+            </a:pPr>
+            <a:r>
+              <a:rPr lang="en-US" sz="2400" dirty="0" smtClean="0"/>
+              <a:t>Scope </a:t>
+            </a:r>
+            <a:r>
+              <a:rPr lang="en-US" sz="2400" dirty="0"/>
+              <a:t>can </a:t>
+            </a:r>
+            <a:endParaRPr lang="en-US" sz="2400" dirty="0" smtClean="0"/>
           </a:p>
           <a:p>
             <a:pPr marL="800100" lvl="1" indent="-342900" algn="l">
@@ -7890,13 +9231,14 @@
               <a:buChar char="•"/>
             </a:pPr>
             <a:r>
-              <a:rPr lang="en-US" sz="1600" dirty="0" smtClean="0"/>
-              <a:t>Interpretation </a:t>
-            </a:r>
-            <a:r>
-              <a:rPr lang="en-US" sz="1600" dirty="0"/>
-              <a:t>verifies syntax and produces executable</a:t>
-            </a:r>
+              <a:rPr lang="en-US" sz="2000" dirty="0" smtClean="0"/>
+              <a:t>observe </a:t>
+            </a:r>
+            <a:r>
+              <a:rPr lang="en-US" sz="2000" dirty="0"/>
+              <a:t>model mutations ($watch) </a:t>
+            </a:r>
+            <a:endParaRPr lang="en-US" sz="2000" dirty="0" smtClean="0"/>
           </a:p>
           <a:p>
             <a:pPr marL="800100" lvl="1" indent="-342900" algn="l">
@@ -7904,90 +9246,59 @@
               <a:buChar char="•"/>
             </a:pPr>
             <a:r>
-              <a:rPr lang="en-US" sz="1600" dirty="0" smtClean="0"/>
-              <a:t>Execution </a:t>
-            </a:r>
-            <a:r>
-              <a:rPr lang="en-US" sz="1600" dirty="0"/>
-              <a:t>actually runs and attempts to resolve symbols</a:t>
-            </a:r>
-          </a:p>
-          <a:p>
-            <a:pPr marL="342900" indent="-342900" algn="l">
-              <a:buFont typeface="Arial"/>
-              <a:buChar char="•"/>
-            </a:pPr>
-            <a:r>
-              <a:rPr lang="en-US" sz="2000" dirty="0" smtClean="0"/>
-              <a:t>DI </a:t>
-            </a:r>
-            <a:r>
-              <a:rPr lang="en-US" sz="2000" dirty="0"/>
-              <a:t>systems have two phases</a:t>
-            </a:r>
-          </a:p>
-          <a:p>
-            <a:pPr marL="800100" lvl="1" indent="-342900" algn="l">
-              <a:buFont typeface="Arial"/>
-              <a:buChar char="•"/>
-            </a:pPr>
-            <a:r>
-              <a:rPr lang="en-US" sz="1600" dirty="0" smtClean="0"/>
-              <a:t>Registration </a:t>
-            </a:r>
-            <a:r>
-              <a:rPr lang="en-US" sz="1600" dirty="0"/>
-              <a:t>of dependencies</a:t>
-            </a:r>
-          </a:p>
-          <a:p>
-            <a:pPr marL="800100" lvl="1" indent="-342900" algn="l">
-              <a:buFont typeface="Arial"/>
-              <a:buChar char="•"/>
-            </a:pPr>
-            <a:r>
-              <a:rPr lang="en-US" sz="1600" dirty="0" smtClean="0"/>
-              <a:t>Execution </a:t>
-            </a:r>
-            <a:r>
-              <a:rPr lang="en-US" sz="1600" dirty="0"/>
-              <a:t>once all dependencies are available</a:t>
-            </a:r>
-          </a:p>
-          <a:p>
-            <a:pPr marL="800100" lvl="1" indent="-342900" algn="l">
-              <a:buFont typeface="Arial"/>
-              <a:buChar char="•"/>
-            </a:pPr>
-            <a:r>
-              <a:rPr lang="en-US" sz="1600" dirty="0" smtClean="0"/>
-              <a:t>DI </a:t>
-            </a:r>
-            <a:r>
-              <a:rPr lang="en-US" sz="1600" dirty="0"/>
-              <a:t>code will therefore also have two corresponding parts</a:t>
-            </a:r>
-            <a:endParaRPr lang="en-US" sz="1200" dirty="0"/>
+              <a:rPr lang="en-US" sz="2000" dirty="0" smtClean="0"/>
+              <a:t>propagate </a:t>
+            </a:r>
+            <a:r>
+              <a:rPr lang="en-US" sz="2000" dirty="0"/>
+              <a:t>events ($apply)</a:t>
+            </a:r>
+          </a:p>
+          <a:p>
+            <a:pPr marL="342900" indent="-342900" algn="l">
+              <a:buFont typeface="Arial"/>
+              <a:buChar char="•"/>
+            </a:pPr>
+            <a:r>
+              <a:rPr lang="en-US" sz="2400" dirty="0" smtClean="0"/>
+              <a:t>Controllers </a:t>
+            </a:r>
+            <a:r>
+              <a:rPr lang="en-US" sz="2400" dirty="0"/>
+              <a:t>and directives modify scope, but not each other</a:t>
+            </a:r>
+          </a:p>
+          <a:p>
+            <a:pPr marL="342900" indent="-342900" algn="l">
+              <a:buFont typeface="Arial"/>
+              <a:buChar char="•"/>
+            </a:pPr>
+            <a:r>
+              <a:rPr lang="en-US" sz="2400" dirty="0" smtClean="0"/>
+              <a:t>Scopes </a:t>
+            </a:r>
+            <a:r>
+              <a:rPr lang="en-US" sz="2400" dirty="0"/>
+              <a:t>arranged in hierarchical structure mirroring the application </a:t>
+            </a:r>
+            <a:r>
+              <a:rPr lang="en-US" sz="2400" dirty="0" smtClean="0"/>
+              <a:t>DOM</a:t>
+            </a:r>
+            <a:endParaRPr lang="en-US" sz="2400" dirty="0"/>
           </a:p>
         </p:txBody>
       </p:sp>
     </p:spTree>
     <p:extLst>
       <p:ext uri="{BB962C8B-B14F-4D97-AF65-F5344CB8AC3E}">
-        <p14:creationId xmlns:p14="http://schemas.microsoft.com/office/powerpoint/2010/main" val="2632643855"/>
+        <p14:creationId xmlns:p14="http://schemas.microsoft.com/office/powerpoint/2010/main" val="137688822"/>
       </p:ext>
     </p:extLst>
   </p:cSld>
   <p:clrMapOvr>
     <a:masterClrMapping/>
   </p:clrMapOvr>
-  <p:timing>
-    <p:tnLst>
-      <p:par>
-        <p:cTn xmlns:p14="http://schemas.microsoft.com/office/powerpoint/2010/main" id="1" dur="indefinite" restart="never" nodeType="tmRoot"/>
-      </p:par>
-    </p:tnLst>
-  </p:timing>
 </p:sld>
 </file>
 
@@ -8030,24 +9341,8 @@
           <a:p>
             <a:r>
               <a:rPr lang="en-US" dirty="0"/>
-              <a:t>Dependency </a:t>
-            </a:r>
-            <a:r>
-              <a:rPr lang="en-US" dirty="0" smtClean="0"/>
-              <a:t>Injection:</a:t>
-            </a:r>
-            <a:br>
-              <a:rPr lang="en-US" dirty="0" smtClean="0"/>
-            </a:br>
-            <a:r>
-              <a:rPr lang="en-US" dirty="0" smtClean="0"/>
-              <a:t>Angular </a:t>
-            </a:r>
-            <a:r>
-              <a:rPr lang="en-US" dirty="0"/>
-              <a:t>conventions</a:t>
-            </a:r>
-            <a:endParaRPr lang="en-US" dirty="0"/>
+              <a:t>Why scope?</a:t>
+            </a:r>
           </a:p>
         </p:txBody>
       </p:sp>
@@ -8078,13 +9373,14 @@
               <a:buChar char="•"/>
             </a:pPr>
             <a:r>
-              <a:rPr lang="en-US" sz="2000" dirty="0" smtClean="0"/>
-              <a:t>Inline </a:t>
-            </a:r>
-            <a:r>
-              <a:rPr lang="en-US" sz="2000" dirty="0"/>
-              <a:t>Annotation Array</a:t>
-            </a:r>
+              <a:rPr lang="en-US" sz="2400" dirty="0" smtClean="0"/>
+              <a:t>Memory </a:t>
+            </a:r>
+            <a:r>
+              <a:rPr lang="en-US" sz="2400" dirty="0"/>
+              <a:t>management: </a:t>
+            </a:r>
+            <a:endParaRPr lang="en-US" sz="2400" dirty="0" smtClean="0"/>
           </a:p>
           <a:p>
             <a:pPr marL="800100" lvl="1" indent="-342900" algn="l">
@@ -8092,45 +9388,18 @@
               <a:buChar char="•"/>
             </a:pPr>
             <a:r>
-              <a:rPr lang="en-US" sz="1600" dirty="0" smtClean="0"/>
-              <a:t>[</a:t>
-            </a:r>
-            <a:r>
-              <a:rPr lang="en-US" sz="1600" dirty="0"/>
-              <a:t>'$</a:t>
-            </a:r>
-            <a:r>
-              <a:rPr lang="en-US" sz="1600" dirty="0" err="1"/>
-              <a:t>ngBuiltIn</a:t>
-            </a:r>
-            <a:r>
-              <a:rPr lang="en-US" sz="1600" dirty="0"/>
-              <a:t>', '</a:t>
-            </a:r>
-            <a:r>
-              <a:rPr lang="en-US" sz="1600" dirty="0" err="1"/>
-              <a:t>myDep</a:t>
-            </a:r>
-            <a:r>
-              <a:rPr lang="en-US" sz="1600" dirty="0"/>
-              <a:t>', function (</a:t>
-            </a:r>
-            <a:r>
-              <a:rPr lang="en-US" sz="1600" dirty="0" err="1"/>
-              <a:t>builtIn</a:t>
-            </a:r>
-            <a:r>
-              <a:rPr lang="en-US" sz="1600" dirty="0"/>
-              <a:t>, </a:t>
-            </a:r>
-            <a:r>
-              <a:rPr lang="en-US" sz="1600" dirty="0" err="1"/>
-              <a:t>myDep</a:t>
-            </a:r>
-            <a:r>
-              <a:rPr lang="en-US" sz="1600" dirty="0"/>
-              <a:t>) {...}]</a:t>
-            </a:r>
+              <a:rPr lang="en-US" sz="2000" dirty="0" smtClean="0"/>
+              <a:t>when </a:t>
+            </a:r>
+            <a:r>
+              <a:rPr lang="en-US" sz="2000" dirty="0"/>
+              <a:t>DOM changes, scope </a:t>
+            </a:r>
+            <a:r>
+              <a:rPr lang="en-US" sz="2000" dirty="0" smtClean="0"/>
+              <a:t>changes, and vice versa</a:t>
+            </a:r>
+            <a:endParaRPr lang="en-US" sz="2000" dirty="0"/>
           </a:p>
           <a:p>
             <a:pPr marL="800100" lvl="1" indent="-342900" algn="l">
@@ -8138,214 +9407,60 @@
               <a:buChar char="•"/>
             </a:pPr>
             <a:r>
-              <a:rPr lang="en-US" sz="1600" dirty="0" smtClean="0"/>
-              <a:t>First </a:t>
-            </a:r>
-            <a:r>
-              <a:rPr lang="en-US" sz="1600" dirty="0"/>
-              <a:t>n...elements in array declare dependencies</a:t>
-            </a:r>
-          </a:p>
-          <a:p>
-            <a:pPr marL="800100" lvl="1" indent="-342900" algn="l">
-              <a:buFont typeface="Arial"/>
-              <a:buChar char="•"/>
-            </a:pPr>
-            <a:r>
-              <a:rPr lang="en-US" sz="1600" dirty="0" smtClean="0"/>
-              <a:t>Last </a:t>
-            </a:r>
-            <a:r>
-              <a:rPr lang="en-US" sz="1600" dirty="0" err="1"/>
-              <a:t>arg</a:t>
-            </a:r>
-            <a:r>
-              <a:rPr lang="en-US" sz="1600" dirty="0"/>
-              <a:t> is the function to execute once </a:t>
-            </a:r>
-            <a:r>
-              <a:rPr lang="en-US" sz="1600" dirty="0" err="1"/>
-              <a:t>deps</a:t>
-            </a:r>
-            <a:r>
-              <a:rPr lang="en-US" sz="1600" dirty="0"/>
-              <a:t> are ready</a:t>
-            </a:r>
-          </a:p>
-          <a:p>
-            <a:pPr marL="800100" lvl="1" indent="-342900" algn="l">
-              <a:buFont typeface="Arial"/>
-              <a:buChar char="•"/>
-            </a:pPr>
-            <a:r>
-              <a:rPr lang="en-US" sz="1600" dirty="0" smtClean="0"/>
-              <a:t>Function </a:t>
-            </a:r>
-            <a:r>
-              <a:rPr lang="en-US" sz="1600" dirty="0" err="1"/>
-              <a:t>arg</a:t>
-            </a:r>
-            <a:r>
-              <a:rPr lang="en-US" sz="1600" dirty="0"/>
-              <a:t> names are arbitrary, </a:t>
-            </a:r>
-            <a:r>
-              <a:rPr lang="en-US" sz="1600" dirty="0" err="1"/>
-              <a:t>deps</a:t>
-            </a:r>
-            <a:r>
-              <a:rPr lang="en-US" sz="1600" dirty="0"/>
-              <a:t> passed in order</a:t>
-            </a:r>
-          </a:p>
-          <a:p>
-            <a:pPr marL="342900" indent="-342900" algn="l">
-              <a:buFont typeface="Arial"/>
-              <a:buChar char="•"/>
-            </a:pPr>
-            <a:r>
-              <a:rPr lang="en-US" sz="2000" dirty="0" smtClean="0"/>
-              <a:t>Implicit </a:t>
-            </a:r>
-            <a:r>
-              <a:rPr lang="en-US" sz="2000" dirty="0"/>
-              <a:t>annotation</a:t>
-            </a:r>
-          </a:p>
-          <a:p>
-            <a:pPr marL="800100" lvl="1" indent="-342900" algn="l">
-              <a:buFont typeface="Arial"/>
-              <a:buChar char="•"/>
-            </a:pPr>
-            <a:r>
-              <a:rPr lang="en-US" sz="1600" dirty="0" err="1" smtClean="0"/>
-              <a:t>Injectables</a:t>
-            </a:r>
-            <a:r>
-              <a:rPr lang="en-US" sz="1600" dirty="0"/>
-              <a:t>: register first, use later</a:t>
-            </a:r>
-          </a:p>
-          <a:p>
-            <a:pPr marL="800100" lvl="1" indent="-342900" algn="l">
-              <a:buFont typeface="Arial"/>
-              <a:buChar char="•"/>
-            </a:pPr>
-            <a:r>
-              <a:rPr lang="en-US" sz="1600" dirty="0" smtClean="0"/>
-              <a:t>.</a:t>
-            </a:r>
-            <a:r>
-              <a:rPr lang="en-US" sz="1600" dirty="0"/>
-              <a:t>controller('</a:t>
-            </a:r>
-            <a:r>
-              <a:rPr lang="en-US" sz="1600" dirty="0" err="1"/>
-              <a:t>cntrName</a:t>
-            </a:r>
-            <a:r>
-              <a:rPr lang="en-US" sz="1600" dirty="0"/>
-              <a:t>', function ($scope, </a:t>
-            </a:r>
-            <a:r>
-              <a:rPr lang="en-US" sz="1600" dirty="0" err="1"/>
-              <a:t>myInjectable</a:t>
-            </a:r>
-            <a:r>
-              <a:rPr lang="en-US" sz="1600" dirty="0"/>
-              <a:t>) {...})</a:t>
-            </a:r>
-          </a:p>
-          <a:p>
-            <a:pPr marL="800100" lvl="1" indent="-342900" algn="l">
-              <a:buFont typeface="Arial"/>
-              <a:buChar char="•"/>
-            </a:pPr>
-            <a:r>
-              <a:rPr lang="en-US" sz="1600" dirty="0" err="1" smtClean="0"/>
-              <a:t>nG</a:t>
-            </a:r>
-            <a:r>
-              <a:rPr lang="en-US" sz="1600" dirty="0" smtClean="0"/>
-              <a:t> </a:t>
-            </a:r>
-            <a:r>
-              <a:rPr lang="en-US" sz="1600" dirty="0"/>
-              <a:t>knows how to provide built-in $scope</a:t>
-            </a:r>
-          </a:p>
-          <a:p>
-            <a:pPr marL="800100" lvl="1" indent="-342900" algn="l">
-              <a:buFont typeface="Arial"/>
-              <a:buChar char="•"/>
-            </a:pPr>
-            <a:r>
-              <a:rPr lang="en-US" sz="1600" dirty="0" smtClean="0"/>
-              <a:t>We </a:t>
-            </a:r>
-            <a:r>
-              <a:rPr lang="en-US" sz="1600" dirty="0"/>
-              <a:t>have to register </a:t>
-            </a:r>
-            <a:r>
-              <a:rPr lang="en-US" sz="1600" dirty="0" err="1"/>
-              <a:t>myInjectable</a:t>
-            </a:r>
-            <a:r>
-              <a:rPr lang="en-US" sz="1600" dirty="0"/>
-              <a:t> via </a:t>
-            </a:r>
-            <a:r>
-              <a:rPr lang="en-US" sz="1600" dirty="0" err="1"/>
-              <a:t>nG</a:t>
-            </a:r>
-            <a:r>
-              <a:rPr lang="en-US" sz="1600" dirty="0"/>
-              <a:t> Provider</a:t>
-            </a:r>
-          </a:p>
-          <a:p>
-            <a:pPr marL="800100" lvl="1" indent="-342900" algn="l">
-              <a:buFont typeface="Arial"/>
-              <a:buChar char="•"/>
-            </a:pPr>
-            <a:r>
-              <a:rPr lang="en-US" sz="1600" dirty="0" smtClean="0"/>
-              <a:t>Gotcha</a:t>
-            </a:r>
-            <a:r>
-              <a:rPr lang="en-US" sz="1600" dirty="0"/>
-              <a:t>: minimization can break DI - </a:t>
-            </a:r>
-            <a:r>
-              <a:rPr lang="en-US" sz="1600" dirty="0" err="1"/>
-              <a:t>args</a:t>
-            </a:r>
-            <a:r>
-              <a:rPr lang="en-US" sz="1600" dirty="0"/>
-              <a:t> get turned into (a, b)</a:t>
-            </a:r>
-            <a:endParaRPr lang="en-US" sz="800" dirty="0"/>
+              <a:rPr lang="en-US" sz="2000" dirty="0" smtClean="0"/>
+              <a:t>Scope </a:t>
+            </a:r>
+            <a:r>
+              <a:rPr lang="en-US" sz="2000" dirty="0"/>
+              <a:t>handles set up and tear down of bindings and listeners</a:t>
+            </a:r>
+          </a:p>
+          <a:p>
+            <a:pPr marL="342900" indent="-342900" algn="l">
+              <a:buFont typeface="Arial"/>
+              <a:buChar char="•"/>
+            </a:pPr>
+            <a:r>
+              <a:rPr lang="en-US" sz="2400" dirty="0"/>
+              <a:t>Scopes can inherit, promoting </a:t>
+            </a:r>
+            <a:r>
+              <a:rPr lang="en-US" sz="2400" dirty="0" err="1"/>
+              <a:t>composability</a:t>
+            </a:r>
+            <a:endParaRPr lang="en-US" sz="2400" dirty="0"/>
+          </a:p>
+          <a:p>
+            <a:pPr marL="342900" indent="-342900" algn="l">
+              <a:buFont typeface="Arial"/>
+              <a:buChar char="•"/>
+            </a:pPr>
+            <a:r>
+              <a:rPr lang="en-US" sz="2400" dirty="0" smtClean="0"/>
+              <a:t>Separates </a:t>
+            </a:r>
+            <a:r>
+              <a:rPr lang="en-US" sz="2400" dirty="0"/>
+              <a:t>data model from application </a:t>
+            </a:r>
+            <a:r>
+              <a:rPr lang="en-US" sz="2400" dirty="0" smtClean="0"/>
+              <a:t>logic</a:t>
+            </a:r>
+            <a:endParaRPr lang="en-US" sz="2000" dirty="0"/>
           </a:p>
         </p:txBody>
       </p:sp>
     </p:spTree>
     <p:extLst>
       <p:ext uri="{BB962C8B-B14F-4D97-AF65-F5344CB8AC3E}">
-        <p14:creationId xmlns:p14="http://schemas.microsoft.com/office/powerpoint/2010/main" val="1639917623"/>
+        <p14:creationId xmlns:p14="http://schemas.microsoft.com/office/powerpoint/2010/main" val="3477307116"/>
       </p:ext>
     </p:extLst>
   </p:cSld>
   <p:clrMapOvr>
     <a:masterClrMapping/>
   </p:clrMapOvr>
-  <p:timing>
-    <p:tnLst>
-      <p:par>
-        <p:cTn xmlns:p14="http://schemas.microsoft.com/office/powerpoint/2010/main" id="1" dur="indefinite" restart="never" nodeType="tmRoot"/>
-      </p:par>
-    </p:tnLst>
-  </p:timing>
 </p:sld>
 </file>
 
@@ -8388,9 +9503,8 @@
           <a:p>
             <a:r>
               <a:rPr lang="en-US" dirty="0"/>
-              <a:t>Providers</a:t>
-            </a:r>
-            <a:endParaRPr lang="en-US" dirty="0"/>
+              <a:t>Scope inheritance</a:t>
+            </a:r>
           </a:p>
         </p:txBody>
       </p:sp>
@@ -8412,179 +9526,230 @@
         </p:spPr>
         <p:txBody>
           <a:bodyPr>
-            <a:normAutofit/>
+            <a:normAutofit fontScale="85000" lnSpcReduction="10000"/>
           </a:bodyPr>
           <a:lstStyle/>
           <a:p>
-            <a:pPr marL="342900" indent="-342900" algn="l">
-              <a:buFont typeface="Arial"/>
-              <a:buChar char="•"/>
-            </a:pPr>
-            <a:r>
-              <a:rPr lang="en-US" sz="2000" dirty="0" smtClean="0"/>
-              <a:t>Angular </a:t>
-            </a:r>
-            <a:r>
-              <a:rPr lang="en-US" sz="2000" dirty="0"/>
-              <a:t>itself is built using the Provider pattern</a:t>
-            </a:r>
-          </a:p>
-          <a:p>
-            <a:pPr marL="342900" indent="-342900" algn="l">
-              <a:buFont typeface="Arial"/>
-              <a:buChar char="•"/>
-            </a:pPr>
-            <a:r>
-              <a:rPr lang="en-US" sz="2000" dirty="0" smtClean="0"/>
-              <a:t>When </a:t>
-            </a:r>
-            <a:r>
-              <a:rPr lang="en-US" sz="2000" dirty="0"/>
-              <a:t>we used .controller(), </a:t>
+            <a:pPr algn="l"/>
+            <a:r>
+              <a:rPr lang="en-US" sz="2400" dirty="0" smtClean="0"/>
+              <a:t>Four </a:t>
+            </a:r>
+            <a:r>
+              <a:rPr lang="en-US" sz="2400" dirty="0"/>
+              <a:t>types (plus none) of scope inheritance</a:t>
+            </a:r>
+          </a:p>
+          <a:p>
+            <a:pPr marL="457200" indent="-457200" algn="l">
+              <a:buFont typeface="+mj-lt"/>
+              <a:buAutoNum type="arabicPeriod"/>
+            </a:pPr>
+            <a:r>
+              <a:rPr lang="en-US" sz="2400" dirty="0" smtClean="0"/>
+              <a:t>None</a:t>
+            </a:r>
+            <a:r>
+              <a:rPr lang="en-US" sz="2400" dirty="0"/>
+              <a:t>: directives by default</a:t>
+            </a:r>
+          </a:p>
+          <a:p>
+            <a:pPr marL="914400" lvl="1" indent="-457200" algn="l">
+              <a:buFont typeface="Arial"/>
+              <a:buChar char="•"/>
+            </a:pPr>
+            <a:r>
+              <a:rPr lang="en-US" sz="2000" dirty="0" smtClean="0"/>
+              <a:t>Directive </a:t>
+            </a:r>
+            <a:r>
+              <a:rPr lang="en-US" sz="2000" dirty="0"/>
+              <a:t>accesses &amp; assigns values on parent scope directly.</a:t>
+            </a:r>
+          </a:p>
+          <a:p>
+            <a:pPr marL="457200" indent="-457200" algn="l">
+              <a:buFont typeface="+mj-lt"/>
+              <a:buAutoNum type="arabicPeriod"/>
+            </a:pPr>
+            <a:r>
+              <a:rPr lang="en-US" sz="2400" dirty="0" smtClean="0"/>
+              <a:t>Normal </a:t>
+            </a:r>
+            <a:r>
+              <a:rPr lang="en-US" sz="2400" dirty="0"/>
+              <a:t>prototypal: </a:t>
+            </a:r>
+            <a:r>
+              <a:rPr lang="en-US" sz="2400" dirty="0" err="1"/>
+              <a:t>ng</a:t>
+            </a:r>
+            <a:r>
+              <a:rPr lang="en-US" sz="2400" dirty="0"/>
+              <a:t>-controller, </a:t>
+            </a:r>
+            <a:r>
+              <a:rPr lang="en-US" sz="2400" dirty="0" err="1"/>
+              <a:t>ng</a:t>
+            </a:r>
+            <a:r>
+              <a:rPr lang="en-US" sz="2400" dirty="0"/>
+              <a:t>-include, </a:t>
+            </a:r>
+            <a:r>
+              <a:rPr lang="en-US" sz="2400" dirty="0" err="1"/>
+              <a:t>ng</a:t>
+            </a:r>
+            <a:r>
+              <a:rPr lang="en-US" sz="2400" dirty="0"/>
+              <a:t>-switch, directive with option </a:t>
+            </a:r>
+            <a:r>
+              <a:rPr lang="en-US" sz="2400" dirty="0" err="1"/>
+              <a:t>scope:true</a:t>
+            </a:r>
+            <a:endParaRPr lang="en-US" sz="2400" dirty="0"/>
+          </a:p>
+          <a:p>
+            <a:pPr marL="914400" lvl="1" indent="-457200" algn="l">
+              <a:buFont typeface="Arial"/>
+              <a:buChar char="•"/>
+            </a:pPr>
+            <a:r>
+              <a:rPr lang="en-US" sz="2000" dirty="0" smtClean="0"/>
+              <a:t>Tries </a:t>
+            </a:r>
+            <a:r>
+              <a:rPr lang="en-US" sz="2000" dirty="0"/>
+              <a:t>to look up properties on child, followed by parent; assigns properties on child.</a:t>
+            </a:r>
+          </a:p>
+          <a:p>
+            <a:pPr marL="457200" indent="-457200" algn="l">
+              <a:buFont typeface="+mj-lt"/>
+              <a:buAutoNum type="arabicPeriod"/>
+            </a:pPr>
+            <a:r>
+              <a:rPr lang="en-US" sz="2400" dirty="0" smtClean="0"/>
+              <a:t>Normal </a:t>
+            </a:r>
+            <a:r>
+              <a:rPr lang="en-US" sz="2400" dirty="0"/>
+              <a:t>prototypal plus copy/assignment: </a:t>
+            </a:r>
+            <a:r>
+              <a:rPr lang="en-US" sz="2400" dirty="0" err="1"/>
+              <a:t>ng</a:t>
+            </a:r>
+            <a:r>
+              <a:rPr lang="en-US" sz="2400" dirty="0"/>
+              <a:t>-repeat</a:t>
+            </a:r>
+          </a:p>
+          <a:p>
+            <a:pPr marL="800100" lvl="1" indent="-342900" algn="l">
+              <a:buFont typeface="Arial"/>
+              <a:buChar char="•"/>
+            </a:pPr>
+            <a:r>
+              <a:rPr lang="en-US" sz="2000" dirty="0" smtClean="0"/>
+              <a:t>Each </a:t>
+            </a:r>
+            <a:r>
+              <a:rPr lang="en-US" sz="2000" dirty="0"/>
+              <a:t>iteration of </a:t>
             </a:r>
             <a:r>
               <a:rPr lang="en-US" sz="2000" dirty="0" err="1"/>
-              <a:t>nG</a:t>
-            </a:r>
-            <a:r>
-              <a:rPr lang="en-US" sz="2000" dirty="0"/>
-              <a:t> created </a:t>
-            </a:r>
-            <a:r>
-              <a:rPr lang="en-US" sz="2000" dirty="0" err="1"/>
-              <a:t>controllerProvider</a:t>
-            </a:r>
-            <a:endParaRPr lang="en-US" sz="2000" dirty="0"/>
-          </a:p>
-          <a:p>
-            <a:pPr marL="342900" indent="-342900" algn="l">
-              <a:buFont typeface="Arial"/>
-              <a:buChar char="•"/>
-            </a:pPr>
-            <a:r>
-              <a:rPr lang="en-US" sz="2000" dirty="0" smtClean="0"/>
-              <a:t>Providers </a:t>
-            </a:r>
-            <a:r>
-              <a:rPr lang="en-US" sz="2000" dirty="0"/>
-              <a:t>are registered at </a:t>
-            </a:r>
-            <a:r>
-              <a:rPr lang="en-US" sz="2000" dirty="0" err="1"/>
-              <a:t>config</a:t>
-            </a:r>
-            <a:r>
-              <a:rPr lang="en-US" sz="2000" dirty="0"/>
-              <a:t> time and </a:t>
-            </a:r>
-            <a:r>
-              <a:rPr lang="en-US" sz="2000" dirty="0" err="1"/>
-              <a:t>initted</a:t>
-            </a:r>
-            <a:r>
-              <a:rPr lang="en-US" sz="2000" dirty="0"/>
-              <a:t>/injected at run time</a:t>
-            </a:r>
-          </a:p>
-          <a:p>
-            <a:pPr marL="342900" indent="-342900" algn="l">
-              <a:buFont typeface="Arial"/>
-              <a:buChar char="•"/>
-            </a:pPr>
-            <a:r>
-              <a:rPr lang="en-US" sz="2000" dirty="0" smtClean="0"/>
-              <a:t>Angular </a:t>
-            </a:r>
-            <a:r>
-              <a:rPr lang="en-US" sz="2000" dirty="0"/>
-              <a:t>built-in providers include $http, $window, $route, $</a:t>
-            </a:r>
-            <a:r>
-              <a:rPr lang="en-US" sz="2000" dirty="0" err="1"/>
-              <a:t>rootScope</a:t>
-            </a:r>
-            <a:endParaRPr lang="en-US" sz="2000" dirty="0"/>
-          </a:p>
-          <a:p>
-            <a:pPr marL="342900" indent="-342900" algn="l">
-              <a:buFont typeface="Arial"/>
-              <a:buChar char="•"/>
-            </a:pPr>
-            <a:r>
-              <a:rPr lang="en-US" sz="2000" dirty="0" err="1" smtClean="0"/>
-              <a:t>angular.injector</a:t>
-            </a:r>
-            <a:r>
-              <a:rPr lang="en-US" sz="2000" dirty="0" smtClean="0"/>
+              <a:t>ng</a:t>
+            </a:r>
+            <a:r>
+              <a:rPr lang="en-US" sz="2000" dirty="0"/>
+              <a:t>-repeat creates a new child scope, which also gets a property with alias name.</a:t>
+            </a:r>
+          </a:p>
+          <a:p>
+            <a:pPr marL="457200" indent="-457200" algn="l">
+              <a:buFont typeface="+mj-lt"/>
+              <a:buAutoNum type="arabicPeriod"/>
+            </a:pPr>
+            <a:r>
+              <a:rPr lang="en-US" sz="2400" dirty="0" smtClean="0"/>
+              <a:t>Isolate </a:t>
+            </a:r>
+            <a:r>
+              <a:rPr lang="en-US" sz="2400" dirty="0"/>
+              <a:t>scope: directive with option scope:{}</a:t>
+            </a:r>
+          </a:p>
+          <a:p>
+            <a:pPr marL="914400" lvl="1" indent="-457200" algn="l">
+              <a:buFont typeface="Arial"/>
+              <a:buChar char="•"/>
+            </a:pPr>
+            <a:r>
+              <a:rPr lang="en-US" sz="2000" dirty="0" smtClean="0"/>
+              <a:t>Object </a:t>
+            </a:r>
+            <a:r>
+              <a:rPr lang="en-US" sz="2000" dirty="0"/>
+              <a:t>literal creates "blank", non-inherited scope. Reference to parent scope is still available.</a:t>
+            </a:r>
+          </a:p>
+          <a:p>
+            <a:pPr marL="457200" indent="-457200" algn="l">
+              <a:buFont typeface="+mj-lt"/>
+              <a:buAutoNum type="arabicPeriod"/>
+            </a:pPr>
+            <a:r>
+              <a:rPr lang="en-US" sz="2400" dirty="0" err="1" smtClean="0"/>
+              <a:t>Transcluded</a:t>
+            </a:r>
+            <a:r>
+              <a:rPr lang="en-US" sz="2400" dirty="0" smtClean="0"/>
               <a:t> </a:t>
             </a:r>
             <a:r>
-              <a:rPr lang="en-US" sz="2000" dirty="0"/>
-              <a:t>handles injection mechanics, often automatically</a:t>
-            </a:r>
-          </a:p>
-          <a:p>
-            <a:pPr marL="342900" indent="-342900" algn="l">
-              <a:buFont typeface="Arial"/>
-              <a:buChar char="•"/>
-            </a:pPr>
-            <a:r>
-              <a:rPr lang="en-US" sz="2000" dirty="0" smtClean="0"/>
-              <a:t>Use </a:t>
-            </a:r>
-            <a:r>
-              <a:rPr lang="en-US" sz="2000" dirty="0"/>
-              <a:t>a provider or subtype when you want code to be</a:t>
-            </a:r>
-          </a:p>
-          <a:p>
-            <a:pPr marL="800100" lvl="1" indent="-342900" algn="l">
-              <a:buFont typeface="Arial"/>
-              <a:buChar char="•"/>
-            </a:pPr>
-            <a:r>
-              <a:rPr lang="en-US" sz="1600" dirty="0" smtClean="0"/>
-              <a:t>reused </a:t>
-            </a:r>
-            <a:r>
-              <a:rPr lang="en-US" sz="1600" dirty="0"/>
-              <a:t>across controllers</a:t>
-            </a:r>
-          </a:p>
-          <a:p>
-            <a:pPr marL="800100" lvl="1" indent="-342900" algn="l">
-              <a:buFont typeface="Arial"/>
-              <a:buChar char="•"/>
-            </a:pPr>
-            <a:r>
-              <a:rPr lang="en-US" sz="1600" dirty="0" smtClean="0"/>
-              <a:t>a </a:t>
-            </a:r>
-            <a:r>
-              <a:rPr lang="en-US" sz="1600" dirty="0"/>
-              <a:t>singleton instance shared by all callers</a:t>
-            </a:r>
-            <a:endParaRPr lang="en-US" sz="400" dirty="0"/>
+              <a:rPr lang="en-US" sz="2400" dirty="0"/>
+              <a:t>scope: directive with option </a:t>
+            </a:r>
+            <a:r>
+              <a:rPr lang="en-US" sz="2400" dirty="0" err="1"/>
+              <a:t>transclude:true</a:t>
+            </a:r>
+            <a:endParaRPr lang="en-US" sz="2400" dirty="0"/>
+          </a:p>
+          <a:p>
+            <a:pPr marL="914400" lvl="1" indent="-457200" algn="l">
+              <a:buFont typeface="Arial"/>
+              <a:buChar char="•"/>
+            </a:pPr>
+            <a:r>
+              <a:rPr lang="en-US" sz="2000" dirty="0" smtClean="0"/>
+              <a:t>Normal</a:t>
+            </a:r>
+            <a:r>
+              <a:rPr lang="en-US" sz="2100" dirty="0" smtClean="0"/>
+              <a:t> </a:t>
+            </a:r>
+            <a:r>
+              <a:rPr lang="en-US" sz="2100" dirty="0"/>
+              <a:t>prototypal scope inheritance, but also a sibling of any isolate scope.</a:t>
+            </a:r>
           </a:p>
         </p:txBody>
       </p:sp>
     </p:spTree>
     <p:extLst>
       <p:ext uri="{BB962C8B-B14F-4D97-AF65-F5344CB8AC3E}">
-        <p14:creationId xmlns:p14="http://schemas.microsoft.com/office/powerpoint/2010/main" val="3135721597"/>
+        <p14:creationId xmlns:p14="http://schemas.microsoft.com/office/powerpoint/2010/main" val="2976463418"/>
       </p:ext>
     </p:extLst>
   </p:cSld>
   <p:clrMapOvr>
     <a:masterClrMapping/>
   </p:clrMapOvr>
-  <p:timing>
-    <p:tnLst>
-      <p:par>
-        <p:cTn xmlns:p14="http://schemas.microsoft.com/office/powerpoint/2010/main" id="1" dur="indefinite" restart="never" nodeType="tmRoot"/>
-      </p:par>
-    </p:tnLst>
-  </p:timing>
 </p:sld>
 </file>
 
@@ -8626,10 +9791,21 @@
           <a:lstStyle/>
           <a:p>
             <a:r>
+              <a:rPr lang="en-US" dirty="0" err="1"/>
+              <a:t>ControllerAs</a:t>
+            </a:r>
+            <a:r>
               <a:rPr lang="en-US" dirty="0"/>
-              <a:t>Provider recipe syntax</a:t>
-            </a:r>
-            <a:endParaRPr lang="en-US" dirty="0"/>
+              <a:t> syntax (</a:t>
+            </a:r>
+            <a:r>
+              <a:rPr lang="en-US" dirty="0" err="1"/>
+              <a:t>nG</a:t>
+            </a:r>
+            <a:r>
+              <a:rPr lang="en-US" dirty="0"/>
+              <a:t> 1.2+)</a:t>
+            </a:r>
           </a:p>
         </p:txBody>
       </p:sp>
@@ -8651,7 +9827,7 @@
         </p:spPr>
         <p:txBody>
           <a:bodyPr>
-            <a:normAutofit/>
+            <a:normAutofit fontScale="92500" lnSpcReduction="10000"/>
           </a:bodyPr>
           <a:lstStyle/>
           <a:p>
@@ -8660,112 +9836,424 @@
               <a:buChar char="•"/>
             </a:pPr>
             <a:r>
-              <a:rPr lang="en-US" sz="2000" dirty="0" smtClean="0"/>
-              <a:t>Recipe</a:t>
-            </a:r>
-            <a:r>
-              <a:rPr lang="en-US" sz="2000" dirty="0"/>
-              <a:t>: .provider('</a:t>
-            </a:r>
-            <a:r>
-              <a:rPr lang="en-US" sz="2000" dirty="0" err="1"/>
-              <a:t>providerName</a:t>
-            </a:r>
-            <a:r>
-              <a:rPr lang="en-US" sz="2000" dirty="0"/>
-              <a:t>', provider_)</a:t>
-            </a:r>
-          </a:p>
-          <a:p>
-            <a:pPr marL="342900" indent="-342900" algn="l">
-              <a:buFont typeface="Arial"/>
-              <a:buChar char="•"/>
-            </a:pPr>
-            <a:r>
-              <a:rPr lang="en-US" sz="2000" dirty="0" smtClean="0"/>
-              <a:t>provider_ </a:t>
-            </a:r>
-            <a:r>
-              <a:rPr lang="en-US" sz="2000" dirty="0"/>
-              <a:t>can be:</a:t>
-            </a:r>
-          </a:p>
-          <a:p>
-            <a:pPr marL="800100" lvl="1" indent="-342900" algn="l">
-              <a:buFont typeface="Arial"/>
-              <a:buChar char="•"/>
-            </a:pPr>
+              <a:rPr lang="nl-NL" sz="2000" dirty="0"/>
+              <a:t>Template </a:t>
+            </a:r>
+            <a:r>
+              <a:rPr lang="nl-NL" sz="2000" dirty="0" err="1"/>
+              <a:t>value</a:t>
+            </a:r>
+            <a:r>
+              <a:rPr lang="nl-NL" sz="2000" dirty="0"/>
+              <a:t> </a:t>
+            </a:r>
+            <a:r>
+              <a:rPr lang="nl-NL" sz="2000" dirty="0" err="1" smtClean="0"/>
+              <a:t>coupled</a:t>
+            </a:r>
+            <a:r>
+              <a:rPr lang="nl-NL" sz="2000" dirty="0" smtClean="0"/>
+              <a:t> </a:t>
+            </a:r>
+            <a:r>
+              <a:rPr lang="nl-NL" sz="2000" dirty="0" err="1"/>
+              <a:t>to</a:t>
+            </a:r>
+            <a:r>
+              <a:rPr lang="nl-NL" sz="2000" dirty="0"/>
+              <a:t> DOM placement ($</a:t>
+            </a:r>
+            <a:r>
+              <a:rPr lang="nl-NL" sz="2000" dirty="0" err="1"/>
+              <a:t>parent</a:t>
+            </a:r>
+            <a:r>
+              <a:rPr lang="nl-NL" sz="2000" dirty="0"/>
+              <a:t>) - </a:t>
+            </a:r>
+            <a:r>
+              <a:rPr lang="nl-NL" sz="2000" dirty="0" err="1"/>
+              <a:t>not</a:t>
+            </a:r>
+            <a:r>
+              <a:rPr lang="nl-NL" sz="2000" dirty="0"/>
+              <a:t> </a:t>
+            </a:r>
+            <a:r>
+              <a:rPr lang="nl-NL" sz="2000" dirty="0" err="1"/>
+              <a:t>moveable</a:t>
+            </a:r>
+            <a:endParaRPr lang="nl-NL" sz="2000" dirty="0"/>
+          </a:p>
+          <a:p>
+            <a:pPr lvl="1" algn="l"/>
             <a:r>
               <a:rPr lang="en-US" sz="1600" dirty="0" smtClean="0"/>
-              <a:t>Any </a:t>
+              <a:t>&lt;</a:t>
             </a:r>
             <a:r>
               <a:rPr lang="en-US" sz="1600" dirty="0"/>
-              <a:t>object that has a $get method</a:t>
-            </a:r>
-          </a:p>
-          <a:p>
-            <a:pPr marL="800100" lvl="1" indent="-342900" algn="l">
-              <a:buFont typeface="Arial"/>
-              <a:buChar char="•"/>
-            </a:pPr>
-            <a:r>
-              <a:rPr lang="en-US" sz="1600" dirty="0" smtClean="0"/>
-              <a:t>A </a:t>
+              <a:t>div </a:t>
+            </a:r>
+            <a:r>
+              <a:rPr lang="en-US" sz="1600" dirty="0" err="1"/>
+              <a:t>ng</a:t>
             </a:r>
             <a:r>
               <a:rPr lang="en-US" sz="1600" dirty="0"/>
-              <a:t>function that returns an object with a $get method</a:t>
-            </a:r>
-          </a:p>
-          <a:p>
-            <a:pPr marL="800100" lvl="1" indent="-342900" algn="l">
-              <a:buFont typeface="Arial"/>
-              <a:buChar char="•"/>
-            </a:pPr>
-            <a:r>
-              <a:rPr lang="en-US" sz="1600" dirty="0" smtClean="0"/>
-              <a:t>An </a:t>
+              <a:t>-controller="</a:t>
+            </a:r>
+            <a:r>
+              <a:rPr lang="en-US" sz="1600" dirty="0" err="1"/>
+              <a:t>ControllerOne</a:t>
             </a:r>
             <a:r>
               <a:rPr lang="en-US" sz="1600" dirty="0"/>
-              <a:t>Inline Annotation array that returns an object with a $get method</a:t>
-            </a:r>
-          </a:p>
-          <a:p>
-            <a:pPr marL="342900" indent="-342900" algn="l">
-              <a:buFont typeface="Arial"/>
-              <a:buChar char="•"/>
-            </a:pPr>
-            <a:r>
-              <a:rPr lang="en-US" sz="2000" dirty="0" smtClean="0"/>
-              <a:t>In </a:t>
-            </a:r>
-            <a:r>
-              <a:rPr lang="en-US" sz="2000" dirty="0"/>
-              <a:t>practice, raw Providers are rare compared to their subtypes</a:t>
-            </a:r>
-            <a:endParaRPr lang="en-US" sz="400" dirty="0"/>
+              <a:t>"&gt;</a:t>
+            </a:r>
+          </a:p>
+          <a:p>
+            <a:pPr lvl="1" algn="l"/>
+            <a:r>
+              <a:rPr lang="nl-NL" sz="1600" dirty="0" smtClean="0"/>
+              <a:t>  {</a:t>
+            </a:r>
+            <a:r>
+              <a:rPr lang="nl-NL" sz="1600" dirty="0"/>
+              <a:t>{</a:t>
+            </a:r>
+            <a:r>
+              <a:rPr lang="nl-NL" sz="1600" dirty="0" err="1"/>
+              <a:t>foo</a:t>
+            </a:r>
+            <a:r>
+              <a:rPr lang="nl-NL" sz="1600" dirty="0"/>
+              <a:t>}</a:t>
+            </a:r>
+            <a:r>
+              <a:rPr lang="nl-NL" sz="1600" dirty="0" smtClean="0"/>
+              <a:t>}</a:t>
+            </a:r>
+            <a:endParaRPr lang="nl-NL" sz="1600" dirty="0"/>
+          </a:p>
+          <a:p>
+            <a:pPr lvl="1" algn="l"/>
+            <a:r>
+              <a:rPr lang="nl-NL" sz="1600" dirty="0" smtClean="0"/>
+              <a:t>&lt;</a:t>
+            </a:r>
+            <a:r>
+              <a:rPr lang="nl-NL" sz="1600" dirty="0"/>
+              <a:t>div </a:t>
+            </a:r>
+            <a:r>
+              <a:rPr lang="nl-NL" sz="1600" dirty="0" err="1"/>
+              <a:t>ng</a:t>
+            </a:r>
+            <a:r>
+              <a:rPr lang="nl-NL" sz="1600" dirty="0"/>
+              <a:t>-controller="</a:t>
+            </a:r>
+            <a:r>
+              <a:rPr lang="nl-NL" sz="1600" dirty="0" err="1"/>
+              <a:t>ControllerTwo</a:t>
+            </a:r>
+            <a:r>
+              <a:rPr lang="nl-NL" sz="1600" dirty="0"/>
+              <a:t>"&gt;</a:t>
+            </a:r>
+          </a:p>
+          <a:p>
+            <a:pPr lvl="1" algn="l"/>
+            <a:r>
+              <a:rPr lang="nl-NL" sz="1600" dirty="0" smtClean="0"/>
+              <a:t>   {</a:t>
+            </a:r>
+            <a:r>
+              <a:rPr lang="nl-NL" sz="1600" dirty="0"/>
+              <a:t>{</a:t>
+            </a:r>
+            <a:r>
+              <a:rPr lang="nl-NL" sz="1600" dirty="0" err="1"/>
+              <a:t>foo</a:t>
+            </a:r>
+            <a:r>
+              <a:rPr lang="nl-NL" sz="1600" dirty="0"/>
+              <a:t>}}</a:t>
+            </a:r>
+          </a:p>
+          <a:p>
+            <a:pPr lvl="1" algn="l"/>
+            <a:r>
+              <a:rPr lang="nl-NL" sz="1600" dirty="0" smtClean="0"/>
+              <a:t>  {</a:t>
+            </a:r>
+            <a:r>
+              <a:rPr lang="nl-NL" sz="1600" dirty="0"/>
+              <a:t>{$</a:t>
+            </a:r>
+            <a:r>
+              <a:rPr lang="nl-NL" sz="1600" dirty="0" err="1"/>
+              <a:t>parent.foo</a:t>
+            </a:r>
+            <a:r>
+              <a:rPr lang="nl-NL" sz="1600" dirty="0"/>
+              <a:t>}}</a:t>
+            </a:r>
+          </a:p>
+          <a:p>
+            <a:pPr marL="342900" indent="-342900" algn="l">
+              <a:buFont typeface="Arial"/>
+              <a:buChar char="•"/>
+            </a:pPr>
+            <a:r>
+              <a:rPr lang="nl-NL" sz="2000" dirty="0" smtClean="0"/>
+              <a:t>Template </a:t>
+            </a:r>
+            <a:r>
+              <a:rPr lang="nl-NL" sz="2000" dirty="0" err="1" smtClean="0"/>
+              <a:t>decoupled</a:t>
+            </a:r>
+            <a:r>
+              <a:rPr lang="nl-NL" sz="2000" dirty="0" smtClean="0"/>
+              <a:t> - </a:t>
+            </a:r>
+            <a:r>
+              <a:rPr lang="nl-NL" sz="2000" dirty="0" err="1" smtClean="0"/>
+              <a:t>moveable</a:t>
+            </a:r>
+            <a:endParaRPr lang="nl-NL" sz="2000" dirty="0" smtClean="0"/>
+          </a:p>
+          <a:p>
+            <a:pPr lvl="1" algn="l"/>
+            <a:r>
+              <a:rPr lang="nl-NL" sz="1600" dirty="0" smtClean="0"/>
+              <a:t>  &lt;div </a:t>
+            </a:r>
+            <a:r>
+              <a:rPr lang="nl-NL" sz="1600" dirty="0" err="1" smtClean="0"/>
+              <a:t>ng</a:t>
+            </a:r>
+            <a:r>
+              <a:rPr lang="nl-NL" sz="1600" dirty="0" smtClean="0"/>
+              <a:t>-controller="</a:t>
+            </a:r>
+            <a:r>
+              <a:rPr lang="nl-NL" sz="1600" dirty="0" err="1" smtClean="0"/>
+              <a:t>ControllerOne</a:t>
+            </a:r>
+            <a:r>
+              <a:rPr lang="nl-NL" sz="1600" dirty="0" smtClean="0"/>
+              <a:t> as ctrl1"&gt;</a:t>
+            </a:r>
+          </a:p>
+          <a:p>
+            <a:pPr lvl="1" algn="l"/>
+            <a:r>
+              <a:rPr lang="nl-NL" sz="1600" dirty="0" smtClean="0"/>
+              <a:t>    {</a:t>
+            </a:r>
+            <a:r>
+              <a:rPr lang="nl-NL" sz="1600" dirty="0"/>
+              <a:t>{ctrl1.foo}}</a:t>
+            </a:r>
+          </a:p>
+          <a:p>
+            <a:pPr algn="l"/>
+            <a:r>
+              <a:rPr lang="nl-NL" sz="1600" dirty="0"/>
+              <a:t>          &lt;div </a:t>
+            </a:r>
+            <a:r>
+              <a:rPr lang="nl-NL" sz="1600" dirty="0" err="1"/>
+              <a:t>ng</a:t>
+            </a:r>
+            <a:r>
+              <a:rPr lang="nl-NL" sz="1600" dirty="0"/>
+              <a:t>-</a:t>
+            </a:r>
+            <a:r>
+              <a:rPr lang="nl-NL" sz="1600" dirty="0" smtClean="0"/>
+              <a:t>controller</a:t>
+            </a:r>
+            <a:r>
+              <a:rPr lang="nl-NL" sz="1600" dirty="0"/>
+              <a:t>="</a:t>
+            </a:r>
+            <a:r>
+              <a:rPr lang="nl-NL" sz="1600" dirty="0" err="1"/>
+              <a:t>ControllerTwo</a:t>
+            </a:r>
+            <a:r>
+              <a:rPr lang="nl-NL" sz="1600" dirty="0"/>
+              <a:t> as ctrl2"&gt;</a:t>
+            </a:r>
+          </a:p>
+          <a:p>
+            <a:pPr lvl="1" algn="l"/>
+            <a:r>
+              <a:rPr lang="nl-NL" sz="1600" dirty="0"/>
+              <a:t>   </a:t>
+            </a:r>
+            <a:r>
+              <a:rPr lang="nl-NL" sz="1600" dirty="0" smtClean="0"/>
+              <a:t>  {</a:t>
+            </a:r>
+            <a:r>
+              <a:rPr lang="nl-NL" sz="1600" dirty="0"/>
+              <a:t>{ctrl2.foo}}</a:t>
+            </a:r>
+          </a:p>
+          <a:p>
+            <a:pPr lvl="1" algn="l"/>
+            <a:r>
+              <a:rPr lang="nl-NL" sz="1600" dirty="0"/>
+              <a:t>     </a:t>
+            </a:r>
+            <a:r>
+              <a:rPr lang="nl-NL" sz="1600" dirty="0" smtClean="0"/>
+              <a:t>{</a:t>
+            </a:r>
+            <a:r>
+              <a:rPr lang="nl-NL" sz="1600" dirty="0"/>
+              <a:t>{ctrl1.foo}}</a:t>
+            </a:r>
+          </a:p>
+          <a:p>
+            <a:pPr marL="342900" indent="-342900" algn="l">
+              <a:buFont typeface="Arial"/>
+              <a:buChar char="•"/>
+            </a:pPr>
+            <a:r>
+              <a:rPr lang="nl-NL" sz="2000" dirty="0" smtClean="0"/>
+              <a:t>Syntax </a:t>
+            </a:r>
+            <a:r>
+              <a:rPr lang="nl-NL" sz="2000" dirty="0" err="1"/>
+              <a:t>not</a:t>
+            </a:r>
+            <a:r>
+              <a:rPr lang="nl-NL" sz="2000" dirty="0"/>
+              <a:t> </a:t>
+            </a:r>
+            <a:r>
+              <a:rPr lang="nl-NL" sz="2000" dirty="0" err="1"/>
+              <a:t>limited</a:t>
+            </a:r>
+            <a:r>
+              <a:rPr lang="nl-NL" sz="2000" dirty="0"/>
+              <a:t> </a:t>
+            </a:r>
+            <a:r>
+              <a:rPr lang="nl-NL" sz="2000" dirty="0" err="1"/>
+              <a:t>to</a:t>
+            </a:r>
+            <a:r>
+              <a:rPr lang="nl-NL" sz="2000" dirty="0"/>
+              <a:t> views - </a:t>
+            </a:r>
+            <a:r>
+              <a:rPr lang="nl-NL" sz="2000" dirty="0" err="1"/>
+              <a:t>heres</a:t>
+            </a:r>
+            <a:r>
+              <a:rPr lang="nl-NL" sz="2000" dirty="0"/>
+              <a:t> a Directive Definition </a:t>
+            </a:r>
+            <a:r>
+              <a:rPr lang="nl-NL" sz="2000" dirty="0" smtClean="0"/>
+              <a:t>Object:</a:t>
+            </a:r>
+          </a:p>
+          <a:p>
+            <a:pPr lvl="1" algn="l"/>
+            <a:r>
+              <a:rPr lang="fr-FR" sz="1600" dirty="0" smtClean="0"/>
+              <a:t>{ </a:t>
+            </a:r>
+            <a:r>
+              <a:rPr lang="fr-FR" sz="1600" dirty="0" err="1" smtClean="0"/>
+              <a:t>restrict</a:t>
+            </a:r>
+            <a:r>
+              <a:rPr lang="fr-FR" sz="1600" dirty="0" smtClean="0"/>
+              <a:t>: 'A',</a:t>
+            </a:r>
+          </a:p>
+          <a:p>
+            <a:pPr lvl="1" algn="l"/>
+            <a:r>
+              <a:rPr lang="fr-FR" sz="1600" dirty="0" smtClean="0"/>
+              <a:t> </a:t>
+            </a:r>
+            <a:r>
+              <a:rPr lang="fr-FR" sz="1600" dirty="0" err="1" smtClean="0"/>
+              <a:t>controller</a:t>
+            </a:r>
+            <a:r>
+              <a:rPr lang="fr-FR" sz="1600" dirty="0"/>
+              <a:t>: '</a:t>
+            </a:r>
+            <a:r>
+              <a:rPr lang="fr-FR" sz="1600" dirty="0" err="1"/>
+              <a:t>SomeController</a:t>
+            </a:r>
+            <a:r>
+              <a:rPr lang="fr-FR" sz="1600" dirty="0"/>
+              <a:t>',</a:t>
+            </a:r>
+          </a:p>
+          <a:p>
+            <a:pPr lvl="1" algn="l"/>
+            <a:r>
+              <a:rPr lang="fr-FR" sz="1600" dirty="0" smtClean="0"/>
+              <a:t> </a:t>
+            </a:r>
+            <a:r>
+              <a:rPr lang="fr-FR" sz="1600" dirty="0" err="1" smtClean="0"/>
+              <a:t>controllerAs</a:t>
+            </a:r>
+            <a:r>
+              <a:rPr lang="fr-FR" sz="1600" dirty="0"/>
+              <a:t>: 'ctrl',</a:t>
+            </a:r>
+          </a:p>
+          <a:p>
+            <a:pPr lvl="1" algn="l"/>
+            <a:r>
+              <a:rPr lang="nl-NL" sz="1600" dirty="0" smtClean="0"/>
+              <a:t> template</a:t>
+            </a:r>
+            <a:r>
+              <a:rPr lang="nl-NL" sz="1600" dirty="0"/>
+              <a:t>: '{{</a:t>
+            </a:r>
+            <a:r>
+              <a:rPr lang="nl-NL" sz="1600" dirty="0" err="1"/>
+              <a:t>ctrl.foo</a:t>
+            </a:r>
+            <a:r>
+              <a:rPr lang="nl-NL" sz="1600" dirty="0"/>
+              <a:t>}</a:t>
+            </a:r>
+            <a:r>
+              <a:rPr lang="nl-NL" sz="1600" dirty="0" smtClean="0"/>
+              <a:t>}’}</a:t>
+            </a:r>
+            <a:endParaRPr lang="en-US" sz="1700" dirty="0"/>
           </a:p>
         </p:txBody>
       </p:sp>
     </p:spTree>
     <p:extLst>
       <p:ext uri="{BB962C8B-B14F-4D97-AF65-F5344CB8AC3E}">
-        <p14:creationId xmlns:p14="http://schemas.microsoft.com/office/powerpoint/2010/main" val="3380360674"/>
+        <p14:creationId xmlns:p14="http://schemas.microsoft.com/office/powerpoint/2010/main" val="852562316"/>
       </p:ext>
     </p:extLst>
   </p:cSld>
   <p:clrMapOvr>
     <a:masterClrMapping/>
   </p:clrMapOvr>
-  <p:timing>
-    <p:tnLst>
-      <p:par>
-        <p:cTn xmlns:p14="http://schemas.microsoft.com/office/powerpoint/2010/main" id="1" dur="indefinite" restart="never" nodeType="tmRoot"/>
-      </p:par>
-    </p:tnLst>
-  </p:timing>
 </p:sld>
 </file>
 
@@ -8808,9 +10296,8 @@
           <a:p>
             <a:r>
               <a:rPr lang="en-US" dirty="0"/>
-              <a:t>Providers in practice</a:t>
-            </a:r>
-            <a:endParaRPr lang="en-US" dirty="0"/>
+              <a:t>Looping</a:t>
+            </a:r>
           </a:p>
         </p:txBody>
       </p:sp>
@@ -8841,126 +10328,160 @@
               <a:buChar char="•"/>
             </a:pPr>
             <a:r>
-              <a:rPr lang="en-US" sz="2000" dirty="0" smtClean="0"/>
-              <a:t>Declare </a:t>
-            </a:r>
-            <a:r>
-              <a:rPr lang="en-US" sz="2000" dirty="0"/>
-              <a:t>a provider/subtype</a:t>
-            </a:r>
-          </a:p>
-          <a:p>
-            <a:pPr marL="342900" indent="-342900" algn="l">
-              <a:buFont typeface="Arial"/>
-              <a:buChar char="•"/>
-            </a:pPr>
-            <a:r>
-              <a:rPr lang="en-US" sz="2000" dirty="0" smtClean="0"/>
-              <a:t>Elsewhere</a:t>
-            </a:r>
-            <a:r>
-              <a:rPr lang="en-US" sz="2000" dirty="0"/>
-              <a:t>, require the provider via dependency injection</a:t>
-            </a:r>
-          </a:p>
-          <a:p>
-            <a:pPr marL="342900" indent="-342900" algn="l">
-              <a:buFont typeface="Arial"/>
-              <a:buChar char="•"/>
-            </a:pPr>
-            <a:r>
-              <a:rPr lang="en-US" sz="2000" dirty="0" smtClean="0"/>
-              <a:t>.</a:t>
-            </a:r>
-            <a:r>
-              <a:rPr lang="en-US" sz="2000" dirty="0"/>
-              <a:t>controller('</a:t>
+              <a:rPr lang="en-US" sz="2400" dirty="0" err="1" smtClean="0"/>
+              <a:t>ng</a:t>
+            </a:r>
+            <a:r>
+              <a:rPr lang="en-US" sz="2400" dirty="0"/>
+              <a:t>-repeat can iterate arrays or objects</a:t>
+            </a:r>
+          </a:p>
+          <a:p>
+            <a:pPr marL="800100" lvl="1" indent="-342900" algn="l">
+              <a:buFont typeface="Arial"/>
+              <a:buChar char="•"/>
+            </a:pPr>
+            <a:r>
+              <a:rPr lang="en-US" sz="2000" dirty="0" smtClean="0"/>
+              <a:t>if </a:t>
+            </a:r>
+            <a:r>
+              <a:rPr lang="en-US" sz="2000" dirty="0"/>
+              <a:t>array: "each-item-alias in </a:t>
+            </a:r>
+            <a:r>
+              <a:rPr lang="en-US" sz="2000" dirty="0" err="1" smtClean="0"/>
+              <a:t>someArray</a:t>
+            </a:r>
+            <a:r>
+              <a:rPr lang="en-US" sz="2000" dirty="0" smtClean="0"/>
+              <a:t>”</a:t>
+            </a:r>
+            <a:endParaRPr lang="en-US" sz="2000" dirty="0"/>
+          </a:p>
+          <a:p>
+            <a:pPr marL="800100" lvl="1" indent="-342900" algn="l">
+              <a:buFont typeface="Arial"/>
+              <a:buChar char="•"/>
+            </a:pPr>
+            <a:r>
+              <a:rPr lang="en-US" sz="2000" dirty="0" smtClean="0"/>
+              <a:t>object</a:t>
+            </a:r>
+            <a:r>
+              <a:rPr lang="en-US" sz="2000" dirty="0"/>
+              <a:t>: "(</a:t>
             </a:r>
             <a:r>
               <a:rPr lang="en-US" sz="2000" dirty="0" err="1"/>
-              <a:t>controllerName</a:t>
-            </a:r>
-            <a:r>
-              <a:rPr lang="en-US" sz="2000" dirty="0"/>
-              <a:t>', ['</a:t>
-            </a:r>
-            <a:r>
-              <a:rPr lang="en-US" sz="2000" dirty="0" err="1" smtClean="0"/>
-              <a:t>providerName</a:t>
-            </a:r>
-            <a:r>
-              <a:rPr lang="en-US" sz="2000" dirty="0" smtClean="0"/>
-              <a:t>’, </a:t>
-            </a:r>
-            <a:r>
-              <a:rPr lang="en-US" sz="2000" dirty="0"/>
-              <a:t>function </a:t>
-            </a:r>
-            <a:r>
-              <a:rPr lang="en-US" sz="2000" dirty="0" smtClean="0"/>
-              <a:t>(</a:t>
+              <a:t>propertyNameAlias</a:t>
+            </a:r>
+            <a:r>
+              <a:rPr lang="en-US" sz="2000" dirty="0"/>
+              <a:t>, </a:t>
             </a:r>
             <a:r>
               <a:rPr lang="en-US" sz="2000" dirty="0" err="1"/>
-              <a:t>prvdrName</a:t>
-            </a:r>
-            <a:r>
-              <a:rPr lang="en-US" sz="2000" dirty="0"/>
-              <a:t>) {...})</a:t>
-            </a:r>
-          </a:p>
-          <a:p>
-            <a:pPr marL="342900" indent="-342900" algn="l">
-              <a:buFont typeface="Arial"/>
-              <a:buChar char="•"/>
-            </a:pPr>
-            <a:r>
-              <a:rPr lang="en-US" sz="2000" dirty="0" smtClean="0"/>
-              <a:t>Angular </a:t>
+              <a:t>propertyKeyAlias</a:t>
+            </a:r>
+            <a:r>
+              <a:rPr lang="en-US" sz="2000" dirty="0"/>
+              <a:t>) in </a:t>
             </a:r>
             <a:r>
               <a:rPr lang="en-US" sz="2000" dirty="0" err="1"/>
-              <a:t>inits</a:t>
-            </a:r>
-            <a:r>
-              <a:rPr lang="en-US" sz="2000" dirty="0"/>
-              <a:t> the provider on startup and injects the cached result</a:t>
-            </a:r>
-          </a:p>
-          <a:p>
-            <a:pPr marL="342900" indent="-342900" algn="l">
-              <a:buFont typeface="Arial"/>
-              <a:buChar char="•"/>
-            </a:pPr>
-            <a:r>
-              <a:rPr lang="en-US" sz="2000" dirty="0" smtClean="0"/>
-              <a:t>Gotcha: injected </a:t>
-            </a:r>
-            <a:r>
-              <a:rPr lang="en-US" sz="2000" dirty="0"/>
-              <a:t>results of Providers are always singletons</a:t>
-            </a:r>
-            <a:endParaRPr lang="en-US" sz="400" dirty="0"/>
+              <a:t>someObject</a:t>
+            </a:r>
+            <a:r>
+              <a:rPr lang="en-US" sz="2000" dirty="0"/>
+              <a:t>"</a:t>
+            </a:r>
+          </a:p>
+          <a:p>
+            <a:pPr marL="342900" indent="-342900" algn="l">
+              <a:buFont typeface="Arial"/>
+              <a:buChar char="•"/>
+            </a:pPr>
+            <a:r>
+              <a:rPr lang="en-US" sz="2400" dirty="0" err="1" smtClean="0"/>
+              <a:t>ng</a:t>
+            </a:r>
+            <a:r>
+              <a:rPr lang="en-US" sz="2400" dirty="0"/>
+              <a:t>-repeat can be nested</a:t>
+            </a:r>
+          </a:p>
+          <a:p>
+            <a:pPr marL="342900" indent="-342900" algn="l">
+              <a:buFont typeface="Arial"/>
+              <a:buChar char="•"/>
+            </a:pPr>
+            <a:r>
+              <a:rPr lang="en-US" sz="2400" dirty="0" smtClean="0"/>
+              <a:t>Not </a:t>
+            </a:r>
+            <a:r>
+              <a:rPr lang="en-US" sz="2400" dirty="0"/>
+              <a:t>a list comprehension (</a:t>
+            </a:r>
+            <a:r>
+              <a:rPr lang="en-US" sz="2400" dirty="0" smtClean="0"/>
+              <a:t>can’t </a:t>
+            </a:r>
+            <a:r>
+              <a:rPr lang="en-US" sz="2400" dirty="0"/>
+              <a:t>access </a:t>
+            </a:r>
+            <a:r>
+              <a:rPr lang="en-US" sz="2400" dirty="0" smtClean="0"/>
+              <a:t>iterator properties</a:t>
+            </a:r>
+            <a:r>
+              <a:rPr lang="en-US" sz="2400" dirty="0"/>
+              <a:t>)</a:t>
+            </a:r>
+          </a:p>
+          <a:p>
+            <a:pPr marL="342900" indent="-342900" algn="l">
+              <a:buFont typeface="Arial"/>
+              <a:buChar char="•"/>
+            </a:pPr>
+            <a:r>
+              <a:rPr lang="en-US" sz="2400" dirty="0" smtClean="0"/>
+              <a:t>Gotcha</a:t>
+            </a:r>
+            <a:r>
+              <a:rPr lang="en-US" sz="2400" dirty="0"/>
+              <a:t>: elements in collection must be unique by strict equality (===)</a:t>
+            </a:r>
+          </a:p>
+          <a:p>
+            <a:pPr marL="342900" indent="-342900" algn="l">
+              <a:buFont typeface="Arial"/>
+              <a:buChar char="•"/>
+            </a:pPr>
+            <a:r>
+              <a:rPr lang="en-US" sz="2400" dirty="0" smtClean="0"/>
+              <a:t>examples</a:t>
+            </a:r>
+            <a:r>
+              <a:rPr lang="en-US" sz="2400" dirty="0"/>
+              <a:t>/03-simple-looping</a:t>
+            </a:r>
+            <a:endParaRPr lang="en-US" sz="2000" dirty="0"/>
           </a:p>
         </p:txBody>
       </p:sp>
     </p:spTree>
     <p:extLst>
       <p:ext uri="{BB962C8B-B14F-4D97-AF65-F5344CB8AC3E}">
-        <p14:creationId xmlns:p14="http://schemas.microsoft.com/office/powerpoint/2010/main" val="4264681760"/>
+        <p14:creationId xmlns:p14="http://schemas.microsoft.com/office/powerpoint/2010/main" val="4167287338"/>
       </p:ext>
     </p:extLst>
   </p:cSld>
   <p:clrMapOvr>
     <a:masterClrMapping/>
   </p:clrMapOvr>
-  <p:timing>
-    <p:tnLst>
-      <p:par>
-        <p:cTn xmlns:p14="http://schemas.microsoft.com/office/powerpoint/2010/main" id="1" dur="indefinite" restart="never" nodeType="tmRoot"/>
-      </p:par>
-    </p:tnLst>
-  </p:timing>
 </p:sld>
 </file>
 
@@ -9003,9 +10524,8 @@
           <a:p>
             <a:r>
               <a:rPr lang="en-US" dirty="0"/>
-              <a:t>Services, Factories, Values and Constants, oh my!</a:t>
-            </a:r>
-            <a:endParaRPr lang="en-US" dirty="0"/>
+              <a:t>Looping - more features</a:t>
+            </a:r>
           </a:p>
         </p:txBody>
       </p:sp>
@@ -9036,12 +10556,12 @@
               <a:buChar char="•"/>
             </a:pPr>
             <a:r>
-              <a:rPr lang="en-US" sz="2000" dirty="0" smtClean="0"/>
-              <a:t>These </a:t>
-            </a:r>
-            <a:r>
-              <a:rPr lang="en-US" sz="2000" dirty="0"/>
-              <a:t>are Angular dependency injection patterns</a:t>
+              <a:rPr lang="en-US" sz="2400" dirty="0" smtClean="0"/>
+              <a:t>Sets </a:t>
+            </a:r>
+            <a:r>
+              <a:rPr lang="en-US" sz="2400" dirty="0"/>
+              <a:t>special properties within iterations:</a:t>
             </a:r>
           </a:p>
           <a:p>
@@ -9050,48 +10570,63 @@
               <a:buChar char="•"/>
             </a:pPr>
             <a:r>
-              <a:rPr lang="en-US" sz="1600" dirty="0" smtClean="0"/>
-              <a:t>All </a:t>
-            </a:r>
-            <a:r>
-              <a:rPr lang="en-US" sz="1600" dirty="0"/>
-              <a:t>of these are syntactic sugar on top of Provider</a:t>
-            </a:r>
-          </a:p>
-          <a:p>
-            <a:pPr marL="800100" lvl="1" indent="-342900" algn="l">
-              <a:buFont typeface="Arial"/>
-              <a:buChar char="•"/>
-            </a:pPr>
-            <a:r>
-              <a:rPr lang="en-US" sz="1600" dirty="0" smtClean="0"/>
-              <a:t>Gotcha</a:t>
-            </a:r>
-            <a:r>
-              <a:rPr lang="en-US" sz="1600" dirty="0"/>
-              <a:t>: all these subtypes are commonly referred to as "services"</a:t>
-            </a:r>
-            <a:endParaRPr lang="en-US" sz="1600" dirty="0"/>
+              <a:rPr lang="en-US" sz="2000" dirty="0" smtClean="0"/>
+              <a:t>$</a:t>
+            </a:r>
+            <a:r>
+              <a:rPr lang="en-US" sz="2000" dirty="0"/>
+              <a:t>index, $even, $odd, $first, $middle, $last</a:t>
+            </a:r>
+          </a:p>
+          <a:p>
+            <a:pPr marL="342900" indent="-342900" algn="l">
+              <a:buFont typeface="Arial"/>
+              <a:buChar char="•"/>
+            </a:pPr>
+            <a:r>
+              <a:rPr lang="en-US" sz="2400" dirty="0" smtClean="0"/>
+              <a:t>Use </a:t>
+            </a:r>
+            <a:r>
+              <a:rPr lang="en-US" sz="2400" dirty="0" err="1"/>
+              <a:t>ng-init</a:t>
+            </a:r>
+            <a:r>
+              <a:rPr lang="en-US" sz="2400" dirty="0"/>
+              <a:t> to set custom values within each iteration</a:t>
+            </a:r>
+          </a:p>
+          <a:p>
+            <a:pPr marL="342900" indent="-342900" algn="l">
+              <a:buFont typeface="Arial"/>
+              <a:buChar char="•"/>
+            </a:pPr>
+            <a:r>
+              <a:rPr lang="en-US" sz="2400" dirty="0" smtClean="0"/>
+              <a:t>Use </a:t>
+            </a:r>
+            <a:r>
+              <a:rPr lang="en-US" sz="2400" dirty="0" err="1"/>
+              <a:t>ng</a:t>
+            </a:r>
+            <a:r>
+              <a:rPr lang="en-US" sz="2400" dirty="0"/>
+              <a:t>-repeat-start and -end to add sibling elements</a:t>
+            </a:r>
+            <a:endParaRPr lang="en-US" sz="2000" dirty="0"/>
           </a:p>
         </p:txBody>
       </p:sp>
     </p:spTree>
     <p:extLst>
       <p:ext uri="{BB962C8B-B14F-4D97-AF65-F5344CB8AC3E}">
-        <p14:creationId xmlns:p14="http://schemas.microsoft.com/office/powerpoint/2010/main" val="1300405023"/>
+        <p14:creationId xmlns:p14="http://schemas.microsoft.com/office/powerpoint/2010/main" val="2305374854"/>
       </p:ext>
     </p:extLst>
   </p:cSld>
   <p:clrMapOvr>
     <a:masterClrMapping/>
   </p:clrMapOvr>
-  <p:timing>
-    <p:tnLst>
-      <p:par>
-        <p:cTn xmlns:p14="http://schemas.microsoft.com/office/powerpoint/2010/main" id="1" dur="indefinite" restart="never" nodeType="tmRoot"/>
-      </p:par>
-    </p:tnLst>
-  </p:timing>
 </p:sld>
 </file>
 

--- a/slides/Angular Slides Day 2.pptx
+++ b/slides/Angular Slides Day 2.pptx
@@ -5,40 +5,43 @@
     <p:sldMasterId id="2147483648" r:id="rId1"/>
   </p:sldMasterIdLst>
   <p:sldIdLst>
-    <p:sldId id="256" r:id="rId2"/>
+    <p:sldId id="295" r:id="rId2"/>
     <p:sldId id="289" r:id="rId3"/>
     <p:sldId id="284" r:id="rId4"/>
-    <p:sldId id="285" r:id="rId5"/>
-    <p:sldId id="286" r:id="rId6"/>
-    <p:sldId id="287" r:id="rId7"/>
-    <p:sldId id="288" r:id="rId8"/>
-    <p:sldId id="293" r:id="rId9"/>
-    <p:sldId id="294" r:id="rId10"/>
-    <p:sldId id="291" r:id="rId11"/>
-    <p:sldId id="283" r:id="rId12"/>
-    <p:sldId id="259" r:id="rId13"/>
-    <p:sldId id="260" r:id="rId14"/>
-    <p:sldId id="261" r:id="rId15"/>
-    <p:sldId id="262" r:id="rId16"/>
-    <p:sldId id="263" r:id="rId17"/>
-    <p:sldId id="264" r:id="rId18"/>
-    <p:sldId id="265" r:id="rId19"/>
-    <p:sldId id="266" r:id="rId20"/>
-    <p:sldId id="267" r:id="rId21"/>
-    <p:sldId id="269" r:id="rId22"/>
-    <p:sldId id="270" r:id="rId23"/>
-    <p:sldId id="271" r:id="rId24"/>
-    <p:sldId id="272" r:id="rId25"/>
-    <p:sldId id="273" r:id="rId26"/>
-    <p:sldId id="274" r:id="rId27"/>
-    <p:sldId id="275" r:id="rId28"/>
-    <p:sldId id="276" r:id="rId29"/>
-    <p:sldId id="277" r:id="rId30"/>
-    <p:sldId id="278" r:id="rId31"/>
-    <p:sldId id="279" r:id="rId32"/>
-    <p:sldId id="280" r:id="rId33"/>
-    <p:sldId id="281" r:id="rId34"/>
-    <p:sldId id="282" r:id="rId35"/>
+    <p:sldId id="296" r:id="rId5"/>
+    <p:sldId id="285" r:id="rId6"/>
+    <p:sldId id="297" r:id="rId7"/>
+    <p:sldId id="286" r:id="rId8"/>
+    <p:sldId id="298" r:id="rId9"/>
+    <p:sldId id="288" r:id="rId10"/>
+    <p:sldId id="293" r:id="rId11"/>
+    <p:sldId id="294" r:id="rId12"/>
+    <p:sldId id="283" r:id="rId13"/>
+    <p:sldId id="299" r:id="rId14"/>
+    <p:sldId id="259" r:id="rId15"/>
+    <p:sldId id="300" r:id="rId16"/>
+    <p:sldId id="260" r:id="rId17"/>
+    <p:sldId id="261" r:id="rId18"/>
+    <p:sldId id="262" r:id="rId19"/>
+    <p:sldId id="263" r:id="rId20"/>
+    <p:sldId id="264" r:id="rId21"/>
+    <p:sldId id="265" r:id="rId22"/>
+    <p:sldId id="266" r:id="rId23"/>
+    <p:sldId id="267" r:id="rId24"/>
+    <p:sldId id="269" r:id="rId25"/>
+    <p:sldId id="270" r:id="rId26"/>
+    <p:sldId id="271" r:id="rId27"/>
+    <p:sldId id="272" r:id="rId28"/>
+    <p:sldId id="273" r:id="rId29"/>
+    <p:sldId id="274" r:id="rId30"/>
+    <p:sldId id="275" r:id="rId31"/>
+    <p:sldId id="276" r:id="rId32"/>
+    <p:sldId id="277" r:id="rId33"/>
+    <p:sldId id="278" r:id="rId34"/>
+    <p:sldId id="279" r:id="rId35"/>
+    <p:sldId id="280" r:id="rId36"/>
+    <p:sldId id="281" r:id="rId37"/>
+    <p:sldId id="282" r:id="rId38"/>
   </p:sldIdLst>
   <p:sldSz cx="9144000" cy="6858000" type="screen4x3"/>
   <p:notesSz cx="6858000" cy="9144000"/>
@@ -3149,26 +3152,26 @@
           <a:p>
             <a:r>
               <a:rPr lang="en-US" dirty="0" err="1" smtClean="0"/>
-              <a:t>DevelopIntelligence</a:t>
+              <a:t>AngularJS</a:t>
             </a:r>
             <a:r>
               <a:rPr lang="en-US" dirty="0" smtClean="0"/>
+              <a:t> </a:t>
+            </a:r>
+            <a:r>
+              <a:rPr lang="en-US" dirty="0" smtClean="0"/>
+              <a:t>training</a:t>
+            </a:r>
+            <a:r>
+              <a:rPr lang="en-US" dirty="0"/>
               <a:t/>
             </a:r>
             <a:br>
+              <a:rPr lang="en-US" dirty="0"/>
+            </a:br>
+            <a:r>
               <a:rPr lang="en-US" dirty="0" smtClean="0"/>
-            </a:br>
-            <a:r>
-              <a:rPr lang="en-US" dirty="0" smtClean="0"/>
-              <a:t>Intro To </a:t>
-            </a:r>
-            <a:r>
-              <a:rPr lang="en-US" dirty="0" err="1" smtClean="0"/>
-              <a:t>AngularJS</a:t>
-            </a:r>
-            <a:r>
-              <a:rPr lang="en-US" dirty="0" smtClean="0"/>
-              <a:t>, day 2</a:t>
+              <a:t>Day 2</a:t>
             </a:r>
             <a:endParaRPr lang="en-US" dirty="0"/>
           </a:p>
@@ -3186,17 +3189,40 @@
         </p:nvSpPr>
         <p:spPr>
           <a:xfrm>
-            <a:off x="1371600" y="4641252"/>
-            <a:ext cx="6400800" cy="997547"/>
+            <a:off x="1371600" y="4195884"/>
+            <a:ext cx="6400800" cy="1442916"/>
           </a:xfrm>
         </p:spPr>
         <p:txBody>
-          <a:bodyPr/>
+          <a:bodyPr>
+            <a:normAutofit fontScale="92500" lnSpcReduction="20000"/>
+          </a:bodyPr>
           <a:lstStyle/>
           <a:p>
             <a:r>
               <a:rPr lang="en-US" dirty="0" smtClean="0"/>
-              <a:t>Elias Carlston</a:t>
+              <a:t>Elias </a:t>
+            </a:r>
+            <a:r>
+              <a:rPr lang="en-US" dirty="0" smtClean="0"/>
+              <a:t>Carlston</a:t>
+            </a:r>
+          </a:p>
+          <a:p>
+            <a:r>
+              <a:rPr lang="en-US" dirty="0" err="1" smtClean="0"/>
+              <a:t>DevelopIntelligence</a:t>
+            </a:r>
+            <a:endParaRPr lang="en-US" dirty="0" smtClean="0"/>
+          </a:p>
+          <a:p>
+            <a:r>
+              <a:rPr lang="en-US" dirty="0" err="1" smtClean="0"/>
+              <a:t>elias</a:t>
+            </a:r>
+            <a:r>
+              <a:rPr lang="en-US" dirty="0" err="1" smtClean="0"/>
+              <a:t>@eliascarlston.com</a:t>
             </a:r>
             <a:endParaRPr lang="en-US" dirty="0"/>
           </a:p>
@@ -3205,20 +3231,13 @@
     </p:spTree>
     <p:extLst>
       <p:ext uri="{BB962C8B-B14F-4D97-AF65-F5344CB8AC3E}">
-        <p14:creationId xmlns:p14="http://schemas.microsoft.com/office/powerpoint/2010/main" val="721873315"/>
+        <p14:creationId xmlns:p14="http://schemas.microsoft.com/office/powerpoint/2010/main" val="1904535218"/>
       </p:ext>
     </p:extLst>
   </p:cSld>
   <p:clrMapOvr>
     <a:masterClrMapping/>
   </p:clrMapOvr>
-  <p:timing>
-    <p:tnLst>
-      <p:par>
-        <p:cTn xmlns:p14="http://schemas.microsoft.com/office/powerpoint/2010/main" id="1" dur="indefinite" restart="never" nodeType="tmRoot"/>
-      </p:par>
-    </p:tnLst>
-  </p:timing>
 </p:sld>
 </file>
 
@@ -3246,17 +3265,22 @@
             <a:spLocks noGrp="1"/>
           </p:cNvSpPr>
           <p:nvPr>
-            <p:ph type="title"/>
-          </p:nvPr>
-        </p:nvSpPr>
-        <p:spPr/>
+            <p:ph type="ctrTitle"/>
+          </p:nvPr>
+        </p:nvSpPr>
+        <p:spPr>
+          <a:xfrm>
+            <a:off x="685800" y="160685"/>
+            <a:ext cx="7772400" cy="1470025"/>
+          </a:xfrm>
+        </p:spPr>
         <p:txBody>
           <a:bodyPr/>
           <a:lstStyle/>
           <a:p>
             <a:r>
-              <a:rPr lang="en-US" dirty="0" smtClean="0"/>
-              <a:t>Providers/Services</a:t>
+              <a:rPr lang="en-US" dirty="0"/>
+              <a:t>Advanced Looping</a:t>
             </a:r>
             <a:endParaRPr lang="en-US" dirty="0"/>
           </a:p>
@@ -3264,27 +3288,179 @@
       </p:sp>
       <p:sp>
         <p:nvSpPr>
-          <p:cNvPr id="3" name="Content Placeholder 2"/>
-          <p:cNvSpPr>
-            <a:spLocks noGrp="1"/>
-          </p:cNvSpPr>
-          <p:nvPr>
-            <p:ph idx="1"/>
-          </p:nvPr>
-        </p:nvSpPr>
-        <p:spPr/>
-        <p:txBody>
-          <a:bodyPr/>
-          <a:lstStyle/>
-          <a:p>
-            <a:endParaRPr lang="en-US"/>
+          <p:cNvPr id="3" name="Subtitle 2"/>
+          <p:cNvSpPr>
+            <a:spLocks noGrp="1"/>
+          </p:cNvSpPr>
+          <p:nvPr>
+            <p:ph type="subTitle" idx="1"/>
+          </p:nvPr>
+        </p:nvSpPr>
+        <p:spPr>
+          <a:xfrm>
+            <a:off x="454651" y="1630710"/>
+            <a:ext cx="8371875" cy="4609893"/>
+          </a:xfrm>
+        </p:spPr>
+        <p:txBody>
+          <a:bodyPr>
+            <a:normAutofit/>
+          </a:bodyPr>
+          <a:lstStyle/>
+          <a:p>
+            <a:pPr marL="342900" indent="-342900" algn="l">
+              <a:buFont typeface="Arial"/>
+              <a:buChar char="•"/>
+            </a:pPr>
+            <a:r>
+              <a:rPr lang="en-US" sz="2400" dirty="0" err="1" smtClean="0"/>
+              <a:t>ng</a:t>
+            </a:r>
+            <a:r>
+              <a:rPr lang="en-US" sz="2400" dirty="0"/>
+              <a:t>-repeat can iterate arrays or objects</a:t>
+            </a:r>
+          </a:p>
+          <a:p>
+            <a:pPr marL="800100" lvl="1" indent="-342900" algn="l">
+              <a:buFont typeface="Arial"/>
+              <a:buChar char="•"/>
+            </a:pPr>
+            <a:r>
+              <a:rPr lang="en-US" sz="2000" dirty="0" smtClean="0"/>
+              <a:t>if </a:t>
+            </a:r>
+            <a:r>
+              <a:rPr lang="en-US" sz="2000" dirty="0"/>
+              <a:t>array: "each-item-alias in </a:t>
+            </a:r>
+            <a:r>
+              <a:rPr lang="en-US" sz="2000" dirty="0" err="1" smtClean="0"/>
+              <a:t>someArray</a:t>
+            </a:r>
+            <a:r>
+              <a:rPr lang="en-US" sz="2000" dirty="0" smtClean="0"/>
+              <a:t>”</a:t>
+            </a:r>
+            <a:endParaRPr lang="en-US" sz="2000" dirty="0"/>
+          </a:p>
+          <a:p>
+            <a:pPr marL="800100" lvl="1" indent="-342900" algn="l">
+              <a:buFont typeface="Arial"/>
+              <a:buChar char="•"/>
+            </a:pPr>
+            <a:r>
+              <a:rPr lang="en-US" sz="2000" dirty="0" smtClean="0"/>
+              <a:t>object</a:t>
+            </a:r>
+            <a:r>
+              <a:rPr lang="en-US" sz="2000" dirty="0"/>
+              <a:t>: "(</a:t>
+            </a:r>
+            <a:r>
+              <a:rPr lang="en-US" sz="2000" dirty="0" err="1"/>
+              <a:t>propertyNameAlias</a:t>
+            </a:r>
+            <a:r>
+              <a:rPr lang="en-US" sz="2000" dirty="0"/>
+              <a:t>, </a:t>
+            </a:r>
+            <a:r>
+              <a:rPr lang="en-US" sz="2000" dirty="0" err="1"/>
+              <a:t>propertyKeyAlias</a:t>
+            </a:r>
+            <a:r>
+              <a:rPr lang="en-US" sz="2000" dirty="0"/>
+              <a:t>) in </a:t>
+            </a:r>
+            <a:r>
+              <a:rPr lang="en-US" sz="2000" dirty="0" err="1"/>
+              <a:t>someObject</a:t>
+            </a:r>
+            <a:r>
+              <a:rPr lang="en-US" sz="2000" dirty="0"/>
+              <a:t>"</a:t>
+            </a:r>
+          </a:p>
+          <a:p>
+            <a:pPr marL="342900" indent="-342900" algn="l">
+              <a:buFont typeface="Arial"/>
+              <a:buChar char="•"/>
+            </a:pPr>
+            <a:r>
+              <a:rPr lang="en-US" sz="2400" dirty="0" err="1" smtClean="0"/>
+              <a:t>ng</a:t>
+            </a:r>
+            <a:r>
+              <a:rPr lang="en-US" sz="2400" dirty="0"/>
+              <a:t>-repeat can be nested</a:t>
+            </a:r>
+          </a:p>
+          <a:p>
+            <a:pPr marL="342900" indent="-342900" algn="l">
+              <a:buFont typeface="Arial"/>
+              <a:buChar char="•"/>
+            </a:pPr>
+            <a:r>
+              <a:rPr lang="en-US" sz="2400" dirty="0" smtClean="0"/>
+              <a:t>Not </a:t>
+            </a:r>
+            <a:r>
+              <a:rPr lang="en-US" sz="2400" dirty="0"/>
+              <a:t>a list comprehension (</a:t>
+            </a:r>
+            <a:r>
+              <a:rPr lang="en-US" sz="2400" dirty="0" smtClean="0"/>
+              <a:t>can’t </a:t>
+            </a:r>
+            <a:r>
+              <a:rPr lang="en-US" sz="2400" dirty="0"/>
+              <a:t>access </a:t>
+            </a:r>
+            <a:r>
+              <a:rPr lang="en-US" sz="2400" dirty="0" smtClean="0"/>
+              <a:t>iterator properties</a:t>
+            </a:r>
+            <a:r>
+              <a:rPr lang="en-US" sz="2400" dirty="0"/>
+              <a:t>)</a:t>
+            </a:r>
+          </a:p>
+          <a:p>
+            <a:pPr marL="342900" indent="-342900" algn="l">
+              <a:buFont typeface="Arial"/>
+              <a:buChar char="•"/>
+            </a:pPr>
+            <a:r>
+              <a:rPr lang="en-US" sz="2400" dirty="0" smtClean="0"/>
+              <a:t>Gotcha</a:t>
+            </a:r>
+            <a:r>
+              <a:rPr lang="en-US" sz="2400" dirty="0"/>
+              <a:t>: elements in collection must be unique by strict equality (===)</a:t>
+            </a:r>
+          </a:p>
+          <a:p>
+            <a:pPr marL="342900" indent="-342900" algn="l">
+              <a:buFont typeface="Arial"/>
+              <a:buChar char="•"/>
+            </a:pPr>
+            <a:r>
+              <a:rPr lang="en-US" sz="2400" dirty="0" smtClean="0"/>
+              <a:t>examples</a:t>
+            </a:r>
+            <a:r>
+              <a:rPr lang="en-US" sz="2400" dirty="0"/>
+              <a:t>/03-simple-looping</a:t>
+            </a:r>
+            <a:endParaRPr lang="en-US" sz="2000" dirty="0"/>
           </a:p>
         </p:txBody>
       </p:sp>
     </p:spTree>
     <p:extLst>
       <p:ext uri="{BB962C8B-B14F-4D97-AF65-F5344CB8AC3E}">
-        <p14:creationId xmlns:p14="http://schemas.microsoft.com/office/powerpoint/2010/main" val="3697748551"/>
+        <p14:creationId xmlns:p14="http://schemas.microsoft.com/office/powerpoint/2010/main" val="4167287338"/>
       </p:ext>
     </p:extLst>
   </p:cSld>
@@ -3332,12 +3508,16 @@
           <a:lstStyle/>
           <a:p>
             <a:r>
-              <a:rPr lang="en-US" dirty="0"/>
-              <a:t>Dependency </a:t>
-            </a:r>
-            <a:r>
               <a:rPr lang="en-US" dirty="0" smtClean="0"/>
-              <a:t>Injection</a:t>
+              <a:t>Advan</a:t>
+            </a:r>
+            <a:r>
+              <a:rPr lang="en-US" dirty="0" smtClean="0"/>
+              <a:t>ced </a:t>
+            </a:r>
+            <a:r>
+              <a:rPr lang="en-US" dirty="0" smtClean="0"/>
+              <a:t>Looping</a:t>
             </a:r>
             <a:endParaRPr lang="en-US" dirty="0"/>
           </a:p>
@@ -3361,7 +3541,7 @@
         </p:spPr>
         <p:txBody>
           <a:bodyPr>
-            <a:normAutofit fontScale="85000" lnSpcReduction="10000"/>
+            <a:normAutofit/>
           </a:bodyPr>
           <a:lstStyle/>
           <a:p>
@@ -3370,259 +3550,78 @@
               <a:buChar char="•"/>
             </a:pPr>
             <a:r>
+              <a:rPr lang="en-US" sz="2400" dirty="0"/>
+              <a:t>Within iterations, </a:t>
+            </a:r>
+            <a:r>
               <a:rPr lang="en-US" sz="2400" dirty="0" smtClean="0"/>
-              <a:t>DI </a:t>
+              <a:t>special properties available:</a:t>
+            </a:r>
+            <a:endParaRPr lang="en-US" sz="2400" dirty="0"/>
+          </a:p>
+          <a:p>
+            <a:pPr marL="800100" lvl="1" indent="-342900" algn="l">
+              <a:buFont typeface="Arial"/>
+              <a:buChar char="•"/>
+            </a:pPr>
+            <a:r>
+              <a:rPr lang="en-US" sz="2000" dirty="0" smtClean="0"/>
+              <a:t>$</a:t>
+            </a:r>
+            <a:r>
+              <a:rPr lang="en-US" sz="2000" dirty="0"/>
+              <a:t>index, $even, $odd, $first, $middle, $last</a:t>
+            </a:r>
+          </a:p>
+          <a:p>
+            <a:pPr marL="342900" indent="-342900" algn="l">
+              <a:buFont typeface="Arial"/>
+              <a:buChar char="•"/>
+            </a:pPr>
+            <a:r>
+              <a:rPr lang="en-US" sz="2400" dirty="0" smtClean="0"/>
+              <a:t>Use </a:t>
+            </a:r>
+            <a:r>
+              <a:rPr lang="en-US" sz="2400" dirty="0" err="1"/>
+              <a:t>ng-init</a:t>
             </a:r>
             <a:r>
               <a:rPr lang="en-US" sz="2400" dirty="0"/>
-              <a:t>is a design pattern which implements a principle named Inversion Of Control</a:t>
-            </a:r>
-          </a:p>
-          <a:p>
-            <a:pPr marL="342900" indent="-342900" algn="l">
-              <a:buFont typeface="Arial"/>
-              <a:buChar char="•"/>
-            </a:pPr>
-            <a:r>
-              <a:rPr lang="en-US" sz="2400" dirty="0" err="1" smtClean="0"/>
-              <a:t>IoC</a:t>
-            </a:r>
+              <a:t> to set custom values within each iteration</a:t>
+            </a:r>
+          </a:p>
+          <a:p>
+            <a:pPr marL="342900" indent="-342900" algn="l">
+              <a:buFont typeface="Arial"/>
+              <a:buChar char="•"/>
+            </a:pPr>
             <a:r>
               <a:rPr lang="en-US" sz="2400" dirty="0" smtClean="0"/>
-              <a:t> </a:t>
+              <a:t>Use </a:t>
+            </a:r>
+            <a:r>
+              <a:rPr lang="en-US" sz="2400" dirty="0" err="1"/>
+              <a:t>ng</a:t>
             </a:r>
             <a:r>
               <a:rPr lang="en-US" sz="2400" dirty="0"/>
-              <a:t>means this code knows as little as possible about code it calls. Instead,</a:t>
-            </a:r>
-          </a:p>
-          <a:p>
-            <a:pPr marL="800100" lvl="1" indent="-342900" algn="l">
-              <a:buFont typeface="Arial"/>
-              <a:buChar char="•"/>
-            </a:pPr>
-            <a:r>
-              <a:rPr lang="en-US" sz="2000" dirty="0" smtClean="0"/>
-              <a:t>this </a:t>
-            </a:r>
-            <a:r>
-              <a:rPr lang="en-US" sz="2000" dirty="0"/>
-              <a:t>code states its dependencies</a:t>
-            </a:r>
-          </a:p>
-          <a:p>
-            <a:pPr marL="800100" lvl="1" indent="-342900" algn="l">
-              <a:buFont typeface="Arial"/>
-              <a:buChar char="•"/>
-            </a:pPr>
-            <a:r>
-              <a:rPr lang="en-US" sz="2000" dirty="0" smtClean="0"/>
-              <a:t>the </a:t>
-            </a:r>
-            <a:r>
-              <a:rPr lang="en-US" sz="2000" dirty="0"/>
-              <a:t>"injector" is responsible for "providing" them</a:t>
-            </a:r>
-          </a:p>
-          <a:p>
-            <a:pPr marL="800100" lvl="1" indent="-342900" algn="l">
-              <a:buFont typeface="Arial"/>
-              <a:buChar char="•"/>
-            </a:pPr>
-            <a:r>
-              <a:rPr lang="en-US" sz="2000" dirty="0" smtClean="0"/>
-              <a:t>injector </a:t>
-            </a:r>
-            <a:r>
-              <a:rPr lang="en-US" sz="2000" dirty="0"/>
-              <a:t>handles </a:t>
-            </a:r>
-            <a:r>
-              <a:rPr lang="en-US" sz="2000" dirty="0" err="1"/>
-              <a:t>init</a:t>
-            </a:r>
-            <a:r>
-              <a:rPr lang="en-US" sz="2000" dirty="0"/>
-              <a:t>, waiting for load, </a:t>
-            </a:r>
-            <a:r>
-              <a:rPr lang="en-US" sz="2000" dirty="0" err="1"/>
-              <a:t>etc</a:t>
+              <a:t>-repeat-start and -end to add sibling elements</a:t>
             </a:r>
             <a:endParaRPr lang="en-US" sz="2000" dirty="0"/>
-          </a:p>
-          <a:p>
-            <a:pPr marL="800100" lvl="1" indent="-342900" algn="l">
-              <a:buFont typeface="Arial"/>
-              <a:buChar char="•"/>
-            </a:pPr>
-            <a:r>
-              <a:rPr lang="en-US" sz="2000" dirty="0" smtClean="0"/>
-              <a:t>this </a:t>
-            </a:r>
-            <a:r>
-              <a:rPr lang="en-US" sz="2000" dirty="0"/>
-              <a:t>code just uses dependency without knowing any details</a:t>
-            </a:r>
-          </a:p>
-          <a:p>
-            <a:pPr marL="342900" indent="-342900" algn="l">
-              <a:buFont typeface="Arial"/>
-              <a:buChar char="•"/>
-            </a:pPr>
-            <a:r>
-              <a:rPr lang="en-US" sz="2400" dirty="0" smtClean="0"/>
-              <a:t>Benefits</a:t>
-            </a:r>
-            <a:endParaRPr lang="en-US" sz="2400" dirty="0"/>
-          </a:p>
-          <a:p>
-            <a:pPr marL="800100" lvl="1" indent="-342900" algn="l">
-              <a:buFont typeface="Arial"/>
-              <a:buChar char="•"/>
-            </a:pPr>
-            <a:r>
-              <a:rPr lang="en-US" sz="2000" dirty="0" smtClean="0"/>
-              <a:t>Promotes </a:t>
-            </a:r>
-            <a:r>
-              <a:rPr lang="en-US" sz="2000" dirty="0"/>
-              <a:t>lots of architecture best practices</a:t>
-            </a:r>
-          </a:p>
-          <a:p>
-            <a:pPr marL="800100" lvl="1" indent="-342900" algn="l">
-              <a:buFont typeface="Arial"/>
-              <a:buChar char="•"/>
-            </a:pPr>
-            <a:r>
-              <a:rPr lang="en-US" sz="2000" dirty="0" smtClean="0"/>
-              <a:t>Provide </a:t>
-            </a:r>
-            <a:r>
-              <a:rPr lang="en-US" sz="2000" dirty="0"/>
-              <a:t>can be just-in-time: </a:t>
-            </a:r>
-            <a:r>
-              <a:rPr lang="en-US" sz="2000" dirty="0" err="1"/>
-              <a:t>dont</a:t>
-            </a:r>
-            <a:r>
-              <a:rPr lang="en-US" sz="2000" dirty="0"/>
-              <a:t> have to load all dependencies initially</a:t>
-            </a:r>
-          </a:p>
-          <a:p>
-            <a:pPr marL="800100" lvl="1" indent="-342900" algn="l">
-              <a:buFont typeface="Arial"/>
-              <a:buChar char="•"/>
-            </a:pPr>
-            <a:r>
-              <a:rPr lang="en-US" sz="2000" dirty="0" smtClean="0"/>
-              <a:t>Swappable </a:t>
-            </a:r>
-            <a:r>
-              <a:rPr lang="en-US" sz="2000" dirty="0"/>
-              <a:t>with a mock object at test time</a:t>
-            </a:r>
-          </a:p>
-          <a:p>
-            <a:pPr marL="800100" lvl="1" indent="-342900" algn="l">
-              <a:buFont typeface="Arial"/>
-              <a:buChar char="•"/>
-            </a:pPr>
-            <a:r>
-              <a:rPr lang="en-US" sz="2000" dirty="0" smtClean="0"/>
-              <a:t>Excellent </a:t>
-            </a:r>
-            <a:r>
-              <a:rPr lang="en-US" sz="2000" dirty="0"/>
-              <a:t>solution for </a:t>
-            </a:r>
-            <a:r>
-              <a:rPr lang="en-US" sz="2000" dirty="0" err="1"/>
-              <a:t>async</a:t>
-            </a:r>
-            <a:r>
-              <a:rPr lang="en-US" sz="2000" dirty="0"/>
-              <a:t> environment like browser</a:t>
-            </a:r>
-          </a:p>
-          <a:p>
-            <a:pPr marL="342900" indent="-342900" algn="l">
-              <a:buFont typeface="Arial"/>
-              <a:buChar char="•"/>
-            </a:pPr>
-            <a:r>
-              <a:rPr lang="en-US" sz="2400" dirty="0" smtClean="0"/>
-              <a:t>Drawbacks</a:t>
-            </a:r>
-            <a:endParaRPr lang="en-US" sz="2400" dirty="0"/>
-          </a:p>
-          <a:p>
-            <a:pPr marL="800100" lvl="1" indent="-342900" algn="l">
-              <a:buFont typeface="Arial"/>
-              <a:buChar char="•"/>
-            </a:pPr>
-            <a:r>
-              <a:rPr lang="en-US" sz="2000" dirty="0" smtClean="0"/>
-              <a:t>Debugging </a:t>
-            </a:r>
-            <a:r>
-              <a:rPr lang="en-US" sz="2000" dirty="0"/>
-              <a:t>context: breakpoint or </a:t>
-            </a:r>
-            <a:r>
-              <a:rPr lang="en-US" sz="2000" dirty="0" err="1"/>
-              <a:t>console.log</a:t>
-            </a:r>
-            <a:r>
-              <a:rPr lang="en-US" sz="2000" dirty="0"/>
-              <a:t> can be deeply nested in injectors</a:t>
-            </a:r>
-          </a:p>
-          <a:p>
-            <a:pPr marL="800100" lvl="1" indent="-342900" algn="l">
-              <a:buFont typeface="Arial"/>
-              <a:buChar char="•"/>
-            </a:pPr>
-            <a:r>
-              <a:rPr lang="en-US" sz="2000" dirty="0" smtClean="0"/>
-              <a:t>Syntax</a:t>
-            </a:r>
-            <a:r>
-              <a:rPr lang="en-US" sz="2000" dirty="0"/>
-              <a:t>/implementation can be </a:t>
-            </a:r>
-            <a:r>
-              <a:rPr lang="en-US" sz="2000" dirty="0" err="1"/>
-              <a:t>automagical</a:t>
-            </a:r>
-            <a:r>
-              <a:rPr lang="en-US" sz="2000" dirty="0"/>
-              <a:t>: injector is a black box</a:t>
-            </a:r>
-            <a:endParaRPr lang="en-US" sz="1600" dirty="0"/>
           </a:p>
         </p:txBody>
       </p:sp>
     </p:spTree>
     <p:extLst>
       <p:ext uri="{BB962C8B-B14F-4D97-AF65-F5344CB8AC3E}">
-        <p14:creationId xmlns:p14="http://schemas.microsoft.com/office/powerpoint/2010/main" val="4200027496"/>
+        <p14:creationId xmlns:p14="http://schemas.microsoft.com/office/powerpoint/2010/main" val="2305374854"/>
       </p:ext>
     </p:extLst>
   </p:cSld>
   <p:clrMapOvr>
     <a:masterClrMapping/>
   </p:clrMapOvr>
-  <p:timing>
-    <p:tnLst>
-      <p:par>
-        <p:cTn xmlns:p14="http://schemas.microsoft.com/office/powerpoint/2010/main" id="1" dur="indefinite" restart="never" nodeType="tmRoot"/>
-      </p:par>
-    </p:tnLst>
-  </p:timing>
 </p:sld>
 </file>
 
@@ -3697,14 +3696,78 @@
           </a:bodyPr>
           <a:lstStyle/>
           <a:p>
-            <a:pPr marL="342900" indent="-342900" algn="l">
-              <a:buFont typeface="Arial"/>
-              <a:buChar char="•"/>
-            </a:pPr>
-            <a:r>
-              <a:rPr lang="en-US" sz="2000" dirty="0" smtClean="0"/>
-              <a:t>Analogy </a:t>
-            </a:r>
+            <a:pPr algn="l"/>
+            <a:r>
+              <a:rPr lang="en-US" sz="2800" dirty="0" smtClean="0"/>
+              <a:t>A design </a:t>
+            </a:r>
+            <a:r>
+              <a:rPr lang="en-US" sz="2800" dirty="0"/>
+              <a:t>pattern </a:t>
+            </a:r>
+            <a:endParaRPr lang="en-US" sz="2800" dirty="0" smtClean="0"/>
+          </a:p>
+          <a:p>
+            <a:pPr marL="342900" indent="-342900" algn="l">
+              <a:buFont typeface="Arial"/>
+              <a:buChar char="•"/>
+            </a:pPr>
+            <a:r>
+              <a:rPr lang="en-US" sz="2400" dirty="0" smtClean="0"/>
+              <a:t>Language-independent, but well suited to web apps</a:t>
+            </a:r>
+            <a:endParaRPr lang="en-US" sz="2400" dirty="0" smtClean="0"/>
+          </a:p>
+          <a:p>
+            <a:pPr marL="342900" indent="-342900" algn="l">
+              <a:buFont typeface="Arial"/>
+              <a:buChar char="•"/>
+            </a:pPr>
+            <a:r>
+              <a:rPr lang="en-US" sz="2400" dirty="0" smtClean="0"/>
+              <a:t>Implements </a:t>
+            </a:r>
+            <a:r>
+              <a:rPr lang="en-US" sz="2400" dirty="0"/>
+              <a:t>a principle named Inversion Of Control</a:t>
+            </a:r>
+          </a:p>
+          <a:p>
+            <a:pPr marL="342900" indent="-342900" algn="l">
+              <a:buFont typeface="Arial"/>
+              <a:buChar char="•"/>
+            </a:pPr>
+            <a:r>
+              <a:rPr lang="en-US" sz="2400" dirty="0" err="1" smtClean="0"/>
+              <a:t>IoC</a:t>
+            </a:r>
+            <a:r>
+              <a:rPr lang="en-US" sz="2400" dirty="0" smtClean="0"/>
+              <a:t> </a:t>
+            </a:r>
+            <a:r>
+              <a:rPr lang="en-US" sz="2400" dirty="0" smtClean="0"/>
+              <a:t>in turn is  a form of 'information hiding'</a:t>
+            </a:r>
+          </a:p>
+          <a:p>
+            <a:pPr marL="342900" indent="-342900" algn="l">
+              <a:buFont typeface="Arial"/>
+              <a:buChar char="•"/>
+            </a:pPr>
+            <a:r>
+              <a:rPr lang="en-US" sz="2400" dirty="0" smtClean="0"/>
+              <a:t>Calling code should know </a:t>
+            </a:r>
+            <a:r>
+              <a:rPr lang="en-US" sz="2400" dirty="0"/>
+              <a:t>as little as possible about </a:t>
+            </a:r>
+            <a:r>
+              <a:rPr lang="en-US" sz="2400" dirty="0" smtClean="0"/>
+              <a:t>called code</a:t>
+            </a:r>
+            <a:endParaRPr lang="en-US" sz="2400" dirty="0" smtClean="0"/>
           </a:p>
           <a:p>
             <a:pPr marL="800100" lvl="1" indent="-342900" algn="l">
@@ -3712,16 +3775,8 @@
               <a:buChar char="•"/>
             </a:pPr>
             <a:r>
-              <a:rPr lang="en-US" sz="1600" dirty="0" err="1" smtClean="0"/>
-              <a:t>Javascript</a:t>
-            </a:r>
-            <a:r>
-              <a:rPr lang="en-US" sz="1600" dirty="0" smtClean="0"/>
-              <a:t> </a:t>
-            </a:r>
-            <a:r>
-              <a:rPr lang="en-US" sz="1600" dirty="0"/>
-              <a:t>has two phases: interpretation and execution</a:t>
+              <a:rPr lang="en-US" sz="2000" dirty="0" smtClean="0"/>
+              <a:t>where to find an instance</a:t>
             </a:r>
           </a:p>
           <a:p>
@@ -3730,12 +3785,12 @@
               <a:buChar char="•"/>
             </a:pPr>
             <a:r>
-              <a:rPr lang="en-US" sz="1600" dirty="0" smtClean="0"/>
-              <a:t>Interpretation </a:t>
-            </a:r>
-            <a:r>
-              <a:rPr lang="en-US" sz="1600" dirty="0"/>
-              <a:t>verifies syntax and produces executable</a:t>
+              <a:rPr lang="en-US" sz="2000" dirty="0"/>
+              <a:t>h</a:t>
+            </a:r>
+            <a:r>
+              <a:rPr lang="en-US" sz="2000" dirty="0" smtClean="0"/>
+              <a:t>ow to create a new instance</a:t>
             </a:r>
           </a:p>
           <a:p>
@@ -3744,77 +3799,17 @@
               <a:buChar char="•"/>
             </a:pPr>
             <a:r>
-              <a:rPr lang="en-US" sz="1600" dirty="0" smtClean="0"/>
-              <a:t>Execution </a:t>
-            </a:r>
-            <a:r>
-              <a:rPr lang="en-US" sz="1600" dirty="0"/>
-              <a:t>actually runs and attempts to resolve symbols</a:t>
-            </a:r>
-          </a:p>
-          <a:p>
-            <a:pPr marL="342900" indent="-342900" algn="l">
-              <a:buFont typeface="Arial"/>
-              <a:buChar char="•"/>
-            </a:pPr>
-            <a:r>
-              <a:rPr lang="en-US" sz="2000" dirty="0" smtClean="0"/>
-              <a:t>DI </a:t>
-            </a:r>
-            <a:r>
-              <a:rPr lang="en-US" sz="2000" dirty="0"/>
-              <a:t>systems have two phases</a:t>
-            </a:r>
-          </a:p>
-          <a:p>
-            <a:pPr marL="800100" lvl="1" indent="-342900" algn="l">
-              <a:buFont typeface="Arial"/>
-              <a:buChar char="•"/>
-            </a:pPr>
-            <a:r>
-              <a:rPr lang="en-US" sz="1600" dirty="0" smtClean="0"/>
-              <a:t>Registration </a:t>
-            </a:r>
-            <a:r>
-              <a:rPr lang="en-US" sz="1600" dirty="0"/>
-              <a:t>of dependencies</a:t>
-            </a:r>
-          </a:p>
-          <a:p>
-            <a:pPr marL="800100" lvl="1" indent="-342900" algn="l">
-              <a:buFont typeface="Arial"/>
-              <a:buChar char="•"/>
-            </a:pPr>
-            <a:r>
-              <a:rPr lang="en-US" sz="1600" dirty="0" smtClean="0"/>
-              <a:t>Execution </a:t>
-            </a:r>
-            <a:r>
-              <a:rPr lang="en-US" sz="1600" dirty="0"/>
-              <a:t>once all dependencies are available</a:t>
-            </a:r>
-          </a:p>
-          <a:p>
-            <a:pPr marL="800100" lvl="1" indent="-342900" algn="l">
-              <a:buFont typeface="Arial"/>
-              <a:buChar char="•"/>
-            </a:pPr>
-            <a:r>
-              <a:rPr lang="en-US" sz="1600" dirty="0" smtClean="0"/>
-              <a:t>DI </a:t>
-            </a:r>
-            <a:r>
-              <a:rPr lang="en-US" sz="1600" dirty="0"/>
-              <a:t>code will therefore also have two corresponding parts</a:t>
-            </a:r>
-            <a:endParaRPr lang="en-US" sz="1200" dirty="0"/>
+              <a:rPr lang="en-US" sz="2000" dirty="0" err="1" smtClean="0"/>
+              <a:t>etc</a:t>
+            </a:r>
+            <a:endParaRPr lang="en-US" sz="2000" dirty="0"/>
           </a:p>
         </p:txBody>
       </p:sp>
     </p:spTree>
     <p:extLst>
       <p:ext uri="{BB962C8B-B14F-4D97-AF65-F5344CB8AC3E}">
-        <p14:creationId xmlns:p14="http://schemas.microsoft.com/office/powerpoint/2010/main" val="2632643855"/>
+        <p14:creationId xmlns:p14="http://schemas.microsoft.com/office/powerpoint/2010/main" val="4200027496"/>
       </p:ext>
     </p:extLst>
   </p:cSld>
@@ -3904,22 +3899,56 @@
           <a:p>
             <a:pPr algn="l"/>
             <a:r>
-              <a:rPr lang="en-US" sz="2000" dirty="0"/>
-              <a:t>Angular conventions</a:t>
-            </a:r>
-          </a:p>
-          <a:p>
-            <a:pPr marL="342900" indent="-342900" algn="l">
-              <a:buFont typeface="Arial"/>
-              <a:buChar char="•"/>
-            </a:pPr>
-            <a:r>
-              <a:rPr lang="en-US" sz="2000" dirty="0" smtClean="0"/>
-              <a:t>Inline </a:t>
-            </a:r>
-            <a:r>
-              <a:rPr lang="en-US" sz="2000" dirty="0"/>
-              <a:t>Annotation Array</a:t>
+              <a:rPr lang="en-US" sz="2800" dirty="0" smtClean="0"/>
+              <a:t>In practice</a:t>
+            </a:r>
+            <a:endParaRPr lang="en-US" sz="2000" dirty="0" smtClean="0"/>
+          </a:p>
+          <a:p>
+            <a:pPr marL="342900" indent="-342900" algn="l">
+              <a:buFont typeface="Arial"/>
+              <a:buChar char="•"/>
+            </a:pPr>
+            <a:r>
+              <a:rPr lang="en-US" sz="2400" dirty="0" smtClean="0"/>
+              <a:t>Calling code </a:t>
+            </a:r>
+            <a:r>
+              <a:rPr lang="en-US" sz="2400" dirty="0"/>
+              <a:t>states its dependencies</a:t>
+            </a:r>
+          </a:p>
+          <a:p>
+            <a:pPr marL="342900" indent="-342900" algn="l">
+              <a:buFont typeface="Arial"/>
+              <a:buChar char="•"/>
+            </a:pPr>
+            <a:r>
+              <a:rPr lang="en-US" sz="2400" dirty="0" smtClean="0"/>
+              <a:t>Injector </a:t>
+            </a:r>
+            <a:r>
+              <a:rPr lang="en-US" sz="2400" dirty="0"/>
+              <a:t>is responsible for </a:t>
+            </a:r>
+            <a:r>
+              <a:rPr lang="en-US" sz="2400" dirty="0" smtClean="0"/>
+              <a:t>providing instances</a:t>
+            </a:r>
+            <a:endParaRPr lang="en-US" sz="2400" dirty="0"/>
+          </a:p>
+          <a:p>
+            <a:pPr marL="342900" indent="-342900" algn="l">
+              <a:buFont typeface="Arial"/>
+              <a:buChar char="•"/>
+            </a:pPr>
+            <a:r>
+              <a:rPr lang="en-US" sz="2400" dirty="0" smtClean="0"/>
+              <a:t>injector </a:t>
+            </a:r>
+            <a:r>
+              <a:rPr lang="en-US" sz="2400" dirty="0" smtClean="0"/>
+              <a:t>handles…</a:t>
             </a:r>
           </a:p>
           <a:p>
@@ -3928,44 +3957,8 @@
               <a:buChar char="•"/>
             </a:pPr>
             <a:r>
-              <a:rPr lang="en-US" sz="1600" dirty="0" smtClean="0"/>
-              <a:t>[</a:t>
-            </a:r>
-            <a:r>
-              <a:rPr lang="en-US" sz="1600" dirty="0"/>
-              <a:t>'$</a:t>
-            </a:r>
-            <a:r>
-              <a:rPr lang="en-US" sz="1600" dirty="0" err="1"/>
-              <a:t>ngBuiltIn</a:t>
-            </a:r>
-            <a:r>
-              <a:rPr lang="en-US" sz="1600" dirty="0"/>
-              <a:t>', '</a:t>
-            </a:r>
-            <a:r>
-              <a:rPr lang="en-US" sz="1600" dirty="0" err="1"/>
-              <a:t>myDep</a:t>
-            </a:r>
-            <a:r>
-              <a:rPr lang="en-US" sz="1600" dirty="0"/>
-              <a:t>', function (</a:t>
-            </a:r>
-            <a:r>
-              <a:rPr lang="en-US" sz="1600" dirty="0" err="1"/>
-              <a:t>builtIn</a:t>
-            </a:r>
-            <a:r>
-              <a:rPr lang="en-US" sz="1600" dirty="0"/>
-              <a:t>, </a:t>
-            </a:r>
-            <a:r>
-              <a:rPr lang="en-US" sz="1600" dirty="0" err="1"/>
-              <a:t>myDep</a:t>
-            </a:r>
-            <a:r>
-              <a:rPr lang="en-US" sz="1600" dirty="0"/>
-              <a:t>) {...}]</a:t>
+              <a:rPr lang="en-US" sz="2000" dirty="0" smtClean="0"/>
+              <a:t>Finding the registration for this dependency</a:t>
             </a:r>
           </a:p>
           <a:p>
@@ -3974,12 +3967,12 @@
               <a:buChar char="•"/>
             </a:pPr>
             <a:r>
-              <a:rPr lang="en-US" sz="1600" dirty="0" smtClean="0"/>
-              <a:t>First </a:t>
-            </a:r>
-            <a:r>
-              <a:rPr lang="en-US" sz="1600" dirty="0"/>
-              <a:t>n...elements in array declare dependencies</a:t>
+              <a:rPr lang="en-US" sz="2000" dirty="0" smtClean="0"/>
+              <a:t>Recursively finding all sub</a:t>
+            </a:r>
+            <a:r>
+              <a:rPr lang="en-US" sz="2000" smtClean="0"/>
+              <a:t>-dependencies</a:t>
             </a:r>
           </a:p>
           <a:p>
@@ -3987,188 +3980,33 @@
               <a:buFont typeface="Arial"/>
               <a:buChar char="•"/>
             </a:pPr>
-            <a:r>
-              <a:rPr lang="en-US" sz="1600" dirty="0" smtClean="0"/>
-              <a:t>Last </a:t>
-            </a:r>
-            <a:r>
-              <a:rPr lang="en-US" sz="1600" dirty="0" err="1"/>
-              <a:t>arg</a:t>
-            </a:r>
-            <a:r>
-              <a:rPr lang="en-US" sz="1600" dirty="0"/>
-              <a:t> is the function to execute once </a:t>
-            </a:r>
-            <a:r>
-              <a:rPr lang="en-US" sz="1600" dirty="0" err="1"/>
-              <a:t>deps</a:t>
-            </a:r>
-            <a:r>
-              <a:rPr lang="en-US" sz="1600" dirty="0"/>
-              <a:t> are ready</a:t>
-            </a:r>
-          </a:p>
-          <a:p>
-            <a:pPr marL="800100" lvl="1" indent="-342900" algn="l">
-              <a:buFont typeface="Arial"/>
-              <a:buChar char="•"/>
-            </a:pPr>
-            <a:r>
-              <a:rPr lang="en-US" sz="1600" dirty="0" smtClean="0"/>
-              <a:t>Function </a:t>
-            </a:r>
-            <a:r>
-              <a:rPr lang="en-US" sz="1600" dirty="0" err="1"/>
-              <a:t>arg</a:t>
-            </a:r>
-            <a:r>
-              <a:rPr lang="en-US" sz="1600" dirty="0"/>
-              <a:t> names are arbitrary, </a:t>
-            </a:r>
-            <a:r>
-              <a:rPr lang="en-US" sz="1600" dirty="0" err="1"/>
-              <a:t>deps</a:t>
-            </a:r>
-            <a:r>
-              <a:rPr lang="en-US" sz="1600" dirty="0"/>
-              <a:t> passed in order</a:t>
-            </a:r>
-          </a:p>
-          <a:p>
-            <a:pPr marL="342900" indent="-342900" algn="l">
-              <a:buFont typeface="Arial"/>
-              <a:buChar char="•"/>
-            </a:pPr>
-            <a:r>
-              <a:rPr lang="en-US" sz="2000" dirty="0" smtClean="0"/>
-              <a:t>Implicit </a:t>
-            </a:r>
-            <a:r>
-              <a:rPr lang="en-US" sz="2000" dirty="0"/>
-              <a:t>annotation</a:t>
-            </a:r>
-          </a:p>
-          <a:p>
-            <a:pPr marL="800100" lvl="1" indent="-342900" algn="l">
-              <a:buFont typeface="Arial"/>
-              <a:buChar char="•"/>
-            </a:pPr>
-            <a:r>
-              <a:rPr lang="en-US" sz="1600" dirty="0" err="1" smtClean="0"/>
-              <a:t>Injectables</a:t>
-            </a:r>
-            <a:r>
-              <a:rPr lang="en-US" sz="1600" dirty="0"/>
-              <a:t>: register first, use later</a:t>
-            </a:r>
-          </a:p>
-          <a:p>
-            <a:pPr marL="800100" lvl="1" indent="-342900" algn="l">
-              <a:buFont typeface="Arial"/>
-              <a:buChar char="•"/>
-            </a:pPr>
-            <a:r>
-              <a:rPr lang="en-US" sz="1600" dirty="0" smtClean="0"/>
-              <a:t>.</a:t>
-            </a:r>
-            <a:r>
-              <a:rPr lang="en-US" sz="1600" dirty="0"/>
-              <a:t>controller('</a:t>
-            </a:r>
-            <a:r>
-              <a:rPr lang="en-US" sz="1600" dirty="0" err="1"/>
-              <a:t>cntrName</a:t>
-            </a:r>
-            <a:r>
-              <a:rPr lang="en-US" sz="1600" dirty="0"/>
-              <a:t>', function ($scope, </a:t>
-            </a:r>
-            <a:r>
-              <a:rPr lang="en-US" sz="1600" dirty="0" err="1"/>
-              <a:t>myInjectable</a:t>
-            </a:r>
-            <a:r>
-              <a:rPr lang="en-US" sz="1600" dirty="0"/>
-              <a:t>) {...})</a:t>
-            </a:r>
-          </a:p>
-          <a:p>
-            <a:pPr marL="800100" lvl="1" indent="-342900" algn="l">
-              <a:buFont typeface="Arial"/>
-              <a:buChar char="•"/>
-            </a:pPr>
-            <a:r>
-              <a:rPr lang="en-US" sz="1600" dirty="0" err="1" smtClean="0"/>
-              <a:t>nG</a:t>
-            </a:r>
-            <a:r>
-              <a:rPr lang="en-US" sz="1600" dirty="0" smtClean="0"/>
-              <a:t> </a:t>
-            </a:r>
-            <a:r>
-              <a:rPr lang="en-US" sz="1600" dirty="0"/>
-              <a:t>knows how to provide built-in $scope</a:t>
-            </a:r>
-          </a:p>
-          <a:p>
-            <a:pPr marL="800100" lvl="1" indent="-342900" algn="l">
-              <a:buFont typeface="Arial"/>
-              <a:buChar char="•"/>
-            </a:pPr>
-            <a:r>
-              <a:rPr lang="en-US" sz="1600" dirty="0" smtClean="0"/>
-              <a:t>We </a:t>
-            </a:r>
-            <a:r>
-              <a:rPr lang="en-US" sz="1600" dirty="0"/>
-              <a:t>have to register </a:t>
-            </a:r>
-            <a:r>
-              <a:rPr lang="en-US" sz="1600" dirty="0" err="1"/>
-              <a:t>myInjectable</a:t>
-            </a:r>
-            <a:r>
-              <a:rPr lang="en-US" sz="1600" dirty="0"/>
-              <a:t> via </a:t>
-            </a:r>
-            <a:r>
-              <a:rPr lang="en-US" sz="1600" dirty="0" err="1"/>
-              <a:t>nG</a:t>
-            </a:r>
-            <a:r>
-              <a:rPr lang="en-US" sz="1600" dirty="0"/>
-              <a:t> Provider</a:t>
-            </a:r>
-          </a:p>
-          <a:p>
-            <a:pPr marL="800100" lvl="1" indent="-342900" algn="l">
-              <a:buFont typeface="Arial"/>
-              <a:buChar char="•"/>
-            </a:pPr>
-            <a:r>
-              <a:rPr lang="en-US" sz="1600" dirty="0" smtClean="0"/>
-              <a:t>Gotcha</a:t>
-            </a:r>
-            <a:r>
-              <a:rPr lang="en-US" sz="1600" dirty="0"/>
-              <a:t>: minimization can break DI - </a:t>
-            </a:r>
-            <a:r>
-              <a:rPr lang="en-US" sz="1600" dirty="0" err="1"/>
-              <a:t>args</a:t>
-            </a:r>
-            <a:r>
-              <a:rPr lang="en-US" sz="1600" dirty="0"/>
-              <a:t> get turned into (a, b)</a:t>
-            </a:r>
-            <a:endParaRPr lang="en-US" sz="800" dirty="0"/>
+            <a:endParaRPr lang="en-US" sz="2000" dirty="0"/>
+          </a:p>
+          <a:p>
+            <a:pPr marL="342900" indent="-342900" algn="l">
+              <a:buFont typeface="Arial"/>
+              <a:buChar char="•"/>
+            </a:pPr>
+            <a:r>
+              <a:rPr lang="en-US" sz="2400" dirty="0" smtClean="0"/>
+              <a:t>This </a:t>
+            </a:r>
+            <a:r>
+              <a:rPr lang="en-US" sz="2400" dirty="0"/>
+              <a:t>code just uses dependency without knowing any </a:t>
+            </a:r>
+            <a:r>
+              <a:rPr lang="en-US" sz="2400" dirty="0" smtClean="0"/>
+              <a:t>details</a:t>
+            </a:r>
+            <a:endParaRPr lang="en-US" sz="2400" dirty="0"/>
           </a:p>
         </p:txBody>
       </p:sp>
     </p:spTree>
     <p:extLst>
       <p:ext uri="{BB962C8B-B14F-4D97-AF65-F5344CB8AC3E}">
-        <p14:creationId xmlns:p14="http://schemas.microsoft.com/office/powerpoint/2010/main" val="1639917623"/>
+        <p14:creationId xmlns:p14="http://schemas.microsoft.com/office/powerpoint/2010/main" val="3213199469"/>
       </p:ext>
     </p:extLst>
   </p:cSld>
@@ -4224,8 +4062,13 @@
           <a:p>
             <a:r>
               <a:rPr lang="en-US" dirty="0"/>
-              <a:t>Providers</a:t>
-            </a:r>
+              <a:t>Dependency </a:t>
+            </a:r>
+            <a:r>
+              <a:rPr lang="en-US" dirty="0" smtClean="0"/>
+              <a:t>Injection</a:t>
+            </a:r>
+            <a:endParaRPr lang="en-US" dirty="0"/>
           </a:p>
         </p:txBody>
       </p:sp>
@@ -4251,94 +4094,11 @@
           </a:bodyPr>
           <a:lstStyle/>
           <a:p>
-            <a:pPr marL="342900" indent="-342900" algn="l">
-              <a:buFont typeface="Arial"/>
-              <a:buChar char="•"/>
-            </a:pPr>
-            <a:r>
-              <a:rPr lang="en-US" sz="2000" dirty="0" smtClean="0"/>
-              <a:t>Angular </a:t>
-            </a:r>
-            <a:r>
-              <a:rPr lang="en-US" sz="2000" dirty="0"/>
-              <a:t>itself is built using the Provider pattern</a:t>
-            </a:r>
-          </a:p>
-          <a:p>
-            <a:pPr marL="342900" indent="-342900" algn="l">
-              <a:buFont typeface="Arial"/>
-              <a:buChar char="•"/>
-            </a:pPr>
-            <a:r>
-              <a:rPr lang="en-US" sz="2000" dirty="0" smtClean="0"/>
-              <a:t>When </a:t>
-            </a:r>
-            <a:r>
-              <a:rPr lang="en-US" sz="2000" dirty="0"/>
-              <a:t>we used .controller(), </a:t>
-            </a:r>
-            <a:r>
-              <a:rPr lang="en-US" sz="2000" dirty="0" err="1"/>
-              <a:t>nG</a:t>
-            </a:r>
-            <a:r>
-              <a:rPr lang="en-US" sz="2000" dirty="0"/>
-              <a:t> created </a:t>
-            </a:r>
-            <a:r>
-              <a:rPr lang="en-US" sz="2000" dirty="0" err="1"/>
-              <a:t>controllerProvider</a:t>
-            </a:r>
-            <a:endParaRPr lang="en-US" sz="2000" dirty="0"/>
-          </a:p>
-          <a:p>
-            <a:pPr marL="342900" indent="-342900" algn="l">
-              <a:buFont typeface="Arial"/>
-              <a:buChar char="•"/>
-            </a:pPr>
-            <a:r>
-              <a:rPr lang="en-US" sz="2000" dirty="0" smtClean="0"/>
-              <a:t>Providers </a:t>
-            </a:r>
-            <a:r>
-              <a:rPr lang="en-US" sz="2000" dirty="0"/>
-              <a:t>are registered at </a:t>
-            </a:r>
-            <a:r>
-              <a:rPr lang="en-US" sz="2000" dirty="0" err="1"/>
-              <a:t>config</a:t>
-            </a:r>
-            <a:r>
-              <a:rPr lang="en-US" sz="2000" dirty="0"/>
-              <a:t> time and </a:t>
-            </a:r>
-            <a:r>
-              <a:rPr lang="en-US" sz="2000" dirty="0" err="1"/>
-              <a:t>initted</a:t>
-            </a:r>
-            <a:r>
-              <a:rPr lang="en-US" sz="2000" dirty="0"/>
-              <a:t>/injected at run time</a:t>
-            </a:r>
-          </a:p>
-          <a:p>
-            <a:pPr marL="342900" indent="-342900" algn="l">
-              <a:buFont typeface="Arial"/>
-              <a:buChar char="•"/>
-            </a:pPr>
-            <a:r>
-              <a:rPr lang="en-US" sz="2000" dirty="0" smtClean="0"/>
-              <a:t>Angular </a:t>
-            </a:r>
-            <a:r>
-              <a:rPr lang="en-US" sz="2000" dirty="0"/>
-              <a:t>built-in providers include $http, $window, $route, $</a:t>
-            </a:r>
-            <a:r>
-              <a:rPr lang="en-US" sz="2000" dirty="0" err="1"/>
-              <a:t>rootScope</a:t>
-            </a:r>
-            <a:endParaRPr lang="en-US" sz="2000" dirty="0"/>
+            <a:pPr algn="l"/>
+            <a:r>
+              <a:rPr lang="en-US" sz="2000" dirty="0" smtClean="0"/>
+              <a:t>Analogy </a:t>
+            </a:r>
           </a:p>
           <a:p>
             <a:pPr marL="342900" indent="-342900" algn="l">
@@ -4347,7 +4107,7 @@
             </a:pPr>
             <a:r>
               <a:rPr lang="en-US" sz="2000" dirty="0" err="1" smtClean="0"/>
-              <a:t>angular.injector</a:t>
+              <a:t>Javascript</a:t>
             </a:r>
             <a:r>
               <a:rPr lang="en-US" sz="2000" dirty="0" smtClean="0"/>
@@ -4355,58 +4115,97 @@
             </a:r>
             <a:r>
               <a:rPr lang="en-US" sz="2000" dirty="0"/>
-              <a:t>handles injection mechanics, often automatically</a:t>
-            </a:r>
-          </a:p>
-          <a:p>
-            <a:pPr marL="342900" indent="-342900" algn="l">
-              <a:buFont typeface="Arial"/>
-              <a:buChar char="•"/>
-            </a:pPr>
-            <a:r>
-              <a:rPr lang="en-US" sz="2000" dirty="0" smtClean="0"/>
-              <a:t>Use </a:t>
-            </a:r>
-            <a:r>
-              <a:rPr lang="en-US" sz="2000" dirty="0"/>
-              <a:t>a provider or subtype when you want code to be</a:t>
-            </a:r>
-          </a:p>
-          <a:p>
-            <a:pPr marL="800100" lvl="1" indent="-342900" algn="l">
-              <a:buFont typeface="Arial"/>
-              <a:buChar char="•"/>
-            </a:pPr>
-            <a:r>
-              <a:rPr lang="en-US" sz="1600" dirty="0" smtClean="0"/>
-              <a:t>reused </a:t>
-            </a:r>
-            <a:r>
-              <a:rPr lang="en-US" sz="1600" dirty="0"/>
-              <a:t>across controllers</a:t>
-            </a:r>
-          </a:p>
-          <a:p>
-            <a:pPr marL="800100" lvl="1" indent="-342900" algn="l">
-              <a:buFont typeface="Arial"/>
-              <a:buChar char="•"/>
-            </a:pPr>
-            <a:r>
-              <a:rPr lang="en-US" sz="1600" dirty="0" smtClean="0"/>
-              <a:t>a </a:t>
-            </a:r>
-            <a:r>
-              <a:rPr lang="en-US" sz="1600" dirty="0"/>
-              <a:t>singleton instance shared by all callers</a:t>
-            </a:r>
-            <a:endParaRPr lang="en-US" sz="400" dirty="0"/>
+              <a:t>has two phases: interpretation and execution</a:t>
+            </a:r>
+          </a:p>
+          <a:p>
+            <a:pPr marL="342900" indent="-342900" algn="l">
+              <a:buFont typeface="Arial"/>
+              <a:buChar char="•"/>
+            </a:pPr>
+            <a:r>
+              <a:rPr lang="en-US" sz="2000" dirty="0" smtClean="0"/>
+              <a:t>Interpretation </a:t>
+            </a:r>
+            <a:r>
+              <a:rPr lang="en-US" sz="2000" dirty="0"/>
+              <a:t>verifies syntax and produces executable</a:t>
+            </a:r>
+          </a:p>
+          <a:p>
+            <a:pPr marL="342900" indent="-342900" algn="l">
+              <a:buFont typeface="Arial"/>
+              <a:buChar char="•"/>
+            </a:pPr>
+            <a:r>
+              <a:rPr lang="en-US" sz="2000" dirty="0" smtClean="0"/>
+              <a:t>Execution </a:t>
+            </a:r>
+            <a:r>
+              <a:rPr lang="en-US" sz="2000" dirty="0"/>
+              <a:t>actually runs and attempts to resolve symbols</a:t>
+            </a:r>
+          </a:p>
+          <a:p>
+            <a:pPr algn="l"/>
+            <a:r>
+              <a:rPr lang="en-US" sz="2000" dirty="0" smtClean="0"/>
+              <a:t>DI </a:t>
+            </a:r>
+            <a:r>
+              <a:rPr lang="en-US" sz="2000" dirty="0"/>
+              <a:t>systems have two phases</a:t>
+            </a:r>
+          </a:p>
+          <a:p>
+            <a:pPr marL="342900" indent="-342900" algn="l">
+              <a:buFont typeface="Arial"/>
+              <a:buChar char="•"/>
+            </a:pPr>
+            <a:r>
+              <a:rPr lang="en-US" sz="2000" dirty="0" smtClean="0"/>
+              <a:t>Registration </a:t>
+            </a:r>
+            <a:r>
+              <a:rPr lang="en-US" sz="2000" dirty="0"/>
+              <a:t>of dependencies</a:t>
+            </a:r>
+          </a:p>
+          <a:p>
+            <a:pPr marL="342900" indent="-342900" algn="l">
+              <a:buFont typeface="Arial"/>
+              <a:buChar char="•"/>
+            </a:pPr>
+            <a:r>
+              <a:rPr lang="en-US" sz="2000" dirty="0" smtClean="0"/>
+              <a:t>Execution </a:t>
+            </a:r>
+            <a:r>
+              <a:rPr lang="en-US" sz="2000" dirty="0"/>
+              <a:t>once all dependencies are available</a:t>
+            </a:r>
+          </a:p>
+          <a:p>
+            <a:pPr marL="342900" indent="-342900" algn="l">
+              <a:buFont typeface="Arial"/>
+              <a:buChar char="•"/>
+            </a:pPr>
+            <a:r>
+              <a:rPr lang="en-US" sz="2000" dirty="0" smtClean="0"/>
+              <a:t>DI </a:t>
+            </a:r>
+            <a:r>
+              <a:rPr lang="en-US" sz="2000" dirty="0"/>
+              <a:t>code will therefore also have two corresponding parts</a:t>
+            </a:r>
+            <a:endParaRPr lang="en-US" sz="1600" dirty="0"/>
           </a:p>
         </p:txBody>
       </p:sp>
     </p:spTree>
     <p:extLst>
       <p:ext uri="{BB962C8B-B14F-4D97-AF65-F5344CB8AC3E}">
-        <p14:creationId xmlns:p14="http://schemas.microsoft.com/office/powerpoint/2010/main" val="3135721597"/>
+        <p14:creationId xmlns:p14="http://schemas.microsoft.com/office/powerpoint/2010/main" val="2632643855"/>
       </p:ext>
     </p:extLst>
   </p:cSld>
@@ -4462,8 +4261,13 @@
           <a:p>
             <a:r>
               <a:rPr lang="en-US" dirty="0"/>
-              <a:t>Provider recipe syntax</a:t>
-            </a:r>
+              <a:t>Dependency </a:t>
+            </a:r>
+            <a:r>
+              <a:rPr lang="en-US" dirty="0" smtClean="0"/>
+              <a:t>Injection</a:t>
+            </a:r>
+            <a:endParaRPr lang="en-US" dirty="0"/>
           </a:p>
         </p:txBody>
       </p:sp>
@@ -4485,108 +4289,148 @@
         </p:spPr>
         <p:txBody>
           <a:bodyPr>
-            <a:normAutofit/>
+            <a:normAutofit lnSpcReduction="10000"/>
           </a:bodyPr>
           <a:lstStyle/>
           <a:p>
-            <a:pPr marL="342900" indent="-342900" algn="l">
-              <a:buFont typeface="Arial"/>
-              <a:buChar char="•"/>
-            </a:pPr>
-            <a:r>
-              <a:rPr lang="en-US" sz="2000" dirty="0" smtClean="0"/>
-              <a:t>Recipe</a:t>
-            </a:r>
-            <a:r>
-              <a:rPr lang="en-US" sz="2000" dirty="0"/>
-              <a:t>: .provider('</a:t>
-            </a:r>
-            <a:r>
-              <a:rPr lang="en-US" sz="2000" dirty="0" err="1"/>
-              <a:t>providerName</a:t>
-            </a:r>
-            <a:r>
-              <a:rPr lang="en-US" sz="2000" dirty="0"/>
-              <a:t>', provider_)</a:t>
-            </a:r>
-          </a:p>
-          <a:p>
-            <a:pPr marL="342900" indent="-342900" algn="l">
-              <a:buFont typeface="Arial"/>
-              <a:buChar char="•"/>
-            </a:pPr>
-            <a:r>
-              <a:rPr lang="en-US" sz="2000" dirty="0" smtClean="0"/>
-              <a:t>provider_ </a:t>
-            </a:r>
-            <a:r>
-              <a:rPr lang="en-US" sz="2000" dirty="0"/>
-              <a:t>can be:</a:t>
-            </a:r>
-          </a:p>
-          <a:p>
-            <a:pPr marL="800100" lvl="1" indent="-342900" algn="l">
-              <a:buFont typeface="Arial"/>
-              <a:buChar char="•"/>
-            </a:pPr>
-            <a:r>
-              <a:rPr lang="en-US" sz="1600" dirty="0" smtClean="0"/>
-              <a:t>Any </a:t>
-            </a:r>
-            <a:r>
-              <a:rPr lang="en-US" sz="1600" dirty="0"/>
-              <a:t>object that has a $get method</a:t>
-            </a:r>
-          </a:p>
-          <a:p>
-            <a:pPr marL="800100" lvl="1" indent="-342900" algn="l">
-              <a:buFont typeface="Arial"/>
-              <a:buChar char="•"/>
-            </a:pPr>
-            <a:r>
-              <a:rPr lang="en-US" sz="1600" dirty="0" smtClean="0"/>
-              <a:t>A </a:t>
-            </a:r>
-            <a:r>
-              <a:rPr lang="en-US" sz="1600" dirty="0"/>
-              <a:t>function that returns an object with a $get method</a:t>
-            </a:r>
-          </a:p>
-          <a:p>
-            <a:pPr marL="800100" lvl="1" indent="-342900" algn="l">
-              <a:buFont typeface="Arial"/>
-              <a:buChar char="•"/>
-            </a:pPr>
-            <a:r>
-              <a:rPr lang="en-US" sz="1600" dirty="0" smtClean="0"/>
-              <a:t>An </a:t>
-            </a:r>
-            <a:r>
-              <a:rPr lang="en-US" sz="1600" dirty="0"/>
-              <a:t>Inline Annotation array that returns an object with a $get method</a:t>
-            </a:r>
-          </a:p>
-          <a:p>
-            <a:pPr marL="342900" indent="-342900" algn="l">
-              <a:buFont typeface="Arial"/>
-              <a:buChar char="•"/>
-            </a:pPr>
-            <a:r>
-              <a:rPr lang="en-US" sz="2000" dirty="0" smtClean="0"/>
-              <a:t>In </a:t>
-            </a:r>
-            <a:r>
-              <a:rPr lang="en-US" sz="2000" dirty="0"/>
-              <a:t>practice, raw Providers are rare compared to their subtypes</a:t>
-            </a:r>
-            <a:endParaRPr lang="en-US" sz="400" dirty="0"/>
+            <a:pPr algn="l"/>
+            <a:r>
+              <a:rPr lang="en-US" sz="2800" dirty="0" smtClean="0"/>
+              <a:t>Benefits</a:t>
+            </a:r>
+            <a:endParaRPr lang="en-US" sz="2800" dirty="0"/>
+          </a:p>
+          <a:p>
+            <a:pPr marL="342900" indent="-342900" algn="l">
+              <a:buFont typeface="Arial"/>
+              <a:buChar char="•"/>
+            </a:pPr>
+            <a:r>
+              <a:rPr lang="en-US" sz="2400" dirty="0" smtClean="0"/>
+              <a:t>Promotes </a:t>
+            </a:r>
+            <a:r>
+              <a:rPr lang="en-US" sz="2400" dirty="0"/>
+              <a:t>lots of architecture best practices</a:t>
+            </a:r>
+          </a:p>
+          <a:p>
+            <a:pPr marL="342900" indent="-342900" algn="l">
+              <a:buFont typeface="Arial"/>
+              <a:buChar char="•"/>
+            </a:pPr>
+            <a:r>
+              <a:rPr lang="en-US" sz="2400" dirty="0" smtClean="0"/>
+              <a:t>Provide </a:t>
+            </a:r>
+            <a:r>
+              <a:rPr lang="en-US" sz="2400" dirty="0"/>
+              <a:t>can be just-in-time: </a:t>
+            </a:r>
+            <a:r>
+              <a:rPr lang="en-US" sz="2400" dirty="0" err="1"/>
+              <a:t>dont</a:t>
+            </a:r>
+            <a:r>
+              <a:rPr lang="en-US" sz="2400" dirty="0"/>
+              <a:t> have to load all dependencies initially</a:t>
+            </a:r>
+          </a:p>
+          <a:p>
+            <a:pPr marL="342900" indent="-342900" algn="l">
+              <a:buFont typeface="Arial"/>
+              <a:buChar char="•"/>
+            </a:pPr>
+            <a:r>
+              <a:rPr lang="en-US" sz="2400" dirty="0" smtClean="0"/>
+              <a:t>Swappable </a:t>
+            </a:r>
+            <a:r>
+              <a:rPr lang="en-US" sz="2400" dirty="0"/>
+              <a:t>with a mock object at test time</a:t>
+            </a:r>
+          </a:p>
+          <a:p>
+            <a:pPr marL="342900" indent="-342900" algn="l">
+              <a:buFont typeface="Arial"/>
+              <a:buChar char="•"/>
+            </a:pPr>
+            <a:r>
+              <a:rPr lang="en-US" sz="2400" dirty="0" smtClean="0"/>
+              <a:t>Excellent </a:t>
+            </a:r>
+            <a:r>
+              <a:rPr lang="en-US" sz="2400" dirty="0"/>
+              <a:t>solution for </a:t>
+            </a:r>
+            <a:r>
+              <a:rPr lang="en-US" sz="2400" dirty="0" err="1"/>
+              <a:t>async</a:t>
+            </a:r>
+            <a:r>
+              <a:rPr lang="en-US" sz="2400" dirty="0"/>
+              <a:t> environment like browser</a:t>
+            </a:r>
+          </a:p>
+          <a:p>
+            <a:pPr algn="l"/>
+            <a:r>
+              <a:rPr lang="en-US" sz="2800" dirty="0" smtClean="0"/>
+              <a:t>Drawbacks</a:t>
+            </a:r>
+            <a:endParaRPr lang="en-US" sz="2800" dirty="0"/>
+          </a:p>
+          <a:p>
+            <a:pPr marL="342900" indent="-342900" algn="l">
+              <a:buFont typeface="Arial"/>
+              <a:buChar char="•"/>
+            </a:pPr>
+            <a:r>
+              <a:rPr lang="en-US" sz="2400" dirty="0" smtClean="0"/>
+              <a:t>Debugging </a:t>
+            </a:r>
+            <a:r>
+              <a:rPr lang="en-US" sz="2400" dirty="0"/>
+              <a:t>context: breakpoint or </a:t>
+            </a:r>
+            <a:r>
+              <a:rPr lang="en-US" sz="2400" dirty="0" err="1"/>
+              <a:t>console.log</a:t>
+            </a:r>
+            <a:r>
+              <a:rPr lang="en-US" sz="2400" dirty="0"/>
+              <a:t> can be deeply nested in injectors</a:t>
+            </a:r>
+          </a:p>
+          <a:p>
+            <a:pPr marL="342900" indent="-342900" algn="l">
+              <a:buFont typeface="Arial"/>
+              <a:buChar char="•"/>
+            </a:pPr>
+            <a:r>
+              <a:rPr lang="en-US" sz="2400" dirty="0" smtClean="0"/>
+              <a:t>Syntax</a:t>
+            </a:r>
+            <a:r>
+              <a:rPr lang="en-US" sz="2400" dirty="0"/>
+              <a:t>/implementation can be </a:t>
+            </a:r>
+            <a:r>
+              <a:rPr lang="en-US" sz="2400" dirty="0" err="1"/>
+              <a:t>automagical</a:t>
+            </a:r>
+            <a:r>
+              <a:rPr lang="en-US" sz="2400" dirty="0"/>
+              <a:t>: injector is a black box</a:t>
+            </a:r>
+            <a:endParaRPr lang="en-US" sz="2000" dirty="0"/>
           </a:p>
         </p:txBody>
       </p:sp>
     </p:spTree>
     <p:extLst>
       <p:ext uri="{BB962C8B-B14F-4D97-AF65-F5344CB8AC3E}">
-        <p14:creationId xmlns:p14="http://schemas.microsoft.com/office/powerpoint/2010/main" val="3380360674"/>
+        <p14:creationId xmlns:p14="http://schemas.microsoft.com/office/powerpoint/2010/main" val="1926672731"/>
       </p:ext>
     </p:extLst>
   </p:cSld>
@@ -4642,8 +4486,13 @@
           <a:p>
             <a:r>
               <a:rPr lang="en-US" dirty="0"/>
-              <a:t>Providers in practice</a:t>
-            </a:r>
+              <a:t>Dependency </a:t>
+            </a:r>
+            <a:r>
+              <a:rPr lang="en-US" dirty="0" smtClean="0"/>
+              <a:t>Injection</a:t>
+            </a:r>
+            <a:endParaRPr lang="en-US" dirty="0"/>
           </a:p>
         </p:txBody>
       </p:sp>
@@ -4669,118 +4518,273 @@
           </a:bodyPr>
           <a:lstStyle/>
           <a:p>
-            <a:pPr marL="342900" indent="-342900" algn="l">
-              <a:buFont typeface="Arial"/>
-              <a:buChar char="•"/>
-            </a:pPr>
-            <a:r>
-              <a:rPr lang="en-US" sz="2000" dirty="0" smtClean="0"/>
-              <a:t>Declare </a:t>
-            </a:r>
-            <a:r>
-              <a:rPr lang="en-US" sz="2000" dirty="0"/>
-              <a:t>a provider/subtype</a:t>
-            </a:r>
-          </a:p>
-          <a:p>
-            <a:pPr marL="342900" indent="-342900" algn="l">
-              <a:buFont typeface="Arial"/>
-              <a:buChar char="•"/>
-            </a:pPr>
-            <a:r>
-              <a:rPr lang="en-US" sz="2000" dirty="0" smtClean="0"/>
-              <a:t>Elsewhere</a:t>
-            </a:r>
-            <a:r>
-              <a:rPr lang="en-US" sz="2000" dirty="0"/>
-              <a:t>, require the provider via dependency injection</a:t>
-            </a:r>
-          </a:p>
-          <a:p>
-            <a:pPr marL="342900" indent="-342900" algn="l">
-              <a:buFont typeface="Arial"/>
-              <a:buChar char="•"/>
-            </a:pPr>
-            <a:r>
-              <a:rPr lang="en-US" sz="2000" dirty="0" smtClean="0"/>
+            <a:pPr algn="l"/>
+            <a:r>
+              <a:rPr lang="en-US" sz="2000" dirty="0"/>
+              <a:t>Angular conventions</a:t>
+            </a:r>
+          </a:p>
+          <a:p>
+            <a:pPr marL="342900" indent="-342900" algn="l">
+              <a:buFont typeface="Arial"/>
+              <a:buChar char="•"/>
+            </a:pPr>
+            <a:r>
+              <a:rPr lang="en-US" sz="2000" dirty="0" smtClean="0"/>
+              <a:t>Inline </a:t>
+            </a:r>
+            <a:r>
+              <a:rPr lang="en-US" sz="2000" dirty="0"/>
+              <a:t>Annotation Array</a:t>
+            </a:r>
+          </a:p>
+          <a:p>
+            <a:pPr marL="800100" lvl="1" indent="-342900" algn="l">
+              <a:buFont typeface="Arial"/>
+              <a:buChar char="•"/>
+            </a:pPr>
+            <a:r>
+              <a:rPr lang="en-US" sz="1600" dirty="0" smtClean="0"/>
+              <a:t>[</a:t>
+            </a:r>
+            <a:r>
+              <a:rPr lang="en-US" sz="1600" dirty="0"/>
+              <a:t>'$</a:t>
+            </a:r>
+            <a:r>
+              <a:rPr lang="en-US" sz="1600" dirty="0" err="1"/>
+              <a:t>ngBuiltIn</a:t>
+            </a:r>
+            <a:r>
+              <a:rPr lang="en-US" sz="1600" dirty="0"/>
+              <a:t>', '</a:t>
+            </a:r>
+            <a:r>
+              <a:rPr lang="en-US" sz="1600" dirty="0" err="1"/>
+              <a:t>myDep</a:t>
+            </a:r>
+            <a:r>
+              <a:rPr lang="en-US" sz="1600" dirty="0"/>
+              <a:t>', function (</a:t>
+            </a:r>
+            <a:r>
+              <a:rPr lang="en-US" sz="1600" dirty="0" err="1"/>
+              <a:t>builtIn</a:t>
+            </a:r>
+            <a:r>
+              <a:rPr lang="en-US" sz="1600" dirty="0"/>
+              <a:t>, </a:t>
+            </a:r>
+            <a:r>
+              <a:rPr lang="en-US" sz="1600" dirty="0" err="1"/>
+              <a:t>myDep</a:t>
+            </a:r>
+            <a:r>
+              <a:rPr lang="en-US" sz="1600" dirty="0"/>
+              <a:t>) {...}]</a:t>
+            </a:r>
+          </a:p>
+          <a:p>
+            <a:pPr marL="800100" lvl="1" indent="-342900" algn="l">
+              <a:buFont typeface="Arial"/>
+              <a:buChar char="•"/>
+            </a:pPr>
+            <a:r>
+              <a:rPr lang="en-US" sz="1600" dirty="0" smtClean="0"/>
+              <a:t>First </a:t>
+            </a:r>
+            <a:r>
+              <a:rPr lang="en-US" sz="1600" dirty="0"/>
+              <a:t>n...elements in array declare dependencies</a:t>
+            </a:r>
+          </a:p>
+          <a:p>
+            <a:pPr marL="800100" lvl="1" indent="-342900" algn="l">
+              <a:buFont typeface="Arial"/>
+              <a:buChar char="•"/>
+            </a:pPr>
+            <a:r>
+              <a:rPr lang="en-US" sz="1600" dirty="0" smtClean="0"/>
+              <a:t>Last </a:t>
+            </a:r>
+            <a:r>
+              <a:rPr lang="en-US" sz="1600" dirty="0" err="1"/>
+              <a:t>arg</a:t>
+            </a:r>
+            <a:r>
+              <a:rPr lang="en-US" sz="1600" dirty="0"/>
+              <a:t> is the function to execute once </a:t>
+            </a:r>
+            <a:r>
+              <a:rPr lang="en-US" sz="1600" dirty="0" err="1"/>
+              <a:t>deps</a:t>
+            </a:r>
+            <a:r>
+              <a:rPr lang="en-US" sz="1600" dirty="0"/>
+              <a:t> are ready</a:t>
+            </a:r>
+          </a:p>
+          <a:p>
+            <a:pPr marL="800100" lvl="1" indent="-342900" algn="l">
+              <a:buFont typeface="Arial"/>
+              <a:buChar char="•"/>
+            </a:pPr>
+            <a:r>
+              <a:rPr lang="en-US" sz="1600" dirty="0" smtClean="0"/>
+              <a:t>Function </a:t>
+            </a:r>
+            <a:r>
+              <a:rPr lang="en-US" sz="1600" dirty="0" err="1"/>
+              <a:t>arg</a:t>
+            </a:r>
+            <a:r>
+              <a:rPr lang="en-US" sz="1600" dirty="0"/>
+              <a:t> names are arbitrary, </a:t>
+            </a:r>
+            <a:r>
+              <a:rPr lang="en-US" sz="1600" dirty="0" err="1"/>
+              <a:t>deps</a:t>
+            </a:r>
+            <a:r>
+              <a:rPr lang="en-US" sz="1600" dirty="0"/>
+              <a:t> passed in order</a:t>
+            </a:r>
+          </a:p>
+          <a:p>
+            <a:pPr marL="342900" indent="-342900" algn="l">
+              <a:buFont typeface="Arial"/>
+              <a:buChar char="•"/>
+            </a:pPr>
+            <a:r>
+              <a:rPr lang="en-US" sz="2000" dirty="0" smtClean="0"/>
+              <a:t>Implicit </a:t>
+            </a:r>
+            <a:r>
+              <a:rPr lang="en-US" sz="2000" dirty="0"/>
+              <a:t>annotation</a:t>
+            </a:r>
+          </a:p>
+          <a:p>
+            <a:pPr marL="800100" lvl="1" indent="-342900" algn="l">
+              <a:buFont typeface="Arial"/>
+              <a:buChar char="•"/>
+            </a:pPr>
+            <a:r>
+              <a:rPr lang="en-US" sz="1600" dirty="0" err="1" smtClean="0"/>
+              <a:t>Injectables</a:t>
+            </a:r>
+            <a:r>
+              <a:rPr lang="en-US" sz="1600" dirty="0"/>
+              <a:t>: register first, use later</a:t>
+            </a:r>
+          </a:p>
+          <a:p>
+            <a:pPr marL="800100" lvl="1" indent="-342900" algn="l">
+              <a:buFont typeface="Arial"/>
+              <a:buChar char="•"/>
+            </a:pPr>
+            <a:r>
+              <a:rPr lang="en-US" sz="1600" dirty="0" smtClean="0"/>
               <a:t>.</a:t>
             </a:r>
             <a:r>
-              <a:rPr lang="en-US" sz="2000" dirty="0"/>
+              <a:rPr lang="en-US" sz="1600" dirty="0"/>
               <a:t>controller('</a:t>
             </a:r>
             <a:r>
-              <a:rPr lang="en-US" sz="2000" dirty="0" err="1"/>
-              <a:t>controllerName</a:t>
-            </a:r>
-            <a:r>
-              <a:rPr lang="en-US" sz="2000" dirty="0"/>
-              <a:t>', ['</a:t>
-            </a:r>
-            <a:r>
-              <a:rPr lang="en-US" sz="2000" dirty="0" err="1" smtClean="0"/>
-              <a:t>providerName</a:t>
-            </a:r>
-            <a:r>
-              <a:rPr lang="en-US" sz="2000" dirty="0" smtClean="0"/>
-              <a:t>’, </a:t>
-            </a:r>
-            <a:r>
-              <a:rPr lang="en-US" sz="2000" dirty="0"/>
-              <a:t>function </a:t>
-            </a:r>
-            <a:r>
-              <a:rPr lang="en-US" sz="2000" dirty="0" smtClean="0"/>
-              <a:t>(</a:t>
-            </a:r>
-            <a:r>
-              <a:rPr lang="en-US" sz="2000" dirty="0" err="1"/>
-              <a:t>prvdrName</a:t>
-            </a:r>
-            <a:r>
-              <a:rPr lang="en-US" sz="2000" dirty="0"/>
+              <a:rPr lang="en-US" sz="1600" dirty="0" err="1"/>
+              <a:t>cntrName</a:t>
+            </a:r>
+            <a:r>
+              <a:rPr lang="en-US" sz="1600" dirty="0"/>
+              <a:t>', function ($scope, </a:t>
+            </a:r>
+            <a:r>
+              <a:rPr lang="en-US" sz="1600" dirty="0" err="1"/>
+              <a:t>myInjectable</a:t>
+            </a:r>
+            <a:r>
+              <a:rPr lang="en-US" sz="1600" dirty="0"/>
               <a:t>) {...})</a:t>
             </a:r>
           </a:p>
           <a:p>
-            <a:pPr marL="342900" indent="-342900" algn="l">
-              <a:buFont typeface="Arial"/>
-              <a:buChar char="•"/>
-            </a:pPr>
-            <a:r>
-              <a:rPr lang="en-US" sz="2000" dirty="0" smtClean="0"/>
-              <a:t>Angular </a:t>
-            </a:r>
-            <a:r>
-              <a:rPr lang="en-US" sz="2000" dirty="0" err="1"/>
-              <a:t>inits</a:t>
-            </a:r>
-            <a:r>
-              <a:rPr lang="en-US" sz="2000" dirty="0"/>
-              <a:t> the provider on startup and injects the cached result</a:t>
-            </a:r>
-          </a:p>
-          <a:p>
-            <a:pPr marL="342900" indent="-342900" algn="l">
-              <a:buFont typeface="Arial"/>
-              <a:buChar char="•"/>
-            </a:pPr>
-            <a:r>
-              <a:rPr lang="en-US" sz="2000" dirty="0" smtClean="0"/>
-              <a:t>Gotcha: injected </a:t>
-            </a:r>
-            <a:r>
-              <a:rPr lang="en-US" sz="2000" dirty="0"/>
-              <a:t>results of Providers are always singletons</a:t>
-            </a:r>
-            <a:endParaRPr lang="en-US" sz="400" dirty="0"/>
+            <a:pPr marL="800100" lvl="1" indent="-342900" algn="l">
+              <a:buFont typeface="Arial"/>
+              <a:buChar char="•"/>
+            </a:pPr>
+            <a:r>
+              <a:rPr lang="en-US" sz="1600" dirty="0" err="1" smtClean="0"/>
+              <a:t>nG</a:t>
+            </a:r>
+            <a:r>
+              <a:rPr lang="en-US" sz="1600" dirty="0" smtClean="0"/>
+              <a:t> </a:t>
+            </a:r>
+            <a:r>
+              <a:rPr lang="en-US" sz="1600" dirty="0"/>
+              <a:t>knows how to provide built-in $scope</a:t>
+            </a:r>
+          </a:p>
+          <a:p>
+            <a:pPr marL="800100" lvl="1" indent="-342900" algn="l">
+              <a:buFont typeface="Arial"/>
+              <a:buChar char="•"/>
+            </a:pPr>
+            <a:r>
+              <a:rPr lang="en-US" sz="1600" dirty="0" smtClean="0"/>
+              <a:t>We </a:t>
+            </a:r>
+            <a:r>
+              <a:rPr lang="en-US" sz="1600" dirty="0"/>
+              <a:t>have to register </a:t>
+            </a:r>
+            <a:r>
+              <a:rPr lang="en-US" sz="1600" dirty="0" err="1"/>
+              <a:t>myInjectable</a:t>
+            </a:r>
+            <a:r>
+              <a:rPr lang="en-US" sz="1600" dirty="0"/>
+              <a:t> via </a:t>
+            </a:r>
+            <a:r>
+              <a:rPr lang="en-US" sz="1600" dirty="0" err="1"/>
+              <a:t>nG</a:t>
+            </a:r>
+            <a:r>
+              <a:rPr lang="en-US" sz="1600" dirty="0"/>
+              <a:t> Provider</a:t>
+            </a:r>
+          </a:p>
+          <a:p>
+            <a:pPr marL="800100" lvl="1" indent="-342900" algn="l">
+              <a:buFont typeface="Arial"/>
+              <a:buChar char="•"/>
+            </a:pPr>
+            <a:r>
+              <a:rPr lang="en-US" sz="1600" dirty="0" smtClean="0"/>
+              <a:t>Gotcha</a:t>
+            </a:r>
+            <a:r>
+              <a:rPr lang="en-US" sz="1600" dirty="0"/>
+              <a:t>: minimization can break DI - </a:t>
+            </a:r>
+            <a:r>
+              <a:rPr lang="en-US" sz="1600" dirty="0" err="1"/>
+              <a:t>args</a:t>
+            </a:r>
+            <a:r>
+              <a:rPr lang="en-US" sz="1600" dirty="0"/>
+              <a:t> get turned into (a, b)</a:t>
+            </a:r>
+            <a:endParaRPr lang="en-US" sz="800" dirty="0"/>
           </a:p>
         </p:txBody>
       </p:sp>
     </p:spTree>
     <p:extLst>
       <p:ext uri="{BB962C8B-B14F-4D97-AF65-F5344CB8AC3E}">
-        <p14:creationId xmlns:p14="http://schemas.microsoft.com/office/powerpoint/2010/main" val="4264681760"/>
+        <p14:creationId xmlns:p14="http://schemas.microsoft.com/office/powerpoint/2010/main" val="1639917623"/>
       </p:ext>
     </p:extLst>
   </p:cSld>
@@ -4836,7 +4840,7 @@
           <a:p>
             <a:r>
               <a:rPr lang="en-US" dirty="0"/>
-              <a:t>Services, Factories, Values and Constants, oh my!</a:t>
+              <a:t>Providers</a:t>
             </a:r>
           </a:p>
         </p:txBody>
@@ -4869,33 +4873,156 @@
             </a:pPr>
             <a:r>
               <a:rPr lang="en-US" sz="2000" dirty="0" smtClean="0"/>
-              <a:t>All </a:t>
-            </a:r>
-            <a:r>
-              <a:rPr lang="en-US" sz="2000" dirty="0"/>
-              <a:t>of these are syntactic sugar on top of Provider</a:t>
-            </a:r>
-          </a:p>
-          <a:p>
-            <a:pPr marL="342900" indent="-342900" algn="l">
-              <a:buFont typeface="Arial"/>
-              <a:buChar char="•"/>
-            </a:pPr>
-            <a:r>
-              <a:rPr lang="en-US" sz="2000" dirty="0" smtClean="0"/>
-              <a:t>Gotcha</a:t>
-            </a:r>
-            <a:r>
-              <a:rPr lang="en-US" sz="2000" dirty="0"/>
-              <a:t>: all these subtypes are commonly referred to as "services"</a:t>
-            </a:r>
+              <a:t>Angular </a:t>
+            </a:r>
+            <a:r>
+              <a:rPr lang="en-US" sz="2000" dirty="0"/>
+              <a:t>itself is built using the Provider pattern</a:t>
+            </a:r>
+          </a:p>
+          <a:p>
+            <a:pPr marL="342900" indent="-342900" algn="l">
+              <a:buFont typeface="Arial"/>
+              <a:buChar char="•"/>
+            </a:pPr>
+            <a:r>
+              <a:rPr lang="en-US" sz="2000" dirty="0" smtClean="0"/>
+              <a:t>When </a:t>
+            </a:r>
+            <a:r>
+              <a:rPr lang="en-US" sz="2000" dirty="0"/>
+              <a:t>we used .controller(), </a:t>
+            </a:r>
+            <a:r>
+              <a:rPr lang="en-US" sz="2000" dirty="0" err="1"/>
+              <a:t>nG</a:t>
+            </a:r>
+            <a:r>
+              <a:rPr lang="en-US" sz="2000" dirty="0"/>
+              <a:t> created </a:t>
+            </a:r>
+            <a:r>
+              <a:rPr lang="en-US" sz="2000" dirty="0" err="1"/>
+              <a:t>controllerProvider</a:t>
+            </a:r>
+            <a:endParaRPr lang="en-US" sz="2000" dirty="0"/>
+          </a:p>
+          <a:p>
+            <a:pPr marL="342900" indent="-342900" algn="l">
+              <a:buFont typeface="Arial"/>
+              <a:buChar char="•"/>
+            </a:pPr>
+            <a:r>
+              <a:rPr lang="en-US" sz="2000" dirty="0" smtClean="0"/>
+              <a:t>Providers </a:t>
+            </a:r>
+            <a:r>
+              <a:rPr lang="en-US" sz="2000" dirty="0"/>
+              <a:t>are registered at </a:t>
+            </a:r>
+            <a:r>
+              <a:rPr lang="en-US" sz="2000" dirty="0" err="1"/>
+              <a:t>config</a:t>
+            </a:r>
+            <a:r>
+              <a:rPr lang="en-US" sz="2000" dirty="0"/>
+              <a:t> time and </a:t>
+            </a:r>
+            <a:r>
+              <a:rPr lang="en-US" sz="2000" dirty="0" err="1"/>
+              <a:t>initted</a:t>
+            </a:r>
+            <a:r>
+              <a:rPr lang="en-US" sz="2000" dirty="0"/>
+              <a:t>/injected at run time</a:t>
+            </a:r>
+          </a:p>
+          <a:p>
+            <a:pPr marL="342900" indent="-342900" algn="l">
+              <a:buFont typeface="Arial"/>
+              <a:buChar char="•"/>
+            </a:pPr>
+            <a:r>
+              <a:rPr lang="en-US" sz="2000" dirty="0" smtClean="0"/>
+              <a:t>Angular </a:t>
+            </a:r>
+            <a:r>
+              <a:rPr lang="en-US" sz="2000" dirty="0"/>
+              <a:t>built-in providers include $http, $window, $route, $</a:t>
+            </a:r>
+            <a:r>
+              <a:rPr lang="en-US" sz="2000" dirty="0" err="1"/>
+              <a:t>rootScope</a:t>
+            </a:r>
+            <a:endParaRPr lang="en-US" sz="2000" dirty="0"/>
+          </a:p>
+          <a:p>
+            <a:pPr marL="342900" indent="-342900" algn="l">
+              <a:buFont typeface="Arial"/>
+              <a:buChar char="•"/>
+            </a:pPr>
+            <a:r>
+              <a:rPr lang="en-US" sz="2000" dirty="0" err="1" smtClean="0"/>
+              <a:t>angular.injector</a:t>
+            </a:r>
+            <a:r>
+              <a:rPr lang="en-US" sz="2000" dirty="0" smtClean="0"/>
+              <a:t> </a:t>
+            </a:r>
+            <a:r>
+              <a:rPr lang="en-US" sz="2000" dirty="0"/>
+              <a:t>handles injection mechanics, often automatically</a:t>
+            </a:r>
+          </a:p>
+          <a:p>
+            <a:pPr marL="342900" indent="-342900" algn="l">
+              <a:buFont typeface="Arial"/>
+              <a:buChar char="•"/>
+            </a:pPr>
+            <a:r>
+              <a:rPr lang="en-US" sz="2000" dirty="0" smtClean="0"/>
+              <a:t>Use </a:t>
+            </a:r>
+            <a:r>
+              <a:rPr lang="en-US" sz="2000" dirty="0"/>
+              <a:t>a provider or subtype when you want code to be</a:t>
+            </a:r>
+          </a:p>
+          <a:p>
+            <a:pPr marL="800100" lvl="1" indent="-342900" algn="l">
+              <a:buFont typeface="Arial"/>
+              <a:buChar char="•"/>
+            </a:pPr>
+            <a:r>
+              <a:rPr lang="en-US" sz="1600" dirty="0" smtClean="0"/>
+              <a:t>reused </a:t>
+            </a:r>
+            <a:r>
+              <a:rPr lang="en-US" sz="1600" dirty="0"/>
+              <a:t>across controllers</a:t>
+            </a:r>
+          </a:p>
+          <a:p>
+            <a:pPr marL="800100" lvl="1" indent="-342900" algn="l">
+              <a:buFont typeface="Arial"/>
+              <a:buChar char="•"/>
+            </a:pPr>
+            <a:r>
+              <a:rPr lang="en-US" sz="1600" dirty="0" smtClean="0"/>
+              <a:t>a </a:t>
+            </a:r>
+            <a:r>
+              <a:rPr lang="en-US" sz="1600" dirty="0"/>
+              <a:t>singleton instance shared by all callers</a:t>
+            </a:r>
+            <a:endParaRPr lang="en-US" sz="400" dirty="0"/>
           </a:p>
         </p:txBody>
       </p:sp>
     </p:spTree>
     <p:extLst>
       <p:ext uri="{BB962C8B-B14F-4D97-AF65-F5344CB8AC3E}">
-        <p14:creationId xmlns:p14="http://schemas.microsoft.com/office/powerpoint/2010/main" val="1300405023"/>
+        <p14:creationId xmlns:p14="http://schemas.microsoft.com/office/powerpoint/2010/main" val="3135721597"/>
       </p:ext>
     </p:extLst>
   </p:cSld>
@@ -4951,7 +5078,7 @@
           <a:p>
             <a:r>
               <a:rPr lang="en-US" dirty="0"/>
-              <a:t>Factories</a:t>
+              <a:t>Provider recipe syntax</a:t>
             </a:r>
           </a:p>
         </p:txBody>
@@ -4984,121 +5111,33 @@
             </a:pPr>
             <a:r>
               <a:rPr lang="en-US" sz="2000" dirty="0" smtClean="0"/>
-              <a:t>Factories </a:t>
-            </a:r>
-            <a:r>
-              <a:rPr lang="en-US" sz="2000" dirty="0"/>
-              <a:t>combine the flexibility of Providers with a simpler syntax</a:t>
-            </a:r>
-          </a:p>
-          <a:p>
-            <a:pPr marL="342900" indent="-342900" algn="l">
-              <a:buFont typeface="Arial"/>
-              <a:buChar char="•"/>
-            </a:pPr>
-            <a:r>
-              <a:rPr lang="en-US" sz="2000" dirty="0" smtClean="0"/>
-              <a:t>recipe </a:t>
-            </a:r>
-            <a:r>
-              <a:rPr lang="en-US" sz="2000" dirty="0"/>
-              <a:t>passes a function as the $get method of provider_</a:t>
-            </a:r>
-          </a:p>
-          <a:p>
-            <a:pPr marL="342900" indent="-342900" algn="l">
-              <a:buFont typeface="Arial"/>
-              <a:buChar char="•"/>
-            </a:pPr>
-            <a:r>
-              <a:rPr lang="en-US" sz="2000" dirty="0" smtClean="0"/>
-              <a:t>.</a:t>
-            </a:r>
-            <a:r>
-              <a:rPr lang="en-US" sz="2000" dirty="0"/>
-              <a:t>factory('</a:t>
+              <a:t>Recipe</a:t>
+            </a:r>
+            <a:r>
+              <a:rPr lang="en-US" sz="2000" dirty="0"/>
+              <a:t>: .provider('</a:t>
             </a:r>
             <a:r>
               <a:rPr lang="en-US" sz="2000" dirty="0" err="1"/>
-              <a:t>factoryName</a:t>
-            </a:r>
-            <a:r>
-              <a:rPr lang="en-US" sz="2000" dirty="0"/>
-              <a:t>', </a:t>
-            </a:r>
-            <a:r>
-              <a:rPr lang="en-US" sz="2000" dirty="0" err="1"/>
-              <a:t>inlineArrayNotationOrInitFunction</a:t>
-            </a:r>
-            <a:r>
-              <a:rPr lang="en-US" sz="2000" dirty="0"/>
-              <a:t>)</a:t>
-            </a:r>
-          </a:p>
-          <a:p>
-            <a:pPr marL="342900" indent="-342900" algn="l">
-              <a:buFont typeface="Arial"/>
-              <a:buChar char="•"/>
-            </a:pPr>
-            <a:r>
-              <a:rPr lang="en-US" sz="2000" dirty="0" smtClean="0"/>
-              <a:t>That </a:t>
-            </a:r>
-            <a:r>
-              <a:rPr lang="en-US" sz="2000" dirty="0"/>
-              <a:t>function gets invoked during provider creation</a:t>
-            </a:r>
-          </a:p>
-          <a:p>
-            <a:pPr marL="342900" indent="-342900" algn="l">
-              <a:buFont typeface="Arial"/>
-              <a:buChar char="•"/>
-            </a:pPr>
-            <a:r>
-              <a:rPr lang="en-US" sz="2000" dirty="0" smtClean="0"/>
-              <a:t>Example </a:t>
-            </a:r>
-            <a:r>
-              <a:rPr lang="en-US" sz="2000" dirty="0"/>
-              <a:t>above becomes: .provider('</a:t>
-            </a:r>
-            <a:r>
-              <a:rPr lang="en-US" sz="2000" dirty="0" err="1"/>
-              <a:t>factoryName</a:t>
-            </a:r>
-            <a:r>
-              <a:rPr lang="en-US" sz="2000" dirty="0"/>
-              <a:t>', { $get: </a:t>
-            </a:r>
-            <a:r>
-              <a:rPr lang="en-US" sz="2000" dirty="0" err="1"/>
-              <a:t>inlineArrayNotationOr</a:t>
-            </a:r>
-            <a:r>
-              <a:rPr lang="en-US" sz="2000" dirty="0"/>
-              <a:t>... })</a:t>
-            </a:r>
-          </a:p>
-          <a:p>
-            <a:pPr marL="342900" indent="-342900" algn="l">
-              <a:buFont typeface="Arial"/>
-              <a:buChar char="•"/>
-            </a:pPr>
-            <a:r>
-              <a:rPr lang="en-US" sz="2000" dirty="0" smtClean="0"/>
-              <a:t>The </a:t>
-            </a:r>
-            <a:r>
-              <a:rPr lang="en-US" sz="2000" dirty="0"/>
-              <a:t>return value of </a:t>
-            </a:r>
-            <a:r>
-              <a:rPr lang="en-US" sz="2000" dirty="0" err="1"/>
-              <a:t>inlineArrayNotationOr</a:t>
-            </a:r>
-            <a:r>
-              <a:rPr lang="en-US" sz="2000" dirty="0"/>
-              <a:t>... is what gets elsewhere</a:t>
+              <a:t>providerName</a:t>
+            </a:r>
+            <a:r>
+              <a:rPr lang="en-US" sz="2000" dirty="0"/>
+              <a:t>', provider_)</a:t>
+            </a:r>
+          </a:p>
+          <a:p>
+            <a:pPr marL="342900" indent="-342900" algn="l">
+              <a:buFont typeface="Arial"/>
+              <a:buChar char="•"/>
+            </a:pPr>
+            <a:r>
+              <a:rPr lang="en-US" sz="2000" dirty="0" smtClean="0"/>
+              <a:t>provider_ </a:t>
+            </a:r>
+            <a:r>
+              <a:rPr lang="en-US" sz="2000" dirty="0"/>
+              <a:t>can be:</a:t>
             </a:r>
           </a:p>
           <a:p>
@@ -5108,11 +5147,11 @@
             </a:pPr>
             <a:r>
               <a:rPr lang="en-US" sz="1600" dirty="0" smtClean="0"/>
-              <a:t>Can </a:t>
+              <a:t>Any </a:t>
             </a:r>
             <a:r>
               <a:rPr lang="en-US" sz="1600" dirty="0"/>
-              <a:t>be any value - a primitive, object or function</a:t>
+              <a:t>object that has a $get method</a:t>
             </a:r>
           </a:p>
           <a:p>
@@ -5122,28 +5161,48 @@
             </a:pPr>
             <a:r>
               <a:rPr lang="en-US" sz="1600" dirty="0" smtClean="0"/>
-              <a:t>The </a:t>
+              <a:t>A </a:t>
             </a:r>
             <a:r>
               <a:rPr lang="en-US" sz="1600" dirty="0"/>
-              <a:t>revealing module pattern can be used to simulate private </a:t>
-            </a:r>
-            <a:r>
-              <a:rPr lang="en-US" sz="1600" dirty="0" err="1"/>
-              <a:t>vars</a:t>
+              <a:t>function that returns an object with a $get method</a:t>
+            </a:r>
+          </a:p>
+          <a:p>
+            <a:pPr marL="800100" lvl="1" indent="-342900" algn="l">
+              <a:buFont typeface="Arial"/>
+              <a:buChar char="•"/>
+            </a:pPr>
+            <a:r>
+              <a:rPr lang="en-US" sz="1600" dirty="0" smtClean="0"/>
+              <a:t>An </a:t>
             </a:r>
             <a:r>
               <a:rPr lang="en-US" sz="1600" dirty="0"/>
-              <a:t> and methods</a:t>
-            </a:r>
-            <a:endParaRPr lang="en-US" sz="1200" dirty="0"/>
+              <a:t>Inline Annotation array that returns an object with a $get method</a:t>
+            </a:r>
+          </a:p>
+          <a:p>
+            <a:pPr marL="342900" indent="-342900" algn="l">
+              <a:buFont typeface="Arial"/>
+              <a:buChar char="•"/>
+            </a:pPr>
+            <a:r>
+              <a:rPr lang="en-US" sz="2000" dirty="0" smtClean="0"/>
+              <a:t>In </a:t>
+            </a:r>
+            <a:r>
+              <a:rPr lang="en-US" sz="2000" dirty="0"/>
+              <a:t>practice, raw Providers are rare compared to their subtypes</a:t>
+            </a:r>
+            <a:endParaRPr lang="en-US" sz="400" dirty="0"/>
           </a:p>
         </p:txBody>
       </p:sp>
     </p:spTree>
     <p:extLst>
       <p:ext uri="{BB962C8B-B14F-4D97-AF65-F5344CB8AC3E}">
-        <p14:creationId xmlns:p14="http://schemas.microsoft.com/office/powerpoint/2010/main" val="3435812319"/>
+        <p14:creationId xmlns:p14="http://schemas.microsoft.com/office/powerpoint/2010/main" val="3380360674"/>
       </p:ext>
     </p:extLst>
   </p:cSld>
@@ -5199,7 +5258,7 @@
           <a:p>
             <a:r>
               <a:rPr lang="en-US" dirty="0"/>
-              <a:t>Services</a:t>
+              <a:t>Providers in practice</a:t>
             </a:r>
           </a:p>
         </p:txBody>
@@ -5232,25 +5291,25 @@
             </a:pPr>
             <a:r>
               <a:rPr lang="en-US" sz="2000" dirty="0" smtClean="0"/>
-              <a:t>Instead </a:t>
-            </a:r>
-            <a:r>
-              <a:rPr lang="en-US" sz="2000" dirty="0"/>
-              <a:t>of invoking the target function, Services apply the "new" keyword</a:t>
-            </a:r>
-          </a:p>
-          <a:p>
-            <a:pPr marL="342900" indent="-342900" algn="l">
-              <a:buFont typeface="Arial"/>
-              <a:buChar char="•"/>
-            </a:pPr>
-            <a:r>
-              <a:rPr lang="en-US" sz="2000" dirty="0" smtClean="0"/>
-              <a:t>Inside </a:t>
-            </a:r>
-            <a:r>
-              <a:rPr lang="en-US" sz="2000" dirty="0"/>
-              <a:t>the service recipe function, use "this"</a:t>
+              <a:t>Declare </a:t>
+            </a:r>
+            <a:r>
+              <a:rPr lang="en-US" sz="2000" dirty="0"/>
+              <a:t>a provider/subtype</a:t>
+            </a:r>
+          </a:p>
+          <a:p>
+            <a:pPr marL="342900" indent="-342900" algn="l">
+              <a:buFont typeface="Arial"/>
+              <a:buChar char="•"/>
+            </a:pPr>
+            <a:r>
+              <a:rPr lang="en-US" sz="2000" dirty="0" smtClean="0"/>
+              <a:t>Elsewhere</a:t>
+            </a:r>
+            <a:r>
+              <a:rPr lang="en-US" sz="2000" dirty="0"/>
+              <a:t>, require the provider via dependency injection</a:t>
             </a:r>
           </a:p>
           <a:p>
@@ -5264,132 +5323,80 @@
             </a:r>
             <a:r>
               <a:rPr lang="en-US" sz="2000" dirty="0"/>
-              <a:t>service('</a:t>
+              <a:t>controller('</a:t>
             </a:r>
             <a:r>
               <a:rPr lang="en-US" sz="2000" dirty="0" err="1"/>
-              <a:t>serviceName</a:t>
-            </a:r>
-            <a:r>
-              <a:rPr lang="en-US" sz="2000" dirty="0"/>
-              <a:t>', function () { </a:t>
+              <a:t>controllerName</a:t>
+            </a:r>
+            <a:r>
+              <a:rPr lang="en-US" sz="2000" dirty="0"/>
+              <a:t>', ['</a:t>
+            </a:r>
+            <a:r>
+              <a:rPr lang="en-US" sz="2000" dirty="0" err="1" smtClean="0"/>
+              <a:t>providerName</a:t>
+            </a:r>
+            <a:r>
+              <a:rPr lang="en-US" sz="2000" dirty="0" smtClean="0"/>
+              <a:t>’, </a:t>
+            </a:r>
+            <a:r>
+              <a:rPr lang="en-US" sz="2000" dirty="0"/>
+              <a:t>function </a:t>
+            </a:r>
+            <a:r>
+              <a:rPr lang="en-US" sz="2000" dirty="0" smtClean="0"/>
+              <a:t>(</a:t>
             </a:r>
             <a:r>
               <a:rPr lang="en-US" sz="2000" dirty="0" err="1"/>
-              <a:t>this.externalFn</a:t>
-            </a:r>
-            <a:r>
-              <a:rPr lang="en-US" sz="2000" dirty="0"/>
-              <a:t> = function () {...}}</a:t>
-            </a:r>
-          </a:p>
-          <a:p>
-            <a:pPr marL="342900" indent="-342900" algn="l">
-              <a:buFont typeface="Arial"/>
-              <a:buChar char="•"/>
-            </a:pPr>
-            <a:r>
-              <a:rPr lang="en-US" sz="2000" dirty="0" smtClean="0"/>
-              <a:t>Gotcha</a:t>
-            </a:r>
-            <a:r>
-              <a:rPr lang="en-US" sz="2000" dirty="0"/>
-              <a:t>: blog posts etc. sometimes refer to Services as "classes" - </a:t>
+              <a:t>prvdrName</a:t>
+            </a:r>
+            <a:r>
+              <a:rPr lang="en-US" sz="2000" dirty="0"/>
+              <a:t>) {...})</a:t>
+            </a:r>
+          </a:p>
+          <a:p>
+            <a:pPr marL="342900" indent="-342900" algn="l">
+              <a:buFont typeface="Arial"/>
+              <a:buChar char="•"/>
+            </a:pPr>
+            <a:r>
+              <a:rPr lang="en-US" sz="2000" dirty="0" smtClean="0"/>
+              <a:t>Angular </a:t>
             </a:r>
             <a:r>
               <a:rPr lang="en-US" sz="2000" dirty="0" err="1"/>
-              <a:t>thats</a:t>
-            </a:r>
-            <a:r>
-              <a:rPr lang="en-US" sz="2000" dirty="0"/>
-              <a:t> a stretch</a:t>
-            </a:r>
-          </a:p>
-          <a:p>
-            <a:pPr marL="800100" lvl="1" indent="-342900" algn="l">
-              <a:buFont typeface="Arial"/>
-              <a:buChar char="•"/>
-            </a:pPr>
-            <a:r>
-              <a:rPr lang="en-US" sz="1600" dirty="0" smtClean="0"/>
-              <a:t>Remember </a:t>
-            </a:r>
-            <a:r>
-              <a:rPr lang="en-US" sz="1600" dirty="0"/>
-              <a:t>the service itself is a singleton</a:t>
-            </a:r>
-          </a:p>
-          <a:p>
-            <a:pPr marL="800100" lvl="1" indent="-342900" algn="l">
-              <a:buFont typeface="Arial"/>
-              <a:buChar char="•"/>
-            </a:pPr>
-            <a:r>
-              <a:rPr lang="en-US" sz="1600" dirty="0" smtClean="0"/>
-              <a:t>Even </a:t>
-            </a:r>
-            <a:r>
-              <a:rPr lang="en-US" sz="1600" dirty="0"/>
-              <a:t>though it gets </a:t>
-            </a:r>
-            <a:r>
-              <a:rPr lang="en-US" sz="1600" dirty="0" err="1"/>
-              <a:t>newed</a:t>
-            </a:r>
-            <a:r>
-              <a:rPr lang="en-US" sz="1600" dirty="0"/>
-              <a:t> during injection, the result gets cached</a:t>
-            </a:r>
-          </a:p>
-          <a:p>
-            <a:pPr marL="800100" lvl="1" indent="-342900" algn="l">
-              <a:buFont typeface="Arial"/>
-              <a:buChar char="•"/>
-            </a:pPr>
-            <a:r>
-              <a:rPr lang="en-US" sz="1600" dirty="0" smtClean="0"/>
-              <a:t>Therefore </a:t>
-            </a:r>
-            <a:r>
-              <a:rPr lang="en-US" sz="1600" dirty="0"/>
-              <a:t>its misleading to label the Service itself as a class</a:t>
-            </a:r>
-          </a:p>
-          <a:p>
-            <a:pPr marL="800100" lvl="1" indent="-342900" algn="l">
-              <a:buFont typeface="Arial"/>
-              <a:buChar char="•"/>
-            </a:pPr>
-            <a:r>
-              <a:rPr lang="en-US" sz="1600" dirty="0" smtClean="0"/>
-              <a:t>The </a:t>
-            </a:r>
-            <a:r>
-              <a:rPr lang="en-US" sz="1600" dirty="0"/>
-              <a:t>Service could contain a class-like method used to produce POJOs</a:t>
-            </a:r>
-          </a:p>
-          <a:p>
-            <a:pPr marL="800100" lvl="1" indent="-342900" algn="l">
-              <a:buFont typeface="Arial"/>
-              <a:buChar char="•"/>
-            </a:pPr>
-            <a:r>
-              <a:rPr lang="en-US" sz="1600" dirty="0" smtClean="0"/>
-              <a:t>But </a:t>
-            </a:r>
-            <a:r>
-              <a:rPr lang="en-US" sz="1600" dirty="0"/>
-              <a:t>remember you should not "new" inside controllers</a:t>
-            </a:r>
-            <a:endParaRPr lang="en-US" sz="800" dirty="0"/>
+              <a:t>inits</a:t>
+            </a:r>
+            <a:r>
+              <a:rPr lang="en-US" sz="2000" dirty="0"/>
+              <a:t> the provider on startup and injects the cached result</a:t>
+            </a:r>
+          </a:p>
+          <a:p>
+            <a:pPr marL="342900" indent="-342900" algn="l">
+              <a:buFont typeface="Arial"/>
+              <a:buChar char="•"/>
+            </a:pPr>
+            <a:r>
+              <a:rPr lang="en-US" sz="2000" dirty="0" smtClean="0"/>
+              <a:t>Gotcha: injected </a:t>
+            </a:r>
+            <a:r>
+              <a:rPr lang="en-US" sz="2000" dirty="0"/>
+              <a:t>results of Providers are always singletons</a:t>
+            </a:r>
+            <a:endParaRPr lang="en-US" sz="400" dirty="0"/>
           </a:p>
         </p:txBody>
       </p:sp>
     </p:spTree>
     <p:extLst>
       <p:ext uri="{BB962C8B-B14F-4D97-AF65-F5344CB8AC3E}">
-        <p14:creationId xmlns:p14="http://schemas.microsoft.com/office/powerpoint/2010/main" val="2580942705"/>
+        <p14:creationId xmlns:p14="http://schemas.microsoft.com/office/powerpoint/2010/main" val="4264681760"/>
       </p:ext>
     </p:extLst>
   </p:cSld>
@@ -5496,9 +5503,10 @@
               <a:buChar char="•"/>
             </a:pPr>
             <a:r>
-              <a:rPr lang="en-US" dirty="0"/>
-              <a:t>Looping</a:t>
-            </a:r>
+              <a:rPr lang="en-US" dirty="0" smtClean="0"/>
+              <a:t>Advanced Looping</a:t>
+            </a:r>
+            <a:endParaRPr lang="en-US" dirty="0"/>
           </a:p>
           <a:p>
             <a:pPr marL="457200" indent="-457200" algn="l">
@@ -5506,9 +5514,10 @@
               <a:buChar char="•"/>
             </a:pPr>
             <a:r>
-              <a:rPr lang="en-US" dirty="0"/>
-              <a:t>Forms</a:t>
-            </a:r>
+              <a:rPr lang="en-US" dirty="0" smtClean="0"/>
+              <a:t>Angular Forms</a:t>
+            </a:r>
+            <a:endParaRPr lang="en-US" dirty="0"/>
           </a:p>
           <a:p>
             <a:pPr marL="457200" indent="-457200" algn="l">
@@ -5574,13 +5583,8 @@
           <a:p>
             <a:r>
               <a:rPr lang="en-US" dirty="0"/>
-              <a:t>Factories versus </a:t>
-            </a:r>
-            <a:r>
-              <a:rPr lang="en-US" dirty="0" smtClean="0"/>
-              <a:t>Services</a:t>
-            </a:r>
-            <a:endParaRPr lang="en-US" dirty="0"/>
+              <a:t>Services, Factories, Values and Constants, oh my!</a:t>
+            </a:r>
           </a:p>
         </p:txBody>
       </p:sp>
@@ -5612,114 +5616,33 @@
             </a:pPr>
             <a:r>
               <a:rPr lang="en-US" sz="2000" dirty="0" smtClean="0"/>
-              <a:t>If </a:t>
-            </a:r>
-            <a:r>
-              <a:rPr lang="en-US" sz="2000" dirty="0"/>
-              <a:t>you manually add "new" inside a </a:t>
-            </a:r>
-            <a:r>
-              <a:rPr lang="en-US" sz="2000" dirty="0" err="1"/>
-              <a:t>factoryFn</a:t>
-            </a:r>
-            <a:r>
-              <a:rPr lang="en-US" sz="2000" dirty="0"/>
-              <a:t>, it behaves exactly like Service</a:t>
-            </a:r>
-          </a:p>
-          <a:p>
-            <a:pPr marL="342900" indent="-342900" algn="l">
-              <a:buFont typeface="Arial"/>
-              <a:buChar char="•"/>
-            </a:pPr>
-            <a:r>
-              <a:rPr lang="en-US" sz="2000" dirty="0" smtClean="0"/>
-              <a:t>Service </a:t>
-            </a:r>
-            <a:r>
-              <a:rPr lang="en-US" sz="2000" dirty="0"/>
-              <a:t>is nothing more than sugar on top of Factory</a:t>
-            </a:r>
-          </a:p>
-          <a:p>
-            <a:pPr marL="342900" indent="-342900" algn="l">
-              <a:buFont typeface="Arial"/>
-              <a:buChar char="•"/>
-            </a:pPr>
-            <a:r>
-              <a:rPr lang="en-US" sz="2000" dirty="0" smtClean="0"/>
-              <a:t>Why </a:t>
-            </a:r>
-            <a:r>
-              <a:rPr lang="en-US" sz="2000" dirty="0"/>
-              <a:t>does it exist then?</a:t>
-            </a:r>
-          </a:p>
-          <a:p>
-            <a:pPr marL="800100" lvl="1" indent="-342900" algn="l">
-              <a:buFont typeface="Arial"/>
-              <a:buChar char="•"/>
-            </a:pPr>
-            <a:r>
-              <a:rPr lang="en-US" sz="1600" dirty="0" smtClean="0"/>
-              <a:t>New</a:t>
-            </a:r>
-            <a:r>
-              <a:rPr lang="en-US" sz="1600" dirty="0"/>
-              <a:t>-</a:t>
-            </a:r>
-            <a:r>
-              <a:rPr lang="en-US" sz="1600" dirty="0" err="1"/>
-              <a:t>ing</a:t>
-            </a:r>
-            <a:r>
-              <a:rPr lang="en-US" sz="1600" dirty="0"/>
-              <a:t> objects inside controllers is strongly discouraged</a:t>
-            </a:r>
-          </a:p>
-          <a:p>
-            <a:pPr marL="800100" lvl="1" indent="-342900" algn="l">
-              <a:buFont typeface="Arial"/>
-              <a:buChar char="•"/>
-            </a:pPr>
-            <a:r>
-              <a:rPr lang="en-US" sz="1600" dirty="0" smtClean="0"/>
-              <a:t>.</a:t>
-            </a:r>
-            <a:r>
-              <a:rPr lang="en-US" sz="1600" dirty="0"/>
-              <a:t>injector handles new-</a:t>
-            </a:r>
-            <a:r>
-              <a:rPr lang="en-US" sz="1600" dirty="0" err="1"/>
-              <a:t>ing</a:t>
-            </a:r>
-            <a:r>
-              <a:rPr lang="en-US" sz="1600" dirty="0"/>
-              <a:t> for you</a:t>
-            </a:r>
-          </a:p>
-          <a:p>
-            <a:pPr marL="800100" lvl="1" indent="-342900" algn="l">
-              <a:buFont typeface="Arial"/>
-              <a:buChar char="•"/>
-            </a:pPr>
-            <a:r>
-              <a:rPr lang="en-US" sz="1600" dirty="0" smtClean="0"/>
-              <a:t>If </a:t>
-            </a:r>
-            <a:r>
-              <a:rPr lang="en-US" sz="1600" dirty="0"/>
-              <a:t>you need to use prototypal construction, .service saves boilerplate</a:t>
-            </a:r>
-            <a:endParaRPr lang="en-US" sz="400" dirty="0"/>
+              <a:t>All </a:t>
+            </a:r>
+            <a:r>
+              <a:rPr lang="en-US" sz="2000" dirty="0"/>
+              <a:t>of these are syntactic sugar on top of Provider</a:t>
+            </a:r>
+          </a:p>
+          <a:p>
+            <a:pPr marL="342900" indent="-342900" algn="l">
+              <a:buFont typeface="Arial"/>
+              <a:buChar char="•"/>
+            </a:pPr>
+            <a:r>
+              <a:rPr lang="en-US" sz="2000" dirty="0" smtClean="0"/>
+              <a:t>Gotcha</a:t>
+            </a:r>
+            <a:r>
+              <a:rPr lang="en-US" sz="2000" dirty="0"/>
+              <a:t>: all these subtypes are commonly referred to as "services"</a:t>
+            </a:r>
           </a:p>
         </p:txBody>
       </p:sp>
     </p:spTree>
     <p:extLst>
       <p:ext uri="{BB962C8B-B14F-4D97-AF65-F5344CB8AC3E}">
-        <p14:creationId xmlns:p14="http://schemas.microsoft.com/office/powerpoint/2010/main" val="3766355489"/>
+        <p14:creationId xmlns:p14="http://schemas.microsoft.com/office/powerpoint/2010/main" val="1300405023"/>
       </p:ext>
     </p:extLst>
   </p:cSld>
@@ -5775,7 +5698,7 @@
           <a:p>
             <a:r>
               <a:rPr lang="en-US" dirty="0"/>
-              <a:t>Values and Constants</a:t>
+              <a:t>Factories</a:t>
             </a:r>
           </a:p>
         </p:txBody>
@@ -5808,11 +5731,25 @@
             </a:pPr>
             <a:r>
               <a:rPr lang="en-US" sz="2000" dirty="0" smtClean="0"/>
-              <a:t>More </a:t>
-            </a:r>
-            <a:r>
-              <a:rPr lang="en-US" sz="2000" dirty="0"/>
-              <a:t>sugar - a provider that does nothing but return a value</a:t>
+              <a:t>Factories </a:t>
+            </a:r>
+            <a:r>
+              <a:rPr lang="en-US" sz="2000" dirty="0"/>
+              <a:t>combine the flexibility of Providers with a simpler syntax</a:t>
+            </a:r>
+          </a:p>
+          <a:p>
+            <a:pPr marL="342900" indent="-342900" algn="l">
+              <a:buFont typeface="Arial"/>
+              <a:buChar char="•"/>
+            </a:pPr>
+            <a:r>
+              <a:rPr lang="en-US" sz="2000" dirty="0" smtClean="0"/>
+              <a:t>recipe </a:t>
+            </a:r>
+            <a:r>
+              <a:rPr lang="en-US" sz="2000" dirty="0"/>
+              <a:t>passes a function as the $get method of provider_</a:t>
             </a:r>
           </a:p>
           <a:p>
@@ -5826,11 +5763,11 @@
             </a:r>
             <a:r>
               <a:rPr lang="en-US" sz="2000" dirty="0"/>
-              <a:t>value('</a:t>
+              <a:t>factory('</a:t>
             </a:r>
             <a:r>
               <a:rPr lang="en-US" sz="2000" dirty="0" err="1"/>
-              <a:t>valueName</a:t>
+              <a:t>factoryName</a:t>
             </a:r>
             <a:r>
               <a:rPr lang="en-US" sz="2000" dirty="0"/>
@@ -5838,27 +5775,55 @@
             </a:r>
             <a:r>
               <a:rPr lang="en-US" sz="2000" dirty="0" err="1"/>
-              <a:t>valueValue</a:t>
-            </a:r>
-            <a:r>
-              <a:rPr lang="en-US" sz="2000" dirty="0"/>
-              <a:t>).constant('</a:t>
+              <a:t>inlineArrayNotationOrInitFunction</a:t>
+            </a:r>
+            <a:r>
+              <a:rPr lang="en-US" sz="2000" dirty="0"/>
+              <a:t>)</a:t>
+            </a:r>
+          </a:p>
+          <a:p>
+            <a:pPr marL="342900" indent="-342900" algn="l">
+              <a:buFont typeface="Arial"/>
+              <a:buChar char="•"/>
+            </a:pPr>
+            <a:r>
+              <a:rPr lang="en-US" sz="2000" dirty="0" smtClean="0"/>
+              <a:t>That </a:t>
+            </a:r>
+            <a:r>
+              <a:rPr lang="en-US" sz="2000" dirty="0"/>
+              <a:t>function gets invoked during provider creation</a:t>
+            </a:r>
+          </a:p>
+          <a:p>
+            <a:pPr marL="342900" indent="-342900" algn="l">
+              <a:buFont typeface="Arial"/>
+              <a:buChar char="•"/>
+            </a:pPr>
+            <a:r>
+              <a:rPr lang="en-US" sz="2000" dirty="0" smtClean="0"/>
+              <a:t>Example </a:t>
+            </a:r>
+            <a:r>
+              <a:rPr lang="en-US" sz="2000" dirty="0"/>
+              <a:t>above becomes: .provider('</a:t>
             </a:r>
             <a:r>
               <a:rPr lang="en-US" sz="2000" dirty="0" err="1"/>
-              <a:t>constantName</a:t>
-            </a:r>
-            <a:r>
-              <a:rPr lang="en-US" sz="2000" dirty="0"/>
-              <a:t>', </a:t>
+              <a:t>factoryName</a:t>
+            </a:r>
+            <a:r>
+              <a:rPr lang="en-US" sz="2000" dirty="0"/>
+              <a:t>', { $get: </a:t>
             </a:r>
             <a:r>
               <a:rPr lang="en-US" sz="2000" dirty="0" err="1"/>
-              <a:t>constantValue</a:t>
-            </a:r>
-            <a:r>
-              <a:rPr lang="en-US" sz="2000" dirty="0"/>
-              <a:t>)</a:t>
+              <a:t>inlineArrayNotationOr</a:t>
+            </a:r>
+            <a:r>
+              <a:rPr lang="en-US" sz="2000" dirty="0"/>
+              <a:t>... })</a:t>
             </a:r>
           </a:p>
           <a:p>
@@ -5872,134 +5837,60 @@
             </a:r>
             <a:r>
               <a:rPr lang="en-US" sz="2000" dirty="0"/>
-              <a:t>second argument can be any data type, including objects and functions</a:t>
-            </a:r>
-          </a:p>
-          <a:p>
-            <a:pPr marL="342900" indent="-342900" algn="l">
-              <a:buFont typeface="Arial"/>
-              <a:buChar char="•"/>
-            </a:pPr>
-            <a:r>
-              <a:rPr lang="en-US" sz="2000" dirty="0" smtClean="0"/>
-              <a:t>Functions </a:t>
-            </a:r>
-            <a:r>
-              <a:rPr lang="en-US" sz="2000" dirty="0"/>
-              <a:t>are not invoked or </a:t>
+              <a:t>return value of </a:t>
             </a:r>
             <a:r>
               <a:rPr lang="en-US" sz="2000" dirty="0" err="1"/>
-              <a:t>newed</a:t>
-            </a:r>
-            <a:r>
-              <a:rPr lang="en-US" sz="2000" dirty="0"/>
-              <a:t>, just returned. Therefore </a:t>
-            </a:r>
-            <a:r>
-              <a:rPr lang="en-US" sz="2000" dirty="0" err="1"/>
-              <a:t>theyre</a:t>
-            </a:r>
-            <a:r>
-              <a:rPr lang="en-US" sz="2000" dirty="0"/>
-              <a:t> not injectable</a:t>
-            </a:r>
-          </a:p>
-          <a:p>
-            <a:pPr marL="342900" indent="-342900" algn="l">
-              <a:buFont typeface="Arial"/>
-              <a:buChar char="•"/>
-            </a:pPr>
-            <a:r>
-              <a:rPr lang="en-US" sz="2000" dirty="0" smtClean="0"/>
-              <a:t>Use </a:t>
-            </a:r>
-            <a:r>
-              <a:rPr lang="en-US" sz="2000" dirty="0"/>
-              <a:t>it to share data, and even code, in the form of functions</a:t>
-            </a:r>
-          </a:p>
-          <a:p>
-            <a:pPr marL="342900" indent="-342900" algn="l">
-              <a:buFont typeface="Arial"/>
-              <a:buChar char="•"/>
-            </a:pPr>
-            <a:r>
-              <a:rPr lang="en-US" sz="2000" dirty="0" smtClean="0"/>
-              <a:t>(</a:t>
-            </a:r>
-            <a:r>
-              <a:rPr lang="en-US" sz="2000" dirty="0"/>
-              <a:t>remember not to "new" the result though - will complicate testing)</a:t>
-            </a:r>
-          </a:p>
-          <a:p>
-            <a:pPr marL="342900" indent="-342900" algn="l">
-              <a:buFont typeface="Arial"/>
-              <a:buChar char="•"/>
-            </a:pPr>
-            <a:r>
-              <a:rPr lang="en-US" sz="2000" dirty="0" smtClean="0"/>
-              <a:t>Only </a:t>
-            </a:r>
-            <a:r>
-              <a:rPr lang="en-US" sz="2000" dirty="0"/>
-              <a:t>Constants are available during </a:t>
-            </a:r>
-            <a:r>
-              <a:rPr lang="en-US" sz="2000" dirty="0" err="1"/>
-              <a:t>config</a:t>
-            </a:r>
-            <a:r>
-              <a:rPr lang="en-US" sz="2000" dirty="0"/>
-              <a:t> (bootstrap)</a:t>
-            </a:r>
-          </a:p>
-          <a:p>
-            <a:pPr marL="342900" indent="-342900" algn="l">
-              <a:buFont typeface="Arial"/>
-              <a:buChar char="•"/>
-            </a:pPr>
-            <a:r>
-              <a:rPr lang="en-US" sz="2000" dirty="0" err="1" smtClean="0"/>
-              <a:t>app.config</a:t>
-            </a:r>
-            <a:r>
-              <a:rPr lang="en-US" sz="2000" dirty="0"/>
-              <a:t>(function(</a:t>
-            </a:r>
-            <a:r>
-              <a:rPr lang="en-US" sz="2000" dirty="0" err="1"/>
-              <a:t>valueName</a:t>
-            </a:r>
-            <a:r>
-              <a:rPr lang="en-US" sz="2000" dirty="0"/>
-              <a:t>, </a:t>
-            </a:r>
-            <a:r>
-              <a:rPr lang="en-US" sz="2000" dirty="0" err="1"/>
-              <a:t>constantName</a:t>
-            </a:r>
-            <a:r>
-              <a:rPr lang="en-US" sz="2000" dirty="0"/>
-              <a:t>) { errors 'unknown provider </a:t>
-            </a:r>
-            <a:r>
-              <a:rPr lang="en-US" sz="2000" dirty="0" err="1"/>
-              <a:t>valueName</a:t>
-            </a:r>
-            <a:r>
-              <a:rPr lang="en-US" sz="2000" dirty="0"/>
-              <a:t>' })</a:t>
-            </a:r>
-            <a:endParaRPr lang="is-IS" sz="1600" dirty="0"/>
+              <a:t>inlineArrayNotationOr</a:t>
+            </a:r>
+            <a:r>
+              <a:rPr lang="en-US" sz="2000" dirty="0"/>
+              <a:t>... is what gets elsewhere</a:t>
+            </a:r>
+          </a:p>
+          <a:p>
+            <a:pPr marL="800100" lvl="1" indent="-342900" algn="l">
+              <a:buFont typeface="Arial"/>
+              <a:buChar char="•"/>
+            </a:pPr>
+            <a:r>
+              <a:rPr lang="en-US" sz="1600" dirty="0" smtClean="0"/>
+              <a:t>Can </a:t>
+            </a:r>
+            <a:r>
+              <a:rPr lang="en-US" sz="1600" dirty="0"/>
+              <a:t>be any value - a primitive, object or function</a:t>
+            </a:r>
+          </a:p>
+          <a:p>
+            <a:pPr marL="800100" lvl="1" indent="-342900" algn="l">
+              <a:buFont typeface="Arial"/>
+              <a:buChar char="•"/>
+            </a:pPr>
+            <a:r>
+              <a:rPr lang="en-US" sz="1600" dirty="0" smtClean="0"/>
+              <a:t>The </a:t>
+            </a:r>
+            <a:r>
+              <a:rPr lang="en-US" sz="1600" dirty="0"/>
+              <a:t>revealing module pattern can be used to simulate private </a:t>
+            </a:r>
+            <a:r>
+              <a:rPr lang="en-US" sz="1600" dirty="0" err="1"/>
+              <a:t>vars</a:t>
+            </a:r>
+            <a:r>
+              <a:rPr lang="en-US" sz="1600" dirty="0"/>
+              <a:t> and methods</a:t>
+            </a:r>
+            <a:endParaRPr lang="en-US" sz="1200" dirty="0"/>
           </a:p>
         </p:txBody>
       </p:sp>
     </p:spTree>
     <p:extLst>
       <p:ext uri="{BB962C8B-B14F-4D97-AF65-F5344CB8AC3E}">
-        <p14:creationId xmlns:p14="http://schemas.microsoft.com/office/powerpoint/2010/main" val="2330169569"/>
+        <p14:creationId xmlns:p14="http://schemas.microsoft.com/office/powerpoint/2010/main" val="3435812319"/>
       </p:ext>
     </p:extLst>
   </p:cSld>
@@ -6055,7 +5946,7 @@
           <a:p>
             <a:r>
               <a:rPr lang="en-US" dirty="0"/>
-              <a:t>Recap</a:t>
+              <a:t>Services</a:t>
             </a:r>
           </a:p>
         </p:txBody>
@@ -6088,11 +5979,77 @@
             </a:pPr>
             <a:r>
               <a:rPr lang="en-US" sz="2000" dirty="0" smtClean="0"/>
-              <a:t>Use </a:t>
-            </a:r>
-            <a:r>
-              <a:rPr lang="en-US" sz="2000" dirty="0"/>
-              <a:t>singleton Providers to share data across the app</a:t>
+              <a:t>Instead </a:t>
+            </a:r>
+            <a:r>
+              <a:rPr lang="en-US" sz="2000" dirty="0"/>
+              <a:t>of invoking the target function, Services apply the "new" keyword</a:t>
+            </a:r>
+          </a:p>
+          <a:p>
+            <a:pPr marL="342900" indent="-342900" algn="l">
+              <a:buFont typeface="Arial"/>
+              <a:buChar char="•"/>
+            </a:pPr>
+            <a:r>
+              <a:rPr lang="en-US" sz="2000" dirty="0" smtClean="0"/>
+              <a:t>Inside </a:t>
+            </a:r>
+            <a:r>
+              <a:rPr lang="en-US" sz="2000" dirty="0"/>
+              <a:t>the service recipe function, use "this"</a:t>
+            </a:r>
+          </a:p>
+          <a:p>
+            <a:pPr marL="342900" indent="-342900" algn="l">
+              <a:buFont typeface="Arial"/>
+              <a:buChar char="•"/>
+            </a:pPr>
+            <a:r>
+              <a:rPr lang="en-US" sz="2000" dirty="0" smtClean="0"/>
+              <a:t>.</a:t>
+            </a:r>
+            <a:r>
+              <a:rPr lang="en-US" sz="2000" dirty="0"/>
+              <a:t>service('</a:t>
+            </a:r>
+            <a:r>
+              <a:rPr lang="en-US" sz="2000" dirty="0" err="1"/>
+              <a:t>serviceName</a:t>
+            </a:r>
+            <a:r>
+              <a:rPr lang="en-US" sz="2000" dirty="0"/>
+              <a:t>', function () { </a:t>
+            </a:r>
+            <a:r>
+              <a:rPr lang="en-US" sz="2000" dirty="0" err="1"/>
+              <a:t>this.externalFn</a:t>
+            </a:r>
+            <a:r>
+              <a:rPr lang="en-US" sz="2000" dirty="0"/>
+              <a:t> = function () {...}}</a:t>
+            </a:r>
+          </a:p>
+          <a:p>
+            <a:pPr marL="342900" indent="-342900" algn="l">
+              <a:buFont typeface="Arial"/>
+              <a:buChar char="•"/>
+            </a:pPr>
+            <a:r>
+              <a:rPr lang="en-US" sz="2000" dirty="0" smtClean="0"/>
+              <a:t>Gotcha</a:t>
+            </a:r>
+            <a:r>
+              <a:rPr lang="en-US" sz="2000" dirty="0"/>
+              <a:t>: blog posts etc. sometimes refer to Services as "classes" - </a:t>
+            </a:r>
+            <a:r>
+              <a:rPr lang="en-US" sz="2000" dirty="0" err="1"/>
+              <a:t>thats</a:t>
+            </a:r>
+            <a:r>
+              <a:rPr lang="en-US" sz="2000" dirty="0"/>
+              <a:t> a stretch</a:t>
             </a:r>
           </a:p>
           <a:p>
@@ -6102,11 +6059,11 @@
             </a:pPr>
             <a:r>
               <a:rPr lang="en-US" sz="1600" dirty="0" smtClean="0"/>
-              <a:t>Factory </a:t>
+              <a:t>Remember </a:t>
             </a:r>
             <a:r>
               <a:rPr lang="en-US" sz="1600" dirty="0"/>
-              <a:t>=&gt; function</a:t>
+              <a:t>the service itself is a singleton</a:t>
             </a:r>
           </a:p>
           <a:p>
@@ -6116,11 +6073,19 @@
             </a:pPr>
             <a:r>
               <a:rPr lang="en-US" sz="1600" dirty="0" smtClean="0"/>
-              <a:t>Service </a:t>
+              <a:t>Even </a:t>
             </a:r>
             <a:r>
               <a:rPr lang="en-US" sz="1600" dirty="0"/>
-              <a:t>=&gt; new</a:t>
+              <a:t>though it gets </a:t>
+            </a:r>
+            <a:r>
+              <a:rPr lang="en-US" sz="1600" dirty="0" err="1"/>
+              <a:t>newed</a:t>
+            </a:r>
+            <a:r>
+              <a:rPr lang="en-US" sz="1600" dirty="0"/>
+              <a:t> during injection, the result gets cached</a:t>
             </a:r>
           </a:p>
           <a:p>
@@ -6129,18 +6094,13 @@
               <a:buChar char="•"/>
             </a:pPr>
             <a:r>
-              <a:rPr lang="fi-FI" sz="1600" dirty="0" smtClean="0"/>
-              <a:t>Value </a:t>
-            </a:r>
-            <a:r>
-              <a:rPr lang="fi-FI" sz="1600" dirty="0"/>
-              <a:t>=&gt; </a:t>
-            </a:r>
-            <a:r>
-              <a:rPr lang="fi-FI" sz="1600" dirty="0" err="1"/>
-              <a:t>simple</a:t>
-            </a:r>
-            <a:endParaRPr lang="fi-FI" sz="1600" dirty="0"/>
+              <a:rPr lang="en-US" sz="1600" dirty="0" smtClean="0"/>
+              <a:t>Therefore </a:t>
+            </a:r>
+            <a:r>
+              <a:rPr lang="en-US" sz="1600" dirty="0"/>
+              <a:t>its misleading to label the Service itself as a class</a:t>
+            </a:r>
           </a:p>
           <a:p>
             <a:pPr marL="800100" lvl="1" indent="-342900" algn="l">
@@ -6148,29 +6108,35 @@
               <a:buChar char="•"/>
             </a:pPr>
             <a:r>
-              <a:rPr lang="fi-FI" sz="1600" dirty="0" err="1" smtClean="0"/>
-              <a:t>Constant</a:t>
-            </a:r>
-            <a:r>
-              <a:rPr lang="fi-FI" sz="1600" dirty="0" smtClean="0"/>
-              <a:t> </a:t>
-            </a:r>
-            <a:r>
-              <a:rPr lang="fi-FI" sz="1600" dirty="0"/>
-              <a:t>=&gt; </a:t>
-            </a:r>
-            <a:r>
-              <a:rPr lang="fi-FI" sz="1600" dirty="0" err="1"/>
-              <a:t>config</a:t>
-            </a:r>
-            <a:endParaRPr lang="is-IS" sz="1200" dirty="0"/>
+              <a:rPr lang="en-US" sz="1600" dirty="0" smtClean="0"/>
+              <a:t>The </a:t>
+            </a:r>
+            <a:r>
+              <a:rPr lang="en-US" sz="1600" dirty="0"/>
+              <a:t>Service could contain a class-like method used to produce POJOs</a:t>
+            </a:r>
+          </a:p>
+          <a:p>
+            <a:pPr marL="800100" lvl="1" indent="-342900" algn="l">
+              <a:buFont typeface="Arial"/>
+              <a:buChar char="•"/>
+            </a:pPr>
+            <a:r>
+              <a:rPr lang="en-US" sz="1600" dirty="0" smtClean="0"/>
+              <a:t>But </a:t>
+            </a:r>
+            <a:r>
+              <a:rPr lang="en-US" sz="1600" dirty="0"/>
+              <a:t>remember you should not "new" inside controllers</a:t>
+            </a:r>
+            <a:endParaRPr lang="en-US" sz="800" dirty="0"/>
           </a:p>
         </p:txBody>
       </p:sp>
     </p:spTree>
     <p:extLst>
       <p:ext uri="{BB962C8B-B14F-4D97-AF65-F5344CB8AC3E}">
-        <p14:creationId xmlns:p14="http://schemas.microsoft.com/office/powerpoint/2010/main" val="682079899"/>
+        <p14:creationId xmlns:p14="http://schemas.microsoft.com/office/powerpoint/2010/main" val="2580942705"/>
       </p:ext>
     </p:extLst>
   </p:cSld>
@@ -6226,8 +6192,13 @@
           <a:p>
             <a:r>
               <a:rPr lang="en-US" dirty="0"/>
-              <a:t>$http Lab</a:t>
-            </a:r>
+              <a:t>Factories versus </a:t>
+            </a:r>
+            <a:r>
+              <a:rPr lang="en-US" dirty="0" smtClean="0"/>
+              <a:t>Services</a:t>
+            </a:r>
+            <a:endParaRPr lang="en-US" dirty="0"/>
           </a:p>
         </p:txBody>
       </p:sp>
@@ -6259,36 +6230,48 @@
             </a:pPr>
             <a:r>
               <a:rPr lang="en-US" sz="2000" dirty="0" smtClean="0"/>
-              <a:t>Create </a:t>
-            </a:r>
-            <a:r>
-              <a:rPr lang="en-US" sz="2000" dirty="0"/>
-              <a:t>a value named </a:t>
+              <a:t>If </a:t>
+            </a:r>
+            <a:r>
+              <a:rPr lang="en-US" sz="2000" dirty="0"/>
+              <a:t>you manually add "new" inside a </a:t>
             </a:r>
             <a:r>
               <a:rPr lang="en-US" sz="2000" dirty="0" err="1"/>
-              <a:t>songsUrl</a:t>
-            </a:r>
-            <a:endParaRPr lang="en-US" sz="2000" dirty="0"/>
-          </a:p>
-          <a:p>
-            <a:pPr marL="342900" indent="-342900" algn="l">
-              <a:buFont typeface="Arial"/>
-              <a:buChar char="•"/>
-            </a:pPr>
-            <a:r>
-              <a:rPr lang="en-US" sz="2000" dirty="0" smtClean="0"/>
-              <a:t>Create </a:t>
-            </a:r>
-            <a:r>
-              <a:rPr lang="en-US" sz="2000" dirty="0"/>
-              <a:t>a service named </a:t>
-            </a:r>
-            <a:r>
-              <a:rPr lang="en-US" sz="2000" dirty="0" err="1"/>
-              <a:t>songsAjax</a:t>
-            </a:r>
-            <a:endParaRPr lang="en-US" sz="2000" dirty="0"/>
+              <a:t>factoryFn</a:t>
+            </a:r>
+            <a:r>
+              <a:rPr lang="en-US" sz="2000" dirty="0"/>
+              <a:t>, it behaves exactly like Service</a:t>
+            </a:r>
+          </a:p>
+          <a:p>
+            <a:pPr marL="342900" indent="-342900" algn="l">
+              <a:buFont typeface="Arial"/>
+              <a:buChar char="•"/>
+            </a:pPr>
+            <a:r>
+              <a:rPr lang="en-US" sz="2000" dirty="0" smtClean="0"/>
+              <a:t>Service </a:t>
+            </a:r>
+            <a:r>
+              <a:rPr lang="en-US" sz="2000" dirty="0"/>
+              <a:t>is nothing more than sugar on top of Factory</a:t>
+            </a:r>
+          </a:p>
+          <a:p>
+            <a:pPr marL="342900" indent="-342900" algn="l">
+              <a:buFont typeface="Arial"/>
+              <a:buChar char="•"/>
+            </a:pPr>
+            <a:r>
+              <a:rPr lang="en-US" sz="2000" dirty="0" smtClean="0"/>
+              <a:t>Why </a:t>
+            </a:r>
+            <a:r>
+              <a:rPr lang="en-US" sz="2000" dirty="0"/>
+              <a:t>does it exist then?</a:t>
+            </a:r>
           </a:p>
           <a:p>
             <a:pPr marL="800100" lvl="1" indent="-342900" algn="l">
@@ -6297,17 +6280,20 @@
             </a:pPr>
             <a:r>
               <a:rPr lang="en-US" sz="1600" dirty="0" smtClean="0"/>
-              <a:t>Depends </a:t>
+              <a:t>New</a:t>
             </a:r>
             <a:r>
               <a:rPr lang="en-US" sz="1600" dirty="0"/>
-              <a:t>on $http and </a:t>
+              <a:t>-</a:t>
             </a:r>
             <a:r>
               <a:rPr lang="en-US" sz="1600" dirty="0" err="1"/>
-              <a:t>songsUrl</a:t>
-            </a:r>
-            <a:endParaRPr lang="en-US" sz="1600" dirty="0"/>
+              <a:t>ing</a:t>
+            </a:r>
+            <a:r>
+              <a:rPr lang="en-US" sz="1600" dirty="0"/>
+              <a:t> objects inside controllers is strongly discouraged</a:t>
+            </a:r>
           </a:p>
           <a:p>
             <a:pPr marL="800100" lvl="1" indent="-342900" algn="l">
@@ -6316,66 +6302,42 @@
             </a:pPr>
             <a:r>
               <a:rPr lang="en-US" sz="1600" dirty="0" smtClean="0"/>
-              <a:t>Returns </a:t>
+              <a:t>.</a:t>
             </a:r>
             <a:r>
               <a:rPr lang="en-US" sz="1600" dirty="0"/>
-              <a:t>a public interface method </a:t>
+              <a:t>injector handles new-</a:t>
             </a:r>
             <a:r>
               <a:rPr lang="en-US" sz="1600" dirty="0" err="1"/>
-              <a:t>getSongs</a:t>
-            </a:r>
-            <a:endParaRPr lang="en-US" sz="1600" dirty="0"/>
-          </a:p>
-          <a:p>
-            <a:pPr marL="342900" indent="-342900" algn="l">
-              <a:buFont typeface="Arial"/>
-              <a:buChar char="•"/>
-            </a:pPr>
-            <a:r>
-              <a:rPr lang="en-US" sz="2000" dirty="0" smtClean="0"/>
-              <a:t>Inject </a:t>
-            </a:r>
-            <a:r>
-              <a:rPr lang="en-US" sz="2000" dirty="0" err="1"/>
-              <a:t>songsAjax</a:t>
-            </a:r>
-            <a:r>
-              <a:rPr lang="en-US" sz="2000" dirty="0"/>
-              <a:t> into </a:t>
-            </a:r>
-            <a:r>
-              <a:rPr lang="en-US" sz="2000" dirty="0" err="1"/>
-              <a:t>JukeboxUiController</a:t>
-            </a:r>
-            <a:endParaRPr lang="en-US" sz="2000" dirty="0"/>
-          </a:p>
-          <a:p>
-            <a:pPr marL="342900" indent="-342900" algn="l">
-              <a:buFont typeface="Arial"/>
-              <a:buChar char="•"/>
-            </a:pPr>
-            <a:r>
-              <a:rPr lang="en-US" sz="2000" dirty="0" smtClean="0"/>
-              <a:t>Call </a:t>
-            </a:r>
-            <a:r>
-              <a:rPr lang="en-US" sz="2000" dirty="0" err="1"/>
-              <a:t>getSongs</a:t>
-            </a:r>
-            <a:r>
-              <a:rPr lang="en-US" sz="2000" dirty="0"/>
-              <a:t> and display results in a template</a:t>
-            </a:r>
-            <a:endParaRPr lang="is-IS" sz="1200" dirty="0"/>
+              <a:t>ing</a:t>
+            </a:r>
+            <a:r>
+              <a:rPr lang="en-US" sz="1600" dirty="0"/>
+              <a:t> for you</a:t>
+            </a:r>
+          </a:p>
+          <a:p>
+            <a:pPr marL="800100" lvl="1" indent="-342900" algn="l">
+              <a:buFont typeface="Arial"/>
+              <a:buChar char="•"/>
+            </a:pPr>
+            <a:r>
+              <a:rPr lang="en-US" sz="1600" dirty="0" smtClean="0"/>
+              <a:t>If </a:t>
+            </a:r>
+            <a:r>
+              <a:rPr lang="en-US" sz="1600" dirty="0"/>
+              <a:t>you need to use prototypal construction, .service saves boilerplate</a:t>
+            </a:r>
+            <a:endParaRPr lang="en-US" sz="400" dirty="0"/>
           </a:p>
         </p:txBody>
       </p:sp>
     </p:spTree>
     <p:extLst>
       <p:ext uri="{BB962C8B-B14F-4D97-AF65-F5344CB8AC3E}">
-        <p14:creationId xmlns:p14="http://schemas.microsoft.com/office/powerpoint/2010/main" val="1276718030"/>
+        <p14:creationId xmlns:p14="http://schemas.microsoft.com/office/powerpoint/2010/main" val="3766355489"/>
       </p:ext>
     </p:extLst>
   </p:cSld>
@@ -6431,7 +6393,7 @@
           <a:p>
             <a:r>
               <a:rPr lang="en-US" dirty="0"/>
-              <a:t>Angular Material</a:t>
+              <a:t>Values and Constants</a:t>
             </a:r>
           </a:p>
         </p:txBody>
@@ -6464,79 +6426,169 @@
             </a:pPr>
             <a:r>
               <a:rPr lang="en-US" sz="2000" dirty="0" smtClean="0"/>
-              <a:t>Material </a:t>
-            </a:r>
-            <a:r>
-              <a:rPr lang="en-US" sz="2000" dirty="0"/>
-              <a:t>is </a:t>
+              <a:t>More </a:t>
+            </a:r>
+            <a:r>
+              <a:rPr lang="en-US" sz="2000" dirty="0"/>
+              <a:t>sugar - a provider that does nothing but return a value</a:t>
+            </a:r>
+          </a:p>
+          <a:p>
+            <a:pPr marL="342900" indent="-342900" algn="l">
+              <a:buFont typeface="Arial"/>
+              <a:buChar char="•"/>
+            </a:pPr>
+            <a:r>
+              <a:rPr lang="en-US" sz="2000" dirty="0" smtClean="0"/>
+              <a:t>.</a:t>
+            </a:r>
+            <a:r>
+              <a:rPr lang="en-US" sz="2000" dirty="0"/>
+              <a:t>value('</a:t>
             </a:r>
             <a:r>
               <a:rPr lang="en-US" sz="2000" dirty="0" err="1"/>
-              <a:t>Googles</a:t>
-            </a:r>
-            <a:r>
-              <a:rPr lang="en-US" sz="2000" dirty="0"/>
-              <a:t> UI "visual language" behind Android</a:t>
-            </a:r>
-          </a:p>
-          <a:p>
-            <a:pPr marL="342900" indent="-342900" algn="l">
-              <a:buFont typeface="Arial"/>
-              <a:buChar char="•"/>
-            </a:pPr>
-            <a:r>
-              <a:rPr lang="en-US" sz="2000" dirty="0" smtClean="0"/>
-              <a:t>Emphasizes </a:t>
-            </a:r>
-            <a:r>
-              <a:rPr lang="en-US" sz="2000" dirty="0"/>
-              <a:t>unified experience, usability &amp; accessibility, graceful degradation</a:t>
-            </a:r>
-          </a:p>
-          <a:p>
-            <a:pPr marL="342900" indent="-342900" algn="l">
-              <a:buFont typeface="Arial"/>
-              <a:buChar char="•"/>
-            </a:pPr>
-            <a:r>
-              <a:rPr lang="en-US" sz="2000" dirty="0" smtClean="0"/>
-              <a:t>"</a:t>
-            </a:r>
-            <a:r>
-              <a:rPr lang="en-US" sz="2000" dirty="0"/>
-              <a:t>Material is the metaphor" - paper, ink, surface edges. "Motion provides meaning"</a:t>
-            </a:r>
-          </a:p>
-          <a:p>
-            <a:pPr marL="342900" indent="-342900" algn="l">
-              <a:buFont typeface="Arial"/>
-              <a:buChar char="•"/>
-            </a:pPr>
-            <a:r>
-              <a:rPr lang="en-US" sz="2000" dirty="0" smtClean="0"/>
-              <a:t>Angular </a:t>
-            </a:r>
-            <a:r>
-              <a:rPr lang="en-US" sz="2000" dirty="0"/>
-              <a:t>Material is one implementation - Material Design Lite is another</a:t>
-            </a:r>
-          </a:p>
-          <a:p>
-            <a:pPr marL="342900" indent="-342900" algn="l">
-              <a:buFont typeface="Arial"/>
-              <a:buChar char="•"/>
-            </a:pPr>
-            <a:r>
-              <a:rPr lang="en-US" sz="2000" dirty="0" smtClean="0"/>
-              <a:t>AM </a:t>
-            </a:r>
-            <a:r>
-              <a:rPr lang="en-US" sz="2000" dirty="0"/>
-              <a:t>depends on </a:t>
+              <a:t>valueName</a:t>
+            </a:r>
+            <a:r>
+              <a:rPr lang="en-US" sz="2000" dirty="0"/>
+              <a:t>', </a:t>
             </a:r>
             <a:r>
               <a:rPr lang="en-US" sz="2000" dirty="0" err="1"/>
-              <a:t>nG</a:t>
+              <a:t>valueValue</a:t>
+            </a:r>
+            <a:r>
+              <a:rPr lang="en-US" sz="2000" dirty="0"/>
+              <a:t>).constant('</a:t>
+            </a:r>
+            <a:r>
+              <a:rPr lang="en-US" sz="2000" dirty="0" err="1"/>
+              <a:t>constantName</a:t>
+            </a:r>
+            <a:r>
+              <a:rPr lang="en-US" sz="2000" dirty="0"/>
+              <a:t>', </a:t>
+            </a:r>
+            <a:r>
+              <a:rPr lang="en-US" sz="2000" dirty="0" err="1"/>
+              <a:t>constantValue</a:t>
+            </a:r>
+            <a:r>
+              <a:rPr lang="en-US" sz="2000" dirty="0"/>
+              <a:t>)</a:t>
+            </a:r>
+          </a:p>
+          <a:p>
+            <a:pPr marL="342900" indent="-342900" algn="l">
+              <a:buFont typeface="Arial"/>
+              <a:buChar char="•"/>
+            </a:pPr>
+            <a:r>
+              <a:rPr lang="en-US" sz="2000" dirty="0" smtClean="0"/>
+              <a:t>The </a:t>
+            </a:r>
+            <a:r>
+              <a:rPr lang="en-US" sz="2000" dirty="0"/>
+              <a:t>second argument can be any data type, including objects and functions</a:t>
+            </a:r>
+          </a:p>
+          <a:p>
+            <a:pPr marL="342900" indent="-342900" algn="l">
+              <a:buFont typeface="Arial"/>
+              <a:buChar char="•"/>
+            </a:pPr>
+            <a:r>
+              <a:rPr lang="en-US" sz="2000" dirty="0" smtClean="0"/>
+              <a:t>Functions </a:t>
+            </a:r>
+            <a:r>
+              <a:rPr lang="en-US" sz="2000" dirty="0"/>
+              <a:t>are not invoked or </a:t>
+            </a:r>
+            <a:r>
+              <a:rPr lang="en-US" sz="2000" dirty="0" err="1"/>
+              <a:t>newed</a:t>
+            </a:r>
+            <a:r>
+              <a:rPr lang="en-US" sz="2000" dirty="0"/>
+              <a:t>, just returned. Therefore </a:t>
+            </a:r>
+            <a:r>
+              <a:rPr lang="en-US" sz="2000" dirty="0" err="1"/>
+              <a:t>theyre</a:t>
+            </a:r>
+            <a:r>
+              <a:rPr lang="en-US" sz="2000" dirty="0"/>
+              <a:t> not injectable</a:t>
+            </a:r>
+          </a:p>
+          <a:p>
+            <a:pPr marL="342900" indent="-342900" algn="l">
+              <a:buFont typeface="Arial"/>
+              <a:buChar char="•"/>
+            </a:pPr>
+            <a:r>
+              <a:rPr lang="en-US" sz="2000" dirty="0" smtClean="0"/>
+              <a:t>Use </a:t>
+            </a:r>
+            <a:r>
+              <a:rPr lang="en-US" sz="2000" dirty="0"/>
+              <a:t>it to share data, and even code, in the form of functions</a:t>
+            </a:r>
+          </a:p>
+          <a:p>
+            <a:pPr marL="342900" indent="-342900" algn="l">
+              <a:buFont typeface="Arial"/>
+              <a:buChar char="•"/>
+            </a:pPr>
+            <a:r>
+              <a:rPr lang="en-US" sz="2000" dirty="0" smtClean="0"/>
+              <a:t>(</a:t>
+            </a:r>
+            <a:r>
+              <a:rPr lang="en-US" sz="2000" dirty="0"/>
+              <a:t>remember not to "new" the result though - will complicate testing)</a:t>
+            </a:r>
+          </a:p>
+          <a:p>
+            <a:pPr marL="342900" indent="-342900" algn="l">
+              <a:buFont typeface="Arial"/>
+              <a:buChar char="•"/>
+            </a:pPr>
+            <a:r>
+              <a:rPr lang="en-US" sz="2000" dirty="0" smtClean="0"/>
+              <a:t>Only </a:t>
+            </a:r>
+            <a:r>
+              <a:rPr lang="en-US" sz="2000" dirty="0"/>
+              <a:t>Constants are available during </a:t>
+            </a:r>
+            <a:r>
+              <a:rPr lang="en-US" sz="2000" dirty="0" err="1"/>
+              <a:t>config</a:t>
+            </a:r>
+            <a:r>
+              <a:rPr lang="en-US" sz="2000" dirty="0"/>
+              <a:t> (bootstrap)</a:t>
+            </a:r>
+          </a:p>
+          <a:p>
+            <a:pPr marL="342900" indent="-342900" algn="l">
+              <a:buFont typeface="Arial"/>
+              <a:buChar char="•"/>
+            </a:pPr>
+            <a:r>
+              <a:rPr lang="en-US" sz="2000" dirty="0" err="1" smtClean="0"/>
+              <a:t>app.config</a:t>
+            </a:r>
+            <a:r>
+              <a:rPr lang="en-US" sz="2000" dirty="0"/>
+              <a:t>(function(</a:t>
+            </a:r>
+            <a:r>
+              <a:rPr lang="en-US" sz="2000" dirty="0" err="1"/>
+              <a:t>valueName</a:t>
             </a:r>
             <a:r>
               <a:rPr lang="en-US" sz="2000" dirty="0"/>
@@ -6544,56 +6596,28 @@
             </a:r>
             <a:r>
               <a:rPr lang="en-US" sz="2000" dirty="0" err="1"/>
-              <a:t>ngAnimate</a:t>
-            </a:r>
-            <a:r>
-              <a:rPr lang="en-US" sz="2000" dirty="0"/>
-              <a:t>, </a:t>
+              <a:t>constantName</a:t>
+            </a:r>
+            <a:r>
+              <a:rPr lang="en-US" sz="2000" dirty="0"/>
+              <a:t>) { errors 'unknown provider </a:t>
             </a:r>
             <a:r>
               <a:rPr lang="en-US" sz="2000" dirty="0" err="1"/>
-              <a:t>ngAria</a:t>
-            </a:r>
-            <a:r>
-              <a:rPr lang="en-US" sz="2000" dirty="0"/>
-              <a:t>. MDL has no dependencies but less features</a:t>
-            </a:r>
-          </a:p>
-          <a:p>
-            <a:pPr marL="342900" indent="-342900" algn="l">
-              <a:buFont typeface="Arial"/>
-              <a:buChar char="•"/>
-            </a:pPr>
-            <a:r>
-              <a:rPr lang="en-US" sz="2000" dirty="0" smtClean="0"/>
-              <a:t>AM </a:t>
-            </a:r>
-            <a:r>
-              <a:rPr lang="en-US" sz="2000" dirty="0"/>
-              <a:t>provides directives/components, MDL depends on classes + JS</a:t>
-            </a:r>
-          </a:p>
-          <a:p>
-            <a:pPr marL="342900" indent="-342900" algn="l">
-              <a:buFont typeface="Arial"/>
-              <a:buChar char="•"/>
-            </a:pPr>
-            <a:r>
-              <a:rPr lang="en-US" sz="2000" dirty="0" smtClean="0"/>
-              <a:t>Both </a:t>
-            </a:r>
-            <a:r>
-              <a:rPr lang="en-US" sz="2000" dirty="0"/>
-              <a:t>provide grid system + widgets like dialogs, badges, tabs, autocomplete</a:t>
-            </a:r>
-            <a:endParaRPr lang="is-IS" sz="1200" dirty="0"/>
+              <a:t>valueName</a:t>
+            </a:r>
+            <a:r>
+              <a:rPr lang="en-US" sz="2000" dirty="0"/>
+              <a:t>' })</a:t>
+            </a:r>
+            <a:endParaRPr lang="is-IS" sz="1600" dirty="0"/>
           </a:p>
         </p:txBody>
       </p:sp>
     </p:spTree>
     <p:extLst>
       <p:ext uri="{BB962C8B-B14F-4D97-AF65-F5344CB8AC3E}">
-        <p14:creationId xmlns:p14="http://schemas.microsoft.com/office/powerpoint/2010/main" val="3815891390"/>
+        <p14:creationId xmlns:p14="http://schemas.microsoft.com/office/powerpoint/2010/main" val="2330169569"/>
       </p:ext>
     </p:extLst>
   </p:cSld>
@@ -6649,7 +6673,7 @@
           <a:p>
             <a:r>
               <a:rPr lang="en-US" dirty="0"/>
-              <a:t>Material in practice</a:t>
+              <a:t>Recap</a:t>
             </a:r>
           </a:p>
         </p:txBody>
@@ -6682,85 +6706,80 @@
             </a:pPr>
             <a:r>
               <a:rPr lang="en-US" sz="2000" dirty="0" smtClean="0"/>
-              <a:t>Provide </a:t>
-            </a:r>
-            <a:r>
-              <a:rPr lang="en-US" sz="2000" dirty="0"/>
-              <a:t>resources via link/script tags, module loader, </a:t>
-            </a:r>
-            <a:r>
-              <a:rPr lang="en-US" sz="2000" dirty="0" err="1"/>
-              <a:t>npm</a:t>
-            </a:r>
-            <a:r>
-              <a:rPr lang="en-US" sz="2000" dirty="0"/>
-              <a:t> install or whatever</a:t>
-            </a:r>
-          </a:p>
-          <a:p>
-            <a:pPr marL="342900" indent="-342900" algn="l">
-              <a:buFont typeface="Arial"/>
-              <a:buChar char="•"/>
-            </a:pPr>
-            <a:r>
-              <a:rPr lang="en-US" sz="2000" dirty="0" smtClean="0"/>
-              <a:t>Add </a:t>
-            </a:r>
-            <a:r>
-              <a:rPr lang="en-US" sz="2000" dirty="0"/>
-              <a:t>'</a:t>
-            </a:r>
-            <a:r>
-              <a:rPr lang="en-US" sz="2000" dirty="0" err="1"/>
-              <a:t>ngMaterial</a:t>
-            </a:r>
-            <a:r>
-              <a:rPr lang="en-US" sz="2000" dirty="0"/>
-              <a:t>' as a dependency to the module declaration</a:t>
-            </a:r>
-          </a:p>
-          <a:p>
-            <a:pPr marL="342900" indent="-342900" algn="l">
-              <a:buFont typeface="Arial"/>
-              <a:buChar char="•"/>
-            </a:pPr>
-            <a:r>
-              <a:rPr lang="en-US" sz="2000" dirty="0" err="1" smtClean="0"/>
-              <a:t>Angular.module</a:t>
-            </a:r>
-            <a:r>
-              <a:rPr lang="en-US" sz="2000" dirty="0"/>
-              <a:t>('</a:t>
-            </a:r>
-            <a:r>
-              <a:rPr lang="en-US" sz="2000" dirty="0" err="1"/>
-              <a:t>sbuxJukebox</a:t>
-            </a:r>
-            <a:r>
-              <a:rPr lang="en-US" sz="2000" dirty="0"/>
-              <a:t>', ['</a:t>
-            </a:r>
-            <a:r>
-              <a:rPr lang="en-US" sz="2000" dirty="0" err="1"/>
-              <a:t>ngMaterial</a:t>
-            </a:r>
-            <a:r>
-              <a:rPr lang="en-US" sz="2000" dirty="0"/>
-              <a:t>']);</a:t>
-            </a:r>
-          </a:p>
-          <a:p>
-            <a:pPr marL="342900" indent="-342900" algn="l">
-              <a:buFont typeface="Arial"/>
-              <a:buChar char="•"/>
-            </a:pPr>
-            <a:r>
-              <a:rPr lang="en-US" sz="2000" dirty="0" smtClean="0"/>
-              <a:t>Various </a:t>
-            </a:r>
-            <a:r>
-              <a:rPr lang="en-US" sz="2000" dirty="0"/>
-              <a:t>md- prefixed directives are now available</a:t>
+              <a:t>Use </a:t>
+            </a:r>
+            <a:r>
+              <a:rPr lang="en-US" sz="2000" dirty="0"/>
+              <a:t>singleton Providers to share data across the app</a:t>
+            </a:r>
+          </a:p>
+          <a:p>
+            <a:pPr marL="800100" lvl="1" indent="-342900" algn="l">
+              <a:buFont typeface="Arial"/>
+              <a:buChar char="•"/>
+            </a:pPr>
+            <a:r>
+              <a:rPr lang="en-US" sz="1600" dirty="0" smtClean="0"/>
+              <a:t>Factory </a:t>
+            </a:r>
+            <a:r>
+              <a:rPr lang="en-US" sz="1600" dirty="0"/>
+              <a:t>=&gt; function</a:t>
+            </a:r>
+          </a:p>
+          <a:p>
+            <a:pPr marL="800100" lvl="1" indent="-342900" algn="l">
+              <a:buFont typeface="Arial"/>
+              <a:buChar char="•"/>
+            </a:pPr>
+            <a:r>
+              <a:rPr lang="en-US" sz="1600" dirty="0" smtClean="0"/>
+              <a:t>Service </a:t>
+            </a:r>
+            <a:r>
+              <a:rPr lang="en-US" sz="1600" dirty="0"/>
+              <a:t>=&gt; new</a:t>
+            </a:r>
+          </a:p>
+          <a:p>
+            <a:pPr marL="800100" lvl="1" indent="-342900" algn="l">
+              <a:buFont typeface="Arial"/>
+              <a:buChar char="•"/>
+            </a:pPr>
+            <a:r>
+              <a:rPr lang="fi-FI" sz="1600" dirty="0" smtClean="0"/>
+              <a:t>Value </a:t>
+            </a:r>
+            <a:r>
+              <a:rPr lang="fi-FI" sz="1600" dirty="0"/>
+              <a:t>=&gt; </a:t>
+            </a:r>
+            <a:r>
+              <a:rPr lang="fi-FI" sz="1600" dirty="0" err="1"/>
+              <a:t>simple</a:t>
+            </a:r>
+            <a:endParaRPr lang="fi-FI" sz="1600" dirty="0"/>
+          </a:p>
+          <a:p>
+            <a:pPr marL="800100" lvl="1" indent="-342900" algn="l">
+              <a:buFont typeface="Arial"/>
+              <a:buChar char="•"/>
+            </a:pPr>
+            <a:r>
+              <a:rPr lang="fi-FI" sz="1600" dirty="0" err="1" smtClean="0"/>
+              <a:t>Constant</a:t>
+            </a:r>
+            <a:r>
+              <a:rPr lang="fi-FI" sz="1600" dirty="0" smtClean="0"/>
+              <a:t> </a:t>
+            </a:r>
+            <a:r>
+              <a:rPr lang="fi-FI" sz="1600" dirty="0"/>
+              <a:t>=&gt; </a:t>
+            </a:r>
+            <a:r>
+              <a:rPr lang="fi-FI" sz="1600" dirty="0" err="1"/>
+              <a:t>config</a:t>
             </a:r>
             <a:endParaRPr lang="is-IS" sz="1200" dirty="0"/>
           </a:p>
@@ -6769,7 +6788,7 @@
     </p:spTree>
     <p:extLst>
       <p:ext uri="{BB962C8B-B14F-4D97-AF65-F5344CB8AC3E}">
-        <p14:creationId xmlns:p14="http://schemas.microsoft.com/office/powerpoint/2010/main" val="2259782405"/>
+        <p14:creationId xmlns:p14="http://schemas.microsoft.com/office/powerpoint/2010/main" val="682079899"/>
       </p:ext>
     </p:extLst>
   </p:cSld>
@@ -6825,7 +6844,7 @@
           <a:p>
             <a:r>
               <a:rPr lang="en-US" dirty="0"/>
-              <a:t>Material lab</a:t>
+              <a:t>$http Lab</a:t>
             </a:r>
           </a:p>
         </p:txBody>
@@ -6858,61 +6877,114 @@
             </a:pPr>
             <a:r>
               <a:rPr lang="en-US" sz="2000" dirty="0" smtClean="0"/>
-              <a:t>Add </a:t>
-            </a:r>
-            <a:r>
-              <a:rPr lang="en-US" sz="2000" dirty="0"/>
-              <a:t>an md-toolbar to the top of the page</a:t>
-            </a:r>
-          </a:p>
-          <a:p>
-            <a:pPr marL="342900" indent="-342900" algn="l">
-              <a:buFont typeface="Arial"/>
-              <a:buChar char="•"/>
-            </a:pPr>
-            <a:r>
-              <a:rPr lang="en-US" sz="2000" dirty="0" smtClean="0"/>
-              <a:t>Use </a:t>
-            </a:r>
-            <a:r>
-              <a:rPr lang="en-US" sz="2000" dirty="0"/>
-              <a:t>md-tabs to break up the content area</a:t>
-            </a:r>
-          </a:p>
-          <a:p>
-            <a:pPr marL="342900" indent="-342900" algn="l">
-              <a:buFont typeface="Arial"/>
-              <a:buChar char="•"/>
-            </a:pPr>
-            <a:r>
-              <a:rPr lang="en-US" sz="2000" dirty="0" smtClean="0"/>
-              <a:t>Add </a:t>
-            </a:r>
-            <a:r>
-              <a:rPr lang="en-US" sz="2000" dirty="0"/>
-              <a:t>an md-autocomplete to one of the tabs</a:t>
-            </a:r>
-          </a:p>
-          <a:p>
-            <a:pPr marL="342900" indent="-342900" algn="l">
-              <a:buFont typeface="Arial"/>
-              <a:buChar char="•"/>
-            </a:pPr>
-            <a:r>
-              <a:rPr lang="en-US" sz="2000" dirty="0" smtClean="0"/>
-              <a:t>Hook </a:t>
-            </a:r>
-            <a:r>
-              <a:rPr lang="en-US" sz="2000" dirty="0"/>
-              <a:t>up the </a:t>
+              <a:t>Create </a:t>
+            </a:r>
+            <a:r>
+              <a:rPr lang="en-US" sz="2000" dirty="0"/>
+              <a:t>a value named </a:t>
+            </a:r>
+            <a:r>
+              <a:rPr lang="en-US" sz="2000" dirty="0" err="1"/>
+              <a:t>songsUrl</a:t>
+            </a:r>
+            <a:endParaRPr lang="en-US" sz="2000" dirty="0"/>
+          </a:p>
+          <a:p>
+            <a:pPr marL="342900" indent="-342900" algn="l">
+              <a:buFont typeface="Arial"/>
+              <a:buChar char="•"/>
+            </a:pPr>
+            <a:r>
+              <a:rPr lang="en-US" sz="2000" dirty="0" smtClean="0"/>
+              <a:t>Create </a:t>
+            </a:r>
+            <a:r>
+              <a:rPr lang="en-US" sz="2000" dirty="0"/>
+              <a:t>a service named </a:t>
             </a:r>
             <a:r>
               <a:rPr lang="en-US" sz="2000" dirty="0" err="1"/>
               <a:t>songsAjax</a:t>
             </a:r>
-            <a:r>
-              <a:rPr lang="en-US" sz="2000" dirty="0"/>
-              <a:t> service to the autocomplete</a:t>
+            <a:endParaRPr lang="en-US" sz="2000" dirty="0"/>
+          </a:p>
+          <a:p>
+            <a:pPr marL="800100" lvl="1" indent="-342900" algn="l">
+              <a:buFont typeface="Arial"/>
+              <a:buChar char="•"/>
+            </a:pPr>
+            <a:r>
+              <a:rPr lang="en-US" sz="1600" dirty="0" smtClean="0"/>
+              <a:t>Depends </a:t>
+            </a:r>
+            <a:r>
+              <a:rPr lang="en-US" sz="1600" dirty="0"/>
+              <a:t>on $http and </a:t>
+            </a:r>
+            <a:r>
+              <a:rPr lang="en-US" sz="1600" dirty="0" err="1"/>
+              <a:t>songsUrl</a:t>
+            </a:r>
+            <a:endParaRPr lang="en-US" sz="1600" dirty="0"/>
+          </a:p>
+          <a:p>
+            <a:pPr marL="800100" lvl="1" indent="-342900" algn="l">
+              <a:buFont typeface="Arial"/>
+              <a:buChar char="•"/>
+            </a:pPr>
+            <a:r>
+              <a:rPr lang="en-US" sz="1600" dirty="0" smtClean="0"/>
+              <a:t>Returns </a:t>
+            </a:r>
+            <a:r>
+              <a:rPr lang="en-US" sz="1600" dirty="0"/>
+              <a:t>a public interface method </a:t>
+            </a:r>
+            <a:r>
+              <a:rPr lang="en-US" sz="1600" dirty="0" err="1"/>
+              <a:t>getSongs</a:t>
+            </a:r>
+            <a:endParaRPr lang="en-US" sz="1600" dirty="0"/>
+          </a:p>
+          <a:p>
+            <a:pPr marL="342900" indent="-342900" algn="l">
+              <a:buFont typeface="Arial"/>
+              <a:buChar char="•"/>
+            </a:pPr>
+            <a:r>
+              <a:rPr lang="en-US" sz="2000" dirty="0" smtClean="0"/>
+              <a:t>Inject </a:t>
+            </a:r>
+            <a:r>
+              <a:rPr lang="en-US" sz="2000" dirty="0" err="1"/>
+              <a:t>songsAjax</a:t>
+            </a:r>
+            <a:r>
+              <a:rPr lang="en-US" sz="2000" dirty="0"/>
+              <a:t> into </a:t>
+            </a:r>
+            <a:r>
+              <a:rPr lang="en-US" sz="2000" dirty="0" err="1"/>
+              <a:t>JukeboxUiController</a:t>
+            </a:r>
+            <a:endParaRPr lang="en-US" sz="2000" dirty="0"/>
+          </a:p>
+          <a:p>
+            <a:pPr marL="342900" indent="-342900" algn="l">
+              <a:buFont typeface="Arial"/>
+              <a:buChar char="•"/>
+            </a:pPr>
+            <a:r>
+              <a:rPr lang="en-US" sz="2000" dirty="0" smtClean="0"/>
+              <a:t>Call </a:t>
+            </a:r>
+            <a:r>
+              <a:rPr lang="en-US" sz="2000" dirty="0" err="1"/>
+              <a:t>getSongs</a:t>
+            </a:r>
+            <a:r>
+              <a:rPr lang="en-US" sz="2000" dirty="0"/>
+              <a:t> and display results in a template</a:t>
             </a:r>
             <a:endParaRPr lang="is-IS" sz="1200" dirty="0"/>
           </a:p>
@@ -6921,7 +6993,7 @@
     </p:spTree>
     <p:extLst>
       <p:ext uri="{BB962C8B-B14F-4D97-AF65-F5344CB8AC3E}">
-        <p14:creationId xmlns:p14="http://schemas.microsoft.com/office/powerpoint/2010/main" val="2829940313"/>
+        <p14:creationId xmlns:p14="http://schemas.microsoft.com/office/powerpoint/2010/main" val="1276718030"/>
       </p:ext>
     </p:extLst>
   </p:cSld>
@@ -6977,7 +7049,7 @@
           <a:p>
             <a:r>
               <a:rPr lang="en-US" dirty="0"/>
-              <a:t>Intro to Angular 2</a:t>
+              <a:t>Angular Material</a:t>
             </a:r>
           </a:p>
         </p:txBody>
@@ -7010,61 +7082,127 @@
             </a:pPr>
             <a:r>
               <a:rPr lang="en-US" sz="2000" dirty="0" smtClean="0"/>
-              <a:t>Targets </a:t>
-            </a:r>
-            <a:r>
-              <a:rPr lang="en-US" sz="2000" dirty="0"/>
-              <a:t>"evergreen" browsers - no legacy support (IE9+)</a:t>
-            </a:r>
-          </a:p>
-          <a:p>
-            <a:pPr marL="342900" indent="-342900" algn="l">
-              <a:buFont typeface="Arial"/>
-              <a:buChar char="•"/>
-            </a:pPr>
-            <a:r>
-              <a:rPr lang="en-US" sz="2000" dirty="0" err="1" smtClean="0"/>
+              <a:t>Material </a:t>
+            </a:r>
+            <a:r>
+              <a:rPr lang="en-US" sz="2000" dirty="0"/>
+              <a:t>is </a:t>
+            </a:r>
+            <a:r>
+              <a:rPr lang="en-US" sz="2000" dirty="0" err="1"/>
+              <a:t>Googles</a:t>
+            </a:r>
+            <a:r>
+              <a:rPr lang="en-US" sz="2000" dirty="0"/>
+              <a:t> UI "visual language" behind Android</a:t>
+            </a:r>
+          </a:p>
+          <a:p>
+            <a:pPr marL="342900" indent="-342900" algn="l">
+              <a:buFont typeface="Arial"/>
+              <a:buChar char="•"/>
+            </a:pPr>
+            <a:r>
+              <a:rPr lang="en-US" sz="2000" dirty="0" smtClean="0"/>
+              <a:t>Emphasizes </a:t>
+            </a:r>
+            <a:r>
+              <a:rPr lang="en-US" sz="2000" dirty="0"/>
+              <a:t>unified experience, usability &amp; accessibility, graceful degradation</a:t>
+            </a:r>
+          </a:p>
+          <a:p>
+            <a:pPr marL="342900" indent="-342900" algn="l">
+              <a:buFont typeface="Arial"/>
+              <a:buChar char="•"/>
+            </a:pPr>
+            <a:r>
+              <a:rPr lang="en-US" sz="2000" dirty="0" smtClean="0"/>
+              <a:t>"</a:t>
+            </a:r>
+            <a:r>
+              <a:rPr lang="en-US" sz="2000" dirty="0"/>
+              <a:t>Material is the metaphor" - paper, ink, surface edges. "Motion provides meaning"</a:t>
+            </a:r>
+          </a:p>
+          <a:p>
+            <a:pPr marL="342900" indent="-342900" algn="l">
+              <a:buFont typeface="Arial"/>
+              <a:buChar char="•"/>
+            </a:pPr>
+            <a:r>
+              <a:rPr lang="en-US" sz="2000" dirty="0" smtClean="0"/>
+              <a:t>Angular </a:t>
+            </a:r>
+            <a:r>
+              <a:rPr lang="en-US" sz="2000" dirty="0"/>
+              <a:t>Material is one implementation - Material Design Lite is another</a:t>
+            </a:r>
+          </a:p>
+          <a:p>
+            <a:pPr marL="342900" indent="-342900" algn="l">
+              <a:buFont typeface="Arial"/>
+              <a:buChar char="•"/>
+            </a:pPr>
+            <a:r>
+              <a:rPr lang="en-US" sz="2000" dirty="0" smtClean="0"/>
+              <a:t>AM </a:t>
+            </a:r>
+            <a:r>
+              <a:rPr lang="en-US" sz="2000" dirty="0"/>
+              <a:t>depends on </a:t>
+            </a:r>
+            <a:r>
+              <a:rPr lang="en-US" sz="2000" dirty="0" err="1"/>
               <a:t>nG</a:t>
             </a:r>
             <a:r>
-              <a:rPr lang="en-US" sz="2000" dirty="0" smtClean="0"/>
-              <a:t> </a:t>
-            </a:r>
-            <a:r>
-              <a:rPr lang="en-US" sz="2000" dirty="0"/>
-              <a:t>2 is a major redesign, with many breaking changes</a:t>
-            </a:r>
-          </a:p>
-          <a:p>
-            <a:pPr marL="342900" indent="-342900" algn="l">
-              <a:buFont typeface="Arial"/>
-              <a:buChar char="•"/>
-            </a:pPr>
-            <a:r>
-              <a:rPr lang="en-US" sz="2000" dirty="0" smtClean="0"/>
-              <a:t>Emphasis </a:t>
-            </a:r>
-            <a:r>
-              <a:rPr lang="en-US" sz="2000" dirty="0"/>
-              <a:t>on moving towards HTML5 web components</a:t>
-            </a:r>
-          </a:p>
-          <a:p>
-            <a:pPr marL="342900" indent="-342900" algn="l">
-              <a:buFont typeface="Arial"/>
-              <a:buChar char="•"/>
-            </a:pPr>
-            <a:r>
-              <a:rPr lang="en-US" sz="2000" dirty="0" err="1" smtClean="0"/>
-              <a:t>TypeScript</a:t>
-            </a:r>
-            <a:r>
-              <a:rPr lang="en-US" sz="2000" dirty="0" smtClean="0"/>
-              <a:t> </a:t>
-            </a:r>
-            <a:r>
-              <a:rPr lang="en-US" sz="2000" dirty="0"/>
-              <a:t>recommended</a:t>
+              <a:rPr lang="en-US" sz="2000" dirty="0"/>
+              <a:t>, </a:t>
+            </a:r>
+            <a:r>
+              <a:rPr lang="en-US" sz="2000" dirty="0" err="1"/>
+              <a:t>ngAnimate</a:t>
+            </a:r>
+            <a:r>
+              <a:rPr lang="en-US" sz="2000" dirty="0"/>
+              <a:t>, </a:t>
+            </a:r>
+            <a:r>
+              <a:rPr lang="en-US" sz="2000" dirty="0" err="1"/>
+              <a:t>ngAria</a:t>
+            </a:r>
+            <a:r>
+              <a:rPr lang="en-US" sz="2000" dirty="0"/>
+              <a:t>. MDL has no dependencies but less features</a:t>
+            </a:r>
+          </a:p>
+          <a:p>
+            <a:pPr marL="342900" indent="-342900" algn="l">
+              <a:buFont typeface="Arial"/>
+              <a:buChar char="•"/>
+            </a:pPr>
+            <a:r>
+              <a:rPr lang="en-US" sz="2000" dirty="0" smtClean="0"/>
+              <a:t>AM </a:t>
+            </a:r>
+            <a:r>
+              <a:rPr lang="en-US" sz="2000" dirty="0"/>
+              <a:t>provides directives/components, MDL depends on classes + JS</a:t>
+            </a:r>
+          </a:p>
+          <a:p>
+            <a:pPr marL="342900" indent="-342900" algn="l">
+              <a:buFont typeface="Arial"/>
+              <a:buChar char="•"/>
+            </a:pPr>
+            <a:r>
+              <a:rPr lang="en-US" sz="2000" dirty="0" smtClean="0"/>
+              <a:t>Both </a:t>
+            </a:r>
+            <a:r>
+              <a:rPr lang="en-US" sz="2000" dirty="0"/>
+              <a:t>provide grid system + widgets like dialogs, badges, tabs, autocomplete</a:t>
             </a:r>
             <a:endParaRPr lang="is-IS" sz="1200" dirty="0"/>
           </a:p>
@@ -7073,7 +7211,7 @@
     </p:spTree>
     <p:extLst>
       <p:ext uri="{BB962C8B-B14F-4D97-AF65-F5344CB8AC3E}">
-        <p14:creationId xmlns:p14="http://schemas.microsoft.com/office/powerpoint/2010/main" val="1085034615"/>
+        <p14:creationId xmlns:p14="http://schemas.microsoft.com/office/powerpoint/2010/main" val="3815891390"/>
       </p:ext>
     </p:extLst>
   </p:cSld>
@@ -7129,7 +7267,7 @@
           <a:p>
             <a:r>
               <a:rPr lang="en-US" dirty="0"/>
-              <a:t>Major changes</a:t>
+              <a:t>Material in practice</a:t>
             </a:r>
           </a:p>
         </p:txBody>
@@ -7162,140 +7300,94 @@
             </a:pPr>
             <a:r>
               <a:rPr lang="en-US" sz="2000" dirty="0" smtClean="0"/>
-              <a:t>More </a:t>
-            </a:r>
-            <a:r>
-              <a:rPr lang="en-US" sz="2000" dirty="0"/>
-              <a:t>like a reboot</a:t>
-            </a:r>
-          </a:p>
-          <a:p>
-            <a:pPr marL="342900" indent="-342900" algn="l">
-              <a:buFont typeface="Arial"/>
-              <a:buChar char="•"/>
-            </a:pPr>
-            <a:r>
-              <a:rPr lang="en-US" sz="2000" dirty="0" smtClean="0"/>
-              <a:t>The </a:t>
-            </a:r>
-            <a:r>
-              <a:rPr lang="en-US" sz="2000" dirty="0"/>
-              <a:t>central API is now Components</a:t>
-            </a:r>
-          </a:p>
-          <a:p>
-            <a:pPr marL="342900" indent="-342900" algn="l">
-              <a:buFont typeface="Arial"/>
-              <a:buChar char="•"/>
-            </a:pPr>
-            <a:r>
-              <a:rPr lang="en-US" sz="2000" dirty="0" smtClean="0"/>
-              <a:t>Components </a:t>
-            </a:r>
-            <a:r>
-              <a:rPr lang="en-US" sz="2000" dirty="0"/>
-              <a:t>are a type of Directive, those are still around</a:t>
-            </a:r>
-          </a:p>
-          <a:p>
-            <a:pPr marL="342900" indent="-342900" algn="l">
-              <a:buFont typeface="Arial"/>
-              <a:buChar char="•"/>
-            </a:pPr>
-            <a:r>
-              <a:rPr lang="en-US" sz="2000" dirty="0" smtClean="0"/>
-              <a:t>Providers </a:t>
-            </a:r>
-            <a:r>
-              <a:rPr lang="en-US" sz="2000" dirty="0"/>
-              <a:t>are still around, but their sugar/subtypes have been removed</a:t>
-            </a:r>
-          </a:p>
-          <a:p>
-            <a:pPr marL="342900" indent="-342900" algn="l">
-              <a:buFont typeface="Arial"/>
-              <a:buChar char="•"/>
-            </a:pPr>
-            <a:r>
-              <a:rPr lang="en-US" sz="2000" dirty="0" smtClean="0"/>
-              <a:t>Large </a:t>
-            </a:r>
-            <a:r>
-              <a:rPr lang="en-US" sz="2000" dirty="0"/>
-              <a:t>portions of the API have been removed:</a:t>
-            </a:r>
-          </a:p>
-          <a:p>
-            <a:pPr marL="800100" lvl="1" indent="-342900" algn="l">
-              <a:buFont typeface="Arial"/>
-              <a:buChar char="•"/>
-            </a:pPr>
-            <a:r>
-              <a:rPr lang="en-US" sz="1600" dirty="0" err="1" smtClean="0"/>
-              <a:t>angular.module</a:t>
-            </a:r>
-            <a:r>
-              <a:rPr lang="en-US" sz="1600" dirty="0"/>
-              <a:t>, scope, controllers, filters, </a:t>
-            </a:r>
-            <a:r>
-              <a:rPr lang="en-US" sz="1600" dirty="0" err="1"/>
-              <a:t>ng</a:t>
-            </a:r>
-            <a:r>
-              <a:rPr lang="en-US" sz="1600" dirty="0"/>
-              <a:t>-app</a:t>
-            </a:r>
-          </a:p>
-          <a:p>
-            <a:pPr marL="342900" indent="-342900" algn="l">
-              <a:buFont typeface="Arial"/>
-              <a:buChar char="•"/>
-            </a:pPr>
-            <a:r>
-              <a:rPr lang="en-US" sz="2000" dirty="0" smtClean="0"/>
-              <a:t>Greater </a:t>
-            </a:r>
-            <a:r>
-              <a:rPr lang="en-US" sz="2000" dirty="0"/>
-              <a:t>reliance on dependency injection</a:t>
-            </a:r>
-          </a:p>
-          <a:p>
-            <a:pPr marL="800100" lvl="1" indent="-342900" algn="l">
-              <a:buFont typeface="Arial"/>
-              <a:buChar char="•"/>
-            </a:pPr>
-            <a:r>
-              <a:rPr lang="en-US" sz="1600" dirty="0" smtClean="0"/>
-              <a:t>nG2 </a:t>
-            </a:r>
-            <a:r>
-              <a:rPr lang="en-US" sz="1600" dirty="0"/>
-              <a:t>only includes minimum functionality by default</a:t>
-            </a:r>
-          </a:p>
-          <a:p>
-            <a:pPr marL="800100" lvl="1" indent="-342900" algn="l">
-              <a:buFont typeface="Arial"/>
-              <a:buChar char="•"/>
-            </a:pPr>
-            <a:r>
-              <a:rPr lang="en-US" sz="1600" dirty="0" smtClean="0"/>
-              <a:t>Gotcha</a:t>
-            </a:r>
-            <a:r>
-              <a:rPr lang="en-US" sz="1600" dirty="0"/>
-              <a:t>: common "undefined" or "not a function" errors when you forget an import</a:t>
-            </a:r>
-            <a:endParaRPr lang="is-IS" sz="800" dirty="0"/>
+              <a:t>Provide </a:t>
+            </a:r>
+            <a:r>
+              <a:rPr lang="en-US" sz="2000" dirty="0"/>
+              <a:t>resources via link/script tags, module loader, </a:t>
+            </a:r>
+            <a:r>
+              <a:rPr lang="en-US" sz="2000" dirty="0" err="1"/>
+              <a:t>npm</a:t>
+            </a:r>
+            <a:r>
+              <a:rPr lang="en-US" sz="2000" dirty="0"/>
+              <a:t> install or whatever</a:t>
+            </a:r>
+          </a:p>
+          <a:p>
+            <a:pPr marL="342900" indent="-342900" algn="l">
+              <a:buFont typeface="Arial"/>
+              <a:buChar char="•"/>
+            </a:pPr>
+            <a:r>
+              <a:rPr lang="en-US" sz="2000" dirty="0" smtClean="0"/>
+              <a:t>Add </a:t>
+            </a:r>
+            <a:r>
+              <a:rPr lang="en-US" sz="2000" dirty="0"/>
+              <a:t>'</a:t>
+            </a:r>
+            <a:r>
+              <a:rPr lang="en-US" sz="2000" dirty="0" err="1"/>
+              <a:t>ngMaterial</a:t>
+            </a:r>
+            <a:r>
+              <a:rPr lang="en-US" sz="2000" dirty="0"/>
+              <a:t>' as a dependency to the module declaration</a:t>
+            </a:r>
+          </a:p>
+          <a:p>
+            <a:pPr marL="342900" indent="-342900" algn="l">
+              <a:buFont typeface="Arial"/>
+              <a:buChar char="•"/>
+            </a:pPr>
+            <a:r>
+              <a:rPr lang="en-US" sz="2000" dirty="0" err="1" smtClean="0"/>
+              <a:t>Angular.module</a:t>
+            </a:r>
+            <a:r>
+              <a:rPr lang="en-US" sz="2000" dirty="0"/>
+              <a:t>('</a:t>
+            </a:r>
+            <a:r>
+              <a:rPr lang="en-US" sz="2000" dirty="0" err="1"/>
+              <a:t>sbuxJukebox</a:t>
+            </a:r>
+            <a:r>
+              <a:rPr lang="en-US" sz="2000" dirty="0"/>
+              <a:t>', ['</a:t>
+            </a:r>
+            <a:r>
+              <a:rPr lang="en-US" sz="2000" dirty="0" err="1"/>
+              <a:t>ngMaterial</a:t>
+            </a:r>
+            <a:r>
+              <a:rPr lang="en-US" sz="2000" dirty="0"/>
+              <a:t>']);</a:t>
+            </a:r>
+          </a:p>
+          <a:p>
+            <a:pPr marL="342900" indent="-342900" algn="l">
+              <a:buFont typeface="Arial"/>
+              <a:buChar char="•"/>
+            </a:pPr>
+            <a:r>
+              <a:rPr lang="en-US" sz="2000" dirty="0" smtClean="0"/>
+              <a:t>Various </a:t>
+            </a:r>
+            <a:r>
+              <a:rPr lang="en-US" sz="2000" dirty="0"/>
+              <a:t>md- prefixed directives are now available</a:t>
+            </a:r>
+            <a:endParaRPr lang="is-IS" sz="1200" dirty="0"/>
           </a:p>
         </p:txBody>
       </p:sp>
     </p:spTree>
     <p:extLst>
       <p:ext uri="{BB962C8B-B14F-4D97-AF65-F5344CB8AC3E}">
-        <p14:creationId xmlns:p14="http://schemas.microsoft.com/office/powerpoint/2010/main" val="2746077353"/>
+        <p14:creationId xmlns:p14="http://schemas.microsoft.com/office/powerpoint/2010/main" val="2259782405"/>
       </p:ext>
     </p:extLst>
   </p:cSld>
@@ -7351,13 +7443,8 @@
           <a:p>
             <a:r>
               <a:rPr lang="en-US" dirty="0"/>
-              <a:t>Advantages </a:t>
-            </a:r>
-            <a:r>
-              <a:rPr lang="en-US" dirty="0" smtClean="0"/>
-              <a:t>gained</a:t>
-            </a:r>
-            <a:endParaRPr lang="en-US" dirty="0"/>
+              <a:t>Material lab</a:t>
+            </a:r>
           </a:p>
         </p:txBody>
       </p:sp>
@@ -7389,76 +7476,70 @@
             </a:pPr>
             <a:r>
               <a:rPr lang="en-US" sz="2000" dirty="0" smtClean="0"/>
-              <a:t>Smaller</a:t>
-            </a:r>
-            <a:r>
-              <a:rPr lang="en-US" sz="2000" dirty="0"/>
-              <a:t>, more consistent API</a:t>
-            </a:r>
-          </a:p>
-          <a:p>
-            <a:pPr marL="342900" indent="-342900" algn="l">
-              <a:buFont typeface="Arial"/>
-              <a:buChar char="•"/>
-            </a:pPr>
-            <a:r>
-              <a:rPr lang="en-US" sz="2000" dirty="0" smtClean="0"/>
-              <a:t>Greater </a:t>
-            </a:r>
-            <a:r>
-              <a:rPr lang="en-US" sz="2000" dirty="0"/>
-              <a:t>modularity/DI - import only what you need means smaller downloads</a:t>
-            </a:r>
-          </a:p>
-          <a:p>
-            <a:pPr marL="342900" indent="-342900" algn="l">
-              <a:buFont typeface="Arial"/>
-              <a:buChar char="•"/>
-            </a:pPr>
-            <a:r>
-              <a:rPr lang="en-US" sz="2000" dirty="0" smtClean="0"/>
-              <a:t>Greater </a:t>
-            </a:r>
-            <a:r>
-              <a:rPr lang="en-US" sz="2000" dirty="0"/>
-              <a:t>separation from DOM - testing, IDE support</a:t>
-            </a:r>
-          </a:p>
-          <a:p>
-            <a:pPr marL="342900" indent="-342900" algn="l">
-              <a:buFont typeface="Arial"/>
-              <a:buChar char="•"/>
-            </a:pPr>
-            <a:r>
-              <a:rPr lang="en-US" sz="2000" dirty="0" smtClean="0"/>
-              <a:t>Performance </a:t>
-            </a:r>
-            <a:r>
-              <a:rPr lang="en-US" sz="2000" dirty="0"/>
-              <a:t>speedups primarily due to jettisoning digest checking</a:t>
-            </a:r>
-          </a:p>
-          <a:p>
-            <a:pPr marL="342900" indent="-342900" algn="l">
-              <a:buFont typeface="Arial"/>
-              <a:buChar char="•"/>
-            </a:pPr>
-            <a:r>
-              <a:rPr lang="en-US" sz="2000" dirty="0" smtClean="0"/>
-              <a:t>Aligns </a:t>
-            </a:r>
-            <a:r>
-              <a:rPr lang="en-US" sz="2000" dirty="0"/>
-              <a:t>closer with the future of web components</a:t>
-            </a:r>
-            <a:endParaRPr lang="is-IS" sz="800" dirty="0"/>
+              <a:t>Add </a:t>
+            </a:r>
+            <a:r>
+              <a:rPr lang="en-US" sz="2000" dirty="0"/>
+              <a:t>an md-toolbar to the top of the page</a:t>
+            </a:r>
+          </a:p>
+          <a:p>
+            <a:pPr marL="342900" indent="-342900" algn="l">
+              <a:buFont typeface="Arial"/>
+              <a:buChar char="•"/>
+            </a:pPr>
+            <a:r>
+              <a:rPr lang="en-US" sz="2000" dirty="0" smtClean="0"/>
+              <a:t>Use </a:t>
+            </a:r>
+            <a:r>
+              <a:rPr lang="en-US" sz="2000" dirty="0"/>
+              <a:t>md-tabs to break up the content area</a:t>
+            </a:r>
+          </a:p>
+          <a:p>
+            <a:pPr marL="342900" indent="-342900" algn="l">
+              <a:buFont typeface="Arial"/>
+              <a:buChar char="•"/>
+            </a:pPr>
+            <a:r>
+              <a:rPr lang="en-US" sz="2000" dirty="0" smtClean="0"/>
+              <a:t>Add </a:t>
+            </a:r>
+            <a:r>
+              <a:rPr lang="en-US" sz="2000" dirty="0"/>
+              <a:t>an md-autocomplete to one of the tabs</a:t>
+            </a:r>
+          </a:p>
+          <a:p>
+            <a:pPr marL="342900" indent="-342900" algn="l">
+              <a:buFont typeface="Arial"/>
+              <a:buChar char="•"/>
+            </a:pPr>
+            <a:r>
+              <a:rPr lang="en-US" sz="2000" dirty="0" smtClean="0"/>
+              <a:t>Hook </a:t>
+            </a:r>
+            <a:r>
+              <a:rPr lang="en-US" sz="2000" dirty="0"/>
+              <a:t>up the </a:t>
+            </a:r>
+            <a:r>
+              <a:rPr lang="en-US" sz="2000" dirty="0" err="1"/>
+              <a:t>songsAjax</a:t>
+            </a:r>
+            <a:r>
+              <a:rPr lang="en-US" sz="2000" dirty="0"/>
+              <a:t> service to the autocomplete</a:t>
+            </a:r>
+            <a:endParaRPr lang="is-IS" sz="1200" dirty="0"/>
           </a:p>
         </p:txBody>
       </p:sp>
     </p:spTree>
     <p:extLst>
       <p:ext uri="{BB962C8B-B14F-4D97-AF65-F5344CB8AC3E}">
-        <p14:creationId xmlns:p14="http://schemas.microsoft.com/office/powerpoint/2010/main" val="3749434534"/>
+        <p14:creationId xmlns:p14="http://schemas.microsoft.com/office/powerpoint/2010/main" val="2829940313"/>
       </p:ext>
     </p:extLst>
   </p:cSld>
@@ -7547,47 +7628,75 @@
             </a:pPr>
             <a:r>
               <a:rPr lang="en-US" sz="2400" dirty="0" smtClean="0"/>
-              <a:t>Recipe</a:t>
+              <a:t>Controllers are a subclass</a:t>
+            </a:r>
+            <a:r>
+              <a:rPr lang="en-US" sz="2400" dirty="0" smtClean="0"/>
+              <a:t> </a:t>
             </a:r>
             <a:r>
               <a:rPr lang="en-US" sz="2400" dirty="0"/>
-              <a:t>: from reference to </a:t>
+              <a:t>of / sugar over </a:t>
+            </a:r>
+            <a:r>
+              <a:rPr lang="en-US" sz="2400" dirty="0" smtClean="0"/>
+              <a:t>directive</a:t>
+            </a:r>
+          </a:p>
+          <a:p>
+            <a:pPr marL="342900" indent="-342900" algn="l">
+              <a:buFont typeface="Arial"/>
+              <a:buChar char="•"/>
+            </a:pPr>
+            <a:r>
+              <a:rPr lang="en-US" sz="2400" dirty="0" smtClean="0"/>
+              <a:t>Encapsulate a unit of data and behavior</a:t>
+            </a:r>
+          </a:p>
+          <a:p>
+            <a:pPr marL="342900" indent="-342900" algn="l">
+              <a:buFont typeface="Arial"/>
+              <a:buChar char="•"/>
+            </a:pPr>
+            <a:r>
+              <a:rPr lang="en-US" sz="2400" dirty="0" smtClean="0"/>
+              <a:t>May or may not render anything</a:t>
+            </a:r>
+          </a:p>
+          <a:p>
+            <a:pPr marL="342900" indent="-342900" algn="l">
+              <a:buFont typeface="Arial"/>
+              <a:buChar char="•"/>
+            </a:pPr>
+            <a:r>
+              <a:rPr lang="en-US" sz="2400" dirty="0" smtClean="0"/>
+              <a:t>Recipe: .</a:t>
+            </a:r>
+            <a:r>
+              <a:rPr lang="en-US" sz="2400" dirty="0"/>
+              <a:t>controller</a:t>
+            </a:r>
+            <a:r>
+              <a:rPr lang="en-US" sz="2400" dirty="0" smtClean="0"/>
+              <a:t>( '</a:t>
+            </a:r>
+            <a:r>
+              <a:rPr lang="en-US" sz="2400" dirty="0" err="1"/>
+              <a:t>cntrlName</a:t>
+            </a:r>
+            <a:r>
+              <a:rPr lang="en-US" sz="2400" dirty="0"/>
+              <a:t>', </a:t>
             </a:r>
             <a:r>
               <a:rPr lang="en-US" sz="2400" dirty="0" err="1" smtClean="0"/>
-              <a:t>angular.module</a:t>
+              <a:t>func</a:t>
+            </a:r>
+            <a:r>
+              <a:rPr lang="en-US" sz="2400" dirty="0" smtClean="0"/>
+              <a:t>… )</a:t>
             </a:r>
             <a:endParaRPr lang="en-US" sz="2400" dirty="0"/>
-          </a:p>
-          <a:p>
-            <a:pPr marL="800100" lvl="1" indent="-342900" algn="l">
-              <a:buFont typeface="Arial"/>
-              <a:buChar char="•"/>
-            </a:pPr>
-            <a:r>
-              <a:rPr lang="en-US" sz="2000" dirty="0" smtClean="0"/>
-              <a:t>.</a:t>
-            </a:r>
-            <a:r>
-              <a:rPr lang="en-US" sz="2000" dirty="0"/>
-              <a:t>controller('</a:t>
-            </a:r>
-            <a:r>
-              <a:rPr lang="en-US" sz="2000" dirty="0" err="1"/>
-              <a:t>cntrlName</a:t>
-            </a:r>
-            <a:r>
-              <a:rPr lang="en-US" sz="2000" dirty="0"/>
-              <a:t>', function(dependencies) { ...</a:t>
-            </a:r>
-            <a:r>
-              <a:rPr lang="en-US" sz="2000" dirty="0" err="1"/>
-              <a:t>init</a:t>
-            </a:r>
-            <a:r>
-              <a:rPr lang="en-US" sz="2000" dirty="0"/>
-              <a:t> })</a:t>
-            </a:r>
           </a:p>
           <a:p>
             <a:pPr marL="342900" indent="-342900" algn="l">
@@ -7599,150 +7708,30 @@
               <a:t>In </a:t>
             </a:r>
             <a:r>
+              <a:rPr lang="en-US" sz="2400" dirty="0" smtClean="0"/>
+              <a:t>view, &lt;div </a:t>
+            </a:r>
+            <a:r>
+              <a:rPr lang="en-US" sz="2400" dirty="0" err="1" smtClean="0"/>
+              <a:t>ng</a:t>
+            </a:r>
+            <a:r>
               <a:rPr lang="en-US" sz="2400" dirty="0"/>
-              <a:t>HTML, add </a:t>
-            </a:r>
-            <a:r>
-              <a:rPr lang="en-US" sz="2400" dirty="0" err="1"/>
-              <a:t>ng</a:t>
-            </a:r>
-            <a:r>
-              <a:rPr lang="en-US" sz="2400" dirty="0"/>
-              <a:t>-controller directive with name as the </a:t>
+              <a:t>-</a:t>
             </a:r>
             <a:r>
               <a:rPr lang="en-US" sz="2400" dirty="0" smtClean="0"/>
-              <a:t>value:</a:t>
+              <a:t>controller="</a:t>
+            </a:r>
+            <a:r>
+              <a:rPr lang="en-US" sz="2400" dirty="0" err="1" smtClean="0"/>
+              <a:t>directiveName</a:t>
+            </a:r>
+            <a:r>
+              <a:rPr lang="en-US" sz="2400" dirty="0" smtClean="0"/>
+              <a:t>"&gt;</a:t>
             </a:r>
             <a:endParaRPr lang="en-US" sz="2400" dirty="0"/>
-          </a:p>
-          <a:p>
-            <a:pPr marL="342900" indent="-342900" algn="l">
-              <a:buFont typeface="Arial"/>
-              <a:buChar char="•"/>
-            </a:pPr>
-            <a:r>
-              <a:rPr lang="en-US" sz="2400" dirty="0" smtClean="0"/>
-              <a:t>&lt;</a:t>
-            </a:r>
-            <a:r>
-              <a:rPr lang="en-US" sz="2400" dirty="0"/>
-              <a:t>p </a:t>
-            </a:r>
-            <a:r>
-              <a:rPr lang="en-US" sz="2400" dirty="0" err="1"/>
-              <a:t>ng</a:t>
-            </a:r>
-            <a:r>
-              <a:rPr lang="en-US" sz="2400" dirty="0"/>
-              <a:t>-controller="</a:t>
-            </a:r>
-            <a:r>
-              <a:rPr lang="en-US" sz="2400" dirty="0" err="1"/>
-              <a:t>cntrlName</a:t>
-            </a:r>
-            <a:r>
-              <a:rPr lang="en-US" sz="2400" dirty="0"/>
-              <a:t>"&gt;Controller owns </a:t>
-            </a:r>
-            <a:r>
-              <a:rPr lang="en-US" sz="2400" dirty="0" smtClean="0"/>
-              <a:t>this&lt;</a:t>
-            </a:r>
-            <a:r>
-              <a:rPr lang="en-US" sz="2400" dirty="0"/>
-              <a:t>/p&gt;</a:t>
-            </a:r>
-          </a:p>
-          <a:p>
-            <a:pPr marL="342900" indent="-342900" algn="l">
-              <a:buFont typeface="Arial"/>
-              <a:buChar char="•"/>
-            </a:pPr>
-            <a:r>
-              <a:rPr lang="en-US" sz="2400" dirty="0" err="1" smtClean="0"/>
-              <a:t>nG</a:t>
-            </a:r>
-            <a:r>
-              <a:rPr lang="en-US" sz="2400" dirty="0" smtClean="0"/>
-              <a:t> Controllers should be </a:t>
-            </a:r>
-            <a:r>
-              <a:rPr lang="en-US" sz="2400" dirty="0" err="1" smtClean="0"/>
-              <a:t>ViewModels</a:t>
-            </a:r>
-            <a:r>
-              <a:rPr lang="en-US" sz="2400" dirty="0" smtClean="0"/>
-              <a:t> (MVVM)</a:t>
-            </a:r>
-            <a:endParaRPr lang="en-US" sz="2400" dirty="0"/>
-          </a:p>
-          <a:p>
-            <a:pPr marL="800100" lvl="1" indent="-342900" algn="l">
-              <a:buFont typeface="Arial"/>
-              <a:buChar char="•"/>
-            </a:pPr>
-            <a:r>
-              <a:rPr lang="en-US" sz="2000" dirty="0" smtClean="0"/>
-              <a:t>Only </a:t>
-            </a:r>
-            <a:r>
-              <a:rPr lang="en-US" sz="2000" dirty="0"/>
-              <a:t>coordinate data flow between the </a:t>
-            </a:r>
-            <a:r>
-              <a:rPr lang="en-US" sz="2000" dirty="0" smtClean="0"/>
-              <a:t>model </a:t>
-            </a:r>
-            <a:r>
-              <a:rPr lang="en-US" sz="2000" dirty="0"/>
-              <a:t>and view</a:t>
-            </a:r>
-          </a:p>
-          <a:p>
-            <a:pPr marL="800100" lvl="1" indent="-342900" algn="l">
-              <a:buFont typeface="Arial"/>
-              <a:buChar char="•"/>
-            </a:pPr>
-            <a:r>
-              <a:rPr lang="en-US" sz="2000" dirty="0"/>
-              <a:t>More complex logic should live in a service</a:t>
-            </a:r>
-          </a:p>
-          <a:p>
-            <a:pPr marL="342900" indent="-342900" algn="l">
-              <a:buFont typeface="Arial"/>
-              <a:buChar char="•"/>
-            </a:pPr>
-            <a:r>
-              <a:rPr lang="en-US" sz="2400" dirty="0"/>
-              <a:t>Controllers should never reference </a:t>
-            </a:r>
-            <a:r>
-              <a:rPr lang="en-US" sz="2400" dirty="0" smtClean="0"/>
-              <a:t>DOM</a:t>
-            </a:r>
-          </a:p>
-          <a:p>
-            <a:pPr marL="800100" lvl="1" indent="-342900" algn="l">
-              <a:buFont typeface="Arial"/>
-              <a:buChar char="•"/>
-            </a:pPr>
-            <a:r>
-              <a:rPr lang="en-US" sz="2000" dirty="0" smtClean="0"/>
-              <a:t>Directives have single responsibility for DOM mods</a:t>
-            </a:r>
-          </a:p>
-          <a:p>
-            <a:pPr marL="800100" lvl="1" indent="-342900" algn="l">
-              <a:buFont typeface="Arial"/>
-              <a:buChar char="•"/>
-            </a:pPr>
-            <a:r>
-              <a:rPr lang="en-US" sz="2000" dirty="0" smtClean="0"/>
-              <a:t>Complicates testing</a:t>
-            </a:r>
-            <a:endParaRPr lang="en-US" sz="2000" dirty="0"/>
           </a:p>
         </p:txBody>
       </p:sp>
@@ -7798,7 +7787,7 @@
           <a:p>
             <a:r>
               <a:rPr lang="en-US" dirty="0"/>
-              <a:t>A word of caution</a:t>
+              <a:t>Intro to Angular 2</a:t>
             </a:r>
           </a:p>
         </p:txBody>
@@ -7830,6 +7819,20 @@
               <a:buChar char="•"/>
             </a:pPr>
             <a:r>
+              <a:rPr lang="en-US" sz="2000" dirty="0" smtClean="0"/>
+              <a:t>Targets </a:t>
+            </a:r>
+            <a:r>
+              <a:rPr lang="en-US" sz="2000" dirty="0"/>
+              <a:t>"evergreen" browsers - no legacy support (IE9+)</a:t>
+            </a:r>
+          </a:p>
+          <a:p>
+            <a:pPr marL="342900" indent="-342900" algn="l">
+              <a:buFont typeface="Arial"/>
+              <a:buChar char="•"/>
+            </a:pPr>
+            <a:r>
               <a:rPr lang="en-US" sz="2000" dirty="0" err="1" smtClean="0"/>
               <a:t>nG</a:t>
             </a:r>
@@ -7839,166 +7842,48 @@
             </a:r>
             <a:r>
               <a:rPr lang="en-US" sz="2000" dirty="0"/>
-              <a:t>2 </a:t>
-            </a:r>
-            <a:r>
-              <a:rPr lang="en-US" sz="2000" dirty="0" smtClean="0"/>
-              <a:t>is officially in beta. </a:t>
-            </a:r>
-            <a:r>
-              <a:rPr lang="en-US" sz="2000" dirty="0"/>
-              <a:t>What does beta mean?</a:t>
-            </a:r>
-          </a:p>
-          <a:p>
-            <a:pPr marL="342900" indent="-342900" algn="l">
-              <a:buFont typeface="Arial"/>
-              <a:buChar char="•"/>
-            </a:pPr>
-            <a:r>
-              <a:rPr lang="en-US" sz="2000" dirty="0" smtClean="0"/>
-              <a:t>"</a:t>
-            </a:r>
-            <a:r>
-              <a:rPr lang="en-US" sz="2000" dirty="0"/>
-              <a:t>we're now confident that most developers can be successful building large applications"</a:t>
-            </a:r>
-          </a:p>
-          <a:p>
-            <a:pPr marL="342900" indent="-342900" algn="l">
-              <a:buFont typeface="Arial"/>
-              <a:buChar char="•"/>
-            </a:pPr>
-            <a:r>
-              <a:rPr lang="en-US" sz="2000" dirty="0" smtClean="0"/>
-              <a:t>A </a:t>
-            </a:r>
-            <a:r>
-              <a:rPr lang="en-US" sz="2000" dirty="0"/>
-              <a:t>platform is not just its code though, also its ecosystem</a:t>
-            </a:r>
-          </a:p>
-          <a:p>
-            <a:pPr marL="342900" indent="-342900" algn="l">
-              <a:buFont typeface="Arial"/>
-              <a:buChar char="•"/>
-            </a:pPr>
-            <a:r>
-              <a:rPr lang="en-US" sz="2000" dirty="0"/>
-              <a:t>  </a:t>
-            </a:r>
-            <a:r>
-              <a:rPr lang="en-US" sz="2000" dirty="0" smtClean="0"/>
-              <a:t>Tooling </a:t>
-            </a:r>
-            <a:r>
-              <a:rPr lang="en-US" sz="2000" dirty="0"/>
-              <a:t>&amp; 3rd party library support</a:t>
-            </a:r>
-          </a:p>
-          <a:p>
-            <a:pPr marL="342900" indent="-342900" algn="l">
-              <a:buFont typeface="Arial"/>
-              <a:buChar char="•"/>
-            </a:pPr>
-            <a:r>
-              <a:rPr lang="en-US" sz="2000" dirty="0"/>
-              <a:t>  </a:t>
-            </a:r>
-            <a:r>
-              <a:rPr lang="en-US" sz="2000" dirty="0" smtClean="0"/>
-              <a:t>Documentation</a:t>
-            </a:r>
-            <a:endParaRPr lang="en-US" sz="2000" dirty="0"/>
-          </a:p>
-          <a:p>
-            <a:pPr marL="342900" indent="-342900" algn="l">
-              <a:buFont typeface="Arial"/>
-              <a:buChar char="•"/>
-            </a:pPr>
-            <a:r>
-              <a:rPr lang="en-US" sz="2000" dirty="0"/>
-              <a:t>  </a:t>
-            </a:r>
-            <a:r>
-              <a:rPr lang="en-US" sz="2000" dirty="0" smtClean="0"/>
-              <a:t>Error </a:t>
-            </a:r>
-            <a:r>
-              <a:rPr lang="en-US" sz="2000" dirty="0"/>
-              <a:t>handling messages</a:t>
-            </a:r>
-          </a:p>
-          <a:p>
-            <a:pPr marL="342900" indent="-342900" algn="l">
-              <a:buFont typeface="Arial"/>
-              <a:buChar char="•"/>
-            </a:pPr>
-            <a:r>
-              <a:rPr lang="en-US" sz="2000" dirty="0"/>
-              <a:t>  </a:t>
-            </a:r>
-            <a:r>
-              <a:rPr lang="en-US" sz="2000" dirty="0" smtClean="0"/>
-              <a:t>Community </a:t>
-            </a:r>
-            <a:r>
-              <a:rPr lang="en-US" sz="2000" dirty="0"/>
-              <a:t>support</a:t>
-            </a:r>
-          </a:p>
-          <a:p>
-            <a:pPr marL="342900" indent="-342900" algn="l">
-              <a:buFont typeface="Arial"/>
-              <a:buChar char="•"/>
-            </a:pPr>
-            <a:r>
-              <a:rPr lang="en-US" sz="2000" dirty="0" smtClean="0"/>
-              <a:t>IMO, nG2 ecosystem is not mature yet</a:t>
-            </a:r>
-          </a:p>
-          <a:p>
-            <a:pPr marL="800100" lvl="1" indent="-342900" algn="l">
-              <a:buFont typeface="Arial"/>
-              <a:buChar char="•"/>
-            </a:pPr>
-            <a:r>
-              <a:rPr lang="en-US" sz="1600" dirty="0"/>
-              <a:t>Official documentation is </a:t>
-            </a:r>
-            <a:r>
-              <a:rPr lang="en-US" sz="1600" dirty="0" smtClean="0"/>
-              <a:t>intentionally complete</a:t>
-            </a:r>
-            <a:endParaRPr lang="is-IS" sz="400" dirty="0"/>
-          </a:p>
-          <a:p>
-            <a:pPr marL="800100" lvl="1" indent="-342900" algn="l">
-              <a:buFont typeface="Arial"/>
-              <a:buChar char="•"/>
-            </a:pPr>
-            <a:r>
-              <a:rPr lang="en-US" sz="1600" dirty="0" smtClean="0"/>
-              <a:t>Many syntax changes make older articles unreliable</a:t>
-            </a:r>
-          </a:p>
-          <a:p>
-            <a:pPr marL="800100" lvl="1" indent="-342900" algn="l">
-              <a:buFont typeface="Arial"/>
-              <a:buChar char="•"/>
-            </a:pPr>
-            <a:r>
-              <a:rPr lang="en-US" sz="1600" dirty="0" smtClean="0"/>
-              <a:t>TSC compilation issues</a:t>
-            </a:r>
-            <a:endParaRPr lang="is-IS" sz="400" dirty="0"/>
+              <a:t>2 is a major redesign, with many breaking changes</a:t>
+            </a:r>
+          </a:p>
+          <a:p>
+            <a:pPr marL="342900" indent="-342900" algn="l">
+              <a:buFont typeface="Arial"/>
+              <a:buChar char="•"/>
+            </a:pPr>
+            <a:r>
+              <a:rPr lang="en-US" sz="2000" dirty="0" smtClean="0"/>
+              <a:t>Emphasis </a:t>
+            </a:r>
+            <a:r>
+              <a:rPr lang="en-US" sz="2000" dirty="0"/>
+              <a:t>on moving towards HTML5 web components</a:t>
+            </a:r>
+          </a:p>
+          <a:p>
+            <a:pPr marL="342900" indent="-342900" algn="l">
+              <a:buFont typeface="Arial"/>
+              <a:buChar char="•"/>
+            </a:pPr>
+            <a:r>
+              <a:rPr lang="en-US" sz="2000" dirty="0" err="1" smtClean="0"/>
+              <a:t>TypeScript</a:t>
+            </a:r>
+            <a:r>
+              <a:rPr lang="en-US" sz="2000" dirty="0" smtClean="0"/>
+              <a:t> </a:t>
+            </a:r>
+            <a:r>
+              <a:rPr lang="en-US" sz="2000" dirty="0"/>
+              <a:t>recommended</a:t>
+            </a:r>
+            <a:endParaRPr lang="is-IS" sz="1200" dirty="0"/>
           </a:p>
         </p:txBody>
       </p:sp>
     </p:spTree>
     <p:extLst>
       <p:ext uri="{BB962C8B-B14F-4D97-AF65-F5344CB8AC3E}">
-        <p14:creationId xmlns:p14="http://schemas.microsoft.com/office/powerpoint/2010/main" val="1644634512"/>
+        <p14:creationId xmlns:p14="http://schemas.microsoft.com/office/powerpoint/2010/main" val="1085034615"/>
       </p:ext>
     </p:extLst>
   </p:cSld>
@@ -8054,7 +7939,7 @@
           <a:p>
             <a:r>
               <a:rPr lang="en-US" dirty="0"/>
-              <a:t>A word of caution</a:t>
+              <a:t>Major changes</a:t>
             </a:r>
           </a:p>
         </p:txBody>
@@ -8086,131 +7971,68 @@
               <a:buChar char="•"/>
             </a:pPr>
             <a:r>
-              <a:rPr lang="en-US" sz="2000" dirty="0" err="1" smtClean="0"/>
-              <a:t>nG</a:t>
-            </a:r>
-            <a:r>
-              <a:rPr lang="en-US" sz="2000" dirty="0" smtClean="0"/>
-              <a:t> </a:t>
-            </a:r>
-            <a:r>
-              <a:rPr lang="en-US" sz="2000" dirty="0"/>
-              <a:t>2 </a:t>
-            </a:r>
-            <a:r>
-              <a:rPr lang="en-US" sz="2000" dirty="0" smtClean="0"/>
-              <a:t>is officially in beta. </a:t>
-            </a:r>
-            <a:r>
-              <a:rPr lang="en-US" sz="2000" dirty="0"/>
-              <a:t>What does beta mean?</a:t>
-            </a:r>
-          </a:p>
-          <a:p>
-            <a:pPr marL="342900" indent="-342900" algn="l">
-              <a:buFont typeface="Arial"/>
-              <a:buChar char="•"/>
-            </a:pPr>
-            <a:r>
-              <a:rPr lang="en-US" sz="2000" dirty="0" smtClean="0"/>
-              <a:t>"</a:t>
-            </a:r>
-            <a:r>
-              <a:rPr lang="en-US" sz="2000" dirty="0"/>
-              <a:t>we're now confident that most developers can be successful building large applications"</a:t>
-            </a:r>
-          </a:p>
-          <a:p>
-            <a:pPr marL="342900" indent="-342900" algn="l">
-              <a:buFont typeface="Arial"/>
-              <a:buChar char="•"/>
-            </a:pPr>
-            <a:r>
-              <a:rPr lang="en-US" sz="2000" dirty="0" smtClean="0"/>
-              <a:t>A </a:t>
-            </a:r>
-            <a:r>
-              <a:rPr lang="en-US" sz="2000" dirty="0"/>
-              <a:t>platform is not just its code though, also its ecosystem</a:t>
-            </a:r>
-          </a:p>
-          <a:p>
-            <a:pPr marL="342900" indent="-342900" algn="l">
-              <a:buFont typeface="Arial"/>
-              <a:buChar char="•"/>
-            </a:pPr>
-            <a:r>
-              <a:rPr lang="en-US" sz="2000" dirty="0"/>
-              <a:t>  </a:t>
-            </a:r>
-            <a:r>
-              <a:rPr lang="en-US" sz="2000" dirty="0" smtClean="0"/>
-              <a:t>Tooling </a:t>
-            </a:r>
-            <a:r>
-              <a:rPr lang="en-US" sz="2000" dirty="0"/>
-              <a:t>&amp; 3rd party library support</a:t>
-            </a:r>
-          </a:p>
-          <a:p>
-            <a:pPr marL="342900" indent="-342900" algn="l">
-              <a:buFont typeface="Arial"/>
-              <a:buChar char="•"/>
-            </a:pPr>
-            <a:r>
-              <a:rPr lang="en-US" sz="2000" dirty="0"/>
-              <a:t>  </a:t>
-            </a:r>
-            <a:r>
-              <a:rPr lang="en-US" sz="2000" dirty="0" smtClean="0"/>
-              <a:t>Documentation</a:t>
-            </a:r>
-            <a:endParaRPr lang="en-US" sz="2000" dirty="0"/>
-          </a:p>
-          <a:p>
-            <a:pPr marL="342900" indent="-342900" algn="l">
-              <a:buFont typeface="Arial"/>
-              <a:buChar char="•"/>
-            </a:pPr>
-            <a:r>
-              <a:rPr lang="en-US" sz="2000" dirty="0"/>
-              <a:t>  </a:t>
-            </a:r>
-            <a:r>
-              <a:rPr lang="en-US" sz="2000" dirty="0" smtClean="0"/>
-              <a:t>Error </a:t>
-            </a:r>
-            <a:r>
-              <a:rPr lang="en-US" sz="2000" dirty="0"/>
-              <a:t>handling messages</a:t>
-            </a:r>
-          </a:p>
-          <a:p>
-            <a:pPr marL="342900" indent="-342900" algn="l">
-              <a:buFont typeface="Arial"/>
-              <a:buChar char="•"/>
-            </a:pPr>
-            <a:r>
-              <a:rPr lang="en-US" sz="2000" dirty="0"/>
-              <a:t>  </a:t>
-            </a:r>
-            <a:r>
-              <a:rPr lang="en-US" sz="2000" dirty="0" smtClean="0"/>
-              <a:t>Community </a:t>
-            </a:r>
-            <a:r>
-              <a:rPr lang="en-US" sz="2000" dirty="0"/>
-              <a:t>support</a:t>
-            </a:r>
-          </a:p>
-          <a:p>
-            <a:pPr marL="342900" indent="-342900" algn="l">
-              <a:buFont typeface="Arial"/>
-              <a:buChar char="•"/>
-            </a:pPr>
-            <a:r>
-              <a:rPr lang="en-US" sz="2000" dirty="0" smtClean="0"/>
-              <a:t>IMO, nG2 ecosystem is not mature yet</a:t>
+              <a:rPr lang="en-US" sz="2000" dirty="0" smtClean="0"/>
+              <a:t>More </a:t>
+            </a:r>
+            <a:r>
+              <a:rPr lang="en-US" sz="2000" dirty="0"/>
+              <a:t>like a reboot</a:t>
+            </a:r>
+          </a:p>
+          <a:p>
+            <a:pPr marL="342900" indent="-342900" algn="l">
+              <a:buFont typeface="Arial"/>
+              <a:buChar char="•"/>
+            </a:pPr>
+            <a:r>
+              <a:rPr lang="en-US" sz="2000" dirty="0" smtClean="0"/>
+              <a:t>The </a:t>
+            </a:r>
+            <a:r>
+              <a:rPr lang="en-US" sz="2000" dirty="0"/>
+              <a:t>central API is now Components</a:t>
+            </a:r>
+          </a:p>
+          <a:p>
+            <a:pPr marL="342900" indent="-342900" algn="l">
+              <a:buFont typeface="Arial"/>
+              <a:buChar char="•"/>
+            </a:pPr>
+            <a:r>
+              <a:rPr lang="en-US" sz="2000" dirty="0" smtClean="0"/>
+              <a:t>Components </a:t>
+            </a:r>
+            <a:r>
+              <a:rPr lang="en-US" sz="2000" dirty="0"/>
+              <a:t>are a type of Directive, those are still around</a:t>
+            </a:r>
+          </a:p>
+          <a:p>
+            <a:pPr marL="342900" indent="-342900" algn="l">
+              <a:buFont typeface="Arial"/>
+              <a:buChar char="•"/>
+            </a:pPr>
+            <a:r>
+              <a:rPr lang="en-US" sz="2000" dirty="0" smtClean="0"/>
+              <a:t>Providers </a:t>
+            </a:r>
+            <a:r>
+              <a:rPr lang="en-US" sz="2000" dirty="0"/>
+              <a:t>are still around, but their sugar/subtypes have been removed</a:t>
+            </a:r>
+          </a:p>
+          <a:p>
+            <a:pPr marL="342900" indent="-342900" algn="l">
+              <a:buFont typeface="Arial"/>
+              <a:buChar char="•"/>
+            </a:pPr>
+            <a:r>
+              <a:rPr lang="en-US" sz="2000" dirty="0" smtClean="0"/>
+              <a:t>Large </a:t>
+            </a:r>
+            <a:r>
+              <a:rPr lang="en-US" sz="2000" dirty="0"/>
+              <a:t>portions of the API have been removed:</a:t>
             </a:r>
           </a:p>
           <a:p>
@@ -8219,67 +8041,71 @@
               <a:buChar char="•"/>
             </a:pPr>
             <a:r>
+              <a:rPr lang="en-US" sz="1600" dirty="0" err="1" smtClean="0"/>
+              <a:t>angular.module</a:t>
+            </a:r>
+            <a:r>
+              <a:rPr lang="en-US" sz="1600" dirty="0"/>
+              <a:t>, scope, controllers, filters, </a:t>
+            </a:r>
+            <a:r>
+              <a:rPr lang="en-US" sz="1600" dirty="0" err="1"/>
+              <a:t>ng</a:t>
+            </a:r>
+            <a:r>
+              <a:rPr lang="en-US" sz="1600" dirty="0"/>
+              <a:t>-app</a:t>
+            </a:r>
+          </a:p>
+          <a:p>
+            <a:pPr marL="342900" indent="-342900" algn="l">
+              <a:buFont typeface="Arial"/>
+              <a:buChar char="•"/>
+            </a:pPr>
+            <a:r>
+              <a:rPr lang="en-US" sz="2000" dirty="0" smtClean="0"/>
+              <a:t>Greater </a:t>
+            </a:r>
+            <a:r>
+              <a:rPr lang="en-US" sz="2000" dirty="0"/>
+              <a:t>reliance on dependency injection</a:t>
+            </a:r>
+          </a:p>
+          <a:p>
+            <a:pPr marL="800100" lvl="1" indent="-342900" algn="l">
+              <a:buFont typeface="Arial"/>
+              <a:buChar char="•"/>
+            </a:pPr>
+            <a:r>
               <a:rPr lang="en-US" sz="1600" dirty="0" smtClean="0"/>
-              <a:t>Official </a:t>
+              <a:t>nG2 </a:t>
             </a:r>
             <a:r>
               <a:rPr lang="en-US" sz="1600" dirty="0"/>
-              <a:t>documentation is </a:t>
-            </a:r>
+              <a:t>only includes minimum functionality by default</a:t>
+            </a:r>
+          </a:p>
+          <a:p>
+            <a:pPr marL="800100" lvl="1" indent="-342900" algn="l">
+              <a:buFont typeface="Arial"/>
+              <a:buChar char="•"/>
+            </a:pPr>
             <a:r>
               <a:rPr lang="en-US" sz="1600" dirty="0" smtClean="0"/>
-              <a:t>intentionally complete</a:t>
-            </a:r>
-            <a:endParaRPr lang="is-IS" sz="400" dirty="0"/>
-          </a:p>
-          <a:p>
-            <a:pPr marL="800100" lvl="1" indent="-342900" algn="l">
-              <a:buFont typeface="Arial"/>
-              <a:buChar char="•"/>
-            </a:pPr>
-            <a:r>
-              <a:rPr lang="en-US" sz="1600" dirty="0" smtClean="0"/>
-              <a:t>Many syntax changes make older articles unreliable</a:t>
-            </a:r>
-          </a:p>
-          <a:p>
-            <a:pPr marL="800100" lvl="1" indent="-342900" algn="l">
-              <a:buFont typeface="Arial"/>
-              <a:buChar char="•"/>
-            </a:pPr>
-            <a:r>
-              <a:rPr lang="en-US" sz="1600" dirty="0" smtClean="0"/>
-              <a:t>TSC compilation issues</a:t>
-            </a:r>
-          </a:p>
-          <a:p>
-            <a:pPr marL="342900" indent="-342900" algn="l">
-              <a:buFont typeface="Arial"/>
-              <a:buChar char="•"/>
-            </a:pPr>
-            <a:r>
-              <a:rPr lang="en-US" sz="2000" dirty="0" smtClean="0"/>
-              <a:t>Proceed </a:t>
-            </a:r>
-            <a:r>
-              <a:rPr lang="en-US" sz="2000" dirty="0"/>
-              <a:t>with </a:t>
-            </a:r>
-            <a:r>
-              <a:rPr lang="en-US" sz="2000" dirty="0" smtClean="0"/>
-              <a:t>caution</a:t>
-            </a:r>
-          </a:p>
-          <a:p>
-            <a:pPr lvl="1" algn="l"/>
-            <a:endParaRPr lang="is-IS" sz="400" dirty="0"/>
+              <a:t>Gotcha</a:t>
+            </a:r>
+            <a:r>
+              <a:rPr lang="en-US" sz="1600" dirty="0"/>
+              <a:t>: common "undefined" or "not a function" errors when you forget an import</a:t>
+            </a:r>
+            <a:endParaRPr lang="is-IS" sz="800" dirty="0"/>
           </a:p>
         </p:txBody>
       </p:sp>
     </p:spTree>
     <p:extLst>
       <p:ext uri="{BB962C8B-B14F-4D97-AF65-F5344CB8AC3E}">
-        <p14:creationId xmlns:p14="http://schemas.microsoft.com/office/powerpoint/2010/main" val="1685966677"/>
+        <p14:creationId xmlns:p14="http://schemas.microsoft.com/office/powerpoint/2010/main" val="2746077353"/>
       </p:ext>
     </p:extLst>
   </p:cSld>
@@ -8334,8 +8160,12 @@
           <a:lstStyle/>
           <a:p>
             <a:r>
-              <a:rPr lang="en-US" dirty="0" err="1"/>
-              <a:t>TypeScript</a:t>
+              <a:rPr lang="en-US" dirty="0"/>
+              <a:t>Advantages </a:t>
+            </a:r>
+            <a:r>
+              <a:rPr lang="en-US" dirty="0" smtClean="0"/>
+              <a:t>gained</a:t>
             </a:r>
             <a:endParaRPr lang="en-US" dirty="0"/>
           </a:p>
@@ -8359,7 +8189,7 @@
         </p:spPr>
         <p:txBody>
           <a:bodyPr>
-            <a:normAutofit lnSpcReduction="10000"/>
+            <a:normAutofit/>
           </a:bodyPr>
           <a:lstStyle/>
           <a:p>
@@ -8369,238 +8199,76 @@
             </a:pPr>
             <a:r>
               <a:rPr lang="en-US" sz="2000" dirty="0" smtClean="0"/>
-              <a:t>From </a:t>
-            </a:r>
-            <a:r>
-              <a:rPr lang="en-US" sz="2000" dirty="0"/>
-              <a:t>Microsoft, a compiled superset of </a:t>
-            </a:r>
-            <a:r>
-              <a:rPr lang="en-US" sz="2000" dirty="0" err="1"/>
-              <a:t>Javascript</a:t>
-            </a:r>
-            <a:endParaRPr lang="en-US" sz="2000" dirty="0"/>
-          </a:p>
-          <a:p>
-            <a:pPr marL="342900" indent="-342900" algn="l">
-              <a:buFont typeface="Arial"/>
-              <a:buChar char="•"/>
-            </a:pPr>
-            <a:r>
-              <a:rPr lang="en-US" sz="2000" dirty="0" smtClean="0"/>
-              <a:t>All </a:t>
-            </a:r>
-            <a:r>
-              <a:rPr lang="en-US" sz="2000" dirty="0"/>
-              <a:t>valid JS is valid TS (theoretically - in practice often requires tweaking)</a:t>
-            </a:r>
-          </a:p>
-          <a:p>
-            <a:pPr marL="342900" indent="-342900" algn="l">
-              <a:buFont typeface="Arial"/>
-              <a:buChar char="•"/>
-            </a:pPr>
-            <a:r>
-              <a:rPr lang="en-US" sz="2000" dirty="0" smtClean="0"/>
-              <a:t>Adds </a:t>
-            </a:r>
-            <a:r>
-              <a:rPr lang="en-US" sz="2000" dirty="0"/>
-              <a:t>support for static typing</a:t>
-            </a:r>
-          </a:p>
-          <a:p>
-            <a:pPr marL="800100" lvl="1" indent="-342900" algn="l">
-              <a:buFont typeface="Arial"/>
-              <a:buChar char="•"/>
-            </a:pPr>
-            <a:r>
-              <a:rPr lang="en-US" sz="1600" dirty="0" smtClean="0"/>
-              <a:t>Specify </a:t>
-            </a:r>
-            <a:r>
-              <a:rPr lang="en-US" sz="1600" dirty="0"/>
-              <a:t>type when declaring </a:t>
-            </a:r>
-            <a:r>
-              <a:rPr lang="en-US" sz="1600" dirty="0" err="1"/>
-              <a:t>vars</a:t>
-            </a:r>
-            <a:r>
-              <a:rPr lang="en-US" sz="1600" dirty="0"/>
-              <a:t>, function arguments and return values, </a:t>
-            </a:r>
-            <a:r>
-              <a:rPr lang="en-US" sz="1600" dirty="0" err="1"/>
-              <a:t>etc</a:t>
-            </a:r>
-            <a:endParaRPr lang="en-US" sz="1600" dirty="0"/>
-          </a:p>
-          <a:p>
-            <a:pPr marL="800100" lvl="1" indent="-342900" algn="l">
-              <a:buFont typeface="Arial"/>
-              <a:buChar char="•"/>
-            </a:pPr>
-            <a:r>
-              <a:rPr lang="en-US" sz="1600" dirty="0" smtClean="0"/>
-              <a:t>Describe </a:t>
-            </a:r>
-            <a:r>
-              <a:rPr lang="en-US" sz="1600" dirty="0"/>
-              <a:t>custom types with a "declaration" file - describe interface</a:t>
-            </a:r>
-          </a:p>
-          <a:p>
-            <a:pPr marL="342900" indent="-342900" algn="l">
-              <a:buFont typeface="Arial"/>
-              <a:buChar char="•"/>
-            </a:pPr>
-            <a:r>
-              <a:rPr lang="en-US" sz="2000" dirty="0" smtClean="0"/>
-              <a:t>Adds </a:t>
-            </a:r>
-            <a:r>
-              <a:rPr lang="en-US" sz="2000" dirty="0"/>
-              <a:t>the common ES6 features</a:t>
-            </a:r>
-          </a:p>
-          <a:p>
-            <a:pPr marL="800100" lvl="1" indent="-342900" algn="l">
-              <a:buFont typeface="Arial"/>
-              <a:buChar char="•"/>
-            </a:pPr>
-            <a:r>
-              <a:rPr lang="en-US" sz="1600" dirty="0" smtClean="0"/>
-              <a:t>arrow </a:t>
-            </a:r>
-            <a:r>
-              <a:rPr lang="en-US" sz="1600" dirty="0"/>
-              <a:t>functions, classes, modules, let keyword, Map, Promise</a:t>
-            </a:r>
-          </a:p>
-          <a:p>
-            <a:pPr marL="800100" lvl="1" indent="-342900" algn="l">
-              <a:buFont typeface="Arial"/>
-              <a:buChar char="•"/>
-            </a:pPr>
-            <a:r>
-              <a:rPr lang="en-US" sz="1600" dirty="0" smtClean="0"/>
-              <a:t>Compatibility </a:t>
-            </a:r>
-            <a:r>
-              <a:rPr lang="en-US" sz="1600" dirty="0"/>
-              <a:t>table: http://</a:t>
-            </a:r>
-            <a:r>
-              <a:rPr lang="en-US" sz="1600" dirty="0" err="1"/>
-              <a:t>kangax.github.io</a:t>
-            </a:r>
-            <a:r>
-              <a:rPr lang="en-US" sz="1600" dirty="0"/>
-              <a:t>/</a:t>
-            </a:r>
-            <a:r>
-              <a:rPr lang="en-US" sz="1600" dirty="0" err="1"/>
-              <a:t>compat</a:t>
-            </a:r>
-            <a:r>
-              <a:rPr lang="en-US" sz="1600" dirty="0"/>
-              <a:t>-table/es6/</a:t>
-            </a:r>
-          </a:p>
-          <a:p>
-            <a:pPr marL="342900" indent="-342900" algn="l">
-              <a:buFont typeface="Arial"/>
-              <a:buChar char="•"/>
-            </a:pPr>
-            <a:r>
-              <a:rPr lang="en-US" sz="2000" dirty="0" smtClean="0"/>
-              <a:t>And </a:t>
-            </a:r>
-            <a:r>
-              <a:rPr lang="en-US" sz="2000" dirty="0"/>
-              <a:t>some unique features</a:t>
-            </a:r>
-          </a:p>
-          <a:p>
-            <a:pPr marL="800100" lvl="1" indent="-342900" algn="l">
-              <a:buFont typeface="Arial"/>
-              <a:buChar char="•"/>
-            </a:pPr>
-            <a:r>
-              <a:rPr lang="en-US" sz="1600" dirty="0" smtClean="0"/>
-              <a:t>@ </a:t>
-            </a:r>
-            <a:r>
-              <a:rPr lang="en-US" sz="1600" dirty="0"/>
-              <a:t>Decorator syntax (often referred to as annotation)</a:t>
-            </a:r>
-          </a:p>
-          <a:p>
-            <a:pPr marL="800100" lvl="1" indent="-342900" algn="l">
-              <a:buFont typeface="Arial"/>
-              <a:buChar char="•"/>
-            </a:pPr>
-            <a:r>
-              <a:rPr lang="en-US" sz="1600" dirty="0" smtClean="0"/>
-              <a:t>inline </a:t>
-            </a:r>
-            <a:r>
-              <a:rPr lang="en-US" sz="1600" dirty="0"/>
-              <a:t>variable type specification</a:t>
-            </a:r>
-          </a:p>
-          <a:p>
-            <a:pPr marL="342900" indent="-342900" algn="l">
-              <a:buFont typeface="Arial"/>
-              <a:buChar char="•"/>
-            </a:pPr>
-            <a:r>
-              <a:rPr lang="en-US" sz="2000" dirty="0" smtClean="0"/>
-              <a:t>Tutorial</a:t>
-            </a:r>
-            <a:r>
-              <a:rPr lang="en-US" sz="2000" dirty="0"/>
-              <a:t>: https://</a:t>
-            </a:r>
-            <a:r>
-              <a:rPr lang="en-US" sz="2000" dirty="0" err="1"/>
-              <a:t>johnpapa.net</a:t>
-            </a:r>
-            <a:r>
-              <a:rPr lang="en-US" sz="2000" dirty="0"/>
-              <a:t>/typescriptpost1/</a:t>
-            </a:r>
-          </a:p>
-          <a:p>
-            <a:pPr marL="342900" indent="-342900" algn="l">
-              <a:buFont typeface="Arial"/>
-              <a:buChar char="•"/>
-            </a:pPr>
-            <a:r>
-              <a:rPr lang="en-US" sz="2000" dirty="0" smtClean="0"/>
-              <a:t>Quick </a:t>
-            </a:r>
-            <a:r>
-              <a:rPr lang="en-US" sz="2000" dirty="0"/>
-              <a:t>syntax reference: https://</a:t>
-            </a:r>
-            <a:r>
-              <a:rPr lang="en-US" sz="2000" dirty="0" err="1"/>
-              <a:t>quizlet.com</a:t>
-            </a:r>
-            <a:r>
-              <a:rPr lang="en-US" sz="2000" dirty="0"/>
-              <a:t>/134674527/typescript-syntax-flash-cards/</a:t>
-            </a:r>
-            <a:endParaRPr lang="is-IS" sz="400" dirty="0"/>
+              <a:t>Smaller</a:t>
+            </a:r>
+            <a:r>
+              <a:rPr lang="en-US" sz="2000" dirty="0"/>
+              <a:t>, more consistent API</a:t>
+            </a:r>
+          </a:p>
+          <a:p>
+            <a:pPr marL="342900" indent="-342900" algn="l">
+              <a:buFont typeface="Arial"/>
+              <a:buChar char="•"/>
+            </a:pPr>
+            <a:r>
+              <a:rPr lang="en-US" sz="2000" dirty="0" smtClean="0"/>
+              <a:t>Greater </a:t>
+            </a:r>
+            <a:r>
+              <a:rPr lang="en-US" sz="2000" dirty="0"/>
+              <a:t>modularity/DI - import only what you need means smaller downloads</a:t>
+            </a:r>
+          </a:p>
+          <a:p>
+            <a:pPr marL="342900" indent="-342900" algn="l">
+              <a:buFont typeface="Arial"/>
+              <a:buChar char="•"/>
+            </a:pPr>
+            <a:r>
+              <a:rPr lang="en-US" sz="2000" dirty="0" smtClean="0"/>
+              <a:t>Greater </a:t>
+            </a:r>
+            <a:r>
+              <a:rPr lang="en-US" sz="2000" dirty="0"/>
+              <a:t>separation from DOM - testing, IDE support</a:t>
+            </a:r>
+          </a:p>
+          <a:p>
+            <a:pPr marL="342900" indent="-342900" algn="l">
+              <a:buFont typeface="Arial"/>
+              <a:buChar char="•"/>
+            </a:pPr>
+            <a:r>
+              <a:rPr lang="en-US" sz="2000" dirty="0" smtClean="0"/>
+              <a:t>Performance </a:t>
+            </a:r>
+            <a:r>
+              <a:rPr lang="en-US" sz="2000" dirty="0"/>
+              <a:t>speedups primarily due to jettisoning digest checking</a:t>
+            </a:r>
+          </a:p>
+          <a:p>
+            <a:pPr marL="342900" indent="-342900" algn="l">
+              <a:buFont typeface="Arial"/>
+              <a:buChar char="•"/>
+            </a:pPr>
+            <a:r>
+              <a:rPr lang="en-US" sz="2000" dirty="0" smtClean="0"/>
+              <a:t>Aligns </a:t>
+            </a:r>
+            <a:r>
+              <a:rPr lang="en-US" sz="2000" dirty="0"/>
+              <a:t>closer with the future of web components</a:t>
+            </a:r>
+            <a:endParaRPr lang="is-IS" sz="800" dirty="0"/>
           </a:p>
         </p:txBody>
       </p:sp>
     </p:spTree>
     <p:extLst>
       <p:ext uri="{BB962C8B-B14F-4D97-AF65-F5344CB8AC3E}">
-        <p14:creationId xmlns:p14="http://schemas.microsoft.com/office/powerpoint/2010/main" val="3737063361"/>
+        <p14:creationId xmlns:p14="http://schemas.microsoft.com/office/powerpoint/2010/main" val="3749434534"/>
       </p:ext>
     </p:extLst>
   </p:cSld>
@@ -8656,6 +8324,864 @@
           <a:p>
             <a:r>
               <a:rPr lang="en-US" dirty="0"/>
+              <a:t>A word of caution</a:t>
+            </a:r>
+          </a:p>
+        </p:txBody>
+      </p:sp>
+      <p:sp>
+        <p:nvSpPr>
+          <p:cNvPr id="3" name="Subtitle 2"/>
+          <p:cNvSpPr>
+            <a:spLocks noGrp="1"/>
+          </p:cNvSpPr>
+          <p:nvPr>
+            <p:ph type="subTitle" idx="1"/>
+          </p:nvPr>
+        </p:nvSpPr>
+        <p:spPr>
+          <a:xfrm>
+            <a:off x="454651" y="1630710"/>
+            <a:ext cx="8371875" cy="4609893"/>
+          </a:xfrm>
+        </p:spPr>
+        <p:txBody>
+          <a:bodyPr>
+            <a:normAutofit/>
+          </a:bodyPr>
+          <a:lstStyle/>
+          <a:p>
+            <a:pPr marL="342900" indent="-342900" algn="l">
+              <a:buFont typeface="Arial"/>
+              <a:buChar char="•"/>
+            </a:pPr>
+            <a:r>
+              <a:rPr lang="en-US" sz="2000" dirty="0" err="1" smtClean="0"/>
+              <a:t>nG</a:t>
+            </a:r>
+            <a:r>
+              <a:rPr lang="en-US" sz="2000" dirty="0" smtClean="0"/>
+              <a:t> </a:t>
+            </a:r>
+            <a:r>
+              <a:rPr lang="en-US" sz="2000" dirty="0"/>
+              <a:t>2 </a:t>
+            </a:r>
+            <a:r>
+              <a:rPr lang="en-US" sz="2000" dirty="0" smtClean="0"/>
+              <a:t>is officially in beta. </a:t>
+            </a:r>
+            <a:r>
+              <a:rPr lang="en-US" sz="2000" dirty="0"/>
+              <a:t>What does beta mean?</a:t>
+            </a:r>
+          </a:p>
+          <a:p>
+            <a:pPr marL="342900" indent="-342900" algn="l">
+              <a:buFont typeface="Arial"/>
+              <a:buChar char="•"/>
+            </a:pPr>
+            <a:r>
+              <a:rPr lang="en-US" sz="2000" dirty="0" smtClean="0"/>
+              <a:t>"</a:t>
+            </a:r>
+            <a:r>
+              <a:rPr lang="en-US" sz="2000" dirty="0"/>
+              <a:t>we're now confident that most developers can be successful building large applications"</a:t>
+            </a:r>
+          </a:p>
+          <a:p>
+            <a:pPr marL="342900" indent="-342900" algn="l">
+              <a:buFont typeface="Arial"/>
+              <a:buChar char="•"/>
+            </a:pPr>
+            <a:r>
+              <a:rPr lang="en-US" sz="2000" dirty="0" smtClean="0"/>
+              <a:t>A </a:t>
+            </a:r>
+            <a:r>
+              <a:rPr lang="en-US" sz="2000" dirty="0"/>
+              <a:t>platform is not just its code though, also its ecosystem</a:t>
+            </a:r>
+          </a:p>
+          <a:p>
+            <a:pPr marL="342900" indent="-342900" algn="l">
+              <a:buFont typeface="Arial"/>
+              <a:buChar char="•"/>
+            </a:pPr>
+            <a:r>
+              <a:rPr lang="en-US" sz="2000" dirty="0"/>
+              <a:t>  </a:t>
+            </a:r>
+            <a:r>
+              <a:rPr lang="en-US" sz="2000" dirty="0" smtClean="0"/>
+              <a:t>Tooling </a:t>
+            </a:r>
+            <a:r>
+              <a:rPr lang="en-US" sz="2000" dirty="0"/>
+              <a:t>&amp; 3rd party library support</a:t>
+            </a:r>
+          </a:p>
+          <a:p>
+            <a:pPr marL="342900" indent="-342900" algn="l">
+              <a:buFont typeface="Arial"/>
+              <a:buChar char="•"/>
+            </a:pPr>
+            <a:r>
+              <a:rPr lang="en-US" sz="2000" dirty="0"/>
+              <a:t>  </a:t>
+            </a:r>
+            <a:r>
+              <a:rPr lang="en-US" sz="2000" dirty="0" smtClean="0"/>
+              <a:t>Documentation</a:t>
+            </a:r>
+            <a:endParaRPr lang="en-US" sz="2000" dirty="0"/>
+          </a:p>
+          <a:p>
+            <a:pPr marL="342900" indent="-342900" algn="l">
+              <a:buFont typeface="Arial"/>
+              <a:buChar char="•"/>
+            </a:pPr>
+            <a:r>
+              <a:rPr lang="en-US" sz="2000" dirty="0"/>
+              <a:t>  </a:t>
+            </a:r>
+            <a:r>
+              <a:rPr lang="en-US" sz="2000" dirty="0" smtClean="0"/>
+              <a:t>Error </a:t>
+            </a:r>
+            <a:r>
+              <a:rPr lang="en-US" sz="2000" dirty="0"/>
+              <a:t>handling messages</a:t>
+            </a:r>
+          </a:p>
+          <a:p>
+            <a:pPr marL="342900" indent="-342900" algn="l">
+              <a:buFont typeface="Arial"/>
+              <a:buChar char="•"/>
+            </a:pPr>
+            <a:r>
+              <a:rPr lang="en-US" sz="2000" dirty="0"/>
+              <a:t>  </a:t>
+            </a:r>
+            <a:r>
+              <a:rPr lang="en-US" sz="2000" dirty="0" smtClean="0"/>
+              <a:t>Community </a:t>
+            </a:r>
+            <a:r>
+              <a:rPr lang="en-US" sz="2000" dirty="0"/>
+              <a:t>support</a:t>
+            </a:r>
+          </a:p>
+          <a:p>
+            <a:pPr marL="342900" indent="-342900" algn="l">
+              <a:buFont typeface="Arial"/>
+              <a:buChar char="•"/>
+            </a:pPr>
+            <a:r>
+              <a:rPr lang="en-US" sz="2000" dirty="0" smtClean="0"/>
+              <a:t>IMO, nG2 ecosystem is not mature yet</a:t>
+            </a:r>
+          </a:p>
+          <a:p>
+            <a:pPr marL="800100" lvl="1" indent="-342900" algn="l">
+              <a:buFont typeface="Arial"/>
+              <a:buChar char="•"/>
+            </a:pPr>
+            <a:r>
+              <a:rPr lang="en-US" sz="1600" dirty="0"/>
+              <a:t>Official documentation is </a:t>
+            </a:r>
+            <a:r>
+              <a:rPr lang="en-US" sz="1600" dirty="0" smtClean="0"/>
+              <a:t>intentionally complete</a:t>
+            </a:r>
+            <a:endParaRPr lang="is-IS" sz="400" dirty="0"/>
+          </a:p>
+          <a:p>
+            <a:pPr marL="800100" lvl="1" indent="-342900" algn="l">
+              <a:buFont typeface="Arial"/>
+              <a:buChar char="•"/>
+            </a:pPr>
+            <a:r>
+              <a:rPr lang="en-US" sz="1600" dirty="0" smtClean="0"/>
+              <a:t>Many syntax changes make older articles unreliable</a:t>
+            </a:r>
+          </a:p>
+          <a:p>
+            <a:pPr marL="800100" lvl="1" indent="-342900" algn="l">
+              <a:buFont typeface="Arial"/>
+              <a:buChar char="•"/>
+            </a:pPr>
+            <a:r>
+              <a:rPr lang="en-US" sz="1600" dirty="0" smtClean="0"/>
+              <a:t>TSC compilation issues</a:t>
+            </a:r>
+            <a:endParaRPr lang="is-IS" sz="400" dirty="0"/>
+          </a:p>
+        </p:txBody>
+      </p:sp>
+    </p:spTree>
+    <p:extLst>
+      <p:ext uri="{BB962C8B-B14F-4D97-AF65-F5344CB8AC3E}">
+        <p14:creationId xmlns:p14="http://schemas.microsoft.com/office/powerpoint/2010/main" val="1644634512"/>
+      </p:ext>
+    </p:extLst>
+  </p:cSld>
+  <p:clrMapOvr>
+    <a:masterClrMapping/>
+  </p:clrMapOvr>
+  <p:timing>
+    <p:tnLst>
+      <p:par>
+        <p:cTn xmlns:p14="http://schemas.microsoft.com/office/powerpoint/2010/main" id="1" dur="indefinite" restart="never" nodeType="tmRoot"/>
+      </p:par>
+    </p:tnLst>
+  </p:timing>
+</p:sld>
+</file>
+
+<file path=ppt/slides/slide34.xml><?xml version="1.0" encoding="utf-8"?>
+<p:sld xmlns:a="http://schemas.openxmlformats.org/drawingml/2006/main" xmlns:r="http://schemas.openxmlformats.org/officeDocument/2006/relationships" xmlns:p="http://schemas.openxmlformats.org/presentationml/2006/main">
+  <p:cSld>
+    <p:spTree>
+      <p:nvGrpSpPr>
+        <p:cNvPr id="1" name=""/>
+        <p:cNvGrpSpPr/>
+        <p:nvPr/>
+      </p:nvGrpSpPr>
+      <p:grpSpPr>
+        <a:xfrm>
+          <a:off x="0" y="0"/>
+          <a:ext cx="0" cy="0"/>
+          <a:chOff x="0" y="0"/>
+          <a:chExt cx="0" cy="0"/>
+        </a:xfrm>
+      </p:grpSpPr>
+      <p:sp>
+        <p:nvSpPr>
+          <p:cNvPr id="2" name="Title 1"/>
+          <p:cNvSpPr>
+            <a:spLocks noGrp="1"/>
+          </p:cNvSpPr>
+          <p:nvPr>
+            <p:ph type="ctrTitle"/>
+          </p:nvPr>
+        </p:nvSpPr>
+        <p:spPr>
+          <a:xfrm>
+            <a:off x="685800" y="160685"/>
+            <a:ext cx="7772400" cy="1470025"/>
+          </a:xfrm>
+        </p:spPr>
+        <p:txBody>
+          <a:bodyPr/>
+          <a:lstStyle/>
+          <a:p>
+            <a:r>
+              <a:rPr lang="en-US" dirty="0"/>
+              <a:t>A word of caution</a:t>
+            </a:r>
+          </a:p>
+        </p:txBody>
+      </p:sp>
+      <p:sp>
+        <p:nvSpPr>
+          <p:cNvPr id="3" name="Subtitle 2"/>
+          <p:cNvSpPr>
+            <a:spLocks noGrp="1"/>
+          </p:cNvSpPr>
+          <p:nvPr>
+            <p:ph type="subTitle" idx="1"/>
+          </p:nvPr>
+        </p:nvSpPr>
+        <p:spPr>
+          <a:xfrm>
+            <a:off x="454651" y="1630710"/>
+            <a:ext cx="8371875" cy="4609893"/>
+          </a:xfrm>
+        </p:spPr>
+        <p:txBody>
+          <a:bodyPr>
+            <a:normAutofit/>
+          </a:bodyPr>
+          <a:lstStyle/>
+          <a:p>
+            <a:pPr marL="342900" indent="-342900" algn="l">
+              <a:buFont typeface="Arial"/>
+              <a:buChar char="•"/>
+            </a:pPr>
+            <a:r>
+              <a:rPr lang="en-US" sz="2000" dirty="0" err="1" smtClean="0"/>
+              <a:t>nG</a:t>
+            </a:r>
+            <a:r>
+              <a:rPr lang="en-US" sz="2000" dirty="0" smtClean="0"/>
+              <a:t> </a:t>
+            </a:r>
+            <a:r>
+              <a:rPr lang="en-US" sz="2000" dirty="0"/>
+              <a:t>2 </a:t>
+            </a:r>
+            <a:r>
+              <a:rPr lang="en-US" sz="2000" dirty="0" smtClean="0"/>
+              <a:t>is officially in beta. </a:t>
+            </a:r>
+            <a:r>
+              <a:rPr lang="en-US" sz="2000" dirty="0"/>
+              <a:t>What does beta mean?</a:t>
+            </a:r>
+          </a:p>
+          <a:p>
+            <a:pPr marL="342900" indent="-342900" algn="l">
+              <a:buFont typeface="Arial"/>
+              <a:buChar char="•"/>
+            </a:pPr>
+            <a:r>
+              <a:rPr lang="en-US" sz="2000" dirty="0" smtClean="0"/>
+              <a:t>"</a:t>
+            </a:r>
+            <a:r>
+              <a:rPr lang="en-US" sz="2000" dirty="0"/>
+              <a:t>we're now confident that most developers can be successful building large applications"</a:t>
+            </a:r>
+          </a:p>
+          <a:p>
+            <a:pPr marL="342900" indent="-342900" algn="l">
+              <a:buFont typeface="Arial"/>
+              <a:buChar char="•"/>
+            </a:pPr>
+            <a:r>
+              <a:rPr lang="en-US" sz="2000" dirty="0" smtClean="0"/>
+              <a:t>A </a:t>
+            </a:r>
+            <a:r>
+              <a:rPr lang="en-US" sz="2000" dirty="0"/>
+              <a:t>platform is not just its code though, also its ecosystem</a:t>
+            </a:r>
+          </a:p>
+          <a:p>
+            <a:pPr marL="342900" indent="-342900" algn="l">
+              <a:buFont typeface="Arial"/>
+              <a:buChar char="•"/>
+            </a:pPr>
+            <a:r>
+              <a:rPr lang="en-US" sz="2000" dirty="0"/>
+              <a:t>  </a:t>
+            </a:r>
+            <a:r>
+              <a:rPr lang="en-US" sz="2000" dirty="0" smtClean="0"/>
+              <a:t>Tooling </a:t>
+            </a:r>
+            <a:r>
+              <a:rPr lang="en-US" sz="2000" dirty="0"/>
+              <a:t>&amp; 3rd party library support</a:t>
+            </a:r>
+          </a:p>
+          <a:p>
+            <a:pPr marL="342900" indent="-342900" algn="l">
+              <a:buFont typeface="Arial"/>
+              <a:buChar char="•"/>
+            </a:pPr>
+            <a:r>
+              <a:rPr lang="en-US" sz="2000" dirty="0"/>
+              <a:t>  </a:t>
+            </a:r>
+            <a:r>
+              <a:rPr lang="en-US" sz="2000" dirty="0" smtClean="0"/>
+              <a:t>Documentation</a:t>
+            </a:r>
+            <a:endParaRPr lang="en-US" sz="2000" dirty="0"/>
+          </a:p>
+          <a:p>
+            <a:pPr marL="342900" indent="-342900" algn="l">
+              <a:buFont typeface="Arial"/>
+              <a:buChar char="•"/>
+            </a:pPr>
+            <a:r>
+              <a:rPr lang="en-US" sz="2000" dirty="0"/>
+              <a:t>  </a:t>
+            </a:r>
+            <a:r>
+              <a:rPr lang="en-US" sz="2000" dirty="0" smtClean="0"/>
+              <a:t>Error </a:t>
+            </a:r>
+            <a:r>
+              <a:rPr lang="en-US" sz="2000" dirty="0"/>
+              <a:t>handling messages</a:t>
+            </a:r>
+          </a:p>
+          <a:p>
+            <a:pPr marL="342900" indent="-342900" algn="l">
+              <a:buFont typeface="Arial"/>
+              <a:buChar char="•"/>
+            </a:pPr>
+            <a:r>
+              <a:rPr lang="en-US" sz="2000" dirty="0"/>
+              <a:t>  </a:t>
+            </a:r>
+            <a:r>
+              <a:rPr lang="en-US" sz="2000" dirty="0" smtClean="0"/>
+              <a:t>Community </a:t>
+            </a:r>
+            <a:r>
+              <a:rPr lang="en-US" sz="2000" dirty="0"/>
+              <a:t>support</a:t>
+            </a:r>
+          </a:p>
+          <a:p>
+            <a:pPr marL="342900" indent="-342900" algn="l">
+              <a:buFont typeface="Arial"/>
+              <a:buChar char="•"/>
+            </a:pPr>
+            <a:r>
+              <a:rPr lang="en-US" sz="2000" dirty="0" smtClean="0"/>
+              <a:t>IMO, nG2 ecosystem is not mature yet</a:t>
+            </a:r>
+          </a:p>
+          <a:p>
+            <a:pPr marL="800100" lvl="1" indent="-342900" algn="l">
+              <a:buFont typeface="Arial"/>
+              <a:buChar char="•"/>
+            </a:pPr>
+            <a:r>
+              <a:rPr lang="en-US" sz="1600" dirty="0" smtClean="0"/>
+              <a:t>Official </a:t>
+            </a:r>
+            <a:r>
+              <a:rPr lang="en-US" sz="1600" dirty="0"/>
+              <a:t>documentation is </a:t>
+            </a:r>
+            <a:r>
+              <a:rPr lang="en-US" sz="1600" dirty="0" smtClean="0"/>
+              <a:t>intentionally complete</a:t>
+            </a:r>
+            <a:endParaRPr lang="is-IS" sz="400" dirty="0"/>
+          </a:p>
+          <a:p>
+            <a:pPr marL="800100" lvl="1" indent="-342900" algn="l">
+              <a:buFont typeface="Arial"/>
+              <a:buChar char="•"/>
+            </a:pPr>
+            <a:r>
+              <a:rPr lang="en-US" sz="1600" dirty="0" smtClean="0"/>
+              <a:t>Many syntax changes make older articles unreliable</a:t>
+            </a:r>
+          </a:p>
+          <a:p>
+            <a:pPr marL="800100" lvl="1" indent="-342900" algn="l">
+              <a:buFont typeface="Arial"/>
+              <a:buChar char="•"/>
+            </a:pPr>
+            <a:r>
+              <a:rPr lang="en-US" sz="1600" dirty="0" smtClean="0"/>
+              <a:t>TSC compilation issues</a:t>
+            </a:r>
+          </a:p>
+          <a:p>
+            <a:pPr marL="342900" indent="-342900" algn="l">
+              <a:buFont typeface="Arial"/>
+              <a:buChar char="•"/>
+            </a:pPr>
+            <a:r>
+              <a:rPr lang="en-US" sz="2000" dirty="0" smtClean="0"/>
+              <a:t>Proceed </a:t>
+            </a:r>
+            <a:r>
+              <a:rPr lang="en-US" sz="2000" dirty="0"/>
+              <a:t>with </a:t>
+            </a:r>
+            <a:r>
+              <a:rPr lang="en-US" sz="2000" dirty="0" smtClean="0"/>
+              <a:t>caution</a:t>
+            </a:r>
+          </a:p>
+          <a:p>
+            <a:pPr lvl="1" algn="l"/>
+            <a:endParaRPr lang="is-IS" sz="400" dirty="0"/>
+          </a:p>
+        </p:txBody>
+      </p:sp>
+    </p:spTree>
+    <p:extLst>
+      <p:ext uri="{BB962C8B-B14F-4D97-AF65-F5344CB8AC3E}">
+        <p14:creationId xmlns:p14="http://schemas.microsoft.com/office/powerpoint/2010/main" val="1685966677"/>
+      </p:ext>
+    </p:extLst>
+  </p:cSld>
+  <p:clrMapOvr>
+    <a:masterClrMapping/>
+  </p:clrMapOvr>
+  <p:timing>
+    <p:tnLst>
+      <p:par>
+        <p:cTn xmlns:p14="http://schemas.microsoft.com/office/powerpoint/2010/main" id="1" dur="indefinite" restart="never" nodeType="tmRoot"/>
+      </p:par>
+    </p:tnLst>
+  </p:timing>
+</p:sld>
+</file>
+
+<file path=ppt/slides/slide35.xml><?xml version="1.0" encoding="utf-8"?>
+<p:sld xmlns:a="http://schemas.openxmlformats.org/drawingml/2006/main" xmlns:r="http://schemas.openxmlformats.org/officeDocument/2006/relationships" xmlns:p="http://schemas.openxmlformats.org/presentationml/2006/main">
+  <p:cSld>
+    <p:spTree>
+      <p:nvGrpSpPr>
+        <p:cNvPr id="1" name=""/>
+        <p:cNvGrpSpPr/>
+        <p:nvPr/>
+      </p:nvGrpSpPr>
+      <p:grpSpPr>
+        <a:xfrm>
+          <a:off x="0" y="0"/>
+          <a:ext cx="0" cy="0"/>
+          <a:chOff x="0" y="0"/>
+          <a:chExt cx="0" cy="0"/>
+        </a:xfrm>
+      </p:grpSpPr>
+      <p:sp>
+        <p:nvSpPr>
+          <p:cNvPr id="2" name="Title 1"/>
+          <p:cNvSpPr>
+            <a:spLocks noGrp="1"/>
+          </p:cNvSpPr>
+          <p:nvPr>
+            <p:ph type="ctrTitle"/>
+          </p:nvPr>
+        </p:nvSpPr>
+        <p:spPr>
+          <a:xfrm>
+            <a:off x="685800" y="160685"/>
+            <a:ext cx="7772400" cy="1470025"/>
+          </a:xfrm>
+        </p:spPr>
+        <p:txBody>
+          <a:bodyPr/>
+          <a:lstStyle/>
+          <a:p>
+            <a:r>
+              <a:rPr lang="en-US" dirty="0" err="1"/>
+              <a:t>TypeScript</a:t>
+            </a:r>
+            <a:endParaRPr lang="en-US" dirty="0"/>
+          </a:p>
+        </p:txBody>
+      </p:sp>
+      <p:sp>
+        <p:nvSpPr>
+          <p:cNvPr id="3" name="Subtitle 2"/>
+          <p:cNvSpPr>
+            <a:spLocks noGrp="1"/>
+          </p:cNvSpPr>
+          <p:nvPr>
+            <p:ph type="subTitle" idx="1"/>
+          </p:nvPr>
+        </p:nvSpPr>
+        <p:spPr>
+          <a:xfrm>
+            <a:off x="454651" y="1630710"/>
+            <a:ext cx="8371875" cy="4609893"/>
+          </a:xfrm>
+        </p:spPr>
+        <p:txBody>
+          <a:bodyPr>
+            <a:normAutofit lnSpcReduction="10000"/>
+          </a:bodyPr>
+          <a:lstStyle/>
+          <a:p>
+            <a:pPr marL="342900" indent="-342900" algn="l">
+              <a:buFont typeface="Arial"/>
+              <a:buChar char="•"/>
+            </a:pPr>
+            <a:r>
+              <a:rPr lang="en-US" sz="2000" dirty="0" smtClean="0"/>
+              <a:t>From </a:t>
+            </a:r>
+            <a:r>
+              <a:rPr lang="en-US" sz="2000" dirty="0"/>
+              <a:t>Microsoft, a compiled superset of </a:t>
+            </a:r>
+            <a:r>
+              <a:rPr lang="en-US" sz="2000" dirty="0" err="1"/>
+              <a:t>Javascript</a:t>
+            </a:r>
+            <a:endParaRPr lang="en-US" sz="2000" dirty="0"/>
+          </a:p>
+          <a:p>
+            <a:pPr marL="342900" indent="-342900" algn="l">
+              <a:buFont typeface="Arial"/>
+              <a:buChar char="•"/>
+            </a:pPr>
+            <a:r>
+              <a:rPr lang="en-US" sz="2000" dirty="0" smtClean="0"/>
+              <a:t>All </a:t>
+            </a:r>
+            <a:r>
+              <a:rPr lang="en-US" sz="2000" dirty="0"/>
+              <a:t>valid JS is valid TS (theoretically - in practice often requires tweaking)</a:t>
+            </a:r>
+          </a:p>
+          <a:p>
+            <a:pPr marL="342900" indent="-342900" algn="l">
+              <a:buFont typeface="Arial"/>
+              <a:buChar char="•"/>
+            </a:pPr>
+            <a:r>
+              <a:rPr lang="en-US" sz="2000" dirty="0" smtClean="0"/>
+              <a:t>Adds </a:t>
+            </a:r>
+            <a:r>
+              <a:rPr lang="en-US" sz="2000" dirty="0"/>
+              <a:t>support for static typing</a:t>
+            </a:r>
+          </a:p>
+          <a:p>
+            <a:pPr marL="800100" lvl="1" indent="-342900" algn="l">
+              <a:buFont typeface="Arial"/>
+              <a:buChar char="•"/>
+            </a:pPr>
+            <a:r>
+              <a:rPr lang="en-US" sz="1600" dirty="0" smtClean="0"/>
+              <a:t>Specify </a:t>
+            </a:r>
+            <a:r>
+              <a:rPr lang="en-US" sz="1600" dirty="0"/>
+              <a:t>type when declaring </a:t>
+            </a:r>
+            <a:r>
+              <a:rPr lang="en-US" sz="1600" dirty="0" err="1"/>
+              <a:t>vars</a:t>
+            </a:r>
+            <a:r>
+              <a:rPr lang="en-US" sz="1600" dirty="0"/>
+              <a:t>, function arguments and return values, </a:t>
+            </a:r>
+            <a:r>
+              <a:rPr lang="en-US" sz="1600" dirty="0" err="1"/>
+              <a:t>etc</a:t>
+            </a:r>
+            <a:endParaRPr lang="en-US" sz="1600" dirty="0"/>
+          </a:p>
+          <a:p>
+            <a:pPr marL="800100" lvl="1" indent="-342900" algn="l">
+              <a:buFont typeface="Arial"/>
+              <a:buChar char="•"/>
+            </a:pPr>
+            <a:r>
+              <a:rPr lang="en-US" sz="1600" dirty="0" smtClean="0"/>
+              <a:t>Describe </a:t>
+            </a:r>
+            <a:r>
+              <a:rPr lang="en-US" sz="1600" dirty="0"/>
+              <a:t>custom types with a "declaration" file - describe interface</a:t>
+            </a:r>
+          </a:p>
+          <a:p>
+            <a:pPr marL="342900" indent="-342900" algn="l">
+              <a:buFont typeface="Arial"/>
+              <a:buChar char="•"/>
+            </a:pPr>
+            <a:r>
+              <a:rPr lang="en-US" sz="2000" dirty="0" smtClean="0"/>
+              <a:t>Adds </a:t>
+            </a:r>
+            <a:r>
+              <a:rPr lang="en-US" sz="2000" dirty="0"/>
+              <a:t>the common ES6 features</a:t>
+            </a:r>
+          </a:p>
+          <a:p>
+            <a:pPr marL="800100" lvl="1" indent="-342900" algn="l">
+              <a:buFont typeface="Arial"/>
+              <a:buChar char="•"/>
+            </a:pPr>
+            <a:r>
+              <a:rPr lang="en-US" sz="1600" dirty="0" smtClean="0"/>
+              <a:t>arrow </a:t>
+            </a:r>
+            <a:r>
+              <a:rPr lang="en-US" sz="1600" dirty="0"/>
+              <a:t>functions, classes, modules, let keyword, Map, Promise</a:t>
+            </a:r>
+          </a:p>
+          <a:p>
+            <a:pPr marL="800100" lvl="1" indent="-342900" algn="l">
+              <a:buFont typeface="Arial"/>
+              <a:buChar char="•"/>
+            </a:pPr>
+            <a:r>
+              <a:rPr lang="en-US" sz="1600" dirty="0" smtClean="0"/>
+              <a:t>Compatibility </a:t>
+            </a:r>
+            <a:r>
+              <a:rPr lang="en-US" sz="1600" dirty="0"/>
+              <a:t>table: http://</a:t>
+            </a:r>
+            <a:r>
+              <a:rPr lang="en-US" sz="1600" dirty="0" err="1"/>
+              <a:t>kangax.github.io</a:t>
+            </a:r>
+            <a:r>
+              <a:rPr lang="en-US" sz="1600" dirty="0"/>
+              <a:t>/</a:t>
+            </a:r>
+            <a:r>
+              <a:rPr lang="en-US" sz="1600" dirty="0" err="1"/>
+              <a:t>compat</a:t>
+            </a:r>
+            <a:r>
+              <a:rPr lang="en-US" sz="1600" dirty="0"/>
+              <a:t>-table/es6/</a:t>
+            </a:r>
+          </a:p>
+          <a:p>
+            <a:pPr marL="342900" indent="-342900" algn="l">
+              <a:buFont typeface="Arial"/>
+              <a:buChar char="•"/>
+            </a:pPr>
+            <a:r>
+              <a:rPr lang="en-US" sz="2000" dirty="0" smtClean="0"/>
+              <a:t>And </a:t>
+            </a:r>
+            <a:r>
+              <a:rPr lang="en-US" sz="2000" dirty="0"/>
+              <a:t>some unique features</a:t>
+            </a:r>
+          </a:p>
+          <a:p>
+            <a:pPr marL="800100" lvl="1" indent="-342900" algn="l">
+              <a:buFont typeface="Arial"/>
+              <a:buChar char="•"/>
+            </a:pPr>
+            <a:r>
+              <a:rPr lang="en-US" sz="1600" dirty="0" smtClean="0"/>
+              <a:t>@ </a:t>
+            </a:r>
+            <a:r>
+              <a:rPr lang="en-US" sz="1600" dirty="0"/>
+              <a:t>Decorator syntax (often referred to as annotation)</a:t>
+            </a:r>
+          </a:p>
+          <a:p>
+            <a:pPr marL="800100" lvl="1" indent="-342900" algn="l">
+              <a:buFont typeface="Arial"/>
+              <a:buChar char="•"/>
+            </a:pPr>
+            <a:r>
+              <a:rPr lang="en-US" sz="1600" dirty="0" smtClean="0"/>
+              <a:t>inline </a:t>
+            </a:r>
+            <a:r>
+              <a:rPr lang="en-US" sz="1600" dirty="0"/>
+              <a:t>variable type specification</a:t>
+            </a:r>
+          </a:p>
+          <a:p>
+            <a:pPr marL="342900" indent="-342900" algn="l">
+              <a:buFont typeface="Arial"/>
+              <a:buChar char="•"/>
+            </a:pPr>
+            <a:r>
+              <a:rPr lang="en-US" sz="2000" dirty="0" smtClean="0"/>
+              <a:t>Tutorial</a:t>
+            </a:r>
+            <a:r>
+              <a:rPr lang="en-US" sz="2000" dirty="0"/>
+              <a:t>: https://</a:t>
+            </a:r>
+            <a:r>
+              <a:rPr lang="en-US" sz="2000" dirty="0" err="1"/>
+              <a:t>johnpapa.net</a:t>
+            </a:r>
+            <a:r>
+              <a:rPr lang="en-US" sz="2000" dirty="0"/>
+              <a:t>/typescriptpost1/</a:t>
+            </a:r>
+          </a:p>
+          <a:p>
+            <a:pPr marL="342900" indent="-342900" algn="l">
+              <a:buFont typeface="Arial"/>
+              <a:buChar char="•"/>
+            </a:pPr>
+            <a:r>
+              <a:rPr lang="en-US" sz="2000" dirty="0" smtClean="0"/>
+              <a:t>Quick </a:t>
+            </a:r>
+            <a:r>
+              <a:rPr lang="en-US" sz="2000" dirty="0"/>
+              <a:t>syntax reference: https://</a:t>
+            </a:r>
+            <a:r>
+              <a:rPr lang="en-US" sz="2000" dirty="0" err="1"/>
+              <a:t>quizlet.com</a:t>
+            </a:r>
+            <a:r>
+              <a:rPr lang="en-US" sz="2000" dirty="0"/>
+              <a:t>/134674527/typescript-syntax-flash-cards/</a:t>
+            </a:r>
+            <a:endParaRPr lang="is-IS" sz="400" dirty="0"/>
+          </a:p>
+        </p:txBody>
+      </p:sp>
+    </p:spTree>
+    <p:extLst>
+      <p:ext uri="{BB962C8B-B14F-4D97-AF65-F5344CB8AC3E}">
+        <p14:creationId xmlns:p14="http://schemas.microsoft.com/office/powerpoint/2010/main" val="3737063361"/>
+      </p:ext>
+    </p:extLst>
+  </p:cSld>
+  <p:clrMapOvr>
+    <a:masterClrMapping/>
+  </p:clrMapOvr>
+  <p:timing>
+    <p:tnLst>
+      <p:par>
+        <p:cTn xmlns:p14="http://schemas.microsoft.com/office/powerpoint/2010/main" id="1" dur="indefinite" restart="never" nodeType="tmRoot"/>
+      </p:par>
+    </p:tnLst>
+  </p:timing>
+</p:sld>
+</file>
+
+<file path=ppt/slides/slide36.xml><?xml version="1.0" encoding="utf-8"?>
+<p:sld xmlns:a="http://schemas.openxmlformats.org/drawingml/2006/main" xmlns:r="http://schemas.openxmlformats.org/officeDocument/2006/relationships" xmlns:p="http://schemas.openxmlformats.org/presentationml/2006/main">
+  <p:cSld>
+    <p:spTree>
+      <p:nvGrpSpPr>
+        <p:cNvPr id="1" name=""/>
+        <p:cNvGrpSpPr/>
+        <p:nvPr/>
+      </p:nvGrpSpPr>
+      <p:grpSpPr>
+        <a:xfrm>
+          <a:off x="0" y="0"/>
+          <a:ext cx="0" cy="0"/>
+          <a:chOff x="0" y="0"/>
+          <a:chExt cx="0" cy="0"/>
+        </a:xfrm>
+      </p:grpSpPr>
+      <p:sp>
+        <p:nvSpPr>
+          <p:cNvPr id="2" name="Title 1"/>
+          <p:cNvSpPr>
+            <a:spLocks noGrp="1"/>
+          </p:cNvSpPr>
+          <p:nvPr>
+            <p:ph type="ctrTitle"/>
+          </p:nvPr>
+        </p:nvSpPr>
+        <p:spPr>
+          <a:xfrm>
+            <a:off x="685800" y="160685"/>
+            <a:ext cx="7772400" cy="1470025"/>
+          </a:xfrm>
+        </p:spPr>
+        <p:txBody>
+          <a:bodyPr/>
+          <a:lstStyle/>
+          <a:p>
+            <a:r>
+              <a:rPr lang="en-US" dirty="0"/>
               <a:t>Lab: Get started with Angular 2</a:t>
             </a:r>
           </a:p>
@@ -8853,7 +9379,7 @@
 </p:sld>
 </file>
 
-<file path=ppt/slides/slide34.xml><?xml version="1.0" encoding="utf-8"?>
+<file path=ppt/slides/slide37.xml><?xml version="1.0" encoding="utf-8"?>
 <p:sld xmlns:a="http://schemas.openxmlformats.org/drawingml/2006/main" xmlns:r="http://schemas.openxmlformats.org/officeDocument/2006/relationships" xmlns:p="http://schemas.openxmlformats.org/presentationml/2006/main">
   <p:cSld>
     <p:spTree>
@@ -9148,7 +9674,7 @@
           <a:p>
             <a:r>
               <a:rPr lang="en-US" dirty="0"/>
-              <a:t>Angular Scope</a:t>
+              <a:t>Controllers</a:t>
             </a:r>
           </a:p>
         </p:txBody>
@@ -9180,119 +9706,114 @@
               <a:buChar char="•"/>
             </a:pPr>
             <a:r>
+              <a:rPr lang="en-US" sz="2400" dirty="0"/>
+              <a:t>Controllers </a:t>
+            </a:r>
+            <a:r>
               <a:rPr lang="en-US" sz="2400" dirty="0" smtClean="0"/>
-              <a:t>Scope </a:t>
-            </a:r>
+              <a:t>should </a:t>
+            </a:r>
+            <a:r>
+              <a:rPr lang="en-US" sz="2400" dirty="0" smtClean="0"/>
+              <a:t>be </a:t>
+            </a:r>
+            <a:r>
+              <a:rPr lang="en-US" sz="2400" dirty="0" err="1" smtClean="0"/>
+              <a:t>ViewModel</a:t>
+            </a:r>
+            <a:r>
+              <a:rPr lang="en-US" sz="2400" dirty="0" smtClean="0"/>
+              <a:t> </a:t>
+            </a:r>
+            <a:r>
+              <a:rPr lang="en-US" sz="2400" dirty="0" smtClean="0"/>
+              <a:t>/ Binder</a:t>
+            </a:r>
+            <a:endParaRPr lang="en-US" sz="2400" dirty="0"/>
+          </a:p>
+          <a:p>
+            <a:pPr marL="800100" lvl="1" indent="-342900" algn="l">
+              <a:buFont typeface="Arial"/>
+              <a:buChar char="•"/>
+            </a:pPr>
+            <a:r>
+              <a:rPr lang="en-US" sz="2000" dirty="0" smtClean="0"/>
+              <a:t>Only </a:t>
+            </a:r>
+            <a:r>
+              <a:rPr lang="en-US" sz="2000" dirty="0"/>
+              <a:t>coordinate data flow between the </a:t>
+            </a:r>
+            <a:r>
+              <a:rPr lang="en-US" sz="2000" dirty="0" smtClean="0"/>
+              <a:t>model </a:t>
+            </a:r>
+            <a:r>
+              <a:rPr lang="en-US" sz="2000" dirty="0"/>
+              <a:t>and view</a:t>
+            </a:r>
+          </a:p>
+          <a:p>
+            <a:pPr marL="800100" lvl="1" indent="-342900" algn="l">
+              <a:buFont typeface="Arial"/>
+              <a:buChar char="•"/>
+            </a:pPr>
+            <a:r>
+              <a:rPr lang="en-US" sz="2000" dirty="0"/>
+              <a:t>More complex logic should live in a service</a:t>
+            </a:r>
+          </a:p>
+          <a:p>
+            <a:pPr marL="342900" indent="-342900" algn="l">
+              <a:buFont typeface="Arial"/>
+              <a:buChar char="•"/>
+            </a:pPr>
             <a:r>
               <a:rPr lang="en-US" sz="2400" dirty="0"/>
-              <a:t>is an object that refers to the application model</a:t>
-            </a:r>
-          </a:p>
-          <a:p>
-            <a:pPr marL="342900" indent="-342900" algn="l">
-              <a:buFont typeface="Arial"/>
-              <a:buChar char="•"/>
-            </a:pPr>
-            <a:r>
-              <a:rPr lang="en-US" sz="2400" dirty="0" smtClean="0"/>
-              <a:t>Provides </a:t>
-            </a:r>
-            <a:r>
-              <a:rPr lang="en-US" sz="2400" dirty="0"/>
-              <a:t>the execution context </a:t>
-            </a:r>
-            <a:r>
-              <a:rPr lang="en-US" sz="2400" dirty="0" smtClean="0"/>
-              <a:t>for template </a:t>
-            </a:r>
-            <a:r>
-              <a:rPr lang="en-US" sz="2400" dirty="0"/>
-              <a:t>expressions</a:t>
-            </a:r>
-          </a:p>
-          <a:p>
-            <a:pPr marL="342900" indent="-342900" algn="l">
-              <a:buFont typeface="Arial"/>
-              <a:buChar char="•"/>
-            </a:pPr>
-            <a:r>
-              <a:rPr lang="en-US" sz="2400" dirty="0" smtClean="0"/>
-              <a:t>Scope </a:t>
-            </a:r>
-            <a:r>
-              <a:rPr lang="en-US" sz="2400" dirty="0"/>
-              <a:t>can </a:t>
-            </a:r>
-            <a:endParaRPr lang="en-US" sz="2400" dirty="0" smtClean="0"/>
-          </a:p>
-          <a:p>
-            <a:pPr marL="800100" lvl="1" indent="-342900" algn="l">
-              <a:buFont typeface="Arial"/>
-              <a:buChar char="•"/>
-            </a:pPr>
-            <a:r>
-              <a:rPr lang="en-US" sz="2000" dirty="0" smtClean="0"/>
-              <a:t>observe </a:t>
-            </a:r>
-            <a:r>
-              <a:rPr lang="en-US" sz="2000" dirty="0"/>
-              <a:t>model mutations ($watch) </a:t>
-            </a:r>
-            <a:endParaRPr lang="en-US" sz="2000" dirty="0" smtClean="0"/>
-          </a:p>
-          <a:p>
-            <a:pPr marL="800100" lvl="1" indent="-342900" algn="l">
-              <a:buFont typeface="Arial"/>
-              <a:buChar char="•"/>
-            </a:pPr>
-            <a:r>
-              <a:rPr lang="en-US" sz="2000" dirty="0" smtClean="0"/>
-              <a:t>propagate </a:t>
-            </a:r>
-            <a:r>
-              <a:rPr lang="en-US" sz="2000" dirty="0"/>
-              <a:t>events ($apply)</a:t>
-            </a:r>
-          </a:p>
-          <a:p>
-            <a:pPr marL="342900" indent="-342900" algn="l">
-              <a:buFont typeface="Arial"/>
-              <a:buChar char="•"/>
-            </a:pPr>
-            <a:r>
-              <a:rPr lang="en-US" sz="2400" dirty="0" smtClean="0"/>
-              <a:t>Controllers </a:t>
-            </a:r>
-            <a:r>
-              <a:rPr lang="en-US" sz="2400" dirty="0"/>
-              <a:t>and directives modify scope, but not each other</a:t>
-            </a:r>
-          </a:p>
-          <a:p>
-            <a:pPr marL="342900" indent="-342900" algn="l">
-              <a:buFont typeface="Arial"/>
-              <a:buChar char="•"/>
-            </a:pPr>
-            <a:r>
-              <a:rPr lang="en-US" sz="2400" dirty="0" smtClean="0"/>
-              <a:t>Scopes </a:t>
-            </a:r>
-            <a:r>
-              <a:rPr lang="en-US" sz="2400" dirty="0"/>
-              <a:t>arranged in hierarchical structure mirroring the application </a:t>
+              <a:t>Controllers should never reference </a:t>
             </a:r>
             <a:r>
               <a:rPr lang="en-US" sz="2400" dirty="0" smtClean="0"/>
               <a:t>DOM</a:t>
             </a:r>
-            <a:endParaRPr lang="en-US" sz="2400" dirty="0"/>
+          </a:p>
+          <a:p>
+            <a:pPr marL="800100" lvl="1" indent="-342900" algn="l">
+              <a:buFont typeface="Arial"/>
+              <a:buChar char="•"/>
+            </a:pPr>
+            <a:r>
+              <a:rPr lang="en-US" sz="2000" dirty="0" smtClean="0"/>
+              <a:t>Directives have single responsibility for DOM mods</a:t>
+            </a:r>
+          </a:p>
+          <a:p>
+            <a:pPr marL="800100" lvl="1" indent="-342900" algn="l">
+              <a:buFont typeface="Arial"/>
+              <a:buChar char="•"/>
+            </a:pPr>
+            <a:r>
+              <a:rPr lang="en-US" sz="2000" dirty="0" smtClean="0"/>
+              <a:t>Also complicates testing</a:t>
+            </a:r>
+          </a:p>
+          <a:p>
+            <a:pPr marL="800100" lvl="1" indent="-342900" algn="l">
+              <a:buFont typeface="Arial"/>
+              <a:buChar char="•"/>
+            </a:pPr>
+            <a:r>
+              <a:rPr lang="en-US" sz="2000" dirty="0" smtClean="0"/>
+              <a:t>Directives and Controllers can communicate through scope</a:t>
+            </a:r>
+            <a:endParaRPr lang="en-US" sz="2000" dirty="0"/>
           </a:p>
         </p:txBody>
       </p:sp>
     </p:spTree>
     <p:extLst>
       <p:ext uri="{BB962C8B-B14F-4D97-AF65-F5344CB8AC3E}">
-        <p14:creationId xmlns:p14="http://schemas.microsoft.com/office/powerpoint/2010/main" val="137688822"/>
+        <p14:creationId xmlns:p14="http://schemas.microsoft.com/office/powerpoint/2010/main" val="1976960942"/>
       </p:ext>
     </p:extLst>
   </p:cSld>
@@ -9341,7 +9862,7 @@
           <a:p>
             <a:r>
               <a:rPr lang="en-US" dirty="0"/>
-              <a:t>Why scope?</a:t>
+              <a:t>Angular Scope</a:t>
             </a:r>
           </a:p>
         </p:txBody>
@@ -9374,87 +9895,110 @@
             </a:pPr>
             <a:r>
               <a:rPr lang="en-US" sz="2400" dirty="0" smtClean="0"/>
-              <a:t>Memory </a:t>
+              <a:t>Object </a:t>
             </a:r>
             <a:r>
               <a:rPr lang="en-US" sz="2400" dirty="0"/>
-              <a:t>management: </a:t>
-            </a:r>
+              <a:t>that </a:t>
+            </a:r>
+            <a:r>
+              <a:rPr lang="en-US" sz="2400" dirty="0" smtClean="0"/>
+              <a:t>represents a slice of the </a:t>
+            </a:r>
+            <a:r>
+              <a:rPr lang="en-US" sz="2400" dirty="0"/>
+              <a:t>application </a:t>
+            </a:r>
+            <a:r>
+              <a:rPr lang="en-US" sz="2400" dirty="0" smtClean="0"/>
+              <a:t>model</a:t>
+            </a:r>
+          </a:p>
+          <a:p>
+            <a:pPr marL="342900" indent="-342900" algn="l">
+              <a:buFont typeface="Arial"/>
+              <a:buChar char="•"/>
+            </a:pPr>
+            <a:r>
+              <a:rPr lang="en-US" sz="2400" dirty="0"/>
+              <a:t>Provides the execution context for evaluating expressions</a:t>
+            </a:r>
+          </a:p>
+          <a:p>
+            <a:pPr marL="342900" indent="-342900" algn="l">
+              <a:buFont typeface="Arial"/>
+              <a:buChar char="•"/>
+            </a:pPr>
+            <a:r>
+              <a:rPr lang="en-US" sz="2400" dirty="0" smtClean="0"/>
+              <a:t>Stores…</a:t>
+            </a:r>
+          </a:p>
+          <a:p>
+            <a:pPr marL="800100" lvl="1" indent="-342900" algn="l">
+              <a:buFont typeface="Arial"/>
+              <a:buChar char="•"/>
+            </a:pPr>
+            <a:r>
+              <a:rPr lang="en-US" sz="2000" dirty="0" smtClean="0"/>
+              <a:t>data (object properties) </a:t>
+            </a:r>
+          </a:p>
+          <a:p>
+            <a:pPr marL="800100" lvl="1" indent="-342900" algn="l">
+              <a:buFont typeface="Arial"/>
+              <a:buChar char="•"/>
+            </a:pPr>
+            <a:r>
+              <a:rPr lang="en-US" sz="2000" dirty="0" smtClean="0"/>
+              <a:t>behavior (methods)</a:t>
+            </a:r>
+            <a:endParaRPr lang="en-US" sz="2000" dirty="0"/>
+          </a:p>
+          <a:p>
+            <a:pPr marL="342900" indent="-342900" algn="l">
+              <a:buFont typeface="Arial"/>
+              <a:buChar char="•"/>
+            </a:pPr>
+            <a:r>
+              <a:rPr lang="en-US" sz="2400" dirty="0" smtClean="0"/>
+              <a:t>Can …</a:t>
+            </a:r>
+            <a:endParaRPr lang="en-US" sz="2400" dirty="0"/>
+          </a:p>
+          <a:p>
+            <a:pPr marL="800100" lvl="1" indent="-342900" algn="l">
+              <a:buFont typeface="Arial"/>
+              <a:buChar char="•"/>
+            </a:pPr>
+            <a:r>
+              <a:rPr lang="en-US" sz="2000" dirty="0"/>
+              <a:t>observe model mutations ($watch) </a:t>
+            </a:r>
+          </a:p>
+          <a:p>
+            <a:pPr marL="800100" lvl="1" indent="-342900" algn="l">
+              <a:buFont typeface="Arial"/>
+              <a:buChar char="•"/>
+            </a:pPr>
+            <a:r>
+              <a:rPr lang="en-US" sz="2000" dirty="0"/>
+              <a:t>propagate events ($apply)</a:t>
+            </a:r>
+          </a:p>
+          <a:p>
+            <a:pPr marL="342900" indent="-342900" algn="l">
+              <a:buFont typeface="Arial"/>
+              <a:buChar char="•"/>
+            </a:pPr>
             <a:endParaRPr lang="en-US" sz="2400" dirty="0" smtClean="0"/>
-          </a:p>
-          <a:p>
-            <a:pPr marL="800100" lvl="1" indent="-342900" algn="l">
-              <a:buFont typeface="Arial"/>
-              <a:buChar char="•"/>
-            </a:pPr>
-            <a:r>
-              <a:rPr lang="en-US" sz="2000" dirty="0" smtClean="0"/>
-              <a:t>when </a:t>
-            </a:r>
-            <a:r>
-              <a:rPr lang="en-US" sz="2000" dirty="0"/>
-              <a:t>DOM changes, scope </a:t>
-            </a:r>
-            <a:r>
-              <a:rPr lang="en-US" sz="2000" dirty="0" smtClean="0"/>
-              <a:t>changes, and vice versa</a:t>
-            </a:r>
-            <a:endParaRPr lang="en-US" sz="2000" dirty="0"/>
-          </a:p>
-          <a:p>
-            <a:pPr marL="800100" lvl="1" indent="-342900" algn="l">
-              <a:buFont typeface="Arial"/>
-              <a:buChar char="•"/>
-            </a:pPr>
-            <a:r>
-              <a:rPr lang="en-US" sz="2000" dirty="0" smtClean="0"/>
-              <a:t>Scope </a:t>
-            </a:r>
-            <a:r>
-              <a:rPr lang="en-US" sz="2000" dirty="0"/>
-              <a:t>handles set up and tear down of bindings and listeners</a:t>
-            </a:r>
-          </a:p>
-          <a:p>
-            <a:pPr marL="342900" indent="-342900" algn="l">
-              <a:buFont typeface="Arial"/>
-              <a:buChar char="•"/>
-            </a:pPr>
-            <a:r>
-              <a:rPr lang="en-US" sz="2400" dirty="0"/>
-              <a:t>Scopes can inherit, promoting </a:t>
-            </a:r>
-            <a:r>
-              <a:rPr lang="en-US" sz="2400" dirty="0" err="1"/>
-              <a:t>composability</a:t>
-            </a:r>
-            <a:endParaRPr lang="en-US" sz="2400" dirty="0"/>
-          </a:p>
-          <a:p>
-            <a:pPr marL="342900" indent="-342900" algn="l">
-              <a:buFont typeface="Arial"/>
-              <a:buChar char="•"/>
-            </a:pPr>
-            <a:r>
-              <a:rPr lang="en-US" sz="2400" dirty="0" smtClean="0"/>
-              <a:t>Separates </a:t>
-            </a:r>
-            <a:r>
-              <a:rPr lang="en-US" sz="2400" dirty="0"/>
-              <a:t>data model from application </a:t>
-            </a:r>
-            <a:r>
-              <a:rPr lang="en-US" sz="2400" dirty="0" smtClean="0"/>
-              <a:t>logic</a:t>
-            </a:r>
-            <a:endParaRPr lang="en-US" sz="2000" dirty="0"/>
           </a:p>
         </p:txBody>
       </p:sp>
     </p:spTree>
     <p:extLst>
       <p:ext uri="{BB962C8B-B14F-4D97-AF65-F5344CB8AC3E}">
-        <p14:creationId xmlns:p14="http://schemas.microsoft.com/office/powerpoint/2010/main" val="3477307116"/>
+        <p14:creationId xmlns:p14="http://schemas.microsoft.com/office/powerpoint/2010/main" val="137688822"/>
       </p:ext>
     </p:extLst>
   </p:cSld>
@@ -9503,7 +10047,7 @@
           <a:p>
             <a:r>
               <a:rPr lang="en-US" dirty="0"/>
-              <a:t>Scope inheritance</a:t>
+              <a:t>Angular Scope</a:t>
             </a:r>
           </a:p>
         </p:txBody>
@@ -9526,224 +10070,72 @@
         </p:spPr>
         <p:txBody>
           <a:bodyPr>
-            <a:normAutofit fontScale="85000" lnSpcReduction="10000"/>
+            <a:normAutofit/>
           </a:bodyPr>
           <a:lstStyle/>
           <a:p>
-            <a:pPr algn="l"/>
+            <a:pPr marL="342900" indent="-342900" algn="l">
+              <a:buFont typeface="Arial"/>
+              <a:buChar char="•"/>
+            </a:pPr>
+            <a:r>
+              <a:rPr lang="en-US" sz="2400" dirty="0"/>
+              <a:t>Module creates $</a:t>
+            </a:r>
+            <a:r>
+              <a:rPr lang="en-US" sz="2400" dirty="0" err="1"/>
+              <a:t>rootScope</a:t>
+            </a:r>
+            <a:r>
+              <a:rPr lang="en-US" sz="2400" dirty="0"/>
+              <a:t> at startup</a:t>
+            </a:r>
+          </a:p>
+          <a:p>
+            <a:pPr marL="342900" indent="-342900" algn="l">
+              <a:buFont typeface="Arial"/>
+              <a:buChar char="•"/>
+            </a:pPr>
+            <a:r>
+              <a:rPr lang="en-US" sz="2400" dirty="0"/>
+              <a:t>Get an instance via $scope in recipe function </a:t>
+            </a:r>
+          </a:p>
+          <a:p>
+            <a:pPr marL="342900" indent="-342900" algn="l">
+              <a:buFont typeface="Arial"/>
+              <a:buChar char="•"/>
+            </a:pPr>
+            <a:r>
+              <a:rPr lang="en-US" sz="2400" dirty="0"/>
+              <a:t>.controller( '</a:t>
+            </a:r>
+            <a:r>
+              <a:rPr lang="en-US" sz="2400" dirty="0" err="1"/>
+              <a:t>controllerName</a:t>
+            </a:r>
+            <a:r>
+              <a:rPr lang="en-US" sz="2400" dirty="0"/>
+              <a:t>', function( $scope ) {…})</a:t>
+            </a:r>
             <a:r>
               <a:rPr lang="en-US" sz="2400" dirty="0" smtClean="0"/>
-              <a:t>Four </a:t>
-            </a:r>
-            <a:r>
-              <a:rPr lang="en-US" sz="2400" dirty="0"/>
-              <a:t>types (plus none) of scope inheritance</a:t>
-            </a:r>
-          </a:p>
-          <a:p>
-            <a:pPr marL="457200" indent="-457200" algn="l">
-              <a:buFont typeface="+mj-lt"/>
-              <a:buAutoNum type="arabicPeriod"/>
-            </a:pPr>
-            <a:r>
-              <a:rPr lang="en-US" sz="2400" dirty="0" smtClean="0"/>
-              <a:t>None</a:t>
-            </a:r>
-            <a:r>
-              <a:rPr lang="en-US" sz="2400" dirty="0"/>
-              <a:t>: directives by default</a:t>
-            </a:r>
-          </a:p>
-          <a:p>
-            <a:pPr marL="914400" lvl="1" indent="-457200" algn="l">
-              <a:buFont typeface="Arial"/>
-              <a:buChar char="•"/>
-            </a:pPr>
-            <a:r>
-              <a:rPr lang="en-US" sz="2000" dirty="0" smtClean="0"/>
-              <a:t>Directive </a:t>
-            </a:r>
-            <a:r>
-              <a:rPr lang="en-US" sz="2000" dirty="0"/>
-              <a:t>accesses &amp; assigns values on parent scope directly.</a:t>
-            </a:r>
-          </a:p>
-          <a:p>
-            <a:pPr marL="457200" indent="-457200" algn="l">
-              <a:buFont typeface="+mj-lt"/>
-              <a:buAutoNum type="arabicPeriod"/>
-            </a:pPr>
-            <a:r>
-              <a:rPr lang="en-US" sz="2400" dirty="0" smtClean="0"/>
-              <a:t>Normal </a:t>
-            </a:r>
-            <a:r>
-              <a:rPr lang="en-US" sz="2400" dirty="0"/>
-              <a:t>prototypal: </a:t>
-            </a:r>
-            <a:r>
-              <a:rPr lang="en-US" sz="2400" dirty="0" err="1"/>
-              <a:t>ng</a:t>
-            </a:r>
-            <a:r>
-              <a:rPr lang="en-US" sz="2400" dirty="0"/>
-              <a:t>-controller, </a:t>
-            </a:r>
-            <a:r>
-              <a:rPr lang="en-US" sz="2400" dirty="0" err="1"/>
-              <a:t>ng</a:t>
-            </a:r>
-            <a:r>
-              <a:rPr lang="en-US" sz="2400" dirty="0"/>
-              <a:t>-include, </a:t>
-            </a:r>
-            <a:r>
-              <a:rPr lang="en-US" sz="2400" dirty="0" err="1"/>
-              <a:t>ng</a:t>
-            </a:r>
-            <a:r>
-              <a:rPr lang="en-US" sz="2400" dirty="0"/>
-              <a:t>-switch, directive with option </a:t>
-            </a:r>
-            <a:r>
-              <a:rPr lang="en-US" sz="2400" dirty="0" err="1"/>
-              <a:t>scope:true</a:t>
-            </a:r>
+              <a:t>;</a:t>
+            </a:r>
+          </a:p>
+          <a:p>
+            <a:pPr marL="342900" indent="-342900" algn="l">
+              <a:buFont typeface="Arial"/>
+              <a:buChar char="•"/>
+            </a:pPr>
             <a:endParaRPr lang="en-US" sz="2400" dirty="0"/>
-          </a:p>
-          <a:p>
-            <a:pPr marL="914400" lvl="1" indent="-457200" algn="l">
-              <a:buFont typeface="Arial"/>
-              <a:buChar char="•"/>
-            </a:pPr>
-            <a:r>
-              <a:rPr lang="en-US" sz="2000" dirty="0" smtClean="0"/>
-              <a:t>Tries </a:t>
-            </a:r>
-            <a:r>
-              <a:rPr lang="en-US" sz="2000" dirty="0"/>
-              <a:t>to look up properties on child, followed by parent; assigns properties on child.</a:t>
-            </a:r>
-          </a:p>
-          <a:p>
-            <a:pPr marL="457200" indent="-457200" algn="l">
-              <a:buFont typeface="+mj-lt"/>
-              <a:buAutoNum type="arabicPeriod"/>
-            </a:pPr>
-            <a:r>
-              <a:rPr lang="en-US" sz="2400" dirty="0" smtClean="0"/>
-              <a:t>Normal </a:t>
-            </a:r>
-            <a:r>
-              <a:rPr lang="en-US" sz="2400" dirty="0"/>
-              <a:t>prototypal plus copy/assignment: </a:t>
-            </a:r>
-            <a:r>
-              <a:rPr lang="en-US" sz="2400" dirty="0" err="1"/>
-              <a:t>ng</a:t>
-            </a:r>
-            <a:r>
-              <a:rPr lang="en-US" sz="2400" dirty="0"/>
-              <a:t>-repeat</a:t>
-            </a:r>
-          </a:p>
-          <a:p>
-            <a:pPr marL="800100" lvl="1" indent="-342900" algn="l">
-              <a:buFont typeface="Arial"/>
-              <a:buChar char="•"/>
-            </a:pPr>
-            <a:r>
-              <a:rPr lang="en-US" sz="2000" dirty="0" smtClean="0"/>
-              <a:t>Each </a:t>
-            </a:r>
-            <a:r>
-              <a:rPr lang="en-US" sz="2000" dirty="0"/>
-              <a:t>iteration of </a:t>
-            </a:r>
-            <a:r>
-              <a:rPr lang="en-US" sz="2000" dirty="0" err="1"/>
-              <a:t>ng</a:t>
-            </a:r>
-            <a:r>
-              <a:rPr lang="en-US" sz="2000" dirty="0"/>
-              <a:t>-repeat creates a new child scope, which also gets a property with alias name.</a:t>
-            </a:r>
-          </a:p>
-          <a:p>
-            <a:pPr marL="457200" indent="-457200" algn="l">
-              <a:buFont typeface="+mj-lt"/>
-              <a:buAutoNum type="arabicPeriod"/>
-            </a:pPr>
-            <a:r>
-              <a:rPr lang="en-US" sz="2400" dirty="0" smtClean="0"/>
-              <a:t>Isolate </a:t>
-            </a:r>
-            <a:r>
-              <a:rPr lang="en-US" sz="2400" dirty="0"/>
-              <a:t>scope: directive with option scope:{}</a:t>
-            </a:r>
-          </a:p>
-          <a:p>
-            <a:pPr marL="914400" lvl="1" indent="-457200" algn="l">
-              <a:buFont typeface="Arial"/>
-              <a:buChar char="•"/>
-            </a:pPr>
-            <a:r>
-              <a:rPr lang="en-US" sz="2000" dirty="0" smtClean="0"/>
-              <a:t>Object </a:t>
-            </a:r>
-            <a:r>
-              <a:rPr lang="en-US" sz="2000" dirty="0"/>
-              <a:t>literal creates "blank", non-inherited scope. Reference to parent scope is still available.</a:t>
-            </a:r>
-          </a:p>
-          <a:p>
-            <a:pPr marL="457200" indent="-457200" algn="l">
-              <a:buFont typeface="+mj-lt"/>
-              <a:buAutoNum type="arabicPeriod"/>
-            </a:pPr>
-            <a:r>
-              <a:rPr lang="en-US" sz="2400" dirty="0" err="1" smtClean="0"/>
-              <a:t>Transcluded</a:t>
-            </a:r>
-            <a:r>
-              <a:rPr lang="en-US" sz="2400" dirty="0" smtClean="0"/>
-              <a:t> </a:t>
-            </a:r>
-            <a:r>
-              <a:rPr lang="en-US" sz="2400" dirty="0"/>
-              <a:t>scope: directive with option </a:t>
-            </a:r>
-            <a:r>
-              <a:rPr lang="en-US" sz="2400" dirty="0" err="1"/>
-              <a:t>transclude:true</a:t>
-            </a:r>
-            <a:endParaRPr lang="en-US" sz="2400" dirty="0"/>
-          </a:p>
-          <a:p>
-            <a:pPr marL="914400" lvl="1" indent="-457200" algn="l">
-              <a:buFont typeface="Arial"/>
-              <a:buChar char="•"/>
-            </a:pPr>
-            <a:r>
-              <a:rPr lang="en-US" sz="2000" dirty="0" smtClean="0"/>
-              <a:t>Normal</a:t>
-            </a:r>
-            <a:r>
-              <a:rPr lang="en-US" sz="2100" dirty="0" smtClean="0"/>
-              <a:t> </a:t>
-            </a:r>
-            <a:r>
-              <a:rPr lang="en-US" sz="2100" dirty="0"/>
-              <a:t>prototypal scope inheritance, but also a sibling of any isolate scope.</a:t>
-            </a:r>
           </a:p>
         </p:txBody>
       </p:sp>
     </p:spTree>
     <p:extLst>
       <p:ext uri="{BB962C8B-B14F-4D97-AF65-F5344CB8AC3E}">
-        <p14:creationId xmlns:p14="http://schemas.microsoft.com/office/powerpoint/2010/main" val="2976463418"/>
+        <p14:creationId xmlns:p14="http://schemas.microsoft.com/office/powerpoint/2010/main" val="1790954597"/>
       </p:ext>
     </p:extLst>
   </p:cSld>
@@ -9791,20 +10183,8 @@
           <a:lstStyle/>
           <a:p>
             <a:r>
-              <a:rPr lang="en-US" dirty="0" err="1"/>
-              <a:t>ControllerAs</a:t>
-            </a:r>
-            <a:r>
               <a:rPr lang="en-US" dirty="0"/>
-              <a:t> syntax (</a:t>
-            </a:r>
-            <a:r>
-              <a:rPr lang="en-US" dirty="0" err="1"/>
-              <a:t>nG</a:t>
-            </a:r>
-            <a:r>
-              <a:rPr lang="en-US" dirty="0"/>
-              <a:t> 1.2+)</a:t>
+              <a:t>Why scope?</a:t>
             </a:r>
           </a:p>
         </p:txBody>
@@ -9827,7 +10207,7 @@
         </p:spPr>
         <p:txBody>
           <a:bodyPr>
-            <a:normAutofit fontScale="92500" lnSpcReduction="10000"/>
+            <a:normAutofit/>
           </a:bodyPr>
           <a:lstStyle/>
           <a:p>
@@ -9836,418 +10216,88 @@
               <a:buChar char="•"/>
             </a:pPr>
             <a:r>
-              <a:rPr lang="nl-NL" sz="2000" dirty="0"/>
-              <a:t>Template </a:t>
-            </a:r>
-            <a:r>
-              <a:rPr lang="nl-NL" sz="2000" dirty="0" err="1"/>
-              <a:t>value</a:t>
-            </a:r>
-            <a:r>
-              <a:rPr lang="nl-NL" sz="2000" dirty="0"/>
-              <a:t> </a:t>
-            </a:r>
-            <a:r>
-              <a:rPr lang="nl-NL" sz="2000" dirty="0" err="1" smtClean="0"/>
-              <a:t>coupled</a:t>
-            </a:r>
-            <a:r>
-              <a:rPr lang="nl-NL" sz="2000" dirty="0" smtClean="0"/>
-              <a:t> </a:t>
-            </a:r>
-            <a:r>
-              <a:rPr lang="nl-NL" sz="2000" dirty="0" err="1"/>
-              <a:t>to</a:t>
-            </a:r>
-            <a:r>
-              <a:rPr lang="nl-NL" sz="2000" dirty="0"/>
-              <a:t> DOM placement ($</a:t>
-            </a:r>
-            <a:r>
-              <a:rPr lang="nl-NL" sz="2000" dirty="0" err="1"/>
-              <a:t>parent</a:t>
-            </a:r>
-            <a:r>
-              <a:rPr lang="nl-NL" sz="2000" dirty="0"/>
-              <a:t>) - </a:t>
-            </a:r>
-            <a:r>
-              <a:rPr lang="nl-NL" sz="2000" dirty="0" err="1"/>
-              <a:t>not</a:t>
-            </a:r>
-            <a:r>
-              <a:rPr lang="nl-NL" sz="2000" dirty="0"/>
-              <a:t> </a:t>
-            </a:r>
-            <a:r>
-              <a:rPr lang="nl-NL" sz="2000" dirty="0" err="1"/>
-              <a:t>moveable</a:t>
-            </a:r>
-            <a:endParaRPr lang="nl-NL" sz="2000" dirty="0"/>
-          </a:p>
-          <a:p>
-            <a:pPr lvl="1" algn="l"/>
-            <a:r>
-              <a:rPr lang="en-US" sz="1600" dirty="0" smtClean="0"/>
-              <a:t>&lt;</a:t>
-            </a:r>
-            <a:r>
-              <a:rPr lang="en-US" sz="1600" dirty="0"/>
-              <a:t>div </a:t>
-            </a:r>
-            <a:r>
-              <a:rPr lang="en-US" sz="1600" dirty="0" err="1"/>
-              <a:t>ng</a:t>
-            </a:r>
-            <a:r>
-              <a:rPr lang="en-US" sz="1600" dirty="0"/>
-              <a:t>-controller="</a:t>
-            </a:r>
-            <a:r>
-              <a:rPr lang="en-US" sz="1600" dirty="0" err="1"/>
-              <a:t>ControllerOne</a:t>
-            </a:r>
-            <a:r>
-              <a:rPr lang="en-US" sz="1600" dirty="0"/>
-              <a:t>"&gt;</a:t>
-            </a:r>
-          </a:p>
-          <a:p>
-            <a:pPr lvl="1" algn="l"/>
-            <a:r>
-              <a:rPr lang="nl-NL" sz="1600" dirty="0" smtClean="0"/>
-              <a:t>  {</a:t>
-            </a:r>
-            <a:r>
-              <a:rPr lang="nl-NL" sz="1600" dirty="0"/>
-              <a:t>{</a:t>
-            </a:r>
-            <a:r>
-              <a:rPr lang="nl-NL" sz="1600" dirty="0" err="1"/>
-              <a:t>foo</a:t>
-            </a:r>
-            <a:r>
-              <a:rPr lang="nl-NL" sz="1600" dirty="0"/>
-              <a:t>}</a:t>
-            </a:r>
-            <a:r>
-              <a:rPr lang="nl-NL" sz="1600" dirty="0" smtClean="0"/>
-              <a:t>}</a:t>
-            </a:r>
-            <a:endParaRPr lang="nl-NL" sz="1600" dirty="0"/>
-          </a:p>
-          <a:p>
-            <a:pPr lvl="1" algn="l"/>
-            <a:r>
-              <a:rPr lang="nl-NL" sz="1600" dirty="0" smtClean="0"/>
-              <a:t>&lt;</a:t>
-            </a:r>
-            <a:r>
-              <a:rPr lang="nl-NL" sz="1600" dirty="0"/>
-              <a:t>div </a:t>
-            </a:r>
-            <a:r>
-              <a:rPr lang="nl-NL" sz="1600" dirty="0" err="1"/>
-              <a:t>ng</a:t>
-            </a:r>
-            <a:r>
-              <a:rPr lang="nl-NL" sz="1600" dirty="0"/>
-              <a:t>-controller="</a:t>
-            </a:r>
-            <a:r>
-              <a:rPr lang="nl-NL" sz="1600" dirty="0" err="1"/>
-              <a:t>ControllerTwo</a:t>
-            </a:r>
-            <a:r>
-              <a:rPr lang="nl-NL" sz="1600" dirty="0"/>
-              <a:t>"&gt;</a:t>
-            </a:r>
-          </a:p>
-          <a:p>
-            <a:pPr lvl="1" algn="l"/>
-            <a:r>
-              <a:rPr lang="nl-NL" sz="1600" dirty="0" smtClean="0"/>
-              <a:t>   {</a:t>
-            </a:r>
-            <a:r>
-              <a:rPr lang="nl-NL" sz="1600" dirty="0"/>
-              <a:t>{</a:t>
-            </a:r>
-            <a:r>
-              <a:rPr lang="nl-NL" sz="1600" dirty="0" err="1"/>
-              <a:t>foo</a:t>
-            </a:r>
-            <a:r>
-              <a:rPr lang="nl-NL" sz="1600" dirty="0"/>
-              <a:t>}}</a:t>
-            </a:r>
-          </a:p>
-          <a:p>
-            <a:pPr lvl="1" algn="l"/>
-            <a:r>
-              <a:rPr lang="nl-NL" sz="1600" dirty="0" smtClean="0"/>
-              <a:t>  {</a:t>
-            </a:r>
-            <a:r>
-              <a:rPr lang="nl-NL" sz="1600" dirty="0"/>
-              <a:t>{$</a:t>
-            </a:r>
-            <a:r>
-              <a:rPr lang="nl-NL" sz="1600" dirty="0" err="1"/>
-              <a:t>parent.foo</a:t>
-            </a:r>
-            <a:r>
-              <a:rPr lang="nl-NL" sz="1600" dirty="0"/>
-              <a:t>}}</a:t>
-            </a:r>
-          </a:p>
-          <a:p>
-            <a:pPr marL="342900" indent="-342900" algn="l">
-              <a:buFont typeface="Arial"/>
-              <a:buChar char="•"/>
-            </a:pPr>
-            <a:r>
-              <a:rPr lang="nl-NL" sz="2000" dirty="0" smtClean="0"/>
-              <a:t>Template </a:t>
-            </a:r>
-            <a:r>
-              <a:rPr lang="nl-NL" sz="2000" dirty="0" err="1" smtClean="0"/>
-              <a:t>decoupled</a:t>
-            </a:r>
-            <a:r>
-              <a:rPr lang="nl-NL" sz="2000" dirty="0" smtClean="0"/>
-              <a:t> - </a:t>
-            </a:r>
-            <a:r>
-              <a:rPr lang="nl-NL" sz="2000" dirty="0" err="1" smtClean="0"/>
-              <a:t>moveable</a:t>
-            </a:r>
-            <a:endParaRPr lang="nl-NL" sz="2000" dirty="0" smtClean="0"/>
-          </a:p>
-          <a:p>
-            <a:pPr lvl="1" algn="l"/>
-            <a:r>
-              <a:rPr lang="nl-NL" sz="1600" dirty="0" smtClean="0"/>
-              <a:t>  &lt;div </a:t>
-            </a:r>
-            <a:r>
-              <a:rPr lang="nl-NL" sz="1600" dirty="0" err="1" smtClean="0"/>
-              <a:t>ng</a:t>
-            </a:r>
-            <a:r>
-              <a:rPr lang="nl-NL" sz="1600" dirty="0" smtClean="0"/>
-              <a:t>-controller="</a:t>
-            </a:r>
-            <a:r>
-              <a:rPr lang="nl-NL" sz="1600" dirty="0" err="1" smtClean="0"/>
-              <a:t>ControllerOne</a:t>
-            </a:r>
-            <a:r>
-              <a:rPr lang="nl-NL" sz="1600" dirty="0" smtClean="0"/>
-              <a:t> as ctrl1"&gt;</a:t>
-            </a:r>
-          </a:p>
-          <a:p>
-            <a:pPr lvl="1" algn="l"/>
-            <a:r>
-              <a:rPr lang="nl-NL" sz="1600" dirty="0" smtClean="0"/>
-              <a:t>    {</a:t>
-            </a:r>
-            <a:r>
-              <a:rPr lang="nl-NL" sz="1600" dirty="0"/>
-              <a:t>{ctrl1.foo}}</a:t>
-            </a:r>
-          </a:p>
-          <a:p>
-            <a:pPr algn="l"/>
-            <a:r>
-              <a:rPr lang="nl-NL" sz="1600" dirty="0"/>
-              <a:t>          &lt;div </a:t>
-            </a:r>
-            <a:r>
-              <a:rPr lang="nl-NL" sz="1600" dirty="0" err="1"/>
-              <a:t>ng</a:t>
-            </a:r>
-            <a:r>
-              <a:rPr lang="nl-NL" sz="1600" dirty="0"/>
-              <a:t>-</a:t>
-            </a:r>
-            <a:r>
-              <a:rPr lang="nl-NL" sz="1600" dirty="0" smtClean="0"/>
-              <a:t>controller</a:t>
-            </a:r>
-            <a:r>
-              <a:rPr lang="nl-NL" sz="1600" dirty="0"/>
-              <a:t>="</a:t>
-            </a:r>
-            <a:r>
-              <a:rPr lang="nl-NL" sz="1600" dirty="0" err="1"/>
-              <a:t>ControllerTwo</a:t>
-            </a:r>
-            <a:r>
-              <a:rPr lang="nl-NL" sz="1600" dirty="0"/>
-              <a:t> as ctrl2"&gt;</a:t>
-            </a:r>
-          </a:p>
-          <a:p>
-            <a:pPr lvl="1" algn="l"/>
-            <a:r>
-              <a:rPr lang="nl-NL" sz="1600" dirty="0"/>
-              <a:t>   </a:t>
-            </a:r>
-            <a:r>
-              <a:rPr lang="nl-NL" sz="1600" dirty="0" smtClean="0"/>
-              <a:t>  {</a:t>
-            </a:r>
-            <a:r>
-              <a:rPr lang="nl-NL" sz="1600" dirty="0"/>
-              <a:t>{ctrl2.foo}}</a:t>
-            </a:r>
-          </a:p>
-          <a:p>
-            <a:pPr lvl="1" algn="l"/>
-            <a:r>
-              <a:rPr lang="nl-NL" sz="1600" dirty="0"/>
-              <a:t>     </a:t>
-            </a:r>
-            <a:r>
-              <a:rPr lang="nl-NL" sz="1600" dirty="0" smtClean="0"/>
-              <a:t>{</a:t>
-            </a:r>
-            <a:r>
-              <a:rPr lang="nl-NL" sz="1600" dirty="0"/>
-              <a:t>{ctrl1.foo}}</a:t>
-            </a:r>
-          </a:p>
-          <a:p>
-            <a:pPr marL="342900" indent="-342900" algn="l">
-              <a:buFont typeface="Arial"/>
-              <a:buChar char="•"/>
-            </a:pPr>
-            <a:r>
-              <a:rPr lang="nl-NL" sz="2000" dirty="0" smtClean="0"/>
-              <a:t>Syntax </a:t>
-            </a:r>
-            <a:r>
-              <a:rPr lang="nl-NL" sz="2000" dirty="0" err="1"/>
-              <a:t>not</a:t>
-            </a:r>
-            <a:r>
-              <a:rPr lang="nl-NL" sz="2000" dirty="0"/>
-              <a:t> </a:t>
-            </a:r>
-            <a:r>
-              <a:rPr lang="nl-NL" sz="2000" dirty="0" err="1"/>
-              <a:t>limited</a:t>
-            </a:r>
-            <a:r>
-              <a:rPr lang="nl-NL" sz="2000" dirty="0"/>
-              <a:t> </a:t>
-            </a:r>
-            <a:r>
-              <a:rPr lang="nl-NL" sz="2000" dirty="0" err="1"/>
-              <a:t>to</a:t>
-            </a:r>
-            <a:r>
-              <a:rPr lang="nl-NL" sz="2000" dirty="0"/>
-              <a:t> views - </a:t>
-            </a:r>
-            <a:r>
-              <a:rPr lang="nl-NL" sz="2000" dirty="0" err="1"/>
-              <a:t>heres</a:t>
-            </a:r>
-            <a:r>
-              <a:rPr lang="nl-NL" sz="2000" dirty="0"/>
-              <a:t> a Directive Definition </a:t>
-            </a:r>
-            <a:r>
-              <a:rPr lang="nl-NL" sz="2000" dirty="0" smtClean="0"/>
-              <a:t>Object:</a:t>
-            </a:r>
-          </a:p>
-          <a:p>
-            <a:pPr lvl="1" algn="l"/>
-            <a:r>
-              <a:rPr lang="fr-FR" sz="1600" dirty="0" smtClean="0"/>
-              <a:t>{ </a:t>
-            </a:r>
-            <a:r>
-              <a:rPr lang="fr-FR" sz="1600" dirty="0" err="1" smtClean="0"/>
-              <a:t>restrict</a:t>
-            </a:r>
-            <a:r>
-              <a:rPr lang="fr-FR" sz="1600" dirty="0" smtClean="0"/>
-              <a:t>: 'A',</a:t>
-            </a:r>
-          </a:p>
-          <a:p>
-            <a:pPr lvl="1" algn="l"/>
-            <a:r>
-              <a:rPr lang="fr-FR" sz="1600" dirty="0" smtClean="0"/>
-              <a:t> </a:t>
-            </a:r>
-            <a:r>
-              <a:rPr lang="fr-FR" sz="1600" dirty="0" err="1" smtClean="0"/>
-              <a:t>controller</a:t>
-            </a:r>
-            <a:r>
-              <a:rPr lang="fr-FR" sz="1600" dirty="0"/>
-              <a:t>: '</a:t>
-            </a:r>
-            <a:r>
-              <a:rPr lang="fr-FR" sz="1600" dirty="0" err="1"/>
-              <a:t>SomeController</a:t>
-            </a:r>
-            <a:r>
-              <a:rPr lang="fr-FR" sz="1600" dirty="0"/>
-              <a:t>',</a:t>
-            </a:r>
-          </a:p>
-          <a:p>
-            <a:pPr lvl="1" algn="l"/>
-            <a:r>
-              <a:rPr lang="fr-FR" sz="1600" dirty="0" smtClean="0"/>
-              <a:t> </a:t>
-            </a:r>
-            <a:r>
-              <a:rPr lang="fr-FR" sz="1600" dirty="0" err="1" smtClean="0"/>
-              <a:t>controllerAs</a:t>
-            </a:r>
-            <a:r>
-              <a:rPr lang="fr-FR" sz="1600" dirty="0"/>
-              <a:t>: 'ctrl',</a:t>
-            </a:r>
-          </a:p>
-          <a:p>
-            <a:pPr lvl="1" algn="l"/>
-            <a:r>
-              <a:rPr lang="nl-NL" sz="1600" dirty="0" smtClean="0"/>
-              <a:t> template</a:t>
-            </a:r>
-            <a:r>
-              <a:rPr lang="nl-NL" sz="1600" dirty="0"/>
-              <a:t>: '{{</a:t>
-            </a:r>
-            <a:r>
-              <a:rPr lang="nl-NL" sz="1600" dirty="0" err="1"/>
-              <a:t>ctrl.foo</a:t>
-            </a:r>
-            <a:r>
-              <a:rPr lang="nl-NL" sz="1600" dirty="0"/>
-              <a:t>}</a:t>
-            </a:r>
-            <a:r>
-              <a:rPr lang="nl-NL" sz="1600" dirty="0" smtClean="0"/>
-              <a:t>}’}</a:t>
-            </a:r>
-            <a:endParaRPr lang="en-US" sz="1700" dirty="0"/>
+              <a:rPr lang="en-US" sz="2400" dirty="0" smtClean="0"/>
+              <a:t>Memory </a:t>
+            </a:r>
+            <a:r>
+              <a:rPr lang="en-US" sz="2400" dirty="0"/>
+              <a:t>management: </a:t>
+            </a:r>
+            <a:endParaRPr lang="en-US" sz="2400" dirty="0" smtClean="0"/>
+          </a:p>
+          <a:p>
+            <a:pPr marL="800100" lvl="1" indent="-342900" algn="l">
+              <a:buFont typeface="Arial"/>
+              <a:buChar char="•"/>
+            </a:pPr>
+            <a:r>
+              <a:rPr lang="en-US" sz="2000" dirty="0" smtClean="0"/>
+              <a:t>when </a:t>
+            </a:r>
+            <a:r>
+              <a:rPr lang="en-US" sz="2000" dirty="0"/>
+              <a:t>DOM changes, scope </a:t>
+            </a:r>
+            <a:r>
+              <a:rPr lang="en-US" sz="2000" dirty="0" smtClean="0"/>
+              <a:t>changes, and vice versa</a:t>
+            </a:r>
+            <a:endParaRPr lang="en-US" sz="2000" dirty="0"/>
+          </a:p>
+          <a:p>
+            <a:pPr marL="800100" lvl="1" indent="-342900" algn="l">
+              <a:buFont typeface="Arial"/>
+              <a:buChar char="•"/>
+            </a:pPr>
+            <a:r>
+              <a:rPr lang="en-US" sz="2000" dirty="0" smtClean="0"/>
+              <a:t>Scope </a:t>
+            </a:r>
+            <a:r>
+              <a:rPr lang="en-US" sz="2000" dirty="0"/>
+              <a:t>handles set up and tear down of bindings and listeners</a:t>
+            </a:r>
+          </a:p>
+          <a:p>
+            <a:pPr marL="342900" indent="-342900" algn="l">
+              <a:buFont typeface="Arial"/>
+              <a:buChar char="•"/>
+            </a:pPr>
+            <a:r>
+              <a:rPr lang="en-US" sz="2400" dirty="0"/>
+              <a:t>Scopes can inherit, promoting </a:t>
+            </a:r>
+            <a:r>
+              <a:rPr lang="en-US" sz="2400" dirty="0" err="1"/>
+              <a:t>composability</a:t>
+            </a:r>
+            <a:endParaRPr lang="en-US" sz="2400" dirty="0"/>
+          </a:p>
+          <a:p>
+            <a:pPr marL="342900" indent="-342900" algn="l">
+              <a:buFont typeface="Arial"/>
+              <a:buChar char="•"/>
+            </a:pPr>
+            <a:r>
+              <a:rPr lang="en-US" sz="2400" dirty="0" smtClean="0"/>
+              <a:t>Separates </a:t>
+            </a:r>
+            <a:r>
+              <a:rPr lang="en-US" sz="2400" dirty="0"/>
+              <a:t>data model from application </a:t>
+            </a:r>
+            <a:r>
+              <a:rPr lang="en-US" sz="2400" dirty="0" smtClean="0"/>
+              <a:t>logic</a:t>
+            </a:r>
+            <a:endParaRPr lang="en-US" sz="2000" dirty="0"/>
           </a:p>
         </p:txBody>
       </p:sp>
     </p:spTree>
     <p:extLst>
       <p:ext uri="{BB962C8B-B14F-4D97-AF65-F5344CB8AC3E}">
-        <p14:creationId xmlns:p14="http://schemas.microsoft.com/office/powerpoint/2010/main" val="852562316"/>
+        <p14:creationId xmlns:p14="http://schemas.microsoft.com/office/powerpoint/2010/main" val="3477307116"/>
       </p:ext>
     </p:extLst>
   </p:cSld>
@@ -10296,186 +10346,439 @@
           <a:p>
             <a:r>
               <a:rPr lang="en-US" dirty="0"/>
-              <a:t>Looping</a:t>
-            </a:r>
-          </a:p>
-        </p:txBody>
-      </p:sp>
-      <p:sp>
-        <p:nvSpPr>
-          <p:cNvPr id="3" name="Subtitle 2"/>
-          <p:cNvSpPr>
-            <a:spLocks noGrp="1"/>
-          </p:cNvSpPr>
-          <p:nvPr>
-            <p:ph type="subTitle" idx="1"/>
-          </p:nvPr>
-        </p:nvSpPr>
-        <p:spPr>
-          <a:xfrm>
-            <a:off x="454651" y="1630710"/>
-            <a:ext cx="8371875" cy="4609893"/>
-          </a:xfrm>
-        </p:spPr>
-        <p:txBody>
-          <a:bodyPr>
-            <a:normAutofit/>
-          </a:bodyPr>
-          <a:lstStyle/>
-          <a:p>
-            <a:pPr marL="342900" indent="-342900" algn="l">
-              <a:buFont typeface="Arial"/>
-              <a:buChar char="•"/>
-            </a:pPr>
-            <a:r>
-              <a:rPr lang="en-US" sz="2400" dirty="0" err="1" smtClean="0"/>
-              <a:t>ng</a:t>
-            </a:r>
-            <a:r>
-              <a:rPr lang="en-US" sz="2400" dirty="0"/>
-              <a:t>-repeat can iterate arrays or objects</a:t>
-            </a:r>
-          </a:p>
-          <a:p>
-            <a:pPr marL="800100" lvl="1" indent="-342900" algn="l">
-              <a:buFont typeface="Arial"/>
-              <a:buChar char="•"/>
-            </a:pPr>
-            <a:r>
-              <a:rPr lang="en-US" sz="2000" dirty="0" smtClean="0"/>
-              <a:t>if </a:t>
-            </a:r>
-            <a:r>
-              <a:rPr lang="en-US" sz="2000" dirty="0"/>
-              <a:t>array: "each-item-alias in </a:t>
-            </a:r>
-            <a:r>
-              <a:rPr lang="en-US" sz="2000" dirty="0" err="1" smtClean="0"/>
-              <a:t>someArray</a:t>
-            </a:r>
-            <a:r>
-              <a:rPr lang="en-US" sz="2000" dirty="0" smtClean="0"/>
-              <a:t>”</a:t>
-            </a:r>
-            <a:endParaRPr lang="en-US" sz="2000" dirty="0"/>
-          </a:p>
-          <a:p>
-            <a:pPr marL="800100" lvl="1" indent="-342900" algn="l">
-              <a:buFont typeface="Arial"/>
-              <a:buChar char="•"/>
-            </a:pPr>
-            <a:r>
-              <a:rPr lang="en-US" sz="2000" dirty="0" smtClean="0"/>
-              <a:t>object</a:t>
-            </a:r>
-            <a:r>
-              <a:rPr lang="en-US" sz="2000" dirty="0"/>
-              <a:t>: "(</a:t>
-            </a:r>
-            <a:r>
-              <a:rPr lang="en-US" sz="2000" dirty="0" err="1"/>
-              <a:t>propertyNameAlias</a:t>
-            </a:r>
-            <a:r>
-              <a:rPr lang="en-US" sz="2000" dirty="0"/>
-              <a:t>, </a:t>
-            </a:r>
-            <a:r>
-              <a:rPr lang="en-US" sz="2000" dirty="0" err="1"/>
-              <a:t>propertyKeyAlias</a:t>
-            </a:r>
-            <a:r>
-              <a:rPr lang="en-US" sz="2000" dirty="0"/>
-              <a:t>) in </a:t>
-            </a:r>
-            <a:r>
-              <a:rPr lang="en-US" sz="2000" dirty="0" err="1"/>
-              <a:t>someObject</a:t>
-            </a:r>
-            <a:r>
-              <a:rPr lang="en-US" sz="2000" dirty="0"/>
-              <a:t>"</a:t>
-            </a:r>
-          </a:p>
-          <a:p>
-            <a:pPr marL="342900" indent="-342900" algn="l">
-              <a:buFont typeface="Arial"/>
-              <a:buChar char="•"/>
-            </a:pPr>
-            <a:r>
-              <a:rPr lang="en-US" sz="2400" dirty="0" err="1" smtClean="0"/>
-              <a:t>ng</a:t>
-            </a:r>
-            <a:r>
-              <a:rPr lang="en-US" sz="2400" dirty="0"/>
-              <a:t>-repeat can be nested</a:t>
-            </a:r>
-          </a:p>
-          <a:p>
-            <a:pPr marL="342900" indent="-342900" algn="l">
-              <a:buFont typeface="Arial"/>
-              <a:buChar char="•"/>
-            </a:pPr>
-            <a:r>
-              <a:rPr lang="en-US" sz="2400" dirty="0" smtClean="0"/>
-              <a:t>Not </a:t>
-            </a:r>
-            <a:r>
-              <a:rPr lang="en-US" sz="2400" dirty="0"/>
-              <a:t>a list comprehension (</a:t>
-            </a:r>
-            <a:r>
-              <a:rPr lang="en-US" sz="2400" dirty="0" smtClean="0"/>
-              <a:t>can’t </a:t>
-            </a:r>
-            <a:r>
-              <a:rPr lang="en-US" sz="2400" dirty="0"/>
-              <a:t>access </a:t>
-            </a:r>
-            <a:r>
-              <a:rPr lang="en-US" sz="2400" dirty="0" smtClean="0"/>
-              <a:t>iterator properties</a:t>
-            </a:r>
-            <a:r>
-              <a:rPr lang="en-US" sz="2400" dirty="0"/>
-              <a:t>)</a:t>
-            </a:r>
-          </a:p>
-          <a:p>
-            <a:pPr marL="342900" indent="-342900" algn="l">
-              <a:buFont typeface="Arial"/>
-              <a:buChar char="•"/>
-            </a:pPr>
-            <a:r>
-              <a:rPr lang="en-US" sz="2400" dirty="0" smtClean="0"/>
-              <a:t>Gotcha</a:t>
-            </a:r>
-            <a:r>
-              <a:rPr lang="en-US" sz="2400" dirty="0"/>
-              <a:t>: elements in collection must be unique by strict equality (===)</a:t>
-            </a:r>
-          </a:p>
-          <a:p>
-            <a:pPr marL="342900" indent="-342900" algn="l">
-              <a:buFont typeface="Arial"/>
-              <a:buChar char="•"/>
-            </a:pPr>
-            <a:r>
-              <a:rPr lang="en-US" sz="2400" dirty="0" smtClean="0"/>
-              <a:t>examples</a:t>
-            </a:r>
-            <a:r>
-              <a:rPr lang="en-US" sz="2400" dirty="0"/>
-              <a:t>/03-simple-looping</a:t>
-            </a:r>
-            <a:endParaRPr lang="en-US" sz="2000" dirty="0"/>
-          </a:p>
-        </p:txBody>
-      </p:sp>
+              <a:t>Scope inheritance</a:t>
+            </a:r>
+          </a:p>
+        </p:txBody>
+      </p:sp>
+      <p:graphicFrame>
+        <p:nvGraphicFramePr>
+          <p:cNvPr id="4" name="Table 3"/>
+          <p:cNvGraphicFramePr>
+            <a:graphicFrameLocks noGrp="1"/>
+          </p:cNvGraphicFramePr>
+          <p:nvPr>
+            <p:extLst>
+              <p:ext uri="{D42A27DB-BD31-4B8C-83A1-F6EECF244321}">
+                <p14:modId xmlns:p14="http://schemas.microsoft.com/office/powerpoint/2010/main" val="1696312093"/>
+              </p:ext>
+            </p:extLst>
+          </p:nvPr>
+        </p:nvGraphicFramePr>
+        <p:xfrm>
+          <a:off x="685800" y="1508654"/>
+          <a:ext cx="7772400" cy="4901851"/>
+        </p:xfrm>
+        <a:graphic>
+          <a:graphicData uri="http://schemas.openxmlformats.org/drawingml/2006/table">
+            <a:tbl>
+              <a:tblPr firstRow="1" bandRow="1">
+                <a:tableStyleId>{5C22544A-7EE6-4342-B048-85BDC9FD1C3A}</a:tableStyleId>
+              </a:tblPr>
+              <a:tblGrid>
+                <a:gridCol w="1714456"/>
+                <a:gridCol w="2497942"/>
+                <a:gridCol w="3560002"/>
+              </a:tblGrid>
+              <a:tr h="473206">
+                <a:tc>
+                  <a:txBody>
+                    <a:bodyPr/>
+                    <a:lstStyle/>
+                    <a:p>
+                      <a:r>
+                        <a:rPr lang="en-US" dirty="0" smtClean="0"/>
+                        <a:t>Angular</a:t>
+                      </a:r>
+                      <a:r>
+                        <a:rPr lang="en-US" baseline="0" dirty="0" smtClean="0"/>
+                        <a:t> feature</a:t>
+                      </a:r>
+                      <a:endParaRPr lang="en-US" dirty="0"/>
+                    </a:p>
+                  </a:txBody>
+                  <a:tcPr/>
+                </a:tc>
+                <a:tc>
+                  <a:txBody>
+                    <a:bodyPr/>
+                    <a:lstStyle/>
+                    <a:p>
+                      <a:pPr marL="0" marR="0" indent="0" algn="l" defTabSz="914400" rtl="0" eaLnBrk="1" fontAlgn="auto" latinLnBrk="0" hangingPunct="1">
+                        <a:lnSpc>
+                          <a:spcPct val="100000"/>
+                        </a:lnSpc>
+                        <a:spcBef>
+                          <a:spcPts val="0"/>
+                        </a:spcBef>
+                        <a:spcAft>
+                          <a:spcPts val="0"/>
+                        </a:spcAft>
+                        <a:buClrTx/>
+                        <a:buSzTx/>
+                        <a:buFontTx/>
+                        <a:buNone/>
+                        <a:tabLst/>
+                        <a:defRPr/>
+                      </a:pPr>
+                      <a:r>
+                        <a:rPr lang="en-US" dirty="0" smtClean="0"/>
+                        <a:t>Inheritance</a:t>
+                      </a:r>
+                      <a:r>
+                        <a:rPr lang="en-US" baseline="0" dirty="0" smtClean="0"/>
+                        <a:t> type</a:t>
+                      </a:r>
+                      <a:endParaRPr lang="en-US" dirty="0" smtClean="0"/>
+                    </a:p>
+                  </a:txBody>
+                  <a:tcPr/>
+                </a:tc>
+                <a:tc>
+                  <a:txBody>
+                    <a:bodyPr/>
+                    <a:lstStyle/>
+                    <a:p>
+                      <a:r>
+                        <a:rPr lang="en-US" dirty="0" smtClean="0"/>
+                        <a:t>Comments</a:t>
+                      </a:r>
+                      <a:endParaRPr lang="en-US" dirty="0"/>
+                    </a:p>
+                  </a:txBody>
+                  <a:tcPr/>
+                </a:tc>
+              </a:tr>
+              <a:tr h="842723">
+                <a:tc>
+                  <a:txBody>
+                    <a:bodyPr/>
+                    <a:lstStyle/>
+                    <a:p>
+                      <a:r>
+                        <a:rPr lang="en-US" dirty="0" smtClean="0"/>
+                        <a:t>Directives </a:t>
+                      </a:r>
+                    </a:p>
+                    <a:p>
+                      <a:r>
+                        <a:rPr lang="en-US" dirty="0" smtClean="0"/>
+                        <a:t>(by default)</a:t>
+                      </a:r>
+                      <a:endParaRPr lang="en-US" dirty="0"/>
+                    </a:p>
+                  </a:txBody>
+                  <a:tcPr/>
+                </a:tc>
+                <a:tc>
+                  <a:txBody>
+                    <a:bodyPr/>
+                    <a:lstStyle/>
+                    <a:p>
+                      <a:r>
+                        <a:rPr lang="en-US" dirty="0" smtClean="0"/>
+                        <a:t>None – no new object</a:t>
+                      </a:r>
+                      <a:endParaRPr lang="en-US" dirty="0"/>
+                    </a:p>
+                  </a:txBody>
+                  <a:tcPr/>
+                </a:tc>
+                <a:tc>
+                  <a:txBody>
+                    <a:bodyPr/>
+                    <a:lstStyle/>
+                    <a:p>
+                      <a:r>
+                        <a:rPr lang="en-US" dirty="0" smtClean="0"/>
+                        <a:t>Acts on parent scope directly</a:t>
+                      </a:r>
+                      <a:endParaRPr lang="en-US" dirty="0"/>
+                    </a:p>
+                  </a:txBody>
+                  <a:tcPr/>
+                </a:tc>
+              </a:tr>
+              <a:tr h="842723">
+                <a:tc>
+                  <a:txBody>
+                    <a:bodyPr/>
+                    <a:lstStyle/>
+                    <a:p>
+                      <a:r>
+                        <a:rPr lang="en-US" sz="1800" dirty="0" err="1" smtClean="0"/>
+                        <a:t>ng</a:t>
+                      </a:r>
+                      <a:r>
+                        <a:rPr lang="en-US" sz="1800" dirty="0" smtClean="0"/>
+                        <a:t>-controller</a:t>
+                      </a:r>
+                    </a:p>
+                  </a:txBody>
+                  <a:tcPr/>
+                </a:tc>
+                <a:tc>
+                  <a:txBody>
+                    <a:bodyPr/>
+                    <a:lstStyle/>
+                    <a:p>
+                      <a:r>
+                        <a:rPr lang="en-US" dirty="0" smtClean="0"/>
+                        <a:t>Normal prototypal</a:t>
+                      </a:r>
+                      <a:endParaRPr lang="en-US" dirty="0"/>
+                    </a:p>
+                  </a:txBody>
+                  <a:tcPr/>
+                </a:tc>
+                <a:tc>
+                  <a:txBody>
+                    <a:bodyPr/>
+                    <a:lstStyle/>
+                    <a:p>
+                      <a:r>
+                        <a:rPr lang="en-US" dirty="0" smtClean="0"/>
+                        <a:t>Child</a:t>
+                      </a:r>
+                      <a:r>
+                        <a:rPr lang="en-US" baseline="0" dirty="0" smtClean="0"/>
+                        <a:t> shadows parent. Also </a:t>
+                      </a:r>
+                      <a:r>
+                        <a:rPr lang="en-US" sz="1800" dirty="0" err="1" smtClean="0"/>
+                        <a:t>ng</a:t>
+                      </a:r>
+                      <a:r>
+                        <a:rPr lang="en-US" sz="1800" dirty="0" smtClean="0"/>
+                        <a:t>-include, </a:t>
+                      </a:r>
+                      <a:r>
+                        <a:rPr lang="en-US" sz="1800" dirty="0" err="1" smtClean="0"/>
+                        <a:t>ng</a:t>
+                      </a:r>
+                      <a:r>
+                        <a:rPr lang="en-US" sz="1800" dirty="0" smtClean="0"/>
+                        <a:t>-switch, directive with option { scope: true }</a:t>
+                      </a:r>
+                      <a:endParaRPr lang="en-US" dirty="0" smtClean="0"/>
+                    </a:p>
+                  </a:txBody>
+                  <a:tcPr/>
+                </a:tc>
+              </a:tr>
+              <a:tr h="842723">
+                <a:tc>
+                  <a:txBody>
+                    <a:bodyPr/>
+                    <a:lstStyle/>
+                    <a:p>
+                      <a:r>
+                        <a:rPr lang="en-US" dirty="0" err="1" smtClean="0"/>
+                        <a:t>ng</a:t>
+                      </a:r>
+                      <a:r>
+                        <a:rPr lang="en-US" dirty="0" smtClean="0"/>
+                        <a:t>-repeat</a:t>
+                      </a:r>
+                      <a:endParaRPr lang="en-US" dirty="0"/>
+                    </a:p>
+                  </a:txBody>
+                  <a:tcPr/>
+                </a:tc>
+                <a:tc>
+                  <a:txBody>
+                    <a:bodyPr/>
+                    <a:lstStyle/>
+                    <a:p>
+                      <a:pPr marL="0" marR="0" indent="0" algn="l" defTabSz="914400" rtl="0" eaLnBrk="1" fontAlgn="auto" latinLnBrk="0" hangingPunct="1">
+                        <a:lnSpc>
+                          <a:spcPct val="100000"/>
+                        </a:lnSpc>
+                        <a:spcBef>
+                          <a:spcPts val="0"/>
+                        </a:spcBef>
+                        <a:spcAft>
+                          <a:spcPts val="0"/>
+                        </a:spcAft>
+                        <a:buClrTx/>
+                        <a:buSzTx/>
+                        <a:buFontTx/>
+                        <a:buNone/>
+                        <a:tabLst/>
+                        <a:defRPr/>
+                      </a:pPr>
+                      <a:r>
+                        <a:rPr lang="en-US" dirty="0" smtClean="0"/>
+                        <a:t>Normal prototypal,</a:t>
+                      </a:r>
+                    </a:p>
+                    <a:p>
+                      <a:r>
+                        <a:rPr lang="en-US" dirty="0" smtClean="0"/>
+                        <a:t>plus assignment</a:t>
+                      </a:r>
+                      <a:endParaRPr lang="en-US" dirty="0"/>
+                    </a:p>
+                  </a:txBody>
+                  <a:tcPr/>
+                </a:tc>
+                <a:tc>
+                  <a:txBody>
+                    <a:bodyPr/>
+                    <a:lstStyle/>
+                    <a:p>
+                      <a:r>
+                        <a:rPr lang="en-US" dirty="0" smtClean="0"/>
+                        <a:t>Each iteration creates a new child scope, which also gets a property with alias name</a:t>
+                      </a:r>
+                    </a:p>
+                  </a:txBody>
+                  <a:tcPr/>
+                </a:tc>
+              </a:tr>
+              <a:tr h="842723">
+                <a:tc>
+                  <a:txBody>
+                    <a:bodyPr/>
+                    <a:lstStyle/>
+                    <a:p>
+                      <a:r>
+                        <a:rPr lang="en-US" dirty="0" smtClean="0"/>
+                        <a:t>Isolate</a:t>
+                      </a:r>
+                      <a:endParaRPr lang="en-US" dirty="0"/>
+                    </a:p>
+                  </a:txBody>
+                  <a:tcPr/>
+                </a:tc>
+                <a:tc>
+                  <a:txBody>
+                    <a:bodyPr/>
+                    <a:lstStyle/>
+                    <a:p>
+                      <a:r>
+                        <a:rPr lang="en-US" dirty="0" smtClean="0"/>
+                        <a:t>None – new, blank object</a:t>
+                      </a:r>
+                      <a:endParaRPr lang="en-US" dirty="0"/>
+                    </a:p>
+                  </a:txBody>
+                  <a:tcPr/>
+                </a:tc>
+                <a:tc>
+                  <a:txBody>
+                    <a:bodyPr/>
+                    <a:lstStyle/>
+                    <a:p>
+                      <a:r>
+                        <a:rPr lang="en-US" dirty="0" smtClean="0"/>
+                        <a:t>Created</a:t>
+                      </a:r>
+                      <a:r>
+                        <a:rPr lang="en-US" baseline="0" dirty="0" smtClean="0"/>
+                        <a:t> via option { scope: {} }. </a:t>
+                      </a:r>
+                      <a:r>
+                        <a:rPr lang="en-US" sz="1800" dirty="0" smtClean="0"/>
+                        <a:t>Reference to parent scope is still available.</a:t>
+                      </a:r>
+                      <a:endParaRPr lang="en-US" dirty="0"/>
+                    </a:p>
+                  </a:txBody>
+                  <a:tcPr/>
+                </a:tc>
+              </a:tr>
+              <a:tr h="842723">
+                <a:tc>
+                  <a:txBody>
+                    <a:bodyPr/>
+                    <a:lstStyle/>
+                    <a:p>
+                      <a:r>
+                        <a:rPr lang="en-US" dirty="0" err="1" smtClean="0"/>
+                        <a:t>Transcluded</a:t>
+                      </a:r>
+                      <a:endParaRPr lang="en-US" dirty="0"/>
+                    </a:p>
+                  </a:txBody>
+                  <a:tcPr/>
+                </a:tc>
+                <a:tc>
+                  <a:txBody>
+                    <a:bodyPr/>
+                    <a:lstStyle/>
+                    <a:p>
+                      <a:pPr marL="0" marR="0" indent="0" algn="l" defTabSz="914400" rtl="0" eaLnBrk="1" fontAlgn="auto" latinLnBrk="0" hangingPunct="1">
+                        <a:lnSpc>
+                          <a:spcPct val="100000"/>
+                        </a:lnSpc>
+                        <a:spcBef>
+                          <a:spcPts val="0"/>
+                        </a:spcBef>
+                        <a:spcAft>
+                          <a:spcPts val="0"/>
+                        </a:spcAft>
+                        <a:buClrTx/>
+                        <a:buSzTx/>
+                        <a:buFontTx/>
+                        <a:buNone/>
+                        <a:tabLst/>
+                        <a:defRPr/>
+                      </a:pPr>
+                      <a:r>
+                        <a:rPr lang="en-US" dirty="0" smtClean="0"/>
+                        <a:t>Normal prototypal,</a:t>
+                      </a:r>
+                    </a:p>
+                    <a:p>
+                      <a:r>
+                        <a:rPr lang="en-US" dirty="0" smtClean="0"/>
+                        <a:t>but sibling of any</a:t>
+                      </a:r>
+                      <a:r>
+                        <a:rPr lang="en-US" baseline="0" dirty="0" smtClean="0"/>
+                        <a:t> isolate</a:t>
+                      </a:r>
+                      <a:endParaRPr lang="en-US" dirty="0"/>
+                    </a:p>
+                  </a:txBody>
+                  <a:tcPr/>
+                </a:tc>
+                <a:tc>
+                  <a:txBody>
+                    <a:bodyPr/>
+                    <a:lstStyle/>
+                    <a:p>
+                      <a:r>
+                        <a:rPr lang="en-US" dirty="0" smtClean="0"/>
+                        <a:t>Option ( </a:t>
+                      </a:r>
+                      <a:r>
+                        <a:rPr lang="en-US" dirty="0" err="1" smtClean="0"/>
+                        <a:t>transclude</a:t>
+                      </a:r>
+                      <a:r>
+                        <a:rPr lang="en-US" dirty="0" smtClean="0"/>
+                        <a:t>:</a:t>
+                      </a:r>
+                      <a:r>
+                        <a:rPr lang="en-US" baseline="0" dirty="0" smtClean="0"/>
+                        <a:t> true }</a:t>
+                      </a:r>
+                      <a:endParaRPr lang="en-US" dirty="0"/>
+                    </a:p>
+                  </a:txBody>
+                  <a:tcPr/>
+                </a:tc>
+              </a:tr>
+            </a:tbl>
+          </a:graphicData>
+        </a:graphic>
+      </p:graphicFrame>
     </p:spTree>
     <p:extLst>
       <p:ext uri="{BB962C8B-B14F-4D97-AF65-F5344CB8AC3E}">
-        <p14:creationId xmlns:p14="http://schemas.microsoft.com/office/powerpoint/2010/main" val="4167287338"/>
+        <p14:creationId xmlns:p14="http://schemas.microsoft.com/office/powerpoint/2010/main" val="1493408064"/>
       </p:ext>
     </p:extLst>
   </p:cSld>
@@ -10523,8 +10826,20 @@
           <a:lstStyle/>
           <a:p>
             <a:r>
+              <a:rPr lang="en-US" dirty="0" err="1"/>
+              <a:t>ControllerAs</a:t>
+            </a:r>
+            <a:r>
               <a:rPr lang="en-US" dirty="0"/>
-              <a:t>Looping - more features</a:t>
+              <a:t> syntax (</a:t>
+            </a:r>
+            <a:r>
+              <a:rPr lang="en-US" dirty="0" err="1"/>
+              <a:t>nG</a:t>
+            </a:r>
+            <a:r>
+              <a:rPr lang="en-US" dirty="0"/>
+              <a:t> 1.2+)</a:t>
             </a:r>
           </a:p>
         </p:txBody>
@@ -10547,7 +10862,7 @@
         </p:spPr>
         <p:txBody>
           <a:bodyPr>
-            <a:normAutofit/>
+            <a:normAutofit fontScale="92500" lnSpcReduction="10000"/>
           </a:bodyPr>
           <a:lstStyle/>
           <a:p>
@@ -10556,71 +10871,418 @@
               <a:buChar char="•"/>
             </a:pPr>
             <a:r>
-              <a:rPr lang="en-US" sz="2400" dirty="0" smtClean="0"/>
-              <a:t>Sets </a:t>
-            </a:r>
-            <a:r>
-              <a:rPr lang="en-US" sz="2400" dirty="0"/>
-              <a:t>special properties within iterations:</a:t>
-            </a:r>
-          </a:p>
-          <a:p>
-            <a:pPr marL="800100" lvl="1" indent="-342900" algn="l">
-              <a:buFont typeface="Arial"/>
-              <a:buChar char="•"/>
-            </a:pPr>
-            <a:r>
-              <a:rPr lang="en-US" sz="2000" dirty="0" smtClean="0"/>
-              <a:t>$</a:t>
-            </a:r>
-            <a:r>
-              <a:rPr lang="en-US" sz="2000" dirty="0"/>
-              <a:t>index, $even, $odd, $first, $middle, $last</a:t>
-            </a:r>
-          </a:p>
-          <a:p>
-            <a:pPr marL="342900" indent="-342900" algn="l">
-              <a:buFont typeface="Arial"/>
-              <a:buChar char="•"/>
-            </a:pPr>
-            <a:r>
-              <a:rPr lang="en-US" sz="2400" dirty="0" smtClean="0"/>
-              <a:t>Use </a:t>
-            </a:r>
-            <a:r>
-              <a:rPr lang="en-US" sz="2400" dirty="0" err="1"/>
-              <a:t>ng-init</a:t>
-            </a:r>
-            <a:r>
-              <a:rPr lang="en-US" sz="2400" dirty="0"/>
-              <a:t> to set custom values within each iteration</a:t>
-            </a:r>
-          </a:p>
-          <a:p>
-            <a:pPr marL="342900" indent="-342900" algn="l">
-              <a:buFont typeface="Arial"/>
-              <a:buChar char="•"/>
-            </a:pPr>
-            <a:r>
-              <a:rPr lang="en-US" sz="2400" dirty="0" smtClean="0"/>
-              <a:t>Use </a:t>
-            </a:r>
-            <a:r>
-              <a:rPr lang="en-US" sz="2400" dirty="0" err="1"/>
+              <a:rPr lang="nl-NL" sz="2000" dirty="0"/>
+              <a:t>Template </a:t>
+            </a:r>
+            <a:r>
+              <a:rPr lang="nl-NL" sz="2000" dirty="0" err="1"/>
+              <a:t>value</a:t>
+            </a:r>
+            <a:r>
+              <a:rPr lang="nl-NL" sz="2000" dirty="0"/>
+              <a:t> </a:t>
+            </a:r>
+            <a:r>
+              <a:rPr lang="nl-NL" sz="2000" dirty="0" err="1" smtClean="0"/>
+              <a:t>coupled</a:t>
+            </a:r>
+            <a:r>
+              <a:rPr lang="nl-NL" sz="2000" dirty="0" smtClean="0"/>
+              <a:t> </a:t>
+            </a:r>
+            <a:r>
+              <a:rPr lang="nl-NL" sz="2000" dirty="0" err="1"/>
+              <a:t>to</a:t>
+            </a:r>
+            <a:r>
+              <a:rPr lang="nl-NL" sz="2000" dirty="0"/>
+              <a:t> DOM placement ($</a:t>
+            </a:r>
+            <a:r>
+              <a:rPr lang="nl-NL" sz="2000" dirty="0" err="1"/>
+              <a:t>parent</a:t>
+            </a:r>
+            <a:r>
+              <a:rPr lang="nl-NL" sz="2000" dirty="0"/>
+              <a:t>) - </a:t>
+            </a:r>
+            <a:r>
+              <a:rPr lang="nl-NL" sz="2000" dirty="0" err="1"/>
+              <a:t>not</a:t>
+            </a:r>
+            <a:r>
+              <a:rPr lang="nl-NL" sz="2000" dirty="0"/>
+              <a:t> </a:t>
+            </a:r>
+            <a:r>
+              <a:rPr lang="nl-NL" sz="2000" dirty="0" err="1"/>
+              <a:t>moveable</a:t>
+            </a:r>
+            <a:endParaRPr lang="nl-NL" sz="2000" dirty="0"/>
+          </a:p>
+          <a:p>
+            <a:pPr lvl="1" algn="l"/>
+            <a:r>
+              <a:rPr lang="en-US" sz="1600" dirty="0" smtClean="0"/>
+              <a:t>&lt;</a:t>
+            </a:r>
+            <a:r>
+              <a:rPr lang="en-US" sz="1600" dirty="0"/>
+              <a:t>div </a:t>
+            </a:r>
+            <a:r>
+              <a:rPr lang="en-US" sz="1600" dirty="0" err="1"/>
               <a:t>ng</a:t>
             </a:r>
             <a:r>
-              <a:rPr lang="en-US" sz="2400" dirty="0"/>
-              <a:t>-repeat-start and -end to add sibling elements</a:t>
-            </a:r>
-            <a:endParaRPr lang="en-US" sz="2000" dirty="0"/>
+              <a:rPr lang="en-US" sz="1600" dirty="0"/>
+              <a:t>-controller="</a:t>
+            </a:r>
+            <a:r>
+              <a:rPr lang="en-US" sz="1600" dirty="0" err="1"/>
+              <a:t>ControllerOne</a:t>
+            </a:r>
+            <a:r>
+              <a:rPr lang="en-US" sz="1600" dirty="0"/>
+              <a:t>"&gt;</a:t>
+            </a:r>
+          </a:p>
+          <a:p>
+            <a:pPr lvl="1" algn="l"/>
+            <a:r>
+              <a:rPr lang="nl-NL" sz="1600" dirty="0" smtClean="0"/>
+              <a:t>  {</a:t>
+            </a:r>
+            <a:r>
+              <a:rPr lang="nl-NL" sz="1600" dirty="0"/>
+              <a:t>{</a:t>
+            </a:r>
+            <a:r>
+              <a:rPr lang="nl-NL" sz="1600" dirty="0" err="1"/>
+              <a:t>foo</a:t>
+            </a:r>
+            <a:r>
+              <a:rPr lang="nl-NL" sz="1600" dirty="0"/>
+              <a:t>}</a:t>
+            </a:r>
+            <a:r>
+              <a:rPr lang="nl-NL" sz="1600" dirty="0" smtClean="0"/>
+              <a:t>}</a:t>
+            </a:r>
+            <a:endParaRPr lang="nl-NL" sz="1600" dirty="0"/>
+          </a:p>
+          <a:p>
+            <a:pPr lvl="1" algn="l"/>
+            <a:r>
+              <a:rPr lang="nl-NL" sz="1600" dirty="0" smtClean="0"/>
+              <a:t>&lt;</a:t>
+            </a:r>
+            <a:r>
+              <a:rPr lang="nl-NL" sz="1600" dirty="0"/>
+              <a:t>div </a:t>
+            </a:r>
+            <a:r>
+              <a:rPr lang="nl-NL" sz="1600" dirty="0" err="1"/>
+              <a:t>ng</a:t>
+            </a:r>
+            <a:r>
+              <a:rPr lang="nl-NL" sz="1600" dirty="0"/>
+              <a:t>-controller="</a:t>
+            </a:r>
+            <a:r>
+              <a:rPr lang="nl-NL" sz="1600" dirty="0" err="1"/>
+              <a:t>ControllerTwo</a:t>
+            </a:r>
+            <a:r>
+              <a:rPr lang="nl-NL" sz="1600" dirty="0"/>
+              <a:t>"&gt;</a:t>
+            </a:r>
+          </a:p>
+          <a:p>
+            <a:pPr lvl="1" algn="l"/>
+            <a:r>
+              <a:rPr lang="nl-NL" sz="1600" dirty="0" smtClean="0"/>
+              <a:t>   {</a:t>
+            </a:r>
+            <a:r>
+              <a:rPr lang="nl-NL" sz="1600" dirty="0"/>
+              <a:t>{</a:t>
+            </a:r>
+            <a:r>
+              <a:rPr lang="nl-NL" sz="1600" dirty="0" err="1"/>
+              <a:t>foo</a:t>
+            </a:r>
+            <a:r>
+              <a:rPr lang="nl-NL" sz="1600" dirty="0"/>
+              <a:t>}}</a:t>
+            </a:r>
+          </a:p>
+          <a:p>
+            <a:pPr lvl="1" algn="l"/>
+            <a:r>
+              <a:rPr lang="nl-NL" sz="1600" dirty="0" smtClean="0"/>
+              <a:t>  {</a:t>
+            </a:r>
+            <a:r>
+              <a:rPr lang="nl-NL" sz="1600" dirty="0"/>
+              <a:t>{$</a:t>
+            </a:r>
+            <a:r>
+              <a:rPr lang="nl-NL" sz="1600" dirty="0" err="1"/>
+              <a:t>parent.foo</a:t>
+            </a:r>
+            <a:r>
+              <a:rPr lang="nl-NL" sz="1600" dirty="0"/>
+              <a:t>}}</a:t>
+            </a:r>
+          </a:p>
+          <a:p>
+            <a:pPr marL="342900" indent="-342900" algn="l">
+              <a:buFont typeface="Arial"/>
+              <a:buChar char="•"/>
+            </a:pPr>
+            <a:r>
+              <a:rPr lang="nl-NL" sz="2000" dirty="0" smtClean="0"/>
+              <a:t>Template </a:t>
+            </a:r>
+            <a:r>
+              <a:rPr lang="nl-NL" sz="2000" dirty="0" err="1" smtClean="0"/>
+              <a:t>decoupled</a:t>
+            </a:r>
+            <a:r>
+              <a:rPr lang="nl-NL" sz="2000" dirty="0" smtClean="0"/>
+              <a:t> - </a:t>
+            </a:r>
+            <a:r>
+              <a:rPr lang="nl-NL" sz="2000" dirty="0" err="1" smtClean="0"/>
+              <a:t>moveable</a:t>
+            </a:r>
+            <a:endParaRPr lang="nl-NL" sz="2000" dirty="0" smtClean="0"/>
+          </a:p>
+          <a:p>
+            <a:pPr lvl="1" algn="l"/>
+            <a:r>
+              <a:rPr lang="nl-NL" sz="1600" dirty="0" smtClean="0"/>
+              <a:t>  &lt;div </a:t>
+            </a:r>
+            <a:r>
+              <a:rPr lang="nl-NL" sz="1600" dirty="0" err="1" smtClean="0"/>
+              <a:t>ng</a:t>
+            </a:r>
+            <a:r>
+              <a:rPr lang="nl-NL" sz="1600" dirty="0" smtClean="0"/>
+              <a:t>-controller="</a:t>
+            </a:r>
+            <a:r>
+              <a:rPr lang="nl-NL" sz="1600" dirty="0" err="1" smtClean="0"/>
+              <a:t>ControllerOne</a:t>
+            </a:r>
+            <a:r>
+              <a:rPr lang="nl-NL" sz="1600" dirty="0" smtClean="0"/>
+              <a:t> as ctrl1"&gt;</a:t>
+            </a:r>
+          </a:p>
+          <a:p>
+            <a:pPr lvl="1" algn="l"/>
+            <a:r>
+              <a:rPr lang="nl-NL" sz="1600" dirty="0" smtClean="0"/>
+              <a:t>    {</a:t>
+            </a:r>
+            <a:r>
+              <a:rPr lang="nl-NL" sz="1600" dirty="0"/>
+              <a:t>{ctrl1.foo}}</a:t>
+            </a:r>
+          </a:p>
+          <a:p>
+            <a:pPr algn="l"/>
+            <a:r>
+              <a:rPr lang="nl-NL" sz="1600" dirty="0"/>
+              <a:t>          &lt;div </a:t>
+            </a:r>
+            <a:r>
+              <a:rPr lang="nl-NL" sz="1600" dirty="0" err="1"/>
+              <a:t>ng</a:t>
+            </a:r>
+            <a:r>
+              <a:rPr lang="nl-NL" sz="1600" dirty="0"/>
+              <a:t>-</a:t>
+            </a:r>
+            <a:r>
+              <a:rPr lang="nl-NL" sz="1600" dirty="0" smtClean="0"/>
+              <a:t>controller</a:t>
+            </a:r>
+            <a:r>
+              <a:rPr lang="nl-NL" sz="1600" dirty="0"/>
+              <a:t>="</a:t>
+            </a:r>
+            <a:r>
+              <a:rPr lang="nl-NL" sz="1600" dirty="0" err="1"/>
+              <a:t>ControllerTwo</a:t>
+            </a:r>
+            <a:r>
+              <a:rPr lang="nl-NL" sz="1600" dirty="0"/>
+              <a:t> as ctrl2"&gt;</a:t>
+            </a:r>
+          </a:p>
+          <a:p>
+            <a:pPr lvl="1" algn="l"/>
+            <a:r>
+              <a:rPr lang="nl-NL" sz="1600" dirty="0"/>
+              <a:t>   </a:t>
+            </a:r>
+            <a:r>
+              <a:rPr lang="nl-NL" sz="1600" dirty="0" smtClean="0"/>
+              <a:t>  {</a:t>
+            </a:r>
+            <a:r>
+              <a:rPr lang="nl-NL" sz="1600" dirty="0"/>
+              <a:t>{ctrl2.foo}}</a:t>
+            </a:r>
+          </a:p>
+          <a:p>
+            <a:pPr lvl="1" algn="l"/>
+            <a:r>
+              <a:rPr lang="nl-NL" sz="1600" dirty="0"/>
+              <a:t>     </a:t>
+            </a:r>
+            <a:r>
+              <a:rPr lang="nl-NL" sz="1600" dirty="0" smtClean="0"/>
+              <a:t>{</a:t>
+            </a:r>
+            <a:r>
+              <a:rPr lang="nl-NL" sz="1600" dirty="0"/>
+              <a:t>{ctrl1.foo}}</a:t>
+            </a:r>
+          </a:p>
+          <a:p>
+            <a:pPr marL="342900" indent="-342900" algn="l">
+              <a:buFont typeface="Arial"/>
+              <a:buChar char="•"/>
+            </a:pPr>
+            <a:r>
+              <a:rPr lang="nl-NL" sz="2000" dirty="0" smtClean="0"/>
+              <a:t>Syntax </a:t>
+            </a:r>
+            <a:r>
+              <a:rPr lang="nl-NL" sz="2000" dirty="0" err="1"/>
+              <a:t>not</a:t>
+            </a:r>
+            <a:r>
+              <a:rPr lang="nl-NL" sz="2000" dirty="0"/>
+              <a:t> </a:t>
+            </a:r>
+            <a:r>
+              <a:rPr lang="nl-NL" sz="2000" dirty="0" err="1"/>
+              <a:t>limited</a:t>
+            </a:r>
+            <a:r>
+              <a:rPr lang="nl-NL" sz="2000" dirty="0"/>
+              <a:t> </a:t>
+            </a:r>
+            <a:r>
+              <a:rPr lang="nl-NL" sz="2000" dirty="0" err="1"/>
+              <a:t>to</a:t>
+            </a:r>
+            <a:r>
+              <a:rPr lang="nl-NL" sz="2000" dirty="0"/>
+              <a:t> views - </a:t>
+            </a:r>
+            <a:r>
+              <a:rPr lang="nl-NL" sz="2000" dirty="0" err="1"/>
+              <a:t>heres</a:t>
+            </a:r>
+            <a:r>
+              <a:rPr lang="nl-NL" sz="2000" dirty="0"/>
+              <a:t> a Directive Definition </a:t>
+            </a:r>
+            <a:r>
+              <a:rPr lang="nl-NL" sz="2000" dirty="0" smtClean="0"/>
+              <a:t>Object:</a:t>
+            </a:r>
+          </a:p>
+          <a:p>
+            <a:pPr lvl="1" algn="l"/>
+            <a:r>
+              <a:rPr lang="fr-FR" sz="1600" dirty="0" smtClean="0"/>
+              <a:t>{ </a:t>
+            </a:r>
+            <a:r>
+              <a:rPr lang="fr-FR" sz="1600" dirty="0" err="1" smtClean="0"/>
+              <a:t>restrict</a:t>
+            </a:r>
+            <a:r>
+              <a:rPr lang="fr-FR" sz="1600" dirty="0" smtClean="0"/>
+              <a:t>: 'A',</a:t>
+            </a:r>
+          </a:p>
+          <a:p>
+            <a:pPr lvl="1" algn="l"/>
+            <a:r>
+              <a:rPr lang="fr-FR" sz="1600" dirty="0" smtClean="0"/>
+              <a:t> </a:t>
+            </a:r>
+            <a:r>
+              <a:rPr lang="fr-FR" sz="1600" dirty="0" err="1" smtClean="0"/>
+              <a:t>controller</a:t>
+            </a:r>
+            <a:r>
+              <a:rPr lang="fr-FR" sz="1600" dirty="0"/>
+              <a:t>: '</a:t>
+            </a:r>
+            <a:r>
+              <a:rPr lang="fr-FR" sz="1600" dirty="0" err="1"/>
+              <a:t>SomeController</a:t>
+            </a:r>
+            <a:r>
+              <a:rPr lang="fr-FR" sz="1600" dirty="0"/>
+              <a:t>',</a:t>
+            </a:r>
+          </a:p>
+          <a:p>
+            <a:pPr lvl="1" algn="l"/>
+            <a:r>
+              <a:rPr lang="fr-FR" sz="1600" dirty="0" smtClean="0"/>
+              <a:t> </a:t>
+            </a:r>
+            <a:r>
+              <a:rPr lang="fr-FR" sz="1600" dirty="0" err="1" smtClean="0"/>
+              <a:t>controllerAs</a:t>
+            </a:r>
+            <a:r>
+              <a:rPr lang="fr-FR" sz="1600" dirty="0"/>
+              <a:t>: 'ctrl',</a:t>
+            </a:r>
+          </a:p>
+          <a:p>
+            <a:pPr lvl="1" algn="l"/>
+            <a:r>
+              <a:rPr lang="nl-NL" sz="1600" dirty="0" smtClean="0"/>
+              <a:t> template</a:t>
+            </a:r>
+            <a:r>
+              <a:rPr lang="nl-NL" sz="1600" dirty="0"/>
+              <a:t>: '{{</a:t>
+            </a:r>
+            <a:r>
+              <a:rPr lang="nl-NL" sz="1600" dirty="0" err="1"/>
+              <a:t>ctrl.foo</a:t>
+            </a:r>
+            <a:r>
+              <a:rPr lang="nl-NL" sz="1600" dirty="0"/>
+              <a:t>}</a:t>
+            </a:r>
+            <a:r>
+              <a:rPr lang="nl-NL" sz="1600" dirty="0" smtClean="0"/>
+              <a:t>}’}</a:t>
+            </a:r>
+            <a:endParaRPr lang="en-US" sz="1700" dirty="0"/>
           </a:p>
         </p:txBody>
       </p:sp>
     </p:spTree>
     <p:extLst>
       <p:ext uri="{BB962C8B-B14F-4D97-AF65-F5344CB8AC3E}">
-        <p14:creationId xmlns:p14="http://schemas.microsoft.com/office/powerpoint/2010/main" val="2305374854"/>
+        <p14:creationId xmlns:p14="http://schemas.microsoft.com/office/powerpoint/2010/main" val="852562316"/>
       </p:ext>
     </p:extLst>
   </p:cSld>

--- a/slides/Angular Slides Day 2.pptx
+++ b/slides/Angular Slides Day 2.pptx
@@ -8,17 +8,17 @@
     <p:sldId id="295" r:id="rId2"/>
     <p:sldId id="289" r:id="rId3"/>
     <p:sldId id="284" r:id="rId4"/>
-    <p:sldId id="296" r:id="rId5"/>
-    <p:sldId id="285" r:id="rId6"/>
-    <p:sldId id="297" r:id="rId7"/>
-    <p:sldId id="286" r:id="rId8"/>
-    <p:sldId id="298" r:id="rId9"/>
-    <p:sldId id="288" r:id="rId10"/>
-    <p:sldId id="293" r:id="rId11"/>
-    <p:sldId id="294" r:id="rId12"/>
-    <p:sldId id="283" r:id="rId13"/>
-    <p:sldId id="299" r:id="rId14"/>
-    <p:sldId id="259" r:id="rId15"/>
+    <p:sldId id="301" r:id="rId5"/>
+    <p:sldId id="296" r:id="rId6"/>
+    <p:sldId id="285" r:id="rId7"/>
+    <p:sldId id="297" r:id="rId8"/>
+    <p:sldId id="286" r:id="rId9"/>
+    <p:sldId id="298" r:id="rId10"/>
+    <p:sldId id="288" r:id="rId11"/>
+    <p:sldId id="293" r:id="rId12"/>
+    <p:sldId id="294" r:id="rId13"/>
+    <p:sldId id="283" r:id="rId14"/>
+    <p:sldId id="299" r:id="rId15"/>
     <p:sldId id="300" r:id="rId16"/>
     <p:sldId id="260" r:id="rId17"/>
     <p:sldId id="261" r:id="rId18"/>
@@ -30,18 +30,6 @@
     <p:sldId id="267" r:id="rId24"/>
     <p:sldId id="269" r:id="rId25"/>
     <p:sldId id="270" r:id="rId26"/>
-    <p:sldId id="271" r:id="rId27"/>
-    <p:sldId id="272" r:id="rId28"/>
-    <p:sldId id="273" r:id="rId29"/>
-    <p:sldId id="274" r:id="rId30"/>
-    <p:sldId id="275" r:id="rId31"/>
-    <p:sldId id="276" r:id="rId32"/>
-    <p:sldId id="277" r:id="rId33"/>
-    <p:sldId id="278" r:id="rId34"/>
-    <p:sldId id="279" r:id="rId35"/>
-    <p:sldId id="280" r:id="rId36"/>
-    <p:sldId id="281" r:id="rId37"/>
-    <p:sldId id="282" r:id="rId38"/>
   </p:sldIdLst>
   <p:sldSz cx="9144000" cy="6858000" type="screen4x3"/>
   <p:notesSz cx="6858000" cy="9144000"/>
@@ -324,7 +312,7 @@
           <a:p>
             <a:fld id="{6BFECD78-3C8E-49F2-8FAB-59489D168ABB}" type="datetimeFigureOut">
               <a:rPr lang="en-US" smtClean="0"/>
-              <a:t>10/5/16</a:t>
+              <a:t>10/6/16</a:t>
             </a:fld>
             <a:endParaRPr lang="en-US"/>
           </a:p>
@@ -494,7 +482,7 @@
           <a:p>
             <a:fld id="{6BFECD78-3C8E-49F2-8FAB-59489D168ABB}" type="datetimeFigureOut">
               <a:rPr lang="en-US" smtClean="0"/>
-              <a:t>10/5/16</a:t>
+              <a:t>10/6/16</a:t>
             </a:fld>
             <a:endParaRPr lang="en-US"/>
           </a:p>
@@ -674,7 +662,7 @@
           <a:p>
             <a:fld id="{6BFECD78-3C8E-49F2-8FAB-59489D168ABB}" type="datetimeFigureOut">
               <a:rPr lang="en-US" smtClean="0"/>
-              <a:t>10/5/16</a:t>
+              <a:t>10/6/16</a:t>
             </a:fld>
             <a:endParaRPr lang="en-US"/>
           </a:p>
@@ -844,7 +832,7 @@
           <a:p>
             <a:fld id="{6BFECD78-3C8E-49F2-8FAB-59489D168ABB}" type="datetimeFigureOut">
               <a:rPr lang="en-US" smtClean="0"/>
-              <a:t>10/5/16</a:t>
+              <a:t>10/6/16</a:t>
             </a:fld>
             <a:endParaRPr lang="en-US"/>
           </a:p>
@@ -1090,7 +1078,7 @@
           <a:p>
             <a:fld id="{6BFECD78-3C8E-49F2-8FAB-59489D168ABB}" type="datetimeFigureOut">
               <a:rPr lang="en-US" smtClean="0"/>
-              <a:t>10/5/16</a:t>
+              <a:t>10/6/16</a:t>
             </a:fld>
             <a:endParaRPr lang="en-US"/>
           </a:p>
@@ -1378,7 +1366,7 @@
           <a:p>
             <a:fld id="{6BFECD78-3C8E-49F2-8FAB-59489D168ABB}" type="datetimeFigureOut">
               <a:rPr lang="en-US" smtClean="0"/>
-              <a:t>10/5/16</a:t>
+              <a:t>10/6/16</a:t>
             </a:fld>
             <a:endParaRPr lang="en-US"/>
           </a:p>
@@ -1800,7 +1788,7 @@
           <a:p>
             <a:fld id="{6BFECD78-3C8E-49F2-8FAB-59489D168ABB}" type="datetimeFigureOut">
               <a:rPr lang="en-US" smtClean="0"/>
-              <a:t>10/5/16</a:t>
+              <a:t>10/6/16</a:t>
             </a:fld>
             <a:endParaRPr lang="en-US"/>
           </a:p>
@@ -1918,7 +1906,7 @@
           <a:p>
             <a:fld id="{6BFECD78-3C8E-49F2-8FAB-59489D168ABB}" type="datetimeFigureOut">
               <a:rPr lang="en-US" smtClean="0"/>
-              <a:t>10/5/16</a:t>
+              <a:t>10/6/16</a:t>
             </a:fld>
             <a:endParaRPr lang="en-US"/>
           </a:p>
@@ -2013,7 +2001,7 @@
           <a:p>
             <a:fld id="{6BFECD78-3C8E-49F2-8FAB-59489D168ABB}" type="datetimeFigureOut">
               <a:rPr lang="en-US" smtClean="0"/>
-              <a:t>10/5/16</a:t>
+              <a:t>10/6/16</a:t>
             </a:fld>
             <a:endParaRPr lang="en-US"/>
           </a:p>
@@ -2290,7 +2278,7 @@
           <a:p>
             <a:fld id="{6BFECD78-3C8E-49F2-8FAB-59489D168ABB}" type="datetimeFigureOut">
               <a:rPr lang="en-US" smtClean="0"/>
-              <a:t>10/5/16</a:t>
+              <a:t>10/6/16</a:t>
             </a:fld>
             <a:endParaRPr lang="en-US"/>
           </a:p>
@@ -2547,7 +2535,7 @@
           <a:p>
             <a:fld id="{6BFECD78-3C8E-49F2-8FAB-59489D168ABB}" type="datetimeFigureOut">
               <a:rPr lang="en-US" smtClean="0"/>
-              <a:t>10/5/16</a:t>
+              <a:t>10/6/16</a:t>
             </a:fld>
             <a:endParaRPr lang="en-US"/>
           </a:p>
@@ -2760,7 +2748,7 @@
           <a:p>
             <a:fld id="{6BFECD78-3C8E-49F2-8FAB-59489D168ABB}" type="datetimeFigureOut">
               <a:rPr lang="en-US" smtClean="0"/>
-              <a:t>10/5/16</a:t>
+              <a:t>10/6/16</a:t>
             </a:fld>
             <a:endParaRPr lang="en-US"/>
           </a:p>
@@ -3156,11 +3144,7 @@
             </a:r>
             <a:r>
               <a:rPr lang="en-US" dirty="0" smtClean="0"/>
-              <a:t> </a:t>
-            </a:r>
-            <a:r>
-              <a:rPr lang="en-US" dirty="0" smtClean="0"/>
-              <a:t>training</a:t>
+              <a:t> training</a:t>
             </a:r>
             <a:r>
               <a:rPr lang="en-US" dirty="0"/>
@@ -3201,11 +3185,7 @@
           <a:p>
             <a:r>
               <a:rPr lang="en-US" dirty="0" smtClean="0"/>
-              <a:t>Elias </a:t>
-            </a:r>
-            <a:r>
-              <a:rPr lang="en-US" dirty="0" smtClean="0"/>
-              <a:t>Carlston</a:t>
+              <a:t>Elias Carlston</a:t>
             </a:r>
           </a:p>
           <a:p>
@@ -3218,11 +3198,7 @@
           <a:p>
             <a:r>
               <a:rPr lang="en-US" dirty="0" err="1" smtClean="0"/>
-              <a:t>elias</a:t>
-            </a:r>
-            <a:r>
-              <a:rPr lang="en-US" dirty="0" err="1" smtClean="0"/>
-              <a:t>@eliascarlston.com</a:t>
+              <a:t>elias@eliascarlston.com</a:t>
             </a:r>
             <a:endParaRPr lang="en-US" dirty="0"/>
           </a:p>
@@ -3279,10 +3255,21 @@
           <a:lstStyle/>
           <a:p>
             <a:r>
+              <a:rPr lang="en-US" dirty="0" err="1"/>
+              <a:t>ControllerAs</a:t>
+            </a:r>
+            <a:r>
               <a:rPr lang="en-US" dirty="0"/>
-              <a:t>Advanced Looping</a:t>
-            </a:r>
-            <a:endParaRPr lang="en-US" dirty="0"/>
+              <a:t> syntax (</a:t>
+            </a:r>
+            <a:r>
+              <a:rPr lang="en-US" dirty="0" err="1"/>
+              <a:t>nG</a:t>
+            </a:r>
+            <a:r>
+              <a:rPr lang="en-US" dirty="0"/>
+              <a:t> 1.2+)</a:t>
+            </a:r>
           </a:p>
         </p:txBody>
       </p:sp>
@@ -3304,7 +3291,7 @@
         </p:spPr>
         <p:txBody>
           <a:bodyPr>
-            <a:normAutofit/>
+            <a:normAutofit fontScale="92500" lnSpcReduction="10000"/>
           </a:bodyPr>
           <a:lstStyle/>
           <a:p>
@@ -3313,154 +3300,418 @@
               <a:buChar char="•"/>
             </a:pPr>
             <a:r>
-              <a:rPr lang="en-US" sz="2400" dirty="0" err="1" smtClean="0"/>
+              <a:rPr lang="nl-NL" sz="2000" dirty="0"/>
+              <a:t>Template </a:t>
+            </a:r>
+            <a:r>
+              <a:rPr lang="nl-NL" sz="2000" dirty="0" err="1"/>
+              <a:t>value</a:t>
+            </a:r>
+            <a:r>
+              <a:rPr lang="nl-NL" sz="2000" dirty="0"/>
+              <a:t> </a:t>
+            </a:r>
+            <a:r>
+              <a:rPr lang="nl-NL" sz="2000" dirty="0" err="1" smtClean="0"/>
+              <a:t>coupled</a:t>
+            </a:r>
+            <a:r>
+              <a:rPr lang="nl-NL" sz="2000" dirty="0" smtClean="0"/>
+              <a:t> </a:t>
+            </a:r>
+            <a:r>
+              <a:rPr lang="nl-NL" sz="2000" dirty="0" err="1"/>
+              <a:t>to</a:t>
+            </a:r>
+            <a:r>
+              <a:rPr lang="nl-NL" sz="2000" dirty="0"/>
+              <a:t> DOM placement ($</a:t>
+            </a:r>
+            <a:r>
+              <a:rPr lang="nl-NL" sz="2000" dirty="0" err="1"/>
+              <a:t>parent</a:t>
+            </a:r>
+            <a:r>
+              <a:rPr lang="nl-NL" sz="2000" dirty="0"/>
+              <a:t>) - </a:t>
+            </a:r>
+            <a:r>
+              <a:rPr lang="nl-NL" sz="2000" dirty="0" err="1"/>
+              <a:t>not</a:t>
+            </a:r>
+            <a:r>
+              <a:rPr lang="nl-NL" sz="2000" dirty="0"/>
+              <a:t> </a:t>
+            </a:r>
+            <a:r>
+              <a:rPr lang="nl-NL" sz="2000" dirty="0" err="1"/>
+              <a:t>moveable</a:t>
+            </a:r>
+            <a:endParaRPr lang="nl-NL" sz="2000" dirty="0"/>
+          </a:p>
+          <a:p>
+            <a:pPr lvl="1" algn="l"/>
+            <a:r>
+              <a:rPr lang="en-US" sz="1600" dirty="0" smtClean="0"/>
+              <a:t>&lt;</a:t>
+            </a:r>
+            <a:r>
+              <a:rPr lang="en-US" sz="1600" dirty="0"/>
+              <a:t>div </a:t>
+            </a:r>
+            <a:r>
+              <a:rPr lang="en-US" sz="1600" dirty="0" err="1"/>
               <a:t>ng</a:t>
             </a:r>
             <a:r>
-              <a:rPr lang="en-US" sz="2400" dirty="0"/>
-              <a:t>-repeat can iterate arrays or objects</a:t>
-            </a:r>
-          </a:p>
-          <a:p>
-            <a:pPr marL="800100" lvl="1" indent="-342900" algn="l">
-              <a:buFont typeface="Arial"/>
-              <a:buChar char="•"/>
-            </a:pPr>
-            <a:r>
-              <a:rPr lang="en-US" sz="2000" dirty="0" smtClean="0"/>
-              <a:t>if </a:t>
-            </a:r>
-            <a:r>
-              <a:rPr lang="en-US" sz="2000" dirty="0"/>
-              <a:t>array: "each-item-alias in </a:t>
-            </a:r>
-            <a:r>
-              <a:rPr lang="en-US" sz="2000" dirty="0" err="1" smtClean="0"/>
-              <a:t>someArray</a:t>
-            </a:r>
-            <a:r>
-              <a:rPr lang="en-US" sz="2000" dirty="0" smtClean="0"/>
-              <a:t>”</a:t>
-            </a:r>
-            <a:endParaRPr lang="en-US" sz="2000" dirty="0"/>
-          </a:p>
-          <a:p>
-            <a:pPr marL="800100" lvl="1" indent="-342900" algn="l">
-              <a:buFont typeface="Arial"/>
-              <a:buChar char="•"/>
-            </a:pPr>
-            <a:r>
-              <a:rPr lang="en-US" sz="2000" dirty="0" smtClean="0"/>
-              <a:t>object</a:t>
-            </a:r>
-            <a:r>
-              <a:rPr lang="en-US" sz="2000" dirty="0"/>
-              <a:t>: "(</a:t>
-            </a:r>
-            <a:r>
-              <a:rPr lang="en-US" sz="2000" dirty="0" err="1"/>
-              <a:t>propertyNameAlias</a:t>
-            </a:r>
-            <a:r>
-              <a:rPr lang="en-US" sz="2000" dirty="0"/>
-              <a:t>, </a:t>
-            </a:r>
-            <a:r>
-              <a:rPr lang="en-US" sz="2000" dirty="0" err="1"/>
-              <a:t>propertyKeyAlias</a:t>
-            </a:r>
-            <a:r>
-              <a:rPr lang="en-US" sz="2000" dirty="0"/>
-              <a:t>) in </a:t>
-            </a:r>
-            <a:r>
-              <a:rPr lang="en-US" sz="2000" dirty="0" err="1"/>
-              <a:t>someObject</a:t>
-            </a:r>
-            <a:r>
-              <a:rPr lang="en-US" sz="2000" dirty="0"/>
-              <a:t>"</a:t>
-            </a:r>
-          </a:p>
-          <a:p>
-            <a:pPr marL="342900" indent="-342900" algn="l">
-              <a:buFont typeface="Arial"/>
-              <a:buChar char="•"/>
-            </a:pPr>
-            <a:r>
-              <a:rPr lang="en-US" sz="2400" dirty="0" err="1" smtClean="0"/>
+              <a:rPr lang="en-US" sz="1600" dirty="0"/>
+              <a:t>-controller="</a:t>
+            </a:r>
+            <a:r>
+              <a:rPr lang="en-US" sz="1600" dirty="0" err="1"/>
+              <a:t>ControllerOne</a:t>
+            </a:r>
+            <a:r>
+              <a:rPr lang="en-US" sz="1600" dirty="0"/>
+              <a:t>"&gt;</a:t>
+            </a:r>
+          </a:p>
+          <a:p>
+            <a:pPr lvl="1" algn="l"/>
+            <a:r>
+              <a:rPr lang="nl-NL" sz="1600" dirty="0" smtClean="0"/>
+              <a:t>  {</a:t>
+            </a:r>
+            <a:r>
+              <a:rPr lang="nl-NL" sz="1600" dirty="0"/>
+              <a:t>{</a:t>
+            </a:r>
+            <a:r>
+              <a:rPr lang="nl-NL" sz="1600" dirty="0" err="1"/>
+              <a:t>foo</a:t>
+            </a:r>
+            <a:r>
+              <a:rPr lang="nl-NL" sz="1600" dirty="0"/>
+              <a:t>}</a:t>
+            </a:r>
+            <a:r>
+              <a:rPr lang="nl-NL" sz="1600" dirty="0" smtClean="0"/>
+              <a:t>}</a:t>
+            </a:r>
+            <a:endParaRPr lang="nl-NL" sz="1600" dirty="0"/>
+          </a:p>
+          <a:p>
+            <a:pPr lvl="1" algn="l"/>
+            <a:r>
+              <a:rPr lang="nl-NL" sz="1600" dirty="0" smtClean="0"/>
+              <a:t>&lt;</a:t>
+            </a:r>
+            <a:r>
+              <a:rPr lang="nl-NL" sz="1600" dirty="0"/>
+              <a:t>div </a:t>
+            </a:r>
+            <a:r>
+              <a:rPr lang="nl-NL" sz="1600" dirty="0" err="1"/>
               <a:t>ng</a:t>
             </a:r>
             <a:r>
-              <a:rPr lang="en-US" sz="2400" dirty="0"/>
-              <a:t>-repeat can be nested</a:t>
-            </a:r>
-          </a:p>
-          <a:p>
-            <a:pPr marL="342900" indent="-342900" algn="l">
-              <a:buFont typeface="Arial"/>
-              <a:buChar char="•"/>
-            </a:pPr>
-            <a:r>
-              <a:rPr lang="en-US" sz="2400" dirty="0" smtClean="0"/>
-              <a:t>Not </a:t>
-            </a:r>
-            <a:r>
-              <a:rPr lang="en-US" sz="2400" dirty="0"/>
-              <a:t>a list comprehension (</a:t>
-            </a:r>
-            <a:r>
-              <a:rPr lang="en-US" sz="2400" dirty="0" smtClean="0"/>
-              <a:t>can’t </a:t>
-            </a:r>
-            <a:r>
-              <a:rPr lang="en-US" sz="2400" dirty="0"/>
-              <a:t>access </a:t>
-            </a:r>
-            <a:r>
-              <a:rPr lang="en-US" sz="2400" dirty="0" smtClean="0"/>
-              <a:t>iterator properties</a:t>
-            </a:r>
-            <a:r>
-              <a:rPr lang="en-US" sz="2400" dirty="0"/>
-              <a:t>)</a:t>
-            </a:r>
-          </a:p>
-          <a:p>
-            <a:pPr marL="342900" indent="-342900" algn="l">
-              <a:buFont typeface="Arial"/>
-              <a:buChar char="•"/>
-            </a:pPr>
-            <a:r>
-              <a:rPr lang="en-US" sz="2400" dirty="0" smtClean="0"/>
-              <a:t>Gotcha</a:t>
-            </a:r>
-            <a:r>
-              <a:rPr lang="en-US" sz="2400" dirty="0"/>
-              <a:t>: elements in collection must be unique by strict equality (===)</a:t>
-            </a:r>
-          </a:p>
-          <a:p>
-            <a:pPr marL="342900" indent="-342900" algn="l">
-              <a:buFont typeface="Arial"/>
-              <a:buChar char="•"/>
-            </a:pPr>
-            <a:r>
-              <a:rPr lang="en-US" sz="2400" dirty="0" smtClean="0"/>
-              <a:t>examples</a:t>
-            </a:r>
-            <a:r>
-              <a:rPr lang="en-US" sz="2400" dirty="0"/>
-              <a:t>/03-simple-looping</a:t>
-            </a:r>
-            <a:endParaRPr lang="en-US" sz="2000" dirty="0"/>
+              <a:rPr lang="nl-NL" sz="1600" dirty="0"/>
+              <a:t>-controller="</a:t>
+            </a:r>
+            <a:r>
+              <a:rPr lang="nl-NL" sz="1600" dirty="0" err="1"/>
+              <a:t>ControllerTwo</a:t>
+            </a:r>
+            <a:r>
+              <a:rPr lang="nl-NL" sz="1600" dirty="0"/>
+              <a:t>"&gt;</a:t>
+            </a:r>
+          </a:p>
+          <a:p>
+            <a:pPr lvl="1" algn="l"/>
+            <a:r>
+              <a:rPr lang="nl-NL" sz="1600" dirty="0" smtClean="0"/>
+              <a:t>   {</a:t>
+            </a:r>
+            <a:r>
+              <a:rPr lang="nl-NL" sz="1600" dirty="0"/>
+              <a:t>{</a:t>
+            </a:r>
+            <a:r>
+              <a:rPr lang="nl-NL" sz="1600" dirty="0" err="1"/>
+              <a:t>foo</a:t>
+            </a:r>
+            <a:r>
+              <a:rPr lang="nl-NL" sz="1600" dirty="0"/>
+              <a:t>}}</a:t>
+            </a:r>
+          </a:p>
+          <a:p>
+            <a:pPr lvl="1" algn="l"/>
+            <a:r>
+              <a:rPr lang="nl-NL" sz="1600" dirty="0" smtClean="0"/>
+              <a:t>  {</a:t>
+            </a:r>
+            <a:r>
+              <a:rPr lang="nl-NL" sz="1600" dirty="0"/>
+              <a:t>{$</a:t>
+            </a:r>
+            <a:r>
+              <a:rPr lang="nl-NL" sz="1600" dirty="0" err="1"/>
+              <a:t>parent.foo</a:t>
+            </a:r>
+            <a:r>
+              <a:rPr lang="nl-NL" sz="1600" dirty="0"/>
+              <a:t>}}</a:t>
+            </a:r>
+          </a:p>
+          <a:p>
+            <a:pPr marL="342900" indent="-342900" algn="l">
+              <a:buFont typeface="Arial"/>
+              <a:buChar char="•"/>
+            </a:pPr>
+            <a:r>
+              <a:rPr lang="nl-NL" sz="2000" dirty="0" smtClean="0"/>
+              <a:t>Template </a:t>
+            </a:r>
+            <a:r>
+              <a:rPr lang="nl-NL" sz="2000" dirty="0" err="1" smtClean="0"/>
+              <a:t>decoupled</a:t>
+            </a:r>
+            <a:r>
+              <a:rPr lang="nl-NL" sz="2000" dirty="0" smtClean="0"/>
+              <a:t> - </a:t>
+            </a:r>
+            <a:r>
+              <a:rPr lang="nl-NL" sz="2000" dirty="0" err="1" smtClean="0"/>
+              <a:t>moveable</a:t>
+            </a:r>
+            <a:endParaRPr lang="nl-NL" sz="2000" dirty="0" smtClean="0"/>
+          </a:p>
+          <a:p>
+            <a:pPr lvl="1" algn="l"/>
+            <a:r>
+              <a:rPr lang="nl-NL" sz="1600" dirty="0" smtClean="0"/>
+              <a:t>  &lt;div </a:t>
+            </a:r>
+            <a:r>
+              <a:rPr lang="nl-NL" sz="1600" dirty="0" err="1" smtClean="0"/>
+              <a:t>ng</a:t>
+            </a:r>
+            <a:r>
+              <a:rPr lang="nl-NL" sz="1600" dirty="0" smtClean="0"/>
+              <a:t>-controller="</a:t>
+            </a:r>
+            <a:r>
+              <a:rPr lang="nl-NL" sz="1600" dirty="0" err="1" smtClean="0"/>
+              <a:t>ControllerOne</a:t>
+            </a:r>
+            <a:r>
+              <a:rPr lang="nl-NL" sz="1600" dirty="0" smtClean="0"/>
+              <a:t> as ctrl1"&gt;</a:t>
+            </a:r>
+          </a:p>
+          <a:p>
+            <a:pPr lvl="1" algn="l"/>
+            <a:r>
+              <a:rPr lang="nl-NL" sz="1600" dirty="0" smtClean="0"/>
+              <a:t>    {</a:t>
+            </a:r>
+            <a:r>
+              <a:rPr lang="nl-NL" sz="1600" dirty="0"/>
+              <a:t>{ctrl1.foo}}</a:t>
+            </a:r>
+          </a:p>
+          <a:p>
+            <a:pPr algn="l"/>
+            <a:r>
+              <a:rPr lang="nl-NL" sz="1600" dirty="0"/>
+              <a:t>          &lt;div </a:t>
+            </a:r>
+            <a:r>
+              <a:rPr lang="nl-NL" sz="1600" dirty="0" err="1"/>
+              <a:t>ng</a:t>
+            </a:r>
+            <a:r>
+              <a:rPr lang="nl-NL" sz="1600" dirty="0"/>
+              <a:t>-</a:t>
+            </a:r>
+            <a:r>
+              <a:rPr lang="nl-NL" sz="1600" dirty="0" smtClean="0"/>
+              <a:t>controller</a:t>
+            </a:r>
+            <a:r>
+              <a:rPr lang="nl-NL" sz="1600" dirty="0"/>
+              <a:t>="</a:t>
+            </a:r>
+            <a:r>
+              <a:rPr lang="nl-NL" sz="1600" dirty="0" err="1"/>
+              <a:t>ControllerTwo</a:t>
+            </a:r>
+            <a:r>
+              <a:rPr lang="nl-NL" sz="1600" dirty="0"/>
+              <a:t> as ctrl2"&gt;</a:t>
+            </a:r>
+          </a:p>
+          <a:p>
+            <a:pPr lvl="1" algn="l"/>
+            <a:r>
+              <a:rPr lang="nl-NL" sz="1600" dirty="0"/>
+              <a:t>   </a:t>
+            </a:r>
+            <a:r>
+              <a:rPr lang="nl-NL" sz="1600" dirty="0" smtClean="0"/>
+              <a:t>  {</a:t>
+            </a:r>
+            <a:r>
+              <a:rPr lang="nl-NL" sz="1600" dirty="0"/>
+              <a:t>{ctrl2.foo}}</a:t>
+            </a:r>
+          </a:p>
+          <a:p>
+            <a:pPr lvl="1" algn="l"/>
+            <a:r>
+              <a:rPr lang="nl-NL" sz="1600" dirty="0"/>
+              <a:t>     </a:t>
+            </a:r>
+            <a:r>
+              <a:rPr lang="nl-NL" sz="1600" dirty="0" smtClean="0"/>
+              <a:t>{</a:t>
+            </a:r>
+            <a:r>
+              <a:rPr lang="nl-NL" sz="1600" dirty="0"/>
+              <a:t>{ctrl1.foo}}</a:t>
+            </a:r>
+          </a:p>
+          <a:p>
+            <a:pPr marL="342900" indent="-342900" algn="l">
+              <a:buFont typeface="Arial"/>
+              <a:buChar char="•"/>
+            </a:pPr>
+            <a:r>
+              <a:rPr lang="nl-NL" sz="2000" dirty="0" smtClean="0"/>
+              <a:t>Syntax </a:t>
+            </a:r>
+            <a:r>
+              <a:rPr lang="nl-NL" sz="2000" dirty="0" err="1"/>
+              <a:t>not</a:t>
+            </a:r>
+            <a:r>
+              <a:rPr lang="nl-NL" sz="2000" dirty="0"/>
+              <a:t> </a:t>
+            </a:r>
+            <a:r>
+              <a:rPr lang="nl-NL" sz="2000" dirty="0" err="1"/>
+              <a:t>limited</a:t>
+            </a:r>
+            <a:r>
+              <a:rPr lang="nl-NL" sz="2000" dirty="0"/>
+              <a:t> </a:t>
+            </a:r>
+            <a:r>
+              <a:rPr lang="nl-NL" sz="2000" dirty="0" err="1"/>
+              <a:t>to</a:t>
+            </a:r>
+            <a:r>
+              <a:rPr lang="nl-NL" sz="2000" dirty="0"/>
+              <a:t> views - </a:t>
+            </a:r>
+            <a:r>
+              <a:rPr lang="nl-NL" sz="2000" dirty="0" err="1"/>
+              <a:t>heres</a:t>
+            </a:r>
+            <a:r>
+              <a:rPr lang="nl-NL" sz="2000" dirty="0"/>
+              <a:t> a Directive Definition </a:t>
+            </a:r>
+            <a:r>
+              <a:rPr lang="nl-NL" sz="2000" dirty="0" smtClean="0"/>
+              <a:t>Object:</a:t>
+            </a:r>
+          </a:p>
+          <a:p>
+            <a:pPr lvl="1" algn="l"/>
+            <a:r>
+              <a:rPr lang="fr-FR" sz="1600" dirty="0" smtClean="0"/>
+              <a:t>{ </a:t>
+            </a:r>
+            <a:r>
+              <a:rPr lang="fr-FR" sz="1600" dirty="0" err="1" smtClean="0"/>
+              <a:t>restrict</a:t>
+            </a:r>
+            <a:r>
+              <a:rPr lang="fr-FR" sz="1600" dirty="0" smtClean="0"/>
+              <a:t>: 'A',</a:t>
+            </a:r>
+          </a:p>
+          <a:p>
+            <a:pPr lvl="1" algn="l"/>
+            <a:r>
+              <a:rPr lang="fr-FR" sz="1600" dirty="0" smtClean="0"/>
+              <a:t> </a:t>
+            </a:r>
+            <a:r>
+              <a:rPr lang="fr-FR" sz="1600" dirty="0" err="1" smtClean="0"/>
+              <a:t>controller</a:t>
+            </a:r>
+            <a:r>
+              <a:rPr lang="fr-FR" sz="1600" dirty="0"/>
+              <a:t>: '</a:t>
+            </a:r>
+            <a:r>
+              <a:rPr lang="fr-FR" sz="1600" dirty="0" err="1"/>
+              <a:t>SomeController</a:t>
+            </a:r>
+            <a:r>
+              <a:rPr lang="fr-FR" sz="1600" dirty="0"/>
+              <a:t>',</a:t>
+            </a:r>
+          </a:p>
+          <a:p>
+            <a:pPr lvl="1" algn="l"/>
+            <a:r>
+              <a:rPr lang="fr-FR" sz="1600" dirty="0" smtClean="0"/>
+              <a:t> </a:t>
+            </a:r>
+            <a:r>
+              <a:rPr lang="fr-FR" sz="1600" dirty="0" err="1" smtClean="0"/>
+              <a:t>controllerAs</a:t>
+            </a:r>
+            <a:r>
+              <a:rPr lang="fr-FR" sz="1600" dirty="0"/>
+              <a:t>: 'ctrl',</a:t>
+            </a:r>
+          </a:p>
+          <a:p>
+            <a:pPr lvl="1" algn="l"/>
+            <a:r>
+              <a:rPr lang="nl-NL" sz="1600" dirty="0" smtClean="0"/>
+              <a:t> template</a:t>
+            </a:r>
+            <a:r>
+              <a:rPr lang="nl-NL" sz="1600" dirty="0"/>
+              <a:t>: '{{</a:t>
+            </a:r>
+            <a:r>
+              <a:rPr lang="nl-NL" sz="1600" dirty="0" err="1"/>
+              <a:t>ctrl.foo</a:t>
+            </a:r>
+            <a:r>
+              <a:rPr lang="nl-NL" sz="1600" dirty="0"/>
+              <a:t>}</a:t>
+            </a:r>
+            <a:r>
+              <a:rPr lang="nl-NL" sz="1600" dirty="0" smtClean="0"/>
+              <a:t>}’}</a:t>
+            </a:r>
+            <a:endParaRPr lang="en-US" sz="1700" dirty="0"/>
           </a:p>
         </p:txBody>
       </p:sp>
     </p:spTree>
     <p:extLst>
       <p:ext uri="{BB962C8B-B14F-4D97-AF65-F5344CB8AC3E}">
-        <p14:creationId xmlns:p14="http://schemas.microsoft.com/office/powerpoint/2010/main" val="4167287338"/>
+        <p14:creationId xmlns:p14="http://schemas.microsoft.com/office/powerpoint/2010/main" val="852562316"/>
       </p:ext>
     </p:extLst>
   </p:cSld>
@@ -3508,18 +3759,9 @@
           <a:lstStyle/>
           <a:p>
             <a:r>
-              <a:rPr lang="en-US" dirty="0" smtClean="0"/>
-              <a:t>Advan</a:t>
-            </a:r>
-            <a:r>
-              <a:rPr lang="en-US" dirty="0" smtClean="0"/>
-              <a:t>ced </a:t>
-            </a:r>
-            <a:r>
-              <a:rPr lang="en-US" dirty="0" smtClean="0"/>
-              <a:t>Looping</a:t>
-            </a:r>
-            <a:endParaRPr lang="en-US" dirty="0"/>
+              <a:rPr lang="en-US" dirty="0"/>
+              <a:t>Advanced Looping</a:t>
+            </a:r>
           </a:p>
         </p:txBody>
       </p:sp>
@@ -3550,72 +3792,144 @@
               <a:buChar char="•"/>
             </a:pPr>
             <a:r>
+              <a:rPr lang="en-US" sz="2400" dirty="0" err="1" smtClean="0"/>
+              <a:t>ng</a:t>
+            </a:r>
+            <a:r>
               <a:rPr lang="en-US" sz="2400" dirty="0"/>
-              <a:t>Within iterations, </a:t>
-            </a:r>
+              <a:t>-repeat can iterate arrays or objects</a:t>
+            </a:r>
+          </a:p>
+          <a:p>
+            <a:pPr marL="800100" lvl="1" indent="-342900" algn="l">
+              <a:buFont typeface="Arial"/>
+              <a:buChar char="•"/>
+            </a:pPr>
+            <a:r>
+              <a:rPr lang="en-US" sz="2000" dirty="0" smtClean="0"/>
+              <a:t>array</a:t>
+            </a:r>
+            <a:r>
+              <a:rPr lang="en-US" sz="2000" dirty="0"/>
+              <a:t>: "each-item-alias in </a:t>
+            </a:r>
+            <a:r>
+              <a:rPr lang="en-US" sz="2000" dirty="0" err="1" smtClean="0"/>
+              <a:t>someArray</a:t>
+            </a:r>
+            <a:r>
+              <a:rPr lang="en-US" sz="2000" dirty="0" smtClean="0"/>
+              <a:t>”</a:t>
+            </a:r>
+            <a:endParaRPr lang="en-US" sz="2000" dirty="0"/>
+          </a:p>
+          <a:p>
+            <a:pPr marL="800100" lvl="1" indent="-342900" algn="l">
+              <a:buFont typeface="Arial"/>
+              <a:buChar char="•"/>
+            </a:pPr>
+            <a:r>
+              <a:rPr lang="en-US" sz="2000" dirty="0" smtClean="0"/>
+              <a:t>object</a:t>
+            </a:r>
+            <a:r>
+              <a:rPr lang="en-US" sz="2000" dirty="0"/>
+              <a:t>: "(</a:t>
+            </a:r>
+            <a:r>
+              <a:rPr lang="en-US" sz="2000" dirty="0" err="1"/>
+              <a:t>propertyNameAlias</a:t>
+            </a:r>
+            <a:r>
+              <a:rPr lang="en-US" sz="2000" dirty="0"/>
+              <a:t>, </a:t>
+            </a:r>
+            <a:r>
+              <a:rPr lang="en-US" sz="2000" dirty="0" err="1"/>
+              <a:t>propertyKeyAlias</a:t>
+            </a:r>
+            <a:r>
+              <a:rPr lang="en-US" sz="2000" dirty="0"/>
+              <a:t>) in </a:t>
+            </a:r>
+            <a:r>
+              <a:rPr lang="en-US" sz="2000" dirty="0" err="1"/>
+              <a:t>someObject</a:t>
+            </a:r>
+            <a:r>
+              <a:rPr lang="en-US" sz="2000" dirty="0"/>
+              <a:t>"</a:t>
+            </a:r>
+          </a:p>
+          <a:p>
+            <a:pPr marL="342900" indent="-342900" algn="l">
+              <a:buFont typeface="Arial"/>
+              <a:buChar char="•"/>
+            </a:pPr>
+            <a:r>
+              <a:rPr lang="en-US" sz="2400" dirty="0" err="1" smtClean="0"/>
+              <a:t>ng</a:t>
+            </a:r>
+            <a:r>
+              <a:rPr lang="en-US" sz="2400" dirty="0"/>
+              <a:t>-repeat can be nested</a:t>
+            </a:r>
+          </a:p>
+          <a:p>
+            <a:pPr marL="342900" indent="-342900" algn="l">
+              <a:buFont typeface="Arial"/>
+              <a:buChar char="•"/>
+            </a:pPr>
             <a:r>
               <a:rPr lang="en-US" sz="2400" dirty="0" smtClean="0"/>
-              <a:t>special properties available:</a:t>
+              <a:t>Not </a:t>
+            </a:r>
+            <a:r>
+              <a:rPr lang="en-US" sz="2400" dirty="0"/>
+              <a:t>a list comprehension (</a:t>
+            </a:r>
+            <a:r>
+              <a:rPr lang="en-US" sz="2400" dirty="0" smtClean="0"/>
+              <a:t>can’t </a:t>
+            </a:r>
+            <a:r>
+              <a:rPr lang="en-US" sz="2400" dirty="0"/>
+              <a:t>access </a:t>
+            </a:r>
+            <a:r>
+              <a:rPr lang="en-US" sz="2400" dirty="0" smtClean="0"/>
+              <a:t>iterator properties</a:t>
+            </a:r>
+            <a:r>
+              <a:rPr lang="en-US" sz="2400" dirty="0"/>
+              <a:t>)</a:t>
+            </a:r>
+          </a:p>
+          <a:p>
+            <a:pPr marL="342900" indent="-342900" algn="l">
+              <a:buFont typeface="Arial"/>
+              <a:buChar char="•"/>
+            </a:pPr>
+            <a:r>
+              <a:rPr lang="en-US" sz="2400" dirty="0" smtClean="0"/>
+              <a:t>Gotcha</a:t>
+            </a:r>
+            <a:r>
+              <a:rPr lang="en-US" sz="2400" dirty="0"/>
+              <a:t>: elements in collection must be unique by strict equality (===</a:t>
+            </a:r>
+            <a:r>
+              <a:rPr lang="en-US" sz="2400" dirty="0" smtClean="0"/>
+              <a:t>)</a:t>
             </a:r>
             <a:endParaRPr lang="en-US" sz="2400" dirty="0"/>
-          </a:p>
-          <a:p>
-            <a:pPr marL="800100" lvl="1" indent="-342900" algn="l">
-              <a:buFont typeface="Arial"/>
-              <a:buChar char="•"/>
-            </a:pPr>
-            <a:r>
-              <a:rPr lang="en-US" sz="2000" dirty="0" smtClean="0"/>
-              <a:t>$</a:t>
-            </a:r>
-            <a:r>
-              <a:rPr lang="en-US" sz="2000" dirty="0"/>
-              <a:t>index, $even, $odd, $first, $middle, $last</a:t>
-            </a:r>
-          </a:p>
-          <a:p>
-            <a:pPr marL="342900" indent="-342900" algn="l">
-              <a:buFont typeface="Arial"/>
-              <a:buChar char="•"/>
-            </a:pPr>
-            <a:r>
-              <a:rPr lang="en-US" sz="2400" dirty="0" smtClean="0"/>
-              <a:t>Use </a:t>
-            </a:r>
-            <a:r>
-              <a:rPr lang="en-US" sz="2400" dirty="0" err="1"/>
-              <a:t>ng-init</a:t>
-            </a:r>
-            <a:r>
-              <a:rPr lang="en-US" sz="2400" dirty="0"/>
-              <a:t> to set custom values within each iteration</a:t>
-            </a:r>
-          </a:p>
-          <a:p>
-            <a:pPr marL="342900" indent="-342900" algn="l">
-              <a:buFont typeface="Arial"/>
-              <a:buChar char="•"/>
-            </a:pPr>
-            <a:r>
-              <a:rPr lang="en-US" sz="2400" dirty="0" smtClean="0"/>
-              <a:t>Use </a:t>
-            </a:r>
-            <a:r>
-              <a:rPr lang="en-US" sz="2400" dirty="0" err="1"/>
-              <a:t>ng</a:t>
-            </a:r>
-            <a:r>
-              <a:rPr lang="en-US" sz="2400" dirty="0"/>
-              <a:t>-repeat-start and -end to add sibling elements</a:t>
-            </a:r>
-            <a:endParaRPr lang="en-US" sz="2000" dirty="0"/>
           </a:p>
         </p:txBody>
       </p:sp>
     </p:spTree>
     <p:extLst>
       <p:ext uri="{BB962C8B-B14F-4D97-AF65-F5344CB8AC3E}">
-        <p14:creationId xmlns:p14="http://schemas.microsoft.com/office/powerpoint/2010/main" val="2305374854"/>
+        <p14:creationId xmlns:p14="http://schemas.microsoft.com/office/powerpoint/2010/main" val="4167287338"/>
       </p:ext>
     </p:extLst>
   </p:cSld>
@@ -3663,12 +3977,8 @@
           <a:lstStyle/>
           <a:p>
             <a:r>
-              <a:rPr lang="en-US" dirty="0"/>
-              <a:t>Dependency </a:t>
-            </a:r>
-            <a:r>
               <a:rPr lang="en-US" dirty="0" smtClean="0"/>
-              <a:t>Injection</a:t>
+              <a:t>Advanced Looping</a:t>
             </a:r>
             <a:endParaRPr lang="en-US" dirty="0"/>
           </a:p>
@@ -3696,27 +4006,33 @@
           </a:bodyPr>
           <a:lstStyle/>
           <a:p>
-            <a:pPr algn="l"/>
-            <a:r>
-              <a:rPr lang="en-US" sz="2800" dirty="0" smtClean="0"/>
-              <a:t>A design </a:t>
-            </a:r>
-            <a:r>
-              <a:rPr lang="en-US" sz="2800" dirty="0"/>
-              <a:t>pattern </a:t>
-            </a:r>
-            <a:endParaRPr lang="en-US" sz="2800" dirty="0" smtClean="0"/>
-          </a:p>
-          <a:p>
-            <a:pPr marL="342900" indent="-342900" algn="l">
-              <a:buFont typeface="Arial"/>
-              <a:buChar char="•"/>
-            </a:pPr>
+            <a:pPr marL="342900" indent="-342900" algn="l">
+              <a:buFont typeface="Arial"/>
+              <a:buChar char="•"/>
+            </a:pPr>
+            <a:r>
+              <a:rPr lang="en-US" sz="2400" dirty="0"/>
+              <a:t>Within iterations, </a:t>
+            </a:r>
             <a:r>
               <a:rPr lang="en-US" sz="2400" dirty="0" smtClean="0"/>
-              <a:t>Language-independent, but well suited to web apps</a:t>
-            </a:r>
-            <a:endParaRPr lang="en-US" sz="2400" dirty="0" smtClean="0"/>
+              <a:t>special properties available:</a:t>
+            </a:r>
+            <a:endParaRPr lang="en-US" sz="2400" dirty="0"/>
+          </a:p>
+          <a:p>
+            <a:pPr marL="800100" lvl="1" indent="-342900" algn="l">
+              <a:buFont typeface="Arial"/>
+              <a:buChar char="•"/>
+            </a:pPr>
+            <a:r>
+              <a:rPr lang="en-US" sz="2000" dirty="0" smtClean="0"/>
+              <a:t>$</a:t>
+            </a:r>
+            <a:r>
+              <a:rPr lang="en-US" sz="2000" dirty="0"/>
+              <a:t>index, $even, $odd, $first, $middle, $last</a:t>
+            </a:r>
           </a:p>
           <a:p>
             <a:pPr marL="342900" indent="-342900" algn="l">
@@ -3725,82 +4041,33 @@
             </a:pPr>
             <a:r>
               <a:rPr lang="en-US" sz="2400" dirty="0" smtClean="0"/>
-              <a:t>Implements </a:t>
+              <a:t>Use </a:t>
+            </a:r>
+            <a:r>
+              <a:rPr lang="en-US" sz="2400" dirty="0" err="1"/>
+              <a:t>ng-init</a:t>
             </a:r>
             <a:r>
               <a:rPr lang="en-US" sz="2400" dirty="0"/>
-              <a:t>a principle named Inversion Of Control</a:t>
-            </a:r>
-          </a:p>
-          <a:p>
-            <a:pPr marL="342900" indent="-342900" algn="l">
-              <a:buFont typeface="Arial"/>
-              <a:buChar char="•"/>
-            </a:pPr>
-            <a:r>
-              <a:rPr lang="en-US" sz="2400" dirty="0" err="1" smtClean="0"/>
-              <a:t>IoC</a:t>
-            </a:r>
+              <a:t> to set custom values within each iteration</a:t>
+            </a:r>
+          </a:p>
+          <a:p>
+            <a:pPr marL="342900" indent="-342900" algn="l">
+              <a:buFont typeface="Arial"/>
+              <a:buChar char="•"/>
+            </a:pPr>
             <a:r>
               <a:rPr lang="en-US" sz="2400" dirty="0" smtClean="0"/>
-              <a:t> </a:t>
-            </a:r>
-            <a:r>
-              <a:rPr lang="en-US" sz="2400" dirty="0" smtClean="0"/>
-              <a:t>in turn is  a form of 'information hiding'</a:t>
-            </a:r>
-          </a:p>
-          <a:p>
-            <a:pPr marL="342900" indent="-342900" algn="l">
-              <a:buFont typeface="Arial"/>
-              <a:buChar char="•"/>
-            </a:pPr>
-            <a:r>
-              <a:rPr lang="en-US" sz="2400" dirty="0" smtClean="0"/>
-              <a:t>Calling code should know </a:t>
+              <a:t>Use </a:t>
+            </a:r>
+            <a:r>
+              <a:rPr lang="en-US" sz="2400" dirty="0" err="1"/>
+              <a:t>ng</a:t>
             </a:r>
             <a:r>
               <a:rPr lang="en-US" sz="2400" dirty="0"/>
-              <a:t>as little as possible about </a:t>
-            </a:r>
-            <a:r>
-              <a:rPr lang="en-US" sz="2400" dirty="0" smtClean="0"/>
-              <a:t>called code</a:t>
-            </a:r>
-            <a:endParaRPr lang="en-US" sz="2400" dirty="0" smtClean="0"/>
-          </a:p>
-          <a:p>
-            <a:pPr marL="800100" lvl="1" indent="-342900" algn="l">
-              <a:buFont typeface="Arial"/>
-              <a:buChar char="•"/>
-            </a:pPr>
-            <a:r>
-              <a:rPr lang="en-US" sz="2000" dirty="0" smtClean="0"/>
-              <a:t>where to find an instance</a:t>
-            </a:r>
-          </a:p>
-          <a:p>
-            <a:pPr marL="800100" lvl="1" indent="-342900" algn="l">
-              <a:buFont typeface="Arial"/>
-              <a:buChar char="•"/>
-            </a:pPr>
-            <a:r>
-              <a:rPr lang="en-US" sz="2000" dirty="0"/>
-              <a:t>h</a:t>
-            </a:r>
-            <a:r>
-              <a:rPr lang="en-US" sz="2000" dirty="0" smtClean="0"/>
-              <a:t>ow to create a new instance</a:t>
-            </a:r>
-          </a:p>
-          <a:p>
-            <a:pPr marL="800100" lvl="1" indent="-342900" algn="l">
-              <a:buFont typeface="Arial"/>
-              <a:buChar char="•"/>
-            </a:pPr>
-            <a:r>
-              <a:rPr lang="en-US" sz="2000" dirty="0" err="1" smtClean="0"/>
-              <a:t>etc</a:t>
+              <a:t>-repeat-start and -end to add sibling elements</a:t>
             </a:r>
             <a:endParaRPr lang="en-US" sz="2000" dirty="0"/>
           </a:p>
@@ -3809,20 +4076,13 @@
     </p:spTree>
     <p:extLst>
       <p:ext uri="{BB962C8B-B14F-4D97-AF65-F5344CB8AC3E}">
-        <p14:creationId xmlns:p14="http://schemas.microsoft.com/office/powerpoint/2010/main" val="4200027496"/>
+        <p14:creationId xmlns:p14="http://schemas.microsoft.com/office/powerpoint/2010/main" val="2305374854"/>
       </p:ext>
     </p:extLst>
   </p:cSld>
   <p:clrMapOvr>
     <a:masterClrMapping/>
   </p:clrMapOvr>
-  <p:timing>
-    <p:tnLst>
-      <p:par>
-        <p:cTn xmlns:p14="http://schemas.microsoft.com/office/powerpoint/2010/main" id="1" dur="indefinite" restart="never" nodeType="tmRoot"/>
-      </p:par>
-    </p:tnLst>
-  </p:timing>
 </p:sld>
 </file>
 
@@ -3900,9 +4160,13 @@
             <a:pPr algn="l"/>
             <a:r>
               <a:rPr lang="en-US" sz="2800" dirty="0" smtClean="0"/>
-              <a:t>In practice</a:t>
-            </a:r>
-            <a:endParaRPr lang="en-US" sz="2000" dirty="0" smtClean="0"/>
+              <a:t>A design </a:t>
+            </a:r>
+            <a:r>
+              <a:rPr lang="en-US" sz="2800" dirty="0"/>
+              <a:t>pattern </a:t>
+            </a:r>
+            <a:endParaRPr lang="en-US" sz="2800" dirty="0" smtClean="0"/>
           </a:p>
           <a:p>
             <a:pPr marL="342900" indent="-342900" algn="l">
@@ -3911,44 +4175,53 @@
             </a:pPr>
             <a:r>
               <a:rPr lang="en-US" sz="2400" dirty="0" smtClean="0"/>
-              <a:t>Calling code </a:t>
+              <a:t>Language-independent, but well suited to web apps</a:t>
+            </a:r>
+          </a:p>
+          <a:p>
+            <a:pPr marL="342900" indent="-342900" algn="l">
+              <a:buFont typeface="Arial"/>
+              <a:buChar char="•"/>
+            </a:pPr>
+            <a:r>
+              <a:rPr lang="en-US" sz="2400" dirty="0" smtClean="0"/>
+              <a:t>Implements </a:t>
             </a:r>
             <a:r>
               <a:rPr lang="en-US" sz="2400" dirty="0"/>
-              <a:t>states its dependencies</a:t>
-            </a:r>
-          </a:p>
-          <a:p>
-            <a:pPr marL="342900" indent="-342900" algn="l">
-              <a:buFont typeface="Arial"/>
-              <a:buChar char="•"/>
-            </a:pPr>
+              <a:t>a principle named Inversion Of Control</a:t>
+            </a:r>
+          </a:p>
+          <a:p>
+            <a:pPr marL="342900" indent="-342900" algn="l">
+              <a:buFont typeface="Arial"/>
+              <a:buChar char="•"/>
+            </a:pPr>
+            <a:r>
+              <a:rPr lang="en-US" sz="2400" dirty="0" err="1" smtClean="0"/>
+              <a:t>IoC</a:t>
+            </a:r>
             <a:r>
               <a:rPr lang="en-US" sz="2400" dirty="0" smtClean="0"/>
-              <a:t>Injector </a:t>
+              <a:t> in turn is  a form of 'information hiding'</a:t>
+            </a:r>
+          </a:p>
+          <a:p>
+            <a:pPr marL="342900" indent="-342900" algn="l">
+              <a:buFont typeface="Arial"/>
+              <a:buChar char="•"/>
+            </a:pPr>
+            <a:r>
+              <a:rPr lang="en-US" sz="2400" dirty="0" smtClean="0"/>
+              <a:t>Calling code should know </a:t>
             </a:r>
             <a:r>
               <a:rPr lang="en-US" sz="2400" dirty="0"/>
-              <a:t>is responsible for </a:t>
+              <a:t>as little as possible about </a:t>
             </a:r>
             <a:r>
               <a:rPr lang="en-US" sz="2400" dirty="0" smtClean="0"/>
-              <a:t>providing instances</a:t>
-            </a:r>
-            <a:endParaRPr lang="en-US" sz="2400" dirty="0"/>
-          </a:p>
-          <a:p>
-            <a:pPr marL="342900" indent="-342900" algn="l">
-              <a:buFont typeface="Arial"/>
-              <a:buChar char="•"/>
-            </a:pPr>
-            <a:r>
-              <a:rPr lang="en-US" sz="2400" dirty="0" smtClean="0"/>
-              <a:t>injector </a:t>
-            </a:r>
-            <a:r>
-              <a:rPr lang="en-US" sz="2400" dirty="0" smtClean="0"/>
-              <a:t>handles…</a:t>
+              <a:t>called code</a:t>
             </a:r>
           </a:p>
           <a:p>
@@ -3958,7 +4231,7 @@
             </a:pPr>
             <a:r>
               <a:rPr lang="en-US" sz="2000" dirty="0" smtClean="0"/>
-              <a:t>Finding the registration for this dependency</a:t>
+              <a:t>where to find an instance</a:t>
             </a:r>
           </a:p>
           <a:p>
@@ -3967,12 +4240,12 @@
               <a:buChar char="•"/>
             </a:pPr>
             <a:r>
+              <a:rPr lang="en-US" sz="2000" dirty="0"/>
+              <a:t>h</a:t>
+            </a:r>
+            <a:r>
               <a:rPr lang="en-US" sz="2000" dirty="0" smtClean="0"/>
-              <a:t>Recursively finding all sub</a:t>
-            </a:r>
-            <a:r>
-              <a:rPr lang="en-US" sz="2000" smtClean="0"/>
-              <a:t>-dependencies</a:t>
+              <a:t>ow to create a new instance</a:t>
             </a:r>
           </a:p>
           <a:p>
@@ -3980,33 +4253,18 @@
               <a:buFont typeface="Arial"/>
               <a:buChar char="•"/>
             </a:pPr>
+            <a:r>
+              <a:rPr lang="en-US" sz="2000" dirty="0" err="1" smtClean="0"/>
+              <a:t>etc</a:t>
+            </a:r>
             <a:endParaRPr lang="en-US" sz="2000" dirty="0"/>
-          </a:p>
-          <a:p>
-            <a:pPr marL="342900" indent="-342900" algn="l">
-              <a:buFont typeface="Arial"/>
-              <a:buChar char="•"/>
-            </a:pPr>
-            <a:r>
-              <a:rPr lang="en-US" sz="2400" dirty="0" smtClean="0"/>
-              <a:t>This </a:t>
-            </a:r>
-            <a:r>
-              <a:rPr lang="en-US" sz="2400" dirty="0"/>
-              <a:t>code just uses dependency without knowing any </a:t>
-            </a:r>
-            <a:r>
-              <a:rPr lang="en-US" sz="2400" dirty="0" smtClean="0"/>
-              <a:t>details</a:t>
-            </a:r>
-            <a:endParaRPr lang="en-US" sz="2400" dirty="0"/>
           </a:p>
         </p:txBody>
       </p:sp>
     </p:spTree>
     <p:extLst>
       <p:ext uri="{BB962C8B-B14F-4D97-AF65-F5344CB8AC3E}">
-        <p14:creationId xmlns:p14="http://schemas.microsoft.com/office/powerpoint/2010/main" val="3213199469"/>
+        <p14:creationId xmlns:p14="http://schemas.microsoft.com/office/powerpoint/2010/main" val="4200027496"/>
       </p:ext>
     </p:extLst>
   </p:cSld>
@@ -4096,116 +4354,110 @@
           <a:p>
             <a:pPr algn="l"/>
             <a:r>
+              <a:rPr lang="en-US" sz="2800" dirty="0" smtClean="0"/>
+              <a:t>In practice</a:t>
+            </a:r>
+            <a:endParaRPr lang="en-US" sz="2000" dirty="0" smtClean="0"/>
+          </a:p>
+          <a:p>
+            <a:pPr marL="342900" indent="-342900" algn="l">
+              <a:buFont typeface="Arial"/>
+              <a:buChar char="•"/>
+            </a:pPr>
+            <a:r>
+              <a:rPr lang="en-US" sz="2400" dirty="0" smtClean="0"/>
+              <a:t>Calling code </a:t>
+            </a:r>
+            <a:r>
+              <a:rPr lang="en-US" sz="2400" dirty="0"/>
+              <a:t>states its dependencies</a:t>
+            </a:r>
+          </a:p>
+          <a:p>
+            <a:pPr marL="342900" indent="-342900" algn="l">
+              <a:buFont typeface="Arial"/>
+              <a:buChar char="•"/>
+            </a:pPr>
+            <a:r>
+              <a:rPr lang="en-US" sz="2400" dirty="0" smtClean="0"/>
+              <a:t>Injector </a:t>
+            </a:r>
+            <a:r>
+              <a:rPr lang="en-US" sz="2400" dirty="0"/>
+              <a:t>is responsible for </a:t>
+            </a:r>
+            <a:r>
+              <a:rPr lang="en-US" sz="2400" dirty="0" smtClean="0"/>
+              <a:t>providing instances</a:t>
+            </a:r>
+            <a:endParaRPr lang="en-US" sz="2400" dirty="0"/>
+          </a:p>
+          <a:p>
+            <a:pPr marL="342900" indent="-342900" algn="l">
+              <a:buFont typeface="Arial"/>
+              <a:buChar char="•"/>
+            </a:pPr>
+            <a:r>
+              <a:rPr lang="en-US" sz="2400" dirty="0" smtClean="0"/>
+              <a:t>injector handles…</a:t>
+            </a:r>
+          </a:p>
+          <a:p>
+            <a:pPr marL="800100" lvl="1" indent="-342900" algn="l">
+              <a:buFont typeface="Arial"/>
+              <a:buChar char="•"/>
+            </a:pPr>
+            <a:r>
               <a:rPr lang="en-US" sz="2000" dirty="0" smtClean="0"/>
-              <a:t>Analogy </a:t>
-            </a:r>
-          </a:p>
-          <a:p>
-            <a:pPr marL="342900" indent="-342900" algn="l">
-              <a:buFont typeface="Arial"/>
-              <a:buChar char="•"/>
-            </a:pPr>
-            <a:r>
-              <a:rPr lang="en-US" sz="2000" dirty="0" err="1" smtClean="0"/>
-              <a:t>Javascript</a:t>
-            </a:r>
+              <a:t>Finding the registration for this dependency</a:t>
+            </a:r>
+          </a:p>
+          <a:p>
+            <a:pPr marL="800100" lvl="1" indent="-342900" algn="l">
+              <a:buFont typeface="Arial"/>
+              <a:buChar char="•"/>
+            </a:pPr>
             <a:r>
               <a:rPr lang="en-US" sz="2000" dirty="0" smtClean="0"/>
-              <a:t> </a:t>
-            </a:r>
-            <a:r>
-              <a:rPr lang="en-US" sz="2000" dirty="0"/>
-              <a:t>has two phases: interpretation and execution</a:t>
-            </a:r>
-          </a:p>
-          <a:p>
-            <a:pPr marL="342900" indent="-342900" algn="l">
-              <a:buFont typeface="Arial"/>
-              <a:buChar char="•"/>
-            </a:pPr>
-            <a:r>
-              <a:rPr lang="en-US" sz="2000" dirty="0" smtClean="0"/>
-              <a:t>Interpretation </a:t>
-            </a:r>
-            <a:r>
-              <a:rPr lang="en-US" sz="2000" dirty="0"/>
-              <a:t>verifies syntax and produces executable</a:t>
-            </a:r>
-          </a:p>
-          <a:p>
-            <a:pPr marL="342900" indent="-342900" algn="l">
-              <a:buFont typeface="Arial"/>
-              <a:buChar char="•"/>
-            </a:pPr>
-            <a:r>
-              <a:rPr lang="en-US" sz="2000" dirty="0" smtClean="0"/>
-              <a:t>Execution </a:t>
-            </a:r>
-            <a:r>
-              <a:rPr lang="en-US" sz="2000" dirty="0"/>
-              <a:t>actually runs and attempts to resolve symbols</a:t>
-            </a:r>
-          </a:p>
-          <a:p>
-            <a:pPr algn="l"/>
-            <a:r>
-              <a:rPr lang="en-US" sz="2000" dirty="0" smtClean="0"/>
-              <a:t>DI </a:t>
-            </a:r>
-            <a:r>
-              <a:rPr lang="en-US" sz="2000" dirty="0"/>
-              <a:t>systems have two phases</a:t>
-            </a:r>
-          </a:p>
-          <a:p>
-            <a:pPr marL="342900" indent="-342900" algn="l">
-              <a:buFont typeface="Arial"/>
-              <a:buChar char="•"/>
-            </a:pPr>
-            <a:r>
-              <a:rPr lang="en-US" sz="2000" dirty="0" smtClean="0"/>
-              <a:t>Registration </a:t>
-            </a:r>
-            <a:r>
-              <a:rPr lang="en-US" sz="2000" dirty="0"/>
-              <a:t>of dependencies</a:t>
-            </a:r>
-          </a:p>
-          <a:p>
-            <a:pPr marL="342900" indent="-342900" algn="l">
-              <a:buFont typeface="Arial"/>
-              <a:buChar char="•"/>
-            </a:pPr>
-            <a:r>
-              <a:rPr lang="en-US" sz="2000" dirty="0" smtClean="0"/>
-              <a:t>Execution </a:t>
-            </a:r>
-            <a:r>
-              <a:rPr lang="en-US" sz="2000" dirty="0"/>
-              <a:t>once all dependencies are available</a:t>
-            </a:r>
-          </a:p>
-          <a:p>
-            <a:pPr marL="342900" indent="-342900" algn="l">
-              <a:buFont typeface="Arial"/>
-              <a:buChar char="•"/>
-            </a:pPr>
-            <a:r>
-              <a:rPr lang="en-US" sz="2000" dirty="0" smtClean="0"/>
-              <a:t>DI </a:t>
-            </a:r>
-            <a:r>
-              <a:rPr lang="en-US" sz="2000" dirty="0"/>
-              <a:t>code will therefore also have two corresponding parts</a:t>
-            </a:r>
-            <a:endParaRPr lang="en-US" sz="1600" dirty="0"/>
+              <a:t>Recursively finding all sub</a:t>
+            </a:r>
+            <a:r>
+              <a:rPr lang="en-US" sz="2000" smtClean="0"/>
+              <a:t>-dependencies</a:t>
+            </a:r>
+          </a:p>
+          <a:p>
+            <a:pPr marL="800100" lvl="1" indent="-342900" algn="l">
+              <a:buFont typeface="Arial"/>
+              <a:buChar char="•"/>
+            </a:pPr>
+            <a:endParaRPr lang="en-US" sz="2000" dirty="0"/>
+          </a:p>
+          <a:p>
+            <a:pPr marL="342900" indent="-342900" algn="l">
+              <a:buFont typeface="Arial"/>
+              <a:buChar char="•"/>
+            </a:pPr>
+            <a:r>
+              <a:rPr lang="en-US" sz="2400" dirty="0" smtClean="0"/>
+              <a:t>This </a:t>
+            </a:r>
+            <a:r>
+              <a:rPr lang="en-US" sz="2400" dirty="0"/>
+              <a:t>code just uses dependency without knowing any </a:t>
+            </a:r>
+            <a:r>
+              <a:rPr lang="en-US" sz="2400" dirty="0" smtClean="0"/>
+              <a:t>details</a:t>
+            </a:r>
+            <a:endParaRPr lang="en-US" sz="2400" dirty="0"/>
           </a:p>
         </p:txBody>
       </p:sp>
     </p:spTree>
     <p:extLst>
       <p:ext uri="{BB962C8B-B14F-4D97-AF65-F5344CB8AC3E}">
-        <p14:creationId xmlns:p14="http://schemas.microsoft.com/office/powerpoint/2010/main" val="2632643855"/>
+        <p14:creationId xmlns:p14="http://schemas.microsoft.com/office/powerpoint/2010/main" val="3213199469"/>
       </p:ext>
     </p:extLst>
   </p:cSld>
@@ -4514,13 +4766,13 @@
         </p:spPr>
         <p:txBody>
           <a:bodyPr>
-            <a:normAutofit/>
+            <a:normAutofit fontScale="92500" lnSpcReduction="10000"/>
           </a:bodyPr>
           <a:lstStyle/>
           <a:p>
             <a:pPr algn="l"/>
             <a:r>
-              <a:rPr lang="en-US" sz="2000" dirty="0"/>
+              <a:rPr lang="en-US" sz="2800" dirty="0"/>
               <a:t>Angular conventions</a:t>
             </a:r>
           </a:p>
@@ -4530,11 +4782,11 @@
               <a:buChar char="•"/>
             </a:pPr>
             <a:r>
-              <a:rPr lang="en-US" sz="2000" dirty="0" smtClean="0"/>
+              <a:rPr lang="en-US" sz="2400" dirty="0" smtClean="0"/>
               <a:t>Inline </a:t>
             </a:r>
             <a:r>
-              <a:rPr lang="en-US" sz="2000" dirty="0"/>
+              <a:rPr lang="en-US" sz="2400" dirty="0"/>
               <a:t>Annotation Array</a:t>
             </a:r>
           </a:p>
@@ -4544,43 +4796,43 @@
               <a:buChar char="•"/>
             </a:pPr>
             <a:r>
-              <a:rPr lang="en-US" sz="1600" dirty="0" smtClean="0"/>
+              <a:rPr lang="en-US" sz="2400" dirty="0" smtClean="0"/>
               <a:t>[</a:t>
             </a:r>
             <a:r>
-              <a:rPr lang="en-US" sz="1600" dirty="0"/>
+              <a:rPr lang="en-US" sz="2400" dirty="0"/>
               <a:t>'$</a:t>
             </a:r>
             <a:r>
-              <a:rPr lang="en-US" sz="1600" dirty="0" err="1"/>
+              <a:rPr lang="en-US" sz="2400" dirty="0" err="1"/>
               <a:t>ngBuiltIn</a:t>
             </a:r>
             <a:r>
-              <a:rPr lang="en-US" sz="1600" dirty="0"/>
+              <a:rPr lang="en-US" sz="2400" dirty="0"/>
               <a:t>', '</a:t>
             </a:r>
             <a:r>
-              <a:rPr lang="en-US" sz="1600" dirty="0" err="1"/>
+              <a:rPr lang="en-US" sz="2400" dirty="0" err="1"/>
               <a:t>myDep</a:t>
             </a:r>
             <a:r>
-              <a:rPr lang="en-US" sz="1600" dirty="0"/>
+              <a:rPr lang="en-US" sz="2400" dirty="0"/>
               <a:t>', function (</a:t>
             </a:r>
             <a:r>
-              <a:rPr lang="en-US" sz="1600" dirty="0" err="1"/>
+              <a:rPr lang="en-US" sz="2400" dirty="0" err="1"/>
               <a:t>builtIn</a:t>
             </a:r>
             <a:r>
-              <a:rPr lang="en-US" sz="1600" dirty="0"/>
+              <a:rPr lang="en-US" sz="2400" dirty="0"/>
               <a:t>, </a:t>
             </a:r>
             <a:r>
-              <a:rPr lang="en-US" sz="1600" dirty="0" err="1"/>
+              <a:rPr lang="en-US" sz="2400" dirty="0" err="1"/>
               <a:t>myDep</a:t>
             </a:r>
             <a:r>
-              <a:rPr lang="en-US" sz="1600" dirty="0"/>
+              <a:rPr lang="en-US" sz="2400" dirty="0"/>
               <a:t>) {...}]</a:t>
             </a:r>
           </a:p>
@@ -4590,11 +4842,11 @@
               <a:buChar char="•"/>
             </a:pPr>
             <a:r>
-              <a:rPr lang="en-US" sz="1600" dirty="0" smtClean="0"/>
+              <a:rPr lang="en-US" sz="2400" dirty="0" smtClean="0"/>
               <a:t>First </a:t>
             </a:r>
             <a:r>
-              <a:rPr lang="en-US" sz="1600" dirty="0"/>
+              <a:rPr lang="en-US" sz="2400" dirty="0"/>
               <a:t>n...elements in array declare dependencies</a:t>
             </a:r>
           </a:p>
@@ -4604,23 +4856,23 @@
               <a:buChar char="•"/>
             </a:pPr>
             <a:r>
-              <a:rPr lang="en-US" sz="1600" dirty="0" smtClean="0"/>
+              <a:rPr lang="en-US" sz="2400" dirty="0" smtClean="0"/>
               <a:t>Last </a:t>
             </a:r>
             <a:r>
-              <a:rPr lang="en-US" sz="1600" dirty="0" err="1"/>
+              <a:rPr lang="en-US" sz="2400" dirty="0" err="1"/>
               <a:t>arg</a:t>
             </a:r>
             <a:r>
-              <a:rPr lang="en-US" sz="1600" dirty="0"/>
+              <a:rPr lang="en-US" sz="2400" dirty="0"/>
               <a:t> is the function to execute once </a:t>
             </a:r>
             <a:r>
-              <a:rPr lang="en-US" sz="1600" dirty="0" err="1"/>
+              <a:rPr lang="en-US" sz="2400" dirty="0" err="1"/>
               <a:t>deps</a:t>
             </a:r>
             <a:r>
-              <a:rPr lang="en-US" sz="1600" dirty="0"/>
+              <a:rPr lang="en-US" sz="2400" dirty="0"/>
               <a:t> are ready</a:t>
             </a:r>
           </a:p>
@@ -4630,23 +4882,23 @@
               <a:buChar char="•"/>
             </a:pPr>
             <a:r>
-              <a:rPr lang="en-US" sz="1600" dirty="0" smtClean="0"/>
+              <a:rPr lang="en-US" sz="2400" dirty="0" smtClean="0"/>
               <a:t>Function </a:t>
             </a:r>
             <a:r>
-              <a:rPr lang="en-US" sz="1600" dirty="0" err="1"/>
+              <a:rPr lang="en-US" sz="2400" dirty="0" err="1"/>
               <a:t>arg</a:t>
             </a:r>
             <a:r>
-              <a:rPr lang="en-US" sz="1600" dirty="0"/>
+              <a:rPr lang="en-US" sz="2400" dirty="0"/>
               <a:t> names are arbitrary, </a:t>
             </a:r>
             <a:r>
-              <a:rPr lang="en-US" sz="1600" dirty="0" err="1"/>
+              <a:rPr lang="en-US" sz="2400" dirty="0" err="1"/>
               <a:t>deps</a:t>
             </a:r>
             <a:r>
-              <a:rPr lang="en-US" sz="1600" dirty="0"/>
+              <a:rPr lang="en-US" sz="2400" dirty="0"/>
               <a:t> passed in order</a:t>
             </a:r>
           </a:p>
@@ -4656,11 +4908,11 @@
               <a:buChar char="•"/>
             </a:pPr>
             <a:r>
-              <a:rPr lang="en-US" sz="2000" dirty="0" smtClean="0"/>
+              <a:rPr lang="en-US" sz="2400" dirty="0" smtClean="0"/>
               <a:t>Implicit </a:t>
             </a:r>
             <a:r>
-              <a:rPr lang="en-US" sz="2000" dirty="0"/>
+              <a:rPr lang="en-US" sz="2400" dirty="0"/>
               <a:t>annotation</a:t>
             </a:r>
           </a:p>
@@ -4670,11 +4922,11 @@
               <a:buChar char="•"/>
             </a:pPr>
             <a:r>
-              <a:rPr lang="en-US" sz="1600" dirty="0" err="1" smtClean="0"/>
+              <a:rPr lang="en-US" sz="2400" dirty="0" err="1" smtClean="0"/>
               <a:t>Injectables</a:t>
             </a:r>
             <a:r>
-              <a:rPr lang="en-US" sz="1600" dirty="0"/>
+              <a:rPr lang="en-US" sz="2400" dirty="0"/>
               <a:t>: register first, use later</a:t>
             </a:r>
           </a:p>
@@ -4684,27 +4936,27 @@
               <a:buChar char="•"/>
             </a:pPr>
             <a:r>
-              <a:rPr lang="en-US" sz="1600" dirty="0" smtClean="0"/>
+              <a:rPr lang="en-US" sz="2400" dirty="0" smtClean="0"/>
               <a:t>.</a:t>
             </a:r>
             <a:r>
-              <a:rPr lang="en-US" sz="1600" dirty="0"/>
+              <a:rPr lang="en-US" sz="2400" dirty="0"/>
               <a:t>controller('</a:t>
             </a:r>
             <a:r>
-              <a:rPr lang="en-US" sz="1600" dirty="0" err="1"/>
+              <a:rPr lang="en-US" sz="2400" dirty="0" err="1"/>
               <a:t>cntrName</a:t>
             </a:r>
             <a:r>
-              <a:rPr lang="en-US" sz="1600" dirty="0"/>
+              <a:rPr lang="en-US" sz="2400" dirty="0"/>
               <a:t>', function ($scope, </a:t>
             </a:r>
             <a:r>
-              <a:rPr lang="en-US" sz="1600" dirty="0" err="1"/>
+              <a:rPr lang="en-US" sz="2400" dirty="0" err="1"/>
               <a:t>myInjectable</a:t>
             </a:r>
             <a:r>
-              <a:rPr lang="en-US" sz="1600" dirty="0"/>
+              <a:rPr lang="en-US" sz="2400" dirty="0"/>
               <a:t>) {...})</a:t>
             </a:r>
           </a:p>
@@ -4714,15 +4966,15 @@
               <a:buChar char="•"/>
             </a:pPr>
             <a:r>
-              <a:rPr lang="en-US" sz="1600" dirty="0" err="1" smtClean="0"/>
+              <a:rPr lang="en-US" sz="2400" dirty="0" err="1" smtClean="0"/>
               <a:t>nG</a:t>
             </a:r>
             <a:r>
-              <a:rPr lang="en-US" sz="1600" dirty="0" smtClean="0"/>
+              <a:rPr lang="en-US" sz="2400" dirty="0" smtClean="0"/>
               <a:t> </a:t>
             </a:r>
             <a:r>
-              <a:rPr lang="en-US" sz="1600" dirty="0"/>
+              <a:rPr lang="en-US" sz="2400" dirty="0"/>
               <a:t>knows how to provide built-in $scope</a:t>
             </a:r>
           </a:p>
@@ -4732,27 +4984,27 @@
               <a:buChar char="•"/>
             </a:pPr>
             <a:r>
-              <a:rPr lang="en-US" sz="1600" dirty="0" smtClean="0"/>
+              <a:rPr lang="en-US" sz="2400" dirty="0" smtClean="0"/>
               <a:t>We </a:t>
             </a:r>
             <a:r>
-              <a:rPr lang="en-US" sz="1600" dirty="0"/>
+              <a:rPr lang="en-US" sz="2400" dirty="0"/>
               <a:t>have to register </a:t>
             </a:r>
             <a:r>
-              <a:rPr lang="en-US" sz="1600" dirty="0" err="1"/>
+              <a:rPr lang="en-US" sz="2400" dirty="0" err="1"/>
               <a:t>myInjectable</a:t>
             </a:r>
             <a:r>
-              <a:rPr lang="en-US" sz="1600" dirty="0"/>
+              <a:rPr lang="en-US" sz="2400" dirty="0"/>
               <a:t> via </a:t>
             </a:r>
             <a:r>
-              <a:rPr lang="en-US" sz="1600" dirty="0" err="1"/>
+              <a:rPr lang="en-US" sz="2400" dirty="0" err="1"/>
               <a:t>nG</a:t>
             </a:r>
             <a:r>
-              <a:rPr lang="en-US" sz="1600" dirty="0"/>
+              <a:rPr lang="en-US" sz="2400" dirty="0"/>
               <a:t> Provider</a:t>
             </a:r>
           </a:p>
@@ -4762,22 +5014,21 @@
               <a:buChar char="•"/>
             </a:pPr>
             <a:r>
-              <a:rPr lang="en-US" sz="1600" dirty="0" smtClean="0"/>
+              <a:rPr lang="en-US" sz="2400" dirty="0" smtClean="0"/>
               <a:t>Gotcha</a:t>
             </a:r>
             <a:r>
-              <a:rPr lang="en-US" sz="1600" dirty="0"/>
+              <a:rPr lang="en-US" sz="2400" dirty="0"/>
               <a:t>: minimization can break DI - </a:t>
             </a:r>
             <a:r>
-              <a:rPr lang="en-US" sz="1600" dirty="0" err="1"/>
+              <a:rPr lang="en-US" sz="2400" dirty="0" err="1"/>
               <a:t>args</a:t>
             </a:r>
             <a:r>
-              <a:rPr lang="en-US" sz="1600" dirty="0"/>
+              <a:rPr lang="en-US" sz="2400" dirty="0"/>
               <a:t> get turned into (a, b)</a:t>
             </a:r>
-            <a:endParaRPr lang="en-US" sz="800" dirty="0"/>
           </a:p>
         </p:txBody>
       </p:sp>
@@ -4863,7 +5114,7 @@
         </p:spPr>
         <p:txBody>
           <a:bodyPr>
-            <a:normAutofit/>
+            <a:noAutofit/>
           </a:bodyPr>
           <a:lstStyle/>
           <a:p>
@@ -4872,11 +5123,11 @@
               <a:buChar char="•"/>
             </a:pPr>
             <a:r>
-              <a:rPr lang="en-US" sz="2000" dirty="0" smtClean="0"/>
+              <a:rPr lang="en-US" sz="2200" dirty="0" smtClean="0"/>
               <a:t>Angular </a:t>
             </a:r>
             <a:r>
-              <a:rPr lang="en-US" sz="2000" dirty="0"/>
+              <a:rPr lang="en-US" sz="2200" dirty="0"/>
               <a:t>itself is built using the Provider pattern</a:t>
             </a:r>
           </a:p>
@@ -4886,54 +5137,54 @@
               <a:buChar char="•"/>
             </a:pPr>
             <a:r>
-              <a:rPr lang="en-US" sz="2000" dirty="0" smtClean="0"/>
+              <a:rPr lang="en-US" sz="2200" dirty="0" smtClean="0"/>
               <a:t>When </a:t>
             </a:r>
             <a:r>
-              <a:rPr lang="en-US" sz="2000" dirty="0"/>
+              <a:rPr lang="en-US" sz="2200" dirty="0"/>
               <a:t>we used .controller(), </a:t>
             </a:r>
             <a:r>
-              <a:rPr lang="en-US" sz="2000" dirty="0" err="1"/>
+              <a:rPr lang="en-US" sz="2200" dirty="0" err="1"/>
               <a:t>nG</a:t>
             </a:r>
             <a:r>
-              <a:rPr lang="en-US" sz="2000" dirty="0"/>
+              <a:rPr lang="en-US" sz="2200" dirty="0"/>
               <a:t> created </a:t>
             </a:r>
             <a:r>
-              <a:rPr lang="en-US" sz="2000" dirty="0" err="1"/>
+              <a:rPr lang="en-US" sz="2200" dirty="0" err="1"/>
               <a:t>controllerProvider</a:t>
             </a:r>
-            <a:endParaRPr lang="en-US" sz="2000" dirty="0"/>
-          </a:p>
-          <a:p>
-            <a:pPr marL="342900" indent="-342900" algn="l">
-              <a:buFont typeface="Arial"/>
-              <a:buChar char="•"/>
-            </a:pPr>
-            <a:r>
-              <a:rPr lang="en-US" sz="2000" dirty="0" smtClean="0"/>
+            <a:endParaRPr lang="en-US" sz="2200" dirty="0"/>
+          </a:p>
+          <a:p>
+            <a:pPr marL="342900" indent="-342900" algn="l">
+              <a:buFont typeface="Arial"/>
+              <a:buChar char="•"/>
+            </a:pPr>
+            <a:r>
+              <a:rPr lang="en-US" sz="2200" dirty="0" smtClean="0"/>
               <a:t>Providers </a:t>
             </a:r>
             <a:r>
-              <a:rPr lang="en-US" sz="2000" dirty="0"/>
+              <a:rPr lang="en-US" sz="2200" dirty="0"/>
               <a:t>are registered at </a:t>
             </a:r>
             <a:r>
-              <a:rPr lang="en-US" sz="2000" dirty="0" err="1"/>
+              <a:rPr lang="en-US" sz="2200" dirty="0" err="1"/>
               <a:t>config</a:t>
             </a:r>
             <a:r>
-              <a:rPr lang="en-US" sz="2000" dirty="0"/>
+              <a:rPr lang="en-US" sz="2200" dirty="0"/>
               <a:t> time and </a:t>
             </a:r>
             <a:r>
-              <a:rPr lang="en-US" sz="2000" dirty="0" err="1"/>
+              <a:rPr lang="en-US" sz="2200" dirty="0" err="1"/>
               <a:t>initted</a:t>
             </a:r>
             <a:r>
-              <a:rPr lang="en-US" sz="2000" dirty="0"/>
+              <a:rPr lang="en-US" sz="2200" dirty="0"/>
               <a:t>/injected at run time</a:t>
             </a:r>
           </a:p>
@@ -4943,34 +5194,15 @@
               <a:buChar char="•"/>
             </a:pPr>
             <a:r>
-              <a:rPr lang="en-US" sz="2000" dirty="0" smtClean="0"/>
-              <a:t>Angular </a:t>
-            </a:r>
-            <a:r>
-              <a:rPr lang="en-US" sz="2000" dirty="0"/>
-              <a:t>built-in providers include $http, $window, $route, $</a:t>
-            </a:r>
-            <a:r>
-              <a:rPr lang="en-US" sz="2000" dirty="0" err="1"/>
-              <a:t>rootScope</a:t>
-            </a:r>
-            <a:endParaRPr lang="en-US" sz="2000" dirty="0"/>
-          </a:p>
-          <a:p>
-            <a:pPr marL="342900" indent="-342900" algn="l">
-              <a:buFont typeface="Arial"/>
-              <a:buChar char="•"/>
-            </a:pPr>
-            <a:r>
-              <a:rPr lang="en-US" sz="2000" dirty="0" err="1" smtClean="0"/>
+              <a:rPr lang="en-US" sz="2200" dirty="0" err="1" smtClean="0"/>
               <a:t>angular.injector</a:t>
             </a:r>
             <a:r>
-              <a:rPr lang="en-US" sz="2000" dirty="0" smtClean="0"/>
+              <a:rPr lang="en-US" sz="2200" dirty="0" smtClean="0"/>
               <a:t> </a:t>
             </a:r>
             <a:r>
-              <a:rPr lang="en-US" sz="2000" dirty="0"/>
+              <a:rPr lang="en-US" sz="2200" dirty="0"/>
               <a:t>handles injection mechanics, often automatically</a:t>
             </a:r>
           </a:p>
@@ -4980,11 +5212,11 @@
               <a:buChar char="•"/>
             </a:pPr>
             <a:r>
-              <a:rPr lang="en-US" sz="2000" dirty="0" smtClean="0"/>
+              <a:rPr lang="en-US" sz="2200" dirty="0" smtClean="0"/>
               <a:t>Use </a:t>
             </a:r>
             <a:r>
-              <a:rPr lang="en-US" sz="2000" dirty="0"/>
+              <a:rPr lang="en-US" sz="2200" dirty="0"/>
               <a:t>a provider or subtype when you want code to be</a:t>
             </a:r>
           </a:p>
@@ -4994,11 +5226,11 @@
               <a:buChar char="•"/>
             </a:pPr>
             <a:r>
-              <a:rPr lang="en-US" sz="1600" dirty="0" smtClean="0"/>
+              <a:rPr lang="en-US" sz="2200" dirty="0" smtClean="0"/>
               <a:t>reused </a:t>
             </a:r>
             <a:r>
-              <a:rPr lang="en-US" sz="1600" dirty="0"/>
+              <a:rPr lang="en-US" sz="2200" dirty="0"/>
               <a:t>across controllers</a:t>
             </a:r>
           </a:p>
@@ -5008,14 +5240,13 @@
               <a:buChar char="•"/>
             </a:pPr>
             <a:r>
-              <a:rPr lang="en-US" sz="1600" dirty="0" smtClean="0"/>
+              <a:rPr lang="en-US" sz="2200" dirty="0" smtClean="0"/>
               <a:t>a </a:t>
             </a:r>
             <a:r>
-              <a:rPr lang="en-US" sz="1600" dirty="0"/>
+              <a:rPr lang="en-US" sz="2200" dirty="0"/>
               <a:t>singleton instance shared by all callers</a:t>
             </a:r>
-            <a:endParaRPr lang="en-US" sz="400" dirty="0"/>
           </a:p>
         </p:txBody>
       </p:sp>
@@ -5078,8 +5309,9 @@
           <a:p>
             <a:r>
               <a:rPr lang="en-US" dirty="0"/>
-              <a:t>Provider recipe syntax</a:t>
-            </a:r>
+              <a:t>Providers</a:t>
+            </a:r>
+            <a:endParaRPr lang="en-US" dirty="0"/>
           </a:p>
         </p:txBody>
       </p:sp>
@@ -5258,8 +5490,9 @@
           <a:p>
             <a:r>
               <a:rPr lang="en-US" dirty="0"/>
-              <a:t>Providers in practice</a:t>
-            </a:r>
+              <a:t>Providers</a:t>
+            </a:r>
+            <a:endParaRPr lang="en-US" dirty="0"/>
           </a:p>
         </p:txBody>
       </p:sp>
@@ -5284,6 +5517,13 @@
             <a:normAutofit/>
           </a:bodyPr>
           <a:lstStyle/>
+          <a:p>
+            <a:pPr algn="l"/>
+            <a:r>
+              <a:rPr lang="en-US" sz="2000" dirty="0" smtClean="0"/>
+              <a:t>In practice</a:t>
+            </a:r>
+          </a:p>
           <a:p>
             <a:pPr marL="342900" indent="-342900" algn="l">
               <a:buFont typeface="Arial"/>
@@ -5582,9 +5822,10 @@
           <a:lstStyle/>
           <a:p>
             <a:r>
-              <a:rPr lang="en-US" dirty="0"/>
-              <a:t>Services, Factories, Values and Constants, oh my!</a:t>
-            </a:r>
+              <a:rPr lang="en-US" dirty="0" smtClean="0"/>
+              <a:t>Providers</a:t>
+            </a:r>
+            <a:endParaRPr lang="en-US" dirty="0"/>
           </a:p>
         </p:txBody>
       </p:sp>
@@ -5609,6 +5850,13 @@
             <a:normAutofit/>
           </a:bodyPr>
           <a:lstStyle/>
+          <a:p>
+            <a:pPr algn="l"/>
+            <a:r>
+              <a:rPr lang="en-US" sz="2000" dirty="0"/>
+              <a:t>Services, Factories, Values and Constants, oh my! </a:t>
+            </a:r>
+          </a:p>
           <a:p>
             <a:pPr marL="342900" indent="-342900" algn="l">
               <a:buFont typeface="Arial"/>
@@ -5731,21 +5979,25 @@
             </a:pPr>
             <a:r>
               <a:rPr lang="en-US" sz="2000" dirty="0" smtClean="0"/>
-              <a:t>Factories </a:t>
+              <a:t>Combine </a:t>
             </a:r>
             <a:r>
               <a:rPr lang="en-US" sz="2000" dirty="0"/>
-              <a:t>combine the flexibility of Providers with a simpler syntax</a:t>
-            </a:r>
-          </a:p>
-          <a:p>
-            <a:pPr marL="342900" indent="-342900" algn="l">
-              <a:buFont typeface="Arial"/>
-              <a:buChar char="•"/>
-            </a:pPr>
+              <a:t>the flexibility of Providers with a simpler syntax</a:t>
+            </a:r>
+          </a:p>
+          <a:p>
+            <a:pPr marL="342900" indent="-342900" algn="l">
+              <a:buFont typeface="Arial"/>
+              <a:buChar char="•"/>
+            </a:pPr>
+            <a:r>
+              <a:rPr lang="en-US" sz="2000" dirty="0"/>
+              <a:t>R</a:t>
+            </a:r>
             <a:r>
               <a:rPr lang="en-US" sz="2000" dirty="0" smtClean="0"/>
-              <a:t>recipe </a:t>
+              <a:t>ecipe </a:t>
             </a:r>
             <a:r>
               <a:rPr lang="en-US" sz="2000" dirty="0"/>
@@ -6805,757 +7057,6 @@
 </p:sld>
 </file>
 
-<file path=ppt/slides/slide26.xml><?xml version="1.0" encoding="utf-8"?>
-<p:sld xmlns:a="http://schemas.openxmlformats.org/drawingml/2006/main" xmlns:r="http://schemas.openxmlformats.org/officeDocument/2006/relationships" xmlns:p="http://schemas.openxmlformats.org/presentationml/2006/main">
-  <p:cSld>
-    <p:spTree>
-      <p:nvGrpSpPr>
-        <p:cNvPr id="1" name=""/>
-        <p:cNvGrpSpPr/>
-        <p:nvPr/>
-      </p:nvGrpSpPr>
-      <p:grpSpPr>
-        <a:xfrm>
-          <a:off x="0" y="0"/>
-          <a:ext cx="0" cy="0"/>
-          <a:chOff x="0" y="0"/>
-          <a:chExt cx="0" cy="0"/>
-        </a:xfrm>
-      </p:grpSpPr>
-      <p:sp>
-        <p:nvSpPr>
-          <p:cNvPr id="2" name="Title 1"/>
-          <p:cNvSpPr>
-            <a:spLocks noGrp="1"/>
-          </p:cNvSpPr>
-          <p:nvPr>
-            <p:ph type="ctrTitle"/>
-          </p:nvPr>
-        </p:nvSpPr>
-        <p:spPr>
-          <a:xfrm>
-            <a:off x="685800" y="160685"/>
-            <a:ext cx="7772400" cy="1470025"/>
-          </a:xfrm>
-        </p:spPr>
-        <p:txBody>
-          <a:bodyPr/>
-          <a:lstStyle/>
-          <a:p>
-            <a:r>
-              <a:rPr lang="en-US" dirty="0"/>
-              <a:t>$http Lab</a:t>
-            </a:r>
-          </a:p>
-        </p:txBody>
-      </p:sp>
-      <p:sp>
-        <p:nvSpPr>
-          <p:cNvPr id="3" name="Subtitle 2"/>
-          <p:cNvSpPr>
-            <a:spLocks noGrp="1"/>
-          </p:cNvSpPr>
-          <p:nvPr>
-            <p:ph type="subTitle" idx="1"/>
-          </p:nvPr>
-        </p:nvSpPr>
-        <p:spPr>
-          <a:xfrm>
-            <a:off x="454651" y="1630710"/>
-            <a:ext cx="8371875" cy="4609893"/>
-          </a:xfrm>
-        </p:spPr>
-        <p:txBody>
-          <a:bodyPr>
-            <a:normAutofit/>
-          </a:bodyPr>
-          <a:lstStyle/>
-          <a:p>
-            <a:pPr marL="342900" indent="-342900" algn="l">
-              <a:buFont typeface="Arial"/>
-              <a:buChar char="•"/>
-            </a:pPr>
-            <a:r>
-              <a:rPr lang="en-US" sz="2000" dirty="0" smtClean="0"/>
-              <a:t>Create </a:t>
-            </a:r>
-            <a:r>
-              <a:rPr lang="en-US" sz="2000" dirty="0"/>
-              <a:t>a value named </a:t>
-            </a:r>
-            <a:r>
-              <a:rPr lang="en-US" sz="2000" dirty="0" err="1"/>
-              <a:t>songsUrl</a:t>
-            </a:r>
-            <a:endParaRPr lang="en-US" sz="2000" dirty="0"/>
-          </a:p>
-          <a:p>
-            <a:pPr marL="342900" indent="-342900" algn="l">
-              <a:buFont typeface="Arial"/>
-              <a:buChar char="•"/>
-            </a:pPr>
-            <a:r>
-              <a:rPr lang="en-US" sz="2000" dirty="0" smtClean="0"/>
-              <a:t>Create </a:t>
-            </a:r>
-            <a:r>
-              <a:rPr lang="en-US" sz="2000" dirty="0"/>
-              <a:t>a service named </a:t>
-            </a:r>
-            <a:r>
-              <a:rPr lang="en-US" sz="2000" dirty="0" err="1"/>
-              <a:t>songsAjax</a:t>
-            </a:r>
-            <a:endParaRPr lang="en-US" sz="2000" dirty="0"/>
-          </a:p>
-          <a:p>
-            <a:pPr marL="800100" lvl="1" indent="-342900" algn="l">
-              <a:buFont typeface="Arial"/>
-              <a:buChar char="•"/>
-            </a:pPr>
-            <a:r>
-              <a:rPr lang="en-US" sz="1600" dirty="0" smtClean="0"/>
-              <a:t>Depends </a:t>
-            </a:r>
-            <a:r>
-              <a:rPr lang="en-US" sz="1600" dirty="0"/>
-              <a:t>on $http and </a:t>
-            </a:r>
-            <a:r>
-              <a:rPr lang="en-US" sz="1600" dirty="0" err="1"/>
-              <a:t>songsUrl</a:t>
-            </a:r>
-            <a:endParaRPr lang="en-US" sz="1600" dirty="0"/>
-          </a:p>
-          <a:p>
-            <a:pPr marL="800100" lvl="1" indent="-342900" algn="l">
-              <a:buFont typeface="Arial"/>
-              <a:buChar char="•"/>
-            </a:pPr>
-            <a:r>
-              <a:rPr lang="en-US" sz="1600" dirty="0" smtClean="0"/>
-              <a:t>Returns </a:t>
-            </a:r>
-            <a:r>
-              <a:rPr lang="en-US" sz="1600" dirty="0"/>
-              <a:t>a public interface method </a:t>
-            </a:r>
-            <a:r>
-              <a:rPr lang="en-US" sz="1600" dirty="0" err="1"/>
-              <a:t>getSongs</a:t>
-            </a:r>
-            <a:endParaRPr lang="en-US" sz="1600" dirty="0"/>
-          </a:p>
-          <a:p>
-            <a:pPr marL="342900" indent="-342900" algn="l">
-              <a:buFont typeface="Arial"/>
-              <a:buChar char="•"/>
-            </a:pPr>
-            <a:r>
-              <a:rPr lang="en-US" sz="2000" dirty="0" smtClean="0"/>
-              <a:t>Inject </a:t>
-            </a:r>
-            <a:r>
-              <a:rPr lang="en-US" sz="2000" dirty="0" err="1"/>
-              <a:t>songsAjax</a:t>
-            </a:r>
-            <a:r>
-              <a:rPr lang="en-US" sz="2000" dirty="0"/>
-              <a:t> into </a:t>
-            </a:r>
-            <a:r>
-              <a:rPr lang="en-US" sz="2000" dirty="0" err="1"/>
-              <a:t>JukeboxUiController</a:t>
-            </a:r>
-            <a:endParaRPr lang="en-US" sz="2000" dirty="0"/>
-          </a:p>
-          <a:p>
-            <a:pPr marL="342900" indent="-342900" algn="l">
-              <a:buFont typeface="Arial"/>
-              <a:buChar char="•"/>
-            </a:pPr>
-            <a:r>
-              <a:rPr lang="en-US" sz="2000" dirty="0" smtClean="0"/>
-              <a:t>Call </a:t>
-            </a:r>
-            <a:r>
-              <a:rPr lang="en-US" sz="2000" dirty="0" err="1"/>
-              <a:t>getSongs</a:t>
-            </a:r>
-            <a:r>
-              <a:rPr lang="en-US" sz="2000" dirty="0"/>
-              <a:t> and display results in a template</a:t>
-            </a:r>
-            <a:endParaRPr lang="is-IS" sz="1200" dirty="0"/>
-          </a:p>
-        </p:txBody>
-      </p:sp>
-    </p:spTree>
-    <p:extLst>
-      <p:ext uri="{BB962C8B-B14F-4D97-AF65-F5344CB8AC3E}">
-        <p14:creationId xmlns:p14="http://schemas.microsoft.com/office/powerpoint/2010/main" val="1276718030"/>
-      </p:ext>
-    </p:extLst>
-  </p:cSld>
-  <p:clrMapOvr>
-    <a:masterClrMapping/>
-  </p:clrMapOvr>
-  <p:timing>
-    <p:tnLst>
-      <p:par>
-        <p:cTn xmlns:p14="http://schemas.microsoft.com/office/powerpoint/2010/main" id="1" dur="indefinite" restart="never" nodeType="tmRoot"/>
-      </p:par>
-    </p:tnLst>
-  </p:timing>
-</p:sld>
-</file>
-
-<file path=ppt/slides/slide27.xml><?xml version="1.0" encoding="utf-8"?>
-<p:sld xmlns:a="http://schemas.openxmlformats.org/drawingml/2006/main" xmlns:r="http://schemas.openxmlformats.org/officeDocument/2006/relationships" xmlns:p="http://schemas.openxmlformats.org/presentationml/2006/main">
-  <p:cSld>
-    <p:spTree>
-      <p:nvGrpSpPr>
-        <p:cNvPr id="1" name=""/>
-        <p:cNvGrpSpPr/>
-        <p:nvPr/>
-      </p:nvGrpSpPr>
-      <p:grpSpPr>
-        <a:xfrm>
-          <a:off x="0" y="0"/>
-          <a:ext cx="0" cy="0"/>
-          <a:chOff x="0" y="0"/>
-          <a:chExt cx="0" cy="0"/>
-        </a:xfrm>
-      </p:grpSpPr>
-      <p:sp>
-        <p:nvSpPr>
-          <p:cNvPr id="2" name="Title 1"/>
-          <p:cNvSpPr>
-            <a:spLocks noGrp="1"/>
-          </p:cNvSpPr>
-          <p:nvPr>
-            <p:ph type="ctrTitle"/>
-          </p:nvPr>
-        </p:nvSpPr>
-        <p:spPr>
-          <a:xfrm>
-            <a:off x="685800" y="160685"/>
-            <a:ext cx="7772400" cy="1470025"/>
-          </a:xfrm>
-        </p:spPr>
-        <p:txBody>
-          <a:bodyPr/>
-          <a:lstStyle/>
-          <a:p>
-            <a:r>
-              <a:rPr lang="en-US" dirty="0"/>
-              <a:t>Angular Material</a:t>
-            </a:r>
-          </a:p>
-        </p:txBody>
-      </p:sp>
-      <p:sp>
-        <p:nvSpPr>
-          <p:cNvPr id="3" name="Subtitle 2"/>
-          <p:cNvSpPr>
-            <a:spLocks noGrp="1"/>
-          </p:cNvSpPr>
-          <p:nvPr>
-            <p:ph type="subTitle" idx="1"/>
-          </p:nvPr>
-        </p:nvSpPr>
-        <p:spPr>
-          <a:xfrm>
-            <a:off x="454651" y="1630710"/>
-            <a:ext cx="8371875" cy="4609893"/>
-          </a:xfrm>
-        </p:spPr>
-        <p:txBody>
-          <a:bodyPr>
-            <a:normAutofit/>
-          </a:bodyPr>
-          <a:lstStyle/>
-          <a:p>
-            <a:pPr marL="342900" indent="-342900" algn="l">
-              <a:buFont typeface="Arial"/>
-              <a:buChar char="•"/>
-            </a:pPr>
-            <a:r>
-              <a:rPr lang="en-US" sz="2000" dirty="0" smtClean="0"/>
-              <a:t>Material </a:t>
-            </a:r>
-            <a:r>
-              <a:rPr lang="en-US" sz="2000" dirty="0"/>
-              <a:t>is </a:t>
-            </a:r>
-            <a:r>
-              <a:rPr lang="en-US" sz="2000" dirty="0" err="1"/>
-              <a:t>Googles</a:t>
-            </a:r>
-            <a:r>
-              <a:rPr lang="en-US" sz="2000" dirty="0"/>
-              <a:t> UI "visual language" behind Android</a:t>
-            </a:r>
-          </a:p>
-          <a:p>
-            <a:pPr marL="342900" indent="-342900" algn="l">
-              <a:buFont typeface="Arial"/>
-              <a:buChar char="•"/>
-            </a:pPr>
-            <a:r>
-              <a:rPr lang="en-US" sz="2000" dirty="0" smtClean="0"/>
-              <a:t>Emphasizes </a:t>
-            </a:r>
-            <a:r>
-              <a:rPr lang="en-US" sz="2000" dirty="0"/>
-              <a:t>unified experience, usability &amp; accessibility, graceful degradation</a:t>
-            </a:r>
-          </a:p>
-          <a:p>
-            <a:pPr marL="342900" indent="-342900" algn="l">
-              <a:buFont typeface="Arial"/>
-              <a:buChar char="•"/>
-            </a:pPr>
-            <a:r>
-              <a:rPr lang="en-US" sz="2000" dirty="0" smtClean="0"/>
-              <a:t>"</a:t>
-            </a:r>
-            <a:r>
-              <a:rPr lang="en-US" sz="2000" dirty="0"/>
-              <a:t>Material is the metaphor" - paper, ink, surface edges. "Motion provides meaning"</a:t>
-            </a:r>
-          </a:p>
-          <a:p>
-            <a:pPr marL="342900" indent="-342900" algn="l">
-              <a:buFont typeface="Arial"/>
-              <a:buChar char="•"/>
-            </a:pPr>
-            <a:r>
-              <a:rPr lang="en-US" sz="2000" dirty="0" smtClean="0"/>
-              <a:t>Angular </a:t>
-            </a:r>
-            <a:r>
-              <a:rPr lang="en-US" sz="2000" dirty="0"/>
-              <a:t>Material is one implementation - Material Design Lite is another</a:t>
-            </a:r>
-          </a:p>
-          <a:p>
-            <a:pPr marL="342900" indent="-342900" algn="l">
-              <a:buFont typeface="Arial"/>
-              <a:buChar char="•"/>
-            </a:pPr>
-            <a:r>
-              <a:rPr lang="en-US" sz="2000" dirty="0" smtClean="0"/>
-              <a:t>AM </a:t>
-            </a:r>
-            <a:r>
-              <a:rPr lang="en-US" sz="2000" dirty="0"/>
-              <a:t>depends on </a:t>
-            </a:r>
-            <a:r>
-              <a:rPr lang="en-US" sz="2000" dirty="0" err="1"/>
-              <a:t>nG</a:t>
-            </a:r>
-            <a:r>
-              <a:rPr lang="en-US" sz="2000" dirty="0"/>
-              <a:t>, </a:t>
-            </a:r>
-            <a:r>
-              <a:rPr lang="en-US" sz="2000" dirty="0" err="1"/>
-              <a:t>ngAnimate</a:t>
-            </a:r>
-            <a:r>
-              <a:rPr lang="en-US" sz="2000" dirty="0"/>
-              <a:t>, </a:t>
-            </a:r>
-            <a:r>
-              <a:rPr lang="en-US" sz="2000" dirty="0" err="1"/>
-              <a:t>ngAria</a:t>
-            </a:r>
-            <a:r>
-              <a:rPr lang="en-US" sz="2000" dirty="0"/>
-              <a:t>. MDL has no dependencies but less features</a:t>
-            </a:r>
-          </a:p>
-          <a:p>
-            <a:pPr marL="342900" indent="-342900" algn="l">
-              <a:buFont typeface="Arial"/>
-              <a:buChar char="•"/>
-            </a:pPr>
-            <a:r>
-              <a:rPr lang="en-US" sz="2000" dirty="0" smtClean="0"/>
-              <a:t>AM </a:t>
-            </a:r>
-            <a:r>
-              <a:rPr lang="en-US" sz="2000" dirty="0"/>
-              <a:t>provides directives/components, MDL depends on classes + JS</a:t>
-            </a:r>
-          </a:p>
-          <a:p>
-            <a:pPr marL="342900" indent="-342900" algn="l">
-              <a:buFont typeface="Arial"/>
-              <a:buChar char="•"/>
-            </a:pPr>
-            <a:r>
-              <a:rPr lang="en-US" sz="2000" dirty="0" smtClean="0"/>
-              <a:t>Both </a:t>
-            </a:r>
-            <a:r>
-              <a:rPr lang="en-US" sz="2000" dirty="0"/>
-              <a:t>provide grid system + widgets like dialogs, badges, tabs, autocomplete</a:t>
-            </a:r>
-            <a:endParaRPr lang="is-IS" sz="1200" dirty="0"/>
-          </a:p>
-        </p:txBody>
-      </p:sp>
-    </p:spTree>
-    <p:extLst>
-      <p:ext uri="{BB962C8B-B14F-4D97-AF65-F5344CB8AC3E}">
-        <p14:creationId xmlns:p14="http://schemas.microsoft.com/office/powerpoint/2010/main" val="3815891390"/>
-      </p:ext>
-    </p:extLst>
-  </p:cSld>
-  <p:clrMapOvr>
-    <a:masterClrMapping/>
-  </p:clrMapOvr>
-  <p:timing>
-    <p:tnLst>
-      <p:par>
-        <p:cTn xmlns:p14="http://schemas.microsoft.com/office/powerpoint/2010/main" id="1" dur="indefinite" restart="never" nodeType="tmRoot"/>
-      </p:par>
-    </p:tnLst>
-  </p:timing>
-</p:sld>
-</file>
-
-<file path=ppt/slides/slide28.xml><?xml version="1.0" encoding="utf-8"?>
-<p:sld xmlns:a="http://schemas.openxmlformats.org/drawingml/2006/main" xmlns:r="http://schemas.openxmlformats.org/officeDocument/2006/relationships" xmlns:p="http://schemas.openxmlformats.org/presentationml/2006/main">
-  <p:cSld>
-    <p:spTree>
-      <p:nvGrpSpPr>
-        <p:cNvPr id="1" name=""/>
-        <p:cNvGrpSpPr/>
-        <p:nvPr/>
-      </p:nvGrpSpPr>
-      <p:grpSpPr>
-        <a:xfrm>
-          <a:off x="0" y="0"/>
-          <a:ext cx="0" cy="0"/>
-          <a:chOff x="0" y="0"/>
-          <a:chExt cx="0" cy="0"/>
-        </a:xfrm>
-      </p:grpSpPr>
-      <p:sp>
-        <p:nvSpPr>
-          <p:cNvPr id="2" name="Title 1"/>
-          <p:cNvSpPr>
-            <a:spLocks noGrp="1"/>
-          </p:cNvSpPr>
-          <p:nvPr>
-            <p:ph type="ctrTitle"/>
-          </p:nvPr>
-        </p:nvSpPr>
-        <p:spPr>
-          <a:xfrm>
-            <a:off x="685800" y="160685"/>
-            <a:ext cx="7772400" cy="1470025"/>
-          </a:xfrm>
-        </p:spPr>
-        <p:txBody>
-          <a:bodyPr/>
-          <a:lstStyle/>
-          <a:p>
-            <a:r>
-              <a:rPr lang="en-US" dirty="0"/>
-              <a:t>Material in practice</a:t>
-            </a:r>
-          </a:p>
-        </p:txBody>
-      </p:sp>
-      <p:sp>
-        <p:nvSpPr>
-          <p:cNvPr id="3" name="Subtitle 2"/>
-          <p:cNvSpPr>
-            <a:spLocks noGrp="1"/>
-          </p:cNvSpPr>
-          <p:nvPr>
-            <p:ph type="subTitle" idx="1"/>
-          </p:nvPr>
-        </p:nvSpPr>
-        <p:spPr>
-          <a:xfrm>
-            <a:off x="454651" y="1630710"/>
-            <a:ext cx="8371875" cy="4609893"/>
-          </a:xfrm>
-        </p:spPr>
-        <p:txBody>
-          <a:bodyPr>
-            <a:normAutofit/>
-          </a:bodyPr>
-          <a:lstStyle/>
-          <a:p>
-            <a:pPr marL="342900" indent="-342900" algn="l">
-              <a:buFont typeface="Arial"/>
-              <a:buChar char="•"/>
-            </a:pPr>
-            <a:r>
-              <a:rPr lang="en-US" sz="2000" dirty="0" smtClean="0"/>
-              <a:t>Provide </a:t>
-            </a:r>
-            <a:r>
-              <a:rPr lang="en-US" sz="2000" dirty="0"/>
-              <a:t>resources via link/script tags, module loader, </a:t>
-            </a:r>
-            <a:r>
-              <a:rPr lang="en-US" sz="2000" dirty="0" err="1"/>
-              <a:t>npm</a:t>
-            </a:r>
-            <a:r>
-              <a:rPr lang="en-US" sz="2000" dirty="0"/>
-              <a:t> install or whatever</a:t>
-            </a:r>
-          </a:p>
-          <a:p>
-            <a:pPr marL="342900" indent="-342900" algn="l">
-              <a:buFont typeface="Arial"/>
-              <a:buChar char="•"/>
-            </a:pPr>
-            <a:r>
-              <a:rPr lang="en-US" sz="2000" dirty="0" smtClean="0"/>
-              <a:t>Add </a:t>
-            </a:r>
-            <a:r>
-              <a:rPr lang="en-US" sz="2000" dirty="0"/>
-              <a:t>'</a:t>
-            </a:r>
-            <a:r>
-              <a:rPr lang="en-US" sz="2000" dirty="0" err="1"/>
-              <a:t>ngMaterial</a:t>
-            </a:r>
-            <a:r>
-              <a:rPr lang="en-US" sz="2000" dirty="0"/>
-              <a:t>' as a dependency to the module declaration</a:t>
-            </a:r>
-          </a:p>
-          <a:p>
-            <a:pPr marL="342900" indent="-342900" algn="l">
-              <a:buFont typeface="Arial"/>
-              <a:buChar char="•"/>
-            </a:pPr>
-            <a:r>
-              <a:rPr lang="en-US" sz="2000" dirty="0" err="1" smtClean="0"/>
-              <a:t>Angular.module</a:t>
-            </a:r>
-            <a:r>
-              <a:rPr lang="en-US" sz="2000" dirty="0"/>
-              <a:t>('</a:t>
-            </a:r>
-            <a:r>
-              <a:rPr lang="en-US" sz="2000" dirty="0" err="1"/>
-              <a:t>sbuxJukebox</a:t>
-            </a:r>
-            <a:r>
-              <a:rPr lang="en-US" sz="2000" dirty="0"/>
-              <a:t>', ['</a:t>
-            </a:r>
-            <a:r>
-              <a:rPr lang="en-US" sz="2000" dirty="0" err="1"/>
-              <a:t>ngMaterial</a:t>
-            </a:r>
-            <a:r>
-              <a:rPr lang="en-US" sz="2000" dirty="0"/>
-              <a:t>']);</a:t>
-            </a:r>
-          </a:p>
-          <a:p>
-            <a:pPr marL="342900" indent="-342900" algn="l">
-              <a:buFont typeface="Arial"/>
-              <a:buChar char="•"/>
-            </a:pPr>
-            <a:r>
-              <a:rPr lang="en-US" sz="2000" dirty="0" smtClean="0"/>
-              <a:t>Various </a:t>
-            </a:r>
-            <a:r>
-              <a:rPr lang="en-US" sz="2000" dirty="0"/>
-              <a:t>md- prefixed directives are now available</a:t>
-            </a:r>
-            <a:endParaRPr lang="is-IS" sz="1200" dirty="0"/>
-          </a:p>
-        </p:txBody>
-      </p:sp>
-    </p:spTree>
-    <p:extLst>
-      <p:ext uri="{BB962C8B-B14F-4D97-AF65-F5344CB8AC3E}">
-        <p14:creationId xmlns:p14="http://schemas.microsoft.com/office/powerpoint/2010/main" val="2259782405"/>
-      </p:ext>
-    </p:extLst>
-  </p:cSld>
-  <p:clrMapOvr>
-    <a:masterClrMapping/>
-  </p:clrMapOvr>
-  <p:timing>
-    <p:tnLst>
-      <p:par>
-        <p:cTn xmlns:p14="http://schemas.microsoft.com/office/powerpoint/2010/main" id="1" dur="indefinite" restart="never" nodeType="tmRoot"/>
-      </p:par>
-    </p:tnLst>
-  </p:timing>
-</p:sld>
-</file>
-
-<file path=ppt/slides/slide29.xml><?xml version="1.0" encoding="utf-8"?>
-<p:sld xmlns:a="http://schemas.openxmlformats.org/drawingml/2006/main" xmlns:r="http://schemas.openxmlformats.org/officeDocument/2006/relationships" xmlns:p="http://schemas.openxmlformats.org/presentationml/2006/main">
-  <p:cSld>
-    <p:spTree>
-      <p:nvGrpSpPr>
-        <p:cNvPr id="1" name=""/>
-        <p:cNvGrpSpPr/>
-        <p:nvPr/>
-      </p:nvGrpSpPr>
-      <p:grpSpPr>
-        <a:xfrm>
-          <a:off x="0" y="0"/>
-          <a:ext cx="0" cy="0"/>
-          <a:chOff x="0" y="0"/>
-          <a:chExt cx="0" cy="0"/>
-        </a:xfrm>
-      </p:grpSpPr>
-      <p:sp>
-        <p:nvSpPr>
-          <p:cNvPr id="2" name="Title 1"/>
-          <p:cNvSpPr>
-            <a:spLocks noGrp="1"/>
-          </p:cNvSpPr>
-          <p:nvPr>
-            <p:ph type="ctrTitle"/>
-          </p:nvPr>
-        </p:nvSpPr>
-        <p:spPr>
-          <a:xfrm>
-            <a:off x="685800" y="160685"/>
-            <a:ext cx="7772400" cy="1470025"/>
-          </a:xfrm>
-        </p:spPr>
-        <p:txBody>
-          <a:bodyPr/>
-          <a:lstStyle/>
-          <a:p>
-            <a:r>
-              <a:rPr lang="en-US" dirty="0"/>
-              <a:t>Material lab</a:t>
-            </a:r>
-          </a:p>
-        </p:txBody>
-      </p:sp>
-      <p:sp>
-        <p:nvSpPr>
-          <p:cNvPr id="3" name="Subtitle 2"/>
-          <p:cNvSpPr>
-            <a:spLocks noGrp="1"/>
-          </p:cNvSpPr>
-          <p:nvPr>
-            <p:ph type="subTitle" idx="1"/>
-          </p:nvPr>
-        </p:nvSpPr>
-        <p:spPr>
-          <a:xfrm>
-            <a:off x="454651" y="1630710"/>
-            <a:ext cx="8371875" cy="4609893"/>
-          </a:xfrm>
-        </p:spPr>
-        <p:txBody>
-          <a:bodyPr>
-            <a:normAutofit/>
-          </a:bodyPr>
-          <a:lstStyle/>
-          <a:p>
-            <a:pPr marL="342900" indent="-342900" algn="l">
-              <a:buFont typeface="Arial"/>
-              <a:buChar char="•"/>
-            </a:pPr>
-            <a:r>
-              <a:rPr lang="en-US" sz="2000" dirty="0" smtClean="0"/>
-              <a:t>Add </a:t>
-            </a:r>
-            <a:r>
-              <a:rPr lang="en-US" sz="2000" dirty="0"/>
-              <a:t>an md-toolbar to the top of the page</a:t>
-            </a:r>
-          </a:p>
-          <a:p>
-            <a:pPr marL="342900" indent="-342900" algn="l">
-              <a:buFont typeface="Arial"/>
-              <a:buChar char="•"/>
-            </a:pPr>
-            <a:r>
-              <a:rPr lang="en-US" sz="2000" dirty="0" smtClean="0"/>
-              <a:t>Use </a:t>
-            </a:r>
-            <a:r>
-              <a:rPr lang="en-US" sz="2000" dirty="0"/>
-              <a:t>md-tabs to break up the content area</a:t>
-            </a:r>
-          </a:p>
-          <a:p>
-            <a:pPr marL="342900" indent="-342900" algn="l">
-              <a:buFont typeface="Arial"/>
-              <a:buChar char="•"/>
-            </a:pPr>
-            <a:r>
-              <a:rPr lang="en-US" sz="2000" dirty="0" smtClean="0"/>
-              <a:t>Add </a:t>
-            </a:r>
-            <a:r>
-              <a:rPr lang="en-US" sz="2000" dirty="0"/>
-              <a:t>an md-autocomplete to one of the tabs</a:t>
-            </a:r>
-          </a:p>
-          <a:p>
-            <a:pPr marL="342900" indent="-342900" algn="l">
-              <a:buFont typeface="Arial"/>
-              <a:buChar char="•"/>
-            </a:pPr>
-            <a:r>
-              <a:rPr lang="en-US" sz="2000" dirty="0" smtClean="0"/>
-              <a:t>Hook </a:t>
-            </a:r>
-            <a:r>
-              <a:rPr lang="en-US" sz="2000" dirty="0"/>
-              <a:t>up the </a:t>
-            </a:r>
-            <a:r>
-              <a:rPr lang="en-US" sz="2000" dirty="0" err="1"/>
-              <a:t>songsAjax</a:t>
-            </a:r>
-            <a:r>
-              <a:rPr lang="en-US" sz="2000" dirty="0"/>
-              <a:t> service to the autocomplete</a:t>
-            </a:r>
-            <a:endParaRPr lang="is-IS" sz="1200" dirty="0"/>
-          </a:p>
-        </p:txBody>
-      </p:sp>
-    </p:spTree>
-    <p:extLst>
-      <p:ext uri="{BB962C8B-B14F-4D97-AF65-F5344CB8AC3E}">
-        <p14:creationId xmlns:p14="http://schemas.microsoft.com/office/powerpoint/2010/main" val="2829940313"/>
-      </p:ext>
-    </p:extLst>
-  </p:cSld>
-  <p:clrMapOvr>
-    <a:masterClrMapping/>
-  </p:clrMapOvr>
-  <p:timing>
-    <p:tnLst>
-      <p:par>
-        <p:cTn xmlns:p14="http://schemas.microsoft.com/office/powerpoint/2010/main" id="1" dur="indefinite" restart="never" nodeType="tmRoot"/>
-      </p:par>
-    </p:tnLst>
-  </p:timing>
-</p:sld>
-</file>
-
 <file path=ppt/slides/slide3.xml><?xml version="1.0" encoding="utf-8"?>
 <p:sld xmlns:a="http://schemas.openxmlformats.org/drawingml/2006/main" xmlns:r="http://schemas.openxmlformats.org/officeDocument/2006/relationships" xmlns:p="http://schemas.openxmlformats.org/presentationml/2006/main">
   <p:cSld>
@@ -7628,11 +7129,7 @@
             </a:pPr>
             <a:r>
               <a:rPr lang="en-US" sz="2400" dirty="0" smtClean="0"/>
-              <a:t>Controllers are a subclass</a:t>
-            </a:r>
-            <a:r>
-              <a:rPr lang="en-US" sz="2400" dirty="0" smtClean="0"/>
-              <a:t> </a:t>
+              <a:t>Controllers are a subclass </a:t>
             </a:r>
             <a:r>
               <a:rPr lang="en-US" sz="2400" dirty="0"/>
@@ -7705,11 +7202,7 @@
             </a:pPr>
             <a:r>
               <a:rPr lang="en-US" sz="2400" dirty="0" smtClean="0"/>
-              <a:t>In </a:t>
-            </a:r>
-            <a:r>
-              <a:rPr lang="en-US" sz="2400" dirty="0" smtClean="0"/>
-              <a:t>view, &lt;div </a:t>
+              <a:t>In view, &lt;div </a:t>
             </a:r>
             <a:r>
               <a:rPr lang="en-US" sz="2400" dirty="0" err="1" smtClean="0"/>
@@ -7745,1893 +7238,6 @@
   <p:clrMapOvr>
     <a:masterClrMapping/>
   </p:clrMapOvr>
-</p:sld>
-</file>
-
-<file path=ppt/slides/slide30.xml><?xml version="1.0" encoding="utf-8"?>
-<p:sld xmlns:a="http://schemas.openxmlformats.org/drawingml/2006/main" xmlns:r="http://schemas.openxmlformats.org/officeDocument/2006/relationships" xmlns:p="http://schemas.openxmlformats.org/presentationml/2006/main">
-  <p:cSld>
-    <p:spTree>
-      <p:nvGrpSpPr>
-        <p:cNvPr id="1" name=""/>
-        <p:cNvGrpSpPr/>
-        <p:nvPr/>
-      </p:nvGrpSpPr>
-      <p:grpSpPr>
-        <a:xfrm>
-          <a:off x="0" y="0"/>
-          <a:ext cx="0" cy="0"/>
-          <a:chOff x="0" y="0"/>
-          <a:chExt cx="0" cy="0"/>
-        </a:xfrm>
-      </p:grpSpPr>
-      <p:sp>
-        <p:nvSpPr>
-          <p:cNvPr id="2" name="Title 1"/>
-          <p:cNvSpPr>
-            <a:spLocks noGrp="1"/>
-          </p:cNvSpPr>
-          <p:nvPr>
-            <p:ph type="ctrTitle"/>
-          </p:nvPr>
-        </p:nvSpPr>
-        <p:spPr>
-          <a:xfrm>
-            <a:off x="685800" y="160685"/>
-            <a:ext cx="7772400" cy="1470025"/>
-          </a:xfrm>
-        </p:spPr>
-        <p:txBody>
-          <a:bodyPr/>
-          <a:lstStyle/>
-          <a:p>
-            <a:r>
-              <a:rPr lang="en-US" dirty="0"/>
-              <a:t>Intro to Angular 2</a:t>
-            </a:r>
-          </a:p>
-        </p:txBody>
-      </p:sp>
-      <p:sp>
-        <p:nvSpPr>
-          <p:cNvPr id="3" name="Subtitle 2"/>
-          <p:cNvSpPr>
-            <a:spLocks noGrp="1"/>
-          </p:cNvSpPr>
-          <p:nvPr>
-            <p:ph type="subTitle" idx="1"/>
-          </p:nvPr>
-        </p:nvSpPr>
-        <p:spPr>
-          <a:xfrm>
-            <a:off x="454651" y="1630710"/>
-            <a:ext cx="8371875" cy="4609893"/>
-          </a:xfrm>
-        </p:spPr>
-        <p:txBody>
-          <a:bodyPr>
-            <a:normAutofit/>
-          </a:bodyPr>
-          <a:lstStyle/>
-          <a:p>
-            <a:pPr marL="342900" indent="-342900" algn="l">
-              <a:buFont typeface="Arial"/>
-              <a:buChar char="•"/>
-            </a:pPr>
-            <a:r>
-              <a:rPr lang="en-US" sz="2000" dirty="0" smtClean="0"/>
-              <a:t>Targets </a:t>
-            </a:r>
-            <a:r>
-              <a:rPr lang="en-US" sz="2000" dirty="0"/>
-              <a:t>"evergreen" browsers - no legacy support (IE9+)</a:t>
-            </a:r>
-          </a:p>
-          <a:p>
-            <a:pPr marL="342900" indent="-342900" algn="l">
-              <a:buFont typeface="Arial"/>
-              <a:buChar char="•"/>
-            </a:pPr>
-            <a:r>
-              <a:rPr lang="en-US" sz="2000" dirty="0" err="1" smtClean="0"/>
-              <a:t>nG</a:t>
-            </a:r>
-            <a:r>
-              <a:rPr lang="en-US" sz="2000" dirty="0" smtClean="0"/>
-              <a:t> </a:t>
-            </a:r>
-            <a:r>
-              <a:rPr lang="en-US" sz="2000" dirty="0"/>
-              <a:t>2 is a major redesign, with many breaking changes</a:t>
-            </a:r>
-          </a:p>
-          <a:p>
-            <a:pPr marL="342900" indent="-342900" algn="l">
-              <a:buFont typeface="Arial"/>
-              <a:buChar char="•"/>
-            </a:pPr>
-            <a:r>
-              <a:rPr lang="en-US" sz="2000" dirty="0" smtClean="0"/>
-              <a:t>Emphasis </a:t>
-            </a:r>
-            <a:r>
-              <a:rPr lang="en-US" sz="2000" dirty="0"/>
-              <a:t>on moving towards HTML5 web components</a:t>
-            </a:r>
-          </a:p>
-          <a:p>
-            <a:pPr marL="342900" indent="-342900" algn="l">
-              <a:buFont typeface="Arial"/>
-              <a:buChar char="•"/>
-            </a:pPr>
-            <a:r>
-              <a:rPr lang="en-US" sz="2000" dirty="0" err="1" smtClean="0"/>
-              <a:t>TypeScript</a:t>
-            </a:r>
-            <a:r>
-              <a:rPr lang="en-US" sz="2000" dirty="0" smtClean="0"/>
-              <a:t> </a:t>
-            </a:r>
-            <a:r>
-              <a:rPr lang="en-US" sz="2000" dirty="0"/>
-              <a:t>recommended</a:t>
-            </a:r>
-            <a:endParaRPr lang="is-IS" sz="1200" dirty="0"/>
-          </a:p>
-        </p:txBody>
-      </p:sp>
-    </p:spTree>
-    <p:extLst>
-      <p:ext uri="{BB962C8B-B14F-4D97-AF65-F5344CB8AC3E}">
-        <p14:creationId xmlns:p14="http://schemas.microsoft.com/office/powerpoint/2010/main" val="1085034615"/>
-      </p:ext>
-    </p:extLst>
-  </p:cSld>
-  <p:clrMapOvr>
-    <a:masterClrMapping/>
-  </p:clrMapOvr>
-  <p:timing>
-    <p:tnLst>
-      <p:par>
-        <p:cTn xmlns:p14="http://schemas.microsoft.com/office/powerpoint/2010/main" id="1" dur="indefinite" restart="never" nodeType="tmRoot"/>
-      </p:par>
-    </p:tnLst>
-  </p:timing>
-</p:sld>
-</file>
-
-<file path=ppt/slides/slide31.xml><?xml version="1.0" encoding="utf-8"?>
-<p:sld xmlns:a="http://schemas.openxmlformats.org/drawingml/2006/main" xmlns:r="http://schemas.openxmlformats.org/officeDocument/2006/relationships" xmlns:p="http://schemas.openxmlformats.org/presentationml/2006/main">
-  <p:cSld>
-    <p:spTree>
-      <p:nvGrpSpPr>
-        <p:cNvPr id="1" name=""/>
-        <p:cNvGrpSpPr/>
-        <p:nvPr/>
-      </p:nvGrpSpPr>
-      <p:grpSpPr>
-        <a:xfrm>
-          <a:off x="0" y="0"/>
-          <a:ext cx="0" cy="0"/>
-          <a:chOff x="0" y="0"/>
-          <a:chExt cx="0" cy="0"/>
-        </a:xfrm>
-      </p:grpSpPr>
-      <p:sp>
-        <p:nvSpPr>
-          <p:cNvPr id="2" name="Title 1"/>
-          <p:cNvSpPr>
-            <a:spLocks noGrp="1"/>
-          </p:cNvSpPr>
-          <p:nvPr>
-            <p:ph type="ctrTitle"/>
-          </p:nvPr>
-        </p:nvSpPr>
-        <p:spPr>
-          <a:xfrm>
-            <a:off x="685800" y="160685"/>
-            <a:ext cx="7772400" cy="1470025"/>
-          </a:xfrm>
-        </p:spPr>
-        <p:txBody>
-          <a:bodyPr/>
-          <a:lstStyle/>
-          <a:p>
-            <a:r>
-              <a:rPr lang="en-US" dirty="0"/>
-              <a:t>Major changes</a:t>
-            </a:r>
-          </a:p>
-        </p:txBody>
-      </p:sp>
-      <p:sp>
-        <p:nvSpPr>
-          <p:cNvPr id="3" name="Subtitle 2"/>
-          <p:cNvSpPr>
-            <a:spLocks noGrp="1"/>
-          </p:cNvSpPr>
-          <p:nvPr>
-            <p:ph type="subTitle" idx="1"/>
-          </p:nvPr>
-        </p:nvSpPr>
-        <p:spPr>
-          <a:xfrm>
-            <a:off x="454651" y="1630710"/>
-            <a:ext cx="8371875" cy="4609893"/>
-          </a:xfrm>
-        </p:spPr>
-        <p:txBody>
-          <a:bodyPr>
-            <a:normAutofit/>
-          </a:bodyPr>
-          <a:lstStyle/>
-          <a:p>
-            <a:pPr marL="342900" indent="-342900" algn="l">
-              <a:buFont typeface="Arial"/>
-              <a:buChar char="•"/>
-            </a:pPr>
-            <a:r>
-              <a:rPr lang="en-US" sz="2000" dirty="0" smtClean="0"/>
-              <a:t>More </a:t>
-            </a:r>
-            <a:r>
-              <a:rPr lang="en-US" sz="2000" dirty="0"/>
-              <a:t>like a reboot</a:t>
-            </a:r>
-          </a:p>
-          <a:p>
-            <a:pPr marL="342900" indent="-342900" algn="l">
-              <a:buFont typeface="Arial"/>
-              <a:buChar char="•"/>
-            </a:pPr>
-            <a:r>
-              <a:rPr lang="en-US" sz="2000" dirty="0" smtClean="0"/>
-              <a:t>The </a:t>
-            </a:r>
-            <a:r>
-              <a:rPr lang="en-US" sz="2000" dirty="0"/>
-              <a:t>central API is now Components</a:t>
-            </a:r>
-          </a:p>
-          <a:p>
-            <a:pPr marL="342900" indent="-342900" algn="l">
-              <a:buFont typeface="Arial"/>
-              <a:buChar char="•"/>
-            </a:pPr>
-            <a:r>
-              <a:rPr lang="en-US" sz="2000" dirty="0" smtClean="0"/>
-              <a:t>Components </a:t>
-            </a:r>
-            <a:r>
-              <a:rPr lang="en-US" sz="2000" dirty="0"/>
-              <a:t>are a type of Directive, those are still around</a:t>
-            </a:r>
-          </a:p>
-          <a:p>
-            <a:pPr marL="342900" indent="-342900" algn="l">
-              <a:buFont typeface="Arial"/>
-              <a:buChar char="•"/>
-            </a:pPr>
-            <a:r>
-              <a:rPr lang="en-US" sz="2000" dirty="0" smtClean="0"/>
-              <a:t>Providers </a:t>
-            </a:r>
-            <a:r>
-              <a:rPr lang="en-US" sz="2000" dirty="0"/>
-              <a:t>are still around, but their sugar/subtypes have been removed</a:t>
-            </a:r>
-          </a:p>
-          <a:p>
-            <a:pPr marL="342900" indent="-342900" algn="l">
-              <a:buFont typeface="Arial"/>
-              <a:buChar char="•"/>
-            </a:pPr>
-            <a:r>
-              <a:rPr lang="en-US" sz="2000" dirty="0" smtClean="0"/>
-              <a:t>Large </a:t>
-            </a:r>
-            <a:r>
-              <a:rPr lang="en-US" sz="2000" dirty="0"/>
-              <a:t>portions of the API have been removed:</a:t>
-            </a:r>
-          </a:p>
-          <a:p>
-            <a:pPr marL="800100" lvl="1" indent="-342900" algn="l">
-              <a:buFont typeface="Arial"/>
-              <a:buChar char="•"/>
-            </a:pPr>
-            <a:r>
-              <a:rPr lang="en-US" sz="1600" dirty="0" err="1" smtClean="0"/>
-              <a:t>angular.module</a:t>
-            </a:r>
-            <a:r>
-              <a:rPr lang="en-US" sz="1600" dirty="0"/>
-              <a:t>, scope, controllers, filters, </a:t>
-            </a:r>
-            <a:r>
-              <a:rPr lang="en-US" sz="1600" dirty="0" err="1"/>
-              <a:t>ng</a:t>
-            </a:r>
-            <a:r>
-              <a:rPr lang="en-US" sz="1600" dirty="0"/>
-              <a:t>-app</a:t>
-            </a:r>
-          </a:p>
-          <a:p>
-            <a:pPr marL="342900" indent="-342900" algn="l">
-              <a:buFont typeface="Arial"/>
-              <a:buChar char="•"/>
-            </a:pPr>
-            <a:r>
-              <a:rPr lang="en-US" sz="2000" dirty="0" smtClean="0"/>
-              <a:t>Greater </a:t>
-            </a:r>
-            <a:r>
-              <a:rPr lang="en-US" sz="2000" dirty="0"/>
-              <a:t>reliance on dependency injection</a:t>
-            </a:r>
-          </a:p>
-          <a:p>
-            <a:pPr marL="800100" lvl="1" indent="-342900" algn="l">
-              <a:buFont typeface="Arial"/>
-              <a:buChar char="•"/>
-            </a:pPr>
-            <a:r>
-              <a:rPr lang="en-US" sz="1600" dirty="0" smtClean="0"/>
-              <a:t>nG2 </a:t>
-            </a:r>
-            <a:r>
-              <a:rPr lang="en-US" sz="1600" dirty="0"/>
-              <a:t>only includes minimum functionality by default</a:t>
-            </a:r>
-          </a:p>
-          <a:p>
-            <a:pPr marL="800100" lvl="1" indent="-342900" algn="l">
-              <a:buFont typeface="Arial"/>
-              <a:buChar char="•"/>
-            </a:pPr>
-            <a:r>
-              <a:rPr lang="en-US" sz="1600" dirty="0" smtClean="0"/>
-              <a:t>Gotcha</a:t>
-            </a:r>
-            <a:r>
-              <a:rPr lang="en-US" sz="1600" dirty="0"/>
-              <a:t>: common "undefined" or "not a function" errors when you forget an import</a:t>
-            </a:r>
-            <a:endParaRPr lang="is-IS" sz="800" dirty="0"/>
-          </a:p>
-        </p:txBody>
-      </p:sp>
-    </p:spTree>
-    <p:extLst>
-      <p:ext uri="{BB962C8B-B14F-4D97-AF65-F5344CB8AC3E}">
-        <p14:creationId xmlns:p14="http://schemas.microsoft.com/office/powerpoint/2010/main" val="2746077353"/>
-      </p:ext>
-    </p:extLst>
-  </p:cSld>
-  <p:clrMapOvr>
-    <a:masterClrMapping/>
-  </p:clrMapOvr>
-  <p:timing>
-    <p:tnLst>
-      <p:par>
-        <p:cTn xmlns:p14="http://schemas.microsoft.com/office/powerpoint/2010/main" id="1" dur="indefinite" restart="never" nodeType="tmRoot"/>
-      </p:par>
-    </p:tnLst>
-  </p:timing>
-</p:sld>
-</file>
-
-<file path=ppt/slides/slide32.xml><?xml version="1.0" encoding="utf-8"?>
-<p:sld xmlns:a="http://schemas.openxmlformats.org/drawingml/2006/main" xmlns:r="http://schemas.openxmlformats.org/officeDocument/2006/relationships" xmlns:p="http://schemas.openxmlformats.org/presentationml/2006/main">
-  <p:cSld>
-    <p:spTree>
-      <p:nvGrpSpPr>
-        <p:cNvPr id="1" name=""/>
-        <p:cNvGrpSpPr/>
-        <p:nvPr/>
-      </p:nvGrpSpPr>
-      <p:grpSpPr>
-        <a:xfrm>
-          <a:off x="0" y="0"/>
-          <a:ext cx="0" cy="0"/>
-          <a:chOff x="0" y="0"/>
-          <a:chExt cx="0" cy="0"/>
-        </a:xfrm>
-      </p:grpSpPr>
-      <p:sp>
-        <p:nvSpPr>
-          <p:cNvPr id="2" name="Title 1"/>
-          <p:cNvSpPr>
-            <a:spLocks noGrp="1"/>
-          </p:cNvSpPr>
-          <p:nvPr>
-            <p:ph type="ctrTitle"/>
-          </p:nvPr>
-        </p:nvSpPr>
-        <p:spPr>
-          <a:xfrm>
-            <a:off x="685800" y="160685"/>
-            <a:ext cx="7772400" cy="1470025"/>
-          </a:xfrm>
-        </p:spPr>
-        <p:txBody>
-          <a:bodyPr/>
-          <a:lstStyle/>
-          <a:p>
-            <a:r>
-              <a:rPr lang="en-US" dirty="0"/>
-              <a:t>Advantages </a:t>
-            </a:r>
-            <a:r>
-              <a:rPr lang="en-US" dirty="0" smtClean="0"/>
-              <a:t>gained</a:t>
-            </a:r>
-            <a:endParaRPr lang="en-US" dirty="0"/>
-          </a:p>
-        </p:txBody>
-      </p:sp>
-      <p:sp>
-        <p:nvSpPr>
-          <p:cNvPr id="3" name="Subtitle 2"/>
-          <p:cNvSpPr>
-            <a:spLocks noGrp="1"/>
-          </p:cNvSpPr>
-          <p:nvPr>
-            <p:ph type="subTitle" idx="1"/>
-          </p:nvPr>
-        </p:nvSpPr>
-        <p:spPr>
-          <a:xfrm>
-            <a:off x="454651" y="1630710"/>
-            <a:ext cx="8371875" cy="4609893"/>
-          </a:xfrm>
-        </p:spPr>
-        <p:txBody>
-          <a:bodyPr>
-            <a:normAutofit/>
-          </a:bodyPr>
-          <a:lstStyle/>
-          <a:p>
-            <a:pPr marL="342900" indent="-342900" algn="l">
-              <a:buFont typeface="Arial"/>
-              <a:buChar char="•"/>
-            </a:pPr>
-            <a:r>
-              <a:rPr lang="en-US" sz="2000" dirty="0" smtClean="0"/>
-              <a:t>Smaller</a:t>
-            </a:r>
-            <a:r>
-              <a:rPr lang="en-US" sz="2000" dirty="0"/>
-              <a:t>, more consistent API</a:t>
-            </a:r>
-          </a:p>
-          <a:p>
-            <a:pPr marL="342900" indent="-342900" algn="l">
-              <a:buFont typeface="Arial"/>
-              <a:buChar char="•"/>
-            </a:pPr>
-            <a:r>
-              <a:rPr lang="en-US" sz="2000" dirty="0" smtClean="0"/>
-              <a:t>Greater </a:t>
-            </a:r>
-            <a:r>
-              <a:rPr lang="en-US" sz="2000" dirty="0"/>
-              <a:t>modularity/DI - import only what you need means smaller downloads</a:t>
-            </a:r>
-          </a:p>
-          <a:p>
-            <a:pPr marL="342900" indent="-342900" algn="l">
-              <a:buFont typeface="Arial"/>
-              <a:buChar char="•"/>
-            </a:pPr>
-            <a:r>
-              <a:rPr lang="en-US" sz="2000" dirty="0" smtClean="0"/>
-              <a:t>Greater </a:t>
-            </a:r>
-            <a:r>
-              <a:rPr lang="en-US" sz="2000" dirty="0"/>
-              <a:t>separation from DOM - testing, IDE support</a:t>
-            </a:r>
-          </a:p>
-          <a:p>
-            <a:pPr marL="342900" indent="-342900" algn="l">
-              <a:buFont typeface="Arial"/>
-              <a:buChar char="•"/>
-            </a:pPr>
-            <a:r>
-              <a:rPr lang="en-US" sz="2000" dirty="0" smtClean="0"/>
-              <a:t>Performance </a:t>
-            </a:r>
-            <a:r>
-              <a:rPr lang="en-US" sz="2000" dirty="0"/>
-              <a:t>speedups primarily due to jettisoning digest checking</a:t>
-            </a:r>
-          </a:p>
-          <a:p>
-            <a:pPr marL="342900" indent="-342900" algn="l">
-              <a:buFont typeface="Arial"/>
-              <a:buChar char="•"/>
-            </a:pPr>
-            <a:r>
-              <a:rPr lang="en-US" sz="2000" dirty="0" smtClean="0"/>
-              <a:t>Aligns </a:t>
-            </a:r>
-            <a:r>
-              <a:rPr lang="en-US" sz="2000" dirty="0"/>
-              <a:t>closer with the future of web components</a:t>
-            </a:r>
-            <a:endParaRPr lang="is-IS" sz="800" dirty="0"/>
-          </a:p>
-        </p:txBody>
-      </p:sp>
-    </p:spTree>
-    <p:extLst>
-      <p:ext uri="{BB962C8B-B14F-4D97-AF65-F5344CB8AC3E}">
-        <p14:creationId xmlns:p14="http://schemas.microsoft.com/office/powerpoint/2010/main" val="3749434534"/>
-      </p:ext>
-    </p:extLst>
-  </p:cSld>
-  <p:clrMapOvr>
-    <a:masterClrMapping/>
-  </p:clrMapOvr>
-  <p:timing>
-    <p:tnLst>
-      <p:par>
-        <p:cTn xmlns:p14="http://schemas.microsoft.com/office/powerpoint/2010/main" id="1" dur="indefinite" restart="never" nodeType="tmRoot"/>
-      </p:par>
-    </p:tnLst>
-  </p:timing>
-</p:sld>
-</file>
-
-<file path=ppt/slides/slide33.xml><?xml version="1.0" encoding="utf-8"?>
-<p:sld xmlns:a="http://schemas.openxmlformats.org/drawingml/2006/main" xmlns:r="http://schemas.openxmlformats.org/officeDocument/2006/relationships" xmlns:p="http://schemas.openxmlformats.org/presentationml/2006/main">
-  <p:cSld>
-    <p:spTree>
-      <p:nvGrpSpPr>
-        <p:cNvPr id="1" name=""/>
-        <p:cNvGrpSpPr/>
-        <p:nvPr/>
-      </p:nvGrpSpPr>
-      <p:grpSpPr>
-        <a:xfrm>
-          <a:off x="0" y="0"/>
-          <a:ext cx="0" cy="0"/>
-          <a:chOff x="0" y="0"/>
-          <a:chExt cx="0" cy="0"/>
-        </a:xfrm>
-      </p:grpSpPr>
-      <p:sp>
-        <p:nvSpPr>
-          <p:cNvPr id="2" name="Title 1"/>
-          <p:cNvSpPr>
-            <a:spLocks noGrp="1"/>
-          </p:cNvSpPr>
-          <p:nvPr>
-            <p:ph type="ctrTitle"/>
-          </p:nvPr>
-        </p:nvSpPr>
-        <p:spPr>
-          <a:xfrm>
-            <a:off x="685800" y="160685"/>
-            <a:ext cx="7772400" cy="1470025"/>
-          </a:xfrm>
-        </p:spPr>
-        <p:txBody>
-          <a:bodyPr/>
-          <a:lstStyle/>
-          <a:p>
-            <a:r>
-              <a:rPr lang="en-US" dirty="0"/>
-              <a:t>A word of caution</a:t>
-            </a:r>
-          </a:p>
-        </p:txBody>
-      </p:sp>
-      <p:sp>
-        <p:nvSpPr>
-          <p:cNvPr id="3" name="Subtitle 2"/>
-          <p:cNvSpPr>
-            <a:spLocks noGrp="1"/>
-          </p:cNvSpPr>
-          <p:nvPr>
-            <p:ph type="subTitle" idx="1"/>
-          </p:nvPr>
-        </p:nvSpPr>
-        <p:spPr>
-          <a:xfrm>
-            <a:off x="454651" y="1630710"/>
-            <a:ext cx="8371875" cy="4609893"/>
-          </a:xfrm>
-        </p:spPr>
-        <p:txBody>
-          <a:bodyPr>
-            <a:normAutofit/>
-          </a:bodyPr>
-          <a:lstStyle/>
-          <a:p>
-            <a:pPr marL="342900" indent="-342900" algn="l">
-              <a:buFont typeface="Arial"/>
-              <a:buChar char="•"/>
-            </a:pPr>
-            <a:r>
-              <a:rPr lang="en-US" sz="2000" dirty="0" err="1" smtClean="0"/>
-              <a:t>nG</a:t>
-            </a:r>
-            <a:r>
-              <a:rPr lang="en-US" sz="2000" dirty="0" smtClean="0"/>
-              <a:t> </a:t>
-            </a:r>
-            <a:r>
-              <a:rPr lang="en-US" sz="2000" dirty="0"/>
-              <a:t>2 </a:t>
-            </a:r>
-            <a:r>
-              <a:rPr lang="en-US" sz="2000" dirty="0" smtClean="0"/>
-              <a:t>is officially in beta. </a:t>
-            </a:r>
-            <a:r>
-              <a:rPr lang="en-US" sz="2000" dirty="0"/>
-              <a:t>What does beta mean?</a:t>
-            </a:r>
-          </a:p>
-          <a:p>
-            <a:pPr marL="342900" indent="-342900" algn="l">
-              <a:buFont typeface="Arial"/>
-              <a:buChar char="•"/>
-            </a:pPr>
-            <a:r>
-              <a:rPr lang="en-US" sz="2000" dirty="0" smtClean="0"/>
-              <a:t>"</a:t>
-            </a:r>
-            <a:r>
-              <a:rPr lang="en-US" sz="2000" dirty="0"/>
-              <a:t>we're now confident that most developers can be successful building large applications"</a:t>
-            </a:r>
-          </a:p>
-          <a:p>
-            <a:pPr marL="342900" indent="-342900" algn="l">
-              <a:buFont typeface="Arial"/>
-              <a:buChar char="•"/>
-            </a:pPr>
-            <a:r>
-              <a:rPr lang="en-US" sz="2000" dirty="0" smtClean="0"/>
-              <a:t>A </a:t>
-            </a:r>
-            <a:r>
-              <a:rPr lang="en-US" sz="2000" dirty="0"/>
-              <a:t>platform is not just its code though, also its ecosystem</a:t>
-            </a:r>
-          </a:p>
-          <a:p>
-            <a:pPr marL="342900" indent="-342900" algn="l">
-              <a:buFont typeface="Arial"/>
-              <a:buChar char="•"/>
-            </a:pPr>
-            <a:r>
-              <a:rPr lang="en-US" sz="2000" dirty="0"/>
-              <a:t>  </a:t>
-            </a:r>
-            <a:r>
-              <a:rPr lang="en-US" sz="2000" dirty="0" smtClean="0"/>
-              <a:t>Tooling </a:t>
-            </a:r>
-            <a:r>
-              <a:rPr lang="en-US" sz="2000" dirty="0"/>
-              <a:t>&amp; 3rd party library support</a:t>
-            </a:r>
-          </a:p>
-          <a:p>
-            <a:pPr marL="342900" indent="-342900" algn="l">
-              <a:buFont typeface="Arial"/>
-              <a:buChar char="•"/>
-            </a:pPr>
-            <a:r>
-              <a:rPr lang="en-US" sz="2000" dirty="0"/>
-              <a:t>  </a:t>
-            </a:r>
-            <a:r>
-              <a:rPr lang="en-US" sz="2000" dirty="0" smtClean="0"/>
-              <a:t>Documentation</a:t>
-            </a:r>
-            <a:endParaRPr lang="en-US" sz="2000" dirty="0"/>
-          </a:p>
-          <a:p>
-            <a:pPr marL="342900" indent="-342900" algn="l">
-              <a:buFont typeface="Arial"/>
-              <a:buChar char="•"/>
-            </a:pPr>
-            <a:r>
-              <a:rPr lang="en-US" sz="2000" dirty="0"/>
-              <a:t>  </a:t>
-            </a:r>
-            <a:r>
-              <a:rPr lang="en-US" sz="2000" dirty="0" smtClean="0"/>
-              <a:t>Error </a:t>
-            </a:r>
-            <a:r>
-              <a:rPr lang="en-US" sz="2000" dirty="0"/>
-              <a:t>handling messages</a:t>
-            </a:r>
-          </a:p>
-          <a:p>
-            <a:pPr marL="342900" indent="-342900" algn="l">
-              <a:buFont typeface="Arial"/>
-              <a:buChar char="•"/>
-            </a:pPr>
-            <a:r>
-              <a:rPr lang="en-US" sz="2000" dirty="0"/>
-              <a:t>  </a:t>
-            </a:r>
-            <a:r>
-              <a:rPr lang="en-US" sz="2000" dirty="0" smtClean="0"/>
-              <a:t>Community </a:t>
-            </a:r>
-            <a:r>
-              <a:rPr lang="en-US" sz="2000" dirty="0"/>
-              <a:t>support</a:t>
-            </a:r>
-          </a:p>
-          <a:p>
-            <a:pPr marL="342900" indent="-342900" algn="l">
-              <a:buFont typeface="Arial"/>
-              <a:buChar char="•"/>
-            </a:pPr>
-            <a:r>
-              <a:rPr lang="en-US" sz="2000" dirty="0" smtClean="0"/>
-              <a:t>IMO, nG2 ecosystem is not mature yet</a:t>
-            </a:r>
-          </a:p>
-          <a:p>
-            <a:pPr marL="800100" lvl="1" indent="-342900" algn="l">
-              <a:buFont typeface="Arial"/>
-              <a:buChar char="•"/>
-            </a:pPr>
-            <a:r>
-              <a:rPr lang="en-US" sz="1600" dirty="0"/>
-              <a:t>Official documentation is </a:t>
-            </a:r>
-            <a:r>
-              <a:rPr lang="en-US" sz="1600" dirty="0" smtClean="0"/>
-              <a:t>intentionally complete</a:t>
-            </a:r>
-            <a:endParaRPr lang="is-IS" sz="400" dirty="0"/>
-          </a:p>
-          <a:p>
-            <a:pPr marL="800100" lvl="1" indent="-342900" algn="l">
-              <a:buFont typeface="Arial"/>
-              <a:buChar char="•"/>
-            </a:pPr>
-            <a:r>
-              <a:rPr lang="en-US" sz="1600" dirty="0" smtClean="0"/>
-              <a:t>Many syntax changes make older articles unreliable</a:t>
-            </a:r>
-          </a:p>
-          <a:p>
-            <a:pPr marL="800100" lvl="1" indent="-342900" algn="l">
-              <a:buFont typeface="Arial"/>
-              <a:buChar char="•"/>
-            </a:pPr>
-            <a:r>
-              <a:rPr lang="en-US" sz="1600" dirty="0" smtClean="0"/>
-              <a:t>TSC compilation issues</a:t>
-            </a:r>
-            <a:endParaRPr lang="is-IS" sz="400" dirty="0"/>
-          </a:p>
-        </p:txBody>
-      </p:sp>
-    </p:spTree>
-    <p:extLst>
-      <p:ext uri="{BB962C8B-B14F-4D97-AF65-F5344CB8AC3E}">
-        <p14:creationId xmlns:p14="http://schemas.microsoft.com/office/powerpoint/2010/main" val="1644634512"/>
-      </p:ext>
-    </p:extLst>
-  </p:cSld>
-  <p:clrMapOvr>
-    <a:masterClrMapping/>
-  </p:clrMapOvr>
-  <p:timing>
-    <p:tnLst>
-      <p:par>
-        <p:cTn xmlns:p14="http://schemas.microsoft.com/office/powerpoint/2010/main" id="1" dur="indefinite" restart="never" nodeType="tmRoot"/>
-      </p:par>
-    </p:tnLst>
-  </p:timing>
-</p:sld>
-</file>
-
-<file path=ppt/slides/slide34.xml><?xml version="1.0" encoding="utf-8"?>
-<p:sld xmlns:a="http://schemas.openxmlformats.org/drawingml/2006/main" xmlns:r="http://schemas.openxmlformats.org/officeDocument/2006/relationships" xmlns:p="http://schemas.openxmlformats.org/presentationml/2006/main">
-  <p:cSld>
-    <p:spTree>
-      <p:nvGrpSpPr>
-        <p:cNvPr id="1" name=""/>
-        <p:cNvGrpSpPr/>
-        <p:nvPr/>
-      </p:nvGrpSpPr>
-      <p:grpSpPr>
-        <a:xfrm>
-          <a:off x="0" y="0"/>
-          <a:ext cx="0" cy="0"/>
-          <a:chOff x="0" y="0"/>
-          <a:chExt cx="0" cy="0"/>
-        </a:xfrm>
-      </p:grpSpPr>
-      <p:sp>
-        <p:nvSpPr>
-          <p:cNvPr id="2" name="Title 1"/>
-          <p:cNvSpPr>
-            <a:spLocks noGrp="1"/>
-          </p:cNvSpPr>
-          <p:nvPr>
-            <p:ph type="ctrTitle"/>
-          </p:nvPr>
-        </p:nvSpPr>
-        <p:spPr>
-          <a:xfrm>
-            <a:off x="685800" y="160685"/>
-            <a:ext cx="7772400" cy="1470025"/>
-          </a:xfrm>
-        </p:spPr>
-        <p:txBody>
-          <a:bodyPr/>
-          <a:lstStyle/>
-          <a:p>
-            <a:r>
-              <a:rPr lang="en-US" dirty="0"/>
-              <a:t>A word of caution</a:t>
-            </a:r>
-          </a:p>
-        </p:txBody>
-      </p:sp>
-      <p:sp>
-        <p:nvSpPr>
-          <p:cNvPr id="3" name="Subtitle 2"/>
-          <p:cNvSpPr>
-            <a:spLocks noGrp="1"/>
-          </p:cNvSpPr>
-          <p:nvPr>
-            <p:ph type="subTitle" idx="1"/>
-          </p:nvPr>
-        </p:nvSpPr>
-        <p:spPr>
-          <a:xfrm>
-            <a:off x="454651" y="1630710"/>
-            <a:ext cx="8371875" cy="4609893"/>
-          </a:xfrm>
-        </p:spPr>
-        <p:txBody>
-          <a:bodyPr>
-            <a:normAutofit/>
-          </a:bodyPr>
-          <a:lstStyle/>
-          <a:p>
-            <a:pPr marL="342900" indent="-342900" algn="l">
-              <a:buFont typeface="Arial"/>
-              <a:buChar char="•"/>
-            </a:pPr>
-            <a:r>
-              <a:rPr lang="en-US" sz="2000" dirty="0" err="1" smtClean="0"/>
-              <a:t>nG</a:t>
-            </a:r>
-            <a:r>
-              <a:rPr lang="en-US" sz="2000" dirty="0" smtClean="0"/>
-              <a:t> </a:t>
-            </a:r>
-            <a:r>
-              <a:rPr lang="en-US" sz="2000" dirty="0"/>
-              <a:t>2 </a:t>
-            </a:r>
-            <a:r>
-              <a:rPr lang="en-US" sz="2000" dirty="0" smtClean="0"/>
-              <a:t>is officially in beta. </a:t>
-            </a:r>
-            <a:r>
-              <a:rPr lang="en-US" sz="2000" dirty="0"/>
-              <a:t>What does beta mean?</a:t>
-            </a:r>
-          </a:p>
-          <a:p>
-            <a:pPr marL="342900" indent="-342900" algn="l">
-              <a:buFont typeface="Arial"/>
-              <a:buChar char="•"/>
-            </a:pPr>
-            <a:r>
-              <a:rPr lang="en-US" sz="2000" dirty="0" smtClean="0"/>
-              <a:t>"</a:t>
-            </a:r>
-            <a:r>
-              <a:rPr lang="en-US" sz="2000" dirty="0"/>
-              <a:t>we're now confident that most developers can be successful building large applications"</a:t>
-            </a:r>
-          </a:p>
-          <a:p>
-            <a:pPr marL="342900" indent="-342900" algn="l">
-              <a:buFont typeface="Arial"/>
-              <a:buChar char="•"/>
-            </a:pPr>
-            <a:r>
-              <a:rPr lang="en-US" sz="2000" dirty="0" smtClean="0"/>
-              <a:t>A </a:t>
-            </a:r>
-            <a:r>
-              <a:rPr lang="en-US" sz="2000" dirty="0"/>
-              <a:t>platform is not just its code though, also its ecosystem</a:t>
-            </a:r>
-          </a:p>
-          <a:p>
-            <a:pPr marL="342900" indent="-342900" algn="l">
-              <a:buFont typeface="Arial"/>
-              <a:buChar char="•"/>
-            </a:pPr>
-            <a:r>
-              <a:rPr lang="en-US" sz="2000" dirty="0"/>
-              <a:t>  </a:t>
-            </a:r>
-            <a:r>
-              <a:rPr lang="en-US" sz="2000" dirty="0" smtClean="0"/>
-              <a:t>Tooling </a:t>
-            </a:r>
-            <a:r>
-              <a:rPr lang="en-US" sz="2000" dirty="0"/>
-              <a:t>&amp; 3rd party library support</a:t>
-            </a:r>
-          </a:p>
-          <a:p>
-            <a:pPr marL="342900" indent="-342900" algn="l">
-              <a:buFont typeface="Arial"/>
-              <a:buChar char="•"/>
-            </a:pPr>
-            <a:r>
-              <a:rPr lang="en-US" sz="2000" dirty="0"/>
-              <a:t>  </a:t>
-            </a:r>
-            <a:r>
-              <a:rPr lang="en-US" sz="2000" dirty="0" smtClean="0"/>
-              <a:t>Documentation</a:t>
-            </a:r>
-            <a:endParaRPr lang="en-US" sz="2000" dirty="0"/>
-          </a:p>
-          <a:p>
-            <a:pPr marL="342900" indent="-342900" algn="l">
-              <a:buFont typeface="Arial"/>
-              <a:buChar char="•"/>
-            </a:pPr>
-            <a:r>
-              <a:rPr lang="en-US" sz="2000" dirty="0"/>
-              <a:t>  </a:t>
-            </a:r>
-            <a:r>
-              <a:rPr lang="en-US" sz="2000" dirty="0" smtClean="0"/>
-              <a:t>Error </a:t>
-            </a:r>
-            <a:r>
-              <a:rPr lang="en-US" sz="2000" dirty="0"/>
-              <a:t>handling messages</a:t>
-            </a:r>
-          </a:p>
-          <a:p>
-            <a:pPr marL="342900" indent="-342900" algn="l">
-              <a:buFont typeface="Arial"/>
-              <a:buChar char="•"/>
-            </a:pPr>
-            <a:r>
-              <a:rPr lang="en-US" sz="2000" dirty="0"/>
-              <a:t>  </a:t>
-            </a:r>
-            <a:r>
-              <a:rPr lang="en-US" sz="2000" dirty="0" smtClean="0"/>
-              <a:t>Community </a:t>
-            </a:r>
-            <a:r>
-              <a:rPr lang="en-US" sz="2000" dirty="0"/>
-              <a:t>support</a:t>
-            </a:r>
-          </a:p>
-          <a:p>
-            <a:pPr marL="342900" indent="-342900" algn="l">
-              <a:buFont typeface="Arial"/>
-              <a:buChar char="•"/>
-            </a:pPr>
-            <a:r>
-              <a:rPr lang="en-US" sz="2000" dirty="0" smtClean="0"/>
-              <a:t>IMO, nG2 ecosystem is not mature yet</a:t>
-            </a:r>
-          </a:p>
-          <a:p>
-            <a:pPr marL="800100" lvl="1" indent="-342900" algn="l">
-              <a:buFont typeface="Arial"/>
-              <a:buChar char="•"/>
-            </a:pPr>
-            <a:r>
-              <a:rPr lang="en-US" sz="1600" dirty="0" smtClean="0"/>
-              <a:t>Official </a:t>
-            </a:r>
-            <a:r>
-              <a:rPr lang="en-US" sz="1600" dirty="0"/>
-              <a:t>documentation is </a:t>
-            </a:r>
-            <a:r>
-              <a:rPr lang="en-US" sz="1600" dirty="0" smtClean="0"/>
-              <a:t>intentionally complete</a:t>
-            </a:r>
-            <a:endParaRPr lang="is-IS" sz="400" dirty="0"/>
-          </a:p>
-          <a:p>
-            <a:pPr marL="800100" lvl="1" indent="-342900" algn="l">
-              <a:buFont typeface="Arial"/>
-              <a:buChar char="•"/>
-            </a:pPr>
-            <a:r>
-              <a:rPr lang="en-US" sz="1600" dirty="0" smtClean="0"/>
-              <a:t>Many syntax changes make older articles unreliable</a:t>
-            </a:r>
-          </a:p>
-          <a:p>
-            <a:pPr marL="800100" lvl="1" indent="-342900" algn="l">
-              <a:buFont typeface="Arial"/>
-              <a:buChar char="•"/>
-            </a:pPr>
-            <a:r>
-              <a:rPr lang="en-US" sz="1600" dirty="0" smtClean="0"/>
-              <a:t>TSC compilation issues</a:t>
-            </a:r>
-          </a:p>
-          <a:p>
-            <a:pPr marL="342900" indent="-342900" algn="l">
-              <a:buFont typeface="Arial"/>
-              <a:buChar char="•"/>
-            </a:pPr>
-            <a:r>
-              <a:rPr lang="en-US" sz="2000" dirty="0" smtClean="0"/>
-              <a:t>Proceed </a:t>
-            </a:r>
-            <a:r>
-              <a:rPr lang="en-US" sz="2000" dirty="0"/>
-              <a:t>with </a:t>
-            </a:r>
-            <a:r>
-              <a:rPr lang="en-US" sz="2000" dirty="0" smtClean="0"/>
-              <a:t>caution</a:t>
-            </a:r>
-          </a:p>
-          <a:p>
-            <a:pPr lvl="1" algn="l"/>
-            <a:endParaRPr lang="is-IS" sz="400" dirty="0"/>
-          </a:p>
-        </p:txBody>
-      </p:sp>
-    </p:spTree>
-    <p:extLst>
-      <p:ext uri="{BB962C8B-B14F-4D97-AF65-F5344CB8AC3E}">
-        <p14:creationId xmlns:p14="http://schemas.microsoft.com/office/powerpoint/2010/main" val="1685966677"/>
-      </p:ext>
-    </p:extLst>
-  </p:cSld>
-  <p:clrMapOvr>
-    <a:masterClrMapping/>
-  </p:clrMapOvr>
-  <p:timing>
-    <p:tnLst>
-      <p:par>
-        <p:cTn xmlns:p14="http://schemas.microsoft.com/office/powerpoint/2010/main" id="1" dur="indefinite" restart="never" nodeType="tmRoot"/>
-      </p:par>
-    </p:tnLst>
-  </p:timing>
-</p:sld>
-</file>
-
-<file path=ppt/slides/slide35.xml><?xml version="1.0" encoding="utf-8"?>
-<p:sld xmlns:a="http://schemas.openxmlformats.org/drawingml/2006/main" xmlns:r="http://schemas.openxmlformats.org/officeDocument/2006/relationships" xmlns:p="http://schemas.openxmlformats.org/presentationml/2006/main">
-  <p:cSld>
-    <p:spTree>
-      <p:nvGrpSpPr>
-        <p:cNvPr id="1" name=""/>
-        <p:cNvGrpSpPr/>
-        <p:nvPr/>
-      </p:nvGrpSpPr>
-      <p:grpSpPr>
-        <a:xfrm>
-          <a:off x="0" y="0"/>
-          <a:ext cx="0" cy="0"/>
-          <a:chOff x="0" y="0"/>
-          <a:chExt cx="0" cy="0"/>
-        </a:xfrm>
-      </p:grpSpPr>
-      <p:sp>
-        <p:nvSpPr>
-          <p:cNvPr id="2" name="Title 1"/>
-          <p:cNvSpPr>
-            <a:spLocks noGrp="1"/>
-          </p:cNvSpPr>
-          <p:nvPr>
-            <p:ph type="ctrTitle"/>
-          </p:nvPr>
-        </p:nvSpPr>
-        <p:spPr>
-          <a:xfrm>
-            <a:off x="685800" y="160685"/>
-            <a:ext cx="7772400" cy="1470025"/>
-          </a:xfrm>
-        </p:spPr>
-        <p:txBody>
-          <a:bodyPr/>
-          <a:lstStyle/>
-          <a:p>
-            <a:r>
-              <a:rPr lang="en-US" dirty="0" err="1"/>
-              <a:t>TypeScript</a:t>
-            </a:r>
-            <a:endParaRPr lang="en-US" dirty="0"/>
-          </a:p>
-        </p:txBody>
-      </p:sp>
-      <p:sp>
-        <p:nvSpPr>
-          <p:cNvPr id="3" name="Subtitle 2"/>
-          <p:cNvSpPr>
-            <a:spLocks noGrp="1"/>
-          </p:cNvSpPr>
-          <p:nvPr>
-            <p:ph type="subTitle" idx="1"/>
-          </p:nvPr>
-        </p:nvSpPr>
-        <p:spPr>
-          <a:xfrm>
-            <a:off x="454651" y="1630710"/>
-            <a:ext cx="8371875" cy="4609893"/>
-          </a:xfrm>
-        </p:spPr>
-        <p:txBody>
-          <a:bodyPr>
-            <a:normAutofit lnSpcReduction="10000"/>
-          </a:bodyPr>
-          <a:lstStyle/>
-          <a:p>
-            <a:pPr marL="342900" indent="-342900" algn="l">
-              <a:buFont typeface="Arial"/>
-              <a:buChar char="•"/>
-            </a:pPr>
-            <a:r>
-              <a:rPr lang="en-US" sz="2000" dirty="0" smtClean="0"/>
-              <a:t>From </a:t>
-            </a:r>
-            <a:r>
-              <a:rPr lang="en-US" sz="2000" dirty="0"/>
-              <a:t>Microsoft, a compiled superset of </a:t>
-            </a:r>
-            <a:r>
-              <a:rPr lang="en-US" sz="2000" dirty="0" err="1"/>
-              <a:t>Javascript</a:t>
-            </a:r>
-            <a:endParaRPr lang="en-US" sz="2000" dirty="0"/>
-          </a:p>
-          <a:p>
-            <a:pPr marL="342900" indent="-342900" algn="l">
-              <a:buFont typeface="Arial"/>
-              <a:buChar char="•"/>
-            </a:pPr>
-            <a:r>
-              <a:rPr lang="en-US" sz="2000" dirty="0" smtClean="0"/>
-              <a:t>All </a:t>
-            </a:r>
-            <a:r>
-              <a:rPr lang="en-US" sz="2000" dirty="0"/>
-              <a:t>valid JS is valid TS (theoretically - in practice often requires tweaking)</a:t>
-            </a:r>
-          </a:p>
-          <a:p>
-            <a:pPr marL="342900" indent="-342900" algn="l">
-              <a:buFont typeface="Arial"/>
-              <a:buChar char="•"/>
-            </a:pPr>
-            <a:r>
-              <a:rPr lang="en-US" sz="2000" dirty="0" smtClean="0"/>
-              <a:t>Adds </a:t>
-            </a:r>
-            <a:r>
-              <a:rPr lang="en-US" sz="2000" dirty="0"/>
-              <a:t>support for static typing</a:t>
-            </a:r>
-          </a:p>
-          <a:p>
-            <a:pPr marL="800100" lvl="1" indent="-342900" algn="l">
-              <a:buFont typeface="Arial"/>
-              <a:buChar char="•"/>
-            </a:pPr>
-            <a:r>
-              <a:rPr lang="en-US" sz="1600" dirty="0" smtClean="0"/>
-              <a:t>Specify </a:t>
-            </a:r>
-            <a:r>
-              <a:rPr lang="en-US" sz="1600" dirty="0"/>
-              <a:t>type when declaring </a:t>
-            </a:r>
-            <a:r>
-              <a:rPr lang="en-US" sz="1600" dirty="0" err="1"/>
-              <a:t>vars</a:t>
-            </a:r>
-            <a:r>
-              <a:rPr lang="en-US" sz="1600" dirty="0"/>
-              <a:t>, function arguments and return values, </a:t>
-            </a:r>
-            <a:r>
-              <a:rPr lang="en-US" sz="1600" dirty="0" err="1"/>
-              <a:t>etc</a:t>
-            </a:r>
-            <a:endParaRPr lang="en-US" sz="1600" dirty="0"/>
-          </a:p>
-          <a:p>
-            <a:pPr marL="800100" lvl="1" indent="-342900" algn="l">
-              <a:buFont typeface="Arial"/>
-              <a:buChar char="•"/>
-            </a:pPr>
-            <a:r>
-              <a:rPr lang="en-US" sz="1600" dirty="0" smtClean="0"/>
-              <a:t>Describe </a:t>
-            </a:r>
-            <a:r>
-              <a:rPr lang="en-US" sz="1600" dirty="0"/>
-              <a:t>custom types with a "declaration" file - describe interface</a:t>
-            </a:r>
-          </a:p>
-          <a:p>
-            <a:pPr marL="342900" indent="-342900" algn="l">
-              <a:buFont typeface="Arial"/>
-              <a:buChar char="•"/>
-            </a:pPr>
-            <a:r>
-              <a:rPr lang="en-US" sz="2000" dirty="0" smtClean="0"/>
-              <a:t>Adds </a:t>
-            </a:r>
-            <a:r>
-              <a:rPr lang="en-US" sz="2000" dirty="0"/>
-              <a:t>the common ES6 features</a:t>
-            </a:r>
-          </a:p>
-          <a:p>
-            <a:pPr marL="800100" lvl="1" indent="-342900" algn="l">
-              <a:buFont typeface="Arial"/>
-              <a:buChar char="•"/>
-            </a:pPr>
-            <a:r>
-              <a:rPr lang="en-US" sz="1600" dirty="0" smtClean="0"/>
-              <a:t>arrow </a:t>
-            </a:r>
-            <a:r>
-              <a:rPr lang="en-US" sz="1600" dirty="0"/>
-              <a:t>functions, classes, modules, let keyword, Map, Promise</a:t>
-            </a:r>
-          </a:p>
-          <a:p>
-            <a:pPr marL="800100" lvl="1" indent="-342900" algn="l">
-              <a:buFont typeface="Arial"/>
-              <a:buChar char="•"/>
-            </a:pPr>
-            <a:r>
-              <a:rPr lang="en-US" sz="1600" dirty="0" smtClean="0"/>
-              <a:t>Compatibility </a:t>
-            </a:r>
-            <a:r>
-              <a:rPr lang="en-US" sz="1600" dirty="0"/>
-              <a:t>table: http://</a:t>
-            </a:r>
-            <a:r>
-              <a:rPr lang="en-US" sz="1600" dirty="0" err="1"/>
-              <a:t>kangax.github.io</a:t>
-            </a:r>
-            <a:r>
-              <a:rPr lang="en-US" sz="1600" dirty="0"/>
-              <a:t>/</a:t>
-            </a:r>
-            <a:r>
-              <a:rPr lang="en-US" sz="1600" dirty="0" err="1"/>
-              <a:t>compat</a:t>
-            </a:r>
-            <a:r>
-              <a:rPr lang="en-US" sz="1600" dirty="0"/>
-              <a:t>-table/es6/</a:t>
-            </a:r>
-          </a:p>
-          <a:p>
-            <a:pPr marL="342900" indent="-342900" algn="l">
-              <a:buFont typeface="Arial"/>
-              <a:buChar char="•"/>
-            </a:pPr>
-            <a:r>
-              <a:rPr lang="en-US" sz="2000" dirty="0" smtClean="0"/>
-              <a:t>And </a:t>
-            </a:r>
-            <a:r>
-              <a:rPr lang="en-US" sz="2000" dirty="0"/>
-              <a:t>some unique features</a:t>
-            </a:r>
-          </a:p>
-          <a:p>
-            <a:pPr marL="800100" lvl="1" indent="-342900" algn="l">
-              <a:buFont typeface="Arial"/>
-              <a:buChar char="•"/>
-            </a:pPr>
-            <a:r>
-              <a:rPr lang="en-US" sz="1600" dirty="0" smtClean="0"/>
-              <a:t>@ </a:t>
-            </a:r>
-            <a:r>
-              <a:rPr lang="en-US" sz="1600" dirty="0"/>
-              <a:t>Decorator syntax (often referred to as annotation)</a:t>
-            </a:r>
-          </a:p>
-          <a:p>
-            <a:pPr marL="800100" lvl="1" indent="-342900" algn="l">
-              <a:buFont typeface="Arial"/>
-              <a:buChar char="•"/>
-            </a:pPr>
-            <a:r>
-              <a:rPr lang="en-US" sz="1600" dirty="0" smtClean="0"/>
-              <a:t>inline </a:t>
-            </a:r>
-            <a:r>
-              <a:rPr lang="en-US" sz="1600" dirty="0"/>
-              <a:t>variable type specification</a:t>
-            </a:r>
-          </a:p>
-          <a:p>
-            <a:pPr marL="342900" indent="-342900" algn="l">
-              <a:buFont typeface="Arial"/>
-              <a:buChar char="•"/>
-            </a:pPr>
-            <a:r>
-              <a:rPr lang="en-US" sz="2000" dirty="0" smtClean="0"/>
-              <a:t>Tutorial</a:t>
-            </a:r>
-            <a:r>
-              <a:rPr lang="en-US" sz="2000" dirty="0"/>
-              <a:t>: https://</a:t>
-            </a:r>
-            <a:r>
-              <a:rPr lang="en-US" sz="2000" dirty="0" err="1"/>
-              <a:t>johnpapa.net</a:t>
-            </a:r>
-            <a:r>
-              <a:rPr lang="en-US" sz="2000" dirty="0"/>
-              <a:t>/typescriptpost1/</a:t>
-            </a:r>
-          </a:p>
-          <a:p>
-            <a:pPr marL="342900" indent="-342900" algn="l">
-              <a:buFont typeface="Arial"/>
-              <a:buChar char="•"/>
-            </a:pPr>
-            <a:r>
-              <a:rPr lang="en-US" sz="2000" dirty="0" smtClean="0"/>
-              <a:t>Quick </a:t>
-            </a:r>
-            <a:r>
-              <a:rPr lang="en-US" sz="2000" dirty="0"/>
-              <a:t>syntax reference: https://</a:t>
-            </a:r>
-            <a:r>
-              <a:rPr lang="en-US" sz="2000" dirty="0" err="1"/>
-              <a:t>quizlet.com</a:t>
-            </a:r>
-            <a:r>
-              <a:rPr lang="en-US" sz="2000" dirty="0"/>
-              <a:t>/134674527/typescript-syntax-flash-cards/</a:t>
-            </a:r>
-            <a:endParaRPr lang="is-IS" sz="400" dirty="0"/>
-          </a:p>
-        </p:txBody>
-      </p:sp>
-    </p:spTree>
-    <p:extLst>
-      <p:ext uri="{BB962C8B-B14F-4D97-AF65-F5344CB8AC3E}">
-        <p14:creationId xmlns:p14="http://schemas.microsoft.com/office/powerpoint/2010/main" val="3737063361"/>
-      </p:ext>
-    </p:extLst>
-  </p:cSld>
-  <p:clrMapOvr>
-    <a:masterClrMapping/>
-  </p:clrMapOvr>
-  <p:timing>
-    <p:tnLst>
-      <p:par>
-        <p:cTn xmlns:p14="http://schemas.microsoft.com/office/powerpoint/2010/main" id="1" dur="indefinite" restart="never" nodeType="tmRoot"/>
-      </p:par>
-    </p:tnLst>
-  </p:timing>
-</p:sld>
-</file>
-
-<file path=ppt/slides/slide36.xml><?xml version="1.0" encoding="utf-8"?>
-<p:sld xmlns:a="http://schemas.openxmlformats.org/drawingml/2006/main" xmlns:r="http://schemas.openxmlformats.org/officeDocument/2006/relationships" xmlns:p="http://schemas.openxmlformats.org/presentationml/2006/main">
-  <p:cSld>
-    <p:spTree>
-      <p:nvGrpSpPr>
-        <p:cNvPr id="1" name=""/>
-        <p:cNvGrpSpPr/>
-        <p:nvPr/>
-      </p:nvGrpSpPr>
-      <p:grpSpPr>
-        <a:xfrm>
-          <a:off x="0" y="0"/>
-          <a:ext cx="0" cy="0"/>
-          <a:chOff x="0" y="0"/>
-          <a:chExt cx="0" cy="0"/>
-        </a:xfrm>
-      </p:grpSpPr>
-      <p:sp>
-        <p:nvSpPr>
-          <p:cNvPr id="2" name="Title 1"/>
-          <p:cNvSpPr>
-            <a:spLocks noGrp="1"/>
-          </p:cNvSpPr>
-          <p:nvPr>
-            <p:ph type="ctrTitle"/>
-          </p:nvPr>
-        </p:nvSpPr>
-        <p:spPr>
-          <a:xfrm>
-            <a:off x="685800" y="160685"/>
-            <a:ext cx="7772400" cy="1470025"/>
-          </a:xfrm>
-        </p:spPr>
-        <p:txBody>
-          <a:bodyPr/>
-          <a:lstStyle/>
-          <a:p>
-            <a:r>
-              <a:rPr lang="en-US" dirty="0"/>
-              <a:t>Lab: Get started with Angular 2</a:t>
-            </a:r>
-          </a:p>
-        </p:txBody>
-      </p:sp>
-      <p:sp>
-        <p:nvSpPr>
-          <p:cNvPr id="3" name="Subtitle 2"/>
-          <p:cNvSpPr>
-            <a:spLocks noGrp="1"/>
-          </p:cNvSpPr>
-          <p:nvPr>
-            <p:ph type="subTitle" idx="1"/>
-          </p:nvPr>
-        </p:nvSpPr>
-        <p:spPr>
-          <a:xfrm>
-            <a:off x="454651" y="1630710"/>
-            <a:ext cx="8371875" cy="4609893"/>
-          </a:xfrm>
-        </p:spPr>
-        <p:txBody>
-          <a:bodyPr>
-            <a:normAutofit/>
-          </a:bodyPr>
-          <a:lstStyle/>
-          <a:p>
-            <a:pPr marL="342900" indent="-342900" algn="l">
-              <a:buFont typeface="Arial"/>
-              <a:buChar char="•"/>
-            </a:pPr>
-            <a:r>
-              <a:rPr lang="en-US" sz="2000" dirty="0" smtClean="0"/>
-              <a:t>Component </a:t>
-            </a:r>
-            <a:r>
-              <a:rPr lang="en-US" sz="2000" dirty="0"/>
-              <a:t>always specifies at least one template (</a:t>
-            </a:r>
-            <a:r>
-              <a:rPr lang="en-US" sz="2000" dirty="0" err="1"/>
-              <a:t>mulitple</a:t>
-            </a:r>
-            <a:r>
-              <a:rPr lang="en-US" sz="2000" dirty="0"/>
-              <a:t> based on media query)</a:t>
-            </a:r>
-          </a:p>
-          <a:p>
-            <a:pPr marL="342900" indent="-342900" algn="l">
-              <a:buFont typeface="Arial"/>
-              <a:buChar char="•"/>
-            </a:pPr>
-            <a:r>
-              <a:rPr lang="en-US" sz="2000" dirty="0"/>
-              <a:t>  </a:t>
-            </a:r>
-            <a:r>
-              <a:rPr lang="en-US" sz="2000" dirty="0" smtClean="0"/>
-              <a:t>New </a:t>
-            </a:r>
-            <a:r>
-              <a:rPr lang="en-US" sz="2000" dirty="0"/>
-              <a:t>template syntax</a:t>
-            </a:r>
-          </a:p>
-          <a:p>
-            <a:pPr marL="342900" indent="-342900" algn="l">
-              <a:buFont typeface="Arial"/>
-              <a:buChar char="•"/>
-            </a:pPr>
-            <a:r>
-              <a:rPr lang="en-US" sz="2000" dirty="0"/>
-              <a:t>  </a:t>
-            </a:r>
-            <a:r>
-              <a:rPr lang="en-US" sz="2000" dirty="0" smtClean="0"/>
-              <a:t>ES6 </a:t>
-            </a:r>
-            <a:r>
-              <a:rPr lang="en-US" sz="2000" dirty="0"/>
-              <a:t>Class with constructor replaces Controller</a:t>
-            </a:r>
-          </a:p>
-          <a:p>
-            <a:pPr marL="342900" indent="-342900" algn="l">
-              <a:buFont typeface="Arial"/>
-              <a:buChar char="•"/>
-            </a:pPr>
-            <a:r>
-              <a:rPr lang="en-US" sz="2000" dirty="0"/>
-              <a:t>  </a:t>
-            </a:r>
-            <a:r>
-              <a:rPr lang="en-US" sz="2000" dirty="0" smtClean="0"/>
-              <a:t>Scope </a:t>
-            </a:r>
-            <a:r>
-              <a:rPr lang="en-US" sz="2000" dirty="0"/>
-              <a:t>is gone - properties of the ES6 Class now represent Component data</a:t>
-            </a:r>
-          </a:p>
-          <a:p>
-            <a:pPr marL="342900" indent="-342900" algn="l">
-              <a:buFont typeface="Arial"/>
-              <a:buChar char="•"/>
-            </a:pPr>
-            <a:r>
-              <a:rPr lang="en-US" sz="2000" dirty="0"/>
-              <a:t>  </a:t>
-            </a:r>
-            <a:r>
-              <a:rPr lang="en-US" sz="2000" dirty="0" smtClean="0"/>
-              <a:t>Input </a:t>
-            </a:r>
-            <a:r>
-              <a:rPr lang="en-US" sz="2000" dirty="0"/>
-              <a:t>and Output properties</a:t>
-            </a:r>
-          </a:p>
-          <a:p>
-            <a:pPr marL="342900" indent="-342900" algn="l">
-              <a:buFont typeface="Arial"/>
-              <a:buChar char="•"/>
-            </a:pPr>
-            <a:r>
-              <a:rPr lang="en-US" sz="2000" dirty="0"/>
-              <a:t>    </a:t>
-            </a:r>
-            <a:r>
-              <a:rPr lang="en-US" sz="2000" dirty="0" smtClean="0"/>
-              <a:t>Public </a:t>
-            </a:r>
-            <a:r>
-              <a:rPr lang="en-US" sz="2000" dirty="0"/>
-              <a:t>API of the Component</a:t>
-            </a:r>
-          </a:p>
-          <a:p>
-            <a:pPr marL="342900" indent="-342900" algn="l">
-              <a:buFont typeface="Arial"/>
-              <a:buChar char="•"/>
-            </a:pPr>
-            <a:r>
-              <a:rPr lang="en-US" sz="2000" dirty="0"/>
-              <a:t>    </a:t>
-            </a:r>
-            <a:r>
-              <a:rPr lang="en-US" sz="2000" dirty="0" smtClean="0"/>
-              <a:t>Binding </a:t>
-            </a:r>
-            <a:r>
-              <a:rPr lang="en-US" sz="2000" dirty="0"/>
-              <a:t>to Inputs remains familiar</a:t>
-            </a:r>
-          </a:p>
-          <a:p>
-            <a:pPr marL="342900" indent="-342900" algn="l">
-              <a:buFont typeface="Arial"/>
-              <a:buChar char="•"/>
-            </a:pPr>
-            <a:r>
-              <a:rPr lang="en-US" sz="2000" dirty="0"/>
-              <a:t>    </a:t>
-            </a:r>
-            <a:r>
-              <a:rPr lang="en-US" sz="2000" dirty="0" smtClean="0"/>
-              <a:t>Subscribe </a:t>
-            </a:r>
-            <a:r>
-              <a:rPr lang="en-US" sz="2000" dirty="0"/>
-              <a:t>to events for Output</a:t>
-            </a:r>
-            <a:endParaRPr lang="is-IS" sz="1600" dirty="0"/>
-          </a:p>
-        </p:txBody>
-      </p:sp>
-    </p:spTree>
-    <p:extLst>
-      <p:ext uri="{BB962C8B-B14F-4D97-AF65-F5344CB8AC3E}">
-        <p14:creationId xmlns:p14="http://schemas.microsoft.com/office/powerpoint/2010/main" val="983647590"/>
-      </p:ext>
-    </p:extLst>
-  </p:cSld>
-  <p:clrMapOvr>
-    <a:masterClrMapping/>
-  </p:clrMapOvr>
-  <p:timing>
-    <p:tnLst>
-      <p:par>
-        <p:cTn xmlns:p14="http://schemas.microsoft.com/office/powerpoint/2010/main" id="1" dur="indefinite" restart="never" nodeType="tmRoot"/>
-      </p:par>
-    </p:tnLst>
-  </p:timing>
-</p:sld>
-</file>
-
-<file path=ppt/slides/slide37.xml><?xml version="1.0" encoding="utf-8"?>
-<p:sld xmlns:a="http://schemas.openxmlformats.org/drawingml/2006/main" xmlns:r="http://schemas.openxmlformats.org/officeDocument/2006/relationships" xmlns:p="http://schemas.openxmlformats.org/presentationml/2006/main">
-  <p:cSld>
-    <p:spTree>
-      <p:nvGrpSpPr>
-        <p:cNvPr id="1" name=""/>
-        <p:cNvGrpSpPr/>
-        <p:nvPr/>
-      </p:nvGrpSpPr>
-      <p:grpSpPr>
-        <a:xfrm>
-          <a:off x="0" y="0"/>
-          <a:ext cx="0" cy="0"/>
-          <a:chOff x="0" y="0"/>
-          <a:chExt cx="0" cy="0"/>
-        </a:xfrm>
-      </p:grpSpPr>
-      <p:sp>
-        <p:nvSpPr>
-          <p:cNvPr id="2" name="Title 1"/>
-          <p:cNvSpPr>
-            <a:spLocks noGrp="1"/>
-          </p:cNvSpPr>
-          <p:nvPr>
-            <p:ph type="ctrTitle"/>
-          </p:nvPr>
-        </p:nvSpPr>
-        <p:spPr>
-          <a:xfrm>
-            <a:off x="685800" y="160685"/>
-            <a:ext cx="7772400" cy="1470025"/>
-          </a:xfrm>
-        </p:spPr>
-        <p:txBody>
-          <a:bodyPr/>
-          <a:lstStyle/>
-          <a:p>
-            <a:r>
-              <a:rPr lang="en-US" dirty="0"/>
-              <a:t>Lab: Get started with Angular 2</a:t>
-            </a:r>
-          </a:p>
-        </p:txBody>
-      </p:sp>
-      <p:sp>
-        <p:nvSpPr>
-          <p:cNvPr id="3" name="Subtitle 2"/>
-          <p:cNvSpPr>
-            <a:spLocks noGrp="1"/>
-          </p:cNvSpPr>
-          <p:nvPr>
-            <p:ph type="subTitle" idx="1"/>
-          </p:nvPr>
-        </p:nvSpPr>
-        <p:spPr>
-          <a:xfrm>
-            <a:off x="454651" y="1630710"/>
-            <a:ext cx="8371875" cy="4609893"/>
-          </a:xfrm>
-        </p:spPr>
-        <p:txBody>
-          <a:bodyPr>
-            <a:normAutofit/>
-          </a:bodyPr>
-          <a:lstStyle/>
-          <a:p>
-            <a:pPr marL="342900" indent="-342900" algn="l">
-              <a:buFont typeface="Arial"/>
-              <a:buChar char="•"/>
-            </a:pPr>
-            <a:r>
-              <a:rPr lang="en-US" sz="2000" dirty="0" smtClean="0"/>
-              <a:t>Like 1.x, valid HTML + script tag pointing to </a:t>
-            </a:r>
-            <a:r>
-              <a:rPr lang="en-US" sz="2000" dirty="0" err="1" smtClean="0"/>
-              <a:t>angular.js</a:t>
-            </a:r>
-            <a:endParaRPr lang="en-US" sz="2000" dirty="0" smtClean="0"/>
-          </a:p>
-          <a:p>
-            <a:pPr marL="342900" indent="-342900" algn="l">
-              <a:buFont typeface="Arial"/>
-              <a:buChar char="•"/>
-            </a:pPr>
-            <a:r>
-              <a:rPr lang="en-US" sz="2000" dirty="0" smtClean="0"/>
-              <a:t>Core </a:t>
-            </a:r>
-            <a:r>
-              <a:rPr lang="en-US" sz="2000" dirty="0" err="1" smtClean="0"/>
-              <a:t>angular.js</a:t>
-            </a:r>
-            <a:r>
-              <a:rPr lang="en-US" sz="2000" dirty="0" smtClean="0"/>
-              <a:t> is super stripped down</a:t>
-            </a:r>
-          </a:p>
-          <a:p>
-            <a:pPr marL="342900" indent="-342900" algn="l">
-              <a:buFont typeface="Arial"/>
-              <a:buChar char="•"/>
-            </a:pPr>
-            <a:r>
-              <a:rPr lang="en-US" sz="2000" dirty="0" smtClean="0"/>
-              <a:t>More script tags to include what you need</a:t>
-            </a:r>
-          </a:p>
-          <a:p>
-            <a:pPr marL="342900" indent="-342900" algn="l">
-              <a:buFont typeface="Arial"/>
-              <a:buChar char="•"/>
-            </a:pPr>
-            <a:r>
-              <a:rPr lang="en-US" sz="2000" dirty="0" smtClean="0"/>
-              <a:t>Notes on </a:t>
-            </a:r>
-            <a:r>
-              <a:rPr lang="en-US" sz="2000" dirty="0" err="1"/>
-              <a:t>SystemJS</a:t>
-            </a:r>
-            <a:r>
-              <a:rPr lang="en-US" sz="2000" dirty="0"/>
-              <a:t> </a:t>
-            </a:r>
-            <a:endParaRPr lang="en-US" sz="2000" dirty="0" smtClean="0"/>
-          </a:p>
-          <a:p>
-            <a:pPr marL="800100" lvl="1" indent="-342900" algn="l">
-              <a:buFont typeface="Arial"/>
-              <a:buChar char="•"/>
-            </a:pPr>
-            <a:r>
-              <a:rPr lang="en-US" sz="1600" dirty="0" smtClean="0"/>
-              <a:t>It is </a:t>
-            </a:r>
-            <a:r>
-              <a:rPr lang="en-US" sz="1600" dirty="0"/>
-              <a:t>optional - other module loaders such as </a:t>
-            </a:r>
-            <a:r>
-              <a:rPr lang="en-US" sz="1600" dirty="0" err="1"/>
-              <a:t>Webpack</a:t>
-            </a:r>
-            <a:endParaRPr lang="en-US" sz="1600" dirty="0"/>
-          </a:p>
-          <a:p>
-            <a:pPr marL="800100" lvl="1" indent="-342900" algn="l">
-              <a:buFont typeface="Arial"/>
-              <a:buChar char="•"/>
-            </a:pPr>
-            <a:r>
-              <a:rPr lang="en-US" sz="1600" dirty="0" err="1" smtClean="0"/>
-              <a:t>SystemJS</a:t>
-            </a:r>
-            <a:r>
-              <a:rPr lang="en-US" sz="1600" dirty="0" smtClean="0"/>
-              <a:t> </a:t>
-            </a:r>
-            <a:r>
-              <a:rPr lang="en-US" sz="1600" dirty="0"/>
-              <a:t>is capable of </a:t>
-            </a:r>
-            <a:r>
-              <a:rPr lang="en-US" sz="1600" dirty="0" err="1"/>
-              <a:t>transpiling</a:t>
-            </a:r>
-            <a:r>
-              <a:rPr lang="en-US" sz="1600" dirty="0"/>
-              <a:t> on the fly (client side)</a:t>
-            </a:r>
-          </a:p>
-          <a:p>
-            <a:pPr marL="800100" lvl="1" indent="-342900" algn="l">
-              <a:buFont typeface="Arial"/>
-              <a:buChar char="•"/>
-            </a:pPr>
-            <a:r>
-              <a:rPr lang="en-US" sz="1600" dirty="0" smtClean="0"/>
-              <a:t>Not officially recommended</a:t>
-            </a:r>
-            <a:endParaRPr lang="en-US" sz="1600" dirty="0"/>
-          </a:p>
-          <a:p>
-            <a:pPr marL="800100" lvl="1" indent="-342900" algn="l">
-              <a:buFont typeface="Arial"/>
-              <a:buChar char="•"/>
-            </a:pPr>
-            <a:r>
-              <a:rPr lang="en-US" sz="1600" dirty="0" smtClean="0"/>
-              <a:t>But it </a:t>
-            </a:r>
-            <a:r>
-              <a:rPr lang="en-US" sz="1600" dirty="0"/>
-              <a:t>is faster than waiting for a watcher to recompile</a:t>
-            </a:r>
-          </a:p>
-          <a:p>
-            <a:pPr marL="800100" lvl="1" indent="-342900" algn="l">
-              <a:buFont typeface="Arial"/>
-              <a:buChar char="•"/>
-            </a:pPr>
-            <a:r>
-              <a:rPr lang="en-US" sz="1600" dirty="0" smtClean="0"/>
-              <a:t>Also code </a:t>
-            </a:r>
-            <a:r>
-              <a:rPr lang="en-US" sz="1600" dirty="0"/>
-              <a:t>will sometimes run in browser when the TSC compiler </a:t>
-            </a:r>
-            <a:r>
-              <a:rPr lang="en-US" sz="1600" dirty="0" smtClean="0"/>
-              <a:t>errors</a:t>
-            </a:r>
-          </a:p>
-          <a:p>
-            <a:pPr marL="800100" lvl="1" indent="-342900" algn="l">
-              <a:buFont typeface="Arial"/>
-              <a:buChar char="•"/>
-            </a:pPr>
-            <a:r>
-              <a:rPr lang="en-US" sz="1600" dirty="0" err="1" smtClean="0"/>
-              <a:t>tsc</a:t>
-            </a:r>
-            <a:r>
-              <a:rPr lang="en-US" sz="1600" dirty="0" smtClean="0"/>
-              <a:t> </a:t>
-            </a:r>
-            <a:r>
-              <a:rPr lang="en-US" sz="1600" dirty="0"/>
-              <a:t>depends more on definition files to provide typing</a:t>
-            </a:r>
-            <a:endParaRPr lang="is-IS" sz="1600" dirty="0"/>
-          </a:p>
-        </p:txBody>
-      </p:sp>
-    </p:spTree>
-    <p:extLst>
-      <p:ext uri="{BB962C8B-B14F-4D97-AF65-F5344CB8AC3E}">
-        <p14:creationId xmlns:p14="http://schemas.microsoft.com/office/powerpoint/2010/main" val="4014897445"/>
-      </p:ext>
-    </p:extLst>
-  </p:cSld>
-  <p:clrMapOvr>
-    <a:masterClrMapping/>
-  </p:clrMapOvr>
-  <p:timing>
-    <p:tnLst>
-      <p:par>
-        <p:cTn xmlns:p14="http://schemas.microsoft.com/office/powerpoint/2010/main" id="1" dur="indefinite" restart="never" nodeType="tmRoot"/>
-      </p:par>
-    </p:tnLst>
-  </p:timing>
 </p:sld>
 </file>
 
@@ -9697,7 +7303,7 @@
         </p:spPr>
         <p:txBody>
           <a:bodyPr>
-            <a:normAutofit/>
+            <a:normAutofit fontScale="85000" lnSpcReduction="20000"/>
           </a:bodyPr>
           <a:lstStyle/>
           <a:p>
@@ -9707,113 +7313,118 @@
             </a:pPr>
             <a:r>
               <a:rPr lang="en-US" sz="2400" dirty="0"/>
-              <a:t>Controllers </a:t>
-            </a:r>
-            <a:r>
-              <a:rPr lang="en-US" sz="2400" dirty="0" smtClean="0"/>
-              <a:t>should </a:t>
-            </a:r>
-            <a:r>
-              <a:rPr lang="en-US" sz="2400" dirty="0" smtClean="0"/>
-              <a:t>be </a:t>
-            </a:r>
-            <a:r>
-              <a:rPr lang="en-US" sz="2400" dirty="0" err="1" smtClean="0"/>
-              <a:t>ViewModel</a:t>
-            </a:r>
-            <a:r>
-              <a:rPr lang="en-US" sz="2400" dirty="0" smtClean="0"/>
-              <a:t> </a:t>
-            </a:r>
-            <a:r>
-              <a:rPr lang="en-US" sz="2400" dirty="0" smtClean="0"/>
-              <a:t>/ Binder</a:t>
-            </a:r>
+              <a:t>Use controllers to:</a:t>
+            </a:r>
+          </a:p>
+          <a:p>
+            <a:pPr marL="342900" indent="-342900" algn="l">
+              <a:buFont typeface="Arial"/>
+              <a:buChar char="•"/>
+            </a:pPr>
             <a:endParaRPr lang="en-US" sz="2400" dirty="0"/>
           </a:p>
           <a:p>
-            <a:pPr marL="800100" lvl="1" indent="-342900" algn="l">
-              <a:buFont typeface="Arial"/>
-              <a:buChar char="•"/>
-            </a:pPr>
-            <a:r>
-              <a:rPr lang="en-US" sz="2000" dirty="0" smtClean="0"/>
-              <a:t>Only </a:t>
-            </a:r>
-            <a:r>
-              <a:rPr lang="en-US" sz="2000" dirty="0"/>
-              <a:t>coordinate data flow between the </a:t>
-            </a:r>
-            <a:r>
-              <a:rPr lang="en-US" sz="2000" dirty="0" smtClean="0"/>
-              <a:t>model </a:t>
-            </a:r>
-            <a:r>
-              <a:rPr lang="en-US" sz="2000" dirty="0"/>
-              <a:t>and view</a:t>
-            </a:r>
-          </a:p>
-          <a:p>
-            <a:pPr marL="800100" lvl="1" indent="-342900" algn="l">
-              <a:buFont typeface="Arial"/>
-              <a:buChar char="•"/>
-            </a:pPr>
-            <a:r>
-              <a:rPr lang="en-US" sz="2000" dirty="0"/>
-              <a:t>More complex logic should live in a service</a:t>
-            </a:r>
-          </a:p>
-          <a:p>
             <a:pPr marL="342900" indent="-342900" algn="l">
               <a:buFont typeface="Arial"/>
               <a:buChar char="•"/>
             </a:pPr>
             <a:r>
               <a:rPr lang="en-US" sz="2400" dirty="0"/>
-              <a:t>Controllers should never reference </a:t>
-            </a:r>
-            <a:r>
-              <a:rPr lang="en-US" sz="2400" dirty="0" smtClean="0"/>
-              <a:t>DOM</a:t>
-            </a:r>
-          </a:p>
-          <a:p>
-            <a:pPr marL="800100" lvl="1" indent="-342900" algn="l">
-              <a:buFont typeface="Arial"/>
-              <a:buChar char="•"/>
-            </a:pPr>
-            <a:r>
-              <a:rPr lang="en-US" sz="2000" dirty="0" smtClean="0"/>
-              <a:t>Directives have single responsibility for DOM mods</a:t>
-            </a:r>
-          </a:p>
-          <a:p>
-            <a:pPr marL="800100" lvl="1" indent="-342900" algn="l">
-              <a:buFont typeface="Arial"/>
-              <a:buChar char="•"/>
-            </a:pPr>
-            <a:r>
-              <a:rPr lang="en-US" sz="2000" dirty="0" smtClean="0"/>
-              <a:t>Also complicates testing</a:t>
-            </a:r>
-          </a:p>
-          <a:p>
-            <a:pPr marL="800100" lvl="1" indent="-342900" algn="l">
-              <a:buFont typeface="Arial"/>
-              <a:buChar char="•"/>
-            </a:pPr>
-            <a:r>
-              <a:rPr lang="en-US" sz="2000" dirty="0" smtClean="0"/>
-              <a:t>Directives and Controllers can communicate through scope</a:t>
-            </a:r>
-            <a:endParaRPr lang="en-US" sz="2000" dirty="0"/>
+              <a:t>Set up the initial state of the $scope object.</a:t>
+            </a:r>
+          </a:p>
+          <a:p>
+            <a:pPr marL="342900" indent="-342900" algn="l">
+              <a:buFont typeface="Arial"/>
+              <a:buChar char="•"/>
+            </a:pPr>
+            <a:r>
+              <a:rPr lang="en-US" sz="2400" dirty="0"/>
+              <a:t>Add behavior to the $scope object.</a:t>
+            </a:r>
+          </a:p>
+          <a:p>
+            <a:pPr marL="342900" indent="-342900" algn="l">
+              <a:buFont typeface="Arial"/>
+              <a:buChar char="•"/>
+            </a:pPr>
+            <a:r>
+              <a:rPr lang="en-US" sz="2400" dirty="0"/>
+              <a:t>Do not use controllers to:</a:t>
+            </a:r>
+          </a:p>
+          <a:p>
+            <a:pPr marL="342900" indent="-342900" algn="l">
+              <a:buFont typeface="Arial"/>
+              <a:buChar char="•"/>
+            </a:pPr>
+            <a:endParaRPr lang="en-US" sz="2400" dirty="0"/>
+          </a:p>
+          <a:p>
+            <a:pPr marL="342900" indent="-342900" algn="l">
+              <a:buFont typeface="Arial"/>
+              <a:buChar char="•"/>
+            </a:pPr>
+            <a:r>
+              <a:rPr lang="en-US" sz="2400" dirty="0"/>
+              <a:t>Manipulate DOM — Controllers should contain only business logic. Putting any presentation logic into Controllers significantly affects its testability. Angular has </a:t>
+            </a:r>
+            <a:r>
+              <a:rPr lang="en-US" sz="2400" dirty="0" err="1"/>
+              <a:t>databinding</a:t>
+            </a:r>
+            <a:r>
+              <a:rPr lang="en-US" sz="2400" dirty="0"/>
+              <a:t> for most cases and directives to encapsulate manual DOM manipulation.</a:t>
+            </a:r>
+          </a:p>
+          <a:p>
+            <a:pPr marL="342900" indent="-342900" algn="l">
+              <a:buFont typeface="Arial"/>
+              <a:buChar char="•"/>
+            </a:pPr>
+            <a:r>
+              <a:rPr lang="en-US" sz="2400" dirty="0"/>
+              <a:t>Format input — Use angular form controls instead.</a:t>
+            </a:r>
+          </a:p>
+          <a:p>
+            <a:pPr marL="342900" indent="-342900" algn="l">
+              <a:buFont typeface="Arial"/>
+              <a:buChar char="•"/>
+            </a:pPr>
+            <a:r>
+              <a:rPr lang="en-US" sz="2400" dirty="0"/>
+              <a:t>Filter output — Use angular filters instead.</a:t>
+            </a:r>
+          </a:p>
+          <a:p>
+            <a:pPr marL="342900" indent="-342900" algn="l">
+              <a:buFont typeface="Arial"/>
+              <a:buChar char="•"/>
+            </a:pPr>
+            <a:r>
+              <a:rPr lang="en-US" sz="2400" dirty="0"/>
+              <a:t>Share code or state across controllers — Use angular services instead.</a:t>
+            </a:r>
+          </a:p>
+          <a:p>
+            <a:pPr marL="342900" indent="-342900" algn="l">
+              <a:buFont typeface="Arial"/>
+              <a:buChar char="•"/>
+            </a:pPr>
+            <a:r>
+              <a:rPr lang="en-US" sz="2400"/>
+              <a:t>Manage the life-cycle of other components (for example, to create service instances).</a:t>
+            </a:r>
+            <a:endParaRPr lang="en-US" sz="2400" dirty="0"/>
           </a:p>
         </p:txBody>
       </p:sp>
     </p:spTree>
     <p:extLst>
       <p:ext uri="{BB962C8B-B14F-4D97-AF65-F5344CB8AC3E}">
-        <p14:creationId xmlns:p14="http://schemas.microsoft.com/office/powerpoint/2010/main" val="1976960942"/>
+        <p14:creationId xmlns:p14="http://schemas.microsoft.com/office/powerpoint/2010/main" val="2039097968"/>
       </p:ext>
     </p:extLst>
   </p:cSld>
@@ -9862,7 +7473,7 @@
           <a:p>
             <a:r>
               <a:rPr lang="en-US" dirty="0"/>
-              <a:t>Angular Scope</a:t>
+              <a:t>Controllers</a:t>
             </a:r>
           </a:p>
         </p:txBody>
@@ -9894,44 +7505,67 @@
               <a:buChar char="•"/>
             </a:pPr>
             <a:r>
+              <a:rPr lang="en-US" sz="2400" dirty="0"/>
+              <a:t>Controllers </a:t>
+            </a:r>
+            <a:r>
               <a:rPr lang="en-US" sz="2400" dirty="0" smtClean="0"/>
-              <a:t>Object </a:t>
-            </a:r>
+              <a:t>should be </a:t>
+            </a:r>
+            <a:r>
+              <a:rPr lang="en-US" sz="2400" dirty="0" err="1" smtClean="0"/>
+              <a:t>ViewModel</a:t>
+            </a:r>
+            <a:r>
+              <a:rPr lang="en-US" sz="2400" dirty="0" smtClean="0"/>
+              <a:t> / Binder</a:t>
+            </a:r>
+            <a:endParaRPr lang="en-US" sz="2400" dirty="0"/>
+          </a:p>
+          <a:p>
+            <a:pPr marL="800100" lvl="1" indent="-342900" algn="l">
+              <a:buFont typeface="Arial"/>
+              <a:buChar char="•"/>
+            </a:pPr>
+            <a:r>
+              <a:rPr lang="en-US" sz="2000" dirty="0" smtClean="0"/>
+              <a:t>Only </a:t>
+            </a:r>
+            <a:r>
+              <a:rPr lang="en-US" sz="2000" dirty="0"/>
+              <a:t>coordinate data flow between the </a:t>
+            </a:r>
+            <a:r>
+              <a:rPr lang="en-US" sz="2000" dirty="0" smtClean="0"/>
+              <a:t>model </a:t>
+            </a:r>
+            <a:r>
+              <a:rPr lang="en-US" sz="2000" dirty="0"/>
+              <a:t>and view</a:t>
+            </a:r>
+          </a:p>
+          <a:p>
+            <a:pPr marL="800100" lvl="1" indent="-342900" algn="l">
+              <a:buFont typeface="Arial"/>
+              <a:buChar char="•"/>
+            </a:pPr>
+            <a:r>
+              <a:rPr lang="en-US" sz="2000" dirty="0"/>
+              <a:t>More complex logic should live in a service</a:t>
+            </a:r>
+          </a:p>
+          <a:p>
+            <a:pPr marL="342900" indent="-342900" algn="l">
+              <a:buFont typeface="Arial"/>
+              <a:buChar char="•"/>
+            </a:pPr>
             <a:r>
               <a:rPr lang="en-US" sz="2400" dirty="0"/>
-              <a:t>that </a:t>
+              <a:t>Controllers should never reference </a:t>
             </a:r>
             <a:r>
               <a:rPr lang="en-US" sz="2400" dirty="0" smtClean="0"/>
-              <a:t>represents a slice of the </a:t>
-            </a:r>
-            <a:r>
-              <a:rPr lang="en-US" sz="2400" dirty="0"/>
-              <a:t>application </a:t>
-            </a:r>
-            <a:r>
-              <a:rPr lang="en-US" sz="2400" dirty="0" smtClean="0"/>
-              <a:t>model</a:t>
-            </a:r>
-          </a:p>
-          <a:p>
-            <a:pPr marL="342900" indent="-342900" algn="l">
-              <a:buFont typeface="Arial"/>
-              <a:buChar char="•"/>
-            </a:pPr>
-            <a:r>
-              <a:rPr lang="en-US" sz="2400" dirty="0"/>
-              <a:t>Provides the execution context for evaluating expressions</a:t>
-            </a:r>
-          </a:p>
-          <a:p>
-            <a:pPr marL="342900" indent="-342900" algn="l">
-              <a:buFont typeface="Arial"/>
-              <a:buChar char="•"/>
-            </a:pPr>
-            <a:r>
-              <a:rPr lang="en-US" sz="2400" dirty="0" smtClean="0"/>
-              <a:t>Stores…</a:t>
+              <a:t>DOM</a:t>
             </a:r>
           </a:p>
           <a:p>
@@ -9941,7 +7575,7 @@
             </a:pPr>
             <a:r>
               <a:rPr lang="en-US" sz="2000" dirty="0" smtClean="0"/>
-              <a:t>data (object properties) </a:t>
+              <a:t>Directives have single responsibility for DOM mods</a:t>
             </a:r>
           </a:p>
           <a:p>
@@ -9951,54 +7585,26 @@
             </a:pPr>
             <a:r>
               <a:rPr lang="en-US" sz="2000" dirty="0" smtClean="0"/>
-              <a:t>behavior (methods)</a:t>
+              <a:t>Also complicates testing</a:t>
+            </a:r>
+          </a:p>
+          <a:p>
+            <a:pPr marL="800100" lvl="1" indent="-342900" algn="l">
+              <a:buFont typeface="Arial"/>
+              <a:buChar char="•"/>
+            </a:pPr>
+            <a:r>
+              <a:rPr lang="en-US" sz="2000" dirty="0" smtClean="0"/>
+              <a:t>Directives and Controllers can communicate through scope</a:t>
             </a:r>
             <a:endParaRPr lang="en-US" sz="2000" dirty="0"/>
-          </a:p>
-          <a:p>
-            <a:pPr marL="342900" indent="-342900" algn="l">
-              <a:buFont typeface="Arial"/>
-              <a:buChar char="•"/>
-            </a:pPr>
-            <a:r>
-              <a:rPr lang="en-US" sz="2400" dirty="0" smtClean="0"/>
-              <a:t>Can …</a:t>
-            </a:r>
-            <a:endParaRPr lang="en-US" sz="2400" dirty="0"/>
-          </a:p>
-          <a:p>
-            <a:pPr marL="800100" lvl="1" indent="-342900" algn="l">
-              <a:buFont typeface="Arial"/>
-              <a:buChar char="•"/>
-            </a:pPr>
-            <a:r>
-              <a:rPr lang="en-US" sz="2000" dirty="0"/>
-              <a:t>observe model mutations ($watch) </a:t>
-            </a:r>
-          </a:p>
-          <a:p>
-            <a:pPr marL="800100" lvl="1" indent="-342900" algn="l">
-              <a:buFont typeface="Arial"/>
-              <a:buChar char="•"/>
-            </a:pPr>
-            <a:r>
-              <a:rPr lang="en-US" sz="2000" dirty="0"/>
-              <a:t>propagate events ($apply)</a:t>
-            </a:r>
-          </a:p>
-          <a:p>
-            <a:pPr marL="342900" indent="-342900" algn="l">
-              <a:buFont typeface="Arial"/>
-              <a:buChar char="•"/>
-            </a:pPr>
-            <a:endParaRPr lang="en-US" sz="2400" dirty="0" smtClean="0"/>
           </a:p>
         </p:txBody>
       </p:sp>
     </p:spTree>
     <p:extLst>
       <p:ext uri="{BB962C8B-B14F-4D97-AF65-F5344CB8AC3E}">
-        <p14:creationId xmlns:p14="http://schemas.microsoft.com/office/powerpoint/2010/main" val="137688822"/>
+        <p14:creationId xmlns:p14="http://schemas.microsoft.com/office/powerpoint/2010/main" val="1976960942"/>
       </p:ext>
     </p:extLst>
   </p:cSld>
@@ -10079,16 +7685,24 @@
               <a:buChar char="•"/>
             </a:pPr>
             <a:r>
+              <a:rPr lang="en-US" sz="2400" dirty="0" smtClean="0"/>
+              <a:t>Object </a:t>
+            </a:r>
+            <a:r>
               <a:rPr lang="en-US" sz="2400" dirty="0"/>
-              <a:t>Module creates $</a:t>
-            </a:r>
-            <a:r>
-              <a:rPr lang="en-US" sz="2400" dirty="0" err="1"/>
-              <a:t>rootScope</a:t>
+              <a:t>that </a:t>
+            </a:r>
+            <a:r>
+              <a:rPr lang="en-US" sz="2400" dirty="0" smtClean="0"/>
+              <a:t>represents a slice of the </a:t>
             </a:r>
             <a:r>
               <a:rPr lang="en-US" sz="2400" dirty="0"/>
-              <a:t> at startup</a:t>
+              <a:t>application </a:t>
+            </a:r>
+            <a:r>
+              <a:rPr lang="en-US" sz="2400" dirty="0" smtClean="0"/>
+              <a:t>model</a:t>
             </a:r>
           </a:p>
           <a:p>
@@ -10098,44 +7712,84 @@
             </a:pPr>
             <a:r>
               <a:rPr lang="en-US" sz="2400" dirty="0"/>
-              <a:t>Get an instance via $scope in recipe function </a:t>
-            </a:r>
-          </a:p>
-          <a:p>
-            <a:pPr marL="342900" indent="-342900" algn="l">
-              <a:buFont typeface="Arial"/>
-              <a:buChar char="•"/>
-            </a:pPr>
-            <a:r>
-              <a:rPr lang="en-US" sz="2400" dirty="0"/>
-              <a:t>.controller( '</a:t>
-            </a:r>
-            <a:r>
-              <a:rPr lang="en-US" sz="2400" dirty="0" err="1"/>
-              <a:t>controllerName</a:t>
-            </a:r>
-            <a:r>
-              <a:rPr lang="en-US" sz="2400" dirty="0"/>
-              <a:t>', function( $scope ) {…})</a:t>
-            </a:r>
+              <a:t>Provides the execution context for evaluating expressions</a:t>
+            </a:r>
+          </a:p>
+          <a:p>
+            <a:pPr marL="342900" indent="-342900" algn="l">
+              <a:buFont typeface="Arial"/>
+              <a:buChar char="•"/>
+            </a:pPr>
             <a:r>
               <a:rPr lang="en-US" sz="2400" dirty="0" smtClean="0"/>
-              <a:t>;</a:t>
-            </a:r>
-          </a:p>
-          <a:p>
-            <a:pPr marL="342900" indent="-342900" algn="l">
-              <a:buFont typeface="Arial"/>
-              <a:buChar char="•"/>
-            </a:pPr>
+              <a:t>Stores…</a:t>
+            </a:r>
+          </a:p>
+          <a:p>
+            <a:pPr marL="800100" lvl="1" indent="-342900" algn="l">
+              <a:buFont typeface="Arial"/>
+              <a:buChar char="•"/>
+            </a:pPr>
+            <a:r>
+              <a:rPr lang="en-US" sz="2000" dirty="0" smtClean="0"/>
+              <a:t>data (object properties) </a:t>
+            </a:r>
+          </a:p>
+          <a:p>
+            <a:pPr marL="800100" lvl="1" indent="-342900" algn="l">
+              <a:buFont typeface="Arial"/>
+              <a:buChar char="•"/>
+            </a:pPr>
+            <a:r>
+              <a:rPr lang="en-US" sz="2000" dirty="0" smtClean="0"/>
+              <a:t>behavior (methods)</a:t>
+            </a:r>
+            <a:endParaRPr lang="en-US" sz="2000" dirty="0"/>
+          </a:p>
+          <a:p>
+            <a:pPr marL="342900" indent="-342900" algn="l">
+              <a:buFont typeface="Arial"/>
+              <a:buChar char="•"/>
+            </a:pPr>
+            <a:r>
+              <a:rPr lang="en-US" sz="2400" dirty="0" smtClean="0"/>
+              <a:t>Can …</a:t>
+            </a:r>
             <a:endParaRPr lang="en-US" sz="2400" dirty="0"/>
+          </a:p>
+          <a:p>
+            <a:pPr marL="800100" lvl="1" indent="-342900" algn="l">
+              <a:buFont typeface="Arial"/>
+              <a:buChar char="•"/>
+            </a:pPr>
+            <a:r>
+              <a:rPr lang="en-US" sz="2000" dirty="0"/>
+              <a:t>observe model mutations ($watch) </a:t>
+            </a:r>
+          </a:p>
+          <a:p>
+            <a:pPr marL="800100" lvl="1" indent="-342900" algn="l">
+              <a:buFont typeface="Arial"/>
+              <a:buChar char="•"/>
+            </a:pPr>
+            <a:r>
+              <a:rPr lang="en-US" sz="2000" dirty="0"/>
+              <a:t>propagate events ($apply)</a:t>
+            </a:r>
+          </a:p>
+          <a:p>
+            <a:pPr marL="342900" indent="-342900" algn="l">
+              <a:buFont typeface="Arial"/>
+              <a:buChar char="•"/>
+            </a:pPr>
+            <a:endParaRPr lang="en-US" sz="2400" dirty="0" smtClean="0"/>
           </a:p>
         </p:txBody>
       </p:sp>
     </p:spTree>
     <p:extLst>
       <p:ext uri="{BB962C8B-B14F-4D97-AF65-F5344CB8AC3E}">
-        <p14:creationId xmlns:p14="http://schemas.microsoft.com/office/powerpoint/2010/main" val="1790954597"/>
+        <p14:creationId xmlns:p14="http://schemas.microsoft.com/office/powerpoint/2010/main" val="137688822"/>
       </p:ext>
     </p:extLst>
   </p:cSld>
@@ -10184,6 +7838,143 @@
           <a:p>
             <a:r>
               <a:rPr lang="en-US" dirty="0"/>
+              <a:t>Angular Scope</a:t>
+            </a:r>
+          </a:p>
+        </p:txBody>
+      </p:sp>
+      <p:sp>
+        <p:nvSpPr>
+          <p:cNvPr id="3" name="Subtitle 2"/>
+          <p:cNvSpPr>
+            <a:spLocks noGrp="1"/>
+          </p:cNvSpPr>
+          <p:nvPr>
+            <p:ph type="subTitle" idx="1"/>
+          </p:nvPr>
+        </p:nvSpPr>
+        <p:spPr>
+          <a:xfrm>
+            <a:off x="454651" y="1630710"/>
+            <a:ext cx="8371875" cy="4609893"/>
+          </a:xfrm>
+        </p:spPr>
+        <p:txBody>
+          <a:bodyPr>
+            <a:normAutofit/>
+          </a:bodyPr>
+          <a:lstStyle/>
+          <a:p>
+            <a:pPr marL="342900" indent="-342900" algn="l">
+              <a:buFont typeface="Arial"/>
+              <a:buChar char="•"/>
+            </a:pPr>
+            <a:r>
+              <a:rPr lang="en-US" sz="2400" dirty="0"/>
+              <a:t>Module creates $</a:t>
+            </a:r>
+            <a:r>
+              <a:rPr lang="en-US" sz="2400" dirty="0" err="1"/>
+              <a:t>rootScope</a:t>
+            </a:r>
+            <a:r>
+              <a:rPr lang="en-US" sz="2400" dirty="0"/>
+              <a:t> at startup</a:t>
+            </a:r>
+          </a:p>
+          <a:p>
+            <a:pPr marL="342900" indent="-342900" algn="l">
+              <a:buFont typeface="Arial"/>
+              <a:buChar char="•"/>
+            </a:pPr>
+            <a:r>
+              <a:rPr lang="en-US" sz="2400" dirty="0"/>
+              <a:t>Get an instance via $scope in recipe function </a:t>
+            </a:r>
+          </a:p>
+          <a:p>
+            <a:pPr marL="342900" indent="-342900" algn="l">
+              <a:buFont typeface="Arial"/>
+              <a:buChar char="•"/>
+            </a:pPr>
+            <a:r>
+              <a:rPr lang="en-US" sz="2400" dirty="0"/>
+              <a:t>.controller( '</a:t>
+            </a:r>
+            <a:r>
+              <a:rPr lang="en-US" sz="2400" dirty="0" err="1"/>
+              <a:t>controllerName</a:t>
+            </a:r>
+            <a:r>
+              <a:rPr lang="en-US" sz="2400" dirty="0"/>
+              <a:t>', function( $scope ) {…})</a:t>
+            </a:r>
+            <a:r>
+              <a:rPr lang="en-US" sz="2400" dirty="0" smtClean="0"/>
+              <a:t>;</a:t>
+            </a:r>
+          </a:p>
+          <a:p>
+            <a:pPr marL="342900" indent="-342900" algn="l">
+              <a:buFont typeface="Arial"/>
+              <a:buChar char="•"/>
+            </a:pPr>
+            <a:endParaRPr lang="en-US" sz="2400" dirty="0"/>
+          </a:p>
+        </p:txBody>
+      </p:sp>
+    </p:spTree>
+    <p:extLst>
+      <p:ext uri="{BB962C8B-B14F-4D97-AF65-F5344CB8AC3E}">
+        <p14:creationId xmlns:p14="http://schemas.microsoft.com/office/powerpoint/2010/main" val="1790954597"/>
+      </p:ext>
+    </p:extLst>
+  </p:cSld>
+  <p:clrMapOvr>
+    <a:masterClrMapping/>
+  </p:clrMapOvr>
+</p:sld>
+</file>
+
+<file path=ppt/slides/slide8.xml><?xml version="1.0" encoding="utf-8"?>
+<p:sld xmlns:a="http://schemas.openxmlformats.org/drawingml/2006/main" xmlns:r="http://schemas.openxmlformats.org/officeDocument/2006/relationships" xmlns:p="http://schemas.openxmlformats.org/presentationml/2006/main">
+  <p:cSld>
+    <p:spTree>
+      <p:nvGrpSpPr>
+        <p:cNvPr id="1" name=""/>
+        <p:cNvGrpSpPr/>
+        <p:nvPr/>
+      </p:nvGrpSpPr>
+      <p:grpSpPr>
+        <a:xfrm>
+          <a:off x="0" y="0"/>
+          <a:ext cx="0" cy="0"/>
+          <a:chOff x="0" y="0"/>
+          <a:chExt cx="0" cy="0"/>
+        </a:xfrm>
+      </p:grpSpPr>
+      <p:sp>
+        <p:nvSpPr>
+          <p:cNvPr id="2" name="Title 1"/>
+          <p:cNvSpPr>
+            <a:spLocks noGrp="1"/>
+          </p:cNvSpPr>
+          <p:nvPr>
+            <p:ph type="ctrTitle"/>
+          </p:nvPr>
+        </p:nvSpPr>
+        <p:spPr>
+          <a:xfrm>
+            <a:off x="685800" y="160685"/>
+            <a:ext cx="7772400" cy="1470025"/>
+          </a:xfrm>
+        </p:spPr>
+        <p:txBody>
+          <a:bodyPr/>
+          <a:lstStyle/>
+          <a:p>
+            <a:r>
+              <a:rPr lang="en-US" dirty="0"/>
               <a:t>Why scope?</a:t>
             </a:r>
           </a:p>
@@ -10307,7 +8098,7 @@
 </p:sld>
 </file>
 
-<file path=ppt/slides/slide8.xml><?xml version="1.0" encoding="utf-8"?>
+<file path=ppt/slides/slide9.xml><?xml version="1.0" encoding="utf-8"?>
 <p:sld xmlns:a="http://schemas.openxmlformats.org/drawingml/2006/main" xmlns:r="http://schemas.openxmlformats.org/officeDocument/2006/relationships" xmlns:p="http://schemas.openxmlformats.org/presentationml/2006/main">
   <p:cSld>
     <p:spTree>
@@ -10788,510 +8579,6 @@
 </p:sld>
 </file>
 
-<file path=ppt/slides/slide9.xml><?xml version="1.0" encoding="utf-8"?>
-<p:sld xmlns:a="http://schemas.openxmlformats.org/drawingml/2006/main" xmlns:r="http://schemas.openxmlformats.org/officeDocument/2006/relationships" xmlns:p="http://schemas.openxmlformats.org/presentationml/2006/main">
-  <p:cSld>
-    <p:spTree>
-      <p:nvGrpSpPr>
-        <p:cNvPr id="1" name=""/>
-        <p:cNvGrpSpPr/>
-        <p:nvPr/>
-      </p:nvGrpSpPr>
-      <p:grpSpPr>
-        <a:xfrm>
-          <a:off x="0" y="0"/>
-          <a:ext cx="0" cy="0"/>
-          <a:chOff x="0" y="0"/>
-          <a:chExt cx="0" cy="0"/>
-        </a:xfrm>
-      </p:grpSpPr>
-      <p:sp>
-        <p:nvSpPr>
-          <p:cNvPr id="2" name="Title 1"/>
-          <p:cNvSpPr>
-            <a:spLocks noGrp="1"/>
-          </p:cNvSpPr>
-          <p:nvPr>
-            <p:ph type="ctrTitle"/>
-          </p:nvPr>
-        </p:nvSpPr>
-        <p:spPr>
-          <a:xfrm>
-            <a:off x="685800" y="160685"/>
-            <a:ext cx="7772400" cy="1470025"/>
-          </a:xfrm>
-        </p:spPr>
-        <p:txBody>
-          <a:bodyPr/>
-          <a:lstStyle/>
-          <a:p>
-            <a:r>
-              <a:rPr lang="en-US" dirty="0" err="1"/>
-              <a:t>ControllerAs</a:t>
-            </a:r>
-            <a:r>
-              <a:rPr lang="en-US" dirty="0"/>
-              <a:t> syntax (</a:t>
-            </a:r>
-            <a:r>
-              <a:rPr lang="en-US" dirty="0" err="1"/>
-              <a:t>nG</a:t>
-            </a:r>
-            <a:r>
-              <a:rPr lang="en-US" dirty="0"/>
-              <a:t> 1.2+)</a:t>
-            </a:r>
-          </a:p>
-        </p:txBody>
-      </p:sp>
-      <p:sp>
-        <p:nvSpPr>
-          <p:cNvPr id="3" name="Subtitle 2"/>
-          <p:cNvSpPr>
-            <a:spLocks noGrp="1"/>
-          </p:cNvSpPr>
-          <p:nvPr>
-            <p:ph type="subTitle" idx="1"/>
-          </p:nvPr>
-        </p:nvSpPr>
-        <p:spPr>
-          <a:xfrm>
-            <a:off x="454651" y="1630710"/>
-            <a:ext cx="8371875" cy="4609893"/>
-          </a:xfrm>
-        </p:spPr>
-        <p:txBody>
-          <a:bodyPr>
-            <a:normAutofit fontScale="92500" lnSpcReduction="10000"/>
-          </a:bodyPr>
-          <a:lstStyle/>
-          <a:p>
-            <a:pPr marL="342900" indent="-342900" algn="l">
-              <a:buFont typeface="Arial"/>
-              <a:buChar char="•"/>
-            </a:pPr>
-            <a:r>
-              <a:rPr lang="nl-NL" sz="2000" dirty="0"/>
-              <a:t>Template </a:t>
-            </a:r>
-            <a:r>
-              <a:rPr lang="nl-NL" sz="2000" dirty="0" err="1"/>
-              <a:t>value</a:t>
-            </a:r>
-            <a:r>
-              <a:rPr lang="nl-NL" sz="2000" dirty="0"/>
-              <a:t> </a:t>
-            </a:r>
-            <a:r>
-              <a:rPr lang="nl-NL" sz="2000" dirty="0" err="1" smtClean="0"/>
-              <a:t>coupled</a:t>
-            </a:r>
-            <a:r>
-              <a:rPr lang="nl-NL" sz="2000" dirty="0" smtClean="0"/>
-              <a:t> </a:t>
-            </a:r>
-            <a:r>
-              <a:rPr lang="nl-NL" sz="2000" dirty="0" err="1"/>
-              <a:t>to</a:t>
-            </a:r>
-            <a:r>
-              <a:rPr lang="nl-NL" sz="2000" dirty="0"/>
-              <a:t> DOM placement ($</a:t>
-            </a:r>
-            <a:r>
-              <a:rPr lang="nl-NL" sz="2000" dirty="0" err="1"/>
-              <a:t>parent</a:t>
-            </a:r>
-            <a:r>
-              <a:rPr lang="nl-NL" sz="2000" dirty="0"/>
-              <a:t>) - </a:t>
-            </a:r>
-            <a:r>
-              <a:rPr lang="nl-NL" sz="2000" dirty="0" err="1"/>
-              <a:t>not</a:t>
-            </a:r>
-            <a:r>
-              <a:rPr lang="nl-NL" sz="2000" dirty="0"/>
-              <a:t> </a:t>
-            </a:r>
-            <a:r>
-              <a:rPr lang="nl-NL" sz="2000" dirty="0" err="1"/>
-              <a:t>moveable</a:t>
-            </a:r>
-            <a:endParaRPr lang="nl-NL" sz="2000" dirty="0"/>
-          </a:p>
-          <a:p>
-            <a:pPr lvl="1" algn="l"/>
-            <a:r>
-              <a:rPr lang="en-US" sz="1600" dirty="0" smtClean="0"/>
-              <a:t>&lt;</a:t>
-            </a:r>
-            <a:r>
-              <a:rPr lang="en-US" sz="1600" dirty="0"/>
-              <a:t>div </a:t>
-            </a:r>
-            <a:r>
-              <a:rPr lang="en-US" sz="1600" dirty="0" err="1"/>
-              <a:t>ng</a:t>
-            </a:r>
-            <a:r>
-              <a:rPr lang="en-US" sz="1600" dirty="0"/>
-              <a:t>-controller="</a:t>
-            </a:r>
-            <a:r>
-              <a:rPr lang="en-US" sz="1600" dirty="0" err="1"/>
-              <a:t>ControllerOne</a:t>
-            </a:r>
-            <a:r>
-              <a:rPr lang="en-US" sz="1600" dirty="0"/>
-              <a:t>"&gt;</a:t>
-            </a:r>
-          </a:p>
-          <a:p>
-            <a:pPr lvl="1" algn="l"/>
-            <a:r>
-              <a:rPr lang="nl-NL" sz="1600" dirty="0" smtClean="0"/>
-              <a:t>  {</a:t>
-            </a:r>
-            <a:r>
-              <a:rPr lang="nl-NL" sz="1600" dirty="0"/>
-              <a:t>{</a:t>
-            </a:r>
-            <a:r>
-              <a:rPr lang="nl-NL" sz="1600" dirty="0" err="1"/>
-              <a:t>foo</a:t>
-            </a:r>
-            <a:r>
-              <a:rPr lang="nl-NL" sz="1600" dirty="0"/>
-              <a:t>}</a:t>
-            </a:r>
-            <a:r>
-              <a:rPr lang="nl-NL" sz="1600" dirty="0" smtClean="0"/>
-              <a:t>}</a:t>
-            </a:r>
-            <a:endParaRPr lang="nl-NL" sz="1600" dirty="0"/>
-          </a:p>
-          <a:p>
-            <a:pPr lvl="1" algn="l"/>
-            <a:r>
-              <a:rPr lang="nl-NL" sz="1600" dirty="0" smtClean="0"/>
-              <a:t>&lt;</a:t>
-            </a:r>
-            <a:r>
-              <a:rPr lang="nl-NL" sz="1600" dirty="0"/>
-              <a:t>div </a:t>
-            </a:r>
-            <a:r>
-              <a:rPr lang="nl-NL" sz="1600" dirty="0" err="1"/>
-              <a:t>ng</a:t>
-            </a:r>
-            <a:r>
-              <a:rPr lang="nl-NL" sz="1600" dirty="0"/>
-              <a:t>-controller="</a:t>
-            </a:r>
-            <a:r>
-              <a:rPr lang="nl-NL" sz="1600" dirty="0" err="1"/>
-              <a:t>ControllerTwo</a:t>
-            </a:r>
-            <a:r>
-              <a:rPr lang="nl-NL" sz="1600" dirty="0"/>
-              <a:t>"&gt;</a:t>
-            </a:r>
-          </a:p>
-          <a:p>
-            <a:pPr lvl="1" algn="l"/>
-            <a:r>
-              <a:rPr lang="nl-NL" sz="1600" dirty="0" smtClean="0"/>
-              <a:t>   {</a:t>
-            </a:r>
-            <a:r>
-              <a:rPr lang="nl-NL" sz="1600" dirty="0"/>
-              <a:t>{</a:t>
-            </a:r>
-            <a:r>
-              <a:rPr lang="nl-NL" sz="1600" dirty="0" err="1"/>
-              <a:t>foo</a:t>
-            </a:r>
-            <a:r>
-              <a:rPr lang="nl-NL" sz="1600" dirty="0"/>
-              <a:t>}}</a:t>
-            </a:r>
-          </a:p>
-          <a:p>
-            <a:pPr lvl="1" algn="l"/>
-            <a:r>
-              <a:rPr lang="nl-NL" sz="1600" dirty="0" smtClean="0"/>
-              <a:t>  {</a:t>
-            </a:r>
-            <a:r>
-              <a:rPr lang="nl-NL" sz="1600" dirty="0"/>
-              <a:t>{$</a:t>
-            </a:r>
-            <a:r>
-              <a:rPr lang="nl-NL" sz="1600" dirty="0" err="1"/>
-              <a:t>parent.foo</a:t>
-            </a:r>
-            <a:r>
-              <a:rPr lang="nl-NL" sz="1600" dirty="0"/>
-              <a:t>}}</a:t>
-            </a:r>
-          </a:p>
-          <a:p>
-            <a:pPr marL="342900" indent="-342900" algn="l">
-              <a:buFont typeface="Arial"/>
-              <a:buChar char="•"/>
-            </a:pPr>
-            <a:r>
-              <a:rPr lang="nl-NL" sz="2000" dirty="0" smtClean="0"/>
-              <a:t>Template </a:t>
-            </a:r>
-            <a:r>
-              <a:rPr lang="nl-NL" sz="2000" dirty="0" err="1" smtClean="0"/>
-              <a:t>decoupled</a:t>
-            </a:r>
-            <a:r>
-              <a:rPr lang="nl-NL" sz="2000" dirty="0" smtClean="0"/>
-              <a:t> - </a:t>
-            </a:r>
-            <a:r>
-              <a:rPr lang="nl-NL" sz="2000" dirty="0" err="1" smtClean="0"/>
-              <a:t>moveable</a:t>
-            </a:r>
-            <a:endParaRPr lang="nl-NL" sz="2000" dirty="0" smtClean="0"/>
-          </a:p>
-          <a:p>
-            <a:pPr lvl="1" algn="l"/>
-            <a:r>
-              <a:rPr lang="nl-NL" sz="1600" dirty="0" smtClean="0"/>
-              <a:t>  &lt;div </a:t>
-            </a:r>
-            <a:r>
-              <a:rPr lang="nl-NL" sz="1600" dirty="0" err="1" smtClean="0"/>
-              <a:t>ng</a:t>
-            </a:r>
-            <a:r>
-              <a:rPr lang="nl-NL" sz="1600" dirty="0" smtClean="0"/>
-              <a:t>-controller="</a:t>
-            </a:r>
-            <a:r>
-              <a:rPr lang="nl-NL" sz="1600" dirty="0" err="1" smtClean="0"/>
-              <a:t>ControllerOne</a:t>
-            </a:r>
-            <a:r>
-              <a:rPr lang="nl-NL" sz="1600" dirty="0" smtClean="0"/>
-              <a:t> as ctrl1"&gt;</a:t>
-            </a:r>
-          </a:p>
-          <a:p>
-            <a:pPr lvl="1" algn="l"/>
-            <a:r>
-              <a:rPr lang="nl-NL" sz="1600" dirty="0" smtClean="0"/>
-              <a:t>    {</a:t>
-            </a:r>
-            <a:r>
-              <a:rPr lang="nl-NL" sz="1600" dirty="0"/>
-              <a:t>{ctrl1.foo}}</a:t>
-            </a:r>
-          </a:p>
-          <a:p>
-            <a:pPr algn="l"/>
-            <a:r>
-              <a:rPr lang="nl-NL" sz="1600" dirty="0"/>
-              <a:t>          &lt;div </a:t>
-            </a:r>
-            <a:r>
-              <a:rPr lang="nl-NL" sz="1600" dirty="0" err="1"/>
-              <a:t>ng</a:t>
-            </a:r>
-            <a:r>
-              <a:rPr lang="nl-NL" sz="1600" dirty="0"/>
-              <a:t>-</a:t>
-            </a:r>
-            <a:r>
-              <a:rPr lang="nl-NL" sz="1600" dirty="0" smtClean="0"/>
-              <a:t>controller</a:t>
-            </a:r>
-            <a:r>
-              <a:rPr lang="nl-NL" sz="1600" dirty="0"/>
-              <a:t>="</a:t>
-            </a:r>
-            <a:r>
-              <a:rPr lang="nl-NL" sz="1600" dirty="0" err="1"/>
-              <a:t>ControllerTwo</a:t>
-            </a:r>
-            <a:r>
-              <a:rPr lang="nl-NL" sz="1600" dirty="0"/>
-              <a:t> as ctrl2"&gt;</a:t>
-            </a:r>
-          </a:p>
-          <a:p>
-            <a:pPr lvl="1" algn="l"/>
-            <a:r>
-              <a:rPr lang="nl-NL" sz="1600" dirty="0"/>
-              <a:t>   </a:t>
-            </a:r>
-            <a:r>
-              <a:rPr lang="nl-NL" sz="1600" dirty="0" smtClean="0"/>
-              <a:t>  {</a:t>
-            </a:r>
-            <a:r>
-              <a:rPr lang="nl-NL" sz="1600" dirty="0"/>
-              <a:t>{ctrl2.foo}}</a:t>
-            </a:r>
-          </a:p>
-          <a:p>
-            <a:pPr lvl="1" algn="l"/>
-            <a:r>
-              <a:rPr lang="nl-NL" sz="1600" dirty="0"/>
-              <a:t>     </a:t>
-            </a:r>
-            <a:r>
-              <a:rPr lang="nl-NL" sz="1600" dirty="0" smtClean="0"/>
-              <a:t>{</a:t>
-            </a:r>
-            <a:r>
-              <a:rPr lang="nl-NL" sz="1600" dirty="0"/>
-              <a:t>{ctrl1.foo}}</a:t>
-            </a:r>
-          </a:p>
-          <a:p>
-            <a:pPr marL="342900" indent="-342900" algn="l">
-              <a:buFont typeface="Arial"/>
-              <a:buChar char="•"/>
-            </a:pPr>
-            <a:r>
-              <a:rPr lang="nl-NL" sz="2000" dirty="0" smtClean="0"/>
-              <a:t>Syntax </a:t>
-            </a:r>
-            <a:r>
-              <a:rPr lang="nl-NL" sz="2000" dirty="0" err="1"/>
-              <a:t>not</a:t>
-            </a:r>
-            <a:r>
-              <a:rPr lang="nl-NL" sz="2000" dirty="0"/>
-              <a:t> </a:t>
-            </a:r>
-            <a:r>
-              <a:rPr lang="nl-NL" sz="2000" dirty="0" err="1"/>
-              <a:t>limited</a:t>
-            </a:r>
-            <a:r>
-              <a:rPr lang="nl-NL" sz="2000" dirty="0"/>
-              <a:t> </a:t>
-            </a:r>
-            <a:r>
-              <a:rPr lang="nl-NL" sz="2000" dirty="0" err="1"/>
-              <a:t>to</a:t>
-            </a:r>
-            <a:r>
-              <a:rPr lang="nl-NL" sz="2000" dirty="0"/>
-              <a:t> views - </a:t>
-            </a:r>
-            <a:r>
-              <a:rPr lang="nl-NL" sz="2000" dirty="0" err="1"/>
-              <a:t>heres</a:t>
-            </a:r>
-            <a:r>
-              <a:rPr lang="nl-NL" sz="2000" dirty="0"/>
-              <a:t> a Directive Definition </a:t>
-            </a:r>
-            <a:r>
-              <a:rPr lang="nl-NL" sz="2000" dirty="0" smtClean="0"/>
-              <a:t>Object:</a:t>
-            </a:r>
-          </a:p>
-          <a:p>
-            <a:pPr lvl="1" algn="l"/>
-            <a:r>
-              <a:rPr lang="fr-FR" sz="1600" dirty="0" smtClean="0"/>
-              <a:t>{ </a:t>
-            </a:r>
-            <a:r>
-              <a:rPr lang="fr-FR" sz="1600" dirty="0" err="1" smtClean="0"/>
-              <a:t>restrict</a:t>
-            </a:r>
-            <a:r>
-              <a:rPr lang="fr-FR" sz="1600" dirty="0" smtClean="0"/>
-              <a:t>: 'A',</a:t>
-            </a:r>
-          </a:p>
-          <a:p>
-            <a:pPr lvl="1" algn="l"/>
-            <a:r>
-              <a:rPr lang="fr-FR" sz="1600" dirty="0" smtClean="0"/>
-              <a:t> </a:t>
-            </a:r>
-            <a:r>
-              <a:rPr lang="fr-FR" sz="1600" dirty="0" err="1" smtClean="0"/>
-              <a:t>controller</a:t>
-            </a:r>
-            <a:r>
-              <a:rPr lang="fr-FR" sz="1600" dirty="0"/>
-              <a:t>: '</a:t>
-            </a:r>
-            <a:r>
-              <a:rPr lang="fr-FR" sz="1600" dirty="0" err="1"/>
-              <a:t>SomeController</a:t>
-            </a:r>
-            <a:r>
-              <a:rPr lang="fr-FR" sz="1600" dirty="0"/>
-              <a:t>',</a:t>
-            </a:r>
-          </a:p>
-          <a:p>
-            <a:pPr lvl="1" algn="l"/>
-            <a:r>
-              <a:rPr lang="fr-FR" sz="1600" dirty="0" smtClean="0"/>
-              <a:t> </a:t>
-            </a:r>
-            <a:r>
-              <a:rPr lang="fr-FR" sz="1600" dirty="0" err="1" smtClean="0"/>
-              <a:t>controllerAs</a:t>
-            </a:r>
-            <a:r>
-              <a:rPr lang="fr-FR" sz="1600" dirty="0"/>
-              <a:t>: 'ctrl',</a:t>
-            </a:r>
-          </a:p>
-          <a:p>
-            <a:pPr lvl="1" algn="l"/>
-            <a:r>
-              <a:rPr lang="nl-NL" sz="1600" dirty="0" smtClean="0"/>
-              <a:t> template</a:t>
-            </a:r>
-            <a:r>
-              <a:rPr lang="nl-NL" sz="1600" dirty="0"/>
-              <a:t>: '{{</a:t>
-            </a:r>
-            <a:r>
-              <a:rPr lang="nl-NL" sz="1600" dirty="0" err="1"/>
-              <a:t>ctrl.foo</a:t>
-            </a:r>
-            <a:r>
-              <a:rPr lang="nl-NL" sz="1600" dirty="0"/>
-              <a:t>}</a:t>
-            </a:r>
-            <a:r>
-              <a:rPr lang="nl-NL" sz="1600" dirty="0" smtClean="0"/>
-              <a:t>}’}</a:t>
-            </a:r>
-            <a:endParaRPr lang="en-US" sz="1700" dirty="0"/>
-          </a:p>
-        </p:txBody>
-      </p:sp>
-    </p:spTree>
-    <p:extLst>
-      <p:ext uri="{BB962C8B-B14F-4D97-AF65-F5344CB8AC3E}">
-        <p14:creationId xmlns:p14="http://schemas.microsoft.com/office/powerpoint/2010/main" val="852562316"/>
-      </p:ext>
-    </p:extLst>
-  </p:cSld>
-  <p:clrMapOvr>
-    <a:masterClrMapping/>
-  </p:clrMapOvr>
-</p:sld>
-</file>
-
 <file path=ppt/theme/theme1.xml><?xml version="1.0" encoding="utf-8"?>
 <a:theme xmlns:a="http://schemas.openxmlformats.org/drawingml/2006/main" name=" Black ">
   <a:themeElements>

--- a/slides/Angular Slides Day 2.pptx
+++ b/slides/Angular Slides Day 2.pptx
@@ -3213,6 +3213,13 @@
   <p:clrMapOvr>
     <a:masterClrMapping/>
   </p:clrMapOvr>
+  <p:timing>
+    <p:tnLst>
+      <p:par>
+        <p:cTn xmlns:p14="http://schemas.microsoft.com/office/powerpoint/2010/main" id="1" dur="indefinite" restart="never" nodeType="tmRoot"/>
+      </p:par>
+    </p:tnLst>
+  </p:timing>
 </p:sld>
 </file>
 
@@ -3431,6 +3438,13 @@
   <p:clrMapOvr>
     <a:masterClrMapping/>
   </p:clrMapOvr>
+  <p:timing>
+    <p:tnLst>
+      <p:par>
+        <p:cTn xmlns:p14="http://schemas.microsoft.com/office/powerpoint/2010/main" id="1" dur="indefinite" restart="never" nodeType="tmRoot"/>
+      </p:par>
+    </p:tnLst>
+  </p:timing>
 </p:sld>
 </file>
 
@@ -3590,6 +3604,13 @@
   <p:clrMapOvr>
     <a:masterClrMapping/>
   </p:clrMapOvr>
+  <p:timing>
+    <p:tnLst>
+      <p:par>
+        <p:cTn xmlns:p14="http://schemas.microsoft.com/office/powerpoint/2010/main" id="1" dur="indefinite" restart="never" nodeType="tmRoot"/>
+      </p:par>
+    </p:tnLst>
+  </p:timing>
 </p:sld>
 </file>
 
@@ -4330,15 +4351,23 @@
             </a:r>
             <a:r>
               <a:rPr lang="en-US" sz="2400" dirty="0"/>
-              <a:t>', function ($scope, </a:t>
-            </a:r>
-            <a:r>
-              <a:rPr lang="en-US" sz="2400" dirty="0" err="1"/>
-              <a:t>myInjectable</a:t>
+              <a:t>', function </a:t>
+            </a:r>
+            <a:r>
+              <a:rPr lang="en-US" sz="2400" dirty="0" smtClean="0"/>
+              <a:t>( $scope</a:t>
             </a:r>
             <a:r>
               <a:rPr lang="en-US" sz="2400" dirty="0"/>
-              <a:t>) {...})</a:t>
+              <a:t> </a:t>
+            </a:r>
+            <a:r>
+              <a:rPr lang="en-US" sz="2400" dirty="0" smtClean="0"/>
+              <a:t>) </a:t>
+            </a:r>
+            <a:r>
+              <a:rPr lang="en-US" sz="2400" dirty="0"/>
+              <a:t>{...})</a:t>
             </a:r>
           </a:p>
           <a:p>
@@ -5425,6 +5454,13 @@
   <p:clrMapOvr>
     <a:masterClrMapping/>
   </p:clrMapOvr>
+  <p:timing>
+    <p:tnLst>
+      <p:par>
+        <p:cTn xmlns:p14="http://schemas.microsoft.com/office/powerpoint/2010/main" id="1" dur="indefinite" restart="never" nodeType="tmRoot"/>
+      </p:par>
+    </p:tnLst>
+  </p:timing>
 </p:sld>
 </file>
 
@@ -6795,6 +6831,13 @@
   <p:clrMapOvr>
     <a:masterClrMapping/>
   </p:clrMapOvr>
+  <p:timing>
+    <p:tnLst>
+      <p:par>
+        <p:cTn xmlns:p14="http://schemas.microsoft.com/office/powerpoint/2010/main" id="1" dur="indefinite" restart="never" nodeType="tmRoot"/>
+      </p:par>
+    </p:tnLst>
+  </p:timing>
 </p:sld>
 </file>
 
@@ -7053,6 +7096,13 @@
   <p:clrMapOvr>
     <a:masterClrMapping/>
   </p:clrMapOvr>
+  <p:timing>
+    <p:tnLst>
+      <p:par>
+        <p:cTn xmlns:p14="http://schemas.microsoft.com/office/powerpoint/2010/main" id="1" dur="indefinite" restart="never" nodeType="tmRoot"/>
+      </p:par>
+    </p:tnLst>
+  </p:timing>
 </p:sld>
 </file>
 
@@ -7333,6 +7383,13 @@
   <p:clrMapOvr>
     <a:masterClrMapping/>
   </p:clrMapOvr>
+  <p:timing>
+    <p:tnLst>
+      <p:par>
+        <p:cTn xmlns:p14="http://schemas.microsoft.com/office/powerpoint/2010/main" id="1" dur="indefinite" restart="never" nodeType="tmRoot"/>
+      </p:par>
+    </p:tnLst>
+  </p:timing>
 </p:sld>
 </file>
 
@@ -7518,6 +7575,13 @@
   <p:clrMapOvr>
     <a:masterClrMapping/>
   </p:clrMapOvr>
+  <p:timing>
+    <p:tnLst>
+      <p:par>
+        <p:cTn xmlns:p14="http://schemas.microsoft.com/office/powerpoint/2010/main" id="1" dur="indefinite" restart="never" nodeType="tmRoot"/>
+      </p:par>
+    </p:tnLst>
+  </p:timing>
 </p:sld>
 </file>
 
@@ -7655,6 +7719,13 @@
   <p:clrMapOvr>
     <a:masterClrMapping/>
   </p:clrMapOvr>
+  <p:timing>
+    <p:tnLst>
+      <p:par>
+        <p:cTn xmlns:p14="http://schemas.microsoft.com/office/powerpoint/2010/main" id="1" dur="indefinite" restart="never" nodeType="tmRoot"/>
+      </p:par>
+    </p:tnLst>
+  </p:timing>
 </p:sld>
 </file>
 
@@ -7829,6 +7900,13 @@
   <p:clrMapOvr>
     <a:masterClrMapping/>
   </p:clrMapOvr>
+  <p:timing>
+    <p:tnLst>
+      <p:par>
+        <p:cTn xmlns:p14="http://schemas.microsoft.com/office/powerpoint/2010/main" id="1" dur="indefinite" restart="never" nodeType="tmRoot"/>
+      </p:par>
+    </p:tnLst>
+  </p:timing>
 </p:sld>
 </file>
 
@@ -8310,6 +8388,13 @@
   <p:clrMapOvr>
     <a:masterClrMapping/>
   </p:clrMapOvr>
+  <p:timing>
+    <p:tnLst>
+      <p:par>
+        <p:cTn xmlns:p14="http://schemas.microsoft.com/office/powerpoint/2010/main" id="1" dur="indefinite" restart="never" nodeType="tmRoot"/>
+      </p:par>
+    </p:tnLst>
+  </p:timing>
 </p:sld>
 </file>
 
